--- a/presentation.pptx
+++ b/presentation.pptx
@@ -5,7 +5,7 @@
     <p:sldMasterId id="2147483659" r:id="rId4"/>
   </p:sldMasterIdLst>
   <p:notesMasterIdLst>
-    <p:notesMasterId r:id="rId23"/>
+    <p:notesMasterId r:id="rId26"/>
   </p:notesMasterIdLst>
   <p:sldIdLst>
     <p:sldId id="256" r:id="rId5"/>
@@ -13,44 +13,47 @@
     <p:sldId id="259" r:id="rId7"/>
     <p:sldId id="262" r:id="rId8"/>
     <p:sldId id="290" r:id="rId9"/>
-    <p:sldId id="283" r:id="rId10"/>
-    <p:sldId id="284" r:id="rId11"/>
-    <p:sldId id="285" r:id="rId12"/>
-    <p:sldId id="286" r:id="rId13"/>
-    <p:sldId id="287" r:id="rId14"/>
-    <p:sldId id="288" r:id="rId15"/>
-    <p:sldId id="260" r:id="rId16"/>
-    <p:sldId id="277" r:id="rId17"/>
-    <p:sldId id="278" r:id="rId18"/>
-    <p:sldId id="279" r:id="rId19"/>
-    <p:sldId id="281" r:id="rId20"/>
-    <p:sldId id="282" r:id="rId21"/>
-    <p:sldId id="289" r:id="rId22"/>
+    <p:sldId id="291" r:id="rId10"/>
+    <p:sldId id="283" r:id="rId11"/>
+    <p:sldId id="292" r:id="rId12"/>
+    <p:sldId id="284" r:id="rId13"/>
+    <p:sldId id="285" r:id="rId14"/>
+    <p:sldId id="286" r:id="rId15"/>
+    <p:sldId id="287" r:id="rId16"/>
+    <p:sldId id="288" r:id="rId17"/>
+    <p:sldId id="293" r:id="rId18"/>
+    <p:sldId id="260" r:id="rId19"/>
+    <p:sldId id="277" r:id="rId20"/>
+    <p:sldId id="278" r:id="rId21"/>
+    <p:sldId id="279" r:id="rId22"/>
+    <p:sldId id="281" r:id="rId23"/>
+    <p:sldId id="282" r:id="rId24"/>
+    <p:sldId id="289" r:id="rId25"/>
   </p:sldIdLst>
   <p:sldSz cx="9144000" cy="5143500" type="screen16x9"/>
   <p:notesSz cx="6858000" cy="9144000"/>
   <p:embeddedFontLst>
     <p:embeddedFont>
       <p:font typeface="Cambria Math" panose="02040503050406030204" pitchFamily="18" charset="0"/>
-      <p:regular r:id="rId24"/>
+      <p:regular r:id="rId27"/>
     </p:embeddedFont>
     <p:embeddedFont>
       <p:font typeface="Edwardian Script ITC" panose="030303020407070D0804" pitchFamily="66" charset="77"/>
-      <p:regular r:id="rId25"/>
+      <p:regular r:id="rId28"/>
     </p:embeddedFont>
     <p:embeddedFont>
       <p:font typeface="Lato" panose="020F0502020204030203" pitchFamily="34" charset="0"/>
-      <p:regular r:id="rId26"/>
-      <p:bold r:id="rId27"/>
-      <p:italic r:id="rId28"/>
-      <p:boldItalic r:id="rId29"/>
+      <p:regular r:id="rId29"/>
+      <p:bold r:id="rId30"/>
+      <p:italic r:id="rId31"/>
+      <p:boldItalic r:id="rId32"/>
     </p:embeddedFont>
     <p:embeddedFont>
       <p:font typeface="Raleway" pitchFamily="2" charset="77"/>
-      <p:regular r:id="rId30"/>
-      <p:bold r:id="rId31"/>
-      <p:italic r:id="rId32"/>
-      <p:boldItalic r:id="rId33"/>
+      <p:regular r:id="rId33"/>
+      <p:bold r:id="rId34"/>
+      <p:italic r:id="rId35"/>
+      <p:boldItalic r:id="rId36"/>
     </p:embeddedFont>
   </p:embeddedFontLst>
   <p:defaultTextStyle>
@@ -854,6 +857,260 @@
         <p:cNvPr id="1" name="Shape 96">
           <a:extLst>
             <a:ext uri="{FF2B5EF4-FFF2-40B4-BE49-F238E27FC236}">
+              <a16:creationId xmlns:a16="http://schemas.microsoft.com/office/drawing/2014/main" id="{DEB9A476-EC9F-C957-5DE6-6A77FC579E41}"/>
+            </a:ext>
+          </a:extLst>
+        </p:cNvPr>
+        <p:cNvGrpSpPr/>
+        <p:nvPr/>
+      </p:nvGrpSpPr>
+      <p:grpSpPr>
+        <a:xfrm>
+          <a:off x="0" y="0"/>
+          <a:ext cx="0" cy="0"/>
+          <a:chOff x="0" y="0"/>
+          <a:chExt cx="0" cy="0"/>
+        </a:xfrm>
+      </p:grpSpPr>
+      <p:sp>
+        <p:nvSpPr>
+          <p:cNvPr id="97" name="Google Shape;97;g12010fc58e3_0_9:notes">
+            <a:extLst>
+              <a:ext uri="{FF2B5EF4-FFF2-40B4-BE49-F238E27FC236}">
+                <a16:creationId xmlns:a16="http://schemas.microsoft.com/office/drawing/2014/main" id="{C31E7446-D6FE-0639-98EF-C8D4F97080FE}"/>
+              </a:ext>
+            </a:extLst>
+          </p:cNvPr>
+          <p:cNvSpPr>
+            <a:spLocks noGrp="1" noRot="1" noChangeAspect="1"/>
+          </p:cNvSpPr>
+          <p:nvPr>
+            <p:ph type="sldImg" idx="2"/>
+          </p:nvPr>
+        </p:nvSpPr>
+        <p:spPr>
+          <a:xfrm>
+            <a:off x="381000" y="685800"/>
+            <a:ext cx="6096000" cy="3429000"/>
+          </a:xfrm>
+          <a:custGeom>
+            <a:avLst/>
+            <a:gdLst/>
+            <a:ahLst/>
+            <a:cxnLst/>
+            <a:rect l="l" t="t" r="r" b="b"/>
+            <a:pathLst>
+              <a:path w="120000" h="120000" extrusionOk="0">
+                <a:moveTo>
+                  <a:pt x="0" y="0"/>
+                </a:moveTo>
+                <a:lnTo>
+                  <a:pt x="120000" y="0"/>
+                </a:lnTo>
+                <a:lnTo>
+                  <a:pt x="120000" y="120000"/>
+                </a:lnTo>
+                <a:lnTo>
+                  <a:pt x="0" y="120000"/>
+                </a:lnTo>
+                <a:close/>
+              </a:path>
+            </a:pathLst>
+          </a:custGeom>
+        </p:spPr>
+      </p:sp>
+      <p:sp>
+        <p:nvSpPr>
+          <p:cNvPr id="98" name="Google Shape;98;g12010fc58e3_0_9:notes">
+            <a:extLst>
+              <a:ext uri="{FF2B5EF4-FFF2-40B4-BE49-F238E27FC236}">
+                <a16:creationId xmlns:a16="http://schemas.microsoft.com/office/drawing/2014/main" id="{828F9565-5E4A-EDE9-DAAD-92597D60E68A}"/>
+              </a:ext>
+            </a:extLst>
+          </p:cNvPr>
+          <p:cNvSpPr txBox="1">
+            <a:spLocks noGrp="1"/>
+          </p:cNvSpPr>
+          <p:nvPr>
+            <p:ph type="body" idx="1"/>
+          </p:nvPr>
+        </p:nvSpPr>
+        <p:spPr>
+          <a:xfrm>
+            <a:off x="685800" y="4343400"/>
+            <a:ext cx="5486400" cy="4114800"/>
+          </a:xfrm>
+          <a:prstGeom prst="rect">
+            <a:avLst/>
+          </a:prstGeom>
+        </p:spPr>
+        <p:txBody>
+          <a:bodyPr spcFirstLastPara="1" wrap="square" lIns="91425" tIns="91425" rIns="91425" bIns="91425" anchor="t" anchorCtr="0">
+            <a:noAutofit/>
+          </a:bodyPr>
+          <a:lstStyle/>
+          <a:p>
+            <a:pPr marL="0" lvl="0" indent="0" algn="l" rtl="0">
+              <a:spcBef>
+                <a:spcPts val="0"/>
+              </a:spcBef>
+              <a:spcAft>
+                <a:spcPts val="0"/>
+              </a:spcAft>
+              <a:buNone/>
+            </a:pPr>
+            <a:endParaRPr/>
+          </a:p>
+        </p:txBody>
+      </p:sp>
+    </p:spTree>
+    <p:extLst>
+      <p:ext uri="{BB962C8B-B14F-4D97-AF65-F5344CB8AC3E}">
+        <p14:creationId xmlns:p14="http://schemas.microsoft.com/office/powerpoint/2010/main" val="3572904437"/>
+      </p:ext>
+    </p:extLst>
+  </p:cSld>
+  <p:clrMapOvr>
+    <a:masterClrMapping/>
+  </p:clrMapOvr>
+</p:notes>
+</file>
+
+<file path=ppt/notesSlides/notesSlide11.xml><?xml version="1.0" encoding="utf-8"?>
+<p:notes xmlns:a="http://schemas.openxmlformats.org/drawingml/2006/main" xmlns:r="http://schemas.openxmlformats.org/officeDocument/2006/relationships" xmlns:p="http://schemas.openxmlformats.org/presentationml/2006/main" showMasterSp="0" showMasterPhAnim="0">
+  <p:cSld>
+    <p:spTree>
+      <p:nvGrpSpPr>
+        <p:cNvPr id="1" name="Shape 96">
+          <a:extLst>
+            <a:ext uri="{FF2B5EF4-FFF2-40B4-BE49-F238E27FC236}">
+              <a16:creationId xmlns:a16="http://schemas.microsoft.com/office/drawing/2014/main" id="{EFE52666-9C0D-593C-5CDE-84A7F885BA44}"/>
+            </a:ext>
+          </a:extLst>
+        </p:cNvPr>
+        <p:cNvGrpSpPr/>
+        <p:nvPr/>
+      </p:nvGrpSpPr>
+      <p:grpSpPr>
+        <a:xfrm>
+          <a:off x="0" y="0"/>
+          <a:ext cx="0" cy="0"/>
+          <a:chOff x="0" y="0"/>
+          <a:chExt cx="0" cy="0"/>
+        </a:xfrm>
+      </p:grpSpPr>
+      <p:sp>
+        <p:nvSpPr>
+          <p:cNvPr id="97" name="Google Shape;97;g12010fc58e3_0_9:notes">
+            <a:extLst>
+              <a:ext uri="{FF2B5EF4-FFF2-40B4-BE49-F238E27FC236}">
+                <a16:creationId xmlns:a16="http://schemas.microsoft.com/office/drawing/2014/main" id="{F32968A3-5E38-54C5-E17E-C7E98DD0213A}"/>
+              </a:ext>
+            </a:extLst>
+          </p:cNvPr>
+          <p:cNvSpPr>
+            <a:spLocks noGrp="1" noRot="1" noChangeAspect="1"/>
+          </p:cNvSpPr>
+          <p:nvPr>
+            <p:ph type="sldImg" idx="2"/>
+          </p:nvPr>
+        </p:nvSpPr>
+        <p:spPr>
+          <a:xfrm>
+            <a:off x="381000" y="685800"/>
+            <a:ext cx="6096000" cy="3429000"/>
+          </a:xfrm>
+          <a:custGeom>
+            <a:avLst/>
+            <a:gdLst/>
+            <a:ahLst/>
+            <a:cxnLst/>
+            <a:rect l="l" t="t" r="r" b="b"/>
+            <a:pathLst>
+              <a:path w="120000" h="120000" extrusionOk="0">
+                <a:moveTo>
+                  <a:pt x="0" y="0"/>
+                </a:moveTo>
+                <a:lnTo>
+                  <a:pt x="120000" y="0"/>
+                </a:lnTo>
+                <a:lnTo>
+                  <a:pt x="120000" y="120000"/>
+                </a:lnTo>
+                <a:lnTo>
+                  <a:pt x="0" y="120000"/>
+                </a:lnTo>
+                <a:close/>
+              </a:path>
+            </a:pathLst>
+          </a:custGeom>
+        </p:spPr>
+      </p:sp>
+      <p:sp>
+        <p:nvSpPr>
+          <p:cNvPr id="98" name="Google Shape;98;g12010fc58e3_0_9:notes">
+            <a:extLst>
+              <a:ext uri="{FF2B5EF4-FFF2-40B4-BE49-F238E27FC236}">
+                <a16:creationId xmlns:a16="http://schemas.microsoft.com/office/drawing/2014/main" id="{37FC326B-AE69-5B31-92E3-F99FB25D3EBF}"/>
+              </a:ext>
+            </a:extLst>
+          </p:cNvPr>
+          <p:cNvSpPr txBox="1">
+            <a:spLocks noGrp="1"/>
+          </p:cNvSpPr>
+          <p:nvPr>
+            <p:ph type="body" idx="1"/>
+          </p:nvPr>
+        </p:nvSpPr>
+        <p:spPr>
+          <a:xfrm>
+            <a:off x="685800" y="4343400"/>
+            <a:ext cx="5486400" cy="4114800"/>
+          </a:xfrm>
+          <a:prstGeom prst="rect">
+            <a:avLst/>
+          </a:prstGeom>
+        </p:spPr>
+        <p:txBody>
+          <a:bodyPr spcFirstLastPara="1" wrap="square" lIns="91425" tIns="91425" rIns="91425" bIns="91425" anchor="t" anchorCtr="0">
+            <a:noAutofit/>
+          </a:bodyPr>
+          <a:lstStyle/>
+          <a:p>
+            <a:pPr marL="0" lvl="0" indent="0" algn="l" rtl="0">
+              <a:spcBef>
+                <a:spcPts val="0"/>
+              </a:spcBef>
+              <a:spcAft>
+                <a:spcPts val="0"/>
+              </a:spcAft>
+              <a:buNone/>
+            </a:pPr>
+            <a:endParaRPr/>
+          </a:p>
+        </p:txBody>
+      </p:sp>
+    </p:spTree>
+    <p:extLst>
+      <p:ext uri="{BB962C8B-B14F-4D97-AF65-F5344CB8AC3E}">
+        <p14:creationId xmlns:p14="http://schemas.microsoft.com/office/powerpoint/2010/main" val="1173936063"/>
+      </p:ext>
+    </p:extLst>
+  </p:cSld>
+  <p:clrMapOvr>
+    <a:masterClrMapping/>
+  </p:clrMapOvr>
+</p:notes>
+</file>
+
+<file path=ppt/notesSlides/notesSlide12.xml><?xml version="1.0" encoding="utf-8"?>
+<p:notes xmlns:a="http://schemas.openxmlformats.org/drawingml/2006/main" xmlns:r="http://schemas.openxmlformats.org/officeDocument/2006/relationships" xmlns:p="http://schemas.openxmlformats.org/presentationml/2006/main" showMasterSp="0" showMasterPhAnim="0">
+  <p:cSld>
+    <p:spTree>
+      <p:nvGrpSpPr>
+        <p:cNvPr id="1" name="Shape 96">
+          <a:extLst>
+            <a:ext uri="{FF2B5EF4-FFF2-40B4-BE49-F238E27FC236}">
               <a16:creationId xmlns:a16="http://schemas.microsoft.com/office/drawing/2014/main" id="{603EF480-94F4-263B-F60F-1ACA72DF04E2}"/>
             </a:ext>
           </a:extLst>
@@ -973,7 +1230,7 @@
 </p:notes>
 </file>
 
-<file path=ppt/notesSlides/notesSlide11.xml><?xml version="1.0" encoding="utf-8"?>
+<file path=ppt/notesSlides/notesSlide13.xml><?xml version="1.0" encoding="utf-8"?>
 <p:notes xmlns:a="http://schemas.openxmlformats.org/drawingml/2006/main" xmlns:r="http://schemas.openxmlformats.org/officeDocument/2006/relationships" xmlns:p="http://schemas.openxmlformats.org/presentationml/2006/main" showMasterSp="0" showMasterPhAnim="0">
   <p:cSld>
     <p:spTree>
@@ -1100,7 +1357,134 @@
 </p:notes>
 </file>
 
-<file path=ppt/notesSlides/notesSlide12.xml><?xml version="1.0" encoding="utf-8"?>
+<file path=ppt/notesSlides/notesSlide14.xml><?xml version="1.0" encoding="utf-8"?>
+<p:notes xmlns:a="http://schemas.openxmlformats.org/drawingml/2006/main" xmlns:r="http://schemas.openxmlformats.org/officeDocument/2006/relationships" xmlns:p="http://schemas.openxmlformats.org/presentationml/2006/main" showMasterSp="0" showMasterPhAnim="0">
+  <p:cSld>
+    <p:spTree>
+      <p:nvGrpSpPr>
+        <p:cNvPr id="1" name="Shape 96">
+          <a:extLst>
+            <a:ext uri="{FF2B5EF4-FFF2-40B4-BE49-F238E27FC236}">
+              <a16:creationId xmlns:a16="http://schemas.microsoft.com/office/drawing/2014/main" id="{D9B79D43-23B0-8944-BA54-E0E4E0AE200B}"/>
+            </a:ext>
+          </a:extLst>
+        </p:cNvPr>
+        <p:cNvGrpSpPr/>
+        <p:nvPr/>
+      </p:nvGrpSpPr>
+      <p:grpSpPr>
+        <a:xfrm>
+          <a:off x="0" y="0"/>
+          <a:ext cx="0" cy="0"/>
+          <a:chOff x="0" y="0"/>
+          <a:chExt cx="0" cy="0"/>
+        </a:xfrm>
+      </p:grpSpPr>
+      <p:sp>
+        <p:nvSpPr>
+          <p:cNvPr id="97" name="Google Shape;97;g12010fc58e3_0_9:notes">
+            <a:extLst>
+              <a:ext uri="{FF2B5EF4-FFF2-40B4-BE49-F238E27FC236}">
+                <a16:creationId xmlns:a16="http://schemas.microsoft.com/office/drawing/2014/main" id="{8B96CA65-166D-FC4E-4238-F455CF11A804}"/>
+              </a:ext>
+            </a:extLst>
+          </p:cNvPr>
+          <p:cNvSpPr>
+            <a:spLocks noGrp="1" noRot="1" noChangeAspect="1"/>
+          </p:cNvSpPr>
+          <p:nvPr>
+            <p:ph type="sldImg" idx="2"/>
+          </p:nvPr>
+        </p:nvSpPr>
+        <p:spPr>
+          <a:xfrm>
+            <a:off x="381000" y="685800"/>
+            <a:ext cx="6096000" cy="3429000"/>
+          </a:xfrm>
+          <a:custGeom>
+            <a:avLst/>
+            <a:gdLst/>
+            <a:ahLst/>
+            <a:cxnLst/>
+            <a:rect l="l" t="t" r="r" b="b"/>
+            <a:pathLst>
+              <a:path w="120000" h="120000" extrusionOk="0">
+                <a:moveTo>
+                  <a:pt x="0" y="0"/>
+                </a:moveTo>
+                <a:lnTo>
+                  <a:pt x="120000" y="0"/>
+                </a:lnTo>
+                <a:lnTo>
+                  <a:pt x="120000" y="120000"/>
+                </a:lnTo>
+                <a:lnTo>
+                  <a:pt x="0" y="120000"/>
+                </a:lnTo>
+                <a:close/>
+              </a:path>
+            </a:pathLst>
+          </a:custGeom>
+        </p:spPr>
+      </p:sp>
+      <p:sp>
+        <p:nvSpPr>
+          <p:cNvPr id="98" name="Google Shape;98;g12010fc58e3_0_9:notes">
+            <a:extLst>
+              <a:ext uri="{FF2B5EF4-FFF2-40B4-BE49-F238E27FC236}">
+                <a16:creationId xmlns:a16="http://schemas.microsoft.com/office/drawing/2014/main" id="{258F3BED-71E7-AC11-4CAE-C8F1388503F5}"/>
+              </a:ext>
+            </a:extLst>
+          </p:cNvPr>
+          <p:cNvSpPr txBox="1">
+            <a:spLocks noGrp="1"/>
+          </p:cNvSpPr>
+          <p:nvPr>
+            <p:ph type="body" idx="1"/>
+          </p:nvPr>
+        </p:nvSpPr>
+        <p:spPr>
+          <a:xfrm>
+            <a:off x="685800" y="4343400"/>
+            <a:ext cx="5486400" cy="4114800"/>
+          </a:xfrm>
+          <a:prstGeom prst="rect">
+            <a:avLst/>
+          </a:prstGeom>
+        </p:spPr>
+        <p:txBody>
+          <a:bodyPr spcFirstLastPara="1" wrap="square" lIns="91425" tIns="91425" rIns="91425" bIns="91425" anchor="t" anchorCtr="0">
+            <a:noAutofit/>
+          </a:bodyPr>
+          <a:lstStyle/>
+          <a:p>
+            <a:pPr marL="0" lvl="0" indent="0" algn="l" rtl="0">
+              <a:spcBef>
+                <a:spcPts val="0"/>
+              </a:spcBef>
+              <a:spcAft>
+                <a:spcPts val="0"/>
+              </a:spcAft>
+              <a:buNone/>
+            </a:pPr>
+            <a:endParaRPr/>
+          </a:p>
+        </p:txBody>
+      </p:sp>
+    </p:spTree>
+    <p:extLst>
+      <p:ext uri="{BB962C8B-B14F-4D97-AF65-F5344CB8AC3E}">
+        <p14:creationId xmlns:p14="http://schemas.microsoft.com/office/powerpoint/2010/main" val="288081403"/>
+      </p:ext>
+    </p:extLst>
+  </p:cSld>
+  <p:clrMapOvr>
+    <a:masterClrMapping/>
+  </p:clrMapOvr>
+</p:notes>
+</file>
+
+<file path=ppt/notesSlides/notesSlide15.xml><?xml version="1.0" encoding="utf-8"?>
 <p:notes xmlns:a="http://schemas.openxmlformats.org/drawingml/2006/main" xmlns:r="http://schemas.openxmlformats.org/officeDocument/2006/relationships" xmlns:p="http://schemas.openxmlformats.org/presentationml/2006/main" showMasterSp="0" showMasterPhAnim="0">
   <p:cSld>
     <p:spTree>
@@ -1204,7 +1588,7 @@
 </p:notes>
 </file>
 
-<file path=ppt/notesSlides/notesSlide13.xml><?xml version="1.0" encoding="utf-8"?>
+<file path=ppt/notesSlides/notesSlide16.xml><?xml version="1.0" encoding="utf-8"?>
 <p:notes xmlns:a="http://schemas.openxmlformats.org/drawingml/2006/main" xmlns:r="http://schemas.openxmlformats.org/officeDocument/2006/relationships" xmlns:p="http://schemas.openxmlformats.org/presentationml/2006/main" showMasterSp="0" showMasterPhAnim="0">
   <p:cSld>
     <p:spTree>
@@ -1308,7 +1692,7 @@
 </p:notes>
 </file>
 
-<file path=ppt/notesSlides/notesSlide14.xml><?xml version="1.0" encoding="utf-8"?>
+<file path=ppt/notesSlides/notesSlide17.xml><?xml version="1.0" encoding="utf-8"?>
 <p:notes xmlns:a="http://schemas.openxmlformats.org/drawingml/2006/main" xmlns:r="http://schemas.openxmlformats.org/officeDocument/2006/relationships" xmlns:p="http://schemas.openxmlformats.org/presentationml/2006/main" showMasterSp="0" showMasterPhAnim="0">
   <p:cSld>
     <p:spTree>
@@ -1412,7 +1796,7 @@
 </p:notes>
 </file>
 
-<file path=ppt/notesSlides/notesSlide15.xml><?xml version="1.0" encoding="utf-8"?>
+<file path=ppt/notesSlides/notesSlide18.xml><?xml version="1.0" encoding="utf-8"?>
 <p:notes xmlns:a="http://schemas.openxmlformats.org/drawingml/2006/main" xmlns:r="http://schemas.openxmlformats.org/officeDocument/2006/relationships" xmlns:p="http://schemas.openxmlformats.org/presentationml/2006/main" showMasterSp="0" showMasterPhAnim="0">
   <p:cSld>
     <p:spTree>
@@ -1516,7 +1900,7 @@
 </p:notes>
 </file>
 
-<file path=ppt/notesSlides/notesSlide16.xml><?xml version="1.0" encoding="utf-8"?>
+<file path=ppt/notesSlides/notesSlide19.xml><?xml version="1.0" encoding="utf-8"?>
 <p:notes xmlns:a="http://schemas.openxmlformats.org/drawingml/2006/main" xmlns:r="http://schemas.openxmlformats.org/officeDocument/2006/relationships" xmlns:p="http://schemas.openxmlformats.org/presentationml/2006/main" showMasterSp="0" showMasterPhAnim="0">
   <p:cSld>
     <p:spTree>
@@ -1620,7 +2004,111 @@
 </p:notes>
 </file>
 
-<file path=ppt/notesSlides/notesSlide17.xml><?xml version="1.0" encoding="utf-8"?>
+<file path=ppt/notesSlides/notesSlide2.xml><?xml version="1.0" encoding="utf-8"?>
+<p:notes xmlns:a="http://schemas.openxmlformats.org/drawingml/2006/main" xmlns:r="http://schemas.openxmlformats.org/officeDocument/2006/relationships" xmlns:p="http://schemas.openxmlformats.org/presentationml/2006/main" showMasterSp="0" showMasterPhAnim="0">
+  <p:cSld>
+    <p:spTree>
+      <p:nvGrpSpPr>
+        <p:cNvPr id="1" name="Shape 90"/>
+        <p:cNvGrpSpPr/>
+        <p:nvPr/>
+      </p:nvGrpSpPr>
+      <p:grpSpPr>
+        <a:xfrm>
+          <a:off x="0" y="0"/>
+          <a:ext cx="0" cy="0"/>
+          <a:chOff x="0" y="0"/>
+          <a:chExt cx="0" cy="0"/>
+        </a:xfrm>
+      </p:grpSpPr>
+      <p:sp>
+        <p:nvSpPr>
+          <p:cNvPr id="91" name="Google Shape;91;g12010fc58e3_0_0:notes"/>
+          <p:cNvSpPr>
+            <a:spLocks noGrp="1" noRot="1" noChangeAspect="1"/>
+          </p:cNvSpPr>
+          <p:nvPr>
+            <p:ph type="sldImg" idx="2"/>
+          </p:nvPr>
+        </p:nvSpPr>
+        <p:spPr>
+          <a:xfrm>
+            <a:off x="381000" y="685800"/>
+            <a:ext cx="6096000" cy="3429000"/>
+          </a:xfrm>
+          <a:custGeom>
+            <a:avLst/>
+            <a:gdLst/>
+            <a:ahLst/>
+            <a:cxnLst/>
+            <a:rect l="l" t="t" r="r" b="b"/>
+            <a:pathLst>
+              <a:path w="120000" h="120000" extrusionOk="0">
+                <a:moveTo>
+                  <a:pt x="0" y="0"/>
+                </a:moveTo>
+                <a:lnTo>
+                  <a:pt x="120000" y="0"/>
+                </a:lnTo>
+                <a:lnTo>
+                  <a:pt x="120000" y="120000"/>
+                </a:lnTo>
+                <a:lnTo>
+                  <a:pt x="0" y="120000"/>
+                </a:lnTo>
+                <a:close/>
+              </a:path>
+            </a:pathLst>
+          </a:custGeom>
+        </p:spPr>
+      </p:sp>
+      <p:sp>
+        <p:nvSpPr>
+          <p:cNvPr id="92" name="Google Shape;92;g12010fc58e3_0_0:notes"/>
+          <p:cNvSpPr txBox="1">
+            <a:spLocks noGrp="1"/>
+          </p:cNvSpPr>
+          <p:nvPr>
+            <p:ph type="body" idx="1"/>
+          </p:nvPr>
+        </p:nvSpPr>
+        <p:spPr>
+          <a:xfrm>
+            <a:off x="685800" y="4343400"/>
+            <a:ext cx="5486400" cy="4114800"/>
+          </a:xfrm>
+          <a:prstGeom prst="rect">
+            <a:avLst/>
+          </a:prstGeom>
+        </p:spPr>
+        <p:txBody>
+          <a:bodyPr spcFirstLastPara="1" wrap="square" lIns="91425" tIns="91425" rIns="91425" bIns="91425" anchor="t" anchorCtr="0">
+            <a:noAutofit/>
+          </a:bodyPr>
+          <a:lstStyle/>
+          <a:p>
+            <a:pPr marL="0" lvl="0" indent="0" algn="l" rtl="0">
+              <a:spcBef>
+                <a:spcPts val="0"/>
+              </a:spcBef>
+              <a:spcAft>
+                <a:spcPts val="0"/>
+              </a:spcAft>
+              <a:buNone/>
+            </a:pPr>
+            <a:endParaRPr/>
+          </a:p>
+        </p:txBody>
+      </p:sp>
+    </p:spTree>
+  </p:cSld>
+  <p:clrMapOvr>
+    <a:masterClrMapping/>
+  </p:clrMapOvr>
+</p:notes>
+</file>
+
+<file path=ppt/notesSlides/notesSlide20.xml><?xml version="1.0" encoding="utf-8"?>
 <p:notes xmlns:a="http://schemas.openxmlformats.org/drawingml/2006/main" xmlns:r="http://schemas.openxmlformats.org/officeDocument/2006/relationships" xmlns:p="http://schemas.openxmlformats.org/presentationml/2006/main" showMasterSp="0" showMasterPhAnim="0">
   <p:cSld>
     <p:spTree>
@@ -1724,7 +2212,7 @@
 </p:notes>
 </file>
 
-<file path=ppt/notesSlides/notesSlide18.xml><?xml version="1.0" encoding="utf-8"?>
+<file path=ppt/notesSlides/notesSlide21.xml><?xml version="1.0" encoding="utf-8"?>
 <p:notes xmlns:a="http://schemas.openxmlformats.org/drawingml/2006/main" xmlns:r="http://schemas.openxmlformats.org/officeDocument/2006/relationships" xmlns:p="http://schemas.openxmlformats.org/presentationml/2006/main" showMasterSp="0" showMasterPhAnim="0">
   <p:cSld>
     <p:spTree>
@@ -1844,110 +2332,6 @@
         <p14:creationId xmlns:p14="http://schemas.microsoft.com/office/powerpoint/2010/main" val="2945486573"/>
       </p:ext>
     </p:extLst>
-  </p:cSld>
-  <p:clrMapOvr>
-    <a:masterClrMapping/>
-  </p:clrMapOvr>
-</p:notes>
-</file>
-
-<file path=ppt/notesSlides/notesSlide2.xml><?xml version="1.0" encoding="utf-8"?>
-<p:notes xmlns:a="http://schemas.openxmlformats.org/drawingml/2006/main" xmlns:r="http://schemas.openxmlformats.org/officeDocument/2006/relationships" xmlns:p="http://schemas.openxmlformats.org/presentationml/2006/main" showMasterSp="0" showMasterPhAnim="0">
-  <p:cSld>
-    <p:spTree>
-      <p:nvGrpSpPr>
-        <p:cNvPr id="1" name="Shape 90"/>
-        <p:cNvGrpSpPr/>
-        <p:nvPr/>
-      </p:nvGrpSpPr>
-      <p:grpSpPr>
-        <a:xfrm>
-          <a:off x="0" y="0"/>
-          <a:ext cx="0" cy="0"/>
-          <a:chOff x="0" y="0"/>
-          <a:chExt cx="0" cy="0"/>
-        </a:xfrm>
-      </p:grpSpPr>
-      <p:sp>
-        <p:nvSpPr>
-          <p:cNvPr id="91" name="Google Shape;91;g12010fc58e3_0_0:notes"/>
-          <p:cNvSpPr>
-            <a:spLocks noGrp="1" noRot="1" noChangeAspect="1"/>
-          </p:cNvSpPr>
-          <p:nvPr>
-            <p:ph type="sldImg" idx="2"/>
-          </p:nvPr>
-        </p:nvSpPr>
-        <p:spPr>
-          <a:xfrm>
-            <a:off x="381000" y="685800"/>
-            <a:ext cx="6096000" cy="3429000"/>
-          </a:xfrm>
-          <a:custGeom>
-            <a:avLst/>
-            <a:gdLst/>
-            <a:ahLst/>
-            <a:cxnLst/>
-            <a:rect l="l" t="t" r="r" b="b"/>
-            <a:pathLst>
-              <a:path w="120000" h="120000" extrusionOk="0">
-                <a:moveTo>
-                  <a:pt x="0" y="0"/>
-                </a:moveTo>
-                <a:lnTo>
-                  <a:pt x="120000" y="0"/>
-                </a:lnTo>
-                <a:lnTo>
-                  <a:pt x="120000" y="120000"/>
-                </a:lnTo>
-                <a:lnTo>
-                  <a:pt x="0" y="120000"/>
-                </a:lnTo>
-                <a:close/>
-              </a:path>
-            </a:pathLst>
-          </a:custGeom>
-        </p:spPr>
-      </p:sp>
-      <p:sp>
-        <p:nvSpPr>
-          <p:cNvPr id="92" name="Google Shape;92;g12010fc58e3_0_0:notes"/>
-          <p:cNvSpPr txBox="1">
-            <a:spLocks noGrp="1"/>
-          </p:cNvSpPr>
-          <p:nvPr>
-            <p:ph type="body" idx="1"/>
-          </p:nvPr>
-        </p:nvSpPr>
-        <p:spPr>
-          <a:xfrm>
-            <a:off x="685800" y="4343400"/>
-            <a:ext cx="5486400" cy="4114800"/>
-          </a:xfrm>
-          <a:prstGeom prst="rect">
-            <a:avLst/>
-          </a:prstGeom>
-        </p:spPr>
-        <p:txBody>
-          <a:bodyPr spcFirstLastPara="1" wrap="square" lIns="91425" tIns="91425" rIns="91425" bIns="91425" anchor="t" anchorCtr="0">
-            <a:noAutofit/>
-          </a:bodyPr>
-          <a:lstStyle/>
-          <a:p>
-            <a:pPr marL="0" lvl="0" indent="0" algn="l" rtl="0">
-              <a:spcBef>
-                <a:spcPts val="0"/>
-              </a:spcBef>
-              <a:spcAft>
-                <a:spcPts val="0"/>
-              </a:spcAft>
-              <a:buNone/>
-            </a:pPr>
-            <a:endParaRPr/>
-          </a:p>
-        </p:txBody>
-      </p:sp>
-    </p:spTree>
   </p:cSld>
   <p:clrMapOvr>
     <a:masterClrMapping/>
@@ -2295,6 +2679,133 @@
   <p:cSld>
     <p:spTree>
       <p:nvGrpSpPr>
+        <p:cNvPr id="1" name="Shape 184">
+          <a:extLst>
+            <a:ext uri="{FF2B5EF4-FFF2-40B4-BE49-F238E27FC236}">
+              <a16:creationId xmlns:a16="http://schemas.microsoft.com/office/drawing/2014/main" id="{31296BF8-1E27-C31A-A1B0-DBAECED3D87B}"/>
+            </a:ext>
+          </a:extLst>
+        </p:cNvPr>
+        <p:cNvGrpSpPr/>
+        <p:nvPr/>
+      </p:nvGrpSpPr>
+      <p:grpSpPr>
+        <a:xfrm>
+          <a:off x="0" y="0"/>
+          <a:ext cx="0" cy="0"/>
+          <a:chOff x="0" y="0"/>
+          <a:chExt cx="0" cy="0"/>
+        </a:xfrm>
+      </p:grpSpPr>
+      <p:sp>
+        <p:nvSpPr>
+          <p:cNvPr id="185" name="Google Shape;185;g1201243a61c_0_3:notes">
+            <a:extLst>
+              <a:ext uri="{FF2B5EF4-FFF2-40B4-BE49-F238E27FC236}">
+                <a16:creationId xmlns:a16="http://schemas.microsoft.com/office/drawing/2014/main" id="{73741803-41D4-4D0B-F2BA-BE1BD55E051C}"/>
+              </a:ext>
+            </a:extLst>
+          </p:cNvPr>
+          <p:cNvSpPr>
+            <a:spLocks noGrp="1" noRot="1" noChangeAspect="1"/>
+          </p:cNvSpPr>
+          <p:nvPr>
+            <p:ph type="sldImg" idx="2"/>
+          </p:nvPr>
+        </p:nvSpPr>
+        <p:spPr>
+          <a:xfrm>
+            <a:off x="381000" y="685800"/>
+            <a:ext cx="6096000" cy="3429000"/>
+          </a:xfrm>
+          <a:custGeom>
+            <a:avLst/>
+            <a:gdLst/>
+            <a:ahLst/>
+            <a:cxnLst/>
+            <a:rect l="l" t="t" r="r" b="b"/>
+            <a:pathLst>
+              <a:path w="120000" h="120000" extrusionOk="0">
+                <a:moveTo>
+                  <a:pt x="0" y="0"/>
+                </a:moveTo>
+                <a:lnTo>
+                  <a:pt x="120000" y="0"/>
+                </a:lnTo>
+                <a:lnTo>
+                  <a:pt x="120000" y="120000"/>
+                </a:lnTo>
+                <a:lnTo>
+                  <a:pt x="0" y="120000"/>
+                </a:lnTo>
+                <a:close/>
+              </a:path>
+            </a:pathLst>
+          </a:custGeom>
+        </p:spPr>
+      </p:sp>
+      <p:sp>
+        <p:nvSpPr>
+          <p:cNvPr id="186" name="Google Shape;186;g1201243a61c_0_3:notes">
+            <a:extLst>
+              <a:ext uri="{FF2B5EF4-FFF2-40B4-BE49-F238E27FC236}">
+                <a16:creationId xmlns:a16="http://schemas.microsoft.com/office/drawing/2014/main" id="{81A9083B-9A48-0DD1-423C-80C64E1F2892}"/>
+              </a:ext>
+            </a:extLst>
+          </p:cNvPr>
+          <p:cNvSpPr txBox="1">
+            <a:spLocks noGrp="1"/>
+          </p:cNvSpPr>
+          <p:nvPr>
+            <p:ph type="body" idx="1"/>
+          </p:nvPr>
+        </p:nvSpPr>
+        <p:spPr>
+          <a:xfrm>
+            <a:off x="685800" y="4343400"/>
+            <a:ext cx="5486400" cy="4114800"/>
+          </a:xfrm>
+          <a:prstGeom prst="rect">
+            <a:avLst/>
+          </a:prstGeom>
+        </p:spPr>
+        <p:txBody>
+          <a:bodyPr spcFirstLastPara="1" wrap="square" lIns="91425" tIns="91425" rIns="91425" bIns="91425" anchor="t" anchorCtr="0">
+            <a:noAutofit/>
+          </a:bodyPr>
+          <a:lstStyle/>
+          <a:p>
+            <a:pPr marL="0" lvl="0" indent="0" algn="l" rtl="0">
+              <a:spcBef>
+                <a:spcPts val="0"/>
+              </a:spcBef>
+              <a:spcAft>
+                <a:spcPts val="0"/>
+              </a:spcAft>
+              <a:buNone/>
+            </a:pPr>
+            <a:endParaRPr/>
+          </a:p>
+        </p:txBody>
+      </p:sp>
+    </p:spTree>
+    <p:extLst>
+      <p:ext uri="{BB962C8B-B14F-4D97-AF65-F5344CB8AC3E}">
+        <p14:creationId xmlns:p14="http://schemas.microsoft.com/office/powerpoint/2010/main" val="1056071269"/>
+      </p:ext>
+    </p:extLst>
+  </p:cSld>
+  <p:clrMapOvr>
+    <a:masterClrMapping/>
+  </p:clrMapOvr>
+</p:notes>
+</file>
+
+<file path=ppt/notesSlides/notesSlide7.xml><?xml version="1.0" encoding="utf-8"?>
+<p:notes xmlns:a="http://schemas.openxmlformats.org/drawingml/2006/main" xmlns:r="http://schemas.openxmlformats.org/officeDocument/2006/relationships" xmlns:p="http://schemas.openxmlformats.org/presentationml/2006/main" showMasterSp="0" showMasterPhAnim="0">
+  <p:cSld>
+    <p:spTree>
+      <p:nvGrpSpPr>
         <p:cNvPr id="1" name="Shape 108">
           <a:extLst>
             <a:ext uri="{FF2B5EF4-FFF2-40B4-BE49-F238E27FC236}">
@@ -2417,7 +2928,134 @@
 </p:notes>
 </file>
 
-<file path=ppt/notesSlides/notesSlide7.xml><?xml version="1.0" encoding="utf-8"?>
+<file path=ppt/notesSlides/notesSlide8.xml><?xml version="1.0" encoding="utf-8"?>
+<p:notes xmlns:a="http://schemas.openxmlformats.org/drawingml/2006/main" xmlns:r="http://schemas.openxmlformats.org/officeDocument/2006/relationships" xmlns:p="http://schemas.openxmlformats.org/presentationml/2006/main" showMasterSp="0" showMasterPhAnim="0">
+  <p:cSld>
+    <p:spTree>
+      <p:nvGrpSpPr>
+        <p:cNvPr id="1" name="Shape 108">
+          <a:extLst>
+            <a:ext uri="{FF2B5EF4-FFF2-40B4-BE49-F238E27FC236}">
+              <a16:creationId xmlns:a16="http://schemas.microsoft.com/office/drawing/2014/main" id="{7DC54BE1-135F-7087-E9A1-81A6E1DDB8EE}"/>
+            </a:ext>
+          </a:extLst>
+        </p:cNvPr>
+        <p:cNvGrpSpPr/>
+        <p:nvPr/>
+      </p:nvGrpSpPr>
+      <p:grpSpPr>
+        <a:xfrm>
+          <a:off x="0" y="0"/>
+          <a:ext cx="0" cy="0"/>
+          <a:chOff x="0" y="0"/>
+          <a:chExt cx="0" cy="0"/>
+        </a:xfrm>
+      </p:grpSpPr>
+      <p:sp>
+        <p:nvSpPr>
+          <p:cNvPr id="109" name="Google Shape;109;g1201243a61c_0_19:notes">
+            <a:extLst>
+              <a:ext uri="{FF2B5EF4-FFF2-40B4-BE49-F238E27FC236}">
+                <a16:creationId xmlns:a16="http://schemas.microsoft.com/office/drawing/2014/main" id="{0329A0DB-B5B5-30DD-F9DB-9920C73DD96C}"/>
+              </a:ext>
+            </a:extLst>
+          </p:cNvPr>
+          <p:cNvSpPr>
+            <a:spLocks noGrp="1" noRot="1" noChangeAspect="1"/>
+          </p:cNvSpPr>
+          <p:nvPr>
+            <p:ph type="sldImg" idx="2"/>
+          </p:nvPr>
+        </p:nvSpPr>
+        <p:spPr>
+          <a:xfrm>
+            <a:off x="381000" y="685800"/>
+            <a:ext cx="6096000" cy="3429000"/>
+          </a:xfrm>
+          <a:custGeom>
+            <a:avLst/>
+            <a:gdLst/>
+            <a:ahLst/>
+            <a:cxnLst/>
+            <a:rect l="l" t="t" r="r" b="b"/>
+            <a:pathLst>
+              <a:path w="120000" h="120000" extrusionOk="0">
+                <a:moveTo>
+                  <a:pt x="0" y="0"/>
+                </a:moveTo>
+                <a:lnTo>
+                  <a:pt x="120000" y="0"/>
+                </a:lnTo>
+                <a:lnTo>
+                  <a:pt x="120000" y="120000"/>
+                </a:lnTo>
+                <a:lnTo>
+                  <a:pt x="0" y="120000"/>
+                </a:lnTo>
+                <a:close/>
+              </a:path>
+            </a:pathLst>
+          </a:custGeom>
+        </p:spPr>
+      </p:sp>
+      <p:sp>
+        <p:nvSpPr>
+          <p:cNvPr id="110" name="Google Shape;110;g1201243a61c_0_19:notes">
+            <a:extLst>
+              <a:ext uri="{FF2B5EF4-FFF2-40B4-BE49-F238E27FC236}">
+                <a16:creationId xmlns:a16="http://schemas.microsoft.com/office/drawing/2014/main" id="{49D5A7AA-19B8-BC79-A7F3-F4518F0BDB99}"/>
+              </a:ext>
+            </a:extLst>
+          </p:cNvPr>
+          <p:cNvSpPr txBox="1">
+            <a:spLocks noGrp="1"/>
+          </p:cNvSpPr>
+          <p:nvPr>
+            <p:ph type="body" idx="1"/>
+          </p:nvPr>
+        </p:nvSpPr>
+        <p:spPr>
+          <a:xfrm>
+            <a:off x="685800" y="4343400"/>
+            <a:ext cx="5486400" cy="4114800"/>
+          </a:xfrm>
+          <a:prstGeom prst="rect">
+            <a:avLst/>
+          </a:prstGeom>
+        </p:spPr>
+        <p:txBody>
+          <a:bodyPr spcFirstLastPara="1" wrap="square" lIns="91425" tIns="91425" rIns="91425" bIns="91425" anchor="t" anchorCtr="0">
+            <a:noAutofit/>
+          </a:bodyPr>
+          <a:lstStyle/>
+          <a:p>
+            <a:pPr marL="0" lvl="0" indent="0" algn="l" rtl="0">
+              <a:spcBef>
+                <a:spcPts val="0"/>
+              </a:spcBef>
+              <a:spcAft>
+                <a:spcPts val="0"/>
+              </a:spcAft>
+              <a:buNone/>
+            </a:pPr>
+            <a:endParaRPr/>
+          </a:p>
+        </p:txBody>
+      </p:sp>
+    </p:spTree>
+    <p:extLst>
+      <p:ext uri="{BB962C8B-B14F-4D97-AF65-F5344CB8AC3E}">
+        <p14:creationId xmlns:p14="http://schemas.microsoft.com/office/powerpoint/2010/main" val="3966055140"/>
+      </p:ext>
+    </p:extLst>
+  </p:cSld>
+  <p:clrMapOvr>
+    <a:masterClrMapping/>
+  </p:clrMapOvr>
+</p:notes>
+</file>
+
+<file path=ppt/notesSlides/notesSlide9.xml><?xml version="1.0" encoding="utf-8"?>
 <p:notes xmlns:a="http://schemas.openxmlformats.org/drawingml/2006/main" xmlns:r="http://schemas.openxmlformats.org/officeDocument/2006/relationships" xmlns:p="http://schemas.openxmlformats.org/presentationml/2006/main" showMasterSp="0" showMasterPhAnim="0">
   <p:cSld>
     <p:spTree>
@@ -2535,260 +3173,6 @@
     <p:extLst>
       <p:ext uri="{BB962C8B-B14F-4D97-AF65-F5344CB8AC3E}">
         <p14:creationId xmlns:p14="http://schemas.microsoft.com/office/powerpoint/2010/main" val="382430406"/>
-      </p:ext>
-    </p:extLst>
-  </p:cSld>
-  <p:clrMapOvr>
-    <a:masterClrMapping/>
-  </p:clrMapOvr>
-</p:notes>
-</file>
-
-<file path=ppt/notesSlides/notesSlide8.xml><?xml version="1.0" encoding="utf-8"?>
-<p:notes xmlns:a="http://schemas.openxmlformats.org/drawingml/2006/main" xmlns:r="http://schemas.openxmlformats.org/officeDocument/2006/relationships" xmlns:p="http://schemas.openxmlformats.org/presentationml/2006/main" showMasterSp="0" showMasterPhAnim="0">
-  <p:cSld>
-    <p:spTree>
-      <p:nvGrpSpPr>
-        <p:cNvPr id="1" name="Shape 96">
-          <a:extLst>
-            <a:ext uri="{FF2B5EF4-FFF2-40B4-BE49-F238E27FC236}">
-              <a16:creationId xmlns:a16="http://schemas.microsoft.com/office/drawing/2014/main" id="{DEB9A476-EC9F-C957-5DE6-6A77FC579E41}"/>
-            </a:ext>
-          </a:extLst>
-        </p:cNvPr>
-        <p:cNvGrpSpPr/>
-        <p:nvPr/>
-      </p:nvGrpSpPr>
-      <p:grpSpPr>
-        <a:xfrm>
-          <a:off x="0" y="0"/>
-          <a:ext cx="0" cy="0"/>
-          <a:chOff x="0" y="0"/>
-          <a:chExt cx="0" cy="0"/>
-        </a:xfrm>
-      </p:grpSpPr>
-      <p:sp>
-        <p:nvSpPr>
-          <p:cNvPr id="97" name="Google Shape;97;g12010fc58e3_0_9:notes">
-            <a:extLst>
-              <a:ext uri="{FF2B5EF4-FFF2-40B4-BE49-F238E27FC236}">
-                <a16:creationId xmlns:a16="http://schemas.microsoft.com/office/drawing/2014/main" id="{C31E7446-D6FE-0639-98EF-C8D4F97080FE}"/>
-              </a:ext>
-            </a:extLst>
-          </p:cNvPr>
-          <p:cNvSpPr>
-            <a:spLocks noGrp="1" noRot="1" noChangeAspect="1"/>
-          </p:cNvSpPr>
-          <p:nvPr>
-            <p:ph type="sldImg" idx="2"/>
-          </p:nvPr>
-        </p:nvSpPr>
-        <p:spPr>
-          <a:xfrm>
-            <a:off x="381000" y="685800"/>
-            <a:ext cx="6096000" cy="3429000"/>
-          </a:xfrm>
-          <a:custGeom>
-            <a:avLst/>
-            <a:gdLst/>
-            <a:ahLst/>
-            <a:cxnLst/>
-            <a:rect l="l" t="t" r="r" b="b"/>
-            <a:pathLst>
-              <a:path w="120000" h="120000" extrusionOk="0">
-                <a:moveTo>
-                  <a:pt x="0" y="0"/>
-                </a:moveTo>
-                <a:lnTo>
-                  <a:pt x="120000" y="0"/>
-                </a:lnTo>
-                <a:lnTo>
-                  <a:pt x="120000" y="120000"/>
-                </a:lnTo>
-                <a:lnTo>
-                  <a:pt x="0" y="120000"/>
-                </a:lnTo>
-                <a:close/>
-              </a:path>
-            </a:pathLst>
-          </a:custGeom>
-        </p:spPr>
-      </p:sp>
-      <p:sp>
-        <p:nvSpPr>
-          <p:cNvPr id="98" name="Google Shape;98;g12010fc58e3_0_9:notes">
-            <a:extLst>
-              <a:ext uri="{FF2B5EF4-FFF2-40B4-BE49-F238E27FC236}">
-                <a16:creationId xmlns:a16="http://schemas.microsoft.com/office/drawing/2014/main" id="{828F9565-5E4A-EDE9-DAAD-92597D60E68A}"/>
-              </a:ext>
-            </a:extLst>
-          </p:cNvPr>
-          <p:cNvSpPr txBox="1">
-            <a:spLocks noGrp="1"/>
-          </p:cNvSpPr>
-          <p:nvPr>
-            <p:ph type="body" idx="1"/>
-          </p:nvPr>
-        </p:nvSpPr>
-        <p:spPr>
-          <a:xfrm>
-            <a:off x="685800" y="4343400"/>
-            <a:ext cx="5486400" cy="4114800"/>
-          </a:xfrm>
-          <a:prstGeom prst="rect">
-            <a:avLst/>
-          </a:prstGeom>
-        </p:spPr>
-        <p:txBody>
-          <a:bodyPr spcFirstLastPara="1" wrap="square" lIns="91425" tIns="91425" rIns="91425" bIns="91425" anchor="t" anchorCtr="0">
-            <a:noAutofit/>
-          </a:bodyPr>
-          <a:lstStyle/>
-          <a:p>
-            <a:pPr marL="0" lvl="0" indent="0" algn="l" rtl="0">
-              <a:spcBef>
-                <a:spcPts val="0"/>
-              </a:spcBef>
-              <a:spcAft>
-                <a:spcPts val="0"/>
-              </a:spcAft>
-              <a:buNone/>
-            </a:pPr>
-            <a:endParaRPr/>
-          </a:p>
-        </p:txBody>
-      </p:sp>
-    </p:spTree>
-    <p:extLst>
-      <p:ext uri="{BB962C8B-B14F-4D97-AF65-F5344CB8AC3E}">
-        <p14:creationId xmlns:p14="http://schemas.microsoft.com/office/powerpoint/2010/main" val="3572904437"/>
-      </p:ext>
-    </p:extLst>
-  </p:cSld>
-  <p:clrMapOvr>
-    <a:masterClrMapping/>
-  </p:clrMapOvr>
-</p:notes>
-</file>
-
-<file path=ppt/notesSlides/notesSlide9.xml><?xml version="1.0" encoding="utf-8"?>
-<p:notes xmlns:a="http://schemas.openxmlformats.org/drawingml/2006/main" xmlns:r="http://schemas.openxmlformats.org/officeDocument/2006/relationships" xmlns:p="http://schemas.openxmlformats.org/presentationml/2006/main" showMasterSp="0" showMasterPhAnim="0">
-  <p:cSld>
-    <p:spTree>
-      <p:nvGrpSpPr>
-        <p:cNvPr id="1" name="Shape 96">
-          <a:extLst>
-            <a:ext uri="{FF2B5EF4-FFF2-40B4-BE49-F238E27FC236}">
-              <a16:creationId xmlns:a16="http://schemas.microsoft.com/office/drawing/2014/main" id="{EFE52666-9C0D-593C-5CDE-84A7F885BA44}"/>
-            </a:ext>
-          </a:extLst>
-        </p:cNvPr>
-        <p:cNvGrpSpPr/>
-        <p:nvPr/>
-      </p:nvGrpSpPr>
-      <p:grpSpPr>
-        <a:xfrm>
-          <a:off x="0" y="0"/>
-          <a:ext cx="0" cy="0"/>
-          <a:chOff x="0" y="0"/>
-          <a:chExt cx="0" cy="0"/>
-        </a:xfrm>
-      </p:grpSpPr>
-      <p:sp>
-        <p:nvSpPr>
-          <p:cNvPr id="97" name="Google Shape;97;g12010fc58e3_0_9:notes">
-            <a:extLst>
-              <a:ext uri="{FF2B5EF4-FFF2-40B4-BE49-F238E27FC236}">
-                <a16:creationId xmlns:a16="http://schemas.microsoft.com/office/drawing/2014/main" id="{F32968A3-5E38-54C5-E17E-C7E98DD0213A}"/>
-              </a:ext>
-            </a:extLst>
-          </p:cNvPr>
-          <p:cNvSpPr>
-            <a:spLocks noGrp="1" noRot="1" noChangeAspect="1"/>
-          </p:cNvSpPr>
-          <p:nvPr>
-            <p:ph type="sldImg" idx="2"/>
-          </p:nvPr>
-        </p:nvSpPr>
-        <p:spPr>
-          <a:xfrm>
-            <a:off x="381000" y="685800"/>
-            <a:ext cx="6096000" cy="3429000"/>
-          </a:xfrm>
-          <a:custGeom>
-            <a:avLst/>
-            <a:gdLst/>
-            <a:ahLst/>
-            <a:cxnLst/>
-            <a:rect l="l" t="t" r="r" b="b"/>
-            <a:pathLst>
-              <a:path w="120000" h="120000" extrusionOk="0">
-                <a:moveTo>
-                  <a:pt x="0" y="0"/>
-                </a:moveTo>
-                <a:lnTo>
-                  <a:pt x="120000" y="0"/>
-                </a:lnTo>
-                <a:lnTo>
-                  <a:pt x="120000" y="120000"/>
-                </a:lnTo>
-                <a:lnTo>
-                  <a:pt x="0" y="120000"/>
-                </a:lnTo>
-                <a:close/>
-              </a:path>
-            </a:pathLst>
-          </a:custGeom>
-        </p:spPr>
-      </p:sp>
-      <p:sp>
-        <p:nvSpPr>
-          <p:cNvPr id="98" name="Google Shape;98;g12010fc58e3_0_9:notes">
-            <a:extLst>
-              <a:ext uri="{FF2B5EF4-FFF2-40B4-BE49-F238E27FC236}">
-                <a16:creationId xmlns:a16="http://schemas.microsoft.com/office/drawing/2014/main" id="{37FC326B-AE69-5B31-92E3-F99FB25D3EBF}"/>
-              </a:ext>
-            </a:extLst>
-          </p:cNvPr>
-          <p:cNvSpPr txBox="1">
-            <a:spLocks noGrp="1"/>
-          </p:cNvSpPr>
-          <p:nvPr>
-            <p:ph type="body" idx="1"/>
-          </p:nvPr>
-        </p:nvSpPr>
-        <p:spPr>
-          <a:xfrm>
-            <a:off x="685800" y="4343400"/>
-            <a:ext cx="5486400" cy="4114800"/>
-          </a:xfrm>
-          <a:prstGeom prst="rect">
-            <a:avLst/>
-          </a:prstGeom>
-        </p:spPr>
-        <p:txBody>
-          <a:bodyPr spcFirstLastPara="1" wrap="square" lIns="91425" tIns="91425" rIns="91425" bIns="91425" anchor="t" anchorCtr="0">
-            <a:noAutofit/>
-          </a:bodyPr>
-          <a:lstStyle/>
-          <a:p>
-            <a:pPr marL="0" lvl="0" indent="0" algn="l" rtl="0">
-              <a:spcBef>
-                <a:spcPts val="0"/>
-              </a:spcBef>
-              <a:spcAft>
-                <a:spcPts val="0"/>
-              </a:spcAft>
-              <a:buNone/>
-            </a:pPr>
-            <a:endParaRPr/>
-          </a:p>
-        </p:txBody>
-      </p:sp>
-    </p:spTree>
-    <p:extLst>
-      <p:ext uri="{BB962C8B-B14F-4D97-AF65-F5344CB8AC3E}">
-        <p14:creationId xmlns:p14="http://schemas.microsoft.com/office/powerpoint/2010/main" val="1173936063"/>
       </p:ext>
     </p:extLst>
   </p:cSld>
@@ -8605,6 +8989,1870 @@
         <p:cNvPr id="1" name="Shape 99">
           <a:extLst>
             <a:ext uri="{FF2B5EF4-FFF2-40B4-BE49-F238E27FC236}">
+              <a16:creationId xmlns:a16="http://schemas.microsoft.com/office/drawing/2014/main" id="{87B3BEE9-BEEF-E396-AFB8-4274FB77CF04}"/>
+            </a:ext>
+          </a:extLst>
+        </p:cNvPr>
+        <p:cNvGrpSpPr/>
+        <p:nvPr/>
+      </p:nvGrpSpPr>
+      <p:grpSpPr>
+        <a:xfrm>
+          <a:off x="0" y="0"/>
+          <a:ext cx="0" cy="0"/>
+          <a:chOff x="0" y="0"/>
+          <a:chExt cx="0" cy="0"/>
+        </a:xfrm>
+      </p:grpSpPr>
+      <p:pic>
+        <p:nvPicPr>
+          <p:cNvPr id="12" name="Immagine 11" descr="Immagine che contiene testo, ricevuta, Carattere, algebra&#10;&#10;Il contenuto generato dall'IA potrebbe non essere corretto.">
+            <a:extLst>
+              <a:ext uri="{FF2B5EF4-FFF2-40B4-BE49-F238E27FC236}">
+                <a16:creationId xmlns:a16="http://schemas.microsoft.com/office/drawing/2014/main" id="{2948DE49-2B55-92F7-7280-08F508414CB6}"/>
+              </a:ext>
+            </a:extLst>
+          </p:cNvPr>
+          <p:cNvPicPr>
+            <a:picLocks noChangeAspect="1"/>
+          </p:cNvPicPr>
+          <p:nvPr/>
+        </p:nvPicPr>
+        <p:blipFill>
+          <a:blip r:embed="rId3"/>
+          <a:stretch>
+            <a:fillRect/>
+          </a:stretch>
+        </p:blipFill>
+        <p:spPr>
+          <a:xfrm>
+            <a:off x="451175" y="1384962"/>
+            <a:ext cx="8398380" cy="3485976"/>
+          </a:xfrm>
+          <a:prstGeom prst="rect">
+            <a:avLst/>
+          </a:prstGeom>
+        </p:spPr>
+      </p:pic>
+      <p:sp>
+        <p:nvSpPr>
+          <p:cNvPr id="2" name="Google Shape;112;p16">
+            <a:extLst>
+              <a:ext uri="{FF2B5EF4-FFF2-40B4-BE49-F238E27FC236}">
+                <a16:creationId xmlns:a16="http://schemas.microsoft.com/office/drawing/2014/main" id="{40910D38-1470-4545-B817-10B03D984DD6}"/>
+              </a:ext>
+            </a:extLst>
+          </p:cNvPr>
+          <p:cNvSpPr txBox="1"/>
+          <p:nvPr/>
+        </p:nvSpPr>
+        <p:spPr>
+          <a:xfrm>
+            <a:off x="451175" y="757975"/>
+            <a:ext cx="8013556" cy="477023"/>
+          </a:xfrm>
+          <a:prstGeom prst="rect">
+            <a:avLst/>
+          </a:prstGeom>
+          <a:noFill/>
+          <a:ln>
+            <a:noFill/>
+          </a:ln>
+        </p:spPr>
+        <p:txBody>
+          <a:bodyPr spcFirstLastPara="1" wrap="square" lIns="91425" tIns="91425" rIns="91425" bIns="91425" anchor="t" anchorCtr="0">
+            <a:spAutoFit/>
+          </a:bodyPr>
+          <a:lstStyle/>
+          <a:p>
+            <a:pPr marL="0" lvl="0" indent="0" algn="l" rtl="0">
+              <a:spcBef>
+                <a:spcPts val="0"/>
+              </a:spcBef>
+              <a:spcAft>
+                <a:spcPts val="0"/>
+              </a:spcAft>
+              <a:buNone/>
+            </a:pPr>
+            <a:r>
+              <a:rPr lang="it" sz="1900" dirty="0">
+                <a:latin typeface="Times New Roman"/>
+                <a:ea typeface="Times New Roman"/>
+                <a:cs typeface="Times New Roman"/>
+                <a:sym typeface="Times New Roman"/>
+              </a:rPr>
+              <a:t>Constraints</a:t>
+            </a:r>
+            <a:endParaRPr sz="1900" dirty="0">
+              <a:latin typeface="Times New Roman"/>
+              <a:ea typeface="Times New Roman"/>
+              <a:cs typeface="Times New Roman"/>
+              <a:sym typeface="Times New Roman"/>
+            </a:endParaRPr>
+          </a:p>
+        </p:txBody>
+      </p:sp>
+      <mc:AlternateContent xmlns:mc="http://schemas.openxmlformats.org/markup-compatibility/2006" xmlns:a14="http://schemas.microsoft.com/office/drawing/2010/main">
+        <mc:Choice Requires="a14">
+          <p:sp>
+            <p:nvSpPr>
+              <p:cNvPr id="6" name="Google Shape;107;p15">
+                <a:extLst>
+                  <a:ext uri="{FF2B5EF4-FFF2-40B4-BE49-F238E27FC236}">
+                    <a16:creationId xmlns:a16="http://schemas.microsoft.com/office/drawing/2014/main" id="{B6804191-5886-0D67-9700-C3304C95100F}"/>
+                  </a:ext>
+                </a:extLst>
+              </p:cNvPr>
+              <p:cNvSpPr txBox="1"/>
+              <p:nvPr/>
+            </p:nvSpPr>
+            <p:spPr>
+              <a:xfrm>
+                <a:off x="2468299" y="1975512"/>
+                <a:ext cx="2860500" cy="369302"/>
+              </a:xfrm>
+              <a:prstGeom prst="rect">
+                <a:avLst/>
+              </a:prstGeom>
+              <a:noFill/>
+              <a:ln>
+                <a:noFill/>
+              </a:ln>
+            </p:spPr>
+            <p:txBody>
+              <a:bodyPr spcFirstLastPara="1" wrap="square" lIns="91425" tIns="91425" rIns="91425" bIns="91425" anchor="t" anchorCtr="0">
+                <a:spAutoFit/>
+              </a:bodyPr>
+              <a:lstStyle/>
+              <a:p>
+                <a:pPr marL="0" lvl="0" indent="0" algn="l" rtl="0">
+                  <a:spcBef>
+                    <a:spcPts val="0"/>
+                  </a:spcBef>
+                  <a:spcAft>
+                    <a:spcPts val="0"/>
+                  </a:spcAft>
+                  <a:buNone/>
+                </a:pPr>
+                <a:r>
+                  <a:rPr lang="it-IT" sz="1200" dirty="0">
+                    <a:solidFill>
+                      <a:srgbClr val="199988"/>
+                    </a:solidFill>
+                    <a:latin typeface="Times New Roman"/>
+                    <a:ea typeface="Times New Roman"/>
+                    <a:cs typeface="Times New Roman"/>
+                    <a:sym typeface="Times New Roman"/>
+                  </a:rPr>
+                  <a:t>incoming flow ≤ </a:t>
+                </a:r>
+                <a:r>
+                  <a:rPr lang="it-IT" sz="1200" dirty="0" err="1">
+                    <a:solidFill>
+                      <a:srgbClr val="199988"/>
+                    </a:solidFill>
+                    <a:latin typeface="Times New Roman"/>
+                    <a:ea typeface="Times New Roman"/>
+                    <a:cs typeface="Times New Roman"/>
+                    <a:sym typeface="Times New Roman"/>
+                  </a:rPr>
+                  <a:t>vehicles</a:t>
+                </a:r>
+                <a:r>
+                  <a:rPr lang="it-IT" sz="1200" dirty="0">
+                    <a:solidFill>
+                      <a:srgbClr val="199988"/>
+                    </a:solidFill>
+                    <a:latin typeface="Times New Roman"/>
+                    <a:ea typeface="Times New Roman"/>
+                    <a:cs typeface="Times New Roman"/>
+                    <a:sym typeface="Times New Roman"/>
+                  </a:rPr>
+                  <a:t> on </a:t>
+                </a:r>
+                <a14:m>
+                  <m:oMath xmlns:m="http://schemas.openxmlformats.org/officeDocument/2006/math">
+                    <m:r>
+                      <a:rPr lang="it-IT" sz="1200" i="1" dirty="0" smtClean="0">
+                        <a:solidFill>
+                          <a:srgbClr val="199988"/>
+                        </a:solidFill>
+                        <a:latin typeface="Cambria Math" panose="02040503050406030204" pitchFamily="18" charset="0"/>
+                        <a:ea typeface="Times New Roman"/>
+                        <a:cs typeface="Times New Roman"/>
+                        <a:sym typeface="Times New Roman"/>
+                      </a:rPr>
+                      <m:t>𝑎</m:t>
+                    </m:r>
+                  </m:oMath>
+                </a14:m>
+                <a:endParaRPr sz="1200" dirty="0">
+                  <a:solidFill>
+                    <a:srgbClr val="199988"/>
+                  </a:solidFill>
+                  <a:latin typeface="Lato"/>
+                  <a:ea typeface="Lato"/>
+                  <a:cs typeface="Lato"/>
+                  <a:sym typeface="Lato"/>
+                </a:endParaRPr>
+              </a:p>
+            </p:txBody>
+          </p:sp>
+        </mc:Choice>
+        <mc:Fallback xmlns="">
+          <p:sp>
+            <p:nvSpPr>
+              <p:cNvPr id="6" name="Google Shape;107;p15">
+                <a:extLst>
+                  <a:ext uri="{FF2B5EF4-FFF2-40B4-BE49-F238E27FC236}">
+                    <a16:creationId xmlns:a16="http://schemas.microsoft.com/office/drawing/2014/main" id="{B6804191-5886-0D67-9700-C3304C95100F}"/>
+                  </a:ext>
+                </a:extLst>
+              </p:cNvPr>
+              <p:cNvSpPr txBox="1">
+                <a:spLocks noRot="1" noChangeAspect="1" noMove="1" noResize="1" noEditPoints="1" noAdjustHandles="1" noChangeArrowheads="1" noChangeShapeType="1" noTextEdit="1"/>
+              </p:cNvSpPr>
+              <p:nvPr/>
+            </p:nvSpPr>
+            <p:spPr>
+              <a:xfrm>
+                <a:off x="2468299" y="1975512"/>
+                <a:ext cx="2860500" cy="369302"/>
+              </a:xfrm>
+              <a:prstGeom prst="rect">
+                <a:avLst/>
+              </a:prstGeom>
+              <a:blipFill>
+                <a:blip r:embed="rId4"/>
+                <a:stretch>
+                  <a:fillRect/>
+                </a:stretch>
+              </a:blipFill>
+              <a:ln>
+                <a:noFill/>
+              </a:ln>
+            </p:spPr>
+            <p:txBody>
+              <a:bodyPr/>
+              <a:lstStyle/>
+              <a:p>
+                <a:r>
+                  <a:rPr lang="it-IT">
+                    <a:noFill/>
+                  </a:rPr>
+                  <a:t> </a:t>
+                </a:r>
+              </a:p>
+            </p:txBody>
+          </p:sp>
+        </mc:Fallback>
+      </mc:AlternateContent>
+      <p:sp>
+        <p:nvSpPr>
+          <p:cNvPr id="7" name="Google Shape;107;p15">
+            <a:extLst>
+              <a:ext uri="{FF2B5EF4-FFF2-40B4-BE49-F238E27FC236}">
+                <a16:creationId xmlns:a16="http://schemas.microsoft.com/office/drawing/2014/main" id="{DB8D59F1-8D58-5946-0ACF-9439CAB4DB5A}"/>
+              </a:ext>
+            </a:extLst>
+          </p:cNvPr>
+          <p:cNvSpPr txBox="1"/>
+          <p:nvPr/>
+        </p:nvSpPr>
+        <p:spPr>
+          <a:xfrm>
+            <a:off x="2622478" y="1418656"/>
+            <a:ext cx="2385445" cy="369302"/>
+          </a:xfrm>
+          <a:prstGeom prst="rect">
+            <a:avLst/>
+          </a:prstGeom>
+          <a:noFill/>
+          <a:ln>
+            <a:noFill/>
+          </a:ln>
+        </p:spPr>
+        <p:txBody>
+          <a:bodyPr spcFirstLastPara="1" wrap="square" lIns="91425" tIns="91425" rIns="91425" bIns="91425" anchor="t" anchorCtr="0">
+            <a:spAutoFit/>
+          </a:bodyPr>
+          <a:lstStyle/>
+          <a:p>
+            <a:pPr marL="0" lvl="0" indent="0" algn="l" rtl="0">
+              <a:spcBef>
+                <a:spcPts val="0"/>
+              </a:spcBef>
+              <a:spcAft>
+                <a:spcPts val="0"/>
+              </a:spcAft>
+              <a:buNone/>
+            </a:pPr>
+            <a:r>
+              <a:rPr lang="it-IT" sz="1200" dirty="0" err="1">
+                <a:solidFill>
+                  <a:srgbClr val="199988"/>
+                </a:solidFill>
+                <a:latin typeface="Times New Roman"/>
+                <a:ea typeface="Lato"/>
+                <a:cs typeface="Times New Roman"/>
+                <a:sym typeface="Times New Roman"/>
+              </a:rPr>
+              <a:t>vehicles</a:t>
+            </a:r>
+            <a:r>
+              <a:rPr lang="it-IT" sz="1200" dirty="0">
+                <a:solidFill>
+                  <a:srgbClr val="199988"/>
+                </a:solidFill>
+                <a:latin typeface="Times New Roman"/>
+                <a:ea typeface="Lato"/>
+                <a:cs typeface="Times New Roman"/>
+                <a:sym typeface="Times New Roman"/>
+              </a:rPr>
+              <a:t> </a:t>
+            </a:r>
+            <a:r>
+              <a:rPr lang="it-IT" sz="1200" dirty="0" err="1">
+                <a:solidFill>
+                  <a:srgbClr val="199988"/>
+                </a:solidFill>
+                <a:latin typeface="Times New Roman"/>
+                <a:ea typeface="Lato"/>
+                <a:cs typeface="Times New Roman"/>
+                <a:sym typeface="Times New Roman"/>
+              </a:rPr>
+              <a:t>conservation</a:t>
+            </a:r>
+            <a:endParaRPr sz="1200" dirty="0">
+              <a:solidFill>
+                <a:srgbClr val="199988"/>
+              </a:solidFill>
+              <a:latin typeface="Lato"/>
+              <a:ea typeface="Lato"/>
+              <a:cs typeface="Lato"/>
+              <a:sym typeface="Lato"/>
+            </a:endParaRPr>
+          </a:p>
+        </p:txBody>
+      </p:sp>
+      <p:sp>
+        <p:nvSpPr>
+          <p:cNvPr id="9" name="Google Shape;107;p15">
+            <a:extLst>
+              <a:ext uri="{FF2B5EF4-FFF2-40B4-BE49-F238E27FC236}">
+                <a16:creationId xmlns:a16="http://schemas.microsoft.com/office/drawing/2014/main" id="{AD202C66-A444-04E1-FFD4-AE0932A973E6}"/>
+              </a:ext>
+            </a:extLst>
+          </p:cNvPr>
+          <p:cNvSpPr txBox="1"/>
+          <p:nvPr/>
+        </p:nvSpPr>
+        <p:spPr>
+          <a:xfrm>
+            <a:off x="2765143" y="2651305"/>
+            <a:ext cx="2860500" cy="369302"/>
+          </a:xfrm>
+          <a:prstGeom prst="rect">
+            <a:avLst/>
+          </a:prstGeom>
+          <a:noFill/>
+          <a:ln>
+            <a:noFill/>
+          </a:ln>
+        </p:spPr>
+        <p:txBody>
+          <a:bodyPr spcFirstLastPara="1" wrap="square" lIns="91425" tIns="91425" rIns="91425" bIns="91425" anchor="t" anchorCtr="0">
+            <a:spAutoFit/>
+          </a:bodyPr>
+          <a:lstStyle/>
+          <a:p>
+            <a:pPr marL="0" lvl="0" indent="0" algn="l" rtl="0">
+              <a:spcBef>
+                <a:spcPts val="0"/>
+              </a:spcBef>
+              <a:spcAft>
+                <a:spcPts val="0"/>
+              </a:spcAft>
+              <a:buNone/>
+            </a:pPr>
+            <a:r>
+              <a:rPr lang="it-IT" sz="1200" dirty="0" err="1">
+                <a:solidFill>
+                  <a:srgbClr val="199988"/>
+                </a:solidFill>
+                <a:latin typeface="Times New Roman"/>
+                <a:ea typeface="Lato"/>
+                <a:cs typeface="Times New Roman"/>
+                <a:sym typeface="Times New Roman"/>
+              </a:rPr>
+              <a:t>capacity</a:t>
+            </a:r>
+            <a:r>
+              <a:rPr lang="it-IT" sz="1200" dirty="0">
+                <a:solidFill>
+                  <a:srgbClr val="199988"/>
+                </a:solidFill>
+                <a:latin typeface="Times New Roman"/>
+                <a:ea typeface="Lato"/>
+                <a:cs typeface="Times New Roman"/>
+                <a:sym typeface="Times New Roman"/>
+              </a:rPr>
+              <a:t> per class</a:t>
+            </a:r>
+            <a:endParaRPr sz="1200" dirty="0">
+              <a:solidFill>
+                <a:srgbClr val="199988"/>
+              </a:solidFill>
+              <a:latin typeface="Lato"/>
+              <a:ea typeface="Lato"/>
+              <a:cs typeface="Lato"/>
+              <a:sym typeface="Lato"/>
+            </a:endParaRPr>
+          </a:p>
+        </p:txBody>
+      </p:sp>
+      <p:sp>
+        <p:nvSpPr>
+          <p:cNvPr id="13" name="Google Shape;107;p15">
+            <a:extLst>
+              <a:ext uri="{FF2B5EF4-FFF2-40B4-BE49-F238E27FC236}">
+                <a16:creationId xmlns:a16="http://schemas.microsoft.com/office/drawing/2014/main" id="{9894E8B4-79D3-AD7C-F921-2FE01B09A9C2}"/>
+              </a:ext>
+            </a:extLst>
+          </p:cNvPr>
+          <p:cNvSpPr txBox="1"/>
+          <p:nvPr/>
+        </p:nvSpPr>
+        <p:spPr>
+          <a:xfrm>
+            <a:off x="1597453" y="3210704"/>
+            <a:ext cx="2860500" cy="369302"/>
+          </a:xfrm>
+          <a:prstGeom prst="rect">
+            <a:avLst/>
+          </a:prstGeom>
+          <a:noFill/>
+          <a:ln>
+            <a:noFill/>
+          </a:ln>
+        </p:spPr>
+        <p:txBody>
+          <a:bodyPr spcFirstLastPara="1" wrap="square" lIns="91425" tIns="91425" rIns="91425" bIns="91425" anchor="t" anchorCtr="0">
+            <a:spAutoFit/>
+          </a:bodyPr>
+          <a:lstStyle/>
+          <a:p>
+            <a:pPr marL="0" lvl="0" indent="0" algn="l" rtl="0">
+              <a:spcBef>
+                <a:spcPts val="0"/>
+              </a:spcBef>
+              <a:spcAft>
+                <a:spcPts val="0"/>
+              </a:spcAft>
+              <a:buNone/>
+            </a:pPr>
+            <a:r>
+              <a:rPr lang="it-IT" sz="1200" dirty="0">
+                <a:solidFill>
+                  <a:srgbClr val="199988"/>
+                </a:solidFill>
+                <a:latin typeface="Times New Roman"/>
+                <a:ea typeface="Lato"/>
+                <a:cs typeface="Times New Roman"/>
+                <a:sym typeface="Times New Roman"/>
+              </a:rPr>
+              <a:t>demand for incoming </a:t>
+            </a:r>
+            <a:r>
+              <a:rPr lang="it-IT" sz="1200" dirty="0" err="1">
+                <a:solidFill>
+                  <a:srgbClr val="199988"/>
+                </a:solidFill>
+                <a:latin typeface="Times New Roman"/>
+                <a:ea typeface="Lato"/>
+                <a:cs typeface="Times New Roman"/>
+                <a:sym typeface="Times New Roman"/>
+              </a:rPr>
+              <a:t>vehicles</a:t>
+            </a:r>
+            <a:r>
+              <a:rPr lang="it-IT" sz="1200" dirty="0">
+                <a:solidFill>
+                  <a:srgbClr val="199988"/>
+                </a:solidFill>
+                <a:latin typeface="Times New Roman"/>
+                <a:ea typeface="Lato"/>
+                <a:cs typeface="Times New Roman"/>
+                <a:sym typeface="Times New Roman"/>
+              </a:rPr>
+              <a:t> </a:t>
+            </a:r>
+            <a:r>
+              <a:rPr lang="it-IT" sz="1200" dirty="0" err="1">
+                <a:solidFill>
+                  <a:srgbClr val="199988"/>
+                </a:solidFill>
+                <a:latin typeface="Times New Roman"/>
+                <a:ea typeface="Lato"/>
+                <a:cs typeface="Times New Roman"/>
+                <a:sym typeface="Times New Roman"/>
+              </a:rPr>
+              <a:t>at</a:t>
+            </a:r>
+            <a:r>
+              <a:rPr lang="it-IT" sz="1200" dirty="0">
+                <a:solidFill>
+                  <a:srgbClr val="199988"/>
+                </a:solidFill>
+                <a:latin typeface="Times New Roman"/>
+                <a:ea typeface="Lato"/>
+                <a:cs typeface="Times New Roman"/>
+                <a:sym typeface="Times New Roman"/>
+              </a:rPr>
+              <a:t> </a:t>
+            </a:r>
+            <a:r>
+              <a:rPr lang="it-IT" sz="1200" dirty="0" err="1">
+                <a:solidFill>
+                  <a:srgbClr val="199988"/>
+                </a:solidFill>
+                <a:latin typeface="Times New Roman"/>
+                <a:ea typeface="Lato"/>
+                <a:cs typeface="Times New Roman"/>
+                <a:sym typeface="Times New Roman"/>
+              </a:rPr>
+              <a:t>origin</a:t>
+            </a:r>
+            <a:r>
+              <a:rPr lang="it-IT" sz="1200" dirty="0">
+                <a:solidFill>
+                  <a:srgbClr val="199988"/>
+                </a:solidFill>
+                <a:latin typeface="Times New Roman"/>
+                <a:ea typeface="Lato"/>
+                <a:cs typeface="Times New Roman"/>
+                <a:sym typeface="Times New Roman"/>
+              </a:rPr>
+              <a:t> </a:t>
+            </a:r>
+            <a:endParaRPr sz="1200" dirty="0">
+              <a:solidFill>
+                <a:srgbClr val="199988"/>
+              </a:solidFill>
+              <a:latin typeface="Lato"/>
+              <a:ea typeface="Lato"/>
+              <a:cs typeface="Lato"/>
+              <a:sym typeface="Lato"/>
+            </a:endParaRPr>
+          </a:p>
+        </p:txBody>
+      </p:sp>
+      <p:sp>
+        <p:nvSpPr>
+          <p:cNvPr id="14" name="Google Shape;107;p15">
+            <a:extLst>
+              <a:ext uri="{FF2B5EF4-FFF2-40B4-BE49-F238E27FC236}">
+                <a16:creationId xmlns:a16="http://schemas.microsoft.com/office/drawing/2014/main" id="{5B5BDC65-A672-F7C4-C6E0-AE8157745BB6}"/>
+              </a:ext>
+            </a:extLst>
+          </p:cNvPr>
+          <p:cNvSpPr txBox="1"/>
+          <p:nvPr/>
+        </p:nvSpPr>
+        <p:spPr>
+          <a:xfrm>
+            <a:off x="1334893" y="4436774"/>
+            <a:ext cx="2860500" cy="369302"/>
+          </a:xfrm>
+          <a:prstGeom prst="rect">
+            <a:avLst/>
+          </a:prstGeom>
+          <a:noFill/>
+          <a:ln>
+            <a:noFill/>
+          </a:ln>
+        </p:spPr>
+        <p:txBody>
+          <a:bodyPr spcFirstLastPara="1" wrap="square" lIns="91425" tIns="91425" rIns="91425" bIns="91425" anchor="t" anchorCtr="0">
+            <a:spAutoFit/>
+          </a:bodyPr>
+          <a:lstStyle/>
+          <a:p>
+            <a:pPr marL="0" lvl="0" indent="0" algn="l" rtl="0">
+              <a:spcBef>
+                <a:spcPts val="0"/>
+              </a:spcBef>
+              <a:spcAft>
+                <a:spcPts val="0"/>
+              </a:spcAft>
+              <a:buNone/>
+            </a:pPr>
+            <a:r>
+              <a:rPr lang="it-IT" sz="1200" dirty="0">
+                <a:solidFill>
+                  <a:srgbClr val="199988"/>
+                </a:solidFill>
+                <a:latin typeface="Times New Roman"/>
+                <a:ea typeface="Lato"/>
+                <a:cs typeface="Times New Roman"/>
+                <a:sym typeface="Times New Roman"/>
+              </a:rPr>
+              <a:t>network </a:t>
+            </a:r>
+            <a:r>
+              <a:rPr lang="it-IT" sz="1200" dirty="0" err="1">
+                <a:solidFill>
+                  <a:srgbClr val="199988"/>
+                </a:solidFill>
+                <a:latin typeface="Times New Roman"/>
+                <a:ea typeface="Lato"/>
+                <a:cs typeface="Times New Roman"/>
+                <a:sym typeface="Times New Roman"/>
+              </a:rPr>
+              <a:t>cleared</a:t>
+            </a:r>
+            <a:r>
+              <a:rPr lang="it-IT" sz="1200" dirty="0">
+                <a:solidFill>
+                  <a:srgbClr val="199988"/>
+                </a:solidFill>
+                <a:latin typeface="Times New Roman"/>
+                <a:ea typeface="Lato"/>
+                <a:cs typeface="Times New Roman"/>
+                <a:sym typeface="Times New Roman"/>
+              </a:rPr>
+              <a:t> </a:t>
+            </a:r>
+            <a:r>
+              <a:rPr lang="it-IT" sz="1200" dirty="0" err="1">
+                <a:solidFill>
+                  <a:srgbClr val="199988"/>
+                </a:solidFill>
+                <a:latin typeface="Times New Roman"/>
+                <a:ea typeface="Lato"/>
+                <a:cs typeface="Times New Roman"/>
+                <a:sym typeface="Times New Roman"/>
+              </a:rPr>
+              <a:t>at</a:t>
+            </a:r>
+            <a:r>
+              <a:rPr lang="it-IT" sz="1200" dirty="0">
+                <a:solidFill>
+                  <a:srgbClr val="199988"/>
+                </a:solidFill>
+                <a:latin typeface="Times New Roman"/>
+                <a:ea typeface="Lato"/>
+                <a:cs typeface="Times New Roman"/>
+                <a:sym typeface="Times New Roman"/>
+              </a:rPr>
+              <a:t> </a:t>
+            </a:r>
+            <a:r>
+              <a:rPr lang="it-IT" sz="1200" dirty="0" err="1">
+                <a:solidFill>
+                  <a:srgbClr val="199988"/>
+                </a:solidFill>
+                <a:latin typeface="Times New Roman"/>
+                <a:ea typeface="Lato"/>
+                <a:cs typeface="Times New Roman"/>
+                <a:sym typeface="Times New Roman"/>
+              </a:rPr>
+              <a:t>destination</a:t>
+            </a:r>
+            <a:endParaRPr sz="1200" dirty="0">
+              <a:solidFill>
+                <a:srgbClr val="199988"/>
+              </a:solidFill>
+              <a:latin typeface="Lato"/>
+              <a:ea typeface="Lato"/>
+              <a:cs typeface="Lato"/>
+              <a:sym typeface="Lato"/>
+            </a:endParaRPr>
+          </a:p>
+        </p:txBody>
+      </p:sp>
+      <p:sp>
+        <p:nvSpPr>
+          <p:cNvPr id="15" name="Google Shape;107;p15">
+            <a:extLst>
+              <a:ext uri="{FF2B5EF4-FFF2-40B4-BE49-F238E27FC236}">
+                <a16:creationId xmlns:a16="http://schemas.microsoft.com/office/drawing/2014/main" id="{C51EC015-A288-2EFD-21E2-15FF0172216B}"/>
+              </a:ext>
+            </a:extLst>
+          </p:cNvPr>
+          <p:cNvSpPr txBox="1"/>
+          <p:nvPr/>
+        </p:nvSpPr>
+        <p:spPr>
+          <a:xfrm>
+            <a:off x="2268698" y="3729970"/>
+            <a:ext cx="2860500" cy="369302"/>
+          </a:xfrm>
+          <a:prstGeom prst="rect">
+            <a:avLst/>
+          </a:prstGeom>
+          <a:noFill/>
+          <a:ln>
+            <a:noFill/>
+          </a:ln>
+        </p:spPr>
+        <p:txBody>
+          <a:bodyPr spcFirstLastPara="1" wrap="square" lIns="91425" tIns="91425" rIns="91425" bIns="91425" anchor="t" anchorCtr="0">
+            <a:spAutoFit/>
+          </a:bodyPr>
+          <a:lstStyle/>
+          <a:p>
+            <a:pPr marL="0" lvl="0" indent="0" algn="l" rtl="0">
+              <a:spcBef>
+                <a:spcPts val="0"/>
+              </a:spcBef>
+              <a:spcAft>
+                <a:spcPts val="0"/>
+              </a:spcAft>
+              <a:buNone/>
+            </a:pPr>
+            <a:r>
+              <a:rPr lang="it-IT" sz="1200" dirty="0">
+                <a:solidFill>
+                  <a:srgbClr val="199988"/>
+                </a:solidFill>
+                <a:latin typeface="Times New Roman"/>
+                <a:ea typeface="Lato"/>
+                <a:cs typeface="Times New Roman"/>
+                <a:sym typeface="Times New Roman"/>
+              </a:rPr>
+              <a:t>flow </a:t>
+            </a:r>
+            <a:r>
+              <a:rPr lang="it-IT" sz="1200" dirty="0" err="1">
+                <a:solidFill>
+                  <a:srgbClr val="199988"/>
+                </a:solidFill>
+                <a:latin typeface="Times New Roman"/>
+                <a:ea typeface="Lato"/>
+                <a:cs typeface="Times New Roman"/>
+                <a:sym typeface="Times New Roman"/>
+              </a:rPr>
+              <a:t>conservation</a:t>
+            </a:r>
+            <a:endParaRPr sz="1200" dirty="0">
+              <a:solidFill>
+                <a:srgbClr val="199988"/>
+              </a:solidFill>
+              <a:latin typeface="Lato"/>
+              <a:ea typeface="Lato"/>
+              <a:cs typeface="Lato"/>
+              <a:sym typeface="Lato"/>
+            </a:endParaRPr>
+          </a:p>
+        </p:txBody>
+      </p:sp>
+      <p:sp>
+        <p:nvSpPr>
+          <p:cNvPr id="17" name="Google Shape;107;p15">
+            <a:extLst>
+              <a:ext uri="{FF2B5EF4-FFF2-40B4-BE49-F238E27FC236}">
+                <a16:creationId xmlns:a16="http://schemas.microsoft.com/office/drawing/2014/main" id="{701BBF47-E49C-8B22-2DEA-4E83E6DD1341}"/>
+              </a:ext>
+            </a:extLst>
+          </p:cNvPr>
+          <p:cNvSpPr txBox="1"/>
+          <p:nvPr/>
+        </p:nvSpPr>
+        <p:spPr>
+          <a:xfrm>
+            <a:off x="1811738" y="3251865"/>
+            <a:ext cx="342660" cy="1184909"/>
+          </a:xfrm>
+          <a:prstGeom prst="rect">
+            <a:avLst/>
+          </a:prstGeom>
+          <a:noFill/>
+          <a:ln>
+            <a:noFill/>
+          </a:ln>
+        </p:spPr>
+        <p:txBody>
+          <a:bodyPr spcFirstLastPara="1" wrap="square" lIns="91425" tIns="91425" rIns="91425" bIns="91425" anchor="t" anchorCtr="0">
+            <a:spAutoFit/>
+          </a:bodyPr>
+          <a:lstStyle/>
+          <a:p>
+            <a:pPr marL="0" lvl="0" indent="0" algn="l" rtl="0">
+              <a:spcBef>
+                <a:spcPts val="0"/>
+              </a:spcBef>
+              <a:spcAft>
+                <a:spcPts val="0"/>
+              </a:spcAft>
+              <a:buNone/>
+            </a:pPr>
+            <a:r>
+              <a:rPr lang="it-IT" sz="6500" dirty="0">
+                <a:solidFill>
+                  <a:srgbClr val="199988"/>
+                </a:solidFill>
+                <a:latin typeface="Times New Roman"/>
+                <a:ea typeface="Lato"/>
+                <a:cs typeface="Times New Roman"/>
+                <a:sym typeface="Times New Roman"/>
+              </a:rPr>
+              <a:t>}</a:t>
+            </a:r>
+            <a:endParaRPr sz="6500" dirty="0">
+              <a:solidFill>
+                <a:srgbClr val="199988"/>
+              </a:solidFill>
+              <a:latin typeface="Lato"/>
+              <a:ea typeface="Lato"/>
+              <a:cs typeface="Lato"/>
+              <a:sym typeface="Lato"/>
+            </a:endParaRPr>
+          </a:p>
+        </p:txBody>
+      </p:sp>
+    </p:spTree>
+    <p:extLst>
+      <p:ext uri="{BB962C8B-B14F-4D97-AF65-F5344CB8AC3E}">
+        <p14:creationId xmlns:p14="http://schemas.microsoft.com/office/powerpoint/2010/main" val="3854572873"/>
+      </p:ext>
+    </p:extLst>
+  </p:cSld>
+  <p:clrMapOvr>
+    <a:masterClrMapping/>
+  </p:clrMapOvr>
+</p:sld>
+</file>
+
+<file path=ppt/slides/slide11.xml><?xml version="1.0" encoding="utf-8"?>
+<p:sld xmlns:a="http://schemas.openxmlformats.org/drawingml/2006/main" xmlns:r="http://schemas.openxmlformats.org/officeDocument/2006/relationships" xmlns:p="http://schemas.openxmlformats.org/presentationml/2006/main">
+  <p:cSld>
+    <p:spTree>
+      <p:nvGrpSpPr>
+        <p:cNvPr id="1" name="Shape 99">
+          <a:extLst>
+            <a:ext uri="{FF2B5EF4-FFF2-40B4-BE49-F238E27FC236}">
+              <a16:creationId xmlns:a16="http://schemas.microsoft.com/office/drawing/2014/main" id="{B7682F9F-5973-304B-9C86-7921C1A6F0F6}"/>
+            </a:ext>
+          </a:extLst>
+        </p:cNvPr>
+        <p:cNvGrpSpPr/>
+        <p:nvPr/>
+      </p:nvGrpSpPr>
+      <p:grpSpPr>
+        <a:xfrm>
+          <a:off x="0" y="0"/>
+          <a:ext cx="0" cy="0"/>
+          <a:chOff x="0" y="0"/>
+          <a:chExt cx="0" cy="0"/>
+        </a:xfrm>
+      </p:grpSpPr>
+      <p:pic>
+        <p:nvPicPr>
+          <p:cNvPr id="12" name="Immagine 11" descr="Immagine che contiene testo, ricevuta, Carattere, algebra&#10;&#10;Il contenuto generato dall'IA potrebbe non essere corretto.">
+            <a:extLst>
+              <a:ext uri="{FF2B5EF4-FFF2-40B4-BE49-F238E27FC236}">
+                <a16:creationId xmlns:a16="http://schemas.microsoft.com/office/drawing/2014/main" id="{0125F4C9-B051-F8BE-B94C-AF141E177A5A}"/>
+              </a:ext>
+            </a:extLst>
+          </p:cNvPr>
+          <p:cNvPicPr>
+            <a:picLocks noChangeAspect="1"/>
+          </p:cNvPicPr>
+          <p:nvPr/>
+        </p:nvPicPr>
+        <p:blipFill>
+          <a:blip r:embed="rId3"/>
+          <a:stretch>
+            <a:fillRect/>
+          </a:stretch>
+        </p:blipFill>
+        <p:spPr>
+          <a:xfrm>
+            <a:off x="451175" y="1384962"/>
+            <a:ext cx="8398380" cy="3485976"/>
+          </a:xfrm>
+          <a:prstGeom prst="rect">
+            <a:avLst/>
+          </a:prstGeom>
+        </p:spPr>
+      </p:pic>
+      <p:sp>
+        <p:nvSpPr>
+          <p:cNvPr id="103" name="Google Shape;103;p15">
+            <a:extLst>
+              <a:ext uri="{FF2B5EF4-FFF2-40B4-BE49-F238E27FC236}">
+                <a16:creationId xmlns:a16="http://schemas.microsoft.com/office/drawing/2014/main" id="{8363327D-08B7-D017-D6D4-DC6084D0C0C2}"/>
+              </a:ext>
+            </a:extLst>
+          </p:cNvPr>
+          <p:cNvSpPr/>
+          <p:nvPr/>
+        </p:nvSpPr>
+        <p:spPr>
+          <a:xfrm>
+            <a:off x="2459507" y="2710770"/>
+            <a:ext cx="222147" cy="275999"/>
+          </a:xfrm>
+          <a:prstGeom prst="ellipse">
+            <a:avLst/>
+          </a:prstGeom>
+          <a:noFill/>
+          <a:ln w="9525" cap="flat" cmpd="sng">
+            <a:solidFill>
+              <a:schemeClr val="accent3"/>
+            </a:solidFill>
+            <a:prstDash val="solid"/>
+            <a:round/>
+            <a:headEnd type="none" w="sm" len="sm"/>
+            <a:tailEnd type="none" w="sm" len="sm"/>
+          </a:ln>
+        </p:spPr>
+        <p:txBody>
+          <a:bodyPr spcFirstLastPara="1" wrap="square" lIns="91425" tIns="91425" rIns="91425" bIns="91425" anchor="ctr" anchorCtr="0">
+            <a:noAutofit/>
+          </a:bodyPr>
+          <a:lstStyle/>
+          <a:p>
+            <a:pPr marL="0" lvl="0" indent="0" algn="l" rtl="0">
+              <a:spcBef>
+                <a:spcPts val="0"/>
+              </a:spcBef>
+              <a:spcAft>
+                <a:spcPts val="0"/>
+              </a:spcAft>
+              <a:buNone/>
+            </a:pPr>
+            <a:endParaRPr/>
+          </a:p>
+        </p:txBody>
+      </p:sp>
+      <p:sp>
+        <p:nvSpPr>
+          <p:cNvPr id="2" name="Google Shape;112;p16">
+            <a:extLst>
+              <a:ext uri="{FF2B5EF4-FFF2-40B4-BE49-F238E27FC236}">
+                <a16:creationId xmlns:a16="http://schemas.microsoft.com/office/drawing/2014/main" id="{61EADC5F-5CDD-F8FF-D201-9355EBEFC911}"/>
+              </a:ext>
+            </a:extLst>
+          </p:cNvPr>
+          <p:cNvSpPr txBox="1"/>
+          <p:nvPr/>
+        </p:nvSpPr>
+        <p:spPr>
+          <a:xfrm>
+            <a:off x="451175" y="757975"/>
+            <a:ext cx="8013556" cy="477023"/>
+          </a:xfrm>
+          <a:prstGeom prst="rect">
+            <a:avLst/>
+          </a:prstGeom>
+          <a:noFill/>
+          <a:ln>
+            <a:noFill/>
+          </a:ln>
+        </p:spPr>
+        <p:txBody>
+          <a:bodyPr spcFirstLastPara="1" wrap="square" lIns="91425" tIns="91425" rIns="91425" bIns="91425" anchor="t" anchorCtr="0">
+            <a:spAutoFit/>
+          </a:bodyPr>
+          <a:lstStyle/>
+          <a:p>
+            <a:pPr marL="0" lvl="0" indent="0" algn="l" rtl="0">
+              <a:spcBef>
+                <a:spcPts val="0"/>
+              </a:spcBef>
+              <a:spcAft>
+                <a:spcPts val="0"/>
+              </a:spcAft>
+              <a:buNone/>
+            </a:pPr>
+            <a:r>
+              <a:rPr lang="it" sz="1900" dirty="0">
+                <a:latin typeface="Times New Roman"/>
+                <a:ea typeface="Times New Roman"/>
+                <a:cs typeface="Times New Roman"/>
+                <a:sym typeface="Times New Roman"/>
+              </a:rPr>
+              <a:t>Constraints</a:t>
+            </a:r>
+            <a:endParaRPr sz="1900" dirty="0">
+              <a:latin typeface="Times New Roman"/>
+              <a:ea typeface="Times New Roman"/>
+              <a:cs typeface="Times New Roman"/>
+              <a:sym typeface="Times New Roman"/>
+            </a:endParaRPr>
+          </a:p>
+        </p:txBody>
+      </p:sp>
+      <mc:AlternateContent xmlns:mc="http://schemas.openxmlformats.org/markup-compatibility/2006" xmlns:a14="http://schemas.microsoft.com/office/drawing/2010/main">
+        <mc:Choice Requires="a14">
+          <p:sp>
+            <p:nvSpPr>
+              <p:cNvPr id="6" name="Google Shape;107;p15">
+                <a:extLst>
+                  <a:ext uri="{FF2B5EF4-FFF2-40B4-BE49-F238E27FC236}">
+                    <a16:creationId xmlns:a16="http://schemas.microsoft.com/office/drawing/2014/main" id="{00A7B5B4-3AE3-8496-DFAB-F147719BC4C9}"/>
+                  </a:ext>
+                </a:extLst>
+              </p:cNvPr>
+              <p:cNvSpPr txBox="1"/>
+              <p:nvPr/>
+            </p:nvSpPr>
+            <p:spPr>
+              <a:xfrm>
+                <a:off x="2468299" y="1975512"/>
+                <a:ext cx="2860500" cy="369302"/>
+              </a:xfrm>
+              <a:prstGeom prst="rect">
+                <a:avLst/>
+              </a:prstGeom>
+              <a:noFill/>
+              <a:ln>
+                <a:noFill/>
+              </a:ln>
+            </p:spPr>
+            <p:txBody>
+              <a:bodyPr spcFirstLastPara="1" wrap="square" lIns="91425" tIns="91425" rIns="91425" bIns="91425" anchor="t" anchorCtr="0">
+                <a:spAutoFit/>
+              </a:bodyPr>
+              <a:lstStyle/>
+              <a:p>
+                <a:pPr marL="0" lvl="0" indent="0" algn="l" rtl="0">
+                  <a:spcBef>
+                    <a:spcPts val="0"/>
+                  </a:spcBef>
+                  <a:spcAft>
+                    <a:spcPts val="0"/>
+                  </a:spcAft>
+                  <a:buNone/>
+                </a:pPr>
+                <a:r>
+                  <a:rPr lang="it-IT" sz="1200" dirty="0">
+                    <a:solidFill>
+                      <a:srgbClr val="199988"/>
+                    </a:solidFill>
+                    <a:latin typeface="Times New Roman"/>
+                    <a:ea typeface="Times New Roman"/>
+                    <a:cs typeface="Times New Roman"/>
+                    <a:sym typeface="Times New Roman"/>
+                  </a:rPr>
+                  <a:t>incoming flow ≤ </a:t>
+                </a:r>
+                <a:r>
+                  <a:rPr lang="it-IT" sz="1200" dirty="0" err="1">
+                    <a:solidFill>
+                      <a:srgbClr val="199988"/>
+                    </a:solidFill>
+                    <a:latin typeface="Times New Roman"/>
+                    <a:ea typeface="Times New Roman"/>
+                    <a:cs typeface="Times New Roman"/>
+                    <a:sym typeface="Times New Roman"/>
+                  </a:rPr>
+                  <a:t>vehicles</a:t>
+                </a:r>
+                <a:r>
+                  <a:rPr lang="it-IT" sz="1200" dirty="0">
+                    <a:solidFill>
+                      <a:srgbClr val="199988"/>
+                    </a:solidFill>
+                    <a:latin typeface="Times New Roman"/>
+                    <a:ea typeface="Times New Roman"/>
+                    <a:cs typeface="Times New Roman"/>
+                    <a:sym typeface="Times New Roman"/>
+                  </a:rPr>
+                  <a:t> on </a:t>
+                </a:r>
+                <a14:m>
+                  <m:oMath xmlns:m="http://schemas.openxmlformats.org/officeDocument/2006/math">
+                    <m:r>
+                      <a:rPr lang="it-IT" sz="1200" i="1" dirty="0" smtClean="0">
+                        <a:solidFill>
+                          <a:srgbClr val="199988"/>
+                        </a:solidFill>
+                        <a:latin typeface="Cambria Math" panose="02040503050406030204" pitchFamily="18" charset="0"/>
+                        <a:ea typeface="Times New Roman"/>
+                        <a:cs typeface="Times New Roman"/>
+                        <a:sym typeface="Times New Roman"/>
+                      </a:rPr>
+                      <m:t>𝑎</m:t>
+                    </m:r>
+                  </m:oMath>
+                </a14:m>
+                <a:endParaRPr sz="1200" dirty="0">
+                  <a:solidFill>
+                    <a:srgbClr val="199988"/>
+                  </a:solidFill>
+                  <a:latin typeface="Lato"/>
+                  <a:ea typeface="Lato"/>
+                  <a:cs typeface="Lato"/>
+                  <a:sym typeface="Lato"/>
+                </a:endParaRPr>
+              </a:p>
+            </p:txBody>
+          </p:sp>
+        </mc:Choice>
+        <mc:Fallback xmlns="">
+          <p:sp>
+            <p:nvSpPr>
+              <p:cNvPr id="6" name="Google Shape;107;p15">
+                <a:extLst>
+                  <a:ext uri="{FF2B5EF4-FFF2-40B4-BE49-F238E27FC236}">
+                    <a16:creationId xmlns:a16="http://schemas.microsoft.com/office/drawing/2014/main" id="{00A7B5B4-3AE3-8496-DFAB-F147719BC4C9}"/>
+                  </a:ext>
+                </a:extLst>
+              </p:cNvPr>
+              <p:cNvSpPr txBox="1">
+                <a:spLocks noRot="1" noChangeAspect="1" noMove="1" noResize="1" noEditPoints="1" noAdjustHandles="1" noChangeArrowheads="1" noChangeShapeType="1" noTextEdit="1"/>
+              </p:cNvSpPr>
+              <p:nvPr/>
+            </p:nvSpPr>
+            <p:spPr>
+              <a:xfrm>
+                <a:off x="2468299" y="1975512"/>
+                <a:ext cx="2860500" cy="369302"/>
+              </a:xfrm>
+              <a:prstGeom prst="rect">
+                <a:avLst/>
+              </a:prstGeom>
+              <a:blipFill>
+                <a:blip r:embed="rId4"/>
+                <a:stretch>
+                  <a:fillRect/>
+                </a:stretch>
+              </a:blipFill>
+              <a:ln>
+                <a:noFill/>
+              </a:ln>
+            </p:spPr>
+            <p:txBody>
+              <a:bodyPr/>
+              <a:lstStyle/>
+              <a:p>
+                <a:r>
+                  <a:rPr lang="it-IT">
+                    <a:noFill/>
+                  </a:rPr>
+                  <a:t> </a:t>
+                </a:r>
+              </a:p>
+            </p:txBody>
+          </p:sp>
+        </mc:Fallback>
+      </mc:AlternateContent>
+      <p:sp>
+        <p:nvSpPr>
+          <p:cNvPr id="7" name="Google Shape;107;p15">
+            <a:extLst>
+              <a:ext uri="{FF2B5EF4-FFF2-40B4-BE49-F238E27FC236}">
+                <a16:creationId xmlns:a16="http://schemas.microsoft.com/office/drawing/2014/main" id="{EC48FE37-53CF-0F9B-CC4C-06C63BDA1179}"/>
+              </a:ext>
+            </a:extLst>
+          </p:cNvPr>
+          <p:cNvSpPr txBox="1"/>
+          <p:nvPr/>
+        </p:nvSpPr>
+        <p:spPr>
+          <a:xfrm>
+            <a:off x="2622478" y="1418656"/>
+            <a:ext cx="2385445" cy="369302"/>
+          </a:xfrm>
+          <a:prstGeom prst="rect">
+            <a:avLst/>
+          </a:prstGeom>
+          <a:noFill/>
+          <a:ln>
+            <a:noFill/>
+          </a:ln>
+        </p:spPr>
+        <p:txBody>
+          <a:bodyPr spcFirstLastPara="1" wrap="square" lIns="91425" tIns="91425" rIns="91425" bIns="91425" anchor="t" anchorCtr="0">
+            <a:spAutoFit/>
+          </a:bodyPr>
+          <a:lstStyle/>
+          <a:p>
+            <a:pPr marL="0" lvl="0" indent="0" algn="l" rtl="0">
+              <a:spcBef>
+                <a:spcPts val="0"/>
+              </a:spcBef>
+              <a:spcAft>
+                <a:spcPts val="0"/>
+              </a:spcAft>
+              <a:buNone/>
+            </a:pPr>
+            <a:r>
+              <a:rPr lang="it-IT" sz="1200" dirty="0" err="1">
+                <a:solidFill>
+                  <a:srgbClr val="199988"/>
+                </a:solidFill>
+                <a:latin typeface="Times New Roman"/>
+                <a:ea typeface="Lato"/>
+                <a:cs typeface="Times New Roman"/>
+                <a:sym typeface="Times New Roman"/>
+              </a:rPr>
+              <a:t>vehicles</a:t>
+            </a:r>
+            <a:r>
+              <a:rPr lang="it-IT" sz="1200" dirty="0">
+                <a:solidFill>
+                  <a:srgbClr val="199988"/>
+                </a:solidFill>
+                <a:latin typeface="Times New Roman"/>
+                <a:ea typeface="Lato"/>
+                <a:cs typeface="Times New Roman"/>
+                <a:sym typeface="Times New Roman"/>
+              </a:rPr>
+              <a:t> </a:t>
+            </a:r>
+            <a:r>
+              <a:rPr lang="it-IT" sz="1200" dirty="0" err="1">
+                <a:solidFill>
+                  <a:srgbClr val="199988"/>
+                </a:solidFill>
+                <a:latin typeface="Times New Roman"/>
+                <a:ea typeface="Lato"/>
+                <a:cs typeface="Times New Roman"/>
+                <a:sym typeface="Times New Roman"/>
+              </a:rPr>
+              <a:t>conservation</a:t>
+            </a:r>
+            <a:endParaRPr sz="1200" dirty="0">
+              <a:solidFill>
+                <a:srgbClr val="199988"/>
+              </a:solidFill>
+              <a:latin typeface="Lato"/>
+              <a:ea typeface="Lato"/>
+              <a:cs typeface="Lato"/>
+              <a:sym typeface="Lato"/>
+            </a:endParaRPr>
+          </a:p>
+        </p:txBody>
+      </p:sp>
+      <p:cxnSp>
+        <p:nvCxnSpPr>
+          <p:cNvPr id="104" name="Google Shape;104;p15">
+            <a:extLst>
+              <a:ext uri="{FF2B5EF4-FFF2-40B4-BE49-F238E27FC236}">
+                <a16:creationId xmlns:a16="http://schemas.microsoft.com/office/drawing/2014/main" id="{A3C65250-17D1-CA6D-E307-CF48B1EDE6E0}"/>
+              </a:ext>
+            </a:extLst>
+          </p:cNvPr>
+          <p:cNvCxnSpPr>
+            <a:cxnSpLocks/>
+          </p:cNvCxnSpPr>
+          <p:nvPr/>
+        </p:nvCxnSpPr>
+        <p:spPr>
+          <a:xfrm flipV="1">
+            <a:off x="2681654" y="2260942"/>
+            <a:ext cx="2294804" cy="553709"/>
+          </a:xfrm>
+          <a:prstGeom prst="straightConnector1">
+            <a:avLst/>
+          </a:prstGeom>
+          <a:noFill/>
+          <a:ln w="9525" cap="flat" cmpd="sng">
+            <a:solidFill>
+              <a:schemeClr val="accent3"/>
+            </a:solidFill>
+            <a:prstDash val="solid"/>
+            <a:round/>
+            <a:headEnd type="none" w="med" len="med"/>
+            <a:tailEnd type="triangle" w="med" len="med"/>
+          </a:ln>
+        </p:spPr>
+      </p:cxnSp>
+      <p:sp>
+        <p:nvSpPr>
+          <p:cNvPr id="102" name="Google Shape;102;p15">
+            <a:extLst>
+              <a:ext uri="{FF2B5EF4-FFF2-40B4-BE49-F238E27FC236}">
+                <a16:creationId xmlns:a16="http://schemas.microsoft.com/office/drawing/2014/main" id="{B246BF52-342D-FA71-B178-363A1897250D}"/>
+              </a:ext>
+            </a:extLst>
+          </p:cNvPr>
+          <p:cNvSpPr txBox="1"/>
+          <p:nvPr/>
+        </p:nvSpPr>
+        <p:spPr>
+          <a:xfrm>
+            <a:off x="4976458" y="2098786"/>
+            <a:ext cx="2860500" cy="584745"/>
+          </a:xfrm>
+          <a:prstGeom prst="rect">
+            <a:avLst/>
+          </a:prstGeom>
+          <a:solidFill>
+            <a:schemeClr val="bg1"/>
+          </a:solidFill>
+          <a:ln>
+            <a:solidFill>
+              <a:srgbClr val="E95502"/>
+            </a:solidFill>
+          </a:ln>
+        </p:spPr>
+        <p:txBody>
+          <a:bodyPr spcFirstLastPara="1" wrap="square" lIns="91425" tIns="91425" rIns="91425" bIns="91425" anchor="t" anchorCtr="0">
+            <a:spAutoFit/>
+          </a:bodyPr>
+          <a:lstStyle/>
+          <a:p>
+            <a:pPr marL="0" lvl="0" indent="0" algn="l" rtl="0">
+              <a:spcBef>
+                <a:spcPts val="0"/>
+              </a:spcBef>
+              <a:spcAft>
+                <a:spcPts val="0"/>
+              </a:spcAft>
+              <a:buNone/>
+            </a:pPr>
+            <a:r>
+              <a:rPr lang="it-IT" sz="1300" b="1" dirty="0">
+                <a:latin typeface="Times New Roman"/>
+                <a:ea typeface="Times New Roman"/>
+                <a:cs typeface="Times New Roman"/>
+                <a:sym typeface="Times New Roman"/>
+              </a:rPr>
+              <a:t>Extra </a:t>
+            </a:r>
+            <a:r>
+              <a:rPr lang="it-IT" sz="1300" b="1" dirty="0" err="1">
+                <a:latin typeface="Times New Roman"/>
+                <a:ea typeface="Times New Roman"/>
+                <a:cs typeface="Times New Roman"/>
+                <a:sym typeface="Times New Roman"/>
+              </a:rPr>
+              <a:t>constraints</a:t>
+            </a:r>
+            <a:r>
+              <a:rPr lang="it-IT" sz="1300" dirty="0">
+                <a:latin typeface="Times New Roman"/>
+                <a:ea typeface="Times New Roman"/>
+                <a:cs typeface="Times New Roman"/>
+                <a:sym typeface="Times New Roman"/>
+              </a:rPr>
+              <a:t>:</a:t>
+            </a:r>
+          </a:p>
+          <a:p>
+            <a:pPr marL="0" lvl="0" indent="0" algn="l" rtl="0">
+              <a:spcBef>
+                <a:spcPts val="0"/>
+              </a:spcBef>
+              <a:spcAft>
+                <a:spcPts val="0"/>
+              </a:spcAft>
+              <a:buNone/>
+            </a:pPr>
+            <a:r>
+              <a:rPr lang="it-IT" sz="1300" dirty="0">
+                <a:latin typeface="Times New Roman"/>
+                <a:ea typeface="Times New Roman"/>
+                <a:cs typeface="Times New Roman"/>
+                <a:sym typeface="Times New Roman"/>
+              </a:rPr>
+              <a:t>SCRIVILE QUANDO LE AVRAI</a:t>
+            </a:r>
+          </a:p>
+        </p:txBody>
+      </p:sp>
+      <p:sp>
+        <p:nvSpPr>
+          <p:cNvPr id="9" name="Google Shape;107;p15">
+            <a:extLst>
+              <a:ext uri="{FF2B5EF4-FFF2-40B4-BE49-F238E27FC236}">
+                <a16:creationId xmlns:a16="http://schemas.microsoft.com/office/drawing/2014/main" id="{BC91579B-051C-248A-2C66-0A64360BACB8}"/>
+              </a:ext>
+            </a:extLst>
+          </p:cNvPr>
+          <p:cNvSpPr txBox="1"/>
+          <p:nvPr/>
+        </p:nvSpPr>
+        <p:spPr>
+          <a:xfrm>
+            <a:off x="2765143" y="2651305"/>
+            <a:ext cx="2860500" cy="369302"/>
+          </a:xfrm>
+          <a:prstGeom prst="rect">
+            <a:avLst/>
+          </a:prstGeom>
+          <a:noFill/>
+          <a:ln>
+            <a:noFill/>
+          </a:ln>
+        </p:spPr>
+        <p:txBody>
+          <a:bodyPr spcFirstLastPara="1" wrap="square" lIns="91425" tIns="91425" rIns="91425" bIns="91425" anchor="t" anchorCtr="0">
+            <a:spAutoFit/>
+          </a:bodyPr>
+          <a:lstStyle/>
+          <a:p>
+            <a:pPr marL="0" lvl="0" indent="0" algn="l" rtl="0">
+              <a:spcBef>
+                <a:spcPts val="0"/>
+              </a:spcBef>
+              <a:spcAft>
+                <a:spcPts val="0"/>
+              </a:spcAft>
+              <a:buNone/>
+            </a:pPr>
+            <a:r>
+              <a:rPr lang="it-IT" sz="1200" dirty="0" err="1">
+                <a:solidFill>
+                  <a:srgbClr val="199988"/>
+                </a:solidFill>
+                <a:latin typeface="Times New Roman"/>
+                <a:ea typeface="Lato"/>
+                <a:cs typeface="Times New Roman"/>
+                <a:sym typeface="Times New Roman"/>
+              </a:rPr>
+              <a:t>capacity</a:t>
+            </a:r>
+            <a:r>
+              <a:rPr lang="it-IT" sz="1200" dirty="0">
+                <a:solidFill>
+                  <a:srgbClr val="199988"/>
+                </a:solidFill>
+                <a:latin typeface="Times New Roman"/>
+                <a:ea typeface="Lato"/>
+                <a:cs typeface="Times New Roman"/>
+                <a:sym typeface="Times New Roman"/>
+              </a:rPr>
+              <a:t> per class</a:t>
+            </a:r>
+            <a:endParaRPr sz="1200" dirty="0">
+              <a:solidFill>
+                <a:srgbClr val="199988"/>
+              </a:solidFill>
+              <a:latin typeface="Lato"/>
+              <a:ea typeface="Lato"/>
+              <a:cs typeface="Lato"/>
+              <a:sym typeface="Lato"/>
+            </a:endParaRPr>
+          </a:p>
+        </p:txBody>
+      </p:sp>
+      <p:sp>
+        <p:nvSpPr>
+          <p:cNvPr id="13" name="Google Shape;107;p15">
+            <a:extLst>
+              <a:ext uri="{FF2B5EF4-FFF2-40B4-BE49-F238E27FC236}">
+                <a16:creationId xmlns:a16="http://schemas.microsoft.com/office/drawing/2014/main" id="{FFF5E293-596B-9795-FAFD-15FFF2373ED0}"/>
+              </a:ext>
+            </a:extLst>
+          </p:cNvPr>
+          <p:cNvSpPr txBox="1"/>
+          <p:nvPr/>
+        </p:nvSpPr>
+        <p:spPr>
+          <a:xfrm>
+            <a:off x="1597453" y="3210704"/>
+            <a:ext cx="2860500" cy="369302"/>
+          </a:xfrm>
+          <a:prstGeom prst="rect">
+            <a:avLst/>
+          </a:prstGeom>
+          <a:noFill/>
+          <a:ln>
+            <a:noFill/>
+          </a:ln>
+        </p:spPr>
+        <p:txBody>
+          <a:bodyPr spcFirstLastPara="1" wrap="square" lIns="91425" tIns="91425" rIns="91425" bIns="91425" anchor="t" anchorCtr="0">
+            <a:spAutoFit/>
+          </a:bodyPr>
+          <a:lstStyle/>
+          <a:p>
+            <a:pPr marL="0" lvl="0" indent="0" algn="l" rtl="0">
+              <a:spcBef>
+                <a:spcPts val="0"/>
+              </a:spcBef>
+              <a:spcAft>
+                <a:spcPts val="0"/>
+              </a:spcAft>
+              <a:buNone/>
+            </a:pPr>
+            <a:r>
+              <a:rPr lang="it-IT" sz="1200" dirty="0">
+                <a:solidFill>
+                  <a:srgbClr val="199988"/>
+                </a:solidFill>
+                <a:latin typeface="Times New Roman"/>
+                <a:ea typeface="Lato"/>
+                <a:cs typeface="Times New Roman"/>
+                <a:sym typeface="Times New Roman"/>
+              </a:rPr>
+              <a:t>demand for incoming </a:t>
+            </a:r>
+            <a:r>
+              <a:rPr lang="it-IT" sz="1200" dirty="0" err="1">
+                <a:solidFill>
+                  <a:srgbClr val="199988"/>
+                </a:solidFill>
+                <a:latin typeface="Times New Roman"/>
+                <a:ea typeface="Lato"/>
+                <a:cs typeface="Times New Roman"/>
+                <a:sym typeface="Times New Roman"/>
+              </a:rPr>
+              <a:t>vehicles</a:t>
+            </a:r>
+            <a:r>
+              <a:rPr lang="it-IT" sz="1200" dirty="0">
+                <a:solidFill>
+                  <a:srgbClr val="199988"/>
+                </a:solidFill>
+                <a:latin typeface="Times New Roman"/>
+                <a:ea typeface="Lato"/>
+                <a:cs typeface="Times New Roman"/>
+                <a:sym typeface="Times New Roman"/>
+              </a:rPr>
+              <a:t> </a:t>
+            </a:r>
+            <a:r>
+              <a:rPr lang="it-IT" sz="1200" dirty="0" err="1">
+                <a:solidFill>
+                  <a:srgbClr val="199988"/>
+                </a:solidFill>
+                <a:latin typeface="Times New Roman"/>
+                <a:ea typeface="Lato"/>
+                <a:cs typeface="Times New Roman"/>
+                <a:sym typeface="Times New Roman"/>
+              </a:rPr>
+              <a:t>at</a:t>
+            </a:r>
+            <a:r>
+              <a:rPr lang="it-IT" sz="1200" dirty="0">
+                <a:solidFill>
+                  <a:srgbClr val="199988"/>
+                </a:solidFill>
+                <a:latin typeface="Times New Roman"/>
+                <a:ea typeface="Lato"/>
+                <a:cs typeface="Times New Roman"/>
+                <a:sym typeface="Times New Roman"/>
+              </a:rPr>
+              <a:t> </a:t>
+            </a:r>
+            <a:r>
+              <a:rPr lang="it-IT" sz="1200" dirty="0" err="1">
+                <a:solidFill>
+                  <a:srgbClr val="199988"/>
+                </a:solidFill>
+                <a:latin typeface="Times New Roman"/>
+                <a:ea typeface="Lato"/>
+                <a:cs typeface="Times New Roman"/>
+                <a:sym typeface="Times New Roman"/>
+              </a:rPr>
+              <a:t>origin</a:t>
+            </a:r>
+            <a:r>
+              <a:rPr lang="it-IT" sz="1200" dirty="0">
+                <a:solidFill>
+                  <a:srgbClr val="199988"/>
+                </a:solidFill>
+                <a:latin typeface="Times New Roman"/>
+                <a:ea typeface="Lato"/>
+                <a:cs typeface="Times New Roman"/>
+                <a:sym typeface="Times New Roman"/>
+              </a:rPr>
+              <a:t> </a:t>
+            </a:r>
+            <a:endParaRPr sz="1200" dirty="0">
+              <a:solidFill>
+                <a:srgbClr val="199988"/>
+              </a:solidFill>
+              <a:latin typeface="Lato"/>
+              <a:ea typeface="Lato"/>
+              <a:cs typeface="Lato"/>
+              <a:sym typeface="Lato"/>
+            </a:endParaRPr>
+          </a:p>
+        </p:txBody>
+      </p:sp>
+      <p:sp>
+        <p:nvSpPr>
+          <p:cNvPr id="14" name="Google Shape;107;p15">
+            <a:extLst>
+              <a:ext uri="{FF2B5EF4-FFF2-40B4-BE49-F238E27FC236}">
+                <a16:creationId xmlns:a16="http://schemas.microsoft.com/office/drawing/2014/main" id="{A286C609-E433-EC88-FD60-16164CE16A05}"/>
+              </a:ext>
+            </a:extLst>
+          </p:cNvPr>
+          <p:cNvSpPr txBox="1"/>
+          <p:nvPr/>
+        </p:nvSpPr>
+        <p:spPr>
+          <a:xfrm>
+            <a:off x="1334893" y="4436774"/>
+            <a:ext cx="2860500" cy="369302"/>
+          </a:xfrm>
+          <a:prstGeom prst="rect">
+            <a:avLst/>
+          </a:prstGeom>
+          <a:noFill/>
+          <a:ln>
+            <a:noFill/>
+          </a:ln>
+        </p:spPr>
+        <p:txBody>
+          <a:bodyPr spcFirstLastPara="1" wrap="square" lIns="91425" tIns="91425" rIns="91425" bIns="91425" anchor="t" anchorCtr="0">
+            <a:spAutoFit/>
+          </a:bodyPr>
+          <a:lstStyle/>
+          <a:p>
+            <a:pPr marL="0" lvl="0" indent="0" algn="l" rtl="0">
+              <a:spcBef>
+                <a:spcPts val="0"/>
+              </a:spcBef>
+              <a:spcAft>
+                <a:spcPts val="0"/>
+              </a:spcAft>
+              <a:buNone/>
+            </a:pPr>
+            <a:r>
+              <a:rPr lang="it-IT" sz="1200" dirty="0">
+                <a:solidFill>
+                  <a:srgbClr val="199988"/>
+                </a:solidFill>
+                <a:latin typeface="Times New Roman"/>
+                <a:ea typeface="Lato"/>
+                <a:cs typeface="Times New Roman"/>
+                <a:sym typeface="Times New Roman"/>
+              </a:rPr>
+              <a:t>network </a:t>
+            </a:r>
+            <a:r>
+              <a:rPr lang="it-IT" sz="1200" dirty="0" err="1">
+                <a:solidFill>
+                  <a:srgbClr val="199988"/>
+                </a:solidFill>
+                <a:latin typeface="Times New Roman"/>
+                <a:ea typeface="Lato"/>
+                <a:cs typeface="Times New Roman"/>
+                <a:sym typeface="Times New Roman"/>
+              </a:rPr>
+              <a:t>cleared</a:t>
+            </a:r>
+            <a:r>
+              <a:rPr lang="it-IT" sz="1200" dirty="0">
+                <a:solidFill>
+                  <a:srgbClr val="199988"/>
+                </a:solidFill>
+                <a:latin typeface="Times New Roman"/>
+                <a:ea typeface="Lato"/>
+                <a:cs typeface="Times New Roman"/>
+                <a:sym typeface="Times New Roman"/>
+              </a:rPr>
+              <a:t> </a:t>
+            </a:r>
+            <a:r>
+              <a:rPr lang="it-IT" sz="1200" dirty="0" err="1">
+                <a:solidFill>
+                  <a:srgbClr val="199988"/>
+                </a:solidFill>
+                <a:latin typeface="Times New Roman"/>
+                <a:ea typeface="Lato"/>
+                <a:cs typeface="Times New Roman"/>
+                <a:sym typeface="Times New Roman"/>
+              </a:rPr>
+              <a:t>at</a:t>
+            </a:r>
+            <a:r>
+              <a:rPr lang="it-IT" sz="1200" dirty="0">
+                <a:solidFill>
+                  <a:srgbClr val="199988"/>
+                </a:solidFill>
+                <a:latin typeface="Times New Roman"/>
+                <a:ea typeface="Lato"/>
+                <a:cs typeface="Times New Roman"/>
+                <a:sym typeface="Times New Roman"/>
+              </a:rPr>
+              <a:t> </a:t>
+            </a:r>
+            <a:r>
+              <a:rPr lang="it-IT" sz="1200" dirty="0" err="1">
+                <a:solidFill>
+                  <a:srgbClr val="199988"/>
+                </a:solidFill>
+                <a:latin typeface="Times New Roman"/>
+                <a:ea typeface="Lato"/>
+                <a:cs typeface="Times New Roman"/>
+                <a:sym typeface="Times New Roman"/>
+              </a:rPr>
+              <a:t>destination</a:t>
+            </a:r>
+            <a:endParaRPr sz="1200" dirty="0">
+              <a:solidFill>
+                <a:srgbClr val="199988"/>
+              </a:solidFill>
+              <a:latin typeface="Lato"/>
+              <a:ea typeface="Lato"/>
+              <a:cs typeface="Lato"/>
+              <a:sym typeface="Lato"/>
+            </a:endParaRPr>
+          </a:p>
+        </p:txBody>
+      </p:sp>
+      <p:sp>
+        <p:nvSpPr>
+          <p:cNvPr id="15" name="Google Shape;107;p15">
+            <a:extLst>
+              <a:ext uri="{FF2B5EF4-FFF2-40B4-BE49-F238E27FC236}">
+                <a16:creationId xmlns:a16="http://schemas.microsoft.com/office/drawing/2014/main" id="{AB2E8DBF-9024-26F7-77F4-FA73651A489A}"/>
+              </a:ext>
+            </a:extLst>
+          </p:cNvPr>
+          <p:cNvSpPr txBox="1"/>
+          <p:nvPr/>
+        </p:nvSpPr>
+        <p:spPr>
+          <a:xfrm>
+            <a:off x="2268698" y="3729970"/>
+            <a:ext cx="2860500" cy="369302"/>
+          </a:xfrm>
+          <a:prstGeom prst="rect">
+            <a:avLst/>
+          </a:prstGeom>
+          <a:noFill/>
+          <a:ln>
+            <a:noFill/>
+          </a:ln>
+        </p:spPr>
+        <p:txBody>
+          <a:bodyPr spcFirstLastPara="1" wrap="square" lIns="91425" tIns="91425" rIns="91425" bIns="91425" anchor="t" anchorCtr="0">
+            <a:spAutoFit/>
+          </a:bodyPr>
+          <a:lstStyle/>
+          <a:p>
+            <a:pPr marL="0" lvl="0" indent="0" algn="l" rtl="0">
+              <a:spcBef>
+                <a:spcPts val="0"/>
+              </a:spcBef>
+              <a:spcAft>
+                <a:spcPts val="0"/>
+              </a:spcAft>
+              <a:buNone/>
+            </a:pPr>
+            <a:r>
+              <a:rPr lang="it-IT" sz="1200" dirty="0">
+                <a:solidFill>
+                  <a:srgbClr val="199988"/>
+                </a:solidFill>
+                <a:latin typeface="Times New Roman"/>
+                <a:ea typeface="Lato"/>
+                <a:cs typeface="Times New Roman"/>
+                <a:sym typeface="Times New Roman"/>
+              </a:rPr>
+              <a:t>flow </a:t>
+            </a:r>
+            <a:r>
+              <a:rPr lang="it-IT" sz="1200" dirty="0" err="1">
+                <a:solidFill>
+                  <a:srgbClr val="199988"/>
+                </a:solidFill>
+                <a:latin typeface="Times New Roman"/>
+                <a:ea typeface="Lato"/>
+                <a:cs typeface="Times New Roman"/>
+                <a:sym typeface="Times New Roman"/>
+              </a:rPr>
+              <a:t>conservation</a:t>
+            </a:r>
+            <a:endParaRPr sz="1200" dirty="0">
+              <a:solidFill>
+                <a:srgbClr val="199988"/>
+              </a:solidFill>
+              <a:latin typeface="Lato"/>
+              <a:ea typeface="Lato"/>
+              <a:cs typeface="Lato"/>
+              <a:sym typeface="Lato"/>
+            </a:endParaRPr>
+          </a:p>
+        </p:txBody>
+      </p:sp>
+      <p:sp>
+        <p:nvSpPr>
+          <p:cNvPr id="17" name="Google Shape;107;p15">
+            <a:extLst>
+              <a:ext uri="{FF2B5EF4-FFF2-40B4-BE49-F238E27FC236}">
+                <a16:creationId xmlns:a16="http://schemas.microsoft.com/office/drawing/2014/main" id="{2AD53661-BD60-691D-40E3-30212FFA8924}"/>
+              </a:ext>
+            </a:extLst>
+          </p:cNvPr>
+          <p:cNvSpPr txBox="1"/>
+          <p:nvPr/>
+        </p:nvSpPr>
+        <p:spPr>
+          <a:xfrm>
+            <a:off x="1811738" y="3251865"/>
+            <a:ext cx="342660" cy="1184909"/>
+          </a:xfrm>
+          <a:prstGeom prst="rect">
+            <a:avLst/>
+          </a:prstGeom>
+          <a:noFill/>
+          <a:ln>
+            <a:noFill/>
+          </a:ln>
+        </p:spPr>
+        <p:txBody>
+          <a:bodyPr spcFirstLastPara="1" wrap="square" lIns="91425" tIns="91425" rIns="91425" bIns="91425" anchor="t" anchorCtr="0">
+            <a:spAutoFit/>
+          </a:bodyPr>
+          <a:lstStyle/>
+          <a:p>
+            <a:pPr marL="0" lvl="0" indent="0" algn="l" rtl="0">
+              <a:spcBef>
+                <a:spcPts val="0"/>
+              </a:spcBef>
+              <a:spcAft>
+                <a:spcPts val="0"/>
+              </a:spcAft>
+              <a:buNone/>
+            </a:pPr>
+            <a:r>
+              <a:rPr lang="it-IT" sz="6500" dirty="0">
+                <a:solidFill>
+                  <a:srgbClr val="199988"/>
+                </a:solidFill>
+                <a:latin typeface="Times New Roman"/>
+                <a:ea typeface="Lato"/>
+                <a:cs typeface="Times New Roman"/>
+                <a:sym typeface="Times New Roman"/>
+              </a:rPr>
+              <a:t>}</a:t>
+            </a:r>
+            <a:endParaRPr sz="6500" dirty="0">
+              <a:solidFill>
+                <a:srgbClr val="199988"/>
+              </a:solidFill>
+              <a:latin typeface="Lato"/>
+              <a:ea typeface="Lato"/>
+              <a:cs typeface="Lato"/>
+              <a:sym typeface="Lato"/>
+            </a:endParaRPr>
+          </a:p>
+        </p:txBody>
+      </p:sp>
+    </p:spTree>
+    <p:extLst>
+      <p:ext uri="{BB962C8B-B14F-4D97-AF65-F5344CB8AC3E}">
+        <p14:creationId xmlns:p14="http://schemas.microsoft.com/office/powerpoint/2010/main" val="1918206237"/>
+      </p:ext>
+    </p:extLst>
+  </p:cSld>
+  <p:clrMapOvr>
+    <a:masterClrMapping/>
+  </p:clrMapOvr>
+</p:sld>
+</file>
+
+<file path=ppt/slides/slide12.xml><?xml version="1.0" encoding="utf-8"?>
+<p:sld xmlns:a="http://schemas.openxmlformats.org/drawingml/2006/main" xmlns:r="http://schemas.openxmlformats.org/officeDocument/2006/relationships" xmlns:p="http://schemas.openxmlformats.org/presentationml/2006/main">
+  <p:cSld>
+    <p:spTree>
+      <p:nvGrpSpPr>
+        <p:cNvPr id="1" name="Shape 99">
+          <a:extLst>
+            <a:ext uri="{FF2B5EF4-FFF2-40B4-BE49-F238E27FC236}">
               <a16:creationId xmlns:a16="http://schemas.microsoft.com/office/drawing/2014/main" id="{5D759839-2F01-C23A-AF01-2249A33F2FCF}"/>
             </a:ext>
           </a:extLst>
@@ -9113,7 +11361,7 @@
 </p:sld>
 </file>
 
-<file path=ppt/slides/slide11.xml><?xml version="1.0" encoding="utf-8"?>
+<file path=ppt/slides/slide13.xml><?xml version="1.0" encoding="utf-8"?>
 <p:sld xmlns:a="http://schemas.openxmlformats.org/drawingml/2006/main" xmlns:r="http://schemas.openxmlformats.org/officeDocument/2006/relationships" xmlns:p="http://schemas.openxmlformats.org/presentationml/2006/main">
   <p:cSld>
     <p:spTree>
@@ -9793,7 +12041,983 @@
 </p:sld>
 </file>
 
-<file path=ppt/slides/slide12.xml><?xml version="1.0" encoding="utf-8"?>
+<file path=ppt/slides/slide14.xml><?xml version="1.0" encoding="utf-8"?>
+<p:sld xmlns:a="http://schemas.openxmlformats.org/drawingml/2006/main" xmlns:r="http://schemas.openxmlformats.org/officeDocument/2006/relationships" xmlns:p="http://schemas.openxmlformats.org/presentationml/2006/main">
+  <p:cSld>
+    <p:spTree>
+      <p:nvGrpSpPr>
+        <p:cNvPr id="1" name="Shape 99">
+          <a:extLst>
+            <a:ext uri="{FF2B5EF4-FFF2-40B4-BE49-F238E27FC236}">
+              <a16:creationId xmlns:a16="http://schemas.microsoft.com/office/drawing/2014/main" id="{6402C80E-8EB0-ADAA-F723-80C988877344}"/>
+            </a:ext>
+          </a:extLst>
+        </p:cNvPr>
+        <p:cNvGrpSpPr/>
+        <p:nvPr/>
+      </p:nvGrpSpPr>
+      <p:grpSpPr>
+        <a:xfrm>
+          <a:off x="0" y="0"/>
+          <a:ext cx="0" cy="0"/>
+          <a:chOff x="0" y="0"/>
+          <a:chExt cx="0" cy="0"/>
+        </a:xfrm>
+      </p:grpSpPr>
+      <p:sp>
+        <p:nvSpPr>
+          <p:cNvPr id="2" name="Google Shape;112;p16">
+            <a:extLst>
+              <a:ext uri="{FF2B5EF4-FFF2-40B4-BE49-F238E27FC236}">
+                <a16:creationId xmlns:a16="http://schemas.microsoft.com/office/drawing/2014/main" id="{264C19DC-CF97-3105-2CD0-4C7EB597C8B4}"/>
+              </a:ext>
+            </a:extLst>
+          </p:cNvPr>
+          <p:cNvSpPr txBox="1"/>
+          <p:nvPr/>
+        </p:nvSpPr>
+        <p:spPr>
+          <a:xfrm>
+            <a:off x="451175" y="757975"/>
+            <a:ext cx="8013556" cy="477023"/>
+          </a:xfrm>
+          <a:prstGeom prst="rect">
+            <a:avLst/>
+          </a:prstGeom>
+          <a:noFill/>
+          <a:ln>
+            <a:noFill/>
+          </a:ln>
+        </p:spPr>
+        <p:txBody>
+          <a:bodyPr spcFirstLastPara="1" wrap="square" lIns="91425" tIns="91425" rIns="91425" bIns="91425" anchor="t" anchorCtr="0">
+            <a:spAutoFit/>
+          </a:bodyPr>
+          <a:lstStyle/>
+          <a:p>
+            <a:pPr marL="0" lvl="0" indent="0" algn="l" rtl="0">
+              <a:spcBef>
+                <a:spcPts val="0"/>
+              </a:spcBef>
+              <a:spcAft>
+                <a:spcPts val="0"/>
+              </a:spcAft>
+              <a:buNone/>
+            </a:pPr>
+            <a:r>
+              <a:rPr lang="it" sz="1900" dirty="0">
+                <a:latin typeface="Times New Roman"/>
+                <a:ea typeface="Times New Roman"/>
+                <a:cs typeface="Times New Roman"/>
+                <a:sym typeface="Times New Roman"/>
+              </a:rPr>
+              <a:t>Minimising constraints</a:t>
+            </a:r>
+            <a:endParaRPr sz="1900" dirty="0">
+              <a:latin typeface="Times New Roman"/>
+              <a:ea typeface="Times New Roman"/>
+              <a:cs typeface="Times New Roman"/>
+              <a:sym typeface="Times New Roman"/>
+            </a:endParaRPr>
+          </a:p>
+        </p:txBody>
+      </p:sp>
+      <p:pic>
+        <p:nvPicPr>
+          <p:cNvPr id="3" name="Immagine 2" descr="Immagine che contiene testo, ricevuta, Carattere, bianco&#10;&#10;Il contenuto generato dall'IA potrebbe non essere corretto.">
+            <a:extLst>
+              <a:ext uri="{FF2B5EF4-FFF2-40B4-BE49-F238E27FC236}">
+                <a16:creationId xmlns:a16="http://schemas.microsoft.com/office/drawing/2014/main" id="{74C57D72-08F8-82F7-BA13-4E6D5CF036F2}"/>
+              </a:ext>
+            </a:extLst>
+          </p:cNvPr>
+          <p:cNvPicPr>
+            <a:picLocks noChangeAspect="1"/>
+          </p:cNvPicPr>
+          <p:nvPr/>
+        </p:nvPicPr>
+        <p:blipFill>
+          <a:blip r:embed="rId3"/>
+          <a:srcRect t="39816" r="63197" b="44210"/>
+          <a:stretch/>
+        </p:blipFill>
+        <p:spPr>
+          <a:xfrm>
+            <a:off x="595330" y="1732784"/>
+            <a:ext cx="2860500" cy="345782"/>
+          </a:xfrm>
+          <a:prstGeom prst="rect">
+            <a:avLst/>
+          </a:prstGeom>
+        </p:spPr>
+      </p:pic>
+      <mc:AlternateContent xmlns:mc="http://schemas.openxmlformats.org/markup-compatibility/2006">
+        <mc:Choice xmlns:a14="http://schemas.microsoft.com/office/drawing/2010/main" Requires="a14">
+          <p:sp>
+            <p:nvSpPr>
+              <p:cNvPr id="4" name="CasellaDiTesto 3">
+                <a:extLst>
+                  <a:ext uri="{FF2B5EF4-FFF2-40B4-BE49-F238E27FC236}">
+                    <a16:creationId xmlns:a16="http://schemas.microsoft.com/office/drawing/2014/main" id="{B452510B-B47D-B53F-3398-DABE663A7D77}"/>
+                  </a:ext>
+                </a:extLst>
+              </p:cNvPr>
+              <p:cNvSpPr txBox="1"/>
+              <p:nvPr/>
+            </p:nvSpPr>
+            <p:spPr>
+              <a:xfrm>
+                <a:off x="595330" y="3055599"/>
+                <a:ext cx="3148811" cy="1272464"/>
+              </a:xfrm>
+              <a:prstGeom prst="rect">
+                <a:avLst/>
+              </a:prstGeom>
+              <a:noFill/>
+            </p:spPr>
+            <p:txBody>
+              <a:bodyPr wrap="none" lIns="0" tIns="0" rIns="0" bIns="0" rtlCol="0">
+                <a:spAutoFit/>
+              </a:bodyPr>
+              <a:lstStyle/>
+              <a:p>
+                <a:pPr>
+                  <a:lnSpc>
+                    <a:spcPct val="150000"/>
+                  </a:lnSpc>
+                </a:pPr>
+                <a14:m>
+                  <m:oMathPara xmlns:m="http://schemas.openxmlformats.org/officeDocument/2006/math">
+                    <m:oMathParaPr>
+                      <m:jc m:val="centerGroup"/>
+                    </m:oMathParaPr>
+                    <m:oMath xmlns:m="http://schemas.openxmlformats.org/officeDocument/2006/math">
+                      <m:sSub>
+                        <m:sSubPr>
+                          <m:ctrlPr>
+                            <a:rPr lang="it-IT" i="1" smtClean="0">
+                              <a:latin typeface="Cambria Math" panose="02040503050406030204" pitchFamily="18" charset="0"/>
+                            </a:rPr>
+                          </m:ctrlPr>
+                        </m:sSubPr>
+                        <m:e>
+                          <m:r>
+                            <a:rPr lang="it-IT" b="0" i="1" smtClean="0">
+                              <a:latin typeface="Cambria Math" panose="02040503050406030204" pitchFamily="18" charset="0"/>
+                            </a:rPr>
+                            <m:t>𝐵</m:t>
+                          </m:r>
+                        </m:e>
+                        <m:sub>
+                          <m:r>
+                            <a:rPr lang="it-IT" b="0" i="1" smtClean="0">
+                              <a:latin typeface="Cambria Math" panose="02040503050406030204" pitchFamily="18" charset="0"/>
+                            </a:rPr>
+                            <m:t>𝑎</m:t>
+                          </m:r>
+                          <m:r>
+                            <a:rPr lang="it-IT" b="0" i="1" smtClean="0">
+                              <a:latin typeface="Cambria Math" panose="02040503050406030204" pitchFamily="18" charset="0"/>
+                            </a:rPr>
+                            <m:t>,</m:t>
+                          </m:r>
+                          <m:r>
+                            <a:rPr lang="it-IT" b="0" i="1" smtClean="0">
+                              <a:latin typeface="Cambria Math" panose="02040503050406030204" pitchFamily="18" charset="0"/>
+                            </a:rPr>
+                            <m:t>𝑝</m:t>
+                          </m:r>
+                        </m:sub>
+                      </m:sSub>
+                      <m:r>
+                        <a:rPr lang="it-IT" i="1" smtClean="0">
+                          <a:latin typeface="Cambria Math" panose="02040503050406030204" pitchFamily="18" charset="0"/>
+                          <a:ea typeface="Cambria Math" panose="02040503050406030204" pitchFamily="18" charset="0"/>
+                        </a:rPr>
+                        <m:t>≤</m:t>
+                      </m:r>
+                      <m:sSub>
+                        <m:sSubPr>
+                          <m:ctrlPr>
+                            <a:rPr lang="it-IT" i="1" smtClean="0">
+                              <a:latin typeface="Cambria Math" panose="02040503050406030204" pitchFamily="18" charset="0"/>
+                              <a:ea typeface="Cambria Math" panose="02040503050406030204" pitchFamily="18" charset="0"/>
+                            </a:rPr>
+                          </m:ctrlPr>
+                        </m:sSubPr>
+                        <m:e>
+                          <m:r>
+                            <a:rPr lang="it-IT" b="0" i="1" smtClean="0">
+                              <a:latin typeface="Cambria Math" panose="02040503050406030204" pitchFamily="18" charset="0"/>
+                              <a:ea typeface="Cambria Math" panose="02040503050406030204" pitchFamily="18" charset="0"/>
+                            </a:rPr>
+                            <m:t>𝐵</m:t>
+                          </m:r>
+                        </m:e>
+                        <m:sub>
+                          <m:r>
+                            <a:rPr lang="it-IT" b="0" i="1" smtClean="0">
+                              <a:latin typeface="Cambria Math" panose="02040503050406030204" pitchFamily="18" charset="0"/>
+                              <a:ea typeface="Cambria Math" panose="02040503050406030204" pitchFamily="18" charset="0"/>
+                            </a:rPr>
+                            <m:t>𝑚𝑎𝑥</m:t>
+                          </m:r>
+                        </m:sub>
+                      </m:sSub>
+                    </m:oMath>
+                  </m:oMathPara>
+                </a14:m>
+                <a:endParaRPr lang="it-IT" i="1" dirty="0">
+                  <a:latin typeface="Cambria Math" panose="02040503050406030204" pitchFamily="18" charset="0"/>
+                </a:endParaRPr>
+              </a:p>
+              <a:p>
+                <a:pPr>
+                  <a:lnSpc>
+                    <a:spcPct val="150000"/>
+                  </a:lnSpc>
+                </a:pPr>
+                <a14:m>
+                  <m:oMathPara xmlns:m="http://schemas.openxmlformats.org/officeDocument/2006/math">
+                    <m:oMathParaPr>
+                      <m:jc m:val="centerGroup"/>
+                    </m:oMathParaPr>
+                    <m:oMath xmlns:m="http://schemas.openxmlformats.org/officeDocument/2006/math">
+                      <m:sSub>
+                        <m:sSubPr>
+                          <m:ctrlPr>
+                            <a:rPr lang="it-IT" i="1" smtClean="0">
+                              <a:latin typeface="Cambria Math" panose="02040503050406030204" pitchFamily="18" charset="0"/>
+                            </a:rPr>
+                          </m:ctrlPr>
+                        </m:sSubPr>
+                        <m:e>
+                          <m:r>
+                            <a:rPr lang="it-IT" b="0" i="1" smtClean="0">
+                              <a:latin typeface="Cambria Math" panose="02040503050406030204" pitchFamily="18" charset="0"/>
+                            </a:rPr>
+                            <m:t>𝐵</m:t>
+                          </m:r>
+                        </m:e>
+                        <m:sub>
+                          <m:r>
+                            <a:rPr lang="it-IT" b="0" i="1" smtClean="0">
+                              <a:latin typeface="Cambria Math" panose="02040503050406030204" pitchFamily="18" charset="0"/>
+                            </a:rPr>
+                            <m:t>𝑎</m:t>
+                          </m:r>
+                          <m:r>
+                            <a:rPr lang="it-IT" b="0" i="1" smtClean="0">
+                              <a:latin typeface="Cambria Math" panose="02040503050406030204" pitchFamily="18" charset="0"/>
+                            </a:rPr>
+                            <m:t>,</m:t>
+                          </m:r>
+                          <m:r>
+                            <a:rPr lang="it-IT" b="0" i="1" smtClean="0">
+                              <a:latin typeface="Cambria Math" panose="02040503050406030204" pitchFamily="18" charset="0"/>
+                            </a:rPr>
+                            <m:t>𝑝</m:t>
+                          </m:r>
+                        </m:sub>
+                      </m:sSub>
+                      <m:r>
+                        <a:rPr lang="it-IT" i="1" smtClean="0">
+                          <a:latin typeface="Cambria Math" panose="02040503050406030204" pitchFamily="18" charset="0"/>
+                          <a:ea typeface="Cambria Math" panose="02040503050406030204" pitchFamily="18" charset="0"/>
+                        </a:rPr>
+                        <m:t>≤</m:t>
+                      </m:r>
+                      <m:sSub>
+                        <m:sSubPr>
+                          <m:ctrlPr>
+                            <a:rPr lang="it-IT" i="1" smtClean="0">
+                              <a:latin typeface="Cambria Math" panose="02040503050406030204" pitchFamily="18" charset="0"/>
+                              <a:ea typeface="Cambria Math" panose="02040503050406030204" pitchFamily="18" charset="0"/>
+                            </a:rPr>
+                          </m:ctrlPr>
+                        </m:sSubPr>
+                        <m:e>
+                          <m:r>
+                            <a:rPr lang="it-IT" b="0" i="1" smtClean="0">
+                              <a:latin typeface="Cambria Math" panose="02040503050406030204" pitchFamily="18" charset="0"/>
+                              <a:ea typeface="Cambria Math" panose="02040503050406030204" pitchFamily="18" charset="0"/>
+                            </a:rPr>
+                            <m:t>𝐵</m:t>
+                          </m:r>
+                        </m:e>
+                        <m:sub>
+                          <m:r>
+                            <a:rPr lang="it-IT" b="0" i="1" smtClean="0">
+                              <a:latin typeface="Cambria Math" panose="02040503050406030204" pitchFamily="18" charset="0"/>
+                              <a:ea typeface="Cambria Math" panose="02040503050406030204" pitchFamily="18" charset="0"/>
+                            </a:rPr>
+                            <m:t>𝑏</m:t>
+                          </m:r>
+                          <m:r>
+                            <a:rPr lang="it-IT" b="0" i="1" smtClean="0">
+                              <a:latin typeface="Cambria Math" panose="02040503050406030204" pitchFamily="18" charset="0"/>
+                              <a:ea typeface="Cambria Math" panose="02040503050406030204" pitchFamily="18" charset="0"/>
+                            </a:rPr>
+                            <m:t>,</m:t>
+                          </m:r>
+                          <m:r>
+                            <a:rPr lang="it-IT" b="0" i="1" smtClean="0">
+                              <a:latin typeface="Cambria Math" panose="02040503050406030204" pitchFamily="18" charset="0"/>
+                              <a:ea typeface="Cambria Math" panose="02040503050406030204" pitchFamily="18" charset="0"/>
+                            </a:rPr>
+                            <m:t>𝑝</m:t>
+                          </m:r>
+                        </m:sub>
+                      </m:sSub>
+                      <m:r>
+                        <a:rPr lang="it-IT" b="0" i="1" smtClean="0">
+                          <a:latin typeface="Cambria Math" panose="02040503050406030204" pitchFamily="18" charset="0"/>
+                          <a:ea typeface="Cambria Math" panose="02040503050406030204" pitchFamily="18" charset="0"/>
+                        </a:rPr>
+                        <m:t>−</m:t>
+                      </m:r>
+                      <m:r>
+                        <a:rPr lang="it-IT" b="0" i="1" smtClean="0">
+                          <a:latin typeface="Cambria Math" panose="02040503050406030204" pitchFamily="18" charset="0"/>
+                          <a:ea typeface="Cambria Math" panose="02040503050406030204" pitchFamily="18" charset="0"/>
+                        </a:rPr>
+                        <m:t>𝜖</m:t>
+                      </m:r>
+                      <m:sSub>
+                        <m:sSubPr>
+                          <m:ctrlPr>
+                            <a:rPr lang="it-IT" b="0" i="1" smtClean="0">
+                              <a:latin typeface="Cambria Math" panose="02040503050406030204" pitchFamily="18" charset="0"/>
+                              <a:ea typeface="Cambria Math" panose="02040503050406030204" pitchFamily="18" charset="0"/>
+                            </a:rPr>
+                          </m:ctrlPr>
+                        </m:sSubPr>
+                        <m:e>
+                          <m:r>
+                            <a:rPr lang="it-IT" b="0" i="1" smtClean="0">
+                              <a:latin typeface="Cambria Math" panose="02040503050406030204" pitchFamily="18" charset="0"/>
+                              <a:ea typeface="Cambria Math" panose="02040503050406030204" pitchFamily="18" charset="0"/>
+                            </a:rPr>
+                            <m:t>𝑙</m:t>
+                          </m:r>
+                        </m:e>
+                        <m:sub>
+                          <m:r>
+                            <a:rPr lang="it-IT" b="0" i="1" smtClean="0">
+                              <a:latin typeface="Cambria Math" panose="02040503050406030204" pitchFamily="18" charset="0"/>
+                              <a:ea typeface="Cambria Math" panose="02040503050406030204" pitchFamily="18" charset="0"/>
+                            </a:rPr>
+                            <m:t>𝑎</m:t>
+                          </m:r>
+                        </m:sub>
+                      </m:sSub>
+                      <m:r>
+                        <a:rPr lang="it-IT" b="0" i="1" smtClean="0">
+                          <a:latin typeface="Cambria Math" panose="02040503050406030204" pitchFamily="18" charset="0"/>
+                          <a:ea typeface="Cambria Math" panose="02040503050406030204" pitchFamily="18" charset="0"/>
+                        </a:rPr>
+                        <m:t>+</m:t>
+                      </m:r>
+                      <m:r>
+                        <a:rPr lang="it-IT" b="0" i="1" smtClean="0">
+                          <a:latin typeface="Cambria Math" panose="02040503050406030204" pitchFamily="18" charset="0"/>
+                          <a:ea typeface="Cambria Math" panose="02040503050406030204" pitchFamily="18" charset="0"/>
+                        </a:rPr>
+                        <m:t>𝜔</m:t>
+                      </m:r>
+                      <m:sSubSup>
+                        <m:sSubSupPr>
+                          <m:ctrlPr>
+                            <a:rPr lang="it-IT" b="0" i="1" smtClean="0">
+                              <a:latin typeface="Cambria Math" panose="02040503050406030204" pitchFamily="18" charset="0"/>
+                              <a:ea typeface="Cambria Math" panose="02040503050406030204" pitchFamily="18" charset="0"/>
+                            </a:rPr>
+                          </m:ctrlPr>
+                        </m:sSubSupPr>
+                        <m:e>
+                          <m:r>
+                            <a:rPr lang="it-IT" b="0" i="1" smtClean="0">
+                              <a:latin typeface="Cambria Math" panose="02040503050406030204" pitchFamily="18" charset="0"/>
+                              <a:ea typeface="Cambria Math" panose="02040503050406030204" pitchFamily="18" charset="0"/>
+                            </a:rPr>
+                            <m:t>𝑡</m:t>
+                          </m:r>
+                        </m:e>
+                        <m:sub>
+                          <m:r>
+                            <a:rPr lang="it-IT" b="0" i="1" smtClean="0">
+                              <a:latin typeface="Cambria Math" panose="02040503050406030204" pitchFamily="18" charset="0"/>
+                              <a:ea typeface="Cambria Math" panose="02040503050406030204" pitchFamily="18" charset="0"/>
+                            </a:rPr>
+                            <m:t>𝑎</m:t>
+                          </m:r>
+                        </m:sub>
+                        <m:sup>
+                          <m:r>
+                            <a:rPr lang="it-IT" b="0" i="1" smtClean="0">
+                              <a:latin typeface="Cambria Math" panose="02040503050406030204" pitchFamily="18" charset="0"/>
+                              <a:ea typeface="Cambria Math" panose="02040503050406030204" pitchFamily="18" charset="0"/>
+                            </a:rPr>
+                            <m:t>0</m:t>
+                          </m:r>
+                        </m:sup>
+                      </m:sSubSup>
+                      <m:sSub>
+                        <m:sSubPr>
+                          <m:ctrlPr>
+                            <a:rPr lang="it-IT" b="0" i="1" smtClean="0">
+                              <a:latin typeface="Cambria Math" panose="02040503050406030204" pitchFamily="18" charset="0"/>
+                              <a:ea typeface="Cambria Math" panose="02040503050406030204" pitchFamily="18" charset="0"/>
+                            </a:rPr>
+                          </m:ctrlPr>
+                        </m:sSubPr>
+                        <m:e>
+                          <m:r>
+                            <a:rPr lang="it-IT" b="0" i="1" smtClean="0">
+                              <a:latin typeface="Cambria Math" panose="02040503050406030204" pitchFamily="18" charset="0"/>
+                              <a:ea typeface="Cambria Math" panose="02040503050406030204" pitchFamily="18" charset="0"/>
+                            </a:rPr>
+                            <m:t>𝑥</m:t>
+                          </m:r>
+                        </m:e>
+                        <m:sub>
+                          <m:r>
+                            <a:rPr lang="it-IT" b="0" i="1" smtClean="0">
+                              <a:latin typeface="Cambria Math" panose="02040503050406030204" pitchFamily="18" charset="0"/>
+                              <a:ea typeface="Cambria Math" panose="02040503050406030204" pitchFamily="18" charset="0"/>
+                            </a:rPr>
+                            <m:t>𝑎</m:t>
+                          </m:r>
+                        </m:sub>
+                      </m:sSub>
+                      <m:r>
+                        <a:rPr lang="it-IT" b="0" i="1" smtClean="0">
+                          <a:solidFill>
+                            <a:srgbClr val="E95502"/>
+                          </a:solidFill>
+                          <a:latin typeface="Cambria Math" panose="02040503050406030204" pitchFamily="18" charset="0"/>
+                          <a:ea typeface="Cambria Math" panose="02040503050406030204" pitchFamily="18" charset="0"/>
+                        </a:rPr>
+                        <m:t>+</m:t>
+                      </m:r>
+                      <m:r>
+                        <a:rPr lang="it-IT" b="0" i="1" smtClean="0">
+                          <a:solidFill>
+                            <a:srgbClr val="E95502"/>
+                          </a:solidFill>
+                          <a:latin typeface="Cambria Math" panose="02040503050406030204" pitchFamily="18" charset="0"/>
+                          <a:ea typeface="Cambria Math" panose="02040503050406030204" pitchFamily="18" charset="0"/>
+                        </a:rPr>
+                        <m:t>𝑀</m:t>
+                      </m:r>
+                      <m:r>
+                        <a:rPr lang="it-IT" b="0" i="1" smtClean="0">
+                          <a:solidFill>
+                            <a:srgbClr val="E95502"/>
+                          </a:solidFill>
+                          <a:latin typeface="Cambria Math" panose="02040503050406030204" pitchFamily="18" charset="0"/>
+                          <a:ea typeface="Cambria Math" panose="02040503050406030204" pitchFamily="18" charset="0"/>
+                        </a:rPr>
+                        <m:t>(1−</m:t>
+                      </m:r>
+                      <m:sSub>
+                        <m:sSubPr>
+                          <m:ctrlPr>
+                            <a:rPr lang="it-IT" b="0" i="1" smtClean="0">
+                              <a:solidFill>
+                                <a:srgbClr val="E95502"/>
+                              </a:solidFill>
+                              <a:latin typeface="Cambria Math" panose="02040503050406030204" pitchFamily="18" charset="0"/>
+                              <a:ea typeface="Cambria Math" panose="02040503050406030204" pitchFamily="18" charset="0"/>
+                            </a:rPr>
+                          </m:ctrlPr>
+                        </m:sSubPr>
+                        <m:e>
+                          <m:r>
+                            <a:rPr lang="it-IT" b="0" i="1" smtClean="0">
+                              <a:solidFill>
+                                <a:srgbClr val="E95502"/>
+                              </a:solidFill>
+                              <a:latin typeface="Cambria Math" panose="02040503050406030204" pitchFamily="18" charset="0"/>
+                              <a:ea typeface="Cambria Math" panose="02040503050406030204" pitchFamily="18" charset="0"/>
+                            </a:rPr>
+                            <m:t>𝑦</m:t>
+                          </m:r>
+                        </m:e>
+                        <m:sub>
+                          <m:r>
+                            <a:rPr lang="it-IT" b="0" i="1" smtClean="0">
+                              <a:solidFill>
+                                <a:srgbClr val="E95502"/>
+                              </a:solidFill>
+                              <a:latin typeface="Cambria Math" panose="02040503050406030204" pitchFamily="18" charset="0"/>
+                              <a:ea typeface="Cambria Math" panose="02040503050406030204" pitchFamily="18" charset="0"/>
+                            </a:rPr>
+                            <m:t>𝑝</m:t>
+                          </m:r>
+                        </m:sub>
+                      </m:sSub>
+                      <m:r>
+                        <a:rPr lang="it-IT" b="0" i="1" smtClean="0">
+                          <a:solidFill>
+                            <a:srgbClr val="E95502"/>
+                          </a:solidFill>
+                          <a:latin typeface="Cambria Math" panose="02040503050406030204" pitchFamily="18" charset="0"/>
+                          <a:ea typeface="Cambria Math" panose="02040503050406030204" pitchFamily="18" charset="0"/>
+                        </a:rPr>
+                        <m:t>)</m:t>
+                      </m:r>
+                    </m:oMath>
+                  </m:oMathPara>
+                </a14:m>
+                <a:endParaRPr lang="it-IT" dirty="0"/>
+              </a:p>
+              <a:p>
+                <a:pPr>
+                  <a:lnSpc>
+                    <a:spcPct val="150000"/>
+                  </a:lnSpc>
+                </a:pPr>
+                <a14:m>
+                  <m:oMathPara xmlns:m="http://schemas.openxmlformats.org/officeDocument/2006/math">
+                    <m:oMathParaPr>
+                      <m:jc m:val="centerGroup"/>
+                    </m:oMathParaPr>
+                    <m:oMath xmlns:m="http://schemas.openxmlformats.org/officeDocument/2006/math">
+                      <m:sSub>
+                        <m:sSubPr>
+                          <m:ctrlPr>
+                            <a:rPr lang="it-IT" i="1" smtClean="0">
+                              <a:latin typeface="Cambria Math" panose="02040503050406030204" pitchFamily="18" charset="0"/>
+                            </a:rPr>
+                          </m:ctrlPr>
+                        </m:sSubPr>
+                        <m:e>
+                          <m:r>
+                            <a:rPr lang="it-IT" b="0" i="1" smtClean="0">
+                              <a:latin typeface="Cambria Math" panose="02040503050406030204" pitchFamily="18" charset="0"/>
+                            </a:rPr>
+                            <m:t>𝐵</m:t>
+                          </m:r>
+                        </m:e>
+                        <m:sub>
+                          <m:r>
+                            <a:rPr lang="it-IT" b="0" i="1" smtClean="0">
+                              <a:latin typeface="Cambria Math" panose="02040503050406030204" pitchFamily="18" charset="0"/>
+                            </a:rPr>
+                            <m:t>𝑎</m:t>
+                          </m:r>
+                          <m:r>
+                            <a:rPr lang="it-IT" b="0" i="1" smtClean="0">
+                              <a:latin typeface="Cambria Math" panose="02040503050406030204" pitchFamily="18" charset="0"/>
+                            </a:rPr>
+                            <m:t>,</m:t>
+                          </m:r>
+                          <m:r>
+                            <a:rPr lang="it-IT" b="0" i="1" smtClean="0">
+                              <a:latin typeface="Cambria Math" panose="02040503050406030204" pitchFamily="18" charset="0"/>
+                            </a:rPr>
+                            <m:t>𝑝</m:t>
+                          </m:r>
+                        </m:sub>
+                      </m:sSub>
+                      <m:r>
+                        <a:rPr lang="it-IT" b="0" i="1" smtClean="0">
+                          <a:latin typeface="Cambria Math" panose="02040503050406030204" pitchFamily="18" charset="0"/>
+                          <a:ea typeface="Cambria Math" panose="02040503050406030204" pitchFamily="18" charset="0"/>
+                        </a:rPr>
+                        <m:t>≥</m:t>
+                      </m:r>
+                      <m:sSub>
+                        <m:sSubPr>
+                          <m:ctrlPr>
+                            <a:rPr lang="it-IT" i="1" smtClean="0">
+                              <a:latin typeface="Cambria Math" panose="02040503050406030204" pitchFamily="18" charset="0"/>
+                              <a:ea typeface="Cambria Math" panose="02040503050406030204" pitchFamily="18" charset="0"/>
+                            </a:rPr>
+                          </m:ctrlPr>
+                        </m:sSubPr>
+                        <m:e>
+                          <m:r>
+                            <a:rPr lang="it-IT" b="0" i="1" smtClean="0">
+                              <a:latin typeface="Cambria Math" panose="02040503050406030204" pitchFamily="18" charset="0"/>
+                              <a:ea typeface="Cambria Math" panose="02040503050406030204" pitchFamily="18" charset="0"/>
+                            </a:rPr>
+                            <m:t>𝐵</m:t>
+                          </m:r>
+                        </m:e>
+                        <m:sub>
+                          <m:r>
+                            <a:rPr lang="it-IT" b="0" i="1" smtClean="0">
+                              <a:latin typeface="Cambria Math" panose="02040503050406030204" pitchFamily="18" charset="0"/>
+                              <a:ea typeface="Cambria Math" panose="02040503050406030204" pitchFamily="18" charset="0"/>
+                            </a:rPr>
+                            <m:t>𝑏</m:t>
+                          </m:r>
+                          <m:r>
+                            <a:rPr lang="it-IT" b="0" i="1" smtClean="0">
+                              <a:latin typeface="Cambria Math" panose="02040503050406030204" pitchFamily="18" charset="0"/>
+                              <a:ea typeface="Cambria Math" panose="02040503050406030204" pitchFamily="18" charset="0"/>
+                            </a:rPr>
+                            <m:t>,</m:t>
+                          </m:r>
+                          <m:r>
+                            <a:rPr lang="it-IT" b="0" i="1" smtClean="0">
+                              <a:latin typeface="Cambria Math" panose="02040503050406030204" pitchFamily="18" charset="0"/>
+                              <a:ea typeface="Cambria Math" panose="02040503050406030204" pitchFamily="18" charset="0"/>
+                            </a:rPr>
+                            <m:t>𝑝</m:t>
+                          </m:r>
+                        </m:sub>
+                      </m:sSub>
+                      <m:r>
+                        <a:rPr lang="it-IT" b="0" i="1" smtClean="0">
+                          <a:latin typeface="Cambria Math" panose="02040503050406030204" pitchFamily="18" charset="0"/>
+                          <a:ea typeface="Cambria Math" panose="02040503050406030204" pitchFamily="18" charset="0"/>
+                        </a:rPr>
+                        <m:t>−</m:t>
+                      </m:r>
+                      <m:r>
+                        <a:rPr lang="it-IT" b="0" i="1" smtClean="0">
+                          <a:latin typeface="Cambria Math" panose="02040503050406030204" pitchFamily="18" charset="0"/>
+                          <a:ea typeface="Cambria Math" panose="02040503050406030204" pitchFamily="18" charset="0"/>
+                        </a:rPr>
+                        <m:t>𝜖</m:t>
+                      </m:r>
+                      <m:sSub>
+                        <m:sSubPr>
+                          <m:ctrlPr>
+                            <a:rPr lang="it-IT" b="0" i="1" smtClean="0">
+                              <a:latin typeface="Cambria Math" panose="02040503050406030204" pitchFamily="18" charset="0"/>
+                              <a:ea typeface="Cambria Math" panose="02040503050406030204" pitchFamily="18" charset="0"/>
+                            </a:rPr>
+                          </m:ctrlPr>
+                        </m:sSubPr>
+                        <m:e>
+                          <m:r>
+                            <a:rPr lang="it-IT" b="0" i="1" smtClean="0">
+                              <a:latin typeface="Cambria Math" panose="02040503050406030204" pitchFamily="18" charset="0"/>
+                              <a:ea typeface="Cambria Math" panose="02040503050406030204" pitchFamily="18" charset="0"/>
+                            </a:rPr>
+                            <m:t>𝑙</m:t>
+                          </m:r>
+                        </m:e>
+                        <m:sub>
+                          <m:r>
+                            <a:rPr lang="it-IT" b="0" i="1" smtClean="0">
+                              <a:latin typeface="Cambria Math" panose="02040503050406030204" pitchFamily="18" charset="0"/>
+                              <a:ea typeface="Cambria Math" panose="02040503050406030204" pitchFamily="18" charset="0"/>
+                            </a:rPr>
+                            <m:t>𝑎</m:t>
+                          </m:r>
+                        </m:sub>
+                      </m:sSub>
+                      <m:r>
+                        <a:rPr lang="it-IT" b="0" i="1" smtClean="0">
+                          <a:latin typeface="Cambria Math" panose="02040503050406030204" pitchFamily="18" charset="0"/>
+                          <a:ea typeface="Cambria Math" panose="02040503050406030204" pitchFamily="18" charset="0"/>
+                        </a:rPr>
+                        <m:t>+</m:t>
+                      </m:r>
+                      <m:r>
+                        <a:rPr lang="it-IT" b="0" i="1" smtClean="0">
+                          <a:latin typeface="Cambria Math" panose="02040503050406030204" pitchFamily="18" charset="0"/>
+                          <a:ea typeface="Cambria Math" panose="02040503050406030204" pitchFamily="18" charset="0"/>
+                        </a:rPr>
+                        <m:t>𝜔</m:t>
+                      </m:r>
+                      <m:sSubSup>
+                        <m:sSubSupPr>
+                          <m:ctrlPr>
+                            <a:rPr lang="it-IT" b="0" i="1" smtClean="0">
+                              <a:latin typeface="Cambria Math" panose="02040503050406030204" pitchFamily="18" charset="0"/>
+                              <a:ea typeface="Cambria Math" panose="02040503050406030204" pitchFamily="18" charset="0"/>
+                            </a:rPr>
+                          </m:ctrlPr>
+                        </m:sSubSupPr>
+                        <m:e>
+                          <m:r>
+                            <a:rPr lang="it-IT" b="0" i="1" smtClean="0">
+                              <a:latin typeface="Cambria Math" panose="02040503050406030204" pitchFamily="18" charset="0"/>
+                              <a:ea typeface="Cambria Math" panose="02040503050406030204" pitchFamily="18" charset="0"/>
+                            </a:rPr>
+                            <m:t>𝑡</m:t>
+                          </m:r>
+                        </m:e>
+                        <m:sub>
+                          <m:r>
+                            <a:rPr lang="it-IT" b="0" i="1" smtClean="0">
+                              <a:latin typeface="Cambria Math" panose="02040503050406030204" pitchFamily="18" charset="0"/>
+                              <a:ea typeface="Cambria Math" panose="02040503050406030204" pitchFamily="18" charset="0"/>
+                            </a:rPr>
+                            <m:t>𝑎</m:t>
+                          </m:r>
+                        </m:sub>
+                        <m:sup>
+                          <m:r>
+                            <a:rPr lang="it-IT" b="0" i="1" smtClean="0">
+                              <a:latin typeface="Cambria Math" panose="02040503050406030204" pitchFamily="18" charset="0"/>
+                              <a:ea typeface="Cambria Math" panose="02040503050406030204" pitchFamily="18" charset="0"/>
+                            </a:rPr>
+                            <m:t>0</m:t>
+                          </m:r>
+                        </m:sup>
+                      </m:sSubSup>
+                      <m:sSub>
+                        <m:sSubPr>
+                          <m:ctrlPr>
+                            <a:rPr lang="it-IT" b="0" i="1" smtClean="0">
+                              <a:latin typeface="Cambria Math" panose="02040503050406030204" pitchFamily="18" charset="0"/>
+                              <a:ea typeface="Cambria Math" panose="02040503050406030204" pitchFamily="18" charset="0"/>
+                            </a:rPr>
+                          </m:ctrlPr>
+                        </m:sSubPr>
+                        <m:e>
+                          <m:r>
+                            <a:rPr lang="it-IT" b="0" i="1" smtClean="0">
+                              <a:latin typeface="Cambria Math" panose="02040503050406030204" pitchFamily="18" charset="0"/>
+                              <a:ea typeface="Cambria Math" panose="02040503050406030204" pitchFamily="18" charset="0"/>
+                            </a:rPr>
+                            <m:t>𝑥</m:t>
+                          </m:r>
+                        </m:e>
+                        <m:sub>
+                          <m:r>
+                            <a:rPr lang="it-IT" b="0" i="1" smtClean="0">
+                              <a:latin typeface="Cambria Math" panose="02040503050406030204" pitchFamily="18" charset="0"/>
+                              <a:ea typeface="Cambria Math" panose="02040503050406030204" pitchFamily="18" charset="0"/>
+                            </a:rPr>
+                            <m:t>𝑎</m:t>
+                          </m:r>
+                        </m:sub>
+                      </m:sSub>
+                      <m:r>
+                        <a:rPr lang="it-IT" b="0" i="1" smtClean="0">
+                          <a:solidFill>
+                            <a:srgbClr val="E95502"/>
+                          </a:solidFill>
+                          <a:latin typeface="Cambria Math" panose="02040503050406030204" pitchFamily="18" charset="0"/>
+                          <a:ea typeface="Cambria Math" panose="02040503050406030204" pitchFamily="18" charset="0"/>
+                        </a:rPr>
+                        <m:t>−</m:t>
+                      </m:r>
+                      <m:r>
+                        <a:rPr lang="it-IT" b="0" i="1" smtClean="0">
+                          <a:solidFill>
+                            <a:srgbClr val="E95502"/>
+                          </a:solidFill>
+                          <a:latin typeface="Cambria Math" panose="02040503050406030204" pitchFamily="18" charset="0"/>
+                          <a:ea typeface="Cambria Math" panose="02040503050406030204" pitchFamily="18" charset="0"/>
+                        </a:rPr>
+                        <m:t>𝑀</m:t>
+                      </m:r>
+                      <m:r>
+                        <a:rPr lang="it-IT" b="0" i="1" smtClean="0">
+                          <a:solidFill>
+                            <a:srgbClr val="E95502"/>
+                          </a:solidFill>
+                          <a:latin typeface="Cambria Math" panose="02040503050406030204" pitchFamily="18" charset="0"/>
+                          <a:ea typeface="Cambria Math" panose="02040503050406030204" pitchFamily="18" charset="0"/>
+                        </a:rPr>
+                        <m:t>(1−</m:t>
+                      </m:r>
+                      <m:sSub>
+                        <m:sSubPr>
+                          <m:ctrlPr>
+                            <a:rPr lang="it-IT" b="0" i="1" smtClean="0">
+                              <a:solidFill>
+                                <a:srgbClr val="E95502"/>
+                              </a:solidFill>
+                              <a:latin typeface="Cambria Math" panose="02040503050406030204" pitchFamily="18" charset="0"/>
+                              <a:ea typeface="Cambria Math" panose="02040503050406030204" pitchFamily="18" charset="0"/>
+                            </a:rPr>
+                          </m:ctrlPr>
+                        </m:sSubPr>
+                        <m:e>
+                          <m:r>
+                            <a:rPr lang="it-IT" b="0" i="1" smtClean="0">
+                              <a:solidFill>
+                                <a:srgbClr val="E95502"/>
+                              </a:solidFill>
+                              <a:latin typeface="Cambria Math" panose="02040503050406030204" pitchFamily="18" charset="0"/>
+                              <a:ea typeface="Cambria Math" panose="02040503050406030204" pitchFamily="18" charset="0"/>
+                            </a:rPr>
+                            <m:t>𝑦</m:t>
+                          </m:r>
+                        </m:e>
+                        <m:sub>
+                          <m:r>
+                            <a:rPr lang="it-IT" b="0" i="1" smtClean="0">
+                              <a:solidFill>
+                                <a:srgbClr val="E95502"/>
+                              </a:solidFill>
+                              <a:latin typeface="Cambria Math" panose="02040503050406030204" pitchFamily="18" charset="0"/>
+                              <a:ea typeface="Cambria Math" panose="02040503050406030204" pitchFamily="18" charset="0"/>
+                            </a:rPr>
+                            <m:t>𝑝</m:t>
+                          </m:r>
+                        </m:sub>
+                      </m:sSub>
+                      <m:r>
+                        <a:rPr lang="it-IT" b="0" i="1" smtClean="0">
+                          <a:solidFill>
+                            <a:srgbClr val="E95502"/>
+                          </a:solidFill>
+                          <a:latin typeface="Cambria Math" panose="02040503050406030204" pitchFamily="18" charset="0"/>
+                          <a:ea typeface="Cambria Math" panose="02040503050406030204" pitchFamily="18" charset="0"/>
+                        </a:rPr>
+                        <m:t>)</m:t>
+                      </m:r>
+                    </m:oMath>
+                  </m:oMathPara>
+                </a14:m>
+                <a:endParaRPr lang="it-IT" dirty="0"/>
+              </a:p>
+              <a:p>
+                <a:endParaRPr lang="it-IT" dirty="0"/>
+              </a:p>
+            </p:txBody>
+          </p:sp>
+        </mc:Choice>
+        <mc:Fallback>
+          <p:sp>
+            <p:nvSpPr>
+              <p:cNvPr id="4" name="CasellaDiTesto 3">
+                <a:extLst>
+                  <a:ext uri="{FF2B5EF4-FFF2-40B4-BE49-F238E27FC236}">
+                    <a16:creationId xmlns:a16="http://schemas.microsoft.com/office/drawing/2014/main" id="{B452510B-B47D-B53F-3398-DABE663A7D77}"/>
+                  </a:ext>
+                </a:extLst>
+              </p:cNvPr>
+              <p:cNvSpPr txBox="1">
+                <a:spLocks noRot="1" noChangeAspect="1" noMove="1" noResize="1" noEditPoints="1" noAdjustHandles="1" noChangeArrowheads="1" noChangeShapeType="1" noTextEdit="1"/>
+              </p:cNvSpPr>
+              <p:nvPr/>
+            </p:nvSpPr>
+            <p:spPr>
+              <a:xfrm>
+                <a:off x="595330" y="3055599"/>
+                <a:ext cx="3148811" cy="1272464"/>
+              </a:xfrm>
+              <a:prstGeom prst="rect">
+                <a:avLst/>
+              </a:prstGeom>
+              <a:blipFill>
+                <a:blip r:embed="rId4"/>
+                <a:stretch>
+                  <a:fillRect/>
+                </a:stretch>
+              </a:blipFill>
+            </p:spPr>
+            <p:txBody>
+              <a:bodyPr/>
+              <a:lstStyle/>
+              <a:p>
+                <a:r>
+                  <a:rPr lang="it-IT">
+                    <a:noFill/>
+                  </a:rPr>
+                  <a:t> </a:t>
+                </a:r>
+              </a:p>
+            </p:txBody>
+          </p:sp>
+        </mc:Fallback>
+      </mc:AlternateContent>
+      <p:pic>
+        <p:nvPicPr>
+          <p:cNvPr id="5" name="Immagine 4" descr="Immagine che contiene testo, ricevuta, calligrafia, Carattere&#10;&#10;Il contenuto generato dall'IA potrebbe non essere corretto.">
+            <a:extLst>
+              <a:ext uri="{FF2B5EF4-FFF2-40B4-BE49-F238E27FC236}">
+                <a16:creationId xmlns:a16="http://schemas.microsoft.com/office/drawing/2014/main" id="{4DED7560-48E1-AA1D-49B4-2B3719E1DCB2}"/>
+              </a:ext>
+            </a:extLst>
+          </p:cNvPr>
+          <p:cNvPicPr>
+            <a:picLocks noChangeAspect="1"/>
+          </p:cNvPicPr>
+          <p:nvPr/>
+        </p:nvPicPr>
+        <p:blipFill>
+          <a:blip r:embed="rId5"/>
+          <a:srcRect t="15755" r="50000" b="8350"/>
+          <a:stretch/>
+        </p:blipFill>
+        <p:spPr>
+          <a:xfrm>
+            <a:off x="4572000" y="1535434"/>
+            <a:ext cx="4186133" cy="2456833"/>
+          </a:xfrm>
+          <a:prstGeom prst="rect">
+            <a:avLst/>
+          </a:prstGeom>
+        </p:spPr>
+      </p:pic>
+      <p:sp>
+        <p:nvSpPr>
+          <p:cNvPr id="6" name="Freccia giù 5">
+            <a:extLst>
+              <a:ext uri="{FF2B5EF4-FFF2-40B4-BE49-F238E27FC236}">
+                <a16:creationId xmlns:a16="http://schemas.microsoft.com/office/drawing/2014/main" id="{2148B014-3A88-4305-4CB8-9C2F724F2FE3}"/>
+              </a:ext>
+            </a:extLst>
+          </p:cNvPr>
+          <p:cNvSpPr/>
+          <p:nvPr/>
+        </p:nvSpPr>
+        <p:spPr>
+          <a:xfrm>
+            <a:off x="2025580" y="2389459"/>
+            <a:ext cx="182880" cy="487526"/>
+          </a:xfrm>
+          <a:prstGeom prst="downArrow">
+            <a:avLst/>
+          </a:prstGeom>
+          <a:ln w="19050">
+            <a:solidFill>
+              <a:schemeClr val="tx1"/>
+            </a:solidFill>
+          </a:ln>
+        </p:spPr>
+        <p:style>
+          <a:lnRef idx="2">
+            <a:schemeClr val="dk1">
+              <a:shade val="15000"/>
+            </a:schemeClr>
+          </a:lnRef>
+          <a:fillRef idx="1">
+            <a:schemeClr val="dk1"/>
+          </a:fillRef>
+          <a:effectRef idx="0">
+            <a:schemeClr val="dk1"/>
+          </a:effectRef>
+          <a:fontRef idx="minor">
+            <a:schemeClr val="lt1"/>
+          </a:fontRef>
+        </p:style>
+        <p:txBody>
+          <a:bodyPr rtlCol="0" anchor="ctr"/>
+          <a:lstStyle/>
+          <a:p>
+            <a:pPr algn="ctr"/>
+            <a:endParaRPr lang="it-IT"/>
+          </a:p>
+        </p:txBody>
+      </p:sp>
+    </p:spTree>
+    <p:extLst>
+      <p:ext uri="{BB962C8B-B14F-4D97-AF65-F5344CB8AC3E}">
+        <p14:creationId xmlns:p14="http://schemas.microsoft.com/office/powerpoint/2010/main" val="2728514609"/>
+      </p:ext>
+    </p:extLst>
+  </p:cSld>
+  <p:clrMapOvr>
+    <a:masterClrMapping/>
+  </p:clrMapOvr>
+</p:sld>
+</file>
+
+<file path=ppt/slides/slide15.xml><?xml version="1.0" encoding="utf-8"?>
 <p:sld xmlns:a="http://schemas.openxmlformats.org/drawingml/2006/main" xmlns:r="http://schemas.openxmlformats.org/officeDocument/2006/relationships" xmlns:p="http://schemas.openxmlformats.org/presentationml/2006/main">
   <p:cSld>
     <p:spTree>
@@ -10118,7 +13342,7 @@
 </p:sld>
 </file>
 
-<file path=ppt/slides/slide13.xml><?xml version="1.0" encoding="utf-8"?>
+<file path=ppt/slides/slide16.xml><?xml version="1.0" encoding="utf-8"?>
 <p:sld xmlns:a="http://schemas.openxmlformats.org/drawingml/2006/main" xmlns:r="http://schemas.openxmlformats.org/officeDocument/2006/relationships" xmlns:p="http://schemas.openxmlformats.org/presentationml/2006/main">
   <p:cSld>
     <p:spTree>
@@ -10388,7 +13612,7 @@
 </p:sld>
 </file>
 
-<file path=ppt/slides/slide14.xml><?xml version="1.0" encoding="utf-8"?>
+<file path=ppt/slides/slide17.xml><?xml version="1.0" encoding="utf-8"?>
 <p:sld xmlns:a="http://schemas.openxmlformats.org/drawingml/2006/main" xmlns:r="http://schemas.openxmlformats.org/officeDocument/2006/relationships" xmlns:p="http://schemas.openxmlformats.org/presentationml/2006/main">
   <p:cSld>
     <p:spTree>
@@ -10856,7 +14080,7 @@
 </p:sld>
 </file>
 
-<file path=ppt/slides/slide15.xml><?xml version="1.0" encoding="utf-8"?>
+<file path=ppt/slides/slide18.xml><?xml version="1.0" encoding="utf-8"?>
 <p:sld xmlns:a="http://schemas.openxmlformats.org/drawingml/2006/main" xmlns:r="http://schemas.openxmlformats.org/officeDocument/2006/relationships" xmlns:p="http://schemas.openxmlformats.org/presentationml/2006/main">
   <p:cSld>
     <p:spTree>
@@ -11067,7 +14291,7 @@
 </p:sld>
 </file>
 
-<file path=ppt/slides/slide16.xml><?xml version="1.0" encoding="utf-8"?>
+<file path=ppt/slides/slide19.xml><?xml version="1.0" encoding="utf-8"?>
 <p:sld xmlns:a="http://schemas.openxmlformats.org/drawingml/2006/main" xmlns:r="http://schemas.openxmlformats.org/officeDocument/2006/relationships" xmlns:p="http://schemas.openxmlformats.org/presentationml/2006/main">
   <p:cSld>
     <p:spTree>
@@ -11224,7 +14448,459 @@
 </p:sld>
 </file>
 
-<file path=ppt/slides/slide17.xml><?xml version="1.0" encoding="utf-8"?>
+<file path=ppt/slides/slide2.xml><?xml version="1.0" encoding="utf-8"?>
+<p:sld xmlns:a="http://schemas.openxmlformats.org/drawingml/2006/main" xmlns:r="http://schemas.openxmlformats.org/officeDocument/2006/relationships" xmlns:p="http://schemas.openxmlformats.org/presentationml/2006/main">
+  <p:cSld>
+    <p:spTree>
+      <p:nvGrpSpPr>
+        <p:cNvPr id="1" name="Shape 93"/>
+        <p:cNvGrpSpPr/>
+        <p:nvPr/>
+      </p:nvGrpSpPr>
+      <p:grpSpPr>
+        <a:xfrm>
+          <a:off x="0" y="0"/>
+          <a:ext cx="0" cy="0"/>
+          <a:chOff x="0" y="0"/>
+          <a:chExt cx="0" cy="0"/>
+        </a:xfrm>
+      </p:grpSpPr>
+      <p:sp>
+        <p:nvSpPr>
+          <p:cNvPr id="94" name="Google Shape;94;p14"/>
+          <p:cNvSpPr txBox="1"/>
+          <p:nvPr/>
+        </p:nvSpPr>
+        <p:spPr>
+          <a:xfrm>
+            <a:off x="840750" y="1974656"/>
+            <a:ext cx="7462500" cy="1908184"/>
+          </a:xfrm>
+          <a:prstGeom prst="rect">
+            <a:avLst/>
+          </a:prstGeom>
+          <a:noFill/>
+          <a:ln>
+            <a:noFill/>
+          </a:ln>
+        </p:spPr>
+        <p:txBody>
+          <a:bodyPr spcFirstLastPara="1" wrap="square" lIns="91425" tIns="91425" rIns="91425" bIns="91425" anchor="t" anchorCtr="0">
+            <a:spAutoFit/>
+          </a:bodyPr>
+          <a:lstStyle/>
+          <a:p>
+            <a:pPr marL="0" lvl="0" indent="0" algn="l" rtl="0">
+              <a:spcBef>
+                <a:spcPts val="0"/>
+              </a:spcBef>
+              <a:spcAft>
+                <a:spcPts val="0"/>
+              </a:spcAft>
+              <a:buNone/>
+            </a:pPr>
+            <a:r>
+              <a:rPr lang="it-IT" dirty="0">
+                <a:latin typeface="Times New Roman"/>
+                <a:ea typeface="Times New Roman"/>
+                <a:cs typeface="Times New Roman"/>
+                <a:sym typeface="Times New Roman"/>
+              </a:rPr>
+              <a:t>To support the system planner in </a:t>
+            </a:r>
+            <a:r>
+              <a:rPr lang="it-IT" dirty="0" err="1">
+                <a:latin typeface="Times New Roman"/>
+                <a:ea typeface="Times New Roman"/>
+                <a:cs typeface="Times New Roman"/>
+                <a:sym typeface="Times New Roman"/>
+              </a:rPr>
+              <a:t>deploying</a:t>
+            </a:r>
+            <a:r>
+              <a:rPr lang="it-IT" dirty="0">
+                <a:latin typeface="Times New Roman"/>
+                <a:ea typeface="Times New Roman"/>
+                <a:cs typeface="Times New Roman"/>
+                <a:sym typeface="Times New Roman"/>
+              </a:rPr>
+              <a:t> the WCL, the paper takes </a:t>
+            </a:r>
+            <a:r>
+              <a:rPr lang="it-IT" dirty="0" err="1">
+                <a:latin typeface="Times New Roman"/>
+                <a:ea typeface="Times New Roman"/>
+                <a:cs typeface="Times New Roman"/>
+                <a:sym typeface="Times New Roman"/>
+              </a:rPr>
+              <a:t>into</a:t>
+            </a:r>
+            <a:r>
+              <a:rPr lang="it-IT" dirty="0">
+                <a:latin typeface="Times New Roman"/>
+                <a:ea typeface="Times New Roman"/>
+                <a:cs typeface="Times New Roman"/>
+                <a:sym typeface="Times New Roman"/>
+              </a:rPr>
+              <a:t> </a:t>
+            </a:r>
+            <a:r>
+              <a:rPr lang="it-IT" dirty="0" err="1">
+                <a:latin typeface="Times New Roman"/>
+                <a:ea typeface="Times New Roman"/>
+                <a:cs typeface="Times New Roman"/>
+                <a:sym typeface="Times New Roman"/>
+              </a:rPr>
+              <a:t>consideration</a:t>
+            </a:r>
+            <a:r>
+              <a:rPr lang="it-IT" dirty="0">
+                <a:latin typeface="Times New Roman"/>
+                <a:ea typeface="Times New Roman"/>
+                <a:cs typeface="Times New Roman"/>
+                <a:sym typeface="Times New Roman"/>
+              </a:rPr>
+              <a:t> </a:t>
+            </a:r>
+            <a:r>
+              <a:rPr lang="it-IT" dirty="0" err="1">
+                <a:latin typeface="Times New Roman"/>
+                <a:ea typeface="Times New Roman"/>
+                <a:cs typeface="Times New Roman"/>
+                <a:sym typeface="Times New Roman"/>
+              </a:rPr>
+              <a:t>traffic</a:t>
+            </a:r>
+            <a:r>
+              <a:rPr lang="it-IT" dirty="0">
+                <a:latin typeface="Times New Roman"/>
+                <a:ea typeface="Times New Roman"/>
+                <a:cs typeface="Times New Roman"/>
+                <a:sym typeface="Times New Roman"/>
+              </a:rPr>
+              <a:t> dynamics and congestion under multiple </a:t>
+            </a:r>
+            <a:r>
+              <a:rPr lang="it-IT" dirty="0" err="1">
+                <a:latin typeface="Times New Roman"/>
+                <a:ea typeface="Times New Roman"/>
+                <a:cs typeface="Times New Roman"/>
+                <a:sym typeface="Times New Roman"/>
+              </a:rPr>
+              <a:t>vehicle</a:t>
+            </a:r>
+            <a:r>
+              <a:rPr lang="it-IT" dirty="0">
+                <a:latin typeface="Times New Roman"/>
+                <a:ea typeface="Times New Roman"/>
+                <a:cs typeface="Times New Roman"/>
+                <a:sym typeface="Times New Roman"/>
+              </a:rPr>
+              <a:t> classes (EV and ICV).</a:t>
+            </a:r>
+            <a:endParaRPr lang="it" dirty="0">
+              <a:latin typeface="Times New Roman"/>
+              <a:ea typeface="Times New Roman"/>
+              <a:cs typeface="Times New Roman"/>
+              <a:sym typeface="Times New Roman"/>
+            </a:endParaRPr>
+          </a:p>
+          <a:p>
+            <a:pPr marL="0" lvl="0" indent="0" algn="l" rtl="0">
+              <a:spcBef>
+                <a:spcPts val="0"/>
+              </a:spcBef>
+              <a:spcAft>
+                <a:spcPts val="0"/>
+              </a:spcAft>
+              <a:buNone/>
+            </a:pPr>
+            <a:endParaRPr lang="it" dirty="0">
+              <a:latin typeface="Times New Roman"/>
+              <a:ea typeface="Times New Roman"/>
+              <a:cs typeface="Times New Roman"/>
+              <a:sym typeface="Times New Roman"/>
+            </a:endParaRPr>
+          </a:p>
+          <a:p>
+            <a:pPr marL="0" lvl="0" indent="0" algn="l" rtl="0">
+              <a:spcBef>
+                <a:spcPts val="0"/>
+              </a:spcBef>
+              <a:spcAft>
+                <a:spcPts val="0"/>
+              </a:spcAft>
+              <a:buNone/>
+            </a:pPr>
+            <a:r>
+              <a:rPr lang="it" dirty="0">
+                <a:latin typeface="Times New Roman"/>
+                <a:ea typeface="Times New Roman"/>
+                <a:cs typeface="Times New Roman"/>
+                <a:sym typeface="Times New Roman"/>
+              </a:rPr>
+              <a:t>The problem combines a mixed-integer linear program with dynamic routing behaviour into the charging location problem.</a:t>
+            </a:r>
+          </a:p>
+          <a:p>
+            <a:pPr marL="0" lvl="0" indent="0" algn="l" rtl="0">
+              <a:spcBef>
+                <a:spcPts val="0"/>
+              </a:spcBef>
+              <a:spcAft>
+                <a:spcPts val="0"/>
+              </a:spcAft>
+              <a:buNone/>
+            </a:pPr>
+            <a:endParaRPr lang="it-IT" dirty="0">
+              <a:latin typeface="Times New Roman"/>
+              <a:ea typeface="Times New Roman"/>
+              <a:cs typeface="Times New Roman"/>
+              <a:sym typeface="Times New Roman"/>
+            </a:endParaRPr>
+          </a:p>
+          <a:p>
+            <a:pPr marL="0" lvl="0" indent="0" algn="l" rtl="0">
+              <a:spcBef>
+                <a:spcPts val="0"/>
+              </a:spcBef>
+              <a:spcAft>
+                <a:spcPts val="0"/>
+              </a:spcAft>
+              <a:buNone/>
+            </a:pPr>
+            <a:r>
+              <a:rPr lang="it-IT" dirty="0">
+                <a:latin typeface="Times New Roman"/>
+                <a:ea typeface="Times New Roman"/>
+                <a:cs typeface="Times New Roman"/>
+                <a:sym typeface="Times New Roman"/>
+              </a:rPr>
+              <a:t>The </a:t>
+            </a:r>
+            <a:r>
+              <a:rPr lang="it-IT" dirty="0" err="1">
+                <a:latin typeface="Times New Roman"/>
+                <a:ea typeface="Times New Roman"/>
+                <a:cs typeface="Times New Roman"/>
+                <a:sym typeface="Times New Roman"/>
+              </a:rPr>
+              <a:t>objective</a:t>
+            </a:r>
+            <a:r>
+              <a:rPr lang="it-IT" dirty="0">
+                <a:latin typeface="Times New Roman"/>
+                <a:ea typeface="Times New Roman"/>
+                <a:cs typeface="Times New Roman"/>
+                <a:sym typeface="Times New Roman"/>
+              </a:rPr>
+              <a:t> </a:t>
+            </a:r>
+            <a:r>
+              <a:rPr lang="it-IT" dirty="0" err="1">
+                <a:latin typeface="Times New Roman"/>
+                <a:ea typeface="Times New Roman"/>
+                <a:cs typeface="Times New Roman"/>
+                <a:sym typeface="Times New Roman"/>
+              </a:rPr>
+              <a:t>is</a:t>
+            </a:r>
+            <a:r>
+              <a:rPr lang="it-IT" dirty="0">
+                <a:latin typeface="Times New Roman"/>
+                <a:ea typeface="Times New Roman"/>
+                <a:cs typeface="Times New Roman"/>
+                <a:sym typeface="Times New Roman"/>
+              </a:rPr>
+              <a:t> to </a:t>
+            </a:r>
+            <a:r>
+              <a:rPr lang="it-IT" dirty="0" err="1">
+                <a:latin typeface="Times New Roman"/>
+                <a:ea typeface="Times New Roman"/>
+                <a:cs typeface="Times New Roman"/>
+                <a:sym typeface="Times New Roman"/>
+              </a:rPr>
+              <a:t>maximise</a:t>
+            </a:r>
+            <a:r>
+              <a:rPr lang="it-IT" dirty="0">
+                <a:latin typeface="Times New Roman"/>
+                <a:ea typeface="Times New Roman"/>
+                <a:cs typeface="Times New Roman"/>
+                <a:sym typeface="Times New Roman"/>
+              </a:rPr>
+              <a:t> network performance </a:t>
+            </a:r>
+            <a:r>
+              <a:rPr lang="it-IT" dirty="0" err="1">
+                <a:latin typeface="Times New Roman"/>
+                <a:ea typeface="Times New Roman"/>
+                <a:cs typeface="Times New Roman"/>
+                <a:sym typeface="Times New Roman"/>
+              </a:rPr>
+              <a:t>while</a:t>
+            </a:r>
+            <a:r>
+              <a:rPr lang="it-IT" dirty="0">
+                <a:latin typeface="Times New Roman"/>
+                <a:ea typeface="Times New Roman"/>
+                <a:cs typeface="Times New Roman"/>
+                <a:sym typeface="Times New Roman"/>
+              </a:rPr>
+              <a:t> </a:t>
+            </a:r>
+            <a:r>
+              <a:rPr lang="it-IT" dirty="0" err="1">
+                <a:latin typeface="Times New Roman"/>
+                <a:ea typeface="Times New Roman"/>
+                <a:cs typeface="Times New Roman"/>
+                <a:sym typeface="Times New Roman"/>
+              </a:rPr>
+              <a:t>providing</a:t>
+            </a:r>
+            <a:r>
+              <a:rPr lang="it-IT" dirty="0">
+                <a:latin typeface="Times New Roman"/>
+                <a:ea typeface="Times New Roman"/>
+                <a:cs typeface="Times New Roman"/>
+                <a:sym typeface="Times New Roman"/>
+              </a:rPr>
+              <a:t> insights </a:t>
+            </a:r>
+            <a:r>
+              <a:rPr lang="it-IT" dirty="0" err="1">
+                <a:latin typeface="Times New Roman"/>
+                <a:ea typeface="Times New Roman"/>
+                <a:cs typeface="Times New Roman"/>
+                <a:sym typeface="Times New Roman"/>
+              </a:rPr>
+              <a:t>into</a:t>
+            </a:r>
+            <a:r>
+              <a:rPr lang="it-IT" dirty="0">
+                <a:latin typeface="Times New Roman"/>
+                <a:ea typeface="Times New Roman"/>
+                <a:cs typeface="Times New Roman"/>
+                <a:sym typeface="Times New Roman"/>
+              </a:rPr>
+              <a:t> </a:t>
+            </a:r>
+            <a:r>
+              <a:rPr lang="it-IT" dirty="0" err="1">
+                <a:latin typeface="Times New Roman"/>
+                <a:ea typeface="Times New Roman"/>
+                <a:cs typeface="Times New Roman"/>
+                <a:sym typeface="Times New Roman"/>
+              </a:rPr>
+              <a:t>traffic</a:t>
+            </a:r>
+            <a:r>
+              <a:rPr lang="it-IT" dirty="0">
+                <a:latin typeface="Times New Roman"/>
+                <a:ea typeface="Times New Roman"/>
+                <a:cs typeface="Times New Roman"/>
+                <a:sym typeface="Times New Roman"/>
+              </a:rPr>
+              <a:t> </a:t>
+            </a:r>
+            <a:r>
+              <a:rPr lang="it-IT" dirty="0" err="1">
+                <a:latin typeface="Times New Roman"/>
+                <a:ea typeface="Times New Roman"/>
+                <a:cs typeface="Times New Roman"/>
+                <a:sym typeface="Times New Roman"/>
+              </a:rPr>
+              <a:t>propagation</a:t>
+            </a:r>
+            <a:r>
+              <a:rPr lang="it-IT" dirty="0">
+                <a:latin typeface="Times New Roman"/>
+                <a:ea typeface="Times New Roman"/>
+                <a:cs typeface="Times New Roman"/>
+                <a:sym typeface="Times New Roman"/>
+              </a:rPr>
+              <a:t> patterns over the network.</a:t>
+            </a:r>
+            <a:endParaRPr dirty="0">
+              <a:latin typeface="Times New Roman"/>
+              <a:ea typeface="Times New Roman"/>
+              <a:cs typeface="Times New Roman"/>
+              <a:sym typeface="Times New Roman"/>
+            </a:endParaRPr>
+          </a:p>
+        </p:txBody>
+      </p:sp>
+      <p:sp>
+        <p:nvSpPr>
+          <p:cNvPr id="95" name="Google Shape;95;p14"/>
+          <p:cNvSpPr txBox="1"/>
+          <p:nvPr/>
+        </p:nvSpPr>
+        <p:spPr>
+          <a:xfrm>
+            <a:off x="46050" y="649900"/>
+            <a:ext cx="9051900" cy="538800"/>
+          </a:xfrm>
+          <a:prstGeom prst="rect">
+            <a:avLst/>
+          </a:prstGeom>
+          <a:noFill/>
+          <a:ln>
+            <a:noFill/>
+          </a:ln>
+        </p:spPr>
+        <p:txBody>
+          <a:bodyPr spcFirstLastPara="1" wrap="square" lIns="91425" tIns="91425" rIns="91425" bIns="91425" anchor="t" anchorCtr="0">
+            <a:spAutoFit/>
+          </a:bodyPr>
+          <a:lstStyle/>
+          <a:p>
+            <a:pPr marL="0" lvl="0" indent="0" algn="ctr" rtl="0">
+              <a:spcBef>
+                <a:spcPts val="0"/>
+              </a:spcBef>
+              <a:spcAft>
+                <a:spcPts val="0"/>
+              </a:spcAft>
+              <a:buNone/>
+            </a:pPr>
+            <a:r>
+              <a:rPr lang="it" sz="2000" b="1" dirty="0">
+                <a:latin typeface="Times New Roman"/>
+                <a:ea typeface="Times New Roman"/>
+                <a:cs typeface="Times New Roman"/>
+                <a:sym typeface="Times New Roman"/>
+              </a:rPr>
+              <a:t>To determine the optimal location for dynamic Wireless Charging Lanes </a:t>
+            </a:r>
+            <a:r>
+              <a:rPr lang="it" sz="2300" dirty="0">
+                <a:latin typeface="Times New Roman"/>
+                <a:ea typeface="Times New Roman"/>
+                <a:cs typeface="Times New Roman"/>
+                <a:sym typeface="Times New Roman"/>
+              </a:rPr>
+              <a:t> </a:t>
+            </a:r>
+            <a:endParaRPr sz="2300" dirty="0">
+              <a:latin typeface="Times New Roman"/>
+              <a:ea typeface="Times New Roman"/>
+              <a:cs typeface="Times New Roman"/>
+              <a:sym typeface="Times New Roman"/>
+            </a:endParaRPr>
+          </a:p>
+        </p:txBody>
+      </p:sp>
+    </p:spTree>
+  </p:cSld>
+  <p:clrMapOvr>
+    <a:masterClrMapping/>
+  </p:clrMapOvr>
+</p:sld>
+</file>
+
+<file path=ppt/slides/slide20.xml><?xml version="1.0" encoding="utf-8"?>
 <p:sld xmlns:a="http://schemas.openxmlformats.org/drawingml/2006/main" xmlns:r="http://schemas.openxmlformats.org/officeDocument/2006/relationships" xmlns:p="http://schemas.openxmlformats.org/presentationml/2006/main">
   <p:cSld>
     <p:spTree>
@@ -11301,7 +14977,7 @@
 </p:sld>
 </file>
 
-<file path=ppt/slides/slide18.xml><?xml version="1.0" encoding="utf-8"?>
+<file path=ppt/slides/slide21.xml><?xml version="1.0" encoding="utf-8"?>
 <p:sld xmlns:a="http://schemas.openxmlformats.org/drawingml/2006/main" xmlns:r="http://schemas.openxmlformats.org/officeDocument/2006/relationships" xmlns:p="http://schemas.openxmlformats.org/presentationml/2006/main">
   <p:cSld>
     <p:spTree>
@@ -11398,8 +15074,8 @@
             </p:nvSpPr>
             <p:spPr>
               <a:xfrm>
-                <a:off x="840750" y="1910886"/>
-                <a:ext cx="7462500" cy="2262127"/>
+                <a:off x="451175" y="1595841"/>
+                <a:ext cx="7462500" cy="2931541"/>
               </a:xfrm>
               <a:prstGeom prst="rect">
                 <a:avLst/>
@@ -11415,20 +15091,13 @@
               </a:bodyPr>
               <a:lstStyle/>
               <a:p>
-                <a:pPr>
+                <a:pPr marL="285750" indent="-285750">
                   <a:lnSpc>
                     <a:spcPct val="150000"/>
                   </a:lnSpc>
+                  <a:buFont typeface="Wingdings" pitchFamily="2" charset="2"/>
+                  <a:buChar char="v"/>
                 </a:pPr>
-                <a:r>
-                  <a:rPr lang="it-IT" sz="1500" dirty="0">
-                    <a:latin typeface="Times New Roman" panose="02020603050405020304" pitchFamily="18" charset="0"/>
-                    <a:ea typeface="Times New Roman"/>
-                    <a:cs typeface="Times New Roman" panose="02020603050405020304" pitchFamily="18" charset="0"/>
-                    <a:sym typeface="Times New Roman"/>
-                  </a:rPr>
-                  <a:t>Paper </a:t>
-                </a:r>
                 <a:r>
                   <a:rPr lang="it-IT" sz="1500" dirty="0" err="1">
                     <a:latin typeface="Times New Roman" panose="02020603050405020304" pitchFamily="18" charset="0"/>
@@ -11436,7 +15105,7 @@
                     <a:cs typeface="Times New Roman" panose="02020603050405020304" pitchFamily="18" charset="0"/>
                     <a:sym typeface="Times New Roman"/>
                   </a:rPr>
-                  <a:t>reproduced</a:t>
+                  <a:t>Implemented</a:t>
                 </a:r>
                 <a:r>
                   <a:rPr lang="it-IT" sz="1500" dirty="0">
@@ -11445,7 +15114,7 @@
                     <a:cs typeface="Times New Roman" panose="02020603050405020304" pitchFamily="18" charset="0"/>
                     <a:sym typeface="Times New Roman"/>
                   </a:rPr>
-                  <a:t>: </a:t>
+                  <a:t> paper: «</a:t>
                 </a:r>
                 <a:r>
                   <a:rPr lang="it-IT" sz="1500" b="0" i="0" dirty="0">
@@ -11558,6 +15227,17 @@
                   <a:t>choices</a:t>
                 </a:r>
                 <a:r>
+                  <a:rPr lang="it-IT" sz="1500" b="0" i="0" dirty="0">
+                    <a:solidFill>
+                      <a:srgbClr val="1F1F1F"/>
+                    </a:solidFill>
+                    <a:effectLst/>
+                    <a:latin typeface="Times New Roman" panose="02020603050405020304" pitchFamily="18" charset="0"/>
+                    <a:cs typeface="Times New Roman" panose="02020603050405020304" pitchFamily="18" charset="0"/>
+                  </a:rPr>
+                  <a:t>»</a:t>
+                </a:r>
+                <a:r>
                   <a:rPr lang="it-IT" sz="1500" dirty="0">
                     <a:solidFill>
                       <a:srgbClr val="1F1F1F"/>
@@ -11588,17 +15268,12 @@
                 </a:r>
               </a:p>
               <a:p>
-                <a:pPr marL="0" lvl="0" indent="0" algn="l" rtl="0">
+                <a:pPr marL="285750" indent="-285750">
                   <a:lnSpc>
                     <a:spcPct val="150000"/>
                   </a:lnSpc>
-                  <a:spcBef>
-                    <a:spcPts val="0"/>
-                  </a:spcBef>
-                  <a:spcAft>
-                    <a:spcPts val="0"/>
-                  </a:spcAft>
-                  <a:buNone/>
+                  <a:buFont typeface="Wingdings" pitchFamily="2" charset="2"/>
+                  <a:buChar char="v"/>
                 </a:pPr>
                 <a:r>
                   <a:rPr lang="it-IT" sz="1500" dirty="0" err="1">
@@ -11638,11 +15313,193 @@
                     <a:cs typeface="Times New Roman" panose="02020603050405020304" pitchFamily="18" charset="0"/>
                     <a:sym typeface="Times New Roman"/>
                   </a:rPr>
-                  <a:t>: </a:t>
+                  <a:t>: «</a:t>
+                </a:r>
+                <a:r>
+                  <a:rPr lang="it-IT" sz="1500" dirty="0" err="1">
+                    <a:latin typeface="Times New Roman" panose="02020603050405020304" pitchFamily="18" charset="0"/>
+                    <a:cs typeface="Times New Roman" panose="02020603050405020304" pitchFamily="18" charset="0"/>
+                  </a:rPr>
+                  <a:t>Multiclass</a:t>
+                </a:r>
+                <a:r>
+                  <a:rPr lang="it-IT" sz="1500" dirty="0">
+                    <a:latin typeface="Times New Roman" panose="02020603050405020304" pitchFamily="18" charset="0"/>
+                    <a:cs typeface="Times New Roman" panose="02020603050405020304" pitchFamily="18" charset="0"/>
+                  </a:rPr>
+                  <a:t> </a:t>
+                </a:r>
+                <a:r>
+                  <a:rPr lang="it-IT" sz="1500" dirty="0" err="1">
+                    <a:latin typeface="Times New Roman" panose="02020603050405020304" pitchFamily="18" charset="0"/>
+                    <a:cs typeface="Times New Roman" panose="02020603050405020304" pitchFamily="18" charset="0"/>
+                  </a:rPr>
+                  <a:t>dynamic</a:t>
+                </a:r>
+                <a:r>
+                  <a:rPr lang="it-IT" sz="1500" dirty="0">
+                    <a:latin typeface="Times New Roman" panose="02020603050405020304" pitchFamily="18" charset="0"/>
+                    <a:cs typeface="Times New Roman" panose="02020603050405020304" pitchFamily="18" charset="0"/>
+                  </a:rPr>
+                  <a:t> system optimum </a:t>
+                </a:r>
+                <a:r>
+                  <a:rPr lang="it-IT" sz="1500" dirty="0" err="1">
+                    <a:latin typeface="Times New Roman" panose="02020603050405020304" pitchFamily="18" charset="0"/>
+                    <a:cs typeface="Times New Roman" panose="02020603050405020304" pitchFamily="18" charset="0"/>
+                  </a:rPr>
+                  <a:t>solution</a:t>
+                </a:r>
+                <a:r>
+                  <a:rPr lang="it-IT" sz="1500" dirty="0">
+                    <a:latin typeface="Times New Roman" panose="02020603050405020304" pitchFamily="18" charset="0"/>
+                    <a:cs typeface="Times New Roman" panose="02020603050405020304" pitchFamily="18" charset="0"/>
+                  </a:rPr>
+                  <a:t> for mixed </a:t>
+                </a:r>
+                <a:r>
+                  <a:rPr lang="it-IT" sz="1500" dirty="0" err="1">
+                    <a:latin typeface="Times New Roman" panose="02020603050405020304" pitchFamily="18" charset="0"/>
+                    <a:cs typeface="Times New Roman" panose="02020603050405020304" pitchFamily="18" charset="0"/>
+                  </a:rPr>
+                  <a:t>traffic</a:t>
+                </a:r>
+                <a:r>
+                  <a:rPr lang="it-IT" sz="1500" dirty="0">
+                    <a:latin typeface="Times New Roman" panose="02020603050405020304" pitchFamily="18" charset="0"/>
+                    <a:cs typeface="Times New Roman" panose="02020603050405020304" pitchFamily="18" charset="0"/>
+                  </a:rPr>
+                  <a:t> of human-</a:t>
+                </a:r>
+                <a:r>
+                  <a:rPr lang="it-IT" sz="1500" dirty="0" err="1">
+                    <a:latin typeface="Times New Roman" panose="02020603050405020304" pitchFamily="18" charset="0"/>
+                    <a:cs typeface="Times New Roman" panose="02020603050405020304" pitchFamily="18" charset="0"/>
+                  </a:rPr>
+                  <a:t>driven</a:t>
+                </a:r>
+                <a:r>
+                  <a:rPr lang="it-IT" sz="1500" dirty="0">
+                    <a:latin typeface="Times New Roman" panose="02020603050405020304" pitchFamily="18" charset="0"/>
+                    <a:cs typeface="Times New Roman" panose="02020603050405020304" pitchFamily="18" charset="0"/>
+                  </a:rPr>
+                  <a:t> and </a:t>
+                </a:r>
+                <a:r>
+                  <a:rPr lang="it-IT" sz="1500" dirty="0" err="1">
+                    <a:latin typeface="Times New Roman" panose="02020603050405020304" pitchFamily="18" charset="0"/>
+                    <a:cs typeface="Times New Roman" panose="02020603050405020304" pitchFamily="18" charset="0"/>
+                  </a:rPr>
+                  <a:t>automated</a:t>
+                </a:r>
+                <a:r>
+                  <a:rPr lang="it-IT" sz="1500" dirty="0">
+                    <a:latin typeface="Times New Roman" panose="02020603050405020304" pitchFamily="18" charset="0"/>
+                    <a:cs typeface="Times New Roman" panose="02020603050405020304" pitchFamily="18" charset="0"/>
+                  </a:rPr>
+                  <a:t> </a:t>
+                </a:r>
+                <a:r>
+                  <a:rPr lang="it-IT" sz="1500" dirty="0" err="1">
+                    <a:latin typeface="Times New Roman" panose="02020603050405020304" pitchFamily="18" charset="0"/>
+                    <a:cs typeface="Times New Roman" panose="02020603050405020304" pitchFamily="18" charset="0"/>
+                  </a:rPr>
+                  <a:t>vehicles</a:t>
+                </a:r>
+                <a:r>
+                  <a:rPr lang="it-IT" sz="1500" dirty="0">
+                    <a:latin typeface="Times New Roman" panose="02020603050405020304" pitchFamily="18" charset="0"/>
+                    <a:cs typeface="Times New Roman" panose="02020603050405020304" pitchFamily="18" charset="0"/>
+                  </a:rPr>
+                  <a:t> </a:t>
+                </a:r>
+                <a:r>
+                  <a:rPr lang="it-IT" sz="1500" dirty="0" err="1">
+                    <a:latin typeface="Times New Roman" panose="02020603050405020304" pitchFamily="18" charset="0"/>
+                    <a:cs typeface="Times New Roman" panose="02020603050405020304" pitchFamily="18" charset="0"/>
+                  </a:rPr>
+                  <a:t>considering</a:t>
+                </a:r>
+                <a:r>
+                  <a:rPr lang="it-IT" sz="1500" dirty="0">
+                    <a:latin typeface="Times New Roman" panose="02020603050405020304" pitchFamily="18" charset="0"/>
+                    <a:cs typeface="Times New Roman" panose="02020603050405020304" pitchFamily="18" charset="0"/>
+                  </a:rPr>
+                  <a:t> </a:t>
+                </a:r>
+                <a:r>
+                  <a:rPr lang="it-IT" sz="1500" dirty="0" err="1">
+                    <a:latin typeface="Times New Roman" panose="02020603050405020304" pitchFamily="18" charset="0"/>
+                    <a:cs typeface="Times New Roman" panose="02020603050405020304" pitchFamily="18" charset="0"/>
+                  </a:rPr>
+                  <a:t>physical</a:t>
+                </a:r>
+                <a:r>
+                  <a:rPr lang="it-IT" sz="1500" dirty="0">
+                    <a:latin typeface="Times New Roman" panose="02020603050405020304" pitchFamily="18" charset="0"/>
+                    <a:cs typeface="Times New Roman" panose="02020603050405020304" pitchFamily="18" charset="0"/>
+                  </a:rPr>
+                  <a:t> </a:t>
+                </a:r>
+                <a:r>
+                  <a:rPr lang="it-IT" sz="1500" dirty="0" err="1">
+                    <a:latin typeface="Times New Roman" panose="02020603050405020304" pitchFamily="18" charset="0"/>
+                    <a:cs typeface="Times New Roman" panose="02020603050405020304" pitchFamily="18" charset="0"/>
+                  </a:rPr>
+                  <a:t>queues</a:t>
+                </a:r>
+                <a:r>
+                  <a:rPr lang="it-IT" sz="1500">
+                    <a:latin typeface="Times New Roman" panose="02020603050405020304" pitchFamily="18" charset="0"/>
+                    <a:cs typeface="Times New Roman" panose="02020603050405020304" pitchFamily="18" charset="0"/>
+                  </a:rPr>
+                  <a:t>», </a:t>
+                </a:r>
+                <a:r>
+                  <a:rPr lang="it-IT" sz="1500" dirty="0" err="1">
+                    <a:latin typeface="Times New Roman" panose="02020603050405020304" pitchFamily="18" charset="0"/>
+                    <a:cs typeface="Times New Roman" panose="02020603050405020304" pitchFamily="18" charset="0"/>
+                  </a:rPr>
+                  <a:t>Ngoduy</a:t>
+                </a:r>
+                <a:r>
+                  <a:rPr lang="it-IT" sz="1500" dirty="0">
+                    <a:latin typeface="Times New Roman" panose="02020603050405020304" pitchFamily="18" charset="0"/>
+                    <a:cs typeface="Times New Roman" panose="02020603050405020304" pitchFamily="18" charset="0"/>
+                  </a:rPr>
+                  <a:t> et al., 202,1</a:t>
+                </a:r>
+                <a:r>
+                  <a:rPr lang="it-IT" sz="1500" dirty="0">
+                    <a:latin typeface="Times New Roman" panose="02020603050405020304" pitchFamily="18" charset="0"/>
+                    <a:ea typeface="Times New Roman"/>
+                    <a:cs typeface="Times New Roman" panose="02020603050405020304" pitchFamily="18" charset="0"/>
+                    <a:sym typeface="Times New Roman"/>
+                  </a:rPr>
+                  <a:t> </a:t>
+                </a:r>
+                <a:r>
+                  <a:rPr lang="it-IT" sz="1500" dirty="0">
+                    <a:latin typeface="Times New Roman" panose="02020603050405020304" pitchFamily="18" charset="0"/>
+                    <a:ea typeface="Times New Roman"/>
+                    <a:cs typeface="Times New Roman" panose="02020603050405020304" pitchFamily="18" charset="0"/>
+                    <a:sym typeface="Times New Roman"/>
+                    <a:hlinkClick r:id="rId4"/>
+                  </a:rPr>
+                  <a:t>https://www.sciencedirect.com/science/article/pii/S0191261521000011</a:t>
+                </a:r>
+                <a:r>
+                  <a:rPr lang="it-IT" sz="1500" dirty="0">
+                    <a:latin typeface="Times New Roman" panose="02020603050405020304" pitchFamily="18" charset="0"/>
+                    <a:ea typeface="Times New Roman"/>
+                    <a:cs typeface="Times New Roman" panose="02020603050405020304" pitchFamily="18" charset="0"/>
+                    <a:sym typeface="Times New Roman"/>
+                  </a:rPr>
+                  <a:t> </a:t>
                 </a:r>
               </a:p>
               <a:p>
-                <a:pPr marL="0" lvl="0" indent="0" algn="l" rtl="0">
+                <a:pPr marL="285750" lvl="0" indent="-285750" algn="l" rtl="0">
                   <a:lnSpc>
                     <a:spcPct val="150000"/>
                   </a:lnSpc>
@@ -11652,7 +15509,8 @@
                   <a:spcAft>
                     <a:spcPts val="0"/>
                   </a:spcAft>
-                  <a:buNone/>
+                  <a:buFont typeface="Wingdings" pitchFamily="2" charset="2"/>
+                  <a:buChar char="v"/>
                 </a:pPr>
                 <a:r>
                   <a:rPr lang="it-IT" sz="1500" dirty="0">
@@ -11777,7 +15635,7 @@
                     <a:ea typeface="Times New Roman"/>
                     <a:cs typeface="Times New Roman" panose="02020603050405020304" pitchFamily="18" charset="0"/>
                     <a:sym typeface="Times New Roman"/>
-                    <a:hlinkClick r:id="rId4"/>
+                    <a:hlinkClick r:id="rId5"/>
                   </a:rPr>
                   <a:t>https://www.youtube.com/watch?v=qjSLM3-ENxU</a:t>
                 </a:r>
@@ -11817,16 +15675,16 @@
             </p:nvSpPr>
             <p:spPr>
               <a:xfrm>
-                <a:off x="840750" y="1910886"/>
-                <a:ext cx="7462500" cy="2262127"/>
+                <a:off x="451175" y="1595841"/>
+                <a:ext cx="7462500" cy="2931541"/>
               </a:xfrm>
               <a:prstGeom prst="rect">
                 <a:avLst/>
               </a:prstGeom>
               <a:blipFill>
-                <a:blip r:embed="rId5"/>
+                <a:blip r:embed="rId6"/>
                 <a:stretch>
-                  <a:fillRect l="-340"/>
+                  <a:fillRect l="-170" r="-340"/>
                 </a:stretch>
               </a:blipFill>
               <a:ln>
@@ -11854,458 +15712,6 @@
         <p14:creationId xmlns:p14="http://schemas.microsoft.com/office/powerpoint/2010/main" val="3414480876"/>
       </p:ext>
     </p:extLst>
-  </p:cSld>
-  <p:clrMapOvr>
-    <a:masterClrMapping/>
-  </p:clrMapOvr>
-</p:sld>
-</file>
-
-<file path=ppt/slides/slide2.xml><?xml version="1.0" encoding="utf-8"?>
-<p:sld xmlns:a="http://schemas.openxmlformats.org/drawingml/2006/main" xmlns:r="http://schemas.openxmlformats.org/officeDocument/2006/relationships" xmlns:p="http://schemas.openxmlformats.org/presentationml/2006/main">
-  <p:cSld>
-    <p:spTree>
-      <p:nvGrpSpPr>
-        <p:cNvPr id="1" name="Shape 93"/>
-        <p:cNvGrpSpPr/>
-        <p:nvPr/>
-      </p:nvGrpSpPr>
-      <p:grpSpPr>
-        <a:xfrm>
-          <a:off x="0" y="0"/>
-          <a:ext cx="0" cy="0"/>
-          <a:chOff x="0" y="0"/>
-          <a:chExt cx="0" cy="0"/>
-        </a:xfrm>
-      </p:grpSpPr>
-      <p:sp>
-        <p:nvSpPr>
-          <p:cNvPr id="94" name="Google Shape;94;p14"/>
-          <p:cNvSpPr txBox="1"/>
-          <p:nvPr/>
-        </p:nvSpPr>
-        <p:spPr>
-          <a:xfrm>
-            <a:off x="840750" y="1974656"/>
-            <a:ext cx="7462500" cy="1908184"/>
-          </a:xfrm>
-          <a:prstGeom prst="rect">
-            <a:avLst/>
-          </a:prstGeom>
-          <a:noFill/>
-          <a:ln>
-            <a:noFill/>
-          </a:ln>
-        </p:spPr>
-        <p:txBody>
-          <a:bodyPr spcFirstLastPara="1" wrap="square" lIns="91425" tIns="91425" rIns="91425" bIns="91425" anchor="t" anchorCtr="0">
-            <a:spAutoFit/>
-          </a:bodyPr>
-          <a:lstStyle/>
-          <a:p>
-            <a:pPr marL="0" lvl="0" indent="0" algn="l" rtl="0">
-              <a:spcBef>
-                <a:spcPts val="0"/>
-              </a:spcBef>
-              <a:spcAft>
-                <a:spcPts val="0"/>
-              </a:spcAft>
-              <a:buNone/>
-            </a:pPr>
-            <a:r>
-              <a:rPr lang="it-IT" dirty="0">
-                <a:latin typeface="Times New Roman"/>
-                <a:ea typeface="Times New Roman"/>
-                <a:cs typeface="Times New Roman"/>
-                <a:sym typeface="Times New Roman"/>
-              </a:rPr>
-              <a:t>To support the system planner in </a:t>
-            </a:r>
-            <a:r>
-              <a:rPr lang="it-IT" dirty="0" err="1">
-                <a:latin typeface="Times New Roman"/>
-                <a:ea typeface="Times New Roman"/>
-                <a:cs typeface="Times New Roman"/>
-                <a:sym typeface="Times New Roman"/>
-              </a:rPr>
-              <a:t>deploying</a:t>
-            </a:r>
-            <a:r>
-              <a:rPr lang="it-IT" dirty="0">
-                <a:latin typeface="Times New Roman"/>
-                <a:ea typeface="Times New Roman"/>
-                <a:cs typeface="Times New Roman"/>
-                <a:sym typeface="Times New Roman"/>
-              </a:rPr>
-              <a:t> the WCL, the paper takes </a:t>
-            </a:r>
-            <a:r>
-              <a:rPr lang="it-IT" dirty="0" err="1">
-                <a:latin typeface="Times New Roman"/>
-                <a:ea typeface="Times New Roman"/>
-                <a:cs typeface="Times New Roman"/>
-                <a:sym typeface="Times New Roman"/>
-              </a:rPr>
-              <a:t>into</a:t>
-            </a:r>
-            <a:r>
-              <a:rPr lang="it-IT" dirty="0">
-                <a:latin typeface="Times New Roman"/>
-                <a:ea typeface="Times New Roman"/>
-                <a:cs typeface="Times New Roman"/>
-                <a:sym typeface="Times New Roman"/>
-              </a:rPr>
-              <a:t> </a:t>
-            </a:r>
-            <a:r>
-              <a:rPr lang="it-IT" dirty="0" err="1">
-                <a:latin typeface="Times New Roman"/>
-                <a:ea typeface="Times New Roman"/>
-                <a:cs typeface="Times New Roman"/>
-                <a:sym typeface="Times New Roman"/>
-              </a:rPr>
-              <a:t>consideration</a:t>
-            </a:r>
-            <a:r>
-              <a:rPr lang="it-IT" dirty="0">
-                <a:latin typeface="Times New Roman"/>
-                <a:ea typeface="Times New Roman"/>
-                <a:cs typeface="Times New Roman"/>
-                <a:sym typeface="Times New Roman"/>
-              </a:rPr>
-              <a:t> </a:t>
-            </a:r>
-            <a:r>
-              <a:rPr lang="it-IT" dirty="0" err="1">
-                <a:latin typeface="Times New Roman"/>
-                <a:ea typeface="Times New Roman"/>
-                <a:cs typeface="Times New Roman"/>
-                <a:sym typeface="Times New Roman"/>
-              </a:rPr>
-              <a:t>traffic</a:t>
-            </a:r>
-            <a:r>
-              <a:rPr lang="it-IT" dirty="0">
-                <a:latin typeface="Times New Roman"/>
-                <a:ea typeface="Times New Roman"/>
-                <a:cs typeface="Times New Roman"/>
-                <a:sym typeface="Times New Roman"/>
-              </a:rPr>
-              <a:t> dynamics and congestion under multiple </a:t>
-            </a:r>
-            <a:r>
-              <a:rPr lang="it-IT" dirty="0" err="1">
-                <a:latin typeface="Times New Roman"/>
-                <a:ea typeface="Times New Roman"/>
-                <a:cs typeface="Times New Roman"/>
-                <a:sym typeface="Times New Roman"/>
-              </a:rPr>
-              <a:t>vehicle</a:t>
-            </a:r>
-            <a:r>
-              <a:rPr lang="it-IT" dirty="0">
-                <a:latin typeface="Times New Roman"/>
-                <a:ea typeface="Times New Roman"/>
-                <a:cs typeface="Times New Roman"/>
-                <a:sym typeface="Times New Roman"/>
-              </a:rPr>
-              <a:t> classes (EV and ICV).</a:t>
-            </a:r>
-            <a:endParaRPr lang="it" dirty="0">
-              <a:latin typeface="Times New Roman"/>
-              <a:ea typeface="Times New Roman"/>
-              <a:cs typeface="Times New Roman"/>
-              <a:sym typeface="Times New Roman"/>
-            </a:endParaRPr>
-          </a:p>
-          <a:p>
-            <a:pPr marL="0" lvl="0" indent="0" algn="l" rtl="0">
-              <a:spcBef>
-                <a:spcPts val="0"/>
-              </a:spcBef>
-              <a:spcAft>
-                <a:spcPts val="0"/>
-              </a:spcAft>
-              <a:buNone/>
-            </a:pPr>
-            <a:endParaRPr lang="it" dirty="0">
-              <a:latin typeface="Times New Roman"/>
-              <a:ea typeface="Times New Roman"/>
-              <a:cs typeface="Times New Roman"/>
-              <a:sym typeface="Times New Roman"/>
-            </a:endParaRPr>
-          </a:p>
-          <a:p>
-            <a:pPr marL="0" lvl="0" indent="0" algn="l" rtl="0">
-              <a:spcBef>
-                <a:spcPts val="0"/>
-              </a:spcBef>
-              <a:spcAft>
-                <a:spcPts val="0"/>
-              </a:spcAft>
-              <a:buNone/>
-            </a:pPr>
-            <a:r>
-              <a:rPr lang="it" dirty="0">
-                <a:latin typeface="Times New Roman"/>
-                <a:ea typeface="Times New Roman"/>
-                <a:cs typeface="Times New Roman"/>
-                <a:sym typeface="Times New Roman"/>
-              </a:rPr>
-              <a:t>The problem combines a mixed-integer linear program with dynamic routing behaviour into the charging location problem.</a:t>
-            </a:r>
-          </a:p>
-          <a:p>
-            <a:pPr marL="0" lvl="0" indent="0" algn="l" rtl="0">
-              <a:spcBef>
-                <a:spcPts val="0"/>
-              </a:spcBef>
-              <a:spcAft>
-                <a:spcPts val="0"/>
-              </a:spcAft>
-              <a:buNone/>
-            </a:pPr>
-            <a:endParaRPr lang="it-IT" dirty="0">
-              <a:latin typeface="Times New Roman"/>
-              <a:ea typeface="Times New Roman"/>
-              <a:cs typeface="Times New Roman"/>
-              <a:sym typeface="Times New Roman"/>
-            </a:endParaRPr>
-          </a:p>
-          <a:p>
-            <a:pPr marL="0" lvl="0" indent="0" algn="l" rtl="0">
-              <a:spcBef>
-                <a:spcPts val="0"/>
-              </a:spcBef>
-              <a:spcAft>
-                <a:spcPts val="0"/>
-              </a:spcAft>
-              <a:buNone/>
-            </a:pPr>
-            <a:r>
-              <a:rPr lang="it-IT" dirty="0">
-                <a:latin typeface="Times New Roman"/>
-                <a:ea typeface="Times New Roman"/>
-                <a:cs typeface="Times New Roman"/>
-                <a:sym typeface="Times New Roman"/>
-              </a:rPr>
-              <a:t>The </a:t>
-            </a:r>
-            <a:r>
-              <a:rPr lang="it-IT" dirty="0" err="1">
-                <a:latin typeface="Times New Roman"/>
-                <a:ea typeface="Times New Roman"/>
-                <a:cs typeface="Times New Roman"/>
-                <a:sym typeface="Times New Roman"/>
-              </a:rPr>
-              <a:t>objective</a:t>
-            </a:r>
-            <a:r>
-              <a:rPr lang="it-IT" dirty="0">
-                <a:latin typeface="Times New Roman"/>
-                <a:ea typeface="Times New Roman"/>
-                <a:cs typeface="Times New Roman"/>
-                <a:sym typeface="Times New Roman"/>
-              </a:rPr>
-              <a:t> </a:t>
-            </a:r>
-            <a:r>
-              <a:rPr lang="it-IT" dirty="0" err="1">
-                <a:latin typeface="Times New Roman"/>
-                <a:ea typeface="Times New Roman"/>
-                <a:cs typeface="Times New Roman"/>
-                <a:sym typeface="Times New Roman"/>
-              </a:rPr>
-              <a:t>is</a:t>
-            </a:r>
-            <a:r>
-              <a:rPr lang="it-IT" dirty="0">
-                <a:latin typeface="Times New Roman"/>
-                <a:ea typeface="Times New Roman"/>
-                <a:cs typeface="Times New Roman"/>
-                <a:sym typeface="Times New Roman"/>
-              </a:rPr>
-              <a:t> to </a:t>
-            </a:r>
-            <a:r>
-              <a:rPr lang="it-IT" dirty="0" err="1">
-                <a:latin typeface="Times New Roman"/>
-                <a:ea typeface="Times New Roman"/>
-                <a:cs typeface="Times New Roman"/>
-                <a:sym typeface="Times New Roman"/>
-              </a:rPr>
-              <a:t>maximise</a:t>
-            </a:r>
-            <a:r>
-              <a:rPr lang="it-IT" dirty="0">
-                <a:latin typeface="Times New Roman"/>
-                <a:ea typeface="Times New Roman"/>
-                <a:cs typeface="Times New Roman"/>
-                <a:sym typeface="Times New Roman"/>
-              </a:rPr>
-              <a:t> network performance </a:t>
-            </a:r>
-            <a:r>
-              <a:rPr lang="it-IT" dirty="0" err="1">
-                <a:latin typeface="Times New Roman"/>
-                <a:ea typeface="Times New Roman"/>
-                <a:cs typeface="Times New Roman"/>
-                <a:sym typeface="Times New Roman"/>
-              </a:rPr>
-              <a:t>while</a:t>
-            </a:r>
-            <a:r>
-              <a:rPr lang="it-IT" dirty="0">
-                <a:latin typeface="Times New Roman"/>
-                <a:ea typeface="Times New Roman"/>
-                <a:cs typeface="Times New Roman"/>
-                <a:sym typeface="Times New Roman"/>
-              </a:rPr>
-              <a:t> </a:t>
-            </a:r>
-            <a:r>
-              <a:rPr lang="it-IT" dirty="0" err="1">
-                <a:latin typeface="Times New Roman"/>
-                <a:ea typeface="Times New Roman"/>
-                <a:cs typeface="Times New Roman"/>
-                <a:sym typeface="Times New Roman"/>
-              </a:rPr>
-              <a:t>providing</a:t>
-            </a:r>
-            <a:r>
-              <a:rPr lang="it-IT" dirty="0">
-                <a:latin typeface="Times New Roman"/>
-                <a:ea typeface="Times New Roman"/>
-                <a:cs typeface="Times New Roman"/>
-                <a:sym typeface="Times New Roman"/>
-              </a:rPr>
-              <a:t> insights </a:t>
-            </a:r>
-            <a:r>
-              <a:rPr lang="it-IT" dirty="0" err="1">
-                <a:latin typeface="Times New Roman"/>
-                <a:ea typeface="Times New Roman"/>
-                <a:cs typeface="Times New Roman"/>
-                <a:sym typeface="Times New Roman"/>
-              </a:rPr>
-              <a:t>into</a:t>
-            </a:r>
-            <a:r>
-              <a:rPr lang="it-IT" dirty="0">
-                <a:latin typeface="Times New Roman"/>
-                <a:ea typeface="Times New Roman"/>
-                <a:cs typeface="Times New Roman"/>
-                <a:sym typeface="Times New Roman"/>
-              </a:rPr>
-              <a:t> </a:t>
-            </a:r>
-            <a:r>
-              <a:rPr lang="it-IT" dirty="0" err="1">
-                <a:latin typeface="Times New Roman"/>
-                <a:ea typeface="Times New Roman"/>
-                <a:cs typeface="Times New Roman"/>
-                <a:sym typeface="Times New Roman"/>
-              </a:rPr>
-              <a:t>traffic</a:t>
-            </a:r>
-            <a:r>
-              <a:rPr lang="it-IT" dirty="0">
-                <a:latin typeface="Times New Roman"/>
-                <a:ea typeface="Times New Roman"/>
-                <a:cs typeface="Times New Roman"/>
-                <a:sym typeface="Times New Roman"/>
-              </a:rPr>
-              <a:t> </a:t>
-            </a:r>
-            <a:r>
-              <a:rPr lang="it-IT" dirty="0" err="1">
-                <a:latin typeface="Times New Roman"/>
-                <a:ea typeface="Times New Roman"/>
-                <a:cs typeface="Times New Roman"/>
-                <a:sym typeface="Times New Roman"/>
-              </a:rPr>
-              <a:t>propagation</a:t>
-            </a:r>
-            <a:r>
-              <a:rPr lang="it-IT" dirty="0">
-                <a:latin typeface="Times New Roman"/>
-                <a:ea typeface="Times New Roman"/>
-                <a:cs typeface="Times New Roman"/>
-                <a:sym typeface="Times New Roman"/>
-              </a:rPr>
-              <a:t> patterns over the network.</a:t>
-            </a:r>
-            <a:endParaRPr dirty="0">
-              <a:latin typeface="Times New Roman"/>
-              <a:ea typeface="Times New Roman"/>
-              <a:cs typeface="Times New Roman"/>
-              <a:sym typeface="Times New Roman"/>
-            </a:endParaRPr>
-          </a:p>
-        </p:txBody>
-      </p:sp>
-      <p:sp>
-        <p:nvSpPr>
-          <p:cNvPr id="95" name="Google Shape;95;p14"/>
-          <p:cNvSpPr txBox="1"/>
-          <p:nvPr/>
-        </p:nvSpPr>
-        <p:spPr>
-          <a:xfrm>
-            <a:off x="46050" y="649900"/>
-            <a:ext cx="9051900" cy="538800"/>
-          </a:xfrm>
-          <a:prstGeom prst="rect">
-            <a:avLst/>
-          </a:prstGeom>
-          <a:noFill/>
-          <a:ln>
-            <a:noFill/>
-          </a:ln>
-        </p:spPr>
-        <p:txBody>
-          <a:bodyPr spcFirstLastPara="1" wrap="square" lIns="91425" tIns="91425" rIns="91425" bIns="91425" anchor="t" anchorCtr="0">
-            <a:spAutoFit/>
-          </a:bodyPr>
-          <a:lstStyle/>
-          <a:p>
-            <a:pPr marL="0" lvl="0" indent="0" algn="ctr" rtl="0">
-              <a:spcBef>
-                <a:spcPts val="0"/>
-              </a:spcBef>
-              <a:spcAft>
-                <a:spcPts val="0"/>
-              </a:spcAft>
-              <a:buNone/>
-            </a:pPr>
-            <a:r>
-              <a:rPr lang="it" sz="2000" b="1" dirty="0">
-                <a:latin typeface="Times New Roman"/>
-                <a:ea typeface="Times New Roman"/>
-                <a:cs typeface="Times New Roman"/>
-                <a:sym typeface="Times New Roman"/>
-              </a:rPr>
-              <a:t>To determine the optimal location for dynamic Wireless Charging Lanes </a:t>
-            </a:r>
-            <a:r>
-              <a:rPr lang="it" sz="2300" dirty="0">
-                <a:latin typeface="Times New Roman"/>
-                <a:ea typeface="Times New Roman"/>
-                <a:cs typeface="Times New Roman"/>
-                <a:sym typeface="Times New Roman"/>
-              </a:rPr>
-              <a:t> </a:t>
-            </a:r>
-            <a:endParaRPr sz="2300" dirty="0">
-              <a:latin typeface="Times New Roman"/>
-              <a:ea typeface="Times New Roman"/>
-              <a:cs typeface="Times New Roman"/>
-              <a:sym typeface="Times New Roman"/>
-            </a:endParaRPr>
-          </a:p>
-        </p:txBody>
-      </p:sp>
-    </p:spTree>
   </p:cSld>
   <p:clrMapOvr>
     <a:masterClrMapping/>
@@ -13781,8 +17187,8 @@
         </p:nvSpPr>
         <p:spPr>
           <a:xfrm>
-            <a:off x="840750" y="1904045"/>
-            <a:ext cx="7512418" cy="615523"/>
+            <a:off x="1499603" y="1549924"/>
+            <a:ext cx="2889517" cy="1261854"/>
           </a:xfrm>
           <a:prstGeom prst="rect">
             <a:avLst/>
@@ -13808,13 +17214,50 @@
               <a:buNone/>
             </a:pPr>
             <a:r>
+              <a:rPr lang="it-IT" b="1" dirty="0">
+                <a:latin typeface="Times New Roman"/>
+                <a:ea typeface="Times New Roman"/>
+                <a:cs typeface="Times New Roman"/>
+                <a:sym typeface="Times New Roman"/>
+              </a:rPr>
+              <a:t>User Equilibrium:</a:t>
+            </a:r>
+          </a:p>
+          <a:p>
+            <a:pPr marL="0" lvl="0" indent="0" algn="l" rtl="0">
+              <a:spcBef>
+                <a:spcPts val="0"/>
+              </a:spcBef>
+              <a:spcAft>
+                <a:spcPts val="0"/>
+              </a:spcAft>
+              <a:buNone/>
+            </a:pPr>
+            <a:endParaRPr lang="it-IT" dirty="0">
+              <a:latin typeface="Times New Roman"/>
+              <a:ea typeface="Times New Roman"/>
+              <a:cs typeface="Times New Roman"/>
+              <a:sym typeface="Times New Roman"/>
+            </a:endParaRPr>
+          </a:p>
+          <a:p>
+            <a:pPr marL="0" lvl="0" indent="0" algn="l" rtl="0">
+              <a:spcBef>
+                <a:spcPts val="0"/>
+              </a:spcBef>
+              <a:spcAft>
+                <a:spcPts val="0"/>
+              </a:spcAft>
+              <a:buNone/>
+            </a:pPr>
+            <a:r>
               <a:rPr lang="it-IT" dirty="0">
                 <a:latin typeface="Times New Roman"/>
                 <a:ea typeface="Times New Roman"/>
                 <a:cs typeface="Times New Roman"/>
                 <a:sym typeface="Times New Roman"/>
               </a:rPr>
-              <a:t>System </a:t>
+              <a:t>Users </a:t>
             </a:r>
             <a:r>
               <a:rPr lang="it-IT" dirty="0" err="1">
@@ -13823,7 +17266,7 @@
                 <a:cs typeface="Times New Roman"/>
                 <a:sym typeface="Times New Roman"/>
               </a:rPr>
-              <a:t>Optimal</a:t>
+              <a:t>choose</a:t>
             </a:r>
             <a:r>
               <a:rPr lang="it-IT" dirty="0">
@@ -13832,7 +17275,7 @@
                 <a:cs typeface="Times New Roman"/>
                 <a:sym typeface="Times New Roman"/>
               </a:rPr>
-              <a:t>: users </a:t>
+              <a:t> the </a:t>
             </a:r>
             <a:r>
               <a:rPr lang="it-IT" dirty="0" err="1">
@@ -13841,7 +17284,7 @@
                 <a:cs typeface="Times New Roman"/>
                 <a:sym typeface="Times New Roman"/>
               </a:rPr>
-              <a:t>distribute</a:t>
+              <a:t>route</a:t>
             </a:r>
             <a:r>
               <a:rPr lang="it-IT" dirty="0">
@@ -13859,7 +17302,7 @@
                 <a:cs typeface="Times New Roman"/>
                 <a:sym typeface="Times New Roman"/>
               </a:rPr>
-              <a:t>themselves</a:t>
+              <a:t>that</a:t>
             </a:r>
             <a:r>
               <a:rPr lang="it-IT" dirty="0">
@@ -13868,7 +17311,7 @@
                 <a:cs typeface="Times New Roman"/>
                 <a:sym typeface="Times New Roman"/>
               </a:rPr>
-              <a:t> in </a:t>
+              <a:t> </a:t>
             </a:r>
             <a:r>
               <a:rPr lang="it-IT" dirty="0" err="1">
@@ -13877,7 +17320,7 @@
                 <a:cs typeface="Times New Roman"/>
                 <a:sym typeface="Times New Roman"/>
               </a:rPr>
-              <a:t>such</a:t>
+              <a:t>minimizes</a:t>
             </a:r>
             <a:r>
               <a:rPr lang="it-IT" dirty="0">
@@ -13886,7 +17329,7 @@
                 <a:cs typeface="Times New Roman"/>
                 <a:sym typeface="Times New Roman"/>
               </a:rPr>
-              <a:t> a way </a:t>
+              <a:t> </a:t>
             </a:r>
             <a:r>
               <a:rPr lang="it-IT" dirty="0" err="1">
@@ -13895,7 +17338,7 @@
                 <a:cs typeface="Times New Roman"/>
                 <a:sym typeface="Times New Roman"/>
               </a:rPr>
-              <a:t>that</a:t>
+              <a:t>their</a:t>
             </a:r>
             <a:r>
               <a:rPr lang="it-IT" dirty="0">
@@ -13904,7 +17347,7 @@
                 <a:cs typeface="Times New Roman"/>
                 <a:sym typeface="Times New Roman"/>
               </a:rPr>
-              <a:t> the </a:t>
+              <a:t> </a:t>
             </a:r>
             <a:r>
               <a:rPr lang="it-IT" dirty="0" err="1">
@@ -13913,7 +17356,7 @@
                 <a:cs typeface="Times New Roman"/>
                 <a:sym typeface="Times New Roman"/>
               </a:rPr>
-              <a:t>average</a:t>
+              <a:t>own</a:t>
             </a:r>
             <a:r>
               <a:rPr lang="it-IT" dirty="0">
@@ -13922,125 +17365,34 @@
                 <a:cs typeface="Times New Roman"/>
                 <a:sym typeface="Times New Roman"/>
               </a:rPr>
-              <a:t> travel time for </a:t>
-            </a:r>
-            <a:r>
-              <a:rPr lang="it-IT" dirty="0" err="1">
-                <a:latin typeface="Times New Roman"/>
-                <a:ea typeface="Times New Roman"/>
-                <a:cs typeface="Times New Roman"/>
-                <a:sym typeface="Times New Roman"/>
-              </a:rPr>
-              <a:t>all</a:t>
-            </a:r>
-            <a:r>
-              <a:rPr lang="it-IT" dirty="0">
-                <a:latin typeface="Times New Roman"/>
-                <a:ea typeface="Times New Roman"/>
-                <a:cs typeface="Times New Roman"/>
-                <a:sym typeface="Times New Roman"/>
-              </a:rPr>
-              <a:t> users </a:t>
-            </a:r>
-            <a:r>
-              <a:rPr lang="it-IT" dirty="0" err="1">
-                <a:latin typeface="Times New Roman"/>
-                <a:ea typeface="Times New Roman"/>
-                <a:cs typeface="Times New Roman"/>
-                <a:sym typeface="Times New Roman"/>
-              </a:rPr>
-              <a:t>is</a:t>
-            </a:r>
-            <a:r>
-              <a:rPr lang="it-IT" dirty="0">
-                <a:latin typeface="Times New Roman"/>
-                <a:ea typeface="Times New Roman"/>
-                <a:cs typeface="Times New Roman"/>
-                <a:sym typeface="Times New Roman"/>
-              </a:rPr>
-              <a:t> </a:t>
-            </a:r>
-            <a:r>
-              <a:rPr lang="it-IT" dirty="0" err="1">
-                <a:latin typeface="Times New Roman"/>
-                <a:ea typeface="Times New Roman"/>
-                <a:cs typeface="Times New Roman"/>
-                <a:sym typeface="Times New Roman"/>
-              </a:rPr>
-              <a:t>minimized</a:t>
-            </a:r>
-            <a:r>
-              <a:rPr lang="it-IT" dirty="0">
-                <a:latin typeface="Times New Roman"/>
-                <a:ea typeface="Times New Roman"/>
-                <a:cs typeface="Times New Roman"/>
-                <a:sym typeface="Times New Roman"/>
-              </a:rPr>
-              <a:t>, so </a:t>
-            </a:r>
-            <a:r>
-              <a:rPr lang="it-IT" dirty="0" err="1">
-                <a:latin typeface="Times New Roman"/>
-                <a:ea typeface="Times New Roman"/>
-                <a:cs typeface="Times New Roman"/>
-                <a:sym typeface="Times New Roman"/>
-              </a:rPr>
-              <a:t>they</a:t>
-            </a:r>
-            <a:r>
-              <a:rPr lang="it-IT" dirty="0">
-                <a:latin typeface="Times New Roman"/>
-                <a:ea typeface="Times New Roman"/>
-                <a:cs typeface="Times New Roman"/>
-                <a:sym typeface="Times New Roman"/>
-              </a:rPr>
-              <a:t> </a:t>
-            </a:r>
-            <a:r>
-              <a:rPr lang="it-IT" dirty="0" err="1">
-                <a:latin typeface="Times New Roman"/>
-                <a:ea typeface="Times New Roman"/>
-                <a:cs typeface="Times New Roman"/>
-                <a:sym typeface="Times New Roman"/>
-              </a:rPr>
-              <a:t>cooperatively</a:t>
-            </a:r>
-            <a:r>
-              <a:rPr lang="it-IT" dirty="0">
-                <a:latin typeface="Times New Roman"/>
-                <a:ea typeface="Times New Roman"/>
-                <a:cs typeface="Times New Roman"/>
-                <a:sym typeface="Times New Roman"/>
-              </a:rPr>
-              <a:t> </a:t>
-            </a:r>
-            <a:r>
-              <a:rPr lang="it-IT" dirty="0" err="1">
-                <a:latin typeface="Times New Roman"/>
-                <a:ea typeface="Times New Roman"/>
-                <a:cs typeface="Times New Roman"/>
-                <a:sym typeface="Times New Roman"/>
-              </a:rPr>
-              <a:t>achieve</a:t>
-            </a:r>
-            <a:r>
-              <a:rPr lang="it-IT" dirty="0">
-                <a:latin typeface="Times New Roman"/>
-                <a:ea typeface="Times New Roman"/>
-                <a:cs typeface="Times New Roman"/>
-                <a:sym typeface="Times New Roman"/>
-              </a:rPr>
-              <a:t> the minimum system-wide travel time.</a:t>
-            </a:r>
+              <a:t> travel time.</a:t>
+            </a:r>
+          </a:p>
+          <a:p>
+            <a:pPr marL="0" lvl="0" indent="0" algn="l" rtl="0">
+              <a:spcBef>
+                <a:spcPts val="0"/>
+              </a:spcBef>
+              <a:spcAft>
+                <a:spcPts val="0"/>
+              </a:spcAft>
+              <a:buNone/>
+            </a:pPr>
+            <a:endParaRPr lang="it-IT" dirty="0">
+              <a:latin typeface="Times New Roman"/>
+              <a:ea typeface="Times New Roman"/>
+              <a:cs typeface="Times New Roman"/>
+              <a:sym typeface="Times New Roman"/>
+            </a:endParaRPr>
           </a:p>
         </p:txBody>
       </p:sp>
       <p:sp>
         <p:nvSpPr>
-          <p:cNvPr id="3" name="CasellaDiTesto 2">
+          <p:cNvPr id="12" name="Google Shape;94;p14">
             <a:extLst>
               <a:ext uri="{FF2B5EF4-FFF2-40B4-BE49-F238E27FC236}">
-                <a16:creationId xmlns:a16="http://schemas.microsoft.com/office/drawing/2014/main" id="{80596D96-48BE-D72B-2594-FDAE792BE326}"/>
+                <a16:creationId xmlns:a16="http://schemas.microsoft.com/office/drawing/2014/main" id="{E4580D26-1C6D-52CC-2B9A-F996A0EED6A1}"/>
               </a:ext>
             </a:extLst>
           </p:cNvPr>
@@ -14049,8 +17401,151 @@
         </p:nvSpPr>
         <p:spPr>
           <a:xfrm>
-            <a:off x="2823519" y="3546291"/>
-            <a:ext cx="3496962" cy="307777"/>
+            <a:off x="4933026" y="1549924"/>
+            <a:ext cx="2711371" cy="1046410"/>
+          </a:xfrm>
+          <a:prstGeom prst="rect">
+            <a:avLst/>
+          </a:prstGeom>
+          <a:noFill/>
+          <a:ln>
+            <a:noFill/>
+          </a:ln>
+        </p:spPr>
+        <p:txBody>
+          <a:bodyPr spcFirstLastPara="1" wrap="square" lIns="91425" tIns="91425" rIns="91425" bIns="91425" anchor="t" anchorCtr="0">
+            <a:spAutoFit/>
+          </a:bodyPr>
+          <a:lstStyle/>
+          <a:p>
+            <a:pPr marL="0" lvl="0" indent="0" algn="l" rtl="0">
+              <a:spcBef>
+                <a:spcPts val="0"/>
+              </a:spcBef>
+              <a:spcAft>
+                <a:spcPts val="0"/>
+              </a:spcAft>
+              <a:buNone/>
+            </a:pPr>
+            <a:r>
+              <a:rPr lang="it-IT" b="1" dirty="0">
+                <a:latin typeface="Times New Roman"/>
+                <a:ea typeface="Times New Roman"/>
+                <a:cs typeface="Times New Roman"/>
+                <a:sym typeface="Times New Roman"/>
+              </a:rPr>
+              <a:t>System </a:t>
+            </a:r>
+            <a:r>
+              <a:rPr lang="it-IT" b="1" dirty="0" err="1">
+                <a:latin typeface="Times New Roman"/>
+                <a:ea typeface="Times New Roman"/>
+                <a:cs typeface="Times New Roman"/>
+                <a:sym typeface="Times New Roman"/>
+              </a:rPr>
+              <a:t>Optimal</a:t>
+            </a:r>
+            <a:r>
+              <a:rPr lang="it-IT" b="1" dirty="0">
+                <a:latin typeface="Times New Roman"/>
+                <a:ea typeface="Times New Roman"/>
+                <a:cs typeface="Times New Roman"/>
+                <a:sym typeface="Times New Roman"/>
+              </a:rPr>
+              <a:t>:</a:t>
+            </a:r>
+          </a:p>
+          <a:p>
+            <a:pPr marL="0" lvl="0" indent="0" algn="l" rtl="0">
+              <a:spcBef>
+                <a:spcPts val="0"/>
+              </a:spcBef>
+              <a:spcAft>
+                <a:spcPts val="0"/>
+              </a:spcAft>
+              <a:buNone/>
+            </a:pPr>
+            <a:endParaRPr lang="it-IT" dirty="0">
+              <a:latin typeface="Times New Roman"/>
+              <a:ea typeface="Times New Roman"/>
+              <a:cs typeface="Times New Roman"/>
+              <a:sym typeface="Times New Roman"/>
+            </a:endParaRPr>
+          </a:p>
+          <a:p>
+            <a:pPr marL="0" lvl="0" indent="0" algn="l" rtl="0">
+              <a:spcBef>
+                <a:spcPts val="0"/>
+              </a:spcBef>
+              <a:spcAft>
+                <a:spcPts val="0"/>
+              </a:spcAft>
+              <a:buNone/>
+            </a:pPr>
+            <a:r>
+              <a:rPr lang="it-IT" dirty="0">
+                <a:latin typeface="Times New Roman"/>
+                <a:ea typeface="Times New Roman"/>
+                <a:cs typeface="Times New Roman"/>
+                <a:sym typeface="Times New Roman"/>
+              </a:rPr>
+              <a:t>Users </a:t>
+            </a:r>
+            <a:r>
+              <a:rPr lang="it-IT" dirty="0" err="1">
+                <a:latin typeface="Times New Roman"/>
+                <a:ea typeface="Times New Roman"/>
+                <a:cs typeface="Times New Roman"/>
+                <a:sym typeface="Times New Roman"/>
+              </a:rPr>
+              <a:t>cooperatively</a:t>
+            </a:r>
+            <a:r>
+              <a:rPr lang="it-IT" dirty="0">
+                <a:latin typeface="Times New Roman"/>
+                <a:ea typeface="Times New Roman"/>
+                <a:cs typeface="Times New Roman"/>
+                <a:sym typeface="Times New Roman"/>
+              </a:rPr>
+              <a:t> </a:t>
+            </a:r>
+            <a:r>
+              <a:rPr lang="it-IT" dirty="0" err="1">
+                <a:latin typeface="Times New Roman"/>
+                <a:ea typeface="Times New Roman"/>
+                <a:cs typeface="Times New Roman"/>
+                <a:sym typeface="Times New Roman"/>
+              </a:rPr>
+              <a:t>achieve</a:t>
+            </a:r>
+            <a:r>
+              <a:rPr lang="it-IT" dirty="0">
+                <a:latin typeface="Times New Roman"/>
+                <a:ea typeface="Times New Roman"/>
+                <a:cs typeface="Times New Roman"/>
+                <a:sym typeface="Times New Roman"/>
+              </a:rPr>
+              <a:t> the minimum system-wide travel time.</a:t>
+            </a:r>
+          </a:p>
+        </p:txBody>
+      </p:sp>
+      <p:sp>
+        <p:nvSpPr>
+          <p:cNvPr id="16" name="CasellaDiTesto 15">
+            <a:extLst>
+              <a:ext uri="{FF2B5EF4-FFF2-40B4-BE49-F238E27FC236}">
+                <a16:creationId xmlns:a16="http://schemas.microsoft.com/office/drawing/2014/main" id="{DEF00D4C-F388-888B-4AEC-C1AC88FA9982}"/>
+              </a:ext>
+            </a:extLst>
+          </p:cNvPr>
+          <p:cNvSpPr txBox="1"/>
+          <p:nvPr/>
+        </p:nvSpPr>
+        <p:spPr>
+          <a:xfrm>
+            <a:off x="1564810" y="2811778"/>
+            <a:ext cx="2394940" cy="923330"/>
           </a:xfrm>
           <a:prstGeom prst="rect">
             <a:avLst/>
@@ -14073,13 +17568,412 @@
               <a:buNone/>
             </a:pPr>
             <a:r>
+              <a:rPr lang="it-IT" sz="1400" dirty="0">
+                <a:latin typeface="Times New Roman"/>
+                <a:ea typeface="Times New Roman"/>
+                <a:cs typeface="Times New Roman"/>
+                <a:sym typeface="Times New Roman"/>
+              </a:rPr>
+              <a:t>✅   </a:t>
+            </a:r>
+            <a:r>
+              <a:rPr lang="it-IT" sz="1300" dirty="0">
+                <a:latin typeface="Futura" panose="020B0602020204020303" pitchFamily="34" charset="-79"/>
+                <a:ea typeface="Silom" pitchFamily="2" charset="-34"/>
+                <a:cs typeface="Futura" panose="020B0602020204020303" pitchFamily="34" charset="-79"/>
+                <a:sym typeface="Times New Roman"/>
+              </a:rPr>
+              <a:t>REALISTIC SCENARIO</a:t>
+            </a:r>
+          </a:p>
+          <a:p>
+            <a:endParaRPr lang="it-IT" sz="1300" dirty="0">
+              <a:latin typeface="Futura" panose="020B0602020204020303" pitchFamily="34" charset="-79"/>
+              <a:ea typeface="Silom" pitchFamily="2" charset="-34"/>
+              <a:cs typeface="Futura" panose="020B0602020204020303" pitchFamily="34" charset="-79"/>
+              <a:sym typeface="Times New Roman"/>
+            </a:endParaRPr>
+          </a:p>
+          <a:p>
+            <a:pPr marL="0" lvl="0" indent="0" algn="l" rtl="0">
+              <a:spcBef>
+                <a:spcPts val="0"/>
+              </a:spcBef>
+              <a:spcAft>
+                <a:spcPts val="0"/>
+              </a:spcAft>
+              <a:buNone/>
+            </a:pPr>
+            <a:r>
+              <a:rPr lang="it-IT" sz="1400" dirty="0">
+                <a:latin typeface="Times New Roman"/>
+                <a:ea typeface="Times New Roman"/>
+                <a:cs typeface="Times New Roman"/>
+                <a:sym typeface="Times New Roman"/>
+              </a:rPr>
+              <a:t>❌   </a:t>
+            </a:r>
+            <a:r>
+              <a:rPr lang="it-IT" sz="1300" dirty="0">
+                <a:latin typeface="Futura" panose="020B0602020204020303" pitchFamily="34" charset="-79"/>
+                <a:ea typeface="Silom" pitchFamily="2" charset="-34"/>
+                <a:cs typeface="Futura" panose="020B0602020204020303" pitchFamily="34" charset="-79"/>
+                <a:sym typeface="Times New Roman"/>
+              </a:rPr>
+              <a:t>EFFICIENT IN THE</a:t>
+            </a:r>
+          </a:p>
+          <a:p>
+            <a:r>
+              <a:rPr lang="it-IT" sz="1300" dirty="0">
+                <a:latin typeface="Futura" panose="020B0602020204020303" pitchFamily="34" charset="-79"/>
+                <a:ea typeface="Silom" pitchFamily="2" charset="-34"/>
+                <a:cs typeface="Futura" panose="020B0602020204020303" pitchFamily="34" charset="-79"/>
+                <a:sym typeface="Times New Roman"/>
+              </a:rPr>
+              <a:t>      BI-LEVEL FRAMEWORK</a:t>
+            </a:r>
+            <a:endParaRPr lang="it-IT" sz="1300" dirty="0">
+              <a:latin typeface="Futura" panose="020B0602020204020303" pitchFamily="34" charset="-79"/>
+              <a:ea typeface="Silom" pitchFamily="2" charset="-34"/>
+              <a:cs typeface="Futura" panose="020B0602020204020303" pitchFamily="34" charset="-79"/>
+            </a:endParaRPr>
+          </a:p>
+        </p:txBody>
+      </p:sp>
+      <p:sp>
+        <p:nvSpPr>
+          <p:cNvPr id="18" name="CasellaDiTesto 17">
+            <a:extLst>
+              <a:ext uri="{FF2B5EF4-FFF2-40B4-BE49-F238E27FC236}">
+                <a16:creationId xmlns:a16="http://schemas.microsoft.com/office/drawing/2014/main" id="{9F42B2F8-5624-9BB9-6B32-DE9E6AB8A13C}"/>
+              </a:ext>
+            </a:extLst>
+          </p:cNvPr>
+          <p:cNvSpPr txBox="1"/>
+          <p:nvPr/>
+        </p:nvSpPr>
+        <p:spPr>
+          <a:xfrm>
+            <a:off x="4933026" y="2811778"/>
+            <a:ext cx="2394940" cy="907941"/>
+          </a:xfrm>
+          <a:prstGeom prst="rect">
+            <a:avLst/>
+          </a:prstGeom>
+          <a:noFill/>
+        </p:spPr>
+        <p:txBody>
+          <a:bodyPr wrap="square">
+            <a:spAutoFit/>
+          </a:bodyPr>
+          <a:lstStyle/>
+          <a:p>
+            <a:pPr marL="0" lvl="0" indent="0" algn="l" rtl="0">
+              <a:spcBef>
+                <a:spcPts val="0"/>
+              </a:spcBef>
+              <a:spcAft>
+                <a:spcPts val="0"/>
+              </a:spcAft>
+              <a:buNone/>
+            </a:pPr>
+            <a:r>
+              <a:rPr lang="it-IT" sz="1400" dirty="0">
+                <a:latin typeface="Times New Roman"/>
+                <a:ea typeface="Times New Roman"/>
+                <a:cs typeface="Times New Roman"/>
+                <a:sym typeface="Times New Roman"/>
+              </a:rPr>
+              <a:t>❌   </a:t>
+            </a:r>
+            <a:r>
+              <a:rPr lang="it-IT" sz="1300" dirty="0">
+                <a:latin typeface="Futura" panose="020B0602020204020303" pitchFamily="34" charset="-79"/>
+                <a:ea typeface="Silom" pitchFamily="2" charset="-34"/>
+                <a:cs typeface="Futura" panose="020B0602020204020303" pitchFamily="34" charset="-79"/>
+                <a:sym typeface="Times New Roman"/>
+              </a:rPr>
+              <a:t>REALISTIC SCENARIO</a:t>
+            </a:r>
+          </a:p>
+          <a:p>
+            <a:endParaRPr lang="it-IT" sz="1300" dirty="0">
+              <a:latin typeface="Futura" panose="020B0602020204020303" pitchFamily="34" charset="-79"/>
+              <a:ea typeface="Silom" pitchFamily="2" charset="-34"/>
+              <a:cs typeface="Futura" panose="020B0602020204020303" pitchFamily="34" charset="-79"/>
+              <a:sym typeface="Times New Roman"/>
+            </a:endParaRPr>
+          </a:p>
+          <a:p>
+            <a:pPr marL="0" lvl="0" indent="0" algn="l" rtl="0">
+              <a:spcBef>
+                <a:spcPts val="0"/>
+              </a:spcBef>
+              <a:spcAft>
+                <a:spcPts val="0"/>
+              </a:spcAft>
+              <a:buNone/>
+            </a:pPr>
+            <a:r>
+              <a:rPr lang="it-IT" sz="1200" dirty="0">
+                <a:latin typeface="Times New Roman"/>
+                <a:ea typeface="Times New Roman"/>
+                <a:cs typeface="Times New Roman"/>
+                <a:sym typeface="Times New Roman"/>
+              </a:rPr>
+              <a:t>✅    </a:t>
+            </a:r>
+            <a:r>
+              <a:rPr lang="it-IT" sz="1300" dirty="0">
+                <a:latin typeface="Futura" panose="020B0602020204020303" pitchFamily="34" charset="-79"/>
+                <a:ea typeface="Silom" pitchFamily="2" charset="-34"/>
+                <a:cs typeface="Futura" panose="020B0602020204020303" pitchFamily="34" charset="-79"/>
+                <a:sym typeface="Times New Roman"/>
+              </a:rPr>
+              <a:t>EFFICIENT IN THE</a:t>
+            </a:r>
+          </a:p>
+          <a:p>
+            <a:r>
+              <a:rPr lang="it-IT" sz="1300" dirty="0">
+                <a:latin typeface="Futura" panose="020B0602020204020303" pitchFamily="34" charset="-79"/>
+                <a:ea typeface="Silom" pitchFamily="2" charset="-34"/>
+                <a:cs typeface="Futura" panose="020B0602020204020303" pitchFamily="34" charset="-79"/>
+                <a:sym typeface="Times New Roman"/>
+              </a:rPr>
+              <a:t>      BI-LEVEL FRAMEWORK</a:t>
+            </a:r>
+            <a:endParaRPr lang="it-IT" sz="1300" dirty="0">
+              <a:latin typeface="Futura" panose="020B0602020204020303" pitchFamily="34" charset="-79"/>
+              <a:ea typeface="Silom" pitchFamily="2" charset="-34"/>
+              <a:cs typeface="Futura" panose="020B0602020204020303" pitchFamily="34" charset="-79"/>
+            </a:endParaRPr>
+          </a:p>
+        </p:txBody>
+      </p:sp>
+      <p:cxnSp>
+        <p:nvCxnSpPr>
+          <p:cNvPr id="21" name="Connettore 1 20">
+            <a:extLst>
+              <a:ext uri="{FF2B5EF4-FFF2-40B4-BE49-F238E27FC236}">
+                <a16:creationId xmlns:a16="http://schemas.microsoft.com/office/drawing/2014/main" id="{4B7FEDA3-AC17-1939-2955-3CAE05D2C154}"/>
+              </a:ext>
+            </a:extLst>
+          </p:cNvPr>
+          <p:cNvCxnSpPr>
+            <a:cxnSpLocks/>
+          </p:cNvCxnSpPr>
+          <p:nvPr/>
+        </p:nvCxnSpPr>
+        <p:spPr>
+          <a:xfrm>
+            <a:off x="4389120" y="1657501"/>
+            <a:ext cx="0" cy="2077607"/>
+          </a:xfrm>
+          <a:prstGeom prst="line">
+            <a:avLst/>
+          </a:prstGeom>
+          <a:ln w="19050">
+            <a:solidFill>
+              <a:schemeClr val="tx1"/>
+            </a:solidFill>
+          </a:ln>
+        </p:spPr>
+        <p:style>
+          <a:lnRef idx="1">
+            <a:schemeClr val="dk1"/>
+          </a:lnRef>
+          <a:fillRef idx="0">
+            <a:schemeClr val="dk1"/>
+          </a:fillRef>
+          <a:effectRef idx="0">
+            <a:schemeClr val="dk1"/>
+          </a:effectRef>
+          <a:fontRef idx="minor">
+            <a:schemeClr val="tx1"/>
+          </a:fontRef>
+        </p:style>
+      </p:cxnSp>
+    </p:spTree>
+    <p:extLst>
+      <p:ext uri="{BB962C8B-B14F-4D97-AF65-F5344CB8AC3E}">
+        <p14:creationId xmlns:p14="http://schemas.microsoft.com/office/powerpoint/2010/main" val="3600626099"/>
+      </p:ext>
+    </p:extLst>
+  </p:cSld>
+  <p:clrMapOvr>
+    <a:masterClrMapping/>
+  </p:clrMapOvr>
+</p:sld>
+</file>
+
+<file path=ppt/slides/slide6.xml><?xml version="1.0" encoding="utf-8"?>
+<p:sld xmlns:a="http://schemas.openxmlformats.org/drawingml/2006/main" xmlns:r="http://schemas.openxmlformats.org/officeDocument/2006/relationships" xmlns:p="http://schemas.openxmlformats.org/presentationml/2006/main">
+  <p:cSld>
+    <p:spTree>
+      <p:nvGrpSpPr>
+        <p:cNvPr id="1" name="Shape 187">
+          <a:extLst>
+            <a:ext uri="{FF2B5EF4-FFF2-40B4-BE49-F238E27FC236}">
+              <a16:creationId xmlns:a16="http://schemas.microsoft.com/office/drawing/2014/main" id="{8FA486CC-C15D-86AC-5CAC-536FD8217082}"/>
+            </a:ext>
+          </a:extLst>
+        </p:cNvPr>
+        <p:cNvGrpSpPr/>
+        <p:nvPr/>
+      </p:nvGrpSpPr>
+      <p:grpSpPr>
+        <a:xfrm>
+          <a:off x="0" y="0"/>
+          <a:ext cx="0" cy="0"/>
+          <a:chOff x="0" y="0"/>
+          <a:chExt cx="0" cy="0"/>
+        </a:xfrm>
+      </p:grpSpPr>
+      <p:sp>
+        <p:nvSpPr>
+          <p:cNvPr id="4" name="Google Shape;112;p16">
+            <a:extLst>
+              <a:ext uri="{FF2B5EF4-FFF2-40B4-BE49-F238E27FC236}">
+                <a16:creationId xmlns:a16="http://schemas.microsoft.com/office/drawing/2014/main" id="{D3FA69DF-BC8E-4F09-8F9C-CC6F7F84C937}"/>
+              </a:ext>
+            </a:extLst>
+          </p:cNvPr>
+          <p:cNvSpPr txBox="1"/>
+          <p:nvPr/>
+        </p:nvSpPr>
+        <p:spPr>
+          <a:xfrm>
+            <a:off x="451175" y="757975"/>
+            <a:ext cx="8013556" cy="477023"/>
+          </a:xfrm>
+          <a:prstGeom prst="rect">
+            <a:avLst/>
+          </a:prstGeom>
+          <a:noFill/>
+          <a:ln>
+            <a:noFill/>
+          </a:ln>
+        </p:spPr>
+        <p:txBody>
+          <a:bodyPr spcFirstLastPara="1" wrap="square" lIns="91425" tIns="91425" rIns="91425" bIns="91425" anchor="t" anchorCtr="0">
+            <a:spAutoFit/>
+          </a:bodyPr>
+          <a:lstStyle/>
+          <a:p>
+            <a:pPr marL="0" lvl="0" indent="0" algn="l" rtl="0">
+              <a:spcBef>
+                <a:spcPts val="0"/>
+              </a:spcBef>
+              <a:spcAft>
+                <a:spcPts val="0"/>
+              </a:spcAft>
+              <a:buNone/>
+            </a:pPr>
+            <a:r>
+              <a:rPr lang="it" sz="1900" dirty="0">
+                <a:latin typeface="Times New Roman"/>
+                <a:ea typeface="Times New Roman"/>
+                <a:cs typeface="Times New Roman"/>
+                <a:sym typeface="Times New Roman"/>
+              </a:rPr>
+              <a:t>Traffic Assignment Problem with Dynamic System Optimal</a:t>
+            </a:r>
+            <a:endParaRPr sz="1900" dirty="0">
+              <a:latin typeface="Times New Roman"/>
+              <a:ea typeface="Times New Roman"/>
+              <a:cs typeface="Times New Roman"/>
+              <a:sym typeface="Times New Roman"/>
+            </a:endParaRPr>
+          </a:p>
+        </p:txBody>
+      </p:sp>
+      <p:sp>
+        <p:nvSpPr>
+          <p:cNvPr id="5" name="Google Shape;94;p14">
+            <a:extLst>
+              <a:ext uri="{FF2B5EF4-FFF2-40B4-BE49-F238E27FC236}">
+                <a16:creationId xmlns:a16="http://schemas.microsoft.com/office/drawing/2014/main" id="{F8434B9B-8B1F-36AD-A399-14E1EE19B0E1}"/>
+              </a:ext>
+            </a:extLst>
+          </p:cNvPr>
+          <p:cNvSpPr txBox="1"/>
+          <p:nvPr/>
+        </p:nvSpPr>
+        <p:spPr>
+          <a:xfrm>
+            <a:off x="1499603" y="1549924"/>
+            <a:ext cx="2889517" cy="1261854"/>
+          </a:xfrm>
+          <a:prstGeom prst="rect">
+            <a:avLst/>
+          </a:prstGeom>
+          <a:noFill/>
+          <a:ln>
+            <a:noFill/>
+          </a:ln>
+        </p:spPr>
+        <p:txBody>
+          <a:bodyPr spcFirstLastPara="1" wrap="square" lIns="91425" tIns="91425" rIns="91425" bIns="91425" anchor="t" anchorCtr="0">
+            <a:spAutoFit/>
+          </a:bodyPr>
+          <a:lstStyle/>
+          <a:p>
+            <a:pPr marL="0" lvl="0" indent="0" algn="l" rtl="0">
+              <a:spcBef>
+                <a:spcPts val="0"/>
+              </a:spcBef>
+              <a:spcAft>
+                <a:spcPts val="0"/>
+              </a:spcAft>
+              <a:buNone/>
+            </a:pPr>
+            <a:r>
+              <a:rPr lang="it-IT" b="1" dirty="0">
+                <a:latin typeface="Times New Roman"/>
+                <a:ea typeface="Times New Roman"/>
+                <a:cs typeface="Times New Roman"/>
+                <a:sym typeface="Times New Roman"/>
+              </a:rPr>
+              <a:t>User Equilibrium:</a:t>
+            </a:r>
+          </a:p>
+          <a:p>
+            <a:pPr marL="0" lvl="0" indent="0" algn="l" rtl="0">
+              <a:spcBef>
+                <a:spcPts val="0"/>
+              </a:spcBef>
+              <a:spcAft>
+                <a:spcPts val="0"/>
+              </a:spcAft>
+              <a:buNone/>
+            </a:pPr>
+            <a:endParaRPr lang="it-IT" dirty="0">
+              <a:latin typeface="Times New Roman"/>
+              <a:ea typeface="Times New Roman"/>
+              <a:cs typeface="Times New Roman"/>
+              <a:sym typeface="Times New Roman"/>
+            </a:endParaRPr>
+          </a:p>
+          <a:p>
+            <a:pPr marL="0" lvl="0" indent="0" algn="l" rtl="0">
+              <a:spcBef>
+                <a:spcPts val="0"/>
+              </a:spcBef>
+              <a:spcAft>
+                <a:spcPts val="0"/>
+              </a:spcAft>
+              <a:buNone/>
+            </a:pPr>
+            <a:r>
               <a:rPr lang="it-IT" dirty="0">
                 <a:latin typeface="Times New Roman"/>
                 <a:ea typeface="Times New Roman"/>
                 <a:cs typeface="Times New Roman"/>
                 <a:sym typeface="Times New Roman"/>
               </a:rPr>
-              <a:t>Bi-</a:t>
+              <a:t>Users </a:t>
             </a:r>
             <a:r>
               <a:rPr lang="it-IT" dirty="0" err="1">
@@ -14088,7 +17982,7 @@
                 <a:cs typeface="Times New Roman"/>
                 <a:sym typeface="Times New Roman"/>
               </a:rPr>
-              <a:t>level</a:t>
+              <a:t>choose</a:t>
             </a:r>
             <a:r>
               <a:rPr lang="it-IT" dirty="0">
@@ -14097,6 +17991,24 @@
                 <a:cs typeface="Times New Roman"/>
                 <a:sym typeface="Times New Roman"/>
               </a:rPr>
+              <a:t> the </a:t>
+            </a:r>
+            <a:r>
+              <a:rPr lang="it-IT" dirty="0" err="1">
+                <a:latin typeface="Times New Roman"/>
+                <a:ea typeface="Times New Roman"/>
+                <a:cs typeface="Times New Roman"/>
+                <a:sym typeface="Times New Roman"/>
+              </a:rPr>
+              <a:t>route</a:t>
+            </a:r>
+            <a:r>
+              <a:rPr lang="it-IT" dirty="0">
+                <a:latin typeface="Times New Roman"/>
+                <a:ea typeface="Times New Roman"/>
+                <a:cs typeface="Times New Roman"/>
+                <a:sym typeface="Times New Roman"/>
+              </a:rPr>
               <a:t> </a:t>
             </a:r>
             <a:r>
@@ -14106,7 +18018,136 @@
                 <a:cs typeface="Times New Roman"/>
                 <a:sym typeface="Times New Roman"/>
               </a:rPr>
-              <a:t>approach</a:t>
+              <a:t>that</a:t>
+            </a:r>
+            <a:r>
+              <a:rPr lang="it-IT" dirty="0">
+                <a:latin typeface="Times New Roman"/>
+                <a:ea typeface="Times New Roman"/>
+                <a:cs typeface="Times New Roman"/>
+                <a:sym typeface="Times New Roman"/>
+              </a:rPr>
+              <a:t> </a:t>
+            </a:r>
+            <a:r>
+              <a:rPr lang="it-IT" dirty="0" err="1">
+                <a:latin typeface="Times New Roman"/>
+                <a:ea typeface="Times New Roman"/>
+                <a:cs typeface="Times New Roman"/>
+                <a:sym typeface="Times New Roman"/>
+              </a:rPr>
+              <a:t>minimizes</a:t>
+            </a:r>
+            <a:r>
+              <a:rPr lang="it-IT" dirty="0">
+                <a:latin typeface="Times New Roman"/>
+                <a:ea typeface="Times New Roman"/>
+                <a:cs typeface="Times New Roman"/>
+                <a:sym typeface="Times New Roman"/>
+              </a:rPr>
+              <a:t> </a:t>
+            </a:r>
+            <a:r>
+              <a:rPr lang="it-IT" dirty="0" err="1">
+                <a:latin typeface="Times New Roman"/>
+                <a:ea typeface="Times New Roman"/>
+                <a:cs typeface="Times New Roman"/>
+                <a:sym typeface="Times New Roman"/>
+              </a:rPr>
+              <a:t>their</a:t>
+            </a:r>
+            <a:r>
+              <a:rPr lang="it-IT" dirty="0">
+                <a:latin typeface="Times New Roman"/>
+                <a:ea typeface="Times New Roman"/>
+                <a:cs typeface="Times New Roman"/>
+                <a:sym typeface="Times New Roman"/>
+              </a:rPr>
+              <a:t> </a:t>
+            </a:r>
+            <a:r>
+              <a:rPr lang="it-IT" dirty="0" err="1">
+                <a:latin typeface="Times New Roman"/>
+                <a:ea typeface="Times New Roman"/>
+                <a:cs typeface="Times New Roman"/>
+                <a:sym typeface="Times New Roman"/>
+              </a:rPr>
+              <a:t>own</a:t>
+            </a:r>
+            <a:r>
+              <a:rPr lang="it-IT" dirty="0">
+                <a:latin typeface="Times New Roman"/>
+                <a:ea typeface="Times New Roman"/>
+                <a:cs typeface="Times New Roman"/>
+                <a:sym typeface="Times New Roman"/>
+              </a:rPr>
+              <a:t> travel time.</a:t>
+            </a:r>
+          </a:p>
+          <a:p>
+            <a:pPr marL="0" lvl="0" indent="0" algn="l" rtl="0">
+              <a:spcBef>
+                <a:spcPts val="0"/>
+              </a:spcBef>
+              <a:spcAft>
+                <a:spcPts val="0"/>
+              </a:spcAft>
+              <a:buNone/>
+            </a:pPr>
+            <a:endParaRPr lang="it-IT" dirty="0">
+              <a:latin typeface="Times New Roman"/>
+              <a:ea typeface="Times New Roman"/>
+              <a:cs typeface="Times New Roman"/>
+              <a:sym typeface="Times New Roman"/>
+            </a:endParaRPr>
+          </a:p>
+        </p:txBody>
+      </p:sp>
+      <p:sp>
+        <p:nvSpPr>
+          <p:cNvPr id="3" name="CasellaDiTesto 2">
+            <a:extLst>
+              <a:ext uri="{FF2B5EF4-FFF2-40B4-BE49-F238E27FC236}">
+                <a16:creationId xmlns:a16="http://schemas.microsoft.com/office/drawing/2014/main" id="{92A8334B-4F95-54A3-30C6-E6A6C7158121}"/>
+              </a:ext>
+            </a:extLst>
+          </p:cNvPr>
+          <p:cNvSpPr txBox="1"/>
+          <p:nvPr/>
+        </p:nvSpPr>
+        <p:spPr>
+          <a:xfrm>
+            <a:off x="4794647" y="4619624"/>
+            <a:ext cx="2854578" cy="307777"/>
+          </a:xfrm>
+          <a:prstGeom prst="rect">
+            <a:avLst/>
+          </a:prstGeom>
+          <a:noFill/>
+        </p:spPr>
+        <p:txBody>
+          <a:bodyPr wrap="square">
+            <a:spAutoFit/>
+          </a:bodyPr>
+          <a:lstStyle/>
+          <a:p>
+            <a:pPr marL="0" lvl="0" indent="0" algn="l" rtl="0">
+              <a:spcBef>
+                <a:spcPts val="0"/>
+              </a:spcBef>
+              <a:spcAft>
+                <a:spcPts val="0"/>
+              </a:spcAft>
+              <a:buNone/>
+            </a:pPr>
+            <a:r>
+              <a:rPr lang="it-IT" dirty="0" err="1">
+                <a:latin typeface="Times New Roman"/>
+                <a:ea typeface="Times New Roman"/>
+                <a:cs typeface="Times New Roman"/>
+                <a:sym typeface="Times New Roman"/>
+              </a:rPr>
+              <a:t>Problem</a:t>
             </a:r>
             <a:r>
               <a:rPr lang="it-IT" dirty="0">
@@ -14179,7 +18220,7 @@
           <p:cNvPr id="10" name="Freccia giù 9">
             <a:extLst>
               <a:ext uri="{FF2B5EF4-FFF2-40B4-BE49-F238E27FC236}">
-                <a16:creationId xmlns:a16="http://schemas.microsoft.com/office/drawing/2014/main" id="{7E878F42-DF49-5EA1-290D-1D27BCD0C9BC}"/>
+                <a16:creationId xmlns:a16="http://schemas.microsoft.com/office/drawing/2014/main" id="{9F9D11D3-4053-44AE-0BF9-01279EF9D622}"/>
               </a:ext>
             </a:extLst>
           </p:cNvPr>
@@ -14188,7 +18229,7 @@
         </p:nvSpPr>
         <p:spPr>
           <a:xfrm>
-            <a:off x="4420925" y="2723404"/>
+            <a:off x="6039056" y="3964329"/>
             <a:ext cx="182880" cy="487526"/>
           </a:xfrm>
           <a:prstGeom prst="downArrow">
@@ -14225,10 +18266,418 @@
           </a:p>
         </p:txBody>
       </p:sp>
+      <p:sp>
+        <p:nvSpPr>
+          <p:cNvPr id="12" name="Google Shape;94;p14">
+            <a:extLst>
+              <a:ext uri="{FF2B5EF4-FFF2-40B4-BE49-F238E27FC236}">
+                <a16:creationId xmlns:a16="http://schemas.microsoft.com/office/drawing/2014/main" id="{0129D22B-4EF8-158B-283A-09010C95F838}"/>
+              </a:ext>
+            </a:extLst>
+          </p:cNvPr>
+          <p:cNvSpPr txBox="1"/>
+          <p:nvPr/>
+        </p:nvSpPr>
+        <p:spPr>
+          <a:xfrm>
+            <a:off x="4933026" y="1549924"/>
+            <a:ext cx="2711371" cy="1046410"/>
+          </a:xfrm>
+          <a:prstGeom prst="rect">
+            <a:avLst/>
+          </a:prstGeom>
+          <a:noFill/>
+          <a:ln>
+            <a:noFill/>
+          </a:ln>
+        </p:spPr>
+        <p:txBody>
+          <a:bodyPr spcFirstLastPara="1" wrap="square" lIns="91425" tIns="91425" rIns="91425" bIns="91425" anchor="t" anchorCtr="0">
+            <a:spAutoFit/>
+          </a:bodyPr>
+          <a:lstStyle/>
+          <a:p>
+            <a:pPr marL="0" lvl="0" indent="0" algn="l" rtl="0">
+              <a:spcBef>
+                <a:spcPts val="0"/>
+              </a:spcBef>
+              <a:spcAft>
+                <a:spcPts val="0"/>
+              </a:spcAft>
+              <a:buNone/>
+            </a:pPr>
+            <a:r>
+              <a:rPr lang="it-IT" b="1" dirty="0">
+                <a:latin typeface="Times New Roman"/>
+                <a:ea typeface="Times New Roman"/>
+                <a:cs typeface="Times New Roman"/>
+                <a:sym typeface="Times New Roman"/>
+              </a:rPr>
+              <a:t>System </a:t>
+            </a:r>
+            <a:r>
+              <a:rPr lang="it-IT" b="1" dirty="0" err="1">
+                <a:latin typeface="Times New Roman"/>
+                <a:ea typeface="Times New Roman"/>
+                <a:cs typeface="Times New Roman"/>
+                <a:sym typeface="Times New Roman"/>
+              </a:rPr>
+              <a:t>Optimal</a:t>
+            </a:r>
+            <a:r>
+              <a:rPr lang="it-IT" b="1" dirty="0">
+                <a:latin typeface="Times New Roman"/>
+                <a:ea typeface="Times New Roman"/>
+                <a:cs typeface="Times New Roman"/>
+                <a:sym typeface="Times New Roman"/>
+              </a:rPr>
+              <a:t>:</a:t>
+            </a:r>
+          </a:p>
+          <a:p>
+            <a:pPr marL="0" lvl="0" indent="0" algn="l" rtl="0">
+              <a:spcBef>
+                <a:spcPts val="0"/>
+              </a:spcBef>
+              <a:spcAft>
+                <a:spcPts val="0"/>
+              </a:spcAft>
+              <a:buNone/>
+            </a:pPr>
+            <a:endParaRPr lang="it-IT" dirty="0">
+              <a:latin typeface="Times New Roman"/>
+              <a:ea typeface="Times New Roman"/>
+              <a:cs typeface="Times New Roman"/>
+              <a:sym typeface="Times New Roman"/>
+            </a:endParaRPr>
+          </a:p>
+          <a:p>
+            <a:pPr marL="0" lvl="0" indent="0" algn="l" rtl="0">
+              <a:spcBef>
+                <a:spcPts val="0"/>
+              </a:spcBef>
+              <a:spcAft>
+                <a:spcPts val="0"/>
+              </a:spcAft>
+              <a:buNone/>
+            </a:pPr>
+            <a:r>
+              <a:rPr lang="it-IT" dirty="0">
+                <a:latin typeface="Times New Roman"/>
+                <a:ea typeface="Times New Roman"/>
+                <a:cs typeface="Times New Roman"/>
+                <a:sym typeface="Times New Roman"/>
+              </a:rPr>
+              <a:t>Users </a:t>
+            </a:r>
+            <a:r>
+              <a:rPr lang="it-IT" dirty="0" err="1">
+                <a:latin typeface="Times New Roman"/>
+                <a:ea typeface="Times New Roman"/>
+                <a:cs typeface="Times New Roman"/>
+                <a:sym typeface="Times New Roman"/>
+              </a:rPr>
+              <a:t>cooperatively</a:t>
+            </a:r>
+            <a:r>
+              <a:rPr lang="it-IT" dirty="0">
+                <a:latin typeface="Times New Roman"/>
+                <a:ea typeface="Times New Roman"/>
+                <a:cs typeface="Times New Roman"/>
+                <a:sym typeface="Times New Roman"/>
+              </a:rPr>
+              <a:t> </a:t>
+            </a:r>
+            <a:r>
+              <a:rPr lang="it-IT" dirty="0" err="1">
+                <a:latin typeface="Times New Roman"/>
+                <a:ea typeface="Times New Roman"/>
+                <a:cs typeface="Times New Roman"/>
+                <a:sym typeface="Times New Roman"/>
+              </a:rPr>
+              <a:t>achieve</a:t>
+            </a:r>
+            <a:r>
+              <a:rPr lang="it-IT" dirty="0">
+                <a:latin typeface="Times New Roman"/>
+                <a:ea typeface="Times New Roman"/>
+                <a:cs typeface="Times New Roman"/>
+                <a:sym typeface="Times New Roman"/>
+              </a:rPr>
+              <a:t> the minimum system-wide travel time.</a:t>
+            </a:r>
+          </a:p>
+        </p:txBody>
+      </p:sp>
+      <p:sp>
+        <p:nvSpPr>
+          <p:cNvPr id="16" name="CasellaDiTesto 15">
+            <a:extLst>
+              <a:ext uri="{FF2B5EF4-FFF2-40B4-BE49-F238E27FC236}">
+                <a16:creationId xmlns:a16="http://schemas.microsoft.com/office/drawing/2014/main" id="{0775591D-81BA-CFA3-F7A8-33A1D707949F}"/>
+              </a:ext>
+            </a:extLst>
+          </p:cNvPr>
+          <p:cNvSpPr txBox="1"/>
+          <p:nvPr/>
+        </p:nvSpPr>
+        <p:spPr>
+          <a:xfrm>
+            <a:off x="1564810" y="2811778"/>
+            <a:ext cx="2394940" cy="923330"/>
+          </a:xfrm>
+          <a:prstGeom prst="rect">
+            <a:avLst/>
+          </a:prstGeom>
+          <a:noFill/>
+        </p:spPr>
+        <p:txBody>
+          <a:bodyPr wrap="square">
+            <a:spAutoFit/>
+          </a:bodyPr>
+          <a:lstStyle/>
+          <a:p>
+            <a:pPr marL="0" lvl="0" indent="0" algn="l" rtl="0">
+              <a:spcBef>
+                <a:spcPts val="0"/>
+              </a:spcBef>
+              <a:spcAft>
+                <a:spcPts val="0"/>
+              </a:spcAft>
+              <a:buNone/>
+            </a:pPr>
+            <a:r>
+              <a:rPr lang="it-IT" sz="1400" dirty="0">
+                <a:latin typeface="Times New Roman"/>
+                <a:ea typeface="Times New Roman"/>
+                <a:cs typeface="Times New Roman"/>
+                <a:sym typeface="Times New Roman"/>
+              </a:rPr>
+              <a:t>✅   </a:t>
+            </a:r>
+            <a:r>
+              <a:rPr lang="it-IT" sz="1300" dirty="0">
+                <a:latin typeface="Futura" panose="020B0602020204020303" pitchFamily="34" charset="-79"/>
+                <a:ea typeface="Silom" pitchFamily="2" charset="-34"/>
+                <a:cs typeface="Futura" panose="020B0602020204020303" pitchFamily="34" charset="-79"/>
+                <a:sym typeface="Times New Roman"/>
+              </a:rPr>
+              <a:t>REALISTIC SCENARIO</a:t>
+            </a:r>
+          </a:p>
+          <a:p>
+            <a:endParaRPr lang="it-IT" sz="1300" dirty="0">
+              <a:latin typeface="Futura" panose="020B0602020204020303" pitchFamily="34" charset="-79"/>
+              <a:ea typeface="Silom" pitchFamily="2" charset="-34"/>
+              <a:cs typeface="Futura" panose="020B0602020204020303" pitchFamily="34" charset="-79"/>
+              <a:sym typeface="Times New Roman"/>
+            </a:endParaRPr>
+          </a:p>
+          <a:p>
+            <a:pPr marL="0" lvl="0" indent="0" algn="l" rtl="0">
+              <a:spcBef>
+                <a:spcPts val="0"/>
+              </a:spcBef>
+              <a:spcAft>
+                <a:spcPts val="0"/>
+              </a:spcAft>
+              <a:buNone/>
+            </a:pPr>
+            <a:r>
+              <a:rPr lang="it-IT" sz="1400" dirty="0">
+                <a:latin typeface="Times New Roman"/>
+                <a:ea typeface="Times New Roman"/>
+                <a:cs typeface="Times New Roman"/>
+                <a:sym typeface="Times New Roman"/>
+              </a:rPr>
+              <a:t>❌   </a:t>
+            </a:r>
+            <a:r>
+              <a:rPr lang="it-IT" sz="1300" dirty="0">
+                <a:latin typeface="Futura" panose="020B0602020204020303" pitchFamily="34" charset="-79"/>
+                <a:ea typeface="Silom" pitchFamily="2" charset="-34"/>
+                <a:cs typeface="Futura" panose="020B0602020204020303" pitchFamily="34" charset="-79"/>
+                <a:sym typeface="Times New Roman"/>
+              </a:rPr>
+              <a:t>EFFICIENT IN THE</a:t>
+            </a:r>
+          </a:p>
+          <a:p>
+            <a:r>
+              <a:rPr lang="it-IT" sz="1300" dirty="0">
+                <a:latin typeface="Futura" panose="020B0602020204020303" pitchFamily="34" charset="-79"/>
+                <a:ea typeface="Silom" pitchFamily="2" charset="-34"/>
+                <a:cs typeface="Futura" panose="020B0602020204020303" pitchFamily="34" charset="-79"/>
+                <a:sym typeface="Times New Roman"/>
+              </a:rPr>
+              <a:t>      BI-LEVEL FRAMEWORK</a:t>
+            </a:r>
+            <a:endParaRPr lang="it-IT" sz="1300" dirty="0">
+              <a:latin typeface="Futura" panose="020B0602020204020303" pitchFamily="34" charset="-79"/>
+              <a:ea typeface="Silom" pitchFamily="2" charset="-34"/>
+              <a:cs typeface="Futura" panose="020B0602020204020303" pitchFamily="34" charset="-79"/>
+            </a:endParaRPr>
+          </a:p>
+        </p:txBody>
+      </p:sp>
+      <p:sp>
+        <p:nvSpPr>
+          <p:cNvPr id="18" name="CasellaDiTesto 17">
+            <a:extLst>
+              <a:ext uri="{FF2B5EF4-FFF2-40B4-BE49-F238E27FC236}">
+                <a16:creationId xmlns:a16="http://schemas.microsoft.com/office/drawing/2014/main" id="{271B5C21-6D15-79EC-7E89-31F4C3FF7FB5}"/>
+              </a:ext>
+            </a:extLst>
+          </p:cNvPr>
+          <p:cNvSpPr txBox="1"/>
+          <p:nvPr/>
+        </p:nvSpPr>
+        <p:spPr>
+          <a:xfrm>
+            <a:off x="4933026" y="2811778"/>
+            <a:ext cx="2394940" cy="907941"/>
+          </a:xfrm>
+          <a:prstGeom prst="rect">
+            <a:avLst/>
+          </a:prstGeom>
+          <a:noFill/>
+        </p:spPr>
+        <p:txBody>
+          <a:bodyPr wrap="square">
+            <a:spAutoFit/>
+          </a:bodyPr>
+          <a:lstStyle/>
+          <a:p>
+            <a:pPr marL="0" lvl="0" indent="0" algn="l" rtl="0">
+              <a:spcBef>
+                <a:spcPts val="0"/>
+              </a:spcBef>
+              <a:spcAft>
+                <a:spcPts val="0"/>
+              </a:spcAft>
+              <a:buNone/>
+            </a:pPr>
+            <a:r>
+              <a:rPr lang="it-IT" sz="1400" dirty="0">
+                <a:latin typeface="Times New Roman"/>
+                <a:ea typeface="Times New Roman"/>
+                <a:cs typeface="Times New Roman"/>
+                <a:sym typeface="Times New Roman"/>
+              </a:rPr>
+              <a:t>❌   </a:t>
+            </a:r>
+            <a:r>
+              <a:rPr lang="it-IT" sz="1300" dirty="0">
+                <a:latin typeface="Futura" panose="020B0602020204020303" pitchFamily="34" charset="-79"/>
+                <a:ea typeface="Silom" pitchFamily="2" charset="-34"/>
+                <a:cs typeface="Futura" panose="020B0602020204020303" pitchFamily="34" charset="-79"/>
+                <a:sym typeface="Times New Roman"/>
+              </a:rPr>
+              <a:t>REALISTIC SCENARIO</a:t>
+            </a:r>
+          </a:p>
+          <a:p>
+            <a:endParaRPr lang="it-IT" sz="1300" dirty="0">
+              <a:latin typeface="Futura" panose="020B0602020204020303" pitchFamily="34" charset="-79"/>
+              <a:ea typeface="Silom" pitchFamily="2" charset="-34"/>
+              <a:cs typeface="Futura" panose="020B0602020204020303" pitchFamily="34" charset="-79"/>
+              <a:sym typeface="Times New Roman"/>
+            </a:endParaRPr>
+          </a:p>
+          <a:p>
+            <a:pPr marL="0" lvl="0" indent="0" algn="l" rtl="0">
+              <a:spcBef>
+                <a:spcPts val="0"/>
+              </a:spcBef>
+              <a:spcAft>
+                <a:spcPts val="0"/>
+              </a:spcAft>
+              <a:buNone/>
+            </a:pPr>
+            <a:r>
+              <a:rPr lang="it-IT" sz="1200" dirty="0">
+                <a:latin typeface="Times New Roman"/>
+                <a:ea typeface="Times New Roman"/>
+                <a:cs typeface="Times New Roman"/>
+                <a:sym typeface="Times New Roman"/>
+              </a:rPr>
+              <a:t>✅    </a:t>
+            </a:r>
+            <a:r>
+              <a:rPr lang="it-IT" sz="1300" dirty="0">
+                <a:latin typeface="Futura" panose="020B0602020204020303" pitchFamily="34" charset="-79"/>
+                <a:ea typeface="Silom" pitchFamily="2" charset="-34"/>
+                <a:cs typeface="Futura" panose="020B0602020204020303" pitchFamily="34" charset="-79"/>
+                <a:sym typeface="Times New Roman"/>
+              </a:rPr>
+              <a:t>EFFICIENT IN THE</a:t>
+            </a:r>
+          </a:p>
+          <a:p>
+            <a:r>
+              <a:rPr lang="it-IT" sz="1300" dirty="0">
+                <a:latin typeface="Futura" panose="020B0602020204020303" pitchFamily="34" charset="-79"/>
+                <a:ea typeface="Silom" pitchFamily="2" charset="-34"/>
+                <a:cs typeface="Futura" panose="020B0602020204020303" pitchFamily="34" charset="-79"/>
+                <a:sym typeface="Times New Roman"/>
+              </a:rPr>
+              <a:t>      BI-LEVEL FRAMEWORK</a:t>
+            </a:r>
+            <a:endParaRPr lang="it-IT" sz="1300" dirty="0">
+              <a:latin typeface="Futura" panose="020B0602020204020303" pitchFamily="34" charset="-79"/>
+              <a:ea typeface="Silom" pitchFamily="2" charset="-34"/>
+              <a:cs typeface="Futura" panose="020B0602020204020303" pitchFamily="34" charset="-79"/>
+            </a:endParaRPr>
+          </a:p>
+        </p:txBody>
+      </p:sp>
+      <p:cxnSp>
+        <p:nvCxnSpPr>
+          <p:cNvPr id="2" name="Connettore 1 1">
+            <a:extLst>
+              <a:ext uri="{FF2B5EF4-FFF2-40B4-BE49-F238E27FC236}">
+                <a16:creationId xmlns:a16="http://schemas.microsoft.com/office/drawing/2014/main" id="{9CA0DD2A-5EA4-7B78-7B37-1DDC3689D313}"/>
+              </a:ext>
+            </a:extLst>
+          </p:cNvPr>
+          <p:cNvCxnSpPr>
+            <a:cxnSpLocks/>
+          </p:cNvCxnSpPr>
+          <p:nvPr/>
+        </p:nvCxnSpPr>
+        <p:spPr>
+          <a:xfrm>
+            <a:off x="4389120" y="1657501"/>
+            <a:ext cx="0" cy="2077607"/>
+          </a:xfrm>
+          <a:prstGeom prst="line">
+            <a:avLst/>
+          </a:prstGeom>
+          <a:ln w="19050">
+            <a:solidFill>
+              <a:schemeClr val="tx1"/>
+            </a:solidFill>
+          </a:ln>
+        </p:spPr>
+        <p:style>
+          <a:lnRef idx="1">
+            <a:schemeClr val="dk1"/>
+          </a:lnRef>
+          <a:fillRef idx="0">
+            <a:schemeClr val="dk1"/>
+          </a:fillRef>
+          <a:effectRef idx="0">
+            <a:schemeClr val="dk1"/>
+          </a:effectRef>
+          <a:fontRef idx="minor">
+            <a:schemeClr val="tx1"/>
+          </a:fontRef>
+        </p:style>
+      </p:cxnSp>
     </p:spTree>
     <p:extLst>
       <p:ext uri="{BB962C8B-B14F-4D97-AF65-F5344CB8AC3E}">
-        <p14:creationId xmlns:p14="http://schemas.microsoft.com/office/powerpoint/2010/main" val="3600626099"/>
+        <p14:creationId xmlns:p14="http://schemas.microsoft.com/office/powerpoint/2010/main" val="1261134361"/>
       </p:ext>
     </p:extLst>
   </p:cSld>
@@ -14238,7 +18687,7 @@
 </p:sld>
 </file>
 
-<file path=ppt/slides/slide6.xml><?xml version="1.0" encoding="utf-8"?>
+<file path=ppt/slides/slide7.xml><?xml version="1.0" encoding="utf-8"?>
 <p:sld xmlns:a="http://schemas.openxmlformats.org/drawingml/2006/main" xmlns:r="http://schemas.openxmlformats.org/officeDocument/2006/relationships" xmlns:p="http://schemas.openxmlformats.org/presentationml/2006/main">
   <p:cSld>
     <p:spTree>
@@ -14308,6 +18757,360 @@
                 <a:cs typeface="Times New Roman"/>
                 <a:sym typeface="Times New Roman"/>
               </a:rPr>
+              <a:t>Assumptions</a:t>
+            </a:r>
+            <a:endParaRPr sz="1900" dirty="0">
+              <a:latin typeface="Times New Roman"/>
+              <a:ea typeface="Times New Roman"/>
+              <a:cs typeface="Times New Roman"/>
+              <a:sym typeface="Times New Roman"/>
+            </a:endParaRPr>
+          </a:p>
+        </p:txBody>
+      </p:sp>
+      <p:sp>
+        <p:nvSpPr>
+          <p:cNvPr id="160" name="Google Shape;160;p16">
+            <a:extLst>
+              <a:ext uri="{FF2B5EF4-FFF2-40B4-BE49-F238E27FC236}">
+                <a16:creationId xmlns:a16="http://schemas.microsoft.com/office/drawing/2014/main" id="{781999D3-0873-CE41-669C-C56AB36702A0}"/>
+              </a:ext>
+            </a:extLst>
+          </p:cNvPr>
+          <p:cNvSpPr txBox="1"/>
+          <p:nvPr/>
+        </p:nvSpPr>
+        <p:spPr>
+          <a:xfrm>
+            <a:off x="504963" y="1671518"/>
+            <a:ext cx="7563271" cy="1800463"/>
+          </a:xfrm>
+          <a:prstGeom prst="rect">
+            <a:avLst/>
+          </a:prstGeom>
+          <a:noFill/>
+          <a:ln>
+            <a:noFill/>
+          </a:ln>
+        </p:spPr>
+        <p:txBody>
+          <a:bodyPr spcFirstLastPara="1" wrap="square" lIns="91425" tIns="91425" rIns="91425" bIns="91425" numCol="1" anchor="t" anchorCtr="0">
+            <a:spAutoFit/>
+          </a:bodyPr>
+          <a:lstStyle/>
+          <a:p>
+            <a:pPr marL="285750" lvl="0" indent="-285750" algn="l" rtl="0">
+              <a:lnSpc>
+                <a:spcPct val="150000"/>
+              </a:lnSpc>
+              <a:spcBef>
+                <a:spcPts val="0"/>
+              </a:spcBef>
+              <a:spcAft>
+                <a:spcPts val="0"/>
+              </a:spcAft>
+              <a:buFont typeface="Wingdings" pitchFamily="2" charset="2"/>
+              <a:buChar char="Ø"/>
+            </a:pPr>
+            <a:r>
+              <a:rPr lang="it" dirty="0">
+                <a:latin typeface="Times New Roman"/>
+                <a:ea typeface="Times New Roman"/>
+                <a:cs typeface="Times New Roman"/>
+                <a:sym typeface="Times New Roman"/>
+              </a:rPr>
+              <a:t>All E</a:t>
+            </a:r>
+            <a:r>
+              <a:rPr lang="it-IT" dirty="0">
+                <a:latin typeface="Times New Roman"/>
+                <a:ea typeface="Times New Roman"/>
+                <a:cs typeface="Times New Roman"/>
+                <a:sym typeface="Times New Roman"/>
+              </a:rPr>
+              <a:t>V</a:t>
+            </a:r>
+            <a:r>
+              <a:rPr lang="it" dirty="0">
+                <a:latin typeface="Times New Roman"/>
+                <a:ea typeface="Times New Roman"/>
+                <a:cs typeface="Times New Roman"/>
+                <a:sym typeface="Times New Roman"/>
+              </a:rPr>
+              <a:t>s have homogeneous battery size.</a:t>
+            </a:r>
+          </a:p>
+          <a:p>
+            <a:pPr marL="285750" lvl="0" indent="-285750" algn="l" rtl="0">
+              <a:lnSpc>
+                <a:spcPct val="150000"/>
+              </a:lnSpc>
+              <a:spcBef>
+                <a:spcPts val="0"/>
+              </a:spcBef>
+              <a:spcAft>
+                <a:spcPts val="0"/>
+              </a:spcAft>
+              <a:buFont typeface="Wingdings" pitchFamily="2" charset="2"/>
+              <a:buChar char="Ø"/>
+            </a:pPr>
+            <a:r>
+              <a:rPr lang="it-IT" dirty="0">
+                <a:latin typeface="Times New Roman"/>
+                <a:ea typeface="Times New Roman"/>
+                <a:cs typeface="Times New Roman"/>
+                <a:sym typeface="Times New Roman"/>
+              </a:rPr>
+              <a:t>T</a:t>
+            </a:r>
+            <a:r>
+              <a:rPr lang="it" dirty="0">
+                <a:latin typeface="Times New Roman"/>
+                <a:ea typeface="Times New Roman"/>
+                <a:cs typeface="Times New Roman"/>
+                <a:sym typeface="Times New Roman"/>
+              </a:rPr>
+              <a:t>he energy consumption rate of an EV is assumed proportional only to the travelled distance and homogeneous for all E</a:t>
+            </a:r>
+            <a:r>
+              <a:rPr lang="it-IT" dirty="0">
+                <a:latin typeface="Times New Roman"/>
+                <a:ea typeface="Times New Roman"/>
+                <a:cs typeface="Times New Roman"/>
+                <a:sym typeface="Times New Roman"/>
+              </a:rPr>
+              <a:t>Vs.</a:t>
+            </a:r>
+          </a:p>
+          <a:p>
+            <a:pPr marL="285750" lvl="0" indent="-285750" algn="l" rtl="0">
+              <a:lnSpc>
+                <a:spcPct val="150000"/>
+              </a:lnSpc>
+              <a:spcBef>
+                <a:spcPts val="0"/>
+              </a:spcBef>
+              <a:spcAft>
+                <a:spcPts val="0"/>
+              </a:spcAft>
+              <a:buFont typeface="Wingdings" pitchFamily="2" charset="2"/>
+              <a:buChar char="Ø"/>
+            </a:pPr>
+            <a:r>
+              <a:rPr lang="it-IT" dirty="0">
+                <a:latin typeface="Times New Roman"/>
+                <a:ea typeface="Times New Roman"/>
+                <a:cs typeface="Times New Roman"/>
+                <a:sym typeface="Times New Roman"/>
+              </a:rPr>
+              <a:t>The energy </a:t>
+            </a:r>
+            <a:r>
+              <a:rPr lang="it-IT" dirty="0" err="1">
+                <a:latin typeface="Times New Roman"/>
+                <a:ea typeface="Times New Roman"/>
+                <a:cs typeface="Times New Roman"/>
+                <a:sym typeface="Times New Roman"/>
+              </a:rPr>
+              <a:t>recharge</a:t>
+            </a:r>
+            <a:r>
+              <a:rPr lang="it-IT" dirty="0">
+                <a:latin typeface="Times New Roman"/>
+                <a:ea typeface="Times New Roman"/>
+                <a:cs typeface="Times New Roman"/>
+                <a:sym typeface="Times New Roman"/>
+              </a:rPr>
+              <a:t> rate </a:t>
+            </a:r>
+            <a:r>
+              <a:rPr lang="it-IT" dirty="0" err="1">
+                <a:latin typeface="Times New Roman"/>
+                <a:ea typeface="Times New Roman"/>
+                <a:cs typeface="Times New Roman"/>
+                <a:sym typeface="Times New Roman"/>
+              </a:rPr>
+              <a:t>is</a:t>
+            </a:r>
+            <a:r>
+              <a:rPr lang="it-IT" dirty="0">
+                <a:latin typeface="Times New Roman"/>
+                <a:ea typeface="Times New Roman"/>
+                <a:cs typeface="Times New Roman"/>
+                <a:sym typeface="Times New Roman"/>
+              </a:rPr>
+              <a:t> </a:t>
+            </a:r>
+            <a:r>
+              <a:rPr lang="it-IT" dirty="0" err="1">
+                <a:latin typeface="Times New Roman"/>
+                <a:ea typeface="Times New Roman"/>
+                <a:cs typeface="Times New Roman"/>
+                <a:sym typeface="Times New Roman"/>
+              </a:rPr>
+              <a:t>underestimated</a:t>
+            </a:r>
+            <a:r>
+              <a:rPr lang="it-IT" dirty="0">
+                <a:latin typeface="Times New Roman"/>
+                <a:ea typeface="Times New Roman"/>
+                <a:cs typeface="Times New Roman"/>
+                <a:sym typeface="Times New Roman"/>
+              </a:rPr>
+              <a:t> </a:t>
+            </a:r>
+            <a:r>
+              <a:rPr lang="it-IT" dirty="0" err="1">
+                <a:latin typeface="Times New Roman"/>
+                <a:ea typeface="Times New Roman"/>
+                <a:cs typeface="Times New Roman"/>
+                <a:sym typeface="Times New Roman"/>
+              </a:rPr>
+              <a:t>proportionally</a:t>
+            </a:r>
+            <a:r>
+              <a:rPr lang="it-IT" dirty="0">
+                <a:latin typeface="Times New Roman"/>
+                <a:ea typeface="Times New Roman"/>
+                <a:cs typeface="Times New Roman"/>
+                <a:sym typeface="Times New Roman"/>
+              </a:rPr>
+              <a:t> to travel time </a:t>
+            </a:r>
+            <a:r>
+              <a:rPr lang="it-IT" dirty="0" err="1">
+                <a:latin typeface="Times New Roman"/>
+                <a:ea typeface="Times New Roman"/>
+                <a:cs typeface="Times New Roman"/>
+                <a:sym typeface="Times New Roman"/>
+              </a:rPr>
+              <a:t>at</a:t>
+            </a:r>
+            <a:r>
+              <a:rPr lang="it-IT" dirty="0">
+                <a:latin typeface="Times New Roman"/>
+                <a:ea typeface="Times New Roman"/>
+                <a:cs typeface="Times New Roman"/>
+                <a:sym typeface="Times New Roman"/>
+              </a:rPr>
+              <a:t> free-flow speed.</a:t>
+            </a:r>
+            <a:endParaRPr lang="it" dirty="0">
+              <a:latin typeface="Times New Roman"/>
+              <a:ea typeface="Times New Roman"/>
+              <a:cs typeface="Times New Roman"/>
+              <a:sym typeface="Times New Roman"/>
+            </a:endParaRPr>
+          </a:p>
+          <a:p>
+            <a:pPr marL="285750" lvl="0" indent="-285750" algn="l" rtl="0">
+              <a:lnSpc>
+                <a:spcPct val="150000"/>
+              </a:lnSpc>
+              <a:spcBef>
+                <a:spcPts val="0"/>
+              </a:spcBef>
+              <a:spcAft>
+                <a:spcPts val="0"/>
+              </a:spcAft>
+              <a:buFont typeface="Wingdings" pitchFamily="2" charset="2"/>
+              <a:buChar char="Ø"/>
+            </a:pPr>
+            <a:r>
+              <a:rPr lang="it" dirty="0">
+                <a:latin typeface="Times New Roman"/>
+                <a:ea typeface="Times New Roman"/>
+                <a:cs typeface="Times New Roman"/>
+                <a:sym typeface="Times New Roman"/>
+              </a:rPr>
+              <a:t>Network must be cleared at time horizon.</a:t>
+            </a:r>
+          </a:p>
+        </p:txBody>
+      </p:sp>
+    </p:spTree>
+    <p:extLst>
+      <p:ext uri="{BB962C8B-B14F-4D97-AF65-F5344CB8AC3E}">
+        <p14:creationId xmlns:p14="http://schemas.microsoft.com/office/powerpoint/2010/main" val="2370393742"/>
+      </p:ext>
+    </p:extLst>
+  </p:cSld>
+  <p:clrMapOvr>
+    <a:masterClrMapping/>
+  </p:clrMapOvr>
+</p:sld>
+</file>
+
+<file path=ppt/slides/slide8.xml><?xml version="1.0" encoding="utf-8"?>
+<p:sld xmlns:a="http://schemas.openxmlformats.org/drawingml/2006/main" xmlns:r="http://schemas.openxmlformats.org/officeDocument/2006/relationships" xmlns:p="http://schemas.openxmlformats.org/presentationml/2006/main">
+  <p:cSld>
+    <p:spTree>
+      <p:nvGrpSpPr>
+        <p:cNvPr id="1" name="Shape 111">
+          <a:extLst>
+            <a:ext uri="{FF2B5EF4-FFF2-40B4-BE49-F238E27FC236}">
+              <a16:creationId xmlns:a16="http://schemas.microsoft.com/office/drawing/2014/main" id="{264029D8-1F45-FAB4-D25D-8B144B84FD8A}"/>
+            </a:ext>
+          </a:extLst>
+        </p:cNvPr>
+        <p:cNvGrpSpPr/>
+        <p:nvPr/>
+      </p:nvGrpSpPr>
+      <p:grpSpPr>
+        <a:xfrm>
+          <a:off x="0" y="0"/>
+          <a:ext cx="0" cy="0"/>
+          <a:chOff x="0" y="0"/>
+          <a:chExt cx="0" cy="0"/>
+        </a:xfrm>
+      </p:grpSpPr>
+      <p:sp>
+        <p:nvSpPr>
+          <p:cNvPr id="112" name="Google Shape;112;p16">
+            <a:extLst>
+              <a:ext uri="{FF2B5EF4-FFF2-40B4-BE49-F238E27FC236}">
+                <a16:creationId xmlns:a16="http://schemas.microsoft.com/office/drawing/2014/main" id="{DEBFC8AF-5B23-9D64-BB86-2EBDE0EBB3F4}"/>
+              </a:ext>
+            </a:extLst>
+          </p:cNvPr>
+          <p:cNvSpPr txBox="1"/>
+          <p:nvPr/>
+        </p:nvSpPr>
+        <p:spPr>
+          <a:xfrm>
+            <a:off x="451175" y="757975"/>
+            <a:ext cx="8013556" cy="477023"/>
+          </a:xfrm>
+          <a:prstGeom prst="rect">
+            <a:avLst/>
+          </a:prstGeom>
+          <a:noFill/>
+          <a:ln>
+            <a:noFill/>
+          </a:ln>
+        </p:spPr>
+        <p:txBody>
+          <a:bodyPr spcFirstLastPara="1" wrap="square" lIns="91425" tIns="91425" rIns="91425" bIns="91425" anchor="t" anchorCtr="0">
+            <a:spAutoFit/>
+          </a:bodyPr>
+          <a:lstStyle/>
+          <a:p>
+            <a:pPr marL="0" lvl="0" indent="0" algn="l" rtl="0">
+              <a:spcBef>
+                <a:spcPts val="0"/>
+              </a:spcBef>
+              <a:spcAft>
+                <a:spcPts val="0"/>
+              </a:spcAft>
+              <a:buNone/>
+            </a:pPr>
+            <a:r>
+              <a:rPr lang="it" sz="1900" dirty="0">
+                <a:latin typeface="Times New Roman"/>
+                <a:ea typeface="Times New Roman"/>
+                <a:cs typeface="Times New Roman"/>
+                <a:sym typeface="Times New Roman"/>
+              </a:rPr>
               <a:t>General formulation</a:t>
             </a:r>
             <a:endParaRPr sz="1900" dirty="0">
@@ -14326,7 +19129,7 @@
               <p:cNvPr id="160" name="Google Shape;160;p16">
                 <a:extLst>
                   <a:ext uri="{FF2B5EF4-FFF2-40B4-BE49-F238E27FC236}">
-                    <a16:creationId xmlns:a16="http://schemas.microsoft.com/office/drawing/2014/main" id="{781999D3-0873-CE41-669C-C56AB36702A0}"/>
+                    <a16:creationId xmlns:a16="http://schemas.microsoft.com/office/drawing/2014/main" id="{0F6FF136-74F3-AF5B-D3EC-5A81CD831626}"/>
                   </a:ext>
                 </a:extLst>
               </p:cNvPr>
@@ -15469,7 +20272,7 @@
               <p:cNvPr id="160" name="Google Shape;160;p16">
                 <a:extLst>
                   <a:ext uri="{FF2B5EF4-FFF2-40B4-BE49-F238E27FC236}">
-                    <a16:creationId xmlns:a16="http://schemas.microsoft.com/office/drawing/2014/main" id="{781999D3-0873-CE41-669C-C56AB36702A0}"/>
+                    <a16:creationId xmlns:a16="http://schemas.microsoft.com/office/drawing/2014/main" id="{0F6FF136-74F3-AF5B-D3EC-5A81CD831626}"/>
                   </a:ext>
                 </a:extLst>
               </p:cNvPr>
@@ -15511,14 +20314,14 @@
           </p:sp>
         </mc:Fallback>
       </mc:AlternateContent>
-      <mc:AlternateContent xmlns:mc="http://schemas.openxmlformats.org/markup-compatibility/2006" xmlns:a14="http://schemas.microsoft.com/office/drawing/2010/main">
-        <mc:Choice Requires="a14">
+      <mc:AlternateContent xmlns:mc="http://schemas.openxmlformats.org/markup-compatibility/2006">
+        <mc:Choice xmlns:a14="http://schemas.microsoft.com/office/drawing/2010/main" Requires="a14">
           <p:sp>
             <p:nvSpPr>
               <p:cNvPr id="2" name="Google Shape;160;p16">
                 <a:extLst>
                   <a:ext uri="{FF2B5EF4-FFF2-40B4-BE49-F238E27FC236}">
-                    <a16:creationId xmlns:a16="http://schemas.microsoft.com/office/drawing/2014/main" id="{8D428E29-0154-D89B-7AA4-7E5A48D33D9C}"/>
+                    <a16:creationId xmlns:a16="http://schemas.microsoft.com/office/drawing/2014/main" id="{E6EC476E-634A-BCE4-5C40-848FF14ACC1D}"/>
                   </a:ext>
                 </a:extLst>
               </p:cNvPr>
@@ -15885,13 +20688,13 @@
             </p:txBody>
           </p:sp>
         </mc:Choice>
-        <mc:Fallback xmlns="">
+        <mc:Fallback>
           <p:sp>
             <p:nvSpPr>
               <p:cNvPr id="2" name="Google Shape;160;p16">
                 <a:extLst>
                   <a:ext uri="{FF2B5EF4-FFF2-40B4-BE49-F238E27FC236}">
-                    <a16:creationId xmlns:a16="http://schemas.microsoft.com/office/drawing/2014/main" id="{8D428E29-0154-D89B-7AA4-7E5A48D33D9C}"/>
+                    <a16:creationId xmlns:a16="http://schemas.microsoft.com/office/drawing/2014/main" id="{E6EC476E-634A-BCE4-5C40-848FF14ACC1D}"/>
                   </a:ext>
                 </a:extLst>
               </p:cNvPr>
@@ -15936,7 +20739,7 @@
     </p:spTree>
     <p:extLst>
       <p:ext uri="{BB962C8B-B14F-4D97-AF65-F5344CB8AC3E}">
-        <p14:creationId xmlns:p14="http://schemas.microsoft.com/office/powerpoint/2010/main" val="2370393742"/>
+        <p14:creationId xmlns:p14="http://schemas.microsoft.com/office/powerpoint/2010/main" val="2440978137"/>
       </p:ext>
     </p:extLst>
   </p:cSld>
@@ -15946,7 +20749,7 @@
 </p:sld>
 </file>
 
-<file path=ppt/slides/slide7.xml><?xml version="1.0" encoding="utf-8"?>
+<file path=ppt/slides/slide9.xml><?xml version="1.0" encoding="utf-8"?>
 <p:sld xmlns:a="http://schemas.openxmlformats.org/drawingml/2006/main" xmlns:r="http://schemas.openxmlformats.org/officeDocument/2006/relationships" xmlns:p="http://schemas.openxmlformats.org/presentationml/2006/main">
   <p:cSld>
     <p:spTree>
@@ -17575,1870 +22378,6 @@
     <p:extLst>
       <p:ext uri="{BB962C8B-B14F-4D97-AF65-F5344CB8AC3E}">
         <p14:creationId xmlns:p14="http://schemas.microsoft.com/office/powerpoint/2010/main" val="254611899"/>
-      </p:ext>
-    </p:extLst>
-  </p:cSld>
-  <p:clrMapOvr>
-    <a:masterClrMapping/>
-  </p:clrMapOvr>
-</p:sld>
-</file>
-
-<file path=ppt/slides/slide8.xml><?xml version="1.0" encoding="utf-8"?>
-<p:sld xmlns:a="http://schemas.openxmlformats.org/drawingml/2006/main" xmlns:r="http://schemas.openxmlformats.org/officeDocument/2006/relationships" xmlns:p="http://schemas.openxmlformats.org/presentationml/2006/main">
-  <p:cSld>
-    <p:spTree>
-      <p:nvGrpSpPr>
-        <p:cNvPr id="1" name="Shape 99">
-          <a:extLst>
-            <a:ext uri="{FF2B5EF4-FFF2-40B4-BE49-F238E27FC236}">
-              <a16:creationId xmlns:a16="http://schemas.microsoft.com/office/drawing/2014/main" id="{87B3BEE9-BEEF-E396-AFB8-4274FB77CF04}"/>
-            </a:ext>
-          </a:extLst>
-        </p:cNvPr>
-        <p:cNvGrpSpPr/>
-        <p:nvPr/>
-      </p:nvGrpSpPr>
-      <p:grpSpPr>
-        <a:xfrm>
-          <a:off x="0" y="0"/>
-          <a:ext cx="0" cy="0"/>
-          <a:chOff x="0" y="0"/>
-          <a:chExt cx="0" cy="0"/>
-        </a:xfrm>
-      </p:grpSpPr>
-      <p:pic>
-        <p:nvPicPr>
-          <p:cNvPr id="12" name="Immagine 11" descr="Immagine che contiene testo, ricevuta, Carattere, algebra&#10;&#10;Il contenuto generato dall'IA potrebbe non essere corretto.">
-            <a:extLst>
-              <a:ext uri="{FF2B5EF4-FFF2-40B4-BE49-F238E27FC236}">
-                <a16:creationId xmlns:a16="http://schemas.microsoft.com/office/drawing/2014/main" id="{2948DE49-2B55-92F7-7280-08F508414CB6}"/>
-              </a:ext>
-            </a:extLst>
-          </p:cNvPr>
-          <p:cNvPicPr>
-            <a:picLocks noChangeAspect="1"/>
-          </p:cNvPicPr>
-          <p:nvPr/>
-        </p:nvPicPr>
-        <p:blipFill>
-          <a:blip r:embed="rId3"/>
-          <a:stretch>
-            <a:fillRect/>
-          </a:stretch>
-        </p:blipFill>
-        <p:spPr>
-          <a:xfrm>
-            <a:off x="451175" y="1384962"/>
-            <a:ext cx="8398380" cy="3485976"/>
-          </a:xfrm>
-          <a:prstGeom prst="rect">
-            <a:avLst/>
-          </a:prstGeom>
-        </p:spPr>
-      </p:pic>
-      <p:sp>
-        <p:nvSpPr>
-          <p:cNvPr id="2" name="Google Shape;112;p16">
-            <a:extLst>
-              <a:ext uri="{FF2B5EF4-FFF2-40B4-BE49-F238E27FC236}">
-                <a16:creationId xmlns:a16="http://schemas.microsoft.com/office/drawing/2014/main" id="{40910D38-1470-4545-B817-10B03D984DD6}"/>
-              </a:ext>
-            </a:extLst>
-          </p:cNvPr>
-          <p:cNvSpPr txBox="1"/>
-          <p:nvPr/>
-        </p:nvSpPr>
-        <p:spPr>
-          <a:xfrm>
-            <a:off x="451175" y="757975"/>
-            <a:ext cx="8013556" cy="477023"/>
-          </a:xfrm>
-          <a:prstGeom prst="rect">
-            <a:avLst/>
-          </a:prstGeom>
-          <a:noFill/>
-          <a:ln>
-            <a:noFill/>
-          </a:ln>
-        </p:spPr>
-        <p:txBody>
-          <a:bodyPr spcFirstLastPara="1" wrap="square" lIns="91425" tIns="91425" rIns="91425" bIns="91425" anchor="t" anchorCtr="0">
-            <a:spAutoFit/>
-          </a:bodyPr>
-          <a:lstStyle/>
-          <a:p>
-            <a:pPr marL="0" lvl="0" indent="0" algn="l" rtl="0">
-              <a:spcBef>
-                <a:spcPts val="0"/>
-              </a:spcBef>
-              <a:spcAft>
-                <a:spcPts val="0"/>
-              </a:spcAft>
-              <a:buNone/>
-            </a:pPr>
-            <a:r>
-              <a:rPr lang="it" sz="1900" dirty="0">
-                <a:latin typeface="Times New Roman"/>
-                <a:ea typeface="Times New Roman"/>
-                <a:cs typeface="Times New Roman"/>
-                <a:sym typeface="Times New Roman"/>
-              </a:rPr>
-              <a:t>Constraints</a:t>
-            </a:r>
-            <a:endParaRPr sz="1900" dirty="0">
-              <a:latin typeface="Times New Roman"/>
-              <a:ea typeface="Times New Roman"/>
-              <a:cs typeface="Times New Roman"/>
-              <a:sym typeface="Times New Roman"/>
-            </a:endParaRPr>
-          </a:p>
-        </p:txBody>
-      </p:sp>
-      <mc:AlternateContent xmlns:mc="http://schemas.openxmlformats.org/markup-compatibility/2006" xmlns:a14="http://schemas.microsoft.com/office/drawing/2010/main">
-        <mc:Choice Requires="a14">
-          <p:sp>
-            <p:nvSpPr>
-              <p:cNvPr id="6" name="Google Shape;107;p15">
-                <a:extLst>
-                  <a:ext uri="{FF2B5EF4-FFF2-40B4-BE49-F238E27FC236}">
-                    <a16:creationId xmlns:a16="http://schemas.microsoft.com/office/drawing/2014/main" id="{B6804191-5886-0D67-9700-C3304C95100F}"/>
-                  </a:ext>
-                </a:extLst>
-              </p:cNvPr>
-              <p:cNvSpPr txBox="1"/>
-              <p:nvPr/>
-            </p:nvSpPr>
-            <p:spPr>
-              <a:xfrm>
-                <a:off x="2468299" y="1975512"/>
-                <a:ext cx="2860500" cy="369302"/>
-              </a:xfrm>
-              <a:prstGeom prst="rect">
-                <a:avLst/>
-              </a:prstGeom>
-              <a:noFill/>
-              <a:ln>
-                <a:noFill/>
-              </a:ln>
-            </p:spPr>
-            <p:txBody>
-              <a:bodyPr spcFirstLastPara="1" wrap="square" lIns="91425" tIns="91425" rIns="91425" bIns="91425" anchor="t" anchorCtr="0">
-                <a:spAutoFit/>
-              </a:bodyPr>
-              <a:lstStyle/>
-              <a:p>
-                <a:pPr marL="0" lvl="0" indent="0" algn="l" rtl="0">
-                  <a:spcBef>
-                    <a:spcPts val="0"/>
-                  </a:spcBef>
-                  <a:spcAft>
-                    <a:spcPts val="0"/>
-                  </a:spcAft>
-                  <a:buNone/>
-                </a:pPr>
-                <a:r>
-                  <a:rPr lang="it-IT" sz="1200" dirty="0">
-                    <a:solidFill>
-                      <a:srgbClr val="199988"/>
-                    </a:solidFill>
-                    <a:latin typeface="Times New Roman"/>
-                    <a:ea typeface="Times New Roman"/>
-                    <a:cs typeface="Times New Roman"/>
-                    <a:sym typeface="Times New Roman"/>
-                  </a:rPr>
-                  <a:t>incoming flow ≤ </a:t>
-                </a:r>
-                <a:r>
-                  <a:rPr lang="it-IT" sz="1200" dirty="0" err="1">
-                    <a:solidFill>
-                      <a:srgbClr val="199988"/>
-                    </a:solidFill>
-                    <a:latin typeface="Times New Roman"/>
-                    <a:ea typeface="Times New Roman"/>
-                    <a:cs typeface="Times New Roman"/>
-                    <a:sym typeface="Times New Roman"/>
-                  </a:rPr>
-                  <a:t>vehicles</a:t>
-                </a:r>
-                <a:r>
-                  <a:rPr lang="it-IT" sz="1200" dirty="0">
-                    <a:solidFill>
-                      <a:srgbClr val="199988"/>
-                    </a:solidFill>
-                    <a:latin typeface="Times New Roman"/>
-                    <a:ea typeface="Times New Roman"/>
-                    <a:cs typeface="Times New Roman"/>
-                    <a:sym typeface="Times New Roman"/>
-                  </a:rPr>
-                  <a:t> on </a:t>
-                </a:r>
-                <a14:m>
-                  <m:oMath xmlns:m="http://schemas.openxmlformats.org/officeDocument/2006/math">
-                    <m:r>
-                      <a:rPr lang="it-IT" sz="1200" i="1" dirty="0" smtClean="0">
-                        <a:solidFill>
-                          <a:srgbClr val="199988"/>
-                        </a:solidFill>
-                        <a:latin typeface="Cambria Math" panose="02040503050406030204" pitchFamily="18" charset="0"/>
-                        <a:ea typeface="Times New Roman"/>
-                        <a:cs typeface="Times New Roman"/>
-                        <a:sym typeface="Times New Roman"/>
-                      </a:rPr>
-                      <m:t>𝑎</m:t>
-                    </m:r>
-                  </m:oMath>
-                </a14:m>
-                <a:endParaRPr sz="1200" dirty="0">
-                  <a:solidFill>
-                    <a:srgbClr val="199988"/>
-                  </a:solidFill>
-                  <a:latin typeface="Lato"/>
-                  <a:ea typeface="Lato"/>
-                  <a:cs typeface="Lato"/>
-                  <a:sym typeface="Lato"/>
-                </a:endParaRPr>
-              </a:p>
-            </p:txBody>
-          </p:sp>
-        </mc:Choice>
-        <mc:Fallback xmlns="">
-          <p:sp>
-            <p:nvSpPr>
-              <p:cNvPr id="6" name="Google Shape;107;p15">
-                <a:extLst>
-                  <a:ext uri="{FF2B5EF4-FFF2-40B4-BE49-F238E27FC236}">
-                    <a16:creationId xmlns:a16="http://schemas.microsoft.com/office/drawing/2014/main" id="{B6804191-5886-0D67-9700-C3304C95100F}"/>
-                  </a:ext>
-                </a:extLst>
-              </p:cNvPr>
-              <p:cNvSpPr txBox="1">
-                <a:spLocks noRot="1" noChangeAspect="1" noMove="1" noResize="1" noEditPoints="1" noAdjustHandles="1" noChangeArrowheads="1" noChangeShapeType="1" noTextEdit="1"/>
-              </p:cNvSpPr>
-              <p:nvPr/>
-            </p:nvSpPr>
-            <p:spPr>
-              <a:xfrm>
-                <a:off x="2468299" y="1975512"/>
-                <a:ext cx="2860500" cy="369302"/>
-              </a:xfrm>
-              <a:prstGeom prst="rect">
-                <a:avLst/>
-              </a:prstGeom>
-              <a:blipFill>
-                <a:blip r:embed="rId4"/>
-                <a:stretch>
-                  <a:fillRect/>
-                </a:stretch>
-              </a:blipFill>
-              <a:ln>
-                <a:noFill/>
-              </a:ln>
-            </p:spPr>
-            <p:txBody>
-              <a:bodyPr/>
-              <a:lstStyle/>
-              <a:p>
-                <a:r>
-                  <a:rPr lang="it-IT">
-                    <a:noFill/>
-                  </a:rPr>
-                  <a:t> </a:t>
-                </a:r>
-              </a:p>
-            </p:txBody>
-          </p:sp>
-        </mc:Fallback>
-      </mc:AlternateContent>
-      <p:sp>
-        <p:nvSpPr>
-          <p:cNvPr id="7" name="Google Shape;107;p15">
-            <a:extLst>
-              <a:ext uri="{FF2B5EF4-FFF2-40B4-BE49-F238E27FC236}">
-                <a16:creationId xmlns:a16="http://schemas.microsoft.com/office/drawing/2014/main" id="{DB8D59F1-8D58-5946-0ACF-9439CAB4DB5A}"/>
-              </a:ext>
-            </a:extLst>
-          </p:cNvPr>
-          <p:cNvSpPr txBox="1"/>
-          <p:nvPr/>
-        </p:nvSpPr>
-        <p:spPr>
-          <a:xfrm>
-            <a:off x="2622478" y="1418656"/>
-            <a:ext cx="2385445" cy="369302"/>
-          </a:xfrm>
-          <a:prstGeom prst="rect">
-            <a:avLst/>
-          </a:prstGeom>
-          <a:noFill/>
-          <a:ln>
-            <a:noFill/>
-          </a:ln>
-        </p:spPr>
-        <p:txBody>
-          <a:bodyPr spcFirstLastPara="1" wrap="square" lIns="91425" tIns="91425" rIns="91425" bIns="91425" anchor="t" anchorCtr="0">
-            <a:spAutoFit/>
-          </a:bodyPr>
-          <a:lstStyle/>
-          <a:p>
-            <a:pPr marL="0" lvl="0" indent="0" algn="l" rtl="0">
-              <a:spcBef>
-                <a:spcPts val="0"/>
-              </a:spcBef>
-              <a:spcAft>
-                <a:spcPts val="0"/>
-              </a:spcAft>
-              <a:buNone/>
-            </a:pPr>
-            <a:r>
-              <a:rPr lang="it-IT" sz="1200" dirty="0" err="1">
-                <a:solidFill>
-                  <a:srgbClr val="199988"/>
-                </a:solidFill>
-                <a:latin typeface="Times New Roman"/>
-                <a:ea typeface="Lato"/>
-                <a:cs typeface="Times New Roman"/>
-                <a:sym typeface="Times New Roman"/>
-              </a:rPr>
-              <a:t>vehicles</a:t>
-            </a:r>
-            <a:r>
-              <a:rPr lang="it-IT" sz="1200" dirty="0">
-                <a:solidFill>
-                  <a:srgbClr val="199988"/>
-                </a:solidFill>
-                <a:latin typeface="Times New Roman"/>
-                <a:ea typeface="Lato"/>
-                <a:cs typeface="Times New Roman"/>
-                <a:sym typeface="Times New Roman"/>
-              </a:rPr>
-              <a:t> </a:t>
-            </a:r>
-            <a:r>
-              <a:rPr lang="it-IT" sz="1200" dirty="0" err="1">
-                <a:solidFill>
-                  <a:srgbClr val="199988"/>
-                </a:solidFill>
-                <a:latin typeface="Times New Roman"/>
-                <a:ea typeface="Lato"/>
-                <a:cs typeface="Times New Roman"/>
-                <a:sym typeface="Times New Roman"/>
-              </a:rPr>
-              <a:t>conservation</a:t>
-            </a:r>
-            <a:endParaRPr sz="1200" dirty="0">
-              <a:solidFill>
-                <a:srgbClr val="199988"/>
-              </a:solidFill>
-              <a:latin typeface="Lato"/>
-              <a:ea typeface="Lato"/>
-              <a:cs typeface="Lato"/>
-              <a:sym typeface="Lato"/>
-            </a:endParaRPr>
-          </a:p>
-        </p:txBody>
-      </p:sp>
-      <p:sp>
-        <p:nvSpPr>
-          <p:cNvPr id="9" name="Google Shape;107;p15">
-            <a:extLst>
-              <a:ext uri="{FF2B5EF4-FFF2-40B4-BE49-F238E27FC236}">
-                <a16:creationId xmlns:a16="http://schemas.microsoft.com/office/drawing/2014/main" id="{AD202C66-A444-04E1-FFD4-AE0932A973E6}"/>
-              </a:ext>
-            </a:extLst>
-          </p:cNvPr>
-          <p:cNvSpPr txBox="1"/>
-          <p:nvPr/>
-        </p:nvSpPr>
-        <p:spPr>
-          <a:xfrm>
-            <a:off x="2765143" y="2651305"/>
-            <a:ext cx="2860500" cy="369302"/>
-          </a:xfrm>
-          <a:prstGeom prst="rect">
-            <a:avLst/>
-          </a:prstGeom>
-          <a:noFill/>
-          <a:ln>
-            <a:noFill/>
-          </a:ln>
-        </p:spPr>
-        <p:txBody>
-          <a:bodyPr spcFirstLastPara="1" wrap="square" lIns="91425" tIns="91425" rIns="91425" bIns="91425" anchor="t" anchorCtr="0">
-            <a:spAutoFit/>
-          </a:bodyPr>
-          <a:lstStyle/>
-          <a:p>
-            <a:pPr marL="0" lvl="0" indent="0" algn="l" rtl="0">
-              <a:spcBef>
-                <a:spcPts val="0"/>
-              </a:spcBef>
-              <a:spcAft>
-                <a:spcPts val="0"/>
-              </a:spcAft>
-              <a:buNone/>
-            </a:pPr>
-            <a:r>
-              <a:rPr lang="it-IT" sz="1200" dirty="0" err="1">
-                <a:solidFill>
-                  <a:srgbClr val="199988"/>
-                </a:solidFill>
-                <a:latin typeface="Times New Roman"/>
-                <a:ea typeface="Lato"/>
-                <a:cs typeface="Times New Roman"/>
-                <a:sym typeface="Times New Roman"/>
-              </a:rPr>
-              <a:t>capacity</a:t>
-            </a:r>
-            <a:r>
-              <a:rPr lang="it-IT" sz="1200" dirty="0">
-                <a:solidFill>
-                  <a:srgbClr val="199988"/>
-                </a:solidFill>
-                <a:latin typeface="Times New Roman"/>
-                <a:ea typeface="Lato"/>
-                <a:cs typeface="Times New Roman"/>
-                <a:sym typeface="Times New Roman"/>
-              </a:rPr>
-              <a:t> per class</a:t>
-            </a:r>
-            <a:endParaRPr sz="1200" dirty="0">
-              <a:solidFill>
-                <a:srgbClr val="199988"/>
-              </a:solidFill>
-              <a:latin typeface="Lato"/>
-              <a:ea typeface="Lato"/>
-              <a:cs typeface="Lato"/>
-              <a:sym typeface="Lato"/>
-            </a:endParaRPr>
-          </a:p>
-        </p:txBody>
-      </p:sp>
-      <p:sp>
-        <p:nvSpPr>
-          <p:cNvPr id="13" name="Google Shape;107;p15">
-            <a:extLst>
-              <a:ext uri="{FF2B5EF4-FFF2-40B4-BE49-F238E27FC236}">
-                <a16:creationId xmlns:a16="http://schemas.microsoft.com/office/drawing/2014/main" id="{9894E8B4-79D3-AD7C-F921-2FE01B09A9C2}"/>
-              </a:ext>
-            </a:extLst>
-          </p:cNvPr>
-          <p:cNvSpPr txBox="1"/>
-          <p:nvPr/>
-        </p:nvSpPr>
-        <p:spPr>
-          <a:xfrm>
-            <a:off x="1597453" y="3210704"/>
-            <a:ext cx="2860500" cy="369302"/>
-          </a:xfrm>
-          <a:prstGeom prst="rect">
-            <a:avLst/>
-          </a:prstGeom>
-          <a:noFill/>
-          <a:ln>
-            <a:noFill/>
-          </a:ln>
-        </p:spPr>
-        <p:txBody>
-          <a:bodyPr spcFirstLastPara="1" wrap="square" lIns="91425" tIns="91425" rIns="91425" bIns="91425" anchor="t" anchorCtr="0">
-            <a:spAutoFit/>
-          </a:bodyPr>
-          <a:lstStyle/>
-          <a:p>
-            <a:pPr marL="0" lvl="0" indent="0" algn="l" rtl="0">
-              <a:spcBef>
-                <a:spcPts val="0"/>
-              </a:spcBef>
-              <a:spcAft>
-                <a:spcPts val="0"/>
-              </a:spcAft>
-              <a:buNone/>
-            </a:pPr>
-            <a:r>
-              <a:rPr lang="it-IT" sz="1200" dirty="0">
-                <a:solidFill>
-                  <a:srgbClr val="199988"/>
-                </a:solidFill>
-                <a:latin typeface="Times New Roman"/>
-                <a:ea typeface="Lato"/>
-                <a:cs typeface="Times New Roman"/>
-                <a:sym typeface="Times New Roman"/>
-              </a:rPr>
-              <a:t>demand for incoming </a:t>
-            </a:r>
-            <a:r>
-              <a:rPr lang="it-IT" sz="1200" dirty="0" err="1">
-                <a:solidFill>
-                  <a:srgbClr val="199988"/>
-                </a:solidFill>
-                <a:latin typeface="Times New Roman"/>
-                <a:ea typeface="Lato"/>
-                <a:cs typeface="Times New Roman"/>
-                <a:sym typeface="Times New Roman"/>
-              </a:rPr>
-              <a:t>vehicles</a:t>
-            </a:r>
-            <a:r>
-              <a:rPr lang="it-IT" sz="1200" dirty="0">
-                <a:solidFill>
-                  <a:srgbClr val="199988"/>
-                </a:solidFill>
-                <a:latin typeface="Times New Roman"/>
-                <a:ea typeface="Lato"/>
-                <a:cs typeface="Times New Roman"/>
-                <a:sym typeface="Times New Roman"/>
-              </a:rPr>
-              <a:t> </a:t>
-            </a:r>
-            <a:r>
-              <a:rPr lang="it-IT" sz="1200" dirty="0" err="1">
-                <a:solidFill>
-                  <a:srgbClr val="199988"/>
-                </a:solidFill>
-                <a:latin typeface="Times New Roman"/>
-                <a:ea typeface="Lato"/>
-                <a:cs typeface="Times New Roman"/>
-                <a:sym typeface="Times New Roman"/>
-              </a:rPr>
-              <a:t>at</a:t>
-            </a:r>
-            <a:r>
-              <a:rPr lang="it-IT" sz="1200" dirty="0">
-                <a:solidFill>
-                  <a:srgbClr val="199988"/>
-                </a:solidFill>
-                <a:latin typeface="Times New Roman"/>
-                <a:ea typeface="Lato"/>
-                <a:cs typeface="Times New Roman"/>
-                <a:sym typeface="Times New Roman"/>
-              </a:rPr>
-              <a:t> </a:t>
-            </a:r>
-            <a:r>
-              <a:rPr lang="it-IT" sz="1200" dirty="0" err="1">
-                <a:solidFill>
-                  <a:srgbClr val="199988"/>
-                </a:solidFill>
-                <a:latin typeface="Times New Roman"/>
-                <a:ea typeface="Lato"/>
-                <a:cs typeface="Times New Roman"/>
-                <a:sym typeface="Times New Roman"/>
-              </a:rPr>
-              <a:t>origin</a:t>
-            </a:r>
-            <a:r>
-              <a:rPr lang="it-IT" sz="1200" dirty="0">
-                <a:solidFill>
-                  <a:srgbClr val="199988"/>
-                </a:solidFill>
-                <a:latin typeface="Times New Roman"/>
-                <a:ea typeface="Lato"/>
-                <a:cs typeface="Times New Roman"/>
-                <a:sym typeface="Times New Roman"/>
-              </a:rPr>
-              <a:t> </a:t>
-            </a:r>
-            <a:endParaRPr sz="1200" dirty="0">
-              <a:solidFill>
-                <a:srgbClr val="199988"/>
-              </a:solidFill>
-              <a:latin typeface="Lato"/>
-              <a:ea typeface="Lato"/>
-              <a:cs typeface="Lato"/>
-              <a:sym typeface="Lato"/>
-            </a:endParaRPr>
-          </a:p>
-        </p:txBody>
-      </p:sp>
-      <p:sp>
-        <p:nvSpPr>
-          <p:cNvPr id="14" name="Google Shape;107;p15">
-            <a:extLst>
-              <a:ext uri="{FF2B5EF4-FFF2-40B4-BE49-F238E27FC236}">
-                <a16:creationId xmlns:a16="http://schemas.microsoft.com/office/drawing/2014/main" id="{5B5BDC65-A672-F7C4-C6E0-AE8157745BB6}"/>
-              </a:ext>
-            </a:extLst>
-          </p:cNvPr>
-          <p:cNvSpPr txBox="1"/>
-          <p:nvPr/>
-        </p:nvSpPr>
-        <p:spPr>
-          <a:xfrm>
-            <a:off x="1334893" y="4436774"/>
-            <a:ext cx="2860500" cy="369302"/>
-          </a:xfrm>
-          <a:prstGeom prst="rect">
-            <a:avLst/>
-          </a:prstGeom>
-          <a:noFill/>
-          <a:ln>
-            <a:noFill/>
-          </a:ln>
-        </p:spPr>
-        <p:txBody>
-          <a:bodyPr spcFirstLastPara="1" wrap="square" lIns="91425" tIns="91425" rIns="91425" bIns="91425" anchor="t" anchorCtr="0">
-            <a:spAutoFit/>
-          </a:bodyPr>
-          <a:lstStyle/>
-          <a:p>
-            <a:pPr marL="0" lvl="0" indent="0" algn="l" rtl="0">
-              <a:spcBef>
-                <a:spcPts val="0"/>
-              </a:spcBef>
-              <a:spcAft>
-                <a:spcPts val="0"/>
-              </a:spcAft>
-              <a:buNone/>
-            </a:pPr>
-            <a:r>
-              <a:rPr lang="it-IT" sz="1200" dirty="0">
-                <a:solidFill>
-                  <a:srgbClr val="199988"/>
-                </a:solidFill>
-                <a:latin typeface="Times New Roman"/>
-                <a:ea typeface="Lato"/>
-                <a:cs typeface="Times New Roman"/>
-                <a:sym typeface="Times New Roman"/>
-              </a:rPr>
-              <a:t>network </a:t>
-            </a:r>
-            <a:r>
-              <a:rPr lang="it-IT" sz="1200" dirty="0" err="1">
-                <a:solidFill>
-                  <a:srgbClr val="199988"/>
-                </a:solidFill>
-                <a:latin typeface="Times New Roman"/>
-                <a:ea typeface="Lato"/>
-                <a:cs typeface="Times New Roman"/>
-                <a:sym typeface="Times New Roman"/>
-              </a:rPr>
-              <a:t>cleared</a:t>
-            </a:r>
-            <a:r>
-              <a:rPr lang="it-IT" sz="1200" dirty="0">
-                <a:solidFill>
-                  <a:srgbClr val="199988"/>
-                </a:solidFill>
-                <a:latin typeface="Times New Roman"/>
-                <a:ea typeface="Lato"/>
-                <a:cs typeface="Times New Roman"/>
-                <a:sym typeface="Times New Roman"/>
-              </a:rPr>
-              <a:t> </a:t>
-            </a:r>
-            <a:r>
-              <a:rPr lang="it-IT" sz="1200" dirty="0" err="1">
-                <a:solidFill>
-                  <a:srgbClr val="199988"/>
-                </a:solidFill>
-                <a:latin typeface="Times New Roman"/>
-                <a:ea typeface="Lato"/>
-                <a:cs typeface="Times New Roman"/>
-                <a:sym typeface="Times New Roman"/>
-              </a:rPr>
-              <a:t>at</a:t>
-            </a:r>
-            <a:r>
-              <a:rPr lang="it-IT" sz="1200" dirty="0">
-                <a:solidFill>
-                  <a:srgbClr val="199988"/>
-                </a:solidFill>
-                <a:latin typeface="Times New Roman"/>
-                <a:ea typeface="Lato"/>
-                <a:cs typeface="Times New Roman"/>
-                <a:sym typeface="Times New Roman"/>
-              </a:rPr>
-              <a:t> </a:t>
-            </a:r>
-            <a:r>
-              <a:rPr lang="it-IT" sz="1200" dirty="0" err="1">
-                <a:solidFill>
-                  <a:srgbClr val="199988"/>
-                </a:solidFill>
-                <a:latin typeface="Times New Roman"/>
-                <a:ea typeface="Lato"/>
-                <a:cs typeface="Times New Roman"/>
-                <a:sym typeface="Times New Roman"/>
-              </a:rPr>
-              <a:t>destination</a:t>
-            </a:r>
-            <a:endParaRPr sz="1200" dirty="0">
-              <a:solidFill>
-                <a:srgbClr val="199988"/>
-              </a:solidFill>
-              <a:latin typeface="Lato"/>
-              <a:ea typeface="Lato"/>
-              <a:cs typeface="Lato"/>
-              <a:sym typeface="Lato"/>
-            </a:endParaRPr>
-          </a:p>
-        </p:txBody>
-      </p:sp>
-      <p:sp>
-        <p:nvSpPr>
-          <p:cNvPr id="15" name="Google Shape;107;p15">
-            <a:extLst>
-              <a:ext uri="{FF2B5EF4-FFF2-40B4-BE49-F238E27FC236}">
-                <a16:creationId xmlns:a16="http://schemas.microsoft.com/office/drawing/2014/main" id="{C51EC015-A288-2EFD-21E2-15FF0172216B}"/>
-              </a:ext>
-            </a:extLst>
-          </p:cNvPr>
-          <p:cNvSpPr txBox="1"/>
-          <p:nvPr/>
-        </p:nvSpPr>
-        <p:spPr>
-          <a:xfrm>
-            <a:off x="2268698" y="3729970"/>
-            <a:ext cx="2860500" cy="369302"/>
-          </a:xfrm>
-          <a:prstGeom prst="rect">
-            <a:avLst/>
-          </a:prstGeom>
-          <a:noFill/>
-          <a:ln>
-            <a:noFill/>
-          </a:ln>
-        </p:spPr>
-        <p:txBody>
-          <a:bodyPr spcFirstLastPara="1" wrap="square" lIns="91425" tIns="91425" rIns="91425" bIns="91425" anchor="t" anchorCtr="0">
-            <a:spAutoFit/>
-          </a:bodyPr>
-          <a:lstStyle/>
-          <a:p>
-            <a:pPr marL="0" lvl="0" indent="0" algn="l" rtl="0">
-              <a:spcBef>
-                <a:spcPts val="0"/>
-              </a:spcBef>
-              <a:spcAft>
-                <a:spcPts val="0"/>
-              </a:spcAft>
-              <a:buNone/>
-            </a:pPr>
-            <a:r>
-              <a:rPr lang="it-IT" sz="1200" dirty="0">
-                <a:solidFill>
-                  <a:srgbClr val="199988"/>
-                </a:solidFill>
-                <a:latin typeface="Times New Roman"/>
-                <a:ea typeface="Lato"/>
-                <a:cs typeface="Times New Roman"/>
-                <a:sym typeface="Times New Roman"/>
-              </a:rPr>
-              <a:t>flow </a:t>
-            </a:r>
-            <a:r>
-              <a:rPr lang="it-IT" sz="1200" dirty="0" err="1">
-                <a:solidFill>
-                  <a:srgbClr val="199988"/>
-                </a:solidFill>
-                <a:latin typeface="Times New Roman"/>
-                <a:ea typeface="Lato"/>
-                <a:cs typeface="Times New Roman"/>
-                <a:sym typeface="Times New Roman"/>
-              </a:rPr>
-              <a:t>conservation</a:t>
-            </a:r>
-            <a:endParaRPr sz="1200" dirty="0">
-              <a:solidFill>
-                <a:srgbClr val="199988"/>
-              </a:solidFill>
-              <a:latin typeface="Lato"/>
-              <a:ea typeface="Lato"/>
-              <a:cs typeface="Lato"/>
-              <a:sym typeface="Lato"/>
-            </a:endParaRPr>
-          </a:p>
-        </p:txBody>
-      </p:sp>
-      <p:sp>
-        <p:nvSpPr>
-          <p:cNvPr id="17" name="Google Shape;107;p15">
-            <a:extLst>
-              <a:ext uri="{FF2B5EF4-FFF2-40B4-BE49-F238E27FC236}">
-                <a16:creationId xmlns:a16="http://schemas.microsoft.com/office/drawing/2014/main" id="{701BBF47-E49C-8B22-2DEA-4E83E6DD1341}"/>
-              </a:ext>
-            </a:extLst>
-          </p:cNvPr>
-          <p:cNvSpPr txBox="1"/>
-          <p:nvPr/>
-        </p:nvSpPr>
-        <p:spPr>
-          <a:xfrm>
-            <a:off x="1811738" y="3251865"/>
-            <a:ext cx="342660" cy="1184909"/>
-          </a:xfrm>
-          <a:prstGeom prst="rect">
-            <a:avLst/>
-          </a:prstGeom>
-          <a:noFill/>
-          <a:ln>
-            <a:noFill/>
-          </a:ln>
-        </p:spPr>
-        <p:txBody>
-          <a:bodyPr spcFirstLastPara="1" wrap="square" lIns="91425" tIns="91425" rIns="91425" bIns="91425" anchor="t" anchorCtr="0">
-            <a:spAutoFit/>
-          </a:bodyPr>
-          <a:lstStyle/>
-          <a:p>
-            <a:pPr marL="0" lvl="0" indent="0" algn="l" rtl="0">
-              <a:spcBef>
-                <a:spcPts val="0"/>
-              </a:spcBef>
-              <a:spcAft>
-                <a:spcPts val="0"/>
-              </a:spcAft>
-              <a:buNone/>
-            </a:pPr>
-            <a:r>
-              <a:rPr lang="it-IT" sz="6500" dirty="0">
-                <a:solidFill>
-                  <a:srgbClr val="199988"/>
-                </a:solidFill>
-                <a:latin typeface="Times New Roman"/>
-                <a:ea typeface="Lato"/>
-                <a:cs typeface="Times New Roman"/>
-                <a:sym typeface="Times New Roman"/>
-              </a:rPr>
-              <a:t>}</a:t>
-            </a:r>
-            <a:endParaRPr sz="6500" dirty="0">
-              <a:solidFill>
-                <a:srgbClr val="199988"/>
-              </a:solidFill>
-              <a:latin typeface="Lato"/>
-              <a:ea typeface="Lato"/>
-              <a:cs typeface="Lato"/>
-              <a:sym typeface="Lato"/>
-            </a:endParaRPr>
-          </a:p>
-        </p:txBody>
-      </p:sp>
-    </p:spTree>
-    <p:extLst>
-      <p:ext uri="{BB962C8B-B14F-4D97-AF65-F5344CB8AC3E}">
-        <p14:creationId xmlns:p14="http://schemas.microsoft.com/office/powerpoint/2010/main" val="3854572873"/>
-      </p:ext>
-    </p:extLst>
-  </p:cSld>
-  <p:clrMapOvr>
-    <a:masterClrMapping/>
-  </p:clrMapOvr>
-</p:sld>
-</file>
-
-<file path=ppt/slides/slide9.xml><?xml version="1.0" encoding="utf-8"?>
-<p:sld xmlns:a="http://schemas.openxmlformats.org/drawingml/2006/main" xmlns:r="http://schemas.openxmlformats.org/officeDocument/2006/relationships" xmlns:p="http://schemas.openxmlformats.org/presentationml/2006/main">
-  <p:cSld>
-    <p:spTree>
-      <p:nvGrpSpPr>
-        <p:cNvPr id="1" name="Shape 99">
-          <a:extLst>
-            <a:ext uri="{FF2B5EF4-FFF2-40B4-BE49-F238E27FC236}">
-              <a16:creationId xmlns:a16="http://schemas.microsoft.com/office/drawing/2014/main" id="{B7682F9F-5973-304B-9C86-7921C1A6F0F6}"/>
-            </a:ext>
-          </a:extLst>
-        </p:cNvPr>
-        <p:cNvGrpSpPr/>
-        <p:nvPr/>
-      </p:nvGrpSpPr>
-      <p:grpSpPr>
-        <a:xfrm>
-          <a:off x="0" y="0"/>
-          <a:ext cx="0" cy="0"/>
-          <a:chOff x="0" y="0"/>
-          <a:chExt cx="0" cy="0"/>
-        </a:xfrm>
-      </p:grpSpPr>
-      <p:pic>
-        <p:nvPicPr>
-          <p:cNvPr id="12" name="Immagine 11" descr="Immagine che contiene testo, ricevuta, Carattere, algebra&#10;&#10;Il contenuto generato dall'IA potrebbe non essere corretto.">
-            <a:extLst>
-              <a:ext uri="{FF2B5EF4-FFF2-40B4-BE49-F238E27FC236}">
-                <a16:creationId xmlns:a16="http://schemas.microsoft.com/office/drawing/2014/main" id="{0125F4C9-B051-F8BE-B94C-AF141E177A5A}"/>
-              </a:ext>
-            </a:extLst>
-          </p:cNvPr>
-          <p:cNvPicPr>
-            <a:picLocks noChangeAspect="1"/>
-          </p:cNvPicPr>
-          <p:nvPr/>
-        </p:nvPicPr>
-        <p:blipFill>
-          <a:blip r:embed="rId3"/>
-          <a:stretch>
-            <a:fillRect/>
-          </a:stretch>
-        </p:blipFill>
-        <p:spPr>
-          <a:xfrm>
-            <a:off x="451175" y="1384962"/>
-            <a:ext cx="8398380" cy="3485976"/>
-          </a:xfrm>
-          <a:prstGeom prst="rect">
-            <a:avLst/>
-          </a:prstGeom>
-        </p:spPr>
-      </p:pic>
-      <p:sp>
-        <p:nvSpPr>
-          <p:cNvPr id="103" name="Google Shape;103;p15">
-            <a:extLst>
-              <a:ext uri="{FF2B5EF4-FFF2-40B4-BE49-F238E27FC236}">
-                <a16:creationId xmlns:a16="http://schemas.microsoft.com/office/drawing/2014/main" id="{8363327D-08B7-D017-D6D4-DC6084D0C0C2}"/>
-              </a:ext>
-            </a:extLst>
-          </p:cNvPr>
-          <p:cNvSpPr/>
-          <p:nvPr/>
-        </p:nvSpPr>
-        <p:spPr>
-          <a:xfrm>
-            <a:off x="2459507" y="2710770"/>
-            <a:ext cx="222147" cy="275999"/>
-          </a:xfrm>
-          <a:prstGeom prst="ellipse">
-            <a:avLst/>
-          </a:prstGeom>
-          <a:noFill/>
-          <a:ln w="9525" cap="flat" cmpd="sng">
-            <a:solidFill>
-              <a:schemeClr val="accent3"/>
-            </a:solidFill>
-            <a:prstDash val="solid"/>
-            <a:round/>
-            <a:headEnd type="none" w="sm" len="sm"/>
-            <a:tailEnd type="none" w="sm" len="sm"/>
-          </a:ln>
-        </p:spPr>
-        <p:txBody>
-          <a:bodyPr spcFirstLastPara="1" wrap="square" lIns="91425" tIns="91425" rIns="91425" bIns="91425" anchor="ctr" anchorCtr="0">
-            <a:noAutofit/>
-          </a:bodyPr>
-          <a:lstStyle/>
-          <a:p>
-            <a:pPr marL="0" lvl="0" indent="0" algn="l" rtl="0">
-              <a:spcBef>
-                <a:spcPts val="0"/>
-              </a:spcBef>
-              <a:spcAft>
-                <a:spcPts val="0"/>
-              </a:spcAft>
-              <a:buNone/>
-            </a:pPr>
-            <a:endParaRPr/>
-          </a:p>
-        </p:txBody>
-      </p:sp>
-      <p:sp>
-        <p:nvSpPr>
-          <p:cNvPr id="2" name="Google Shape;112;p16">
-            <a:extLst>
-              <a:ext uri="{FF2B5EF4-FFF2-40B4-BE49-F238E27FC236}">
-                <a16:creationId xmlns:a16="http://schemas.microsoft.com/office/drawing/2014/main" id="{61EADC5F-5CDD-F8FF-D201-9355EBEFC911}"/>
-              </a:ext>
-            </a:extLst>
-          </p:cNvPr>
-          <p:cNvSpPr txBox="1"/>
-          <p:nvPr/>
-        </p:nvSpPr>
-        <p:spPr>
-          <a:xfrm>
-            <a:off x="451175" y="757975"/>
-            <a:ext cx="8013556" cy="477023"/>
-          </a:xfrm>
-          <a:prstGeom prst="rect">
-            <a:avLst/>
-          </a:prstGeom>
-          <a:noFill/>
-          <a:ln>
-            <a:noFill/>
-          </a:ln>
-        </p:spPr>
-        <p:txBody>
-          <a:bodyPr spcFirstLastPara="1" wrap="square" lIns="91425" tIns="91425" rIns="91425" bIns="91425" anchor="t" anchorCtr="0">
-            <a:spAutoFit/>
-          </a:bodyPr>
-          <a:lstStyle/>
-          <a:p>
-            <a:pPr marL="0" lvl="0" indent="0" algn="l" rtl="0">
-              <a:spcBef>
-                <a:spcPts val="0"/>
-              </a:spcBef>
-              <a:spcAft>
-                <a:spcPts val="0"/>
-              </a:spcAft>
-              <a:buNone/>
-            </a:pPr>
-            <a:r>
-              <a:rPr lang="it" sz="1900" dirty="0">
-                <a:latin typeface="Times New Roman"/>
-                <a:ea typeface="Times New Roman"/>
-                <a:cs typeface="Times New Roman"/>
-                <a:sym typeface="Times New Roman"/>
-              </a:rPr>
-              <a:t>Constraints</a:t>
-            </a:r>
-            <a:endParaRPr sz="1900" dirty="0">
-              <a:latin typeface="Times New Roman"/>
-              <a:ea typeface="Times New Roman"/>
-              <a:cs typeface="Times New Roman"/>
-              <a:sym typeface="Times New Roman"/>
-            </a:endParaRPr>
-          </a:p>
-        </p:txBody>
-      </p:sp>
-      <mc:AlternateContent xmlns:mc="http://schemas.openxmlformats.org/markup-compatibility/2006" xmlns:a14="http://schemas.microsoft.com/office/drawing/2010/main">
-        <mc:Choice Requires="a14">
-          <p:sp>
-            <p:nvSpPr>
-              <p:cNvPr id="6" name="Google Shape;107;p15">
-                <a:extLst>
-                  <a:ext uri="{FF2B5EF4-FFF2-40B4-BE49-F238E27FC236}">
-                    <a16:creationId xmlns:a16="http://schemas.microsoft.com/office/drawing/2014/main" id="{00A7B5B4-3AE3-8496-DFAB-F147719BC4C9}"/>
-                  </a:ext>
-                </a:extLst>
-              </p:cNvPr>
-              <p:cNvSpPr txBox="1"/>
-              <p:nvPr/>
-            </p:nvSpPr>
-            <p:spPr>
-              <a:xfrm>
-                <a:off x="2468299" y="1975512"/>
-                <a:ext cx="2860500" cy="369302"/>
-              </a:xfrm>
-              <a:prstGeom prst="rect">
-                <a:avLst/>
-              </a:prstGeom>
-              <a:noFill/>
-              <a:ln>
-                <a:noFill/>
-              </a:ln>
-            </p:spPr>
-            <p:txBody>
-              <a:bodyPr spcFirstLastPara="1" wrap="square" lIns="91425" tIns="91425" rIns="91425" bIns="91425" anchor="t" anchorCtr="0">
-                <a:spAutoFit/>
-              </a:bodyPr>
-              <a:lstStyle/>
-              <a:p>
-                <a:pPr marL="0" lvl="0" indent="0" algn="l" rtl="0">
-                  <a:spcBef>
-                    <a:spcPts val="0"/>
-                  </a:spcBef>
-                  <a:spcAft>
-                    <a:spcPts val="0"/>
-                  </a:spcAft>
-                  <a:buNone/>
-                </a:pPr>
-                <a:r>
-                  <a:rPr lang="it-IT" sz="1200" dirty="0">
-                    <a:solidFill>
-                      <a:srgbClr val="199988"/>
-                    </a:solidFill>
-                    <a:latin typeface="Times New Roman"/>
-                    <a:ea typeface="Times New Roman"/>
-                    <a:cs typeface="Times New Roman"/>
-                    <a:sym typeface="Times New Roman"/>
-                  </a:rPr>
-                  <a:t>incoming flow ≤ </a:t>
-                </a:r>
-                <a:r>
-                  <a:rPr lang="it-IT" sz="1200" dirty="0" err="1">
-                    <a:solidFill>
-                      <a:srgbClr val="199988"/>
-                    </a:solidFill>
-                    <a:latin typeface="Times New Roman"/>
-                    <a:ea typeface="Times New Roman"/>
-                    <a:cs typeface="Times New Roman"/>
-                    <a:sym typeface="Times New Roman"/>
-                  </a:rPr>
-                  <a:t>vehicles</a:t>
-                </a:r>
-                <a:r>
-                  <a:rPr lang="it-IT" sz="1200" dirty="0">
-                    <a:solidFill>
-                      <a:srgbClr val="199988"/>
-                    </a:solidFill>
-                    <a:latin typeface="Times New Roman"/>
-                    <a:ea typeface="Times New Roman"/>
-                    <a:cs typeface="Times New Roman"/>
-                    <a:sym typeface="Times New Roman"/>
-                  </a:rPr>
-                  <a:t> on </a:t>
-                </a:r>
-                <a14:m>
-                  <m:oMath xmlns:m="http://schemas.openxmlformats.org/officeDocument/2006/math">
-                    <m:r>
-                      <a:rPr lang="it-IT" sz="1200" i="1" dirty="0" smtClean="0">
-                        <a:solidFill>
-                          <a:srgbClr val="199988"/>
-                        </a:solidFill>
-                        <a:latin typeface="Cambria Math" panose="02040503050406030204" pitchFamily="18" charset="0"/>
-                        <a:ea typeface="Times New Roman"/>
-                        <a:cs typeface="Times New Roman"/>
-                        <a:sym typeface="Times New Roman"/>
-                      </a:rPr>
-                      <m:t>𝑎</m:t>
-                    </m:r>
-                  </m:oMath>
-                </a14:m>
-                <a:endParaRPr sz="1200" dirty="0">
-                  <a:solidFill>
-                    <a:srgbClr val="199988"/>
-                  </a:solidFill>
-                  <a:latin typeface="Lato"/>
-                  <a:ea typeface="Lato"/>
-                  <a:cs typeface="Lato"/>
-                  <a:sym typeface="Lato"/>
-                </a:endParaRPr>
-              </a:p>
-            </p:txBody>
-          </p:sp>
-        </mc:Choice>
-        <mc:Fallback xmlns="">
-          <p:sp>
-            <p:nvSpPr>
-              <p:cNvPr id="6" name="Google Shape;107;p15">
-                <a:extLst>
-                  <a:ext uri="{FF2B5EF4-FFF2-40B4-BE49-F238E27FC236}">
-                    <a16:creationId xmlns:a16="http://schemas.microsoft.com/office/drawing/2014/main" id="{00A7B5B4-3AE3-8496-DFAB-F147719BC4C9}"/>
-                  </a:ext>
-                </a:extLst>
-              </p:cNvPr>
-              <p:cNvSpPr txBox="1">
-                <a:spLocks noRot="1" noChangeAspect="1" noMove="1" noResize="1" noEditPoints="1" noAdjustHandles="1" noChangeArrowheads="1" noChangeShapeType="1" noTextEdit="1"/>
-              </p:cNvSpPr>
-              <p:nvPr/>
-            </p:nvSpPr>
-            <p:spPr>
-              <a:xfrm>
-                <a:off x="2468299" y="1975512"/>
-                <a:ext cx="2860500" cy="369302"/>
-              </a:xfrm>
-              <a:prstGeom prst="rect">
-                <a:avLst/>
-              </a:prstGeom>
-              <a:blipFill>
-                <a:blip r:embed="rId4"/>
-                <a:stretch>
-                  <a:fillRect/>
-                </a:stretch>
-              </a:blipFill>
-              <a:ln>
-                <a:noFill/>
-              </a:ln>
-            </p:spPr>
-            <p:txBody>
-              <a:bodyPr/>
-              <a:lstStyle/>
-              <a:p>
-                <a:r>
-                  <a:rPr lang="it-IT">
-                    <a:noFill/>
-                  </a:rPr>
-                  <a:t> </a:t>
-                </a:r>
-              </a:p>
-            </p:txBody>
-          </p:sp>
-        </mc:Fallback>
-      </mc:AlternateContent>
-      <p:sp>
-        <p:nvSpPr>
-          <p:cNvPr id="7" name="Google Shape;107;p15">
-            <a:extLst>
-              <a:ext uri="{FF2B5EF4-FFF2-40B4-BE49-F238E27FC236}">
-                <a16:creationId xmlns:a16="http://schemas.microsoft.com/office/drawing/2014/main" id="{EC48FE37-53CF-0F9B-CC4C-06C63BDA1179}"/>
-              </a:ext>
-            </a:extLst>
-          </p:cNvPr>
-          <p:cNvSpPr txBox="1"/>
-          <p:nvPr/>
-        </p:nvSpPr>
-        <p:spPr>
-          <a:xfrm>
-            <a:off x="2622478" y="1418656"/>
-            <a:ext cx="2385445" cy="369302"/>
-          </a:xfrm>
-          <a:prstGeom prst="rect">
-            <a:avLst/>
-          </a:prstGeom>
-          <a:noFill/>
-          <a:ln>
-            <a:noFill/>
-          </a:ln>
-        </p:spPr>
-        <p:txBody>
-          <a:bodyPr spcFirstLastPara="1" wrap="square" lIns="91425" tIns="91425" rIns="91425" bIns="91425" anchor="t" anchorCtr="0">
-            <a:spAutoFit/>
-          </a:bodyPr>
-          <a:lstStyle/>
-          <a:p>
-            <a:pPr marL="0" lvl="0" indent="0" algn="l" rtl="0">
-              <a:spcBef>
-                <a:spcPts val="0"/>
-              </a:spcBef>
-              <a:spcAft>
-                <a:spcPts val="0"/>
-              </a:spcAft>
-              <a:buNone/>
-            </a:pPr>
-            <a:r>
-              <a:rPr lang="it-IT" sz="1200" dirty="0" err="1">
-                <a:solidFill>
-                  <a:srgbClr val="199988"/>
-                </a:solidFill>
-                <a:latin typeface="Times New Roman"/>
-                <a:ea typeface="Lato"/>
-                <a:cs typeface="Times New Roman"/>
-                <a:sym typeface="Times New Roman"/>
-              </a:rPr>
-              <a:t>vehicles</a:t>
-            </a:r>
-            <a:r>
-              <a:rPr lang="it-IT" sz="1200" dirty="0">
-                <a:solidFill>
-                  <a:srgbClr val="199988"/>
-                </a:solidFill>
-                <a:latin typeface="Times New Roman"/>
-                <a:ea typeface="Lato"/>
-                <a:cs typeface="Times New Roman"/>
-                <a:sym typeface="Times New Roman"/>
-              </a:rPr>
-              <a:t> </a:t>
-            </a:r>
-            <a:r>
-              <a:rPr lang="it-IT" sz="1200" dirty="0" err="1">
-                <a:solidFill>
-                  <a:srgbClr val="199988"/>
-                </a:solidFill>
-                <a:latin typeface="Times New Roman"/>
-                <a:ea typeface="Lato"/>
-                <a:cs typeface="Times New Roman"/>
-                <a:sym typeface="Times New Roman"/>
-              </a:rPr>
-              <a:t>conservation</a:t>
-            </a:r>
-            <a:endParaRPr sz="1200" dirty="0">
-              <a:solidFill>
-                <a:srgbClr val="199988"/>
-              </a:solidFill>
-              <a:latin typeface="Lato"/>
-              <a:ea typeface="Lato"/>
-              <a:cs typeface="Lato"/>
-              <a:sym typeface="Lato"/>
-            </a:endParaRPr>
-          </a:p>
-        </p:txBody>
-      </p:sp>
-      <p:cxnSp>
-        <p:nvCxnSpPr>
-          <p:cNvPr id="104" name="Google Shape;104;p15">
-            <a:extLst>
-              <a:ext uri="{FF2B5EF4-FFF2-40B4-BE49-F238E27FC236}">
-                <a16:creationId xmlns:a16="http://schemas.microsoft.com/office/drawing/2014/main" id="{A3C65250-17D1-CA6D-E307-CF48B1EDE6E0}"/>
-              </a:ext>
-            </a:extLst>
-          </p:cNvPr>
-          <p:cNvCxnSpPr>
-            <a:cxnSpLocks/>
-          </p:cNvCxnSpPr>
-          <p:nvPr/>
-        </p:nvCxnSpPr>
-        <p:spPr>
-          <a:xfrm flipV="1">
-            <a:off x="2681654" y="2260942"/>
-            <a:ext cx="2294804" cy="553709"/>
-          </a:xfrm>
-          <a:prstGeom prst="straightConnector1">
-            <a:avLst/>
-          </a:prstGeom>
-          <a:noFill/>
-          <a:ln w="9525" cap="flat" cmpd="sng">
-            <a:solidFill>
-              <a:schemeClr val="accent3"/>
-            </a:solidFill>
-            <a:prstDash val="solid"/>
-            <a:round/>
-            <a:headEnd type="none" w="med" len="med"/>
-            <a:tailEnd type="triangle" w="med" len="med"/>
-          </a:ln>
-        </p:spPr>
-      </p:cxnSp>
-      <p:sp>
-        <p:nvSpPr>
-          <p:cNvPr id="102" name="Google Shape;102;p15">
-            <a:extLst>
-              <a:ext uri="{FF2B5EF4-FFF2-40B4-BE49-F238E27FC236}">
-                <a16:creationId xmlns:a16="http://schemas.microsoft.com/office/drawing/2014/main" id="{B246BF52-342D-FA71-B178-363A1897250D}"/>
-              </a:ext>
-            </a:extLst>
-          </p:cNvPr>
-          <p:cNvSpPr txBox="1"/>
-          <p:nvPr/>
-        </p:nvSpPr>
-        <p:spPr>
-          <a:xfrm>
-            <a:off x="4976458" y="2098786"/>
-            <a:ext cx="2860500" cy="584745"/>
-          </a:xfrm>
-          <a:prstGeom prst="rect">
-            <a:avLst/>
-          </a:prstGeom>
-          <a:solidFill>
-            <a:schemeClr val="bg1"/>
-          </a:solidFill>
-          <a:ln>
-            <a:solidFill>
-              <a:srgbClr val="E95502"/>
-            </a:solidFill>
-          </a:ln>
-        </p:spPr>
-        <p:txBody>
-          <a:bodyPr spcFirstLastPara="1" wrap="square" lIns="91425" tIns="91425" rIns="91425" bIns="91425" anchor="t" anchorCtr="0">
-            <a:spAutoFit/>
-          </a:bodyPr>
-          <a:lstStyle/>
-          <a:p>
-            <a:pPr marL="0" lvl="0" indent="0" algn="l" rtl="0">
-              <a:spcBef>
-                <a:spcPts val="0"/>
-              </a:spcBef>
-              <a:spcAft>
-                <a:spcPts val="0"/>
-              </a:spcAft>
-              <a:buNone/>
-            </a:pPr>
-            <a:r>
-              <a:rPr lang="it-IT" sz="1300" b="1" dirty="0">
-                <a:latin typeface="Times New Roman"/>
-                <a:ea typeface="Times New Roman"/>
-                <a:cs typeface="Times New Roman"/>
-                <a:sym typeface="Times New Roman"/>
-              </a:rPr>
-              <a:t>Extra </a:t>
-            </a:r>
-            <a:r>
-              <a:rPr lang="it-IT" sz="1300" b="1" dirty="0" err="1">
-                <a:latin typeface="Times New Roman"/>
-                <a:ea typeface="Times New Roman"/>
-                <a:cs typeface="Times New Roman"/>
-                <a:sym typeface="Times New Roman"/>
-              </a:rPr>
-              <a:t>constraints</a:t>
-            </a:r>
-            <a:r>
-              <a:rPr lang="it-IT" sz="1300" dirty="0">
-                <a:latin typeface="Times New Roman"/>
-                <a:ea typeface="Times New Roman"/>
-                <a:cs typeface="Times New Roman"/>
-                <a:sym typeface="Times New Roman"/>
-              </a:rPr>
-              <a:t>:</a:t>
-            </a:r>
-          </a:p>
-          <a:p>
-            <a:pPr marL="0" lvl="0" indent="0" algn="l" rtl="0">
-              <a:spcBef>
-                <a:spcPts val="0"/>
-              </a:spcBef>
-              <a:spcAft>
-                <a:spcPts val="0"/>
-              </a:spcAft>
-              <a:buNone/>
-            </a:pPr>
-            <a:r>
-              <a:rPr lang="it-IT" sz="1300" dirty="0">
-                <a:latin typeface="Times New Roman"/>
-                <a:ea typeface="Times New Roman"/>
-                <a:cs typeface="Times New Roman"/>
-                <a:sym typeface="Times New Roman"/>
-              </a:rPr>
-              <a:t>SCRIVILE QUANDO LE AVRAI</a:t>
-            </a:r>
-          </a:p>
-        </p:txBody>
-      </p:sp>
-      <p:sp>
-        <p:nvSpPr>
-          <p:cNvPr id="9" name="Google Shape;107;p15">
-            <a:extLst>
-              <a:ext uri="{FF2B5EF4-FFF2-40B4-BE49-F238E27FC236}">
-                <a16:creationId xmlns:a16="http://schemas.microsoft.com/office/drawing/2014/main" id="{BC91579B-051C-248A-2C66-0A64360BACB8}"/>
-              </a:ext>
-            </a:extLst>
-          </p:cNvPr>
-          <p:cNvSpPr txBox="1"/>
-          <p:nvPr/>
-        </p:nvSpPr>
-        <p:spPr>
-          <a:xfrm>
-            <a:off x="2765143" y="2651305"/>
-            <a:ext cx="2860500" cy="369302"/>
-          </a:xfrm>
-          <a:prstGeom prst="rect">
-            <a:avLst/>
-          </a:prstGeom>
-          <a:noFill/>
-          <a:ln>
-            <a:noFill/>
-          </a:ln>
-        </p:spPr>
-        <p:txBody>
-          <a:bodyPr spcFirstLastPara="1" wrap="square" lIns="91425" tIns="91425" rIns="91425" bIns="91425" anchor="t" anchorCtr="0">
-            <a:spAutoFit/>
-          </a:bodyPr>
-          <a:lstStyle/>
-          <a:p>
-            <a:pPr marL="0" lvl="0" indent="0" algn="l" rtl="0">
-              <a:spcBef>
-                <a:spcPts val="0"/>
-              </a:spcBef>
-              <a:spcAft>
-                <a:spcPts val="0"/>
-              </a:spcAft>
-              <a:buNone/>
-            </a:pPr>
-            <a:r>
-              <a:rPr lang="it-IT" sz="1200" dirty="0" err="1">
-                <a:solidFill>
-                  <a:srgbClr val="199988"/>
-                </a:solidFill>
-                <a:latin typeface="Times New Roman"/>
-                <a:ea typeface="Lato"/>
-                <a:cs typeface="Times New Roman"/>
-                <a:sym typeface="Times New Roman"/>
-              </a:rPr>
-              <a:t>capacity</a:t>
-            </a:r>
-            <a:r>
-              <a:rPr lang="it-IT" sz="1200" dirty="0">
-                <a:solidFill>
-                  <a:srgbClr val="199988"/>
-                </a:solidFill>
-                <a:latin typeface="Times New Roman"/>
-                <a:ea typeface="Lato"/>
-                <a:cs typeface="Times New Roman"/>
-                <a:sym typeface="Times New Roman"/>
-              </a:rPr>
-              <a:t> per class</a:t>
-            </a:r>
-            <a:endParaRPr sz="1200" dirty="0">
-              <a:solidFill>
-                <a:srgbClr val="199988"/>
-              </a:solidFill>
-              <a:latin typeface="Lato"/>
-              <a:ea typeface="Lato"/>
-              <a:cs typeface="Lato"/>
-              <a:sym typeface="Lato"/>
-            </a:endParaRPr>
-          </a:p>
-        </p:txBody>
-      </p:sp>
-      <p:sp>
-        <p:nvSpPr>
-          <p:cNvPr id="13" name="Google Shape;107;p15">
-            <a:extLst>
-              <a:ext uri="{FF2B5EF4-FFF2-40B4-BE49-F238E27FC236}">
-                <a16:creationId xmlns:a16="http://schemas.microsoft.com/office/drawing/2014/main" id="{FFF5E293-596B-9795-FAFD-15FFF2373ED0}"/>
-              </a:ext>
-            </a:extLst>
-          </p:cNvPr>
-          <p:cNvSpPr txBox="1"/>
-          <p:nvPr/>
-        </p:nvSpPr>
-        <p:spPr>
-          <a:xfrm>
-            <a:off x="1597453" y="3210704"/>
-            <a:ext cx="2860500" cy="369302"/>
-          </a:xfrm>
-          <a:prstGeom prst="rect">
-            <a:avLst/>
-          </a:prstGeom>
-          <a:noFill/>
-          <a:ln>
-            <a:noFill/>
-          </a:ln>
-        </p:spPr>
-        <p:txBody>
-          <a:bodyPr spcFirstLastPara="1" wrap="square" lIns="91425" tIns="91425" rIns="91425" bIns="91425" anchor="t" anchorCtr="0">
-            <a:spAutoFit/>
-          </a:bodyPr>
-          <a:lstStyle/>
-          <a:p>
-            <a:pPr marL="0" lvl="0" indent="0" algn="l" rtl="0">
-              <a:spcBef>
-                <a:spcPts val="0"/>
-              </a:spcBef>
-              <a:spcAft>
-                <a:spcPts val="0"/>
-              </a:spcAft>
-              <a:buNone/>
-            </a:pPr>
-            <a:r>
-              <a:rPr lang="it-IT" sz="1200" dirty="0">
-                <a:solidFill>
-                  <a:srgbClr val="199988"/>
-                </a:solidFill>
-                <a:latin typeface="Times New Roman"/>
-                <a:ea typeface="Lato"/>
-                <a:cs typeface="Times New Roman"/>
-                <a:sym typeface="Times New Roman"/>
-              </a:rPr>
-              <a:t>demand for incoming </a:t>
-            </a:r>
-            <a:r>
-              <a:rPr lang="it-IT" sz="1200" dirty="0" err="1">
-                <a:solidFill>
-                  <a:srgbClr val="199988"/>
-                </a:solidFill>
-                <a:latin typeface="Times New Roman"/>
-                <a:ea typeface="Lato"/>
-                <a:cs typeface="Times New Roman"/>
-                <a:sym typeface="Times New Roman"/>
-              </a:rPr>
-              <a:t>vehicles</a:t>
-            </a:r>
-            <a:r>
-              <a:rPr lang="it-IT" sz="1200" dirty="0">
-                <a:solidFill>
-                  <a:srgbClr val="199988"/>
-                </a:solidFill>
-                <a:latin typeface="Times New Roman"/>
-                <a:ea typeface="Lato"/>
-                <a:cs typeface="Times New Roman"/>
-                <a:sym typeface="Times New Roman"/>
-              </a:rPr>
-              <a:t> </a:t>
-            </a:r>
-            <a:r>
-              <a:rPr lang="it-IT" sz="1200" dirty="0" err="1">
-                <a:solidFill>
-                  <a:srgbClr val="199988"/>
-                </a:solidFill>
-                <a:latin typeface="Times New Roman"/>
-                <a:ea typeface="Lato"/>
-                <a:cs typeface="Times New Roman"/>
-                <a:sym typeface="Times New Roman"/>
-              </a:rPr>
-              <a:t>at</a:t>
-            </a:r>
-            <a:r>
-              <a:rPr lang="it-IT" sz="1200" dirty="0">
-                <a:solidFill>
-                  <a:srgbClr val="199988"/>
-                </a:solidFill>
-                <a:latin typeface="Times New Roman"/>
-                <a:ea typeface="Lato"/>
-                <a:cs typeface="Times New Roman"/>
-                <a:sym typeface="Times New Roman"/>
-              </a:rPr>
-              <a:t> </a:t>
-            </a:r>
-            <a:r>
-              <a:rPr lang="it-IT" sz="1200" dirty="0" err="1">
-                <a:solidFill>
-                  <a:srgbClr val="199988"/>
-                </a:solidFill>
-                <a:latin typeface="Times New Roman"/>
-                <a:ea typeface="Lato"/>
-                <a:cs typeface="Times New Roman"/>
-                <a:sym typeface="Times New Roman"/>
-              </a:rPr>
-              <a:t>origin</a:t>
-            </a:r>
-            <a:r>
-              <a:rPr lang="it-IT" sz="1200" dirty="0">
-                <a:solidFill>
-                  <a:srgbClr val="199988"/>
-                </a:solidFill>
-                <a:latin typeface="Times New Roman"/>
-                <a:ea typeface="Lato"/>
-                <a:cs typeface="Times New Roman"/>
-                <a:sym typeface="Times New Roman"/>
-              </a:rPr>
-              <a:t> </a:t>
-            </a:r>
-            <a:endParaRPr sz="1200" dirty="0">
-              <a:solidFill>
-                <a:srgbClr val="199988"/>
-              </a:solidFill>
-              <a:latin typeface="Lato"/>
-              <a:ea typeface="Lato"/>
-              <a:cs typeface="Lato"/>
-              <a:sym typeface="Lato"/>
-            </a:endParaRPr>
-          </a:p>
-        </p:txBody>
-      </p:sp>
-      <p:sp>
-        <p:nvSpPr>
-          <p:cNvPr id="14" name="Google Shape;107;p15">
-            <a:extLst>
-              <a:ext uri="{FF2B5EF4-FFF2-40B4-BE49-F238E27FC236}">
-                <a16:creationId xmlns:a16="http://schemas.microsoft.com/office/drawing/2014/main" id="{A286C609-E433-EC88-FD60-16164CE16A05}"/>
-              </a:ext>
-            </a:extLst>
-          </p:cNvPr>
-          <p:cNvSpPr txBox="1"/>
-          <p:nvPr/>
-        </p:nvSpPr>
-        <p:spPr>
-          <a:xfrm>
-            <a:off x="1334893" y="4436774"/>
-            <a:ext cx="2860500" cy="369302"/>
-          </a:xfrm>
-          <a:prstGeom prst="rect">
-            <a:avLst/>
-          </a:prstGeom>
-          <a:noFill/>
-          <a:ln>
-            <a:noFill/>
-          </a:ln>
-        </p:spPr>
-        <p:txBody>
-          <a:bodyPr spcFirstLastPara="1" wrap="square" lIns="91425" tIns="91425" rIns="91425" bIns="91425" anchor="t" anchorCtr="0">
-            <a:spAutoFit/>
-          </a:bodyPr>
-          <a:lstStyle/>
-          <a:p>
-            <a:pPr marL="0" lvl="0" indent="0" algn="l" rtl="0">
-              <a:spcBef>
-                <a:spcPts val="0"/>
-              </a:spcBef>
-              <a:spcAft>
-                <a:spcPts val="0"/>
-              </a:spcAft>
-              <a:buNone/>
-            </a:pPr>
-            <a:r>
-              <a:rPr lang="it-IT" sz="1200" dirty="0">
-                <a:solidFill>
-                  <a:srgbClr val="199988"/>
-                </a:solidFill>
-                <a:latin typeface="Times New Roman"/>
-                <a:ea typeface="Lato"/>
-                <a:cs typeface="Times New Roman"/>
-                <a:sym typeface="Times New Roman"/>
-              </a:rPr>
-              <a:t>network </a:t>
-            </a:r>
-            <a:r>
-              <a:rPr lang="it-IT" sz="1200" dirty="0" err="1">
-                <a:solidFill>
-                  <a:srgbClr val="199988"/>
-                </a:solidFill>
-                <a:latin typeface="Times New Roman"/>
-                <a:ea typeface="Lato"/>
-                <a:cs typeface="Times New Roman"/>
-                <a:sym typeface="Times New Roman"/>
-              </a:rPr>
-              <a:t>cleared</a:t>
-            </a:r>
-            <a:r>
-              <a:rPr lang="it-IT" sz="1200" dirty="0">
-                <a:solidFill>
-                  <a:srgbClr val="199988"/>
-                </a:solidFill>
-                <a:latin typeface="Times New Roman"/>
-                <a:ea typeface="Lato"/>
-                <a:cs typeface="Times New Roman"/>
-                <a:sym typeface="Times New Roman"/>
-              </a:rPr>
-              <a:t> </a:t>
-            </a:r>
-            <a:r>
-              <a:rPr lang="it-IT" sz="1200" dirty="0" err="1">
-                <a:solidFill>
-                  <a:srgbClr val="199988"/>
-                </a:solidFill>
-                <a:latin typeface="Times New Roman"/>
-                <a:ea typeface="Lato"/>
-                <a:cs typeface="Times New Roman"/>
-                <a:sym typeface="Times New Roman"/>
-              </a:rPr>
-              <a:t>at</a:t>
-            </a:r>
-            <a:r>
-              <a:rPr lang="it-IT" sz="1200" dirty="0">
-                <a:solidFill>
-                  <a:srgbClr val="199988"/>
-                </a:solidFill>
-                <a:latin typeface="Times New Roman"/>
-                <a:ea typeface="Lato"/>
-                <a:cs typeface="Times New Roman"/>
-                <a:sym typeface="Times New Roman"/>
-              </a:rPr>
-              <a:t> </a:t>
-            </a:r>
-            <a:r>
-              <a:rPr lang="it-IT" sz="1200" dirty="0" err="1">
-                <a:solidFill>
-                  <a:srgbClr val="199988"/>
-                </a:solidFill>
-                <a:latin typeface="Times New Roman"/>
-                <a:ea typeface="Lato"/>
-                <a:cs typeface="Times New Roman"/>
-                <a:sym typeface="Times New Roman"/>
-              </a:rPr>
-              <a:t>destination</a:t>
-            </a:r>
-            <a:endParaRPr sz="1200" dirty="0">
-              <a:solidFill>
-                <a:srgbClr val="199988"/>
-              </a:solidFill>
-              <a:latin typeface="Lato"/>
-              <a:ea typeface="Lato"/>
-              <a:cs typeface="Lato"/>
-              <a:sym typeface="Lato"/>
-            </a:endParaRPr>
-          </a:p>
-        </p:txBody>
-      </p:sp>
-      <p:sp>
-        <p:nvSpPr>
-          <p:cNvPr id="15" name="Google Shape;107;p15">
-            <a:extLst>
-              <a:ext uri="{FF2B5EF4-FFF2-40B4-BE49-F238E27FC236}">
-                <a16:creationId xmlns:a16="http://schemas.microsoft.com/office/drawing/2014/main" id="{AB2E8DBF-9024-26F7-77F4-FA73651A489A}"/>
-              </a:ext>
-            </a:extLst>
-          </p:cNvPr>
-          <p:cNvSpPr txBox="1"/>
-          <p:nvPr/>
-        </p:nvSpPr>
-        <p:spPr>
-          <a:xfrm>
-            <a:off x="2268698" y="3729970"/>
-            <a:ext cx="2860500" cy="369302"/>
-          </a:xfrm>
-          <a:prstGeom prst="rect">
-            <a:avLst/>
-          </a:prstGeom>
-          <a:noFill/>
-          <a:ln>
-            <a:noFill/>
-          </a:ln>
-        </p:spPr>
-        <p:txBody>
-          <a:bodyPr spcFirstLastPara="1" wrap="square" lIns="91425" tIns="91425" rIns="91425" bIns="91425" anchor="t" anchorCtr="0">
-            <a:spAutoFit/>
-          </a:bodyPr>
-          <a:lstStyle/>
-          <a:p>
-            <a:pPr marL="0" lvl="0" indent="0" algn="l" rtl="0">
-              <a:spcBef>
-                <a:spcPts val="0"/>
-              </a:spcBef>
-              <a:spcAft>
-                <a:spcPts val="0"/>
-              </a:spcAft>
-              <a:buNone/>
-            </a:pPr>
-            <a:r>
-              <a:rPr lang="it-IT" sz="1200" dirty="0">
-                <a:solidFill>
-                  <a:srgbClr val="199988"/>
-                </a:solidFill>
-                <a:latin typeface="Times New Roman"/>
-                <a:ea typeface="Lato"/>
-                <a:cs typeface="Times New Roman"/>
-                <a:sym typeface="Times New Roman"/>
-              </a:rPr>
-              <a:t>flow </a:t>
-            </a:r>
-            <a:r>
-              <a:rPr lang="it-IT" sz="1200" dirty="0" err="1">
-                <a:solidFill>
-                  <a:srgbClr val="199988"/>
-                </a:solidFill>
-                <a:latin typeface="Times New Roman"/>
-                <a:ea typeface="Lato"/>
-                <a:cs typeface="Times New Roman"/>
-                <a:sym typeface="Times New Roman"/>
-              </a:rPr>
-              <a:t>conservation</a:t>
-            </a:r>
-            <a:endParaRPr sz="1200" dirty="0">
-              <a:solidFill>
-                <a:srgbClr val="199988"/>
-              </a:solidFill>
-              <a:latin typeface="Lato"/>
-              <a:ea typeface="Lato"/>
-              <a:cs typeface="Lato"/>
-              <a:sym typeface="Lato"/>
-            </a:endParaRPr>
-          </a:p>
-        </p:txBody>
-      </p:sp>
-      <p:sp>
-        <p:nvSpPr>
-          <p:cNvPr id="17" name="Google Shape;107;p15">
-            <a:extLst>
-              <a:ext uri="{FF2B5EF4-FFF2-40B4-BE49-F238E27FC236}">
-                <a16:creationId xmlns:a16="http://schemas.microsoft.com/office/drawing/2014/main" id="{2AD53661-BD60-691D-40E3-30212FFA8924}"/>
-              </a:ext>
-            </a:extLst>
-          </p:cNvPr>
-          <p:cNvSpPr txBox="1"/>
-          <p:nvPr/>
-        </p:nvSpPr>
-        <p:spPr>
-          <a:xfrm>
-            <a:off x="1811738" y="3251865"/>
-            <a:ext cx="342660" cy="1184909"/>
-          </a:xfrm>
-          <a:prstGeom prst="rect">
-            <a:avLst/>
-          </a:prstGeom>
-          <a:noFill/>
-          <a:ln>
-            <a:noFill/>
-          </a:ln>
-        </p:spPr>
-        <p:txBody>
-          <a:bodyPr spcFirstLastPara="1" wrap="square" lIns="91425" tIns="91425" rIns="91425" bIns="91425" anchor="t" anchorCtr="0">
-            <a:spAutoFit/>
-          </a:bodyPr>
-          <a:lstStyle/>
-          <a:p>
-            <a:pPr marL="0" lvl="0" indent="0" algn="l" rtl="0">
-              <a:spcBef>
-                <a:spcPts val="0"/>
-              </a:spcBef>
-              <a:spcAft>
-                <a:spcPts val="0"/>
-              </a:spcAft>
-              <a:buNone/>
-            </a:pPr>
-            <a:r>
-              <a:rPr lang="it-IT" sz="6500" dirty="0">
-                <a:solidFill>
-                  <a:srgbClr val="199988"/>
-                </a:solidFill>
-                <a:latin typeface="Times New Roman"/>
-                <a:ea typeface="Lato"/>
-                <a:cs typeface="Times New Roman"/>
-                <a:sym typeface="Times New Roman"/>
-              </a:rPr>
-              <a:t>}</a:t>
-            </a:r>
-            <a:endParaRPr sz="6500" dirty="0">
-              <a:solidFill>
-                <a:srgbClr val="199988"/>
-              </a:solidFill>
-              <a:latin typeface="Lato"/>
-              <a:ea typeface="Lato"/>
-              <a:cs typeface="Lato"/>
-              <a:sym typeface="Lato"/>
-            </a:endParaRPr>
-          </a:p>
-        </p:txBody>
-      </p:sp>
-    </p:spTree>
-    <p:extLst>
-      <p:ext uri="{BB962C8B-B14F-4D97-AF65-F5344CB8AC3E}">
-        <p14:creationId xmlns:p14="http://schemas.microsoft.com/office/powerpoint/2010/main" val="1918206237"/>
       </p:ext>
     </p:extLst>
   </p:cSld>

--- a/presentation.pptx
+++ b/presentation.pptx
@@ -5,7 +5,7 @@
     <p:sldMasterId id="2147483659" r:id="rId4"/>
   </p:sldMasterIdLst>
   <p:notesMasterIdLst>
-    <p:notesMasterId r:id="rId26"/>
+    <p:notesMasterId r:id="rId25"/>
   </p:notesMasterIdLst>
   <p:sldIdLst>
     <p:sldId id="256" r:id="rId5"/>
@@ -19,41 +19,40 @@
     <p:sldId id="284" r:id="rId13"/>
     <p:sldId id="285" r:id="rId14"/>
     <p:sldId id="286" r:id="rId15"/>
-    <p:sldId id="287" r:id="rId16"/>
-    <p:sldId id="288" r:id="rId17"/>
-    <p:sldId id="293" r:id="rId18"/>
-    <p:sldId id="260" r:id="rId19"/>
-    <p:sldId id="277" r:id="rId20"/>
-    <p:sldId id="278" r:id="rId21"/>
-    <p:sldId id="279" r:id="rId22"/>
-    <p:sldId id="281" r:id="rId23"/>
-    <p:sldId id="282" r:id="rId24"/>
-    <p:sldId id="289" r:id="rId25"/>
+    <p:sldId id="294" r:id="rId16"/>
+    <p:sldId id="287" r:id="rId17"/>
+    <p:sldId id="288" r:id="rId18"/>
+    <p:sldId id="293" r:id="rId19"/>
+    <p:sldId id="295" r:id="rId20"/>
+    <p:sldId id="296" r:id="rId21"/>
+    <p:sldId id="260" r:id="rId22"/>
+    <p:sldId id="282" r:id="rId23"/>
+    <p:sldId id="289" r:id="rId24"/>
   </p:sldIdLst>
   <p:sldSz cx="9144000" cy="5143500" type="screen16x9"/>
   <p:notesSz cx="6858000" cy="9144000"/>
   <p:embeddedFontLst>
     <p:embeddedFont>
       <p:font typeface="Cambria Math" panose="02040503050406030204" pitchFamily="18" charset="0"/>
+      <p:regular r:id="rId26"/>
+    </p:embeddedFont>
+    <p:embeddedFont>
+      <p:font typeface="Edwardian Script ITC" panose="030303020407070D0804" pitchFamily="66" charset="77"/>
       <p:regular r:id="rId27"/>
     </p:embeddedFont>
     <p:embeddedFont>
-      <p:font typeface="Edwardian Script ITC" panose="030303020407070D0804" pitchFamily="66" charset="77"/>
+      <p:font typeface="Lato" panose="020F0502020204030203" pitchFamily="34" charset="0"/>
       <p:regular r:id="rId28"/>
-    </p:embeddedFont>
-    <p:embeddedFont>
-      <p:font typeface="Lato" panose="020F0502020204030203" pitchFamily="34" charset="0"/>
-      <p:regular r:id="rId29"/>
-      <p:bold r:id="rId30"/>
-      <p:italic r:id="rId31"/>
-      <p:boldItalic r:id="rId32"/>
+      <p:bold r:id="rId29"/>
+      <p:italic r:id="rId30"/>
+      <p:boldItalic r:id="rId31"/>
     </p:embeddedFont>
     <p:embeddedFont>
       <p:font typeface="Raleway" pitchFamily="2" charset="77"/>
-      <p:regular r:id="rId33"/>
-      <p:bold r:id="rId34"/>
-      <p:italic r:id="rId35"/>
-      <p:boldItalic r:id="rId36"/>
+      <p:regular r:id="rId32"/>
+      <p:bold r:id="rId33"/>
+      <p:italic r:id="rId34"/>
+      <p:boldItalic r:id="rId35"/>
     </p:embeddedFont>
   </p:embeddedFontLst>
   <p:defaultTextStyle>
@@ -1111,6 +1110,133 @@
         <p:cNvPr id="1" name="Shape 96">
           <a:extLst>
             <a:ext uri="{FF2B5EF4-FFF2-40B4-BE49-F238E27FC236}">
+              <a16:creationId xmlns:a16="http://schemas.microsoft.com/office/drawing/2014/main" id="{66312E00-BDED-A0B0-725E-E5723E0B44D9}"/>
+            </a:ext>
+          </a:extLst>
+        </p:cNvPr>
+        <p:cNvGrpSpPr/>
+        <p:nvPr/>
+      </p:nvGrpSpPr>
+      <p:grpSpPr>
+        <a:xfrm>
+          <a:off x="0" y="0"/>
+          <a:ext cx="0" cy="0"/>
+          <a:chOff x="0" y="0"/>
+          <a:chExt cx="0" cy="0"/>
+        </a:xfrm>
+      </p:grpSpPr>
+      <p:sp>
+        <p:nvSpPr>
+          <p:cNvPr id="97" name="Google Shape;97;g12010fc58e3_0_9:notes">
+            <a:extLst>
+              <a:ext uri="{FF2B5EF4-FFF2-40B4-BE49-F238E27FC236}">
+                <a16:creationId xmlns:a16="http://schemas.microsoft.com/office/drawing/2014/main" id="{FAA1CE19-FD9B-F97A-CFD3-FD762434788A}"/>
+              </a:ext>
+            </a:extLst>
+          </p:cNvPr>
+          <p:cNvSpPr>
+            <a:spLocks noGrp="1" noRot="1" noChangeAspect="1"/>
+          </p:cNvSpPr>
+          <p:nvPr>
+            <p:ph type="sldImg" idx="2"/>
+          </p:nvPr>
+        </p:nvSpPr>
+        <p:spPr>
+          <a:xfrm>
+            <a:off x="381000" y="685800"/>
+            <a:ext cx="6096000" cy="3429000"/>
+          </a:xfrm>
+          <a:custGeom>
+            <a:avLst/>
+            <a:gdLst/>
+            <a:ahLst/>
+            <a:cxnLst/>
+            <a:rect l="l" t="t" r="r" b="b"/>
+            <a:pathLst>
+              <a:path w="120000" h="120000" extrusionOk="0">
+                <a:moveTo>
+                  <a:pt x="0" y="0"/>
+                </a:moveTo>
+                <a:lnTo>
+                  <a:pt x="120000" y="0"/>
+                </a:lnTo>
+                <a:lnTo>
+                  <a:pt x="120000" y="120000"/>
+                </a:lnTo>
+                <a:lnTo>
+                  <a:pt x="0" y="120000"/>
+                </a:lnTo>
+                <a:close/>
+              </a:path>
+            </a:pathLst>
+          </a:custGeom>
+        </p:spPr>
+      </p:sp>
+      <p:sp>
+        <p:nvSpPr>
+          <p:cNvPr id="98" name="Google Shape;98;g12010fc58e3_0_9:notes">
+            <a:extLst>
+              <a:ext uri="{FF2B5EF4-FFF2-40B4-BE49-F238E27FC236}">
+                <a16:creationId xmlns:a16="http://schemas.microsoft.com/office/drawing/2014/main" id="{CB32F733-B890-27C2-1FCD-A245E6654B03}"/>
+              </a:ext>
+            </a:extLst>
+          </p:cNvPr>
+          <p:cNvSpPr txBox="1">
+            <a:spLocks noGrp="1"/>
+          </p:cNvSpPr>
+          <p:nvPr>
+            <p:ph type="body" idx="1"/>
+          </p:nvPr>
+        </p:nvSpPr>
+        <p:spPr>
+          <a:xfrm>
+            <a:off x="685800" y="4343400"/>
+            <a:ext cx="5486400" cy="4114800"/>
+          </a:xfrm>
+          <a:prstGeom prst="rect">
+            <a:avLst/>
+          </a:prstGeom>
+        </p:spPr>
+        <p:txBody>
+          <a:bodyPr spcFirstLastPara="1" wrap="square" lIns="91425" tIns="91425" rIns="91425" bIns="91425" anchor="t" anchorCtr="0">
+            <a:noAutofit/>
+          </a:bodyPr>
+          <a:lstStyle/>
+          <a:p>
+            <a:pPr marL="0" lvl="0" indent="0" algn="l" rtl="0">
+              <a:spcBef>
+                <a:spcPts val="0"/>
+              </a:spcBef>
+              <a:spcAft>
+                <a:spcPts val="0"/>
+              </a:spcAft>
+              <a:buNone/>
+            </a:pPr>
+            <a:endParaRPr/>
+          </a:p>
+        </p:txBody>
+      </p:sp>
+    </p:spTree>
+    <p:extLst>
+      <p:ext uri="{BB962C8B-B14F-4D97-AF65-F5344CB8AC3E}">
+        <p14:creationId xmlns:p14="http://schemas.microsoft.com/office/powerpoint/2010/main" val="255731129"/>
+      </p:ext>
+    </p:extLst>
+  </p:cSld>
+  <p:clrMapOvr>
+    <a:masterClrMapping/>
+  </p:clrMapOvr>
+</p:notes>
+</file>
+
+<file path=ppt/notesSlides/notesSlide13.xml><?xml version="1.0" encoding="utf-8"?>
+<p:notes xmlns:a="http://schemas.openxmlformats.org/drawingml/2006/main" xmlns:r="http://schemas.openxmlformats.org/officeDocument/2006/relationships" xmlns:p="http://schemas.openxmlformats.org/presentationml/2006/main" showMasterSp="0" showMasterPhAnim="0">
+  <p:cSld>
+    <p:spTree>
+      <p:nvGrpSpPr>
+        <p:cNvPr id="1" name="Shape 96">
+          <a:extLst>
+            <a:ext uri="{FF2B5EF4-FFF2-40B4-BE49-F238E27FC236}">
               <a16:creationId xmlns:a16="http://schemas.microsoft.com/office/drawing/2014/main" id="{603EF480-94F4-263B-F60F-1ACA72DF04E2}"/>
             </a:ext>
           </a:extLst>
@@ -1230,7 +1356,7 @@
 </p:notes>
 </file>
 
-<file path=ppt/notesSlides/notesSlide13.xml><?xml version="1.0" encoding="utf-8"?>
+<file path=ppt/notesSlides/notesSlide14.xml><?xml version="1.0" encoding="utf-8"?>
 <p:notes xmlns:a="http://schemas.openxmlformats.org/drawingml/2006/main" xmlns:r="http://schemas.openxmlformats.org/officeDocument/2006/relationships" xmlns:p="http://schemas.openxmlformats.org/presentationml/2006/main" showMasterSp="0" showMasterPhAnim="0">
   <p:cSld>
     <p:spTree>
@@ -1357,7 +1483,7 @@
 </p:notes>
 </file>
 
-<file path=ppt/notesSlides/notesSlide14.xml><?xml version="1.0" encoding="utf-8"?>
+<file path=ppt/notesSlides/notesSlide15.xml><?xml version="1.0" encoding="utf-8"?>
 <p:notes xmlns:a="http://schemas.openxmlformats.org/drawingml/2006/main" xmlns:r="http://schemas.openxmlformats.org/officeDocument/2006/relationships" xmlns:p="http://schemas.openxmlformats.org/presentationml/2006/main" showMasterSp="0" showMasterPhAnim="0">
   <p:cSld>
     <p:spTree>
@@ -1484,7 +1610,261 @@
 </p:notes>
 </file>
 
-<file path=ppt/notesSlides/notesSlide15.xml><?xml version="1.0" encoding="utf-8"?>
+<file path=ppt/notesSlides/notesSlide16.xml><?xml version="1.0" encoding="utf-8"?>
+<p:notes xmlns:a="http://schemas.openxmlformats.org/drawingml/2006/main" xmlns:r="http://schemas.openxmlformats.org/officeDocument/2006/relationships" xmlns:p="http://schemas.openxmlformats.org/presentationml/2006/main" showMasterSp="0" showMasterPhAnim="0">
+  <p:cSld>
+    <p:spTree>
+      <p:nvGrpSpPr>
+        <p:cNvPr id="1" name="Shape 96">
+          <a:extLst>
+            <a:ext uri="{FF2B5EF4-FFF2-40B4-BE49-F238E27FC236}">
+              <a16:creationId xmlns:a16="http://schemas.microsoft.com/office/drawing/2014/main" id="{E5749CE9-CF03-B63E-AD22-0A3D16A1C5C1}"/>
+            </a:ext>
+          </a:extLst>
+        </p:cNvPr>
+        <p:cNvGrpSpPr/>
+        <p:nvPr/>
+      </p:nvGrpSpPr>
+      <p:grpSpPr>
+        <a:xfrm>
+          <a:off x="0" y="0"/>
+          <a:ext cx="0" cy="0"/>
+          <a:chOff x="0" y="0"/>
+          <a:chExt cx="0" cy="0"/>
+        </a:xfrm>
+      </p:grpSpPr>
+      <p:sp>
+        <p:nvSpPr>
+          <p:cNvPr id="97" name="Google Shape;97;g12010fc58e3_0_9:notes">
+            <a:extLst>
+              <a:ext uri="{FF2B5EF4-FFF2-40B4-BE49-F238E27FC236}">
+                <a16:creationId xmlns:a16="http://schemas.microsoft.com/office/drawing/2014/main" id="{D06B4D50-007F-E641-8D7B-8E90EC5C8FCC}"/>
+              </a:ext>
+            </a:extLst>
+          </p:cNvPr>
+          <p:cNvSpPr>
+            <a:spLocks noGrp="1" noRot="1" noChangeAspect="1"/>
+          </p:cNvSpPr>
+          <p:nvPr>
+            <p:ph type="sldImg" idx="2"/>
+          </p:nvPr>
+        </p:nvSpPr>
+        <p:spPr>
+          <a:xfrm>
+            <a:off x="381000" y="685800"/>
+            <a:ext cx="6096000" cy="3429000"/>
+          </a:xfrm>
+          <a:custGeom>
+            <a:avLst/>
+            <a:gdLst/>
+            <a:ahLst/>
+            <a:cxnLst/>
+            <a:rect l="l" t="t" r="r" b="b"/>
+            <a:pathLst>
+              <a:path w="120000" h="120000" extrusionOk="0">
+                <a:moveTo>
+                  <a:pt x="0" y="0"/>
+                </a:moveTo>
+                <a:lnTo>
+                  <a:pt x="120000" y="0"/>
+                </a:lnTo>
+                <a:lnTo>
+                  <a:pt x="120000" y="120000"/>
+                </a:lnTo>
+                <a:lnTo>
+                  <a:pt x="0" y="120000"/>
+                </a:lnTo>
+                <a:close/>
+              </a:path>
+            </a:pathLst>
+          </a:custGeom>
+        </p:spPr>
+      </p:sp>
+      <p:sp>
+        <p:nvSpPr>
+          <p:cNvPr id="98" name="Google Shape;98;g12010fc58e3_0_9:notes">
+            <a:extLst>
+              <a:ext uri="{FF2B5EF4-FFF2-40B4-BE49-F238E27FC236}">
+                <a16:creationId xmlns:a16="http://schemas.microsoft.com/office/drawing/2014/main" id="{D6305277-39A1-C8FF-890D-F318BD916ECB}"/>
+              </a:ext>
+            </a:extLst>
+          </p:cNvPr>
+          <p:cNvSpPr txBox="1">
+            <a:spLocks noGrp="1"/>
+          </p:cNvSpPr>
+          <p:nvPr>
+            <p:ph type="body" idx="1"/>
+          </p:nvPr>
+        </p:nvSpPr>
+        <p:spPr>
+          <a:xfrm>
+            <a:off x="685800" y="4343400"/>
+            <a:ext cx="5486400" cy="4114800"/>
+          </a:xfrm>
+          <a:prstGeom prst="rect">
+            <a:avLst/>
+          </a:prstGeom>
+        </p:spPr>
+        <p:txBody>
+          <a:bodyPr spcFirstLastPara="1" wrap="square" lIns="91425" tIns="91425" rIns="91425" bIns="91425" anchor="t" anchorCtr="0">
+            <a:noAutofit/>
+          </a:bodyPr>
+          <a:lstStyle/>
+          <a:p>
+            <a:pPr marL="0" lvl="0" indent="0" algn="l" rtl="0">
+              <a:spcBef>
+                <a:spcPts val="0"/>
+              </a:spcBef>
+              <a:spcAft>
+                <a:spcPts val="0"/>
+              </a:spcAft>
+              <a:buNone/>
+            </a:pPr>
+            <a:endParaRPr/>
+          </a:p>
+        </p:txBody>
+      </p:sp>
+    </p:spTree>
+    <p:extLst>
+      <p:ext uri="{BB962C8B-B14F-4D97-AF65-F5344CB8AC3E}">
+        <p14:creationId xmlns:p14="http://schemas.microsoft.com/office/powerpoint/2010/main" val="1307380125"/>
+      </p:ext>
+    </p:extLst>
+  </p:cSld>
+  <p:clrMapOvr>
+    <a:masterClrMapping/>
+  </p:clrMapOvr>
+</p:notes>
+</file>
+
+<file path=ppt/notesSlides/notesSlide17.xml><?xml version="1.0" encoding="utf-8"?>
+<p:notes xmlns:a="http://schemas.openxmlformats.org/drawingml/2006/main" xmlns:r="http://schemas.openxmlformats.org/officeDocument/2006/relationships" xmlns:p="http://schemas.openxmlformats.org/presentationml/2006/main" showMasterSp="0" showMasterPhAnim="0">
+  <p:cSld>
+    <p:spTree>
+      <p:nvGrpSpPr>
+        <p:cNvPr id="1" name="Shape 96">
+          <a:extLst>
+            <a:ext uri="{FF2B5EF4-FFF2-40B4-BE49-F238E27FC236}">
+              <a16:creationId xmlns:a16="http://schemas.microsoft.com/office/drawing/2014/main" id="{10547231-B7FE-517F-7E1C-519312DA793A}"/>
+            </a:ext>
+          </a:extLst>
+        </p:cNvPr>
+        <p:cNvGrpSpPr/>
+        <p:nvPr/>
+      </p:nvGrpSpPr>
+      <p:grpSpPr>
+        <a:xfrm>
+          <a:off x="0" y="0"/>
+          <a:ext cx="0" cy="0"/>
+          <a:chOff x="0" y="0"/>
+          <a:chExt cx="0" cy="0"/>
+        </a:xfrm>
+      </p:grpSpPr>
+      <p:sp>
+        <p:nvSpPr>
+          <p:cNvPr id="97" name="Google Shape;97;g12010fc58e3_0_9:notes">
+            <a:extLst>
+              <a:ext uri="{FF2B5EF4-FFF2-40B4-BE49-F238E27FC236}">
+                <a16:creationId xmlns:a16="http://schemas.microsoft.com/office/drawing/2014/main" id="{9CC15A6C-A189-6670-5EFD-C236118522A3}"/>
+              </a:ext>
+            </a:extLst>
+          </p:cNvPr>
+          <p:cNvSpPr>
+            <a:spLocks noGrp="1" noRot="1" noChangeAspect="1"/>
+          </p:cNvSpPr>
+          <p:nvPr>
+            <p:ph type="sldImg" idx="2"/>
+          </p:nvPr>
+        </p:nvSpPr>
+        <p:spPr>
+          <a:xfrm>
+            <a:off x="381000" y="685800"/>
+            <a:ext cx="6096000" cy="3429000"/>
+          </a:xfrm>
+          <a:custGeom>
+            <a:avLst/>
+            <a:gdLst/>
+            <a:ahLst/>
+            <a:cxnLst/>
+            <a:rect l="l" t="t" r="r" b="b"/>
+            <a:pathLst>
+              <a:path w="120000" h="120000" extrusionOk="0">
+                <a:moveTo>
+                  <a:pt x="0" y="0"/>
+                </a:moveTo>
+                <a:lnTo>
+                  <a:pt x="120000" y="0"/>
+                </a:lnTo>
+                <a:lnTo>
+                  <a:pt x="120000" y="120000"/>
+                </a:lnTo>
+                <a:lnTo>
+                  <a:pt x="0" y="120000"/>
+                </a:lnTo>
+                <a:close/>
+              </a:path>
+            </a:pathLst>
+          </a:custGeom>
+        </p:spPr>
+      </p:sp>
+      <p:sp>
+        <p:nvSpPr>
+          <p:cNvPr id="98" name="Google Shape;98;g12010fc58e3_0_9:notes">
+            <a:extLst>
+              <a:ext uri="{FF2B5EF4-FFF2-40B4-BE49-F238E27FC236}">
+                <a16:creationId xmlns:a16="http://schemas.microsoft.com/office/drawing/2014/main" id="{AB0C12D7-A5A3-1632-FDA0-514EF7E27787}"/>
+              </a:ext>
+            </a:extLst>
+          </p:cNvPr>
+          <p:cNvSpPr txBox="1">
+            <a:spLocks noGrp="1"/>
+          </p:cNvSpPr>
+          <p:nvPr>
+            <p:ph type="body" idx="1"/>
+          </p:nvPr>
+        </p:nvSpPr>
+        <p:spPr>
+          <a:xfrm>
+            <a:off x="685800" y="4343400"/>
+            <a:ext cx="5486400" cy="4114800"/>
+          </a:xfrm>
+          <a:prstGeom prst="rect">
+            <a:avLst/>
+          </a:prstGeom>
+        </p:spPr>
+        <p:txBody>
+          <a:bodyPr spcFirstLastPara="1" wrap="square" lIns="91425" tIns="91425" rIns="91425" bIns="91425" anchor="t" anchorCtr="0">
+            <a:noAutofit/>
+          </a:bodyPr>
+          <a:lstStyle/>
+          <a:p>
+            <a:pPr marL="0" lvl="0" indent="0" algn="l" rtl="0">
+              <a:spcBef>
+                <a:spcPts val="0"/>
+              </a:spcBef>
+              <a:spcAft>
+                <a:spcPts val="0"/>
+              </a:spcAft>
+              <a:buNone/>
+            </a:pPr>
+            <a:endParaRPr/>
+          </a:p>
+        </p:txBody>
+      </p:sp>
+    </p:spTree>
+    <p:extLst>
+      <p:ext uri="{BB962C8B-B14F-4D97-AF65-F5344CB8AC3E}">
+        <p14:creationId xmlns:p14="http://schemas.microsoft.com/office/powerpoint/2010/main" val="881131532"/>
+      </p:ext>
+    </p:extLst>
+  </p:cSld>
+  <p:clrMapOvr>
+    <a:masterClrMapping/>
+  </p:clrMapOvr>
+</p:notes>
+</file>
+
+<file path=ppt/notesSlides/notesSlide18.xml><?xml version="1.0" encoding="utf-8"?>
 <p:notes xmlns:a="http://schemas.openxmlformats.org/drawingml/2006/main" xmlns:r="http://schemas.openxmlformats.org/officeDocument/2006/relationships" xmlns:p="http://schemas.openxmlformats.org/presentationml/2006/main" showMasterSp="0" showMasterPhAnim="0">
   <p:cSld>
     <p:spTree>
@@ -1588,12 +1968,12 @@
 </p:notes>
 </file>
 
-<file path=ppt/notesSlides/notesSlide16.xml><?xml version="1.0" encoding="utf-8"?>
+<file path=ppt/notesSlides/notesSlide19.xml><?xml version="1.0" encoding="utf-8"?>
 <p:notes xmlns:a="http://schemas.openxmlformats.org/drawingml/2006/main" xmlns:r="http://schemas.openxmlformats.org/officeDocument/2006/relationships" xmlns:p="http://schemas.openxmlformats.org/presentationml/2006/main" showMasterSp="0" showMasterPhAnim="0">
   <p:cSld>
     <p:spTree>
       <p:nvGrpSpPr>
-        <p:cNvPr id="1" name="Shape 413"/>
+        <p:cNvPr id="1" name="Shape 486"/>
         <p:cNvGrpSpPr/>
         <p:nvPr/>
       </p:nvGrpSpPr>
@@ -1607,7 +1987,7 @@
       </p:grpSpPr>
       <p:sp>
         <p:nvSpPr>
-          <p:cNvPr id="414" name="Google Shape;414;g1360b63438e_0_896:notes"/>
+          <p:cNvPr id="487" name="Google Shape;487;g13645ff7543_0_161:notes"/>
           <p:cNvSpPr>
             <a:spLocks noGrp="1" noRot="1" noChangeAspect="1"/>
           </p:cNvSpPr>
@@ -1648,319 +2028,7 @@
       </p:sp>
       <p:sp>
         <p:nvSpPr>
-          <p:cNvPr id="415" name="Google Shape;415;g1360b63438e_0_896:notes"/>
-          <p:cNvSpPr txBox="1">
-            <a:spLocks noGrp="1"/>
-          </p:cNvSpPr>
-          <p:nvPr>
-            <p:ph type="body" idx="1"/>
-          </p:nvPr>
-        </p:nvSpPr>
-        <p:spPr>
-          <a:xfrm>
-            <a:off x="685800" y="4343400"/>
-            <a:ext cx="5486400" cy="4114800"/>
-          </a:xfrm>
-          <a:prstGeom prst="rect">
-            <a:avLst/>
-          </a:prstGeom>
-        </p:spPr>
-        <p:txBody>
-          <a:bodyPr spcFirstLastPara="1" wrap="square" lIns="91425" tIns="91425" rIns="91425" bIns="91425" anchor="t" anchorCtr="0">
-            <a:noAutofit/>
-          </a:bodyPr>
-          <a:lstStyle/>
-          <a:p>
-            <a:pPr marL="0" lvl="0" indent="0" algn="l" rtl="0">
-              <a:spcBef>
-                <a:spcPts val="0"/>
-              </a:spcBef>
-              <a:spcAft>
-                <a:spcPts val="0"/>
-              </a:spcAft>
-              <a:buNone/>
-            </a:pPr>
-            <a:endParaRPr/>
-          </a:p>
-        </p:txBody>
-      </p:sp>
-    </p:spTree>
-  </p:cSld>
-  <p:clrMapOvr>
-    <a:masterClrMapping/>
-  </p:clrMapOvr>
-</p:notes>
-</file>
-
-<file path=ppt/notesSlides/notesSlide17.xml><?xml version="1.0" encoding="utf-8"?>
-<p:notes xmlns:a="http://schemas.openxmlformats.org/drawingml/2006/main" xmlns:r="http://schemas.openxmlformats.org/officeDocument/2006/relationships" xmlns:p="http://schemas.openxmlformats.org/presentationml/2006/main" showMasterSp="0" showMasterPhAnim="0">
-  <p:cSld>
-    <p:spTree>
-      <p:nvGrpSpPr>
-        <p:cNvPr id="1" name="Shape 420"/>
-        <p:cNvGrpSpPr/>
-        <p:nvPr/>
-      </p:nvGrpSpPr>
-      <p:grpSpPr>
-        <a:xfrm>
-          <a:off x="0" y="0"/>
-          <a:ext cx="0" cy="0"/>
-          <a:chOff x="0" y="0"/>
-          <a:chExt cx="0" cy="0"/>
-        </a:xfrm>
-      </p:grpSpPr>
-      <p:sp>
-        <p:nvSpPr>
-          <p:cNvPr id="421" name="Google Shape;421;g136192a1abc_0_0:notes"/>
-          <p:cNvSpPr>
-            <a:spLocks noGrp="1" noRot="1" noChangeAspect="1"/>
-          </p:cNvSpPr>
-          <p:nvPr>
-            <p:ph type="sldImg" idx="2"/>
-          </p:nvPr>
-        </p:nvSpPr>
-        <p:spPr>
-          <a:xfrm>
-            <a:off x="381000" y="685800"/>
-            <a:ext cx="6096000" cy="3429000"/>
-          </a:xfrm>
-          <a:custGeom>
-            <a:avLst/>
-            <a:gdLst/>
-            <a:ahLst/>
-            <a:cxnLst/>
-            <a:rect l="l" t="t" r="r" b="b"/>
-            <a:pathLst>
-              <a:path w="120000" h="120000" extrusionOk="0">
-                <a:moveTo>
-                  <a:pt x="0" y="0"/>
-                </a:moveTo>
-                <a:lnTo>
-                  <a:pt x="120000" y="0"/>
-                </a:lnTo>
-                <a:lnTo>
-                  <a:pt x="120000" y="120000"/>
-                </a:lnTo>
-                <a:lnTo>
-                  <a:pt x="0" y="120000"/>
-                </a:lnTo>
-                <a:close/>
-              </a:path>
-            </a:pathLst>
-          </a:custGeom>
-        </p:spPr>
-      </p:sp>
-      <p:sp>
-        <p:nvSpPr>
-          <p:cNvPr id="422" name="Google Shape;422;g136192a1abc_0_0:notes"/>
-          <p:cNvSpPr txBox="1">
-            <a:spLocks noGrp="1"/>
-          </p:cNvSpPr>
-          <p:nvPr>
-            <p:ph type="body" idx="1"/>
-          </p:nvPr>
-        </p:nvSpPr>
-        <p:spPr>
-          <a:xfrm>
-            <a:off x="685800" y="4343400"/>
-            <a:ext cx="5486400" cy="4114800"/>
-          </a:xfrm>
-          <a:prstGeom prst="rect">
-            <a:avLst/>
-          </a:prstGeom>
-        </p:spPr>
-        <p:txBody>
-          <a:bodyPr spcFirstLastPara="1" wrap="square" lIns="91425" tIns="91425" rIns="91425" bIns="91425" anchor="t" anchorCtr="0">
-            <a:noAutofit/>
-          </a:bodyPr>
-          <a:lstStyle/>
-          <a:p>
-            <a:pPr marL="0" lvl="0" indent="0" algn="l" rtl="0">
-              <a:spcBef>
-                <a:spcPts val="0"/>
-              </a:spcBef>
-              <a:spcAft>
-                <a:spcPts val="0"/>
-              </a:spcAft>
-              <a:buNone/>
-            </a:pPr>
-            <a:endParaRPr/>
-          </a:p>
-        </p:txBody>
-      </p:sp>
-    </p:spTree>
-  </p:cSld>
-  <p:clrMapOvr>
-    <a:masterClrMapping/>
-  </p:clrMapOvr>
-</p:notes>
-</file>
-
-<file path=ppt/notesSlides/notesSlide18.xml><?xml version="1.0" encoding="utf-8"?>
-<p:notes xmlns:a="http://schemas.openxmlformats.org/drawingml/2006/main" xmlns:r="http://schemas.openxmlformats.org/officeDocument/2006/relationships" xmlns:p="http://schemas.openxmlformats.org/presentationml/2006/main" showMasterSp="0" showMasterPhAnim="0">
-  <p:cSld>
-    <p:spTree>
-      <p:nvGrpSpPr>
-        <p:cNvPr id="1" name="Shape 434"/>
-        <p:cNvGrpSpPr/>
-        <p:nvPr/>
-      </p:nvGrpSpPr>
-      <p:grpSpPr>
-        <a:xfrm>
-          <a:off x="0" y="0"/>
-          <a:ext cx="0" cy="0"/>
-          <a:chOff x="0" y="0"/>
-          <a:chExt cx="0" cy="0"/>
-        </a:xfrm>
-      </p:grpSpPr>
-      <p:sp>
-        <p:nvSpPr>
-          <p:cNvPr id="435" name="Google Shape;435;g13645ff7543_0_149:notes"/>
-          <p:cNvSpPr>
-            <a:spLocks noGrp="1" noRot="1" noChangeAspect="1"/>
-          </p:cNvSpPr>
-          <p:nvPr>
-            <p:ph type="sldImg" idx="2"/>
-          </p:nvPr>
-        </p:nvSpPr>
-        <p:spPr>
-          <a:xfrm>
-            <a:off x="381000" y="685800"/>
-            <a:ext cx="6096000" cy="3429000"/>
-          </a:xfrm>
-          <a:custGeom>
-            <a:avLst/>
-            <a:gdLst/>
-            <a:ahLst/>
-            <a:cxnLst/>
-            <a:rect l="l" t="t" r="r" b="b"/>
-            <a:pathLst>
-              <a:path w="120000" h="120000" extrusionOk="0">
-                <a:moveTo>
-                  <a:pt x="0" y="0"/>
-                </a:moveTo>
-                <a:lnTo>
-                  <a:pt x="120000" y="0"/>
-                </a:lnTo>
-                <a:lnTo>
-                  <a:pt x="120000" y="120000"/>
-                </a:lnTo>
-                <a:lnTo>
-                  <a:pt x="0" y="120000"/>
-                </a:lnTo>
-                <a:close/>
-              </a:path>
-            </a:pathLst>
-          </a:custGeom>
-        </p:spPr>
-      </p:sp>
-      <p:sp>
-        <p:nvSpPr>
-          <p:cNvPr id="436" name="Google Shape;436;g13645ff7543_0_149:notes"/>
-          <p:cNvSpPr txBox="1">
-            <a:spLocks noGrp="1"/>
-          </p:cNvSpPr>
-          <p:nvPr>
-            <p:ph type="body" idx="1"/>
-          </p:nvPr>
-        </p:nvSpPr>
-        <p:spPr>
-          <a:xfrm>
-            <a:off x="685800" y="4343400"/>
-            <a:ext cx="5486400" cy="4114800"/>
-          </a:xfrm>
-          <a:prstGeom prst="rect">
-            <a:avLst/>
-          </a:prstGeom>
-        </p:spPr>
-        <p:txBody>
-          <a:bodyPr spcFirstLastPara="1" wrap="square" lIns="91425" tIns="91425" rIns="91425" bIns="91425" anchor="t" anchorCtr="0">
-            <a:noAutofit/>
-          </a:bodyPr>
-          <a:lstStyle/>
-          <a:p>
-            <a:pPr marL="0" lvl="0" indent="0" algn="l" rtl="0">
-              <a:spcBef>
-                <a:spcPts val="0"/>
-              </a:spcBef>
-              <a:spcAft>
-                <a:spcPts val="0"/>
-              </a:spcAft>
-              <a:buNone/>
-            </a:pPr>
-            <a:endParaRPr/>
-          </a:p>
-        </p:txBody>
-      </p:sp>
-    </p:spTree>
-  </p:cSld>
-  <p:clrMapOvr>
-    <a:masterClrMapping/>
-  </p:clrMapOvr>
-</p:notes>
-</file>
-
-<file path=ppt/notesSlides/notesSlide19.xml><?xml version="1.0" encoding="utf-8"?>
-<p:notes xmlns:a="http://schemas.openxmlformats.org/drawingml/2006/main" xmlns:r="http://schemas.openxmlformats.org/officeDocument/2006/relationships" xmlns:p="http://schemas.openxmlformats.org/presentationml/2006/main" showMasterSp="0" showMasterPhAnim="0">
-  <p:cSld>
-    <p:spTree>
-      <p:nvGrpSpPr>
-        <p:cNvPr id="1" name="Shape 479"/>
-        <p:cNvGrpSpPr/>
-        <p:nvPr/>
-      </p:nvGrpSpPr>
-      <p:grpSpPr>
-        <a:xfrm>
-          <a:off x="0" y="0"/>
-          <a:ext cx="0" cy="0"/>
-          <a:chOff x="0" y="0"/>
-          <a:chExt cx="0" cy="0"/>
-        </a:xfrm>
-      </p:grpSpPr>
-      <p:sp>
-        <p:nvSpPr>
-          <p:cNvPr id="480" name="Google Shape;480;g1201243a61c_0_296:notes"/>
-          <p:cNvSpPr>
-            <a:spLocks noGrp="1" noRot="1" noChangeAspect="1"/>
-          </p:cNvSpPr>
-          <p:nvPr>
-            <p:ph type="sldImg" idx="2"/>
-          </p:nvPr>
-        </p:nvSpPr>
-        <p:spPr>
-          <a:xfrm>
-            <a:off x="381000" y="685800"/>
-            <a:ext cx="6096000" cy="3429000"/>
-          </a:xfrm>
-          <a:custGeom>
-            <a:avLst/>
-            <a:gdLst/>
-            <a:ahLst/>
-            <a:cxnLst/>
-            <a:rect l="l" t="t" r="r" b="b"/>
-            <a:pathLst>
-              <a:path w="120000" h="120000" extrusionOk="0">
-                <a:moveTo>
-                  <a:pt x="0" y="0"/>
-                </a:moveTo>
-                <a:lnTo>
-                  <a:pt x="120000" y="0"/>
-                </a:lnTo>
-                <a:lnTo>
-                  <a:pt x="120000" y="120000"/>
-                </a:lnTo>
-                <a:lnTo>
-                  <a:pt x="0" y="120000"/>
-                </a:lnTo>
-                <a:close/>
-              </a:path>
-            </a:pathLst>
-          </a:custGeom>
-        </p:spPr>
-      </p:sp>
-      <p:sp>
-        <p:nvSpPr>
-          <p:cNvPr id="481" name="Google Shape;481;g1201243a61c_0_296:notes"/>
+          <p:cNvPr id="488" name="Google Shape;488;g13645ff7543_0_161:notes"/>
           <p:cNvSpPr txBox="1">
             <a:spLocks noGrp="1"/>
           </p:cNvSpPr>
@@ -2109,110 +2177,6 @@
 </file>
 
 <file path=ppt/notesSlides/notesSlide20.xml><?xml version="1.0" encoding="utf-8"?>
-<p:notes xmlns:a="http://schemas.openxmlformats.org/drawingml/2006/main" xmlns:r="http://schemas.openxmlformats.org/officeDocument/2006/relationships" xmlns:p="http://schemas.openxmlformats.org/presentationml/2006/main" showMasterSp="0" showMasterPhAnim="0">
-  <p:cSld>
-    <p:spTree>
-      <p:nvGrpSpPr>
-        <p:cNvPr id="1" name="Shape 486"/>
-        <p:cNvGrpSpPr/>
-        <p:nvPr/>
-      </p:nvGrpSpPr>
-      <p:grpSpPr>
-        <a:xfrm>
-          <a:off x="0" y="0"/>
-          <a:ext cx="0" cy="0"/>
-          <a:chOff x="0" y="0"/>
-          <a:chExt cx="0" cy="0"/>
-        </a:xfrm>
-      </p:grpSpPr>
-      <p:sp>
-        <p:nvSpPr>
-          <p:cNvPr id="487" name="Google Shape;487;g13645ff7543_0_161:notes"/>
-          <p:cNvSpPr>
-            <a:spLocks noGrp="1" noRot="1" noChangeAspect="1"/>
-          </p:cNvSpPr>
-          <p:nvPr>
-            <p:ph type="sldImg" idx="2"/>
-          </p:nvPr>
-        </p:nvSpPr>
-        <p:spPr>
-          <a:xfrm>
-            <a:off x="381000" y="685800"/>
-            <a:ext cx="6096000" cy="3429000"/>
-          </a:xfrm>
-          <a:custGeom>
-            <a:avLst/>
-            <a:gdLst/>
-            <a:ahLst/>
-            <a:cxnLst/>
-            <a:rect l="l" t="t" r="r" b="b"/>
-            <a:pathLst>
-              <a:path w="120000" h="120000" extrusionOk="0">
-                <a:moveTo>
-                  <a:pt x="0" y="0"/>
-                </a:moveTo>
-                <a:lnTo>
-                  <a:pt x="120000" y="0"/>
-                </a:lnTo>
-                <a:lnTo>
-                  <a:pt x="120000" y="120000"/>
-                </a:lnTo>
-                <a:lnTo>
-                  <a:pt x="0" y="120000"/>
-                </a:lnTo>
-                <a:close/>
-              </a:path>
-            </a:pathLst>
-          </a:custGeom>
-        </p:spPr>
-      </p:sp>
-      <p:sp>
-        <p:nvSpPr>
-          <p:cNvPr id="488" name="Google Shape;488;g13645ff7543_0_161:notes"/>
-          <p:cNvSpPr txBox="1">
-            <a:spLocks noGrp="1"/>
-          </p:cNvSpPr>
-          <p:nvPr>
-            <p:ph type="body" idx="1"/>
-          </p:nvPr>
-        </p:nvSpPr>
-        <p:spPr>
-          <a:xfrm>
-            <a:off x="685800" y="4343400"/>
-            <a:ext cx="5486400" cy="4114800"/>
-          </a:xfrm>
-          <a:prstGeom prst="rect">
-            <a:avLst/>
-          </a:prstGeom>
-        </p:spPr>
-        <p:txBody>
-          <a:bodyPr spcFirstLastPara="1" wrap="square" lIns="91425" tIns="91425" rIns="91425" bIns="91425" anchor="t" anchorCtr="0">
-            <a:noAutofit/>
-          </a:bodyPr>
-          <a:lstStyle/>
-          <a:p>
-            <a:pPr marL="0" lvl="0" indent="0" algn="l" rtl="0">
-              <a:spcBef>
-                <a:spcPts val="0"/>
-              </a:spcBef>
-              <a:spcAft>
-                <a:spcPts val="0"/>
-              </a:spcAft>
-              <a:buNone/>
-            </a:pPr>
-            <a:endParaRPr/>
-          </a:p>
-        </p:txBody>
-      </p:sp>
-    </p:spTree>
-  </p:cSld>
-  <p:clrMapOvr>
-    <a:masterClrMapping/>
-  </p:clrMapOvr>
-</p:notes>
-</file>
-
-<file path=ppt/notesSlides/notesSlide21.xml><?xml version="1.0" encoding="utf-8"?>
 <p:notes xmlns:a="http://schemas.openxmlformats.org/drawingml/2006/main" xmlns:r="http://schemas.openxmlformats.org/officeDocument/2006/relationships" xmlns:p="http://schemas.openxmlformats.org/presentationml/2006/main" showMasterSp="0" showMasterPhAnim="0">
   <p:cSld>
     <p:spTree>
@@ -10244,8 +10208,8 @@
         </p:nvCxnSpPr>
         <p:spPr>
           <a:xfrm flipV="1">
-            <a:off x="2681654" y="2260942"/>
-            <a:ext cx="2294804" cy="553709"/>
+            <a:off x="2681654" y="2367391"/>
+            <a:ext cx="2508159" cy="447260"/>
           </a:xfrm>
           <a:prstGeom prst="straightConnector1">
             <a:avLst/>
@@ -10276,8 +10240,8 @@
         </p:nvSpPr>
         <p:spPr>
           <a:xfrm>
-            <a:off x="4976458" y="2098786"/>
-            <a:ext cx="2860500" cy="584745"/>
+            <a:off x="5189813" y="2052441"/>
+            <a:ext cx="2442109" cy="584745"/>
           </a:xfrm>
           <a:prstGeom prst="rect">
             <a:avLst/>
@@ -10307,22 +10271,13 @@
               <a:buNone/>
             </a:pPr>
             <a:r>
-              <a:rPr lang="it-IT" sz="1300" b="1" dirty="0">
-                <a:latin typeface="Times New Roman"/>
-                <a:ea typeface="Times New Roman"/>
-                <a:cs typeface="Times New Roman"/>
-                <a:sym typeface="Times New Roman"/>
-              </a:rPr>
-              <a:t>Extra </a:t>
-            </a:r>
-            <a:r>
-              <a:rPr lang="it-IT" sz="1300" b="1" dirty="0" err="1">
-                <a:latin typeface="Times New Roman"/>
-                <a:ea typeface="Times New Roman"/>
-                <a:cs typeface="Times New Roman"/>
-                <a:sym typeface="Times New Roman"/>
-              </a:rPr>
-              <a:t>constraints</a:t>
+              <a:rPr lang="it-IT" sz="1300" dirty="0" err="1">
+                <a:latin typeface="Times New Roman"/>
+                <a:ea typeface="Times New Roman"/>
+                <a:cs typeface="Times New Roman"/>
+                <a:sym typeface="Times New Roman"/>
+              </a:rPr>
+              <a:t>It</a:t>
             </a:r>
             <a:r>
               <a:rPr lang="it-IT" sz="1300" dirty="0">
@@ -10331,19 +10286,17 @@
                 <a:cs typeface="Times New Roman"/>
                 <a:sym typeface="Times New Roman"/>
               </a:rPr>
-              <a:t>:</a:t>
-            </a:r>
-          </a:p>
-          <a:p>
-            <a:pPr marL="0" lvl="0" indent="0" algn="l" rtl="0">
-              <a:spcBef>
-                <a:spcPts val="0"/>
-              </a:spcBef>
-              <a:spcAft>
-                <a:spcPts val="0"/>
-              </a:spcAft>
-              <a:buNone/>
-            </a:pPr>
+              <a:t> can be </a:t>
+            </a:r>
+            <a:r>
+              <a:rPr lang="it-IT" sz="1300" dirty="0" err="1">
+                <a:latin typeface="Times New Roman"/>
+                <a:ea typeface="Times New Roman"/>
+                <a:cs typeface="Times New Roman"/>
+                <a:sym typeface="Times New Roman"/>
+              </a:rPr>
+              <a:t>used</a:t>
+            </a:r>
             <a:r>
               <a:rPr lang="it-IT" sz="1300" dirty="0">
                 <a:latin typeface="Times New Roman"/>
@@ -10351,8 +10304,77 @@
                 <a:cs typeface="Times New Roman"/>
                 <a:sym typeface="Times New Roman"/>
               </a:rPr>
-              <a:t>SCRIVILE QUANDO LE AVRAI</a:t>
-            </a:r>
+              <a:t> to </a:t>
+            </a:r>
+            <a:r>
+              <a:rPr lang="it-IT" sz="1300" dirty="0" err="1">
+                <a:latin typeface="Times New Roman"/>
+                <a:ea typeface="Times New Roman"/>
+                <a:cs typeface="Times New Roman"/>
+                <a:sym typeface="Times New Roman"/>
+              </a:rPr>
+              <a:t>give</a:t>
+            </a:r>
+            <a:r>
+              <a:rPr lang="it-IT" sz="1300" dirty="0">
+                <a:latin typeface="Times New Roman"/>
+                <a:ea typeface="Times New Roman"/>
+                <a:cs typeface="Times New Roman"/>
+                <a:sym typeface="Times New Roman"/>
+              </a:rPr>
+              <a:t> </a:t>
+            </a:r>
+            <a:r>
+              <a:rPr lang="it-IT" sz="1300" dirty="0" err="1">
+                <a:latin typeface="Times New Roman"/>
+                <a:ea typeface="Times New Roman"/>
+                <a:cs typeface="Times New Roman"/>
+                <a:sym typeface="Times New Roman"/>
+              </a:rPr>
+              <a:t>priority</a:t>
+            </a:r>
+            <a:r>
+              <a:rPr lang="it-IT" sz="1300" dirty="0">
+                <a:latin typeface="Times New Roman"/>
+                <a:ea typeface="Times New Roman"/>
+                <a:cs typeface="Times New Roman"/>
+                <a:sym typeface="Times New Roman"/>
+              </a:rPr>
+              <a:t> to one </a:t>
+            </a:r>
+            <a:r>
+              <a:rPr lang="it-IT" sz="1300" dirty="0" err="1">
+                <a:latin typeface="Times New Roman"/>
+                <a:ea typeface="Times New Roman"/>
+                <a:cs typeface="Times New Roman"/>
+                <a:sym typeface="Times New Roman"/>
+              </a:rPr>
+              <a:t>vehicle</a:t>
+            </a:r>
+            <a:r>
+              <a:rPr lang="it-IT" sz="1300" dirty="0">
+                <a:latin typeface="Times New Roman"/>
+                <a:ea typeface="Times New Roman"/>
+                <a:cs typeface="Times New Roman"/>
+                <a:sym typeface="Times New Roman"/>
+              </a:rPr>
+              <a:t> class over the </a:t>
+            </a:r>
+            <a:r>
+              <a:rPr lang="it-IT" sz="1300" dirty="0" err="1">
+                <a:latin typeface="Times New Roman"/>
+                <a:ea typeface="Times New Roman"/>
+                <a:cs typeface="Times New Roman"/>
+                <a:sym typeface="Times New Roman"/>
+              </a:rPr>
+              <a:t>other</a:t>
+            </a:r>
+            <a:endParaRPr lang="it-IT" sz="1300" dirty="0">
+              <a:latin typeface="Times New Roman"/>
+              <a:ea typeface="Times New Roman"/>
+              <a:cs typeface="Times New Roman"/>
+              <a:sym typeface="Times New Roman"/>
+            </a:endParaRPr>
           </a:p>
         </p:txBody>
       </p:sp>
@@ -10846,6 +10868,1313 @@
 </file>
 
 <file path=ppt/slides/slide12.xml><?xml version="1.0" encoding="utf-8"?>
+<p:sld xmlns:a="http://schemas.openxmlformats.org/drawingml/2006/main" xmlns:r="http://schemas.openxmlformats.org/officeDocument/2006/relationships" xmlns:p="http://schemas.openxmlformats.org/presentationml/2006/main">
+  <p:cSld>
+    <p:spTree>
+      <p:nvGrpSpPr>
+        <p:cNvPr id="1" name="Shape 99">
+          <a:extLst>
+            <a:ext uri="{FF2B5EF4-FFF2-40B4-BE49-F238E27FC236}">
+              <a16:creationId xmlns:a16="http://schemas.microsoft.com/office/drawing/2014/main" id="{3A4445C3-7AB7-38CE-7C2C-B5E79C81CE3B}"/>
+            </a:ext>
+          </a:extLst>
+        </p:cNvPr>
+        <p:cNvGrpSpPr/>
+        <p:nvPr/>
+      </p:nvGrpSpPr>
+      <p:grpSpPr>
+        <a:xfrm>
+          <a:off x="0" y="0"/>
+          <a:ext cx="0" cy="0"/>
+          <a:chOff x="0" y="0"/>
+          <a:chExt cx="0" cy="0"/>
+        </a:xfrm>
+      </p:grpSpPr>
+      <p:pic>
+        <p:nvPicPr>
+          <p:cNvPr id="12" name="Immagine 11" descr="Immagine che contiene testo, ricevuta, Carattere, algebra&#10;&#10;Il contenuto generato dall'IA potrebbe non essere corretto.">
+            <a:extLst>
+              <a:ext uri="{FF2B5EF4-FFF2-40B4-BE49-F238E27FC236}">
+                <a16:creationId xmlns:a16="http://schemas.microsoft.com/office/drawing/2014/main" id="{00E9A85F-CD82-C065-07B9-37FEE10D4BB3}"/>
+              </a:ext>
+            </a:extLst>
+          </p:cNvPr>
+          <p:cNvPicPr>
+            <a:picLocks noChangeAspect="1"/>
+          </p:cNvPicPr>
+          <p:nvPr/>
+        </p:nvPicPr>
+        <p:blipFill>
+          <a:blip r:embed="rId3"/>
+          <a:stretch>
+            <a:fillRect/>
+          </a:stretch>
+        </p:blipFill>
+        <p:spPr>
+          <a:xfrm>
+            <a:off x="451175" y="1384962"/>
+            <a:ext cx="8398380" cy="3485976"/>
+          </a:xfrm>
+          <a:prstGeom prst="rect">
+            <a:avLst/>
+          </a:prstGeom>
+        </p:spPr>
+      </p:pic>
+      <p:sp>
+        <p:nvSpPr>
+          <p:cNvPr id="103" name="Google Shape;103;p15">
+            <a:extLst>
+              <a:ext uri="{FF2B5EF4-FFF2-40B4-BE49-F238E27FC236}">
+                <a16:creationId xmlns:a16="http://schemas.microsoft.com/office/drawing/2014/main" id="{774DAEDD-F4B5-9080-985C-D14F813AFB0C}"/>
+              </a:ext>
+            </a:extLst>
+          </p:cNvPr>
+          <p:cNvSpPr/>
+          <p:nvPr/>
+        </p:nvSpPr>
+        <p:spPr>
+          <a:xfrm>
+            <a:off x="2459507" y="2710770"/>
+            <a:ext cx="222147" cy="275999"/>
+          </a:xfrm>
+          <a:prstGeom prst="ellipse">
+            <a:avLst/>
+          </a:prstGeom>
+          <a:noFill/>
+          <a:ln w="9525" cap="flat" cmpd="sng">
+            <a:solidFill>
+              <a:schemeClr val="accent3"/>
+            </a:solidFill>
+            <a:prstDash val="solid"/>
+            <a:round/>
+            <a:headEnd type="none" w="sm" len="sm"/>
+            <a:tailEnd type="none" w="sm" len="sm"/>
+          </a:ln>
+        </p:spPr>
+        <p:txBody>
+          <a:bodyPr spcFirstLastPara="1" wrap="square" lIns="91425" tIns="91425" rIns="91425" bIns="91425" anchor="ctr" anchorCtr="0">
+            <a:noAutofit/>
+          </a:bodyPr>
+          <a:lstStyle/>
+          <a:p>
+            <a:pPr marL="0" lvl="0" indent="0" algn="l" rtl="0">
+              <a:spcBef>
+                <a:spcPts val="0"/>
+              </a:spcBef>
+              <a:spcAft>
+                <a:spcPts val="0"/>
+              </a:spcAft>
+              <a:buNone/>
+            </a:pPr>
+            <a:endParaRPr/>
+          </a:p>
+        </p:txBody>
+      </p:sp>
+      <p:sp>
+        <p:nvSpPr>
+          <p:cNvPr id="2" name="Google Shape;112;p16">
+            <a:extLst>
+              <a:ext uri="{FF2B5EF4-FFF2-40B4-BE49-F238E27FC236}">
+                <a16:creationId xmlns:a16="http://schemas.microsoft.com/office/drawing/2014/main" id="{E189A56C-8834-2F85-400A-A4DD7AF3F83C}"/>
+              </a:ext>
+            </a:extLst>
+          </p:cNvPr>
+          <p:cNvSpPr txBox="1"/>
+          <p:nvPr/>
+        </p:nvSpPr>
+        <p:spPr>
+          <a:xfrm>
+            <a:off x="451175" y="757975"/>
+            <a:ext cx="8013556" cy="477023"/>
+          </a:xfrm>
+          <a:prstGeom prst="rect">
+            <a:avLst/>
+          </a:prstGeom>
+          <a:noFill/>
+          <a:ln>
+            <a:noFill/>
+          </a:ln>
+        </p:spPr>
+        <p:txBody>
+          <a:bodyPr spcFirstLastPara="1" wrap="square" lIns="91425" tIns="91425" rIns="91425" bIns="91425" anchor="t" anchorCtr="0">
+            <a:spAutoFit/>
+          </a:bodyPr>
+          <a:lstStyle/>
+          <a:p>
+            <a:pPr marL="0" lvl="0" indent="0" algn="l" rtl="0">
+              <a:spcBef>
+                <a:spcPts val="0"/>
+              </a:spcBef>
+              <a:spcAft>
+                <a:spcPts val="0"/>
+              </a:spcAft>
+              <a:buNone/>
+            </a:pPr>
+            <a:r>
+              <a:rPr lang="it" sz="1900" dirty="0">
+                <a:latin typeface="Times New Roman"/>
+                <a:ea typeface="Times New Roman"/>
+                <a:cs typeface="Times New Roman"/>
+                <a:sym typeface="Times New Roman"/>
+              </a:rPr>
+              <a:t>Constraints</a:t>
+            </a:r>
+            <a:endParaRPr sz="1900" dirty="0">
+              <a:latin typeface="Times New Roman"/>
+              <a:ea typeface="Times New Roman"/>
+              <a:cs typeface="Times New Roman"/>
+              <a:sym typeface="Times New Roman"/>
+            </a:endParaRPr>
+          </a:p>
+        </p:txBody>
+      </p:sp>
+      <mc:AlternateContent xmlns:mc="http://schemas.openxmlformats.org/markup-compatibility/2006">
+        <mc:Choice xmlns:a14="http://schemas.microsoft.com/office/drawing/2010/main" Requires="a14">
+          <p:sp>
+            <p:nvSpPr>
+              <p:cNvPr id="6" name="Google Shape;107;p15">
+                <a:extLst>
+                  <a:ext uri="{FF2B5EF4-FFF2-40B4-BE49-F238E27FC236}">
+                    <a16:creationId xmlns:a16="http://schemas.microsoft.com/office/drawing/2014/main" id="{A71B2E98-BB5F-5420-8649-C87B969910E1}"/>
+                  </a:ext>
+                </a:extLst>
+              </p:cNvPr>
+              <p:cNvSpPr txBox="1"/>
+              <p:nvPr/>
+            </p:nvSpPr>
+            <p:spPr>
+              <a:xfrm>
+                <a:off x="2468299" y="1975512"/>
+                <a:ext cx="2860500" cy="369302"/>
+              </a:xfrm>
+              <a:prstGeom prst="rect">
+                <a:avLst/>
+              </a:prstGeom>
+              <a:noFill/>
+              <a:ln>
+                <a:noFill/>
+              </a:ln>
+            </p:spPr>
+            <p:txBody>
+              <a:bodyPr spcFirstLastPara="1" wrap="square" lIns="91425" tIns="91425" rIns="91425" bIns="91425" anchor="t" anchorCtr="0">
+                <a:spAutoFit/>
+              </a:bodyPr>
+              <a:lstStyle/>
+              <a:p>
+                <a:pPr marL="0" lvl="0" indent="0" algn="l" rtl="0">
+                  <a:spcBef>
+                    <a:spcPts val="0"/>
+                  </a:spcBef>
+                  <a:spcAft>
+                    <a:spcPts val="0"/>
+                  </a:spcAft>
+                  <a:buNone/>
+                </a:pPr>
+                <a:r>
+                  <a:rPr lang="it-IT" sz="1200" dirty="0">
+                    <a:solidFill>
+                      <a:srgbClr val="199988"/>
+                    </a:solidFill>
+                    <a:latin typeface="Times New Roman"/>
+                    <a:ea typeface="Times New Roman"/>
+                    <a:cs typeface="Times New Roman"/>
+                    <a:sym typeface="Times New Roman"/>
+                  </a:rPr>
+                  <a:t>incoming flow ≤ </a:t>
+                </a:r>
+                <a:r>
+                  <a:rPr lang="it-IT" sz="1200" dirty="0" err="1">
+                    <a:solidFill>
+                      <a:srgbClr val="199988"/>
+                    </a:solidFill>
+                    <a:latin typeface="Times New Roman"/>
+                    <a:ea typeface="Times New Roman"/>
+                    <a:cs typeface="Times New Roman"/>
+                    <a:sym typeface="Times New Roman"/>
+                  </a:rPr>
+                  <a:t>vehicles</a:t>
+                </a:r>
+                <a:r>
+                  <a:rPr lang="it-IT" sz="1200" dirty="0">
+                    <a:solidFill>
+                      <a:srgbClr val="199988"/>
+                    </a:solidFill>
+                    <a:latin typeface="Times New Roman"/>
+                    <a:ea typeface="Times New Roman"/>
+                    <a:cs typeface="Times New Roman"/>
+                    <a:sym typeface="Times New Roman"/>
+                  </a:rPr>
+                  <a:t> on </a:t>
+                </a:r>
+                <a14:m>
+                  <m:oMath xmlns:m="http://schemas.openxmlformats.org/officeDocument/2006/math">
+                    <m:r>
+                      <a:rPr lang="it-IT" sz="1200" i="1" dirty="0" smtClean="0">
+                        <a:solidFill>
+                          <a:srgbClr val="199988"/>
+                        </a:solidFill>
+                        <a:latin typeface="Cambria Math" panose="02040503050406030204" pitchFamily="18" charset="0"/>
+                        <a:ea typeface="Times New Roman"/>
+                        <a:cs typeface="Times New Roman"/>
+                        <a:sym typeface="Times New Roman"/>
+                      </a:rPr>
+                      <m:t>𝑎</m:t>
+                    </m:r>
+                  </m:oMath>
+                </a14:m>
+                <a:endParaRPr sz="1200" dirty="0">
+                  <a:solidFill>
+                    <a:srgbClr val="199988"/>
+                  </a:solidFill>
+                  <a:latin typeface="Lato"/>
+                  <a:ea typeface="Lato"/>
+                  <a:cs typeface="Lato"/>
+                  <a:sym typeface="Lato"/>
+                </a:endParaRPr>
+              </a:p>
+            </p:txBody>
+          </p:sp>
+        </mc:Choice>
+        <mc:Fallback>
+          <p:sp>
+            <p:nvSpPr>
+              <p:cNvPr id="6" name="Google Shape;107;p15">
+                <a:extLst>
+                  <a:ext uri="{FF2B5EF4-FFF2-40B4-BE49-F238E27FC236}">
+                    <a16:creationId xmlns:a16="http://schemas.microsoft.com/office/drawing/2014/main" id="{A71B2E98-BB5F-5420-8649-C87B969910E1}"/>
+                  </a:ext>
+                </a:extLst>
+              </p:cNvPr>
+              <p:cNvSpPr txBox="1">
+                <a:spLocks noRot="1" noChangeAspect="1" noMove="1" noResize="1" noEditPoints="1" noAdjustHandles="1" noChangeArrowheads="1" noChangeShapeType="1" noTextEdit="1"/>
+              </p:cNvSpPr>
+              <p:nvPr/>
+            </p:nvSpPr>
+            <p:spPr>
+              <a:xfrm>
+                <a:off x="2468299" y="1975512"/>
+                <a:ext cx="2860500" cy="369302"/>
+              </a:xfrm>
+              <a:prstGeom prst="rect">
+                <a:avLst/>
+              </a:prstGeom>
+              <a:blipFill>
+                <a:blip r:embed="rId4"/>
+                <a:stretch>
+                  <a:fillRect/>
+                </a:stretch>
+              </a:blipFill>
+              <a:ln>
+                <a:noFill/>
+              </a:ln>
+            </p:spPr>
+            <p:txBody>
+              <a:bodyPr/>
+              <a:lstStyle/>
+              <a:p>
+                <a:r>
+                  <a:rPr lang="it-IT">
+                    <a:noFill/>
+                  </a:rPr>
+                  <a:t> </a:t>
+                </a:r>
+              </a:p>
+            </p:txBody>
+          </p:sp>
+        </mc:Fallback>
+      </mc:AlternateContent>
+      <p:sp>
+        <p:nvSpPr>
+          <p:cNvPr id="7" name="Google Shape;107;p15">
+            <a:extLst>
+              <a:ext uri="{FF2B5EF4-FFF2-40B4-BE49-F238E27FC236}">
+                <a16:creationId xmlns:a16="http://schemas.microsoft.com/office/drawing/2014/main" id="{5736E772-12E1-DD2B-4EF6-D26FAA81C3A3}"/>
+              </a:ext>
+            </a:extLst>
+          </p:cNvPr>
+          <p:cNvSpPr txBox="1"/>
+          <p:nvPr/>
+        </p:nvSpPr>
+        <p:spPr>
+          <a:xfrm>
+            <a:off x="2622478" y="1418656"/>
+            <a:ext cx="2385445" cy="369302"/>
+          </a:xfrm>
+          <a:prstGeom prst="rect">
+            <a:avLst/>
+          </a:prstGeom>
+          <a:noFill/>
+          <a:ln>
+            <a:noFill/>
+          </a:ln>
+        </p:spPr>
+        <p:txBody>
+          <a:bodyPr spcFirstLastPara="1" wrap="square" lIns="91425" tIns="91425" rIns="91425" bIns="91425" anchor="t" anchorCtr="0">
+            <a:spAutoFit/>
+          </a:bodyPr>
+          <a:lstStyle/>
+          <a:p>
+            <a:pPr marL="0" lvl="0" indent="0" algn="l" rtl="0">
+              <a:spcBef>
+                <a:spcPts val="0"/>
+              </a:spcBef>
+              <a:spcAft>
+                <a:spcPts val="0"/>
+              </a:spcAft>
+              <a:buNone/>
+            </a:pPr>
+            <a:r>
+              <a:rPr lang="it-IT" sz="1200" dirty="0" err="1">
+                <a:solidFill>
+                  <a:srgbClr val="199988"/>
+                </a:solidFill>
+                <a:latin typeface="Times New Roman"/>
+                <a:ea typeface="Lato"/>
+                <a:cs typeface="Times New Roman"/>
+                <a:sym typeface="Times New Roman"/>
+              </a:rPr>
+              <a:t>vehicles</a:t>
+            </a:r>
+            <a:r>
+              <a:rPr lang="it-IT" sz="1200" dirty="0">
+                <a:solidFill>
+                  <a:srgbClr val="199988"/>
+                </a:solidFill>
+                <a:latin typeface="Times New Roman"/>
+                <a:ea typeface="Lato"/>
+                <a:cs typeface="Times New Roman"/>
+                <a:sym typeface="Times New Roman"/>
+              </a:rPr>
+              <a:t> </a:t>
+            </a:r>
+            <a:r>
+              <a:rPr lang="it-IT" sz="1200" dirty="0" err="1">
+                <a:solidFill>
+                  <a:srgbClr val="199988"/>
+                </a:solidFill>
+                <a:latin typeface="Times New Roman"/>
+                <a:ea typeface="Lato"/>
+                <a:cs typeface="Times New Roman"/>
+                <a:sym typeface="Times New Roman"/>
+              </a:rPr>
+              <a:t>conservation</a:t>
+            </a:r>
+            <a:endParaRPr sz="1200" dirty="0">
+              <a:solidFill>
+                <a:srgbClr val="199988"/>
+              </a:solidFill>
+              <a:latin typeface="Lato"/>
+              <a:ea typeface="Lato"/>
+              <a:cs typeface="Lato"/>
+              <a:sym typeface="Lato"/>
+            </a:endParaRPr>
+          </a:p>
+        </p:txBody>
+      </p:sp>
+      <p:cxnSp>
+        <p:nvCxnSpPr>
+          <p:cNvPr id="104" name="Google Shape;104;p15">
+            <a:extLst>
+              <a:ext uri="{FF2B5EF4-FFF2-40B4-BE49-F238E27FC236}">
+                <a16:creationId xmlns:a16="http://schemas.microsoft.com/office/drawing/2014/main" id="{AEFE3306-D57E-5BA5-2707-6DD27D8C1B13}"/>
+              </a:ext>
+            </a:extLst>
+          </p:cNvPr>
+          <p:cNvCxnSpPr>
+            <a:cxnSpLocks/>
+          </p:cNvCxnSpPr>
+          <p:nvPr/>
+        </p:nvCxnSpPr>
+        <p:spPr>
+          <a:xfrm flipV="1">
+            <a:off x="2681654" y="2367391"/>
+            <a:ext cx="2508159" cy="447260"/>
+          </a:xfrm>
+          <a:prstGeom prst="straightConnector1">
+            <a:avLst/>
+          </a:prstGeom>
+          <a:noFill/>
+          <a:ln w="9525" cap="flat" cmpd="sng">
+            <a:solidFill>
+              <a:schemeClr val="accent3"/>
+            </a:solidFill>
+            <a:prstDash val="solid"/>
+            <a:round/>
+            <a:headEnd type="none" w="med" len="med"/>
+            <a:tailEnd type="triangle" w="med" len="med"/>
+          </a:ln>
+        </p:spPr>
+      </p:cxnSp>
+      <p:sp>
+        <p:nvSpPr>
+          <p:cNvPr id="102" name="Google Shape;102;p15">
+            <a:extLst>
+              <a:ext uri="{FF2B5EF4-FFF2-40B4-BE49-F238E27FC236}">
+                <a16:creationId xmlns:a16="http://schemas.microsoft.com/office/drawing/2014/main" id="{A87E6CAB-8502-C4F5-A199-A793A6A54D73}"/>
+              </a:ext>
+            </a:extLst>
+          </p:cNvPr>
+          <p:cNvSpPr txBox="1"/>
+          <p:nvPr/>
+        </p:nvSpPr>
+        <p:spPr>
+          <a:xfrm>
+            <a:off x="5189813" y="2052441"/>
+            <a:ext cx="2442109" cy="584745"/>
+          </a:xfrm>
+          <a:prstGeom prst="rect">
+            <a:avLst/>
+          </a:prstGeom>
+          <a:solidFill>
+            <a:schemeClr val="bg1"/>
+          </a:solidFill>
+          <a:ln>
+            <a:solidFill>
+              <a:srgbClr val="E95502"/>
+            </a:solidFill>
+          </a:ln>
+        </p:spPr>
+        <p:txBody>
+          <a:bodyPr spcFirstLastPara="1" wrap="square" lIns="91425" tIns="91425" rIns="91425" bIns="91425" anchor="t" anchorCtr="0">
+            <a:spAutoFit/>
+          </a:bodyPr>
+          <a:lstStyle/>
+          <a:p>
+            <a:pPr marL="0" lvl="0" indent="0" algn="l" rtl="0">
+              <a:spcBef>
+                <a:spcPts val="0"/>
+              </a:spcBef>
+              <a:spcAft>
+                <a:spcPts val="0"/>
+              </a:spcAft>
+              <a:buNone/>
+            </a:pPr>
+            <a:r>
+              <a:rPr lang="it-IT" sz="1300" dirty="0" err="1">
+                <a:latin typeface="Times New Roman"/>
+                <a:ea typeface="Times New Roman"/>
+                <a:cs typeface="Times New Roman"/>
+                <a:sym typeface="Times New Roman"/>
+              </a:rPr>
+              <a:t>It</a:t>
+            </a:r>
+            <a:r>
+              <a:rPr lang="it-IT" sz="1300" dirty="0">
+                <a:latin typeface="Times New Roman"/>
+                <a:ea typeface="Times New Roman"/>
+                <a:cs typeface="Times New Roman"/>
+                <a:sym typeface="Times New Roman"/>
+              </a:rPr>
+              <a:t> can be </a:t>
+            </a:r>
+            <a:r>
+              <a:rPr lang="it-IT" sz="1300" dirty="0" err="1">
+                <a:latin typeface="Times New Roman"/>
+                <a:ea typeface="Times New Roman"/>
+                <a:cs typeface="Times New Roman"/>
+                <a:sym typeface="Times New Roman"/>
+              </a:rPr>
+              <a:t>used</a:t>
+            </a:r>
+            <a:r>
+              <a:rPr lang="it-IT" sz="1300" dirty="0">
+                <a:latin typeface="Times New Roman"/>
+                <a:ea typeface="Times New Roman"/>
+                <a:cs typeface="Times New Roman"/>
+                <a:sym typeface="Times New Roman"/>
+              </a:rPr>
+              <a:t> to </a:t>
+            </a:r>
+            <a:r>
+              <a:rPr lang="it-IT" sz="1300" dirty="0" err="1">
+                <a:latin typeface="Times New Roman"/>
+                <a:ea typeface="Times New Roman"/>
+                <a:cs typeface="Times New Roman"/>
+                <a:sym typeface="Times New Roman"/>
+              </a:rPr>
+              <a:t>give</a:t>
+            </a:r>
+            <a:r>
+              <a:rPr lang="it-IT" sz="1300" dirty="0">
+                <a:latin typeface="Times New Roman"/>
+                <a:ea typeface="Times New Roman"/>
+                <a:cs typeface="Times New Roman"/>
+                <a:sym typeface="Times New Roman"/>
+              </a:rPr>
+              <a:t> </a:t>
+            </a:r>
+            <a:r>
+              <a:rPr lang="it-IT" sz="1300" dirty="0" err="1">
+                <a:latin typeface="Times New Roman"/>
+                <a:ea typeface="Times New Roman"/>
+                <a:cs typeface="Times New Roman"/>
+                <a:sym typeface="Times New Roman"/>
+              </a:rPr>
+              <a:t>priority</a:t>
+            </a:r>
+            <a:r>
+              <a:rPr lang="it-IT" sz="1300" dirty="0">
+                <a:latin typeface="Times New Roman"/>
+                <a:ea typeface="Times New Roman"/>
+                <a:cs typeface="Times New Roman"/>
+                <a:sym typeface="Times New Roman"/>
+              </a:rPr>
+              <a:t> to one </a:t>
+            </a:r>
+            <a:r>
+              <a:rPr lang="it-IT" sz="1300" dirty="0" err="1">
+                <a:latin typeface="Times New Roman"/>
+                <a:ea typeface="Times New Roman"/>
+                <a:cs typeface="Times New Roman"/>
+                <a:sym typeface="Times New Roman"/>
+              </a:rPr>
+              <a:t>vehicle</a:t>
+            </a:r>
+            <a:r>
+              <a:rPr lang="it-IT" sz="1300" dirty="0">
+                <a:latin typeface="Times New Roman"/>
+                <a:ea typeface="Times New Roman"/>
+                <a:cs typeface="Times New Roman"/>
+                <a:sym typeface="Times New Roman"/>
+              </a:rPr>
+              <a:t> class over the </a:t>
+            </a:r>
+            <a:r>
+              <a:rPr lang="it-IT" sz="1300" dirty="0" err="1">
+                <a:latin typeface="Times New Roman"/>
+                <a:ea typeface="Times New Roman"/>
+                <a:cs typeface="Times New Roman"/>
+                <a:sym typeface="Times New Roman"/>
+              </a:rPr>
+              <a:t>other</a:t>
+            </a:r>
+            <a:endParaRPr lang="it-IT" sz="1300" dirty="0">
+              <a:latin typeface="Times New Roman"/>
+              <a:ea typeface="Times New Roman"/>
+              <a:cs typeface="Times New Roman"/>
+              <a:sym typeface="Times New Roman"/>
+            </a:endParaRPr>
+          </a:p>
+        </p:txBody>
+      </p:sp>
+      <p:sp>
+        <p:nvSpPr>
+          <p:cNvPr id="9" name="Google Shape;107;p15">
+            <a:extLst>
+              <a:ext uri="{FF2B5EF4-FFF2-40B4-BE49-F238E27FC236}">
+                <a16:creationId xmlns:a16="http://schemas.microsoft.com/office/drawing/2014/main" id="{E0B2E41D-85AC-515C-77BC-B6F921571149}"/>
+              </a:ext>
+            </a:extLst>
+          </p:cNvPr>
+          <p:cNvSpPr txBox="1"/>
+          <p:nvPr/>
+        </p:nvSpPr>
+        <p:spPr>
+          <a:xfrm>
+            <a:off x="2765143" y="2651305"/>
+            <a:ext cx="2860500" cy="369302"/>
+          </a:xfrm>
+          <a:prstGeom prst="rect">
+            <a:avLst/>
+          </a:prstGeom>
+          <a:noFill/>
+          <a:ln>
+            <a:noFill/>
+          </a:ln>
+        </p:spPr>
+        <p:txBody>
+          <a:bodyPr spcFirstLastPara="1" wrap="square" lIns="91425" tIns="91425" rIns="91425" bIns="91425" anchor="t" anchorCtr="0">
+            <a:spAutoFit/>
+          </a:bodyPr>
+          <a:lstStyle/>
+          <a:p>
+            <a:pPr marL="0" lvl="0" indent="0" algn="l" rtl="0">
+              <a:spcBef>
+                <a:spcPts val="0"/>
+              </a:spcBef>
+              <a:spcAft>
+                <a:spcPts val="0"/>
+              </a:spcAft>
+              <a:buNone/>
+            </a:pPr>
+            <a:r>
+              <a:rPr lang="it-IT" sz="1200" dirty="0" err="1">
+                <a:solidFill>
+                  <a:srgbClr val="199988"/>
+                </a:solidFill>
+                <a:latin typeface="Times New Roman"/>
+                <a:ea typeface="Lato"/>
+                <a:cs typeface="Times New Roman"/>
+                <a:sym typeface="Times New Roman"/>
+              </a:rPr>
+              <a:t>capacity</a:t>
+            </a:r>
+            <a:r>
+              <a:rPr lang="it-IT" sz="1200" dirty="0">
+                <a:solidFill>
+                  <a:srgbClr val="199988"/>
+                </a:solidFill>
+                <a:latin typeface="Times New Roman"/>
+                <a:ea typeface="Lato"/>
+                <a:cs typeface="Times New Roman"/>
+                <a:sym typeface="Times New Roman"/>
+              </a:rPr>
+              <a:t> per class</a:t>
+            </a:r>
+            <a:endParaRPr sz="1200" dirty="0">
+              <a:solidFill>
+                <a:srgbClr val="199988"/>
+              </a:solidFill>
+              <a:latin typeface="Lato"/>
+              <a:ea typeface="Lato"/>
+              <a:cs typeface="Lato"/>
+              <a:sym typeface="Lato"/>
+            </a:endParaRPr>
+          </a:p>
+        </p:txBody>
+      </p:sp>
+      <p:sp>
+        <p:nvSpPr>
+          <p:cNvPr id="13" name="Google Shape;107;p15">
+            <a:extLst>
+              <a:ext uri="{FF2B5EF4-FFF2-40B4-BE49-F238E27FC236}">
+                <a16:creationId xmlns:a16="http://schemas.microsoft.com/office/drawing/2014/main" id="{FF6488A2-386E-D0D1-71BC-DBBB49799040}"/>
+              </a:ext>
+            </a:extLst>
+          </p:cNvPr>
+          <p:cNvSpPr txBox="1"/>
+          <p:nvPr/>
+        </p:nvSpPr>
+        <p:spPr>
+          <a:xfrm>
+            <a:off x="1597453" y="3210704"/>
+            <a:ext cx="2860500" cy="369302"/>
+          </a:xfrm>
+          <a:prstGeom prst="rect">
+            <a:avLst/>
+          </a:prstGeom>
+          <a:noFill/>
+          <a:ln>
+            <a:noFill/>
+          </a:ln>
+        </p:spPr>
+        <p:txBody>
+          <a:bodyPr spcFirstLastPara="1" wrap="square" lIns="91425" tIns="91425" rIns="91425" bIns="91425" anchor="t" anchorCtr="0">
+            <a:spAutoFit/>
+          </a:bodyPr>
+          <a:lstStyle/>
+          <a:p>
+            <a:pPr marL="0" lvl="0" indent="0" algn="l" rtl="0">
+              <a:spcBef>
+                <a:spcPts val="0"/>
+              </a:spcBef>
+              <a:spcAft>
+                <a:spcPts val="0"/>
+              </a:spcAft>
+              <a:buNone/>
+            </a:pPr>
+            <a:r>
+              <a:rPr lang="it-IT" sz="1200" dirty="0">
+                <a:solidFill>
+                  <a:srgbClr val="199988"/>
+                </a:solidFill>
+                <a:latin typeface="Times New Roman"/>
+                <a:ea typeface="Lato"/>
+                <a:cs typeface="Times New Roman"/>
+                <a:sym typeface="Times New Roman"/>
+              </a:rPr>
+              <a:t>demand for incoming </a:t>
+            </a:r>
+            <a:r>
+              <a:rPr lang="it-IT" sz="1200" dirty="0" err="1">
+                <a:solidFill>
+                  <a:srgbClr val="199988"/>
+                </a:solidFill>
+                <a:latin typeface="Times New Roman"/>
+                <a:ea typeface="Lato"/>
+                <a:cs typeface="Times New Roman"/>
+                <a:sym typeface="Times New Roman"/>
+              </a:rPr>
+              <a:t>vehicles</a:t>
+            </a:r>
+            <a:r>
+              <a:rPr lang="it-IT" sz="1200" dirty="0">
+                <a:solidFill>
+                  <a:srgbClr val="199988"/>
+                </a:solidFill>
+                <a:latin typeface="Times New Roman"/>
+                <a:ea typeface="Lato"/>
+                <a:cs typeface="Times New Roman"/>
+                <a:sym typeface="Times New Roman"/>
+              </a:rPr>
+              <a:t> </a:t>
+            </a:r>
+            <a:r>
+              <a:rPr lang="it-IT" sz="1200" dirty="0" err="1">
+                <a:solidFill>
+                  <a:srgbClr val="199988"/>
+                </a:solidFill>
+                <a:latin typeface="Times New Roman"/>
+                <a:ea typeface="Lato"/>
+                <a:cs typeface="Times New Roman"/>
+                <a:sym typeface="Times New Roman"/>
+              </a:rPr>
+              <a:t>at</a:t>
+            </a:r>
+            <a:r>
+              <a:rPr lang="it-IT" sz="1200" dirty="0">
+                <a:solidFill>
+                  <a:srgbClr val="199988"/>
+                </a:solidFill>
+                <a:latin typeface="Times New Roman"/>
+                <a:ea typeface="Lato"/>
+                <a:cs typeface="Times New Roman"/>
+                <a:sym typeface="Times New Roman"/>
+              </a:rPr>
+              <a:t> </a:t>
+            </a:r>
+            <a:r>
+              <a:rPr lang="it-IT" sz="1200" dirty="0" err="1">
+                <a:solidFill>
+                  <a:srgbClr val="199988"/>
+                </a:solidFill>
+                <a:latin typeface="Times New Roman"/>
+                <a:ea typeface="Lato"/>
+                <a:cs typeface="Times New Roman"/>
+                <a:sym typeface="Times New Roman"/>
+              </a:rPr>
+              <a:t>origin</a:t>
+            </a:r>
+            <a:r>
+              <a:rPr lang="it-IT" sz="1200" dirty="0">
+                <a:solidFill>
+                  <a:srgbClr val="199988"/>
+                </a:solidFill>
+                <a:latin typeface="Times New Roman"/>
+                <a:ea typeface="Lato"/>
+                <a:cs typeface="Times New Roman"/>
+                <a:sym typeface="Times New Roman"/>
+              </a:rPr>
+              <a:t> </a:t>
+            </a:r>
+            <a:endParaRPr sz="1200" dirty="0">
+              <a:solidFill>
+                <a:srgbClr val="199988"/>
+              </a:solidFill>
+              <a:latin typeface="Lato"/>
+              <a:ea typeface="Lato"/>
+              <a:cs typeface="Lato"/>
+              <a:sym typeface="Lato"/>
+            </a:endParaRPr>
+          </a:p>
+        </p:txBody>
+      </p:sp>
+      <p:sp>
+        <p:nvSpPr>
+          <p:cNvPr id="14" name="Google Shape;107;p15">
+            <a:extLst>
+              <a:ext uri="{FF2B5EF4-FFF2-40B4-BE49-F238E27FC236}">
+                <a16:creationId xmlns:a16="http://schemas.microsoft.com/office/drawing/2014/main" id="{1E7C597B-8DE7-7F58-F28D-4020FFD33CFE}"/>
+              </a:ext>
+            </a:extLst>
+          </p:cNvPr>
+          <p:cNvSpPr txBox="1"/>
+          <p:nvPr/>
+        </p:nvSpPr>
+        <p:spPr>
+          <a:xfrm>
+            <a:off x="1334893" y="4436774"/>
+            <a:ext cx="2860500" cy="369302"/>
+          </a:xfrm>
+          <a:prstGeom prst="rect">
+            <a:avLst/>
+          </a:prstGeom>
+          <a:noFill/>
+          <a:ln>
+            <a:noFill/>
+          </a:ln>
+        </p:spPr>
+        <p:txBody>
+          <a:bodyPr spcFirstLastPara="1" wrap="square" lIns="91425" tIns="91425" rIns="91425" bIns="91425" anchor="t" anchorCtr="0">
+            <a:spAutoFit/>
+          </a:bodyPr>
+          <a:lstStyle/>
+          <a:p>
+            <a:pPr marL="0" lvl="0" indent="0" algn="l" rtl="0">
+              <a:spcBef>
+                <a:spcPts val="0"/>
+              </a:spcBef>
+              <a:spcAft>
+                <a:spcPts val="0"/>
+              </a:spcAft>
+              <a:buNone/>
+            </a:pPr>
+            <a:r>
+              <a:rPr lang="it-IT" sz="1200" dirty="0">
+                <a:solidFill>
+                  <a:srgbClr val="199988"/>
+                </a:solidFill>
+                <a:latin typeface="Times New Roman"/>
+                <a:ea typeface="Lato"/>
+                <a:cs typeface="Times New Roman"/>
+                <a:sym typeface="Times New Roman"/>
+              </a:rPr>
+              <a:t>network </a:t>
+            </a:r>
+            <a:r>
+              <a:rPr lang="it-IT" sz="1200" dirty="0" err="1">
+                <a:solidFill>
+                  <a:srgbClr val="199988"/>
+                </a:solidFill>
+                <a:latin typeface="Times New Roman"/>
+                <a:ea typeface="Lato"/>
+                <a:cs typeface="Times New Roman"/>
+                <a:sym typeface="Times New Roman"/>
+              </a:rPr>
+              <a:t>cleared</a:t>
+            </a:r>
+            <a:r>
+              <a:rPr lang="it-IT" sz="1200" dirty="0">
+                <a:solidFill>
+                  <a:srgbClr val="199988"/>
+                </a:solidFill>
+                <a:latin typeface="Times New Roman"/>
+                <a:ea typeface="Lato"/>
+                <a:cs typeface="Times New Roman"/>
+                <a:sym typeface="Times New Roman"/>
+              </a:rPr>
+              <a:t> </a:t>
+            </a:r>
+            <a:r>
+              <a:rPr lang="it-IT" sz="1200" dirty="0" err="1">
+                <a:solidFill>
+                  <a:srgbClr val="199988"/>
+                </a:solidFill>
+                <a:latin typeface="Times New Roman"/>
+                <a:ea typeface="Lato"/>
+                <a:cs typeface="Times New Roman"/>
+                <a:sym typeface="Times New Roman"/>
+              </a:rPr>
+              <a:t>at</a:t>
+            </a:r>
+            <a:r>
+              <a:rPr lang="it-IT" sz="1200" dirty="0">
+                <a:solidFill>
+                  <a:srgbClr val="199988"/>
+                </a:solidFill>
+                <a:latin typeface="Times New Roman"/>
+                <a:ea typeface="Lato"/>
+                <a:cs typeface="Times New Roman"/>
+                <a:sym typeface="Times New Roman"/>
+              </a:rPr>
+              <a:t> </a:t>
+            </a:r>
+            <a:r>
+              <a:rPr lang="it-IT" sz="1200" dirty="0" err="1">
+                <a:solidFill>
+                  <a:srgbClr val="199988"/>
+                </a:solidFill>
+                <a:latin typeface="Times New Roman"/>
+                <a:ea typeface="Lato"/>
+                <a:cs typeface="Times New Roman"/>
+                <a:sym typeface="Times New Roman"/>
+              </a:rPr>
+              <a:t>destination</a:t>
+            </a:r>
+            <a:endParaRPr sz="1200" dirty="0">
+              <a:solidFill>
+                <a:srgbClr val="199988"/>
+              </a:solidFill>
+              <a:latin typeface="Lato"/>
+              <a:ea typeface="Lato"/>
+              <a:cs typeface="Lato"/>
+              <a:sym typeface="Lato"/>
+            </a:endParaRPr>
+          </a:p>
+        </p:txBody>
+      </p:sp>
+      <p:sp>
+        <p:nvSpPr>
+          <p:cNvPr id="15" name="Google Shape;107;p15">
+            <a:extLst>
+              <a:ext uri="{FF2B5EF4-FFF2-40B4-BE49-F238E27FC236}">
+                <a16:creationId xmlns:a16="http://schemas.microsoft.com/office/drawing/2014/main" id="{029EEDB1-BAA8-E105-0B11-335C72F2EF19}"/>
+              </a:ext>
+            </a:extLst>
+          </p:cNvPr>
+          <p:cNvSpPr txBox="1"/>
+          <p:nvPr/>
+        </p:nvSpPr>
+        <p:spPr>
+          <a:xfrm>
+            <a:off x="2268698" y="3729970"/>
+            <a:ext cx="2860500" cy="369302"/>
+          </a:xfrm>
+          <a:prstGeom prst="rect">
+            <a:avLst/>
+          </a:prstGeom>
+          <a:noFill/>
+          <a:ln>
+            <a:noFill/>
+          </a:ln>
+        </p:spPr>
+        <p:txBody>
+          <a:bodyPr spcFirstLastPara="1" wrap="square" lIns="91425" tIns="91425" rIns="91425" bIns="91425" anchor="t" anchorCtr="0">
+            <a:spAutoFit/>
+          </a:bodyPr>
+          <a:lstStyle/>
+          <a:p>
+            <a:pPr marL="0" lvl="0" indent="0" algn="l" rtl="0">
+              <a:spcBef>
+                <a:spcPts val="0"/>
+              </a:spcBef>
+              <a:spcAft>
+                <a:spcPts val="0"/>
+              </a:spcAft>
+              <a:buNone/>
+            </a:pPr>
+            <a:r>
+              <a:rPr lang="it-IT" sz="1200" dirty="0">
+                <a:solidFill>
+                  <a:srgbClr val="199988"/>
+                </a:solidFill>
+                <a:latin typeface="Times New Roman"/>
+                <a:ea typeface="Lato"/>
+                <a:cs typeface="Times New Roman"/>
+                <a:sym typeface="Times New Roman"/>
+              </a:rPr>
+              <a:t>flow </a:t>
+            </a:r>
+            <a:r>
+              <a:rPr lang="it-IT" sz="1200" dirty="0" err="1">
+                <a:solidFill>
+                  <a:srgbClr val="199988"/>
+                </a:solidFill>
+                <a:latin typeface="Times New Roman"/>
+                <a:ea typeface="Lato"/>
+                <a:cs typeface="Times New Roman"/>
+                <a:sym typeface="Times New Roman"/>
+              </a:rPr>
+              <a:t>conservation</a:t>
+            </a:r>
+            <a:endParaRPr sz="1200" dirty="0">
+              <a:solidFill>
+                <a:srgbClr val="199988"/>
+              </a:solidFill>
+              <a:latin typeface="Lato"/>
+              <a:ea typeface="Lato"/>
+              <a:cs typeface="Lato"/>
+              <a:sym typeface="Lato"/>
+            </a:endParaRPr>
+          </a:p>
+        </p:txBody>
+      </p:sp>
+      <p:sp>
+        <p:nvSpPr>
+          <p:cNvPr id="17" name="Google Shape;107;p15">
+            <a:extLst>
+              <a:ext uri="{FF2B5EF4-FFF2-40B4-BE49-F238E27FC236}">
+                <a16:creationId xmlns:a16="http://schemas.microsoft.com/office/drawing/2014/main" id="{814DD605-EE10-B5F6-458E-A0FCDD25099B}"/>
+              </a:ext>
+            </a:extLst>
+          </p:cNvPr>
+          <p:cNvSpPr txBox="1"/>
+          <p:nvPr/>
+        </p:nvSpPr>
+        <p:spPr>
+          <a:xfrm>
+            <a:off x="1811738" y="3251865"/>
+            <a:ext cx="342660" cy="1184909"/>
+          </a:xfrm>
+          <a:prstGeom prst="rect">
+            <a:avLst/>
+          </a:prstGeom>
+          <a:noFill/>
+          <a:ln>
+            <a:noFill/>
+          </a:ln>
+        </p:spPr>
+        <p:txBody>
+          <a:bodyPr spcFirstLastPara="1" wrap="square" lIns="91425" tIns="91425" rIns="91425" bIns="91425" anchor="t" anchorCtr="0">
+            <a:spAutoFit/>
+          </a:bodyPr>
+          <a:lstStyle/>
+          <a:p>
+            <a:pPr marL="0" lvl="0" indent="0" algn="l" rtl="0">
+              <a:spcBef>
+                <a:spcPts val="0"/>
+              </a:spcBef>
+              <a:spcAft>
+                <a:spcPts val="0"/>
+              </a:spcAft>
+              <a:buNone/>
+            </a:pPr>
+            <a:r>
+              <a:rPr lang="it-IT" sz="6500" dirty="0">
+                <a:solidFill>
+                  <a:srgbClr val="199988"/>
+                </a:solidFill>
+                <a:latin typeface="Times New Roman"/>
+                <a:ea typeface="Lato"/>
+                <a:cs typeface="Times New Roman"/>
+                <a:sym typeface="Times New Roman"/>
+              </a:rPr>
+              <a:t>}</a:t>
+            </a:r>
+            <a:endParaRPr sz="6500" dirty="0">
+              <a:solidFill>
+                <a:srgbClr val="199988"/>
+              </a:solidFill>
+              <a:latin typeface="Lato"/>
+              <a:ea typeface="Lato"/>
+              <a:cs typeface="Lato"/>
+              <a:sym typeface="Lato"/>
+            </a:endParaRPr>
+          </a:p>
+        </p:txBody>
+      </p:sp>
+      <p:cxnSp>
+        <p:nvCxnSpPr>
+          <p:cNvPr id="4" name="Google Shape;104;p15">
+            <a:extLst>
+              <a:ext uri="{FF2B5EF4-FFF2-40B4-BE49-F238E27FC236}">
+                <a16:creationId xmlns:a16="http://schemas.microsoft.com/office/drawing/2014/main" id="{7C50FD57-D9D9-BEBE-0E33-677575BE84F9}"/>
+              </a:ext>
+            </a:extLst>
+          </p:cNvPr>
+          <p:cNvCxnSpPr>
+            <a:cxnSpLocks/>
+            <a:stCxn id="5" idx="5"/>
+          </p:cNvCxnSpPr>
+          <p:nvPr/>
+        </p:nvCxnSpPr>
+        <p:spPr>
+          <a:xfrm>
+            <a:off x="1343977" y="3492935"/>
+            <a:ext cx="3845836" cy="167416"/>
+          </a:xfrm>
+          <a:prstGeom prst="straightConnector1">
+            <a:avLst/>
+          </a:prstGeom>
+          <a:noFill/>
+          <a:ln w="9525" cap="flat" cmpd="sng">
+            <a:solidFill>
+              <a:schemeClr val="accent3"/>
+            </a:solidFill>
+            <a:prstDash val="solid"/>
+            <a:round/>
+            <a:headEnd type="none" w="med" len="med"/>
+            <a:tailEnd type="triangle" w="med" len="med"/>
+          </a:ln>
+        </p:spPr>
+      </p:cxnSp>
+      <p:sp>
+        <p:nvSpPr>
+          <p:cNvPr id="5" name="Google Shape;103;p15">
+            <a:extLst>
+              <a:ext uri="{FF2B5EF4-FFF2-40B4-BE49-F238E27FC236}">
+                <a16:creationId xmlns:a16="http://schemas.microsoft.com/office/drawing/2014/main" id="{BFF7C066-EBC6-8FFF-D67F-B4A96DE87E05}"/>
+              </a:ext>
+            </a:extLst>
+          </p:cNvPr>
+          <p:cNvSpPr/>
+          <p:nvPr/>
+        </p:nvSpPr>
+        <p:spPr>
+          <a:xfrm>
+            <a:off x="985615" y="3257355"/>
+            <a:ext cx="419847" cy="275999"/>
+          </a:xfrm>
+          <a:prstGeom prst="ellipse">
+            <a:avLst/>
+          </a:prstGeom>
+          <a:noFill/>
+          <a:ln w="9525" cap="flat" cmpd="sng">
+            <a:solidFill>
+              <a:schemeClr val="accent3"/>
+            </a:solidFill>
+            <a:prstDash val="solid"/>
+            <a:round/>
+            <a:headEnd type="none" w="sm" len="sm"/>
+            <a:tailEnd type="none" w="sm" len="sm"/>
+          </a:ln>
+        </p:spPr>
+        <p:txBody>
+          <a:bodyPr spcFirstLastPara="1" wrap="square" lIns="91425" tIns="91425" rIns="91425" bIns="91425" anchor="ctr" anchorCtr="0">
+            <a:noAutofit/>
+          </a:bodyPr>
+          <a:lstStyle/>
+          <a:p>
+            <a:pPr marL="0" lvl="0" indent="0" algn="l" rtl="0">
+              <a:spcBef>
+                <a:spcPts val="0"/>
+              </a:spcBef>
+              <a:spcAft>
+                <a:spcPts val="0"/>
+              </a:spcAft>
+              <a:buNone/>
+            </a:pPr>
+            <a:endParaRPr/>
+          </a:p>
+        </p:txBody>
+      </p:sp>
+      <p:sp>
+        <p:nvSpPr>
+          <p:cNvPr id="8" name="Google Shape;102;p15">
+            <a:extLst>
+              <a:ext uri="{FF2B5EF4-FFF2-40B4-BE49-F238E27FC236}">
+                <a16:creationId xmlns:a16="http://schemas.microsoft.com/office/drawing/2014/main" id="{403E720F-289D-C706-716A-A03A274C2538}"/>
+              </a:ext>
+            </a:extLst>
+          </p:cNvPr>
+          <p:cNvSpPr txBox="1"/>
+          <p:nvPr/>
+        </p:nvSpPr>
+        <p:spPr>
+          <a:xfrm>
+            <a:off x="5189813" y="3329876"/>
+            <a:ext cx="2442109" cy="584745"/>
+          </a:xfrm>
+          <a:prstGeom prst="rect">
+            <a:avLst/>
+          </a:prstGeom>
+          <a:solidFill>
+            <a:schemeClr val="bg1"/>
+          </a:solidFill>
+          <a:ln>
+            <a:solidFill>
+              <a:srgbClr val="E95502"/>
+            </a:solidFill>
+          </a:ln>
+        </p:spPr>
+        <p:txBody>
+          <a:bodyPr spcFirstLastPara="1" wrap="square" lIns="91425" tIns="91425" rIns="91425" bIns="91425" anchor="t" anchorCtr="0">
+            <a:spAutoFit/>
+          </a:bodyPr>
+          <a:lstStyle/>
+          <a:p>
+            <a:pPr marL="0" lvl="0" indent="0" algn="l" rtl="0">
+              <a:spcBef>
+                <a:spcPts val="0"/>
+              </a:spcBef>
+              <a:spcAft>
+                <a:spcPts val="0"/>
+              </a:spcAft>
+              <a:buNone/>
+            </a:pPr>
+            <a:r>
+              <a:rPr lang="it-IT" sz="1300" dirty="0">
+                <a:latin typeface="Times New Roman"/>
+                <a:ea typeface="Times New Roman"/>
+                <a:cs typeface="Times New Roman"/>
+                <a:sym typeface="Times New Roman"/>
+              </a:rPr>
+              <a:t>Not </a:t>
+            </a:r>
+            <a:r>
+              <a:rPr lang="it-IT" sz="1300" dirty="0" err="1">
+                <a:latin typeface="Times New Roman"/>
+                <a:ea typeface="Times New Roman"/>
+                <a:cs typeface="Times New Roman"/>
+                <a:sym typeface="Times New Roman"/>
+              </a:rPr>
+              <a:t>coherent</a:t>
+            </a:r>
+            <a:r>
+              <a:rPr lang="it-IT" sz="1300" dirty="0">
+                <a:latin typeface="Times New Roman"/>
+                <a:ea typeface="Times New Roman"/>
+                <a:cs typeface="Times New Roman"/>
+                <a:sym typeface="Times New Roman"/>
+              </a:rPr>
+              <a:t> with </a:t>
+            </a:r>
+            <a:r>
+              <a:rPr lang="it-IT" sz="1300" dirty="0" err="1">
+                <a:latin typeface="Times New Roman"/>
+                <a:ea typeface="Times New Roman"/>
+                <a:cs typeface="Times New Roman"/>
+                <a:sym typeface="Times New Roman"/>
+              </a:rPr>
+              <a:t>assumption</a:t>
+            </a:r>
+            <a:r>
+              <a:rPr lang="it-IT" sz="1300" dirty="0">
+                <a:latin typeface="Times New Roman"/>
+                <a:ea typeface="Times New Roman"/>
+                <a:cs typeface="Times New Roman"/>
+                <a:sym typeface="Times New Roman"/>
+              </a:rPr>
+              <a:t> of network </a:t>
+            </a:r>
+            <a:r>
+              <a:rPr lang="it-IT" sz="1300" dirty="0" err="1">
+                <a:latin typeface="Times New Roman"/>
+                <a:ea typeface="Times New Roman"/>
+                <a:cs typeface="Times New Roman"/>
+                <a:sym typeface="Times New Roman"/>
+              </a:rPr>
+              <a:t>cleared</a:t>
+            </a:r>
+            <a:r>
+              <a:rPr lang="it-IT" sz="1300" dirty="0">
+                <a:latin typeface="Times New Roman"/>
+                <a:ea typeface="Times New Roman"/>
+                <a:cs typeface="Times New Roman"/>
+                <a:sym typeface="Times New Roman"/>
+              </a:rPr>
+              <a:t> </a:t>
+            </a:r>
+            <a:r>
+              <a:rPr lang="it-IT" sz="1300" dirty="0" err="1">
+                <a:latin typeface="Times New Roman"/>
+                <a:ea typeface="Times New Roman"/>
+                <a:cs typeface="Times New Roman"/>
+                <a:sym typeface="Times New Roman"/>
+              </a:rPr>
+              <a:t>at</a:t>
+            </a:r>
+            <a:r>
+              <a:rPr lang="it-IT" sz="1300" dirty="0">
+                <a:latin typeface="Times New Roman"/>
+                <a:ea typeface="Times New Roman"/>
+                <a:cs typeface="Times New Roman"/>
+                <a:sym typeface="Times New Roman"/>
+              </a:rPr>
+              <a:t> time </a:t>
+            </a:r>
+            <a:r>
+              <a:rPr lang="it-IT" sz="1300" dirty="0" err="1">
+                <a:latin typeface="Times New Roman"/>
+                <a:ea typeface="Times New Roman"/>
+                <a:cs typeface="Times New Roman"/>
+                <a:sym typeface="Times New Roman"/>
+              </a:rPr>
+              <a:t>horizon</a:t>
+            </a:r>
+            <a:endParaRPr lang="it-IT" sz="1300" dirty="0">
+              <a:latin typeface="Times New Roman"/>
+              <a:ea typeface="Times New Roman"/>
+              <a:cs typeface="Times New Roman"/>
+              <a:sym typeface="Times New Roman"/>
+            </a:endParaRPr>
+          </a:p>
+        </p:txBody>
+      </p:sp>
+    </p:spTree>
+    <p:extLst>
+      <p:ext uri="{BB962C8B-B14F-4D97-AF65-F5344CB8AC3E}">
+        <p14:creationId xmlns:p14="http://schemas.microsoft.com/office/powerpoint/2010/main" val="39353800"/>
+      </p:ext>
+    </p:extLst>
+  </p:cSld>
+  <p:clrMapOvr>
+    <a:masterClrMapping/>
+  </p:clrMapOvr>
+</p:sld>
+</file>
+
+<file path=ppt/slides/slide13.xml><?xml version="1.0" encoding="utf-8"?>
 <p:sld xmlns:a="http://schemas.openxmlformats.org/drawingml/2006/main" xmlns:r="http://schemas.openxmlformats.org/officeDocument/2006/relationships" xmlns:p="http://schemas.openxmlformats.org/presentationml/2006/main">
   <p:cSld>
     <p:spTree>
@@ -11361,7 +12690,7 @@
 </p:sld>
 </file>
 
-<file path=ppt/slides/slide13.xml><?xml version="1.0" encoding="utf-8"?>
+<file path=ppt/slides/slide14.xml><?xml version="1.0" encoding="utf-8"?>
 <p:sld xmlns:a="http://schemas.openxmlformats.org/drawingml/2006/main" xmlns:r="http://schemas.openxmlformats.org/officeDocument/2006/relationships" xmlns:p="http://schemas.openxmlformats.org/presentationml/2006/main">
   <p:cSld>
     <p:spTree>
@@ -12041,7 +13370,7 @@
 </p:sld>
 </file>
 
-<file path=ppt/slides/slide14.xml><?xml version="1.0" encoding="utf-8"?>
+<file path=ppt/slides/slide15.xml><?xml version="1.0" encoding="utf-8"?>
 <p:sld xmlns:a="http://schemas.openxmlformats.org/drawingml/2006/main" xmlns:r="http://schemas.openxmlformats.org/officeDocument/2006/relationships" xmlns:p="http://schemas.openxmlformats.org/presentationml/2006/main">
   <p:cSld>
     <p:spTree>
@@ -12151,8 +13480,8 @@
           </a:prstGeom>
         </p:spPr>
       </p:pic>
-      <mc:AlternateContent xmlns:mc="http://schemas.openxmlformats.org/markup-compatibility/2006">
-        <mc:Choice xmlns:a14="http://schemas.microsoft.com/office/drawing/2010/main" Requires="a14">
+      <mc:AlternateContent xmlns:mc="http://schemas.openxmlformats.org/markup-compatibility/2006" xmlns:a14="http://schemas.microsoft.com/office/drawing/2010/main">
+        <mc:Choice Requires="a14">
           <p:sp>
             <p:nvSpPr>
               <p:cNvPr id="4" name="CasellaDiTesto 3">
@@ -12879,7 +14208,7 @@
             </p:txBody>
           </p:sp>
         </mc:Choice>
-        <mc:Fallback>
+        <mc:Fallback xmlns="">
           <p:sp>
             <p:nvSpPr>
               <p:cNvPr id="4" name="CasellaDiTesto 3">
@@ -12939,7 +14268,7 @@
           <p:nvPr/>
         </p:nvPicPr>
         <p:blipFill>
-          <a:blip r:embed="rId5"/>
+          <a:blip r:embed="rId4"/>
           <a:srcRect t="15755" r="50000" b="8350"/>
           <a:stretch/>
         </p:blipFill>
@@ -13017,7 +14346,2631 @@
 </p:sld>
 </file>
 
-<file path=ppt/slides/slide15.xml><?xml version="1.0" encoding="utf-8"?>
+<file path=ppt/slides/slide16.xml><?xml version="1.0" encoding="utf-8"?>
+<p:sld xmlns:a="http://schemas.openxmlformats.org/drawingml/2006/main" xmlns:r="http://schemas.openxmlformats.org/officeDocument/2006/relationships" xmlns:p="http://schemas.openxmlformats.org/presentationml/2006/main">
+  <p:cSld>
+    <p:spTree>
+      <p:nvGrpSpPr>
+        <p:cNvPr id="1" name="Shape 99">
+          <a:extLst>
+            <a:ext uri="{FF2B5EF4-FFF2-40B4-BE49-F238E27FC236}">
+              <a16:creationId xmlns:a16="http://schemas.microsoft.com/office/drawing/2014/main" id="{87F51556-FEC5-1713-0D5A-E2250BCF5885}"/>
+            </a:ext>
+          </a:extLst>
+        </p:cNvPr>
+        <p:cNvGrpSpPr/>
+        <p:nvPr/>
+      </p:nvGrpSpPr>
+      <p:grpSpPr>
+        <a:xfrm>
+          <a:off x="0" y="0"/>
+          <a:ext cx="0" cy="0"/>
+          <a:chOff x="0" y="0"/>
+          <a:chExt cx="0" cy="0"/>
+        </a:xfrm>
+      </p:grpSpPr>
+      <p:sp>
+        <p:nvSpPr>
+          <p:cNvPr id="2" name="Google Shape;112;p16">
+            <a:extLst>
+              <a:ext uri="{FF2B5EF4-FFF2-40B4-BE49-F238E27FC236}">
+                <a16:creationId xmlns:a16="http://schemas.microsoft.com/office/drawing/2014/main" id="{AC3575DD-38CC-0AFA-E88E-62654A058737}"/>
+              </a:ext>
+            </a:extLst>
+          </p:cNvPr>
+          <p:cNvSpPr txBox="1"/>
+          <p:nvPr/>
+        </p:nvSpPr>
+        <p:spPr>
+          <a:xfrm>
+            <a:off x="451175" y="757975"/>
+            <a:ext cx="8013556" cy="477023"/>
+          </a:xfrm>
+          <a:prstGeom prst="rect">
+            <a:avLst/>
+          </a:prstGeom>
+          <a:noFill/>
+          <a:ln>
+            <a:noFill/>
+          </a:ln>
+        </p:spPr>
+        <p:txBody>
+          <a:bodyPr spcFirstLastPara="1" wrap="square" lIns="91425" tIns="91425" rIns="91425" bIns="91425" anchor="t" anchorCtr="0">
+            <a:spAutoFit/>
+          </a:bodyPr>
+          <a:lstStyle/>
+          <a:p>
+            <a:pPr marL="0" lvl="0" indent="0" algn="l" rtl="0">
+              <a:spcBef>
+                <a:spcPts val="0"/>
+              </a:spcBef>
+              <a:spcAft>
+                <a:spcPts val="0"/>
+              </a:spcAft>
+              <a:buNone/>
+            </a:pPr>
+            <a:r>
+              <a:rPr lang="it" sz="1900" dirty="0">
+                <a:latin typeface="Times New Roman"/>
+                <a:ea typeface="Times New Roman"/>
+                <a:cs typeface="Times New Roman"/>
+                <a:sym typeface="Times New Roman"/>
+              </a:rPr>
+              <a:t>Modified demand rate at origin</a:t>
+            </a:r>
+            <a:endParaRPr sz="1900" dirty="0">
+              <a:latin typeface="Times New Roman"/>
+              <a:ea typeface="Times New Roman"/>
+              <a:cs typeface="Times New Roman"/>
+              <a:sym typeface="Times New Roman"/>
+            </a:endParaRPr>
+          </a:p>
+        </p:txBody>
+      </p:sp>
+      <mc:AlternateContent xmlns:mc="http://schemas.openxmlformats.org/markup-compatibility/2006">
+        <mc:Choice xmlns:a14="http://schemas.microsoft.com/office/drawing/2010/main" Requires="a14">
+          <p:sp>
+            <p:nvSpPr>
+              <p:cNvPr id="4" name="CasellaDiTesto 3">
+                <a:extLst>
+                  <a:ext uri="{FF2B5EF4-FFF2-40B4-BE49-F238E27FC236}">
+                    <a16:creationId xmlns:a16="http://schemas.microsoft.com/office/drawing/2014/main" id="{3C3F67E1-A0B1-B77C-6111-648A70902E01}"/>
+                  </a:ext>
+                </a:extLst>
+              </p:cNvPr>
+              <p:cNvSpPr txBox="1"/>
+              <p:nvPr/>
+            </p:nvSpPr>
+            <p:spPr>
+              <a:xfrm>
+                <a:off x="3373293" y="3075367"/>
+                <a:ext cx="763671" cy="232051"/>
+              </a:xfrm>
+              <a:prstGeom prst="rect">
+                <a:avLst/>
+              </a:prstGeom>
+              <a:noFill/>
+            </p:spPr>
+            <p:txBody>
+              <a:bodyPr wrap="none" lIns="0" tIns="0" rIns="0" bIns="0" rtlCol="0">
+                <a:spAutoFit/>
+              </a:bodyPr>
+              <a:lstStyle/>
+              <a:p>
+                <a14:m>
+                  <m:oMathPara xmlns:m="http://schemas.openxmlformats.org/officeDocument/2006/math">
+                    <m:oMathParaPr>
+                      <m:jc m:val="centerGroup"/>
+                    </m:oMathParaPr>
+                    <m:oMath xmlns:m="http://schemas.openxmlformats.org/officeDocument/2006/math">
+                      <m:r>
+                        <a:rPr lang="it-IT" b="0" i="1" smtClean="0">
+                          <a:solidFill>
+                            <a:srgbClr val="E95502"/>
+                          </a:solidFill>
+                          <a:latin typeface="Cambria Math" panose="02040503050406030204" pitchFamily="18" charset="0"/>
+                        </a:rPr>
+                        <m:t>𝑖</m:t>
+                      </m:r>
+                      <m:r>
+                        <a:rPr lang="it-IT" b="0" i="1" smtClean="0">
+                          <a:solidFill>
+                            <a:srgbClr val="E95502"/>
+                          </a:solidFill>
+                          <a:latin typeface="Cambria Math" panose="02040503050406030204" pitchFamily="18" charset="0"/>
+                        </a:rPr>
+                        <m:t>≤ </m:t>
+                      </m:r>
+                      <m:sSub>
+                        <m:sSubPr>
+                          <m:ctrlPr>
+                            <a:rPr lang="it-IT" b="0" i="1" smtClean="0">
+                              <a:solidFill>
+                                <a:srgbClr val="E95502"/>
+                              </a:solidFill>
+                              <a:latin typeface="Cambria Math" panose="02040503050406030204" pitchFamily="18" charset="0"/>
+                            </a:rPr>
+                          </m:ctrlPr>
+                        </m:sSubPr>
+                        <m:e>
+                          <m:r>
+                            <a:rPr lang="it-IT" b="0" i="1" smtClean="0">
+                              <a:solidFill>
+                                <a:srgbClr val="E95502"/>
+                              </a:solidFill>
+                              <a:latin typeface="Cambria Math" panose="02040503050406030204" pitchFamily="18" charset="0"/>
+                            </a:rPr>
+                            <m:t>𝑇</m:t>
+                          </m:r>
+                        </m:e>
+                        <m:sub>
+                          <m:r>
+                            <a:rPr lang="it-IT" b="0" i="1" smtClean="0">
+                              <a:solidFill>
+                                <a:srgbClr val="E95502"/>
+                              </a:solidFill>
+                              <a:latin typeface="Cambria Math" panose="02040503050406030204" pitchFamily="18" charset="0"/>
+                            </a:rPr>
+                            <m:t>𝑠𝑡𝑜𝑝</m:t>
+                          </m:r>
+                        </m:sub>
+                      </m:sSub>
+                    </m:oMath>
+                  </m:oMathPara>
+                </a14:m>
+                <a:endParaRPr lang="it-IT" dirty="0">
+                  <a:solidFill>
+                    <a:srgbClr val="E95502"/>
+                  </a:solidFill>
+                </a:endParaRPr>
+              </a:p>
+            </p:txBody>
+          </p:sp>
+        </mc:Choice>
+        <mc:Fallback>
+          <p:sp>
+            <p:nvSpPr>
+              <p:cNvPr id="4" name="CasellaDiTesto 3">
+                <a:extLst>
+                  <a:ext uri="{FF2B5EF4-FFF2-40B4-BE49-F238E27FC236}">
+                    <a16:creationId xmlns:a16="http://schemas.microsoft.com/office/drawing/2014/main" id="{3C3F67E1-A0B1-B77C-6111-648A70902E01}"/>
+                  </a:ext>
+                </a:extLst>
+              </p:cNvPr>
+              <p:cNvSpPr txBox="1">
+                <a:spLocks noRot="1" noChangeAspect="1" noMove="1" noResize="1" noEditPoints="1" noAdjustHandles="1" noChangeArrowheads="1" noChangeShapeType="1" noTextEdit="1"/>
+              </p:cNvSpPr>
+              <p:nvPr/>
+            </p:nvSpPr>
+            <p:spPr>
+              <a:xfrm>
+                <a:off x="3373293" y="3075367"/>
+                <a:ext cx="763671" cy="232051"/>
+              </a:xfrm>
+              <a:prstGeom prst="rect">
+                <a:avLst/>
+              </a:prstGeom>
+              <a:blipFill>
+                <a:blip r:embed="rId3"/>
+                <a:stretch>
+                  <a:fillRect l="-3279" t="-5000" r="-1639" b="-25000"/>
+                </a:stretch>
+              </a:blipFill>
+            </p:spPr>
+            <p:txBody>
+              <a:bodyPr/>
+              <a:lstStyle/>
+              <a:p>
+                <a:r>
+                  <a:rPr lang="it-IT">
+                    <a:noFill/>
+                  </a:rPr>
+                  <a:t> </a:t>
+                </a:r>
+              </a:p>
+            </p:txBody>
+          </p:sp>
+        </mc:Fallback>
+      </mc:AlternateContent>
+      <p:sp>
+        <p:nvSpPr>
+          <p:cNvPr id="6" name="Freccia giù 5">
+            <a:extLst>
+              <a:ext uri="{FF2B5EF4-FFF2-40B4-BE49-F238E27FC236}">
+                <a16:creationId xmlns:a16="http://schemas.microsoft.com/office/drawing/2014/main" id="{438721EF-846A-94FE-77BE-9B8C379F6824}"/>
+              </a:ext>
+            </a:extLst>
+          </p:cNvPr>
+          <p:cNvSpPr/>
+          <p:nvPr/>
+        </p:nvSpPr>
+        <p:spPr>
+          <a:xfrm>
+            <a:off x="2025580" y="2389459"/>
+            <a:ext cx="182880" cy="487526"/>
+          </a:xfrm>
+          <a:prstGeom prst="downArrow">
+            <a:avLst/>
+          </a:prstGeom>
+          <a:ln w="19050">
+            <a:solidFill>
+              <a:schemeClr val="tx1"/>
+            </a:solidFill>
+          </a:ln>
+        </p:spPr>
+        <p:style>
+          <a:lnRef idx="2">
+            <a:schemeClr val="dk1">
+              <a:shade val="15000"/>
+            </a:schemeClr>
+          </a:lnRef>
+          <a:fillRef idx="1">
+            <a:schemeClr val="dk1"/>
+          </a:fillRef>
+          <a:effectRef idx="0">
+            <a:schemeClr val="dk1"/>
+          </a:effectRef>
+          <a:fontRef idx="minor">
+            <a:schemeClr val="lt1"/>
+          </a:fontRef>
+        </p:style>
+        <p:txBody>
+          <a:bodyPr rtlCol="0" anchor="ctr"/>
+          <a:lstStyle/>
+          <a:p>
+            <a:pPr algn="ctr"/>
+            <a:endParaRPr lang="it-IT"/>
+          </a:p>
+        </p:txBody>
+      </p:sp>
+      <p:pic>
+        <p:nvPicPr>
+          <p:cNvPr id="8" name="Immagine 7">
+            <a:extLst>
+              <a:ext uri="{FF2B5EF4-FFF2-40B4-BE49-F238E27FC236}">
+                <a16:creationId xmlns:a16="http://schemas.microsoft.com/office/drawing/2014/main" id="{8011A8A9-FCB9-C546-45D2-5C05BC48C933}"/>
+              </a:ext>
+            </a:extLst>
+          </p:cNvPr>
+          <p:cNvPicPr>
+            <a:picLocks noChangeAspect="1"/>
+          </p:cNvPicPr>
+          <p:nvPr/>
+        </p:nvPicPr>
+        <p:blipFill>
+          <a:blip r:embed="rId4"/>
+          <a:srcRect r="86456"/>
+          <a:stretch/>
+        </p:blipFill>
+        <p:spPr>
+          <a:xfrm>
+            <a:off x="712056" y="1770006"/>
+            <a:ext cx="1052714" cy="294843"/>
+          </a:xfrm>
+          <a:prstGeom prst="rect">
+            <a:avLst/>
+          </a:prstGeom>
+        </p:spPr>
+      </p:pic>
+      <p:pic>
+        <p:nvPicPr>
+          <p:cNvPr id="9" name="Immagine 8">
+            <a:extLst>
+              <a:ext uri="{FF2B5EF4-FFF2-40B4-BE49-F238E27FC236}">
+                <a16:creationId xmlns:a16="http://schemas.microsoft.com/office/drawing/2014/main" id="{0097EF7A-893D-BD4E-AAF8-4480EF33429E}"/>
+              </a:ext>
+            </a:extLst>
+          </p:cNvPr>
+          <p:cNvPicPr>
+            <a:picLocks noChangeAspect="1"/>
+          </p:cNvPicPr>
+          <p:nvPr/>
+        </p:nvPicPr>
+        <p:blipFill>
+          <a:blip r:embed="rId4"/>
+          <a:srcRect l="75548"/>
+          <a:stretch/>
+        </p:blipFill>
+        <p:spPr>
+          <a:xfrm>
+            <a:off x="2036270" y="1770005"/>
+            <a:ext cx="1900515" cy="294843"/>
+          </a:xfrm>
+          <a:prstGeom prst="rect">
+            <a:avLst/>
+          </a:prstGeom>
+        </p:spPr>
+      </p:pic>
+      <p:pic>
+        <p:nvPicPr>
+          <p:cNvPr id="10" name="Immagine 9">
+            <a:extLst>
+              <a:ext uri="{FF2B5EF4-FFF2-40B4-BE49-F238E27FC236}">
+                <a16:creationId xmlns:a16="http://schemas.microsoft.com/office/drawing/2014/main" id="{C2C5079C-DC06-8339-274A-0EBCD319CA1F}"/>
+              </a:ext>
+            </a:extLst>
+          </p:cNvPr>
+          <p:cNvPicPr>
+            <a:picLocks noChangeAspect="1"/>
+          </p:cNvPicPr>
+          <p:nvPr/>
+        </p:nvPicPr>
+        <p:blipFill>
+          <a:blip r:embed="rId4"/>
+          <a:srcRect r="86456"/>
+          <a:stretch/>
+        </p:blipFill>
+        <p:spPr>
+          <a:xfrm>
+            <a:off x="712056" y="3043973"/>
+            <a:ext cx="1052714" cy="294843"/>
+          </a:xfrm>
+          <a:prstGeom prst="rect">
+            <a:avLst/>
+          </a:prstGeom>
+        </p:spPr>
+      </p:pic>
+      <p:pic>
+        <p:nvPicPr>
+          <p:cNvPr id="11" name="Immagine 10">
+            <a:extLst>
+              <a:ext uri="{FF2B5EF4-FFF2-40B4-BE49-F238E27FC236}">
+                <a16:creationId xmlns:a16="http://schemas.microsoft.com/office/drawing/2014/main" id="{51897788-9CC2-5CF6-9DE1-91B624C2DFA3}"/>
+              </a:ext>
+            </a:extLst>
+          </p:cNvPr>
+          <p:cNvPicPr>
+            <a:picLocks noChangeAspect="1"/>
+          </p:cNvPicPr>
+          <p:nvPr/>
+        </p:nvPicPr>
+        <p:blipFill>
+          <a:blip r:embed="rId4"/>
+          <a:srcRect l="75547" r="7449"/>
+          <a:stretch/>
+        </p:blipFill>
+        <p:spPr>
+          <a:xfrm>
+            <a:off x="2036271" y="3043972"/>
+            <a:ext cx="1321654" cy="294843"/>
+          </a:xfrm>
+          <a:prstGeom prst="rect">
+            <a:avLst/>
+          </a:prstGeom>
+        </p:spPr>
+      </p:pic>
+      <mc:AlternateContent xmlns:mc="http://schemas.openxmlformats.org/markup-compatibility/2006">
+        <mc:Choice xmlns:a14="http://schemas.microsoft.com/office/drawing/2010/main" Requires="a14">
+          <p:sp>
+            <p:nvSpPr>
+              <p:cNvPr id="12" name="CasellaDiTesto 11">
+                <a:extLst>
+                  <a:ext uri="{FF2B5EF4-FFF2-40B4-BE49-F238E27FC236}">
+                    <a16:creationId xmlns:a16="http://schemas.microsoft.com/office/drawing/2014/main" id="{0306714D-E730-4D8B-C8B6-E2FB7D4B00D9}"/>
+                  </a:ext>
+                </a:extLst>
+              </p:cNvPr>
+              <p:cNvSpPr txBox="1"/>
+              <p:nvPr/>
+            </p:nvSpPr>
+            <p:spPr>
+              <a:xfrm>
+                <a:off x="3362602" y="3537197"/>
+                <a:ext cx="763671" cy="232051"/>
+              </a:xfrm>
+              <a:prstGeom prst="rect">
+                <a:avLst/>
+              </a:prstGeom>
+              <a:noFill/>
+            </p:spPr>
+            <p:txBody>
+              <a:bodyPr wrap="none" lIns="0" tIns="0" rIns="0" bIns="0" rtlCol="0">
+                <a:spAutoFit/>
+              </a:bodyPr>
+              <a:lstStyle/>
+              <a:p>
+                <a14:m>
+                  <m:oMathPara xmlns:m="http://schemas.openxmlformats.org/officeDocument/2006/math">
+                    <m:oMathParaPr>
+                      <m:jc m:val="centerGroup"/>
+                    </m:oMathParaPr>
+                    <m:oMath xmlns:m="http://schemas.openxmlformats.org/officeDocument/2006/math">
+                      <m:r>
+                        <a:rPr lang="it-IT" b="0" i="1" smtClean="0">
+                          <a:solidFill>
+                            <a:srgbClr val="E95502"/>
+                          </a:solidFill>
+                          <a:latin typeface="Cambria Math" panose="02040503050406030204" pitchFamily="18" charset="0"/>
+                        </a:rPr>
+                        <m:t>𝑖</m:t>
+                      </m:r>
+                      <m:r>
+                        <a:rPr lang="it-IT" b="0" i="1" smtClean="0">
+                          <a:solidFill>
+                            <a:srgbClr val="E95502"/>
+                          </a:solidFill>
+                          <a:latin typeface="Cambria Math" panose="02040503050406030204" pitchFamily="18" charset="0"/>
+                        </a:rPr>
+                        <m:t>&gt; </m:t>
+                      </m:r>
+                      <m:sSub>
+                        <m:sSubPr>
+                          <m:ctrlPr>
+                            <a:rPr lang="it-IT" b="0" i="1" smtClean="0">
+                              <a:solidFill>
+                                <a:srgbClr val="E95502"/>
+                              </a:solidFill>
+                              <a:latin typeface="Cambria Math" panose="02040503050406030204" pitchFamily="18" charset="0"/>
+                            </a:rPr>
+                          </m:ctrlPr>
+                        </m:sSubPr>
+                        <m:e>
+                          <m:r>
+                            <a:rPr lang="it-IT" b="0" i="1" smtClean="0">
+                              <a:solidFill>
+                                <a:srgbClr val="E95502"/>
+                              </a:solidFill>
+                              <a:latin typeface="Cambria Math" panose="02040503050406030204" pitchFamily="18" charset="0"/>
+                            </a:rPr>
+                            <m:t>𝑇</m:t>
+                          </m:r>
+                        </m:e>
+                        <m:sub>
+                          <m:r>
+                            <a:rPr lang="it-IT" b="0" i="1" smtClean="0">
+                              <a:solidFill>
+                                <a:srgbClr val="E95502"/>
+                              </a:solidFill>
+                              <a:latin typeface="Cambria Math" panose="02040503050406030204" pitchFamily="18" charset="0"/>
+                            </a:rPr>
+                            <m:t>𝑠𝑡𝑜𝑝</m:t>
+                          </m:r>
+                        </m:sub>
+                      </m:sSub>
+                    </m:oMath>
+                  </m:oMathPara>
+                </a14:m>
+                <a:endParaRPr lang="it-IT" dirty="0">
+                  <a:solidFill>
+                    <a:srgbClr val="E95502"/>
+                  </a:solidFill>
+                </a:endParaRPr>
+              </a:p>
+            </p:txBody>
+          </p:sp>
+        </mc:Choice>
+        <mc:Fallback>
+          <p:sp>
+            <p:nvSpPr>
+              <p:cNvPr id="12" name="CasellaDiTesto 11">
+                <a:extLst>
+                  <a:ext uri="{FF2B5EF4-FFF2-40B4-BE49-F238E27FC236}">
+                    <a16:creationId xmlns:a16="http://schemas.microsoft.com/office/drawing/2014/main" id="{0306714D-E730-4D8B-C8B6-E2FB7D4B00D9}"/>
+                  </a:ext>
+                </a:extLst>
+              </p:cNvPr>
+              <p:cNvSpPr txBox="1">
+                <a:spLocks noRot="1" noChangeAspect="1" noMove="1" noResize="1" noEditPoints="1" noAdjustHandles="1" noChangeArrowheads="1" noChangeShapeType="1" noTextEdit="1"/>
+              </p:cNvSpPr>
+              <p:nvPr/>
+            </p:nvSpPr>
+            <p:spPr>
+              <a:xfrm>
+                <a:off x="3362602" y="3537197"/>
+                <a:ext cx="763671" cy="232051"/>
+              </a:xfrm>
+              <a:prstGeom prst="rect">
+                <a:avLst/>
+              </a:prstGeom>
+              <a:blipFill>
+                <a:blip r:embed="rId5"/>
+                <a:stretch>
+                  <a:fillRect l="-3279" t="-10526" r="-3279" b="-26316"/>
+                </a:stretch>
+              </a:blipFill>
+            </p:spPr>
+            <p:txBody>
+              <a:bodyPr/>
+              <a:lstStyle/>
+              <a:p>
+                <a:r>
+                  <a:rPr lang="it-IT">
+                    <a:noFill/>
+                  </a:rPr>
+                  <a:t> </a:t>
+                </a:r>
+              </a:p>
+            </p:txBody>
+          </p:sp>
+        </mc:Fallback>
+      </mc:AlternateContent>
+      <p:pic>
+        <p:nvPicPr>
+          <p:cNvPr id="13" name="Immagine 12">
+            <a:extLst>
+              <a:ext uri="{FF2B5EF4-FFF2-40B4-BE49-F238E27FC236}">
+                <a16:creationId xmlns:a16="http://schemas.microsoft.com/office/drawing/2014/main" id="{EC5B6D1F-64E8-F733-37E8-4E1B0B53E553}"/>
+              </a:ext>
+            </a:extLst>
+          </p:cNvPr>
+          <p:cNvPicPr>
+            <a:picLocks noChangeAspect="1"/>
+          </p:cNvPicPr>
+          <p:nvPr/>
+        </p:nvPicPr>
+        <p:blipFill>
+          <a:blip r:embed="rId4"/>
+          <a:srcRect r="92218"/>
+          <a:stretch/>
+        </p:blipFill>
+        <p:spPr>
+          <a:xfrm>
+            <a:off x="701365" y="3505804"/>
+            <a:ext cx="604921" cy="294842"/>
+          </a:xfrm>
+          <a:prstGeom prst="rect">
+            <a:avLst/>
+          </a:prstGeom>
+        </p:spPr>
+      </p:pic>
+      <p:pic>
+        <p:nvPicPr>
+          <p:cNvPr id="14" name="Immagine 13">
+            <a:extLst>
+              <a:ext uri="{FF2B5EF4-FFF2-40B4-BE49-F238E27FC236}">
+                <a16:creationId xmlns:a16="http://schemas.microsoft.com/office/drawing/2014/main" id="{A994EC22-0ACF-41F2-1606-5D1ED1EA3A15}"/>
+              </a:ext>
+            </a:extLst>
+          </p:cNvPr>
+          <p:cNvPicPr>
+            <a:picLocks noChangeAspect="1"/>
+          </p:cNvPicPr>
+          <p:nvPr/>
+        </p:nvPicPr>
+        <p:blipFill>
+          <a:blip r:embed="rId4"/>
+          <a:srcRect l="75547" r="7449"/>
+          <a:stretch/>
+        </p:blipFill>
+        <p:spPr>
+          <a:xfrm>
+            <a:off x="2025580" y="3505802"/>
+            <a:ext cx="1321654" cy="294843"/>
+          </a:xfrm>
+          <a:prstGeom prst="rect">
+            <a:avLst/>
+          </a:prstGeom>
+        </p:spPr>
+      </p:pic>
+      <mc:AlternateContent xmlns:mc="http://schemas.openxmlformats.org/markup-compatibility/2006">
+        <mc:Choice xmlns:a14="http://schemas.microsoft.com/office/drawing/2010/main" Requires="a14">
+          <p:sp>
+            <p:nvSpPr>
+              <p:cNvPr id="15" name="CasellaDiTesto 14">
+                <a:extLst>
+                  <a:ext uri="{FF2B5EF4-FFF2-40B4-BE49-F238E27FC236}">
+                    <a16:creationId xmlns:a16="http://schemas.microsoft.com/office/drawing/2014/main" id="{2F054588-FA90-0D61-F4CA-18785241C785}"/>
+                  </a:ext>
+                </a:extLst>
+              </p:cNvPr>
+              <p:cNvSpPr txBox="1"/>
+              <p:nvPr/>
+            </p:nvSpPr>
+            <p:spPr>
+              <a:xfrm>
+                <a:off x="1306286" y="3545500"/>
+                <a:ext cx="149080" cy="215444"/>
+              </a:xfrm>
+              <a:prstGeom prst="rect">
+                <a:avLst/>
+              </a:prstGeom>
+              <a:noFill/>
+            </p:spPr>
+            <p:txBody>
+              <a:bodyPr wrap="none" lIns="0" tIns="0" rIns="0" bIns="0" rtlCol="0">
+                <a:spAutoFit/>
+              </a:bodyPr>
+              <a:lstStyle/>
+              <a:p>
+                <a14:m>
+                  <m:oMathPara xmlns:m="http://schemas.openxmlformats.org/officeDocument/2006/math">
+                    <m:oMathParaPr>
+                      <m:jc m:val="centerGroup"/>
+                    </m:oMathParaPr>
+                    <m:oMath xmlns:m="http://schemas.openxmlformats.org/officeDocument/2006/math">
+                      <m:r>
+                        <a:rPr lang="it-IT" b="0" i="1" smtClean="0">
+                          <a:solidFill>
+                            <a:srgbClr val="E95502"/>
+                          </a:solidFill>
+                          <a:latin typeface="Cambria Math" panose="02040503050406030204" pitchFamily="18" charset="0"/>
+                        </a:rPr>
+                        <m:t>0</m:t>
+                      </m:r>
+                    </m:oMath>
+                  </m:oMathPara>
+                </a14:m>
+                <a:endParaRPr lang="it-IT" dirty="0">
+                  <a:solidFill>
+                    <a:srgbClr val="E95502"/>
+                  </a:solidFill>
+                </a:endParaRPr>
+              </a:p>
+            </p:txBody>
+          </p:sp>
+        </mc:Choice>
+        <mc:Fallback>
+          <p:sp>
+            <p:nvSpPr>
+              <p:cNvPr id="15" name="CasellaDiTesto 14">
+                <a:extLst>
+                  <a:ext uri="{FF2B5EF4-FFF2-40B4-BE49-F238E27FC236}">
+                    <a16:creationId xmlns:a16="http://schemas.microsoft.com/office/drawing/2014/main" id="{2F054588-FA90-0D61-F4CA-18785241C785}"/>
+                  </a:ext>
+                </a:extLst>
+              </p:cNvPr>
+              <p:cNvSpPr txBox="1">
+                <a:spLocks noRot="1" noChangeAspect="1" noMove="1" noResize="1" noEditPoints="1" noAdjustHandles="1" noChangeArrowheads="1" noChangeShapeType="1" noTextEdit="1"/>
+              </p:cNvSpPr>
+              <p:nvPr/>
+            </p:nvSpPr>
+            <p:spPr>
+              <a:xfrm>
+                <a:off x="1306286" y="3545500"/>
+                <a:ext cx="149080" cy="215444"/>
+              </a:xfrm>
+              <a:prstGeom prst="rect">
+                <a:avLst/>
+              </a:prstGeom>
+              <a:blipFill>
+                <a:blip r:embed="rId6"/>
+                <a:stretch>
+                  <a:fillRect l="-23077" r="-23077" b="-11111"/>
+                </a:stretch>
+              </a:blipFill>
+            </p:spPr>
+            <p:txBody>
+              <a:bodyPr/>
+              <a:lstStyle/>
+              <a:p>
+                <a:r>
+                  <a:rPr lang="it-IT">
+                    <a:noFill/>
+                  </a:rPr>
+                  <a:t> </a:t>
+                </a:r>
+              </a:p>
+            </p:txBody>
+          </p:sp>
+        </mc:Fallback>
+      </mc:AlternateContent>
+      <mc:AlternateContent xmlns:mc="http://schemas.openxmlformats.org/markup-compatibility/2006">
+        <mc:Choice xmlns:a14="http://schemas.microsoft.com/office/drawing/2010/main" Requires="a14">
+          <p:sp>
+            <p:nvSpPr>
+              <p:cNvPr id="16" name="CasellaDiTesto 15">
+                <a:extLst>
+                  <a:ext uri="{FF2B5EF4-FFF2-40B4-BE49-F238E27FC236}">
+                    <a16:creationId xmlns:a16="http://schemas.microsoft.com/office/drawing/2014/main" id="{B489954D-3524-91DD-4E2E-168DBC199D7E}"/>
+                  </a:ext>
+                </a:extLst>
+              </p:cNvPr>
+              <p:cNvSpPr txBox="1"/>
+              <p:nvPr/>
+            </p:nvSpPr>
+            <p:spPr>
+              <a:xfrm>
+                <a:off x="4457953" y="1850206"/>
+                <a:ext cx="2839249" cy="614207"/>
+              </a:xfrm>
+              <a:prstGeom prst="rect">
+                <a:avLst/>
+              </a:prstGeom>
+              <a:noFill/>
+            </p:spPr>
+            <p:txBody>
+              <a:bodyPr wrap="square" lIns="0" tIns="0" rIns="0" bIns="0" rtlCol="0">
+                <a:spAutoFit/>
+              </a:bodyPr>
+              <a:lstStyle/>
+              <a:p>
+                <a14:m>
+                  <m:oMathPara xmlns:m="http://schemas.openxmlformats.org/officeDocument/2006/math">
+                    <m:oMathParaPr>
+                      <m:jc m:val="centerGroup"/>
+                    </m:oMathParaPr>
+                    <m:oMath xmlns:m="http://schemas.openxmlformats.org/officeDocument/2006/math">
+                      <m:sSub>
+                        <m:sSubPr>
+                          <m:ctrlPr>
+                            <a:rPr lang="it-IT" i="1" smtClean="0">
+                              <a:latin typeface="Cambria Math" panose="02040503050406030204" pitchFamily="18" charset="0"/>
+                            </a:rPr>
+                          </m:ctrlPr>
+                        </m:sSubPr>
+                        <m:e>
+                          <m:r>
+                            <a:rPr lang="it-IT" b="0" i="1" smtClean="0">
+                              <a:latin typeface="Cambria Math" panose="02040503050406030204" pitchFamily="18" charset="0"/>
+                            </a:rPr>
+                            <m:t>𝑇</m:t>
+                          </m:r>
+                        </m:e>
+                        <m:sub>
+                          <m:r>
+                            <a:rPr lang="it-IT" b="0" i="1" smtClean="0">
+                              <a:latin typeface="Cambria Math" panose="02040503050406030204" pitchFamily="18" charset="0"/>
+                            </a:rPr>
+                            <m:t>𝑠𝑡𝑜𝑝</m:t>
+                          </m:r>
+                        </m:sub>
+                      </m:sSub>
+                      <m:r>
+                        <a:rPr lang="it-IT" b="0" i="1" smtClean="0">
+                          <a:latin typeface="Cambria Math" panose="02040503050406030204" pitchFamily="18" charset="0"/>
+                        </a:rPr>
+                        <m:t>=</m:t>
+                      </m:r>
+                      <m:f>
+                        <m:fPr>
+                          <m:ctrlPr>
+                            <a:rPr lang="it-IT" b="0" i="1" smtClean="0">
+                              <a:latin typeface="Cambria Math" panose="02040503050406030204" pitchFamily="18" charset="0"/>
+                            </a:rPr>
+                          </m:ctrlPr>
+                        </m:fPr>
+                        <m:num>
+                          <m:r>
+                            <a:rPr lang="it-IT" b="0" i="1" smtClean="0">
+                              <a:latin typeface="Cambria Math" panose="02040503050406030204" pitchFamily="18" charset="0"/>
+                            </a:rPr>
+                            <m:t>𝑁</m:t>
+                          </m:r>
+                        </m:num>
+                        <m:den>
+                          <m:f>
+                            <m:fPr>
+                              <m:type m:val="skw"/>
+                              <m:ctrlPr>
+                                <a:rPr lang="it-IT" b="0" i="1" smtClean="0">
+                                  <a:latin typeface="Cambria Math" panose="02040503050406030204" pitchFamily="18" charset="0"/>
+                                </a:rPr>
+                              </m:ctrlPr>
+                            </m:fPr>
+                            <m:num>
+                              <m:r>
+                                <a:rPr lang="it-IT" i="1">
+                                  <a:latin typeface="Cambria Math" panose="02040503050406030204" pitchFamily="18" charset="0"/>
+                                </a:rPr>
+                                <m:t>2</m:t>
+                              </m:r>
+                              <m:sSubSup>
+                                <m:sSubSupPr>
+                                  <m:ctrlPr>
+                                    <a:rPr lang="it-IT" i="1">
+                                      <a:latin typeface="Cambria Math" panose="02040503050406030204" pitchFamily="18" charset="0"/>
+                                    </a:rPr>
+                                  </m:ctrlPr>
+                                </m:sSubSupPr>
+                                <m:e>
+                                  <m:r>
+                                    <a:rPr lang="it-IT" i="1">
+                                      <a:latin typeface="Cambria Math" panose="02040503050406030204" pitchFamily="18" charset="0"/>
+                                    </a:rPr>
+                                    <m:t>𝐷</m:t>
+                                  </m:r>
+                                </m:e>
+                                <m:sub>
+                                  <m:r>
+                                    <a:rPr lang="it-IT" i="1">
+                                      <a:latin typeface="Cambria Math" panose="02040503050406030204" pitchFamily="18" charset="0"/>
+                                    </a:rPr>
+                                    <m:t>𝑎</m:t>
+                                  </m:r>
+                                </m:sub>
+                                <m:sup>
+                                  <m:r>
+                                    <a:rPr lang="it-IT" i="1">
+                                      <a:latin typeface="Cambria Math" panose="02040503050406030204" pitchFamily="18" charset="0"/>
+                                    </a:rPr>
+                                    <m:t>𝑚</m:t>
+                                  </m:r>
+                                </m:sup>
+                              </m:sSubSup>
+                            </m:num>
+                            <m:den>
+                              <m:sSub>
+                                <m:sSubPr>
+                                  <m:ctrlPr>
+                                    <a:rPr lang="it-IT" b="0" i="1" smtClean="0">
+                                      <a:latin typeface="Cambria Math" panose="02040503050406030204" pitchFamily="18" charset="0"/>
+                                    </a:rPr>
+                                  </m:ctrlPr>
+                                </m:sSubPr>
+                                <m:e>
+                                  <m:r>
+                                    <a:rPr lang="it-IT" b="0" i="1" smtClean="0">
+                                      <a:latin typeface="Cambria Math" panose="02040503050406030204" pitchFamily="18" charset="0"/>
+                                    </a:rPr>
+                                    <m:t>𝑄</m:t>
+                                  </m:r>
+                                </m:e>
+                                <m:sub>
+                                  <m:r>
+                                    <a:rPr lang="it-IT" b="0" i="1" smtClean="0">
+                                      <a:latin typeface="Cambria Math" panose="02040503050406030204" pitchFamily="18" charset="0"/>
+                                    </a:rPr>
+                                    <m:t>𝑎</m:t>
+                                  </m:r>
+                                </m:sub>
+                              </m:sSub>
+                              <m:r>
+                                <a:rPr lang="it-IT" b="0" i="1" smtClean="0">
+                                  <a:latin typeface="Cambria Math" panose="02040503050406030204" pitchFamily="18" charset="0"/>
+                                  <a:ea typeface="Cambria Math" panose="02040503050406030204" pitchFamily="18" charset="0"/>
+                                </a:rPr>
+                                <m:t>𝜏</m:t>
+                              </m:r>
+                            </m:den>
+                          </m:f>
+                          <m:r>
+                            <a:rPr lang="it-IT" b="0" i="1" smtClean="0">
+                              <a:latin typeface="Cambria Math" panose="02040503050406030204" pitchFamily="18" charset="0"/>
+                            </a:rPr>
+                            <m:t>  +1</m:t>
+                          </m:r>
+                        </m:den>
+                      </m:f>
+                    </m:oMath>
+                  </m:oMathPara>
+                </a14:m>
+                <a:endParaRPr lang="it-IT" sz="1300" dirty="0"/>
+              </a:p>
+            </p:txBody>
+          </p:sp>
+        </mc:Choice>
+        <mc:Fallback>
+          <p:sp>
+            <p:nvSpPr>
+              <p:cNvPr id="16" name="CasellaDiTesto 15">
+                <a:extLst>
+                  <a:ext uri="{FF2B5EF4-FFF2-40B4-BE49-F238E27FC236}">
+                    <a16:creationId xmlns:a16="http://schemas.microsoft.com/office/drawing/2014/main" id="{B489954D-3524-91DD-4E2E-168DBC199D7E}"/>
+                  </a:ext>
+                </a:extLst>
+              </p:cNvPr>
+              <p:cNvSpPr txBox="1">
+                <a:spLocks noRot="1" noChangeAspect="1" noMove="1" noResize="1" noEditPoints="1" noAdjustHandles="1" noChangeArrowheads="1" noChangeShapeType="1" noTextEdit="1"/>
+              </p:cNvSpPr>
+              <p:nvPr/>
+            </p:nvSpPr>
+            <p:spPr>
+              <a:xfrm>
+                <a:off x="4457953" y="1850206"/>
+                <a:ext cx="2839249" cy="614207"/>
+              </a:xfrm>
+              <a:prstGeom prst="rect">
+                <a:avLst/>
+              </a:prstGeom>
+              <a:blipFill>
+                <a:blip r:embed="rId7"/>
+                <a:stretch>
+                  <a:fillRect t="-95918" b="-193878"/>
+                </a:stretch>
+              </a:blipFill>
+            </p:spPr>
+            <p:txBody>
+              <a:bodyPr/>
+              <a:lstStyle/>
+              <a:p>
+                <a:r>
+                  <a:rPr lang="it-IT">
+                    <a:noFill/>
+                  </a:rPr>
+                  <a:t> </a:t>
+                </a:r>
+              </a:p>
+            </p:txBody>
+          </p:sp>
+        </mc:Fallback>
+      </mc:AlternateContent>
+      <p:sp>
+        <p:nvSpPr>
+          <p:cNvPr id="18" name="CasellaDiTesto 17">
+            <a:extLst>
+              <a:ext uri="{FF2B5EF4-FFF2-40B4-BE49-F238E27FC236}">
+                <a16:creationId xmlns:a16="http://schemas.microsoft.com/office/drawing/2014/main" id="{BAF5501F-0D5A-27D4-672A-6866FC7A6AD2}"/>
+              </a:ext>
+            </a:extLst>
+          </p:cNvPr>
+          <p:cNvSpPr txBox="1"/>
+          <p:nvPr/>
+        </p:nvSpPr>
+        <p:spPr>
+          <a:xfrm>
+            <a:off x="4922837" y="1387905"/>
+            <a:ext cx="3223657" cy="292388"/>
+          </a:xfrm>
+          <a:prstGeom prst="rect">
+            <a:avLst/>
+          </a:prstGeom>
+          <a:noFill/>
+        </p:spPr>
+        <p:txBody>
+          <a:bodyPr wrap="square">
+            <a:spAutoFit/>
+          </a:bodyPr>
+          <a:lstStyle/>
+          <a:p>
+            <a:r>
+              <a:rPr lang="it-IT" sz="1300" dirty="0"/>
+              <a:t>Clearance time in </a:t>
+            </a:r>
+            <a:r>
+              <a:rPr lang="it-IT" sz="1300" dirty="0" err="1"/>
+              <a:t>worst</a:t>
+            </a:r>
+            <a:r>
+              <a:rPr lang="it-IT" sz="1300" dirty="0"/>
+              <a:t> case scenario:</a:t>
+            </a:r>
+          </a:p>
+        </p:txBody>
+      </p:sp>
+      <p:sp>
+        <p:nvSpPr>
+          <p:cNvPr id="19" name="Google Shape;103;p15">
+            <a:extLst>
+              <a:ext uri="{FF2B5EF4-FFF2-40B4-BE49-F238E27FC236}">
+                <a16:creationId xmlns:a16="http://schemas.microsoft.com/office/drawing/2014/main" id="{FE4C5511-12AF-C1A7-2815-1293DE069CB2}"/>
+              </a:ext>
+            </a:extLst>
+          </p:cNvPr>
+          <p:cNvSpPr/>
+          <p:nvPr/>
+        </p:nvSpPr>
+        <p:spPr>
+          <a:xfrm>
+            <a:off x="6032934" y="2171497"/>
+            <a:ext cx="336446" cy="390363"/>
+          </a:xfrm>
+          <a:prstGeom prst="ellipse">
+            <a:avLst/>
+          </a:prstGeom>
+          <a:noFill/>
+          <a:ln w="9525" cap="flat" cmpd="sng">
+            <a:solidFill>
+              <a:srgbClr val="199988"/>
+            </a:solidFill>
+            <a:prstDash val="solid"/>
+            <a:round/>
+            <a:headEnd type="none" w="sm" len="sm"/>
+            <a:tailEnd type="none" w="sm" len="sm"/>
+          </a:ln>
+        </p:spPr>
+        <p:txBody>
+          <a:bodyPr spcFirstLastPara="1" wrap="square" lIns="91425" tIns="91425" rIns="91425" bIns="91425" anchor="ctr" anchorCtr="0">
+            <a:noAutofit/>
+          </a:bodyPr>
+          <a:lstStyle/>
+          <a:p>
+            <a:pPr marL="0" lvl="0" indent="0" algn="l" rtl="0">
+              <a:spcBef>
+                <a:spcPts val="0"/>
+              </a:spcBef>
+              <a:spcAft>
+                <a:spcPts val="0"/>
+              </a:spcAft>
+              <a:buNone/>
+            </a:pPr>
+            <a:endParaRPr/>
+          </a:p>
+        </p:txBody>
+      </p:sp>
+      <p:cxnSp>
+        <p:nvCxnSpPr>
+          <p:cNvPr id="20" name="Google Shape;104;p15">
+            <a:extLst>
+              <a:ext uri="{FF2B5EF4-FFF2-40B4-BE49-F238E27FC236}">
+                <a16:creationId xmlns:a16="http://schemas.microsoft.com/office/drawing/2014/main" id="{464B4B3F-D8AD-35BB-809C-CCF3C699D08C}"/>
+              </a:ext>
+            </a:extLst>
+          </p:cNvPr>
+          <p:cNvCxnSpPr>
+            <a:cxnSpLocks/>
+            <a:endCxn id="21" idx="0"/>
+          </p:cNvCxnSpPr>
+          <p:nvPr/>
+        </p:nvCxnSpPr>
+        <p:spPr>
+          <a:xfrm>
+            <a:off x="6201157" y="2572011"/>
+            <a:ext cx="1043083" cy="1236597"/>
+          </a:xfrm>
+          <a:prstGeom prst="straightConnector1">
+            <a:avLst/>
+          </a:prstGeom>
+          <a:noFill/>
+          <a:ln w="9525" cap="flat" cmpd="sng">
+            <a:solidFill>
+              <a:srgbClr val="199988"/>
+            </a:solidFill>
+            <a:prstDash val="solid"/>
+            <a:round/>
+            <a:headEnd type="none" w="med" len="med"/>
+            <a:tailEnd type="triangle" w="med" len="med"/>
+          </a:ln>
+        </p:spPr>
+      </p:cxnSp>
+      <mc:AlternateContent xmlns:mc="http://schemas.openxmlformats.org/markup-compatibility/2006">
+        <mc:Choice xmlns:a14="http://schemas.microsoft.com/office/drawing/2010/main" Requires="a14">
+          <p:sp>
+            <p:nvSpPr>
+              <p:cNvPr id="21" name="Google Shape;102;p15">
+                <a:extLst>
+                  <a:ext uri="{FF2B5EF4-FFF2-40B4-BE49-F238E27FC236}">
+                    <a16:creationId xmlns:a16="http://schemas.microsoft.com/office/drawing/2014/main" id="{59890963-8FB8-05A8-F89A-8C197F898066}"/>
+                  </a:ext>
+                </a:extLst>
+              </p:cNvPr>
+              <p:cNvSpPr txBox="1"/>
+              <p:nvPr/>
+            </p:nvSpPr>
+            <p:spPr>
+              <a:xfrm>
+                <a:off x="6650765" y="3808608"/>
+                <a:ext cx="1186949" cy="784800"/>
+              </a:xfrm>
+              <a:prstGeom prst="rect">
+                <a:avLst/>
+              </a:prstGeom>
+              <a:noFill/>
+              <a:ln>
+                <a:solidFill>
+                  <a:srgbClr val="199988"/>
+                </a:solidFill>
+              </a:ln>
+            </p:spPr>
+            <p:txBody>
+              <a:bodyPr spcFirstLastPara="1" wrap="square" lIns="91425" tIns="91425" rIns="91425" bIns="91425" anchor="t" anchorCtr="0">
+                <a:spAutoFit/>
+              </a:bodyPr>
+              <a:lstStyle/>
+              <a:p>
+                <a:pPr marL="0" lvl="0" indent="0" algn="l" rtl="0">
+                  <a:spcBef>
+                    <a:spcPts val="0"/>
+                  </a:spcBef>
+                  <a:spcAft>
+                    <a:spcPts val="0"/>
+                  </a:spcAft>
+                  <a:buNone/>
+                </a:pPr>
+                <a:r>
+                  <a:rPr lang="it-IT" sz="1300" dirty="0">
+                    <a:latin typeface="Times New Roman"/>
+                    <a:ea typeface="Times New Roman"/>
+                    <a:cs typeface="Times New Roman"/>
+                    <a:sym typeface="Times New Roman"/>
+                  </a:rPr>
+                  <a:t>Exit </a:t>
+                </a:r>
+                <a:r>
+                  <a:rPr lang="it-IT" sz="1300" dirty="0" err="1">
+                    <a:latin typeface="Times New Roman"/>
+                    <a:ea typeface="Times New Roman"/>
+                    <a:cs typeface="Times New Roman"/>
+                    <a:sym typeface="Times New Roman"/>
+                  </a:rPr>
+                  <a:t>capacity</a:t>
+                </a:r>
+                <a:r>
+                  <a:rPr lang="it-IT" sz="1300" dirty="0">
+                    <a:latin typeface="Times New Roman"/>
+                    <a:ea typeface="Times New Roman"/>
+                    <a:cs typeface="Times New Roman"/>
+                    <a:sym typeface="Times New Roman"/>
+                  </a:rPr>
+                  <a:t> of </a:t>
+                </a:r>
+                <a:r>
+                  <a:rPr lang="it-IT" sz="1300" dirty="0" err="1">
+                    <a:latin typeface="Times New Roman"/>
+                    <a:ea typeface="Times New Roman"/>
+                    <a:cs typeface="Times New Roman"/>
+                    <a:sym typeface="Times New Roman"/>
+                  </a:rPr>
+                  <a:t>sink</a:t>
+                </a:r>
+                <a:r>
+                  <a:rPr lang="it-IT" sz="1300" dirty="0">
+                    <a:latin typeface="Times New Roman"/>
+                    <a:ea typeface="Times New Roman"/>
+                    <a:cs typeface="Times New Roman"/>
+                    <a:sym typeface="Times New Roman"/>
+                  </a:rPr>
+                  <a:t> link per </a:t>
+                </a:r>
+                <a:r>
+                  <a:rPr lang="it-IT" sz="1300" dirty="0" err="1">
+                    <a:latin typeface="Times New Roman"/>
+                    <a:ea typeface="Times New Roman"/>
+                    <a:cs typeface="Times New Roman"/>
+                    <a:sym typeface="Times New Roman"/>
+                  </a:rPr>
+                  <a:t>timestep</a:t>
+                </a:r>
+                <a:r>
+                  <a:rPr lang="it-IT" sz="1300" dirty="0">
+                    <a:latin typeface="Times New Roman"/>
+                    <a:ea typeface="Times New Roman"/>
+                    <a:cs typeface="Times New Roman"/>
+                    <a:sym typeface="Times New Roman"/>
+                  </a:rPr>
+                  <a:t> </a:t>
+                </a:r>
+                <a14:m>
+                  <m:oMath xmlns:m="http://schemas.openxmlformats.org/officeDocument/2006/math">
+                    <m:r>
+                      <a:rPr lang="it-IT" sz="1300" i="1" smtClean="0">
+                        <a:latin typeface="Cambria Math" panose="02040503050406030204" pitchFamily="18" charset="0"/>
+                        <a:ea typeface="Cambria Math" panose="02040503050406030204" pitchFamily="18" charset="0"/>
+                        <a:cs typeface="Times New Roman"/>
+                        <a:sym typeface="Times New Roman"/>
+                      </a:rPr>
+                      <m:t>𝜏</m:t>
+                    </m:r>
+                  </m:oMath>
+                </a14:m>
+                <a:endParaRPr lang="it-IT" sz="1300" dirty="0">
+                  <a:latin typeface="Times New Roman"/>
+                  <a:ea typeface="Times New Roman"/>
+                  <a:cs typeface="Times New Roman"/>
+                  <a:sym typeface="Times New Roman"/>
+                </a:endParaRPr>
+              </a:p>
+            </p:txBody>
+          </p:sp>
+        </mc:Choice>
+        <mc:Fallback>
+          <p:sp>
+            <p:nvSpPr>
+              <p:cNvPr id="21" name="Google Shape;102;p15">
+                <a:extLst>
+                  <a:ext uri="{FF2B5EF4-FFF2-40B4-BE49-F238E27FC236}">
+                    <a16:creationId xmlns:a16="http://schemas.microsoft.com/office/drawing/2014/main" id="{59890963-8FB8-05A8-F89A-8C197F898066}"/>
+                  </a:ext>
+                </a:extLst>
+              </p:cNvPr>
+              <p:cNvSpPr txBox="1">
+                <a:spLocks noRot="1" noChangeAspect="1" noMove="1" noResize="1" noEditPoints="1" noAdjustHandles="1" noChangeArrowheads="1" noChangeShapeType="1" noTextEdit="1"/>
+              </p:cNvSpPr>
+              <p:nvPr/>
+            </p:nvSpPr>
+            <p:spPr>
+              <a:xfrm>
+                <a:off x="6650765" y="3808608"/>
+                <a:ext cx="1186949" cy="784800"/>
+              </a:xfrm>
+              <a:prstGeom prst="rect">
+                <a:avLst/>
+              </a:prstGeom>
+              <a:blipFill>
+                <a:blip r:embed="rId8"/>
+                <a:stretch>
+                  <a:fillRect l="-1053"/>
+                </a:stretch>
+              </a:blipFill>
+              <a:ln>
+                <a:solidFill>
+                  <a:srgbClr val="199988"/>
+                </a:solidFill>
+              </a:ln>
+            </p:spPr>
+            <p:txBody>
+              <a:bodyPr/>
+              <a:lstStyle/>
+              <a:p>
+                <a:r>
+                  <a:rPr lang="it-IT">
+                    <a:noFill/>
+                  </a:rPr>
+                  <a:t> </a:t>
+                </a:r>
+              </a:p>
+            </p:txBody>
+          </p:sp>
+        </mc:Fallback>
+      </mc:AlternateContent>
+      <mc:AlternateContent xmlns:mc="http://schemas.openxmlformats.org/markup-compatibility/2006">
+        <mc:Choice xmlns:a14="http://schemas.microsoft.com/office/drawing/2010/main" Requires="a14">
+          <p:sp>
+            <p:nvSpPr>
+              <p:cNvPr id="22" name="Google Shape;102;p15">
+                <a:extLst>
+                  <a:ext uri="{FF2B5EF4-FFF2-40B4-BE49-F238E27FC236}">
+                    <a16:creationId xmlns:a16="http://schemas.microsoft.com/office/drawing/2014/main" id="{E9F7DDCD-1206-F901-BE3C-90AE9546B6CE}"/>
+                  </a:ext>
+                </a:extLst>
+              </p:cNvPr>
+              <p:cNvSpPr txBox="1"/>
+              <p:nvPr/>
+            </p:nvSpPr>
+            <p:spPr>
+              <a:xfrm>
+                <a:off x="4831476" y="3236731"/>
+                <a:ext cx="1251215" cy="784800"/>
+              </a:xfrm>
+              <a:prstGeom prst="rect">
+                <a:avLst/>
+              </a:prstGeom>
+              <a:noFill/>
+              <a:ln>
+                <a:solidFill>
+                  <a:srgbClr val="199988"/>
+                </a:solidFill>
+              </a:ln>
+            </p:spPr>
+            <p:txBody>
+              <a:bodyPr spcFirstLastPara="1" wrap="square" lIns="91425" tIns="91425" rIns="91425" bIns="91425" anchor="t" anchorCtr="0">
+                <a:spAutoFit/>
+              </a:bodyPr>
+              <a:lstStyle/>
+              <a:p>
+                <a:pPr marL="0" lvl="0" indent="0" algn="l" rtl="0">
+                  <a:spcBef>
+                    <a:spcPts val="0"/>
+                  </a:spcBef>
+                  <a:spcAft>
+                    <a:spcPts val="0"/>
+                  </a:spcAft>
+                  <a:buNone/>
+                </a:pPr>
+                <a:r>
+                  <a:rPr lang="it-IT" sz="1300" dirty="0" err="1">
+                    <a:latin typeface="Times New Roman"/>
+                    <a:ea typeface="Times New Roman"/>
+                    <a:cs typeface="Times New Roman"/>
+                    <a:sym typeface="Times New Roman"/>
+                  </a:rPr>
+                  <a:t>n.vehicles</a:t>
+                </a:r>
+                <a:r>
+                  <a:rPr lang="it-IT" sz="1300" dirty="0">
+                    <a:latin typeface="Times New Roman"/>
+                    <a:ea typeface="Times New Roman"/>
+                    <a:cs typeface="Times New Roman"/>
+                    <a:sym typeface="Times New Roman"/>
+                  </a:rPr>
+                  <a:t> </a:t>
+                </a:r>
+                <a:r>
+                  <a:rPr lang="it-IT" sz="1300" dirty="0" err="1">
+                    <a:latin typeface="Times New Roman"/>
+                    <a:ea typeface="Times New Roman"/>
+                    <a:cs typeface="Times New Roman"/>
+                    <a:sym typeface="Times New Roman"/>
+                  </a:rPr>
+                  <a:t>entering</a:t>
+                </a:r>
+                <a:r>
+                  <a:rPr lang="it-IT" sz="1300" dirty="0">
+                    <a:latin typeface="Times New Roman"/>
+                    <a:ea typeface="Times New Roman"/>
+                    <a:cs typeface="Times New Roman"/>
+                    <a:sym typeface="Times New Roman"/>
+                  </a:rPr>
+                  <a:t> </a:t>
+                </a:r>
+                <a:r>
+                  <a:rPr lang="it-IT" sz="1300" dirty="0" err="1">
+                    <a:latin typeface="Times New Roman"/>
+                    <a:ea typeface="Times New Roman"/>
+                    <a:cs typeface="Times New Roman"/>
+                    <a:sym typeface="Times New Roman"/>
+                  </a:rPr>
+                  <a:t>each</a:t>
+                </a:r>
+                <a:r>
+                  <a:rPr lang="it-IT" sz="1300" dirty="0">
+                    <a:latin typeface="Times New Roman"/>
+                    <a:ea typeface="Times New Roman"/>
+                    <a:cs typeface="Times New Roman"/>
+                    <a:sym typeface="Times New Roman"/>
+                  </a:rPr>
+                  <a:t> </a:t>
+                </a:r>
+                <a:r>
+                  <a:rPr lang="it-IT" sz="1300" dirty="0" err="1">
+                    <a:latin typeface="Times New Roman"/>
+                    <a:ea typeface="Times New Roman"/>
+                    <a:cs typeface="Times New Roman"/>
+                    <a:sym typeface="Times New Roman"/>
+                  </a:rPr>
+                  <a:t>timestep</a:t>
+                </a:r>
+                <a:r>
+                  <a:rPr lang="it-IT" sz="1300" dirty="0">
+                    <a:latin typeface="Times New Roman"/>
+                    <a:ea typeface="Times New Roman"/>
+                    <a:cs typeface="Times New Roman"/>
+                    <a:sym typeface="Times New Roman"/>
+                  </a:rPr>
+                  <a:t> </a:t>
+                </a:r>
+                <a14:m>
+                  <m:oMath xmlns:m="http://schemas.openxmlformats.org/officeDocument/2006/math">
+                    <m:r>
+                      <a:rPr lang="it-IT" sz="1300" i="1" smtClean="0">
+                        <a:latin typeface="Cambria Math" panose="02040503050406030204" pitchFamily="18" charset="0"/>
+                        <a:ea typeface="Cambria Math" panose="02040503050406030204" pitchFamily="18" charset="0"/>
+                        <a:cs typeface="Times New Roman"/>
+                        <a:sym typeface="Times New Roman"/>
+                      </a:rPr>
+                      <m:t>𝜏</m:t>
+                    </m:r>
+                  </m:oMath>
+                </a14:m>
+                <a:endParaRPr lang="it-IT" sz="1300" dirty="0">
+                  <a:latin typeface="Times New Roman"/>
+                  <a:ea typeface="Times New Roman"/>
+                  <a:cs typeface="Times New Roman"/>
+                  <a:sym typeface="Times New Roman"/>
+                </a:endParaRPr>
+              </a:p>
+            </p:txBody>
+          </p:sp>
+        </mc:Choice>
+        <mc:Fallback>
+          <p:sp>
+            <p:nvSpPr>
+              <p:cNvPr id="22" name="Google Shape;102;p15">
+                <a:extLst>
+                  <a:ext uri="{FF2B5EF4-FFF2-40B4-BE49-F238E27FC236}">
+                    <a16:creationId xmlns:a16="http://schemas.microsoft.com/office/drawing/2014/main" id="{E9F7DDCD-1206-F901-BE3C-90AE9546B6CE}"/>
+                  </a:ext>
+                </a:extLst>
+              </p:cNvPr>
+              <p:cNvSpPr txBox="1">
+                <a:spLocks noRot="1" noChangeAspect="1" noMove="1" noResize="1" noEditPoints="1" noAdjustHandles="1" noChangeArrowheads="1" noChangeShapeType="1" noTextEdit="1"/>
+              </p:cNvSpPr>
+              <p:nvPr/>
+            </p:nvSpPr>
+            <p:spPr>
+              <a:xfrm>
+                <a:off x="4831476" y="3236731"/>
+                <a:ext cx="1251215" cy="784800"/>
+              </a:xfrm>
+              <a:prstGeom prst="rect">
+                <a:avLst/>
+              </a:prstGeom>
+              <a:blipFill>
+                <a:blip r:embed="rId9"/>
+                <a:stretch>
+                  <a:fillRect l="-1000"/>
+                </a:stretch>
+              </a:blipFill>
+              <a:ln>
+                <a:solidFill>
+                  <a:srgbClr val="199988"/>
+                </a:solidFill>
+              </a:ln>
+            </p:spPr>
+            <p:txBody>
+              <a:bodyPr/>
+              <a:lstStyle/>
+              <a:p>
+                <a:r>
+                  <a:rPr lang="it-IT">
+                    <a:noFill/>
+                  </a:rPr>
+                  <a:t> </a:t>
+                </a:r>
+              </a:p>
+            </p:txBody>
+          </p:sp>
+        </mc:Fallback>
+      </mc:AlternateContent>
+      <p:sp>
+        <p:nvSpPr>
+          <p:cNvPr id="23" name="Google Shape;102;p15">
+            <a:extLst>
+              <a:ext uri="{FF2B5EF4-FFF2-40B4-BE49-F238E27FC236}">
+                <a16:creationId xmlns:a16="http://schemas.microsoft.com/office/drawing/2014/main" id="{B4376242-FC12-0D71-EF64-A3627750A77A}"/>
+              </a:ext>
+            </a:extLst>
+          </p:cNvPr>
+          <p:cNvSpPr txBox="1"/>
+          <p:nvPr/>
+        </p:nvSpPr>
+        <p:spPr>
+          <a:xfrm>
+            <a:off x="7556242" y="2884037"/>
+            <a:ext cx="1257344" cy="584745"/>
+          </a:xfrm>
+          <a:prstGeom prst="rect">
+            <a:avLst/>
+          </a:prstGeom>
+          <a:noFill/>
+          <a:ln>
+            <a:solidFill>
+              <a:srgbClr val="199988"/>
+            </a:solidFill>
+          </a:ln>
+        </p:spPr>
+        <p:txBody>
+          <a:bodyPr spcFirstLastPara="1" wrap="square" lIns="91425" tIns="91425" rIns="91425" bIns="91425" anchor="t" anchorCtr="0">
+            <a:spAutoFit/>
+          </a:bodyPr>
+          <a:lstStyle/>
+          <a:p>
+            <a:pPr marL="0" lvl="0" indent="0" algn="l" rtl="0">
+              <a:spcBef>
+                <a:spcPts val="0"/>
+              </a:spcBef>
+              <a:spcAft>
+                <a:spcPts val="0"/>
+              </a:spcAft>
+              <a:buNone/>
+            </a:pPr>
+            <a:r>
+              <a:rPr lang="it-IT" sz="1300" dirty="0">
+                <a:latin typeface="Times New Roman"/>
+                <a:ea typeface="Times New Roman"/>
+                <a:cs typeface="Times New Roman"/>
+                <a:sym typeface="Times New Roman"/>
+              </a:rPr>
+              <a:t>Last time step to clear network</a:t>
+            </a:r>
+          </a:p>
+        </p:txBody>
+      </p:sp>
+      <p:sp>
+        <p:nvSpPr>
+          <p:cNvPr id="24" name="Google Shape;103;p15">
+            <a:extLst>
+              <a:ext uri="{FF2B5EF4-FFF2-40B4-BE49-F238E27FC236}">
+                <a16:creationId xmlns:a16="http://schemas.microsoft.com/office/drawing/2014/main" id="{8B600E06-C4CA-F957-75E1-A468BA52E287}"/>
+              </a:ext>
+            </a:extLst>
+          </p:cNvPr>
+          <p:cNvSpPr/>
+          <p:nvPr/>
+        </p:nvSpPr>
+        <p:spPr>
+          <a:xfrm>
+            <a:off x="5581074" y="2028584"/>
+            <a:ext cx="428807" cy="319313"/>
+          </a:xfrm>
+          <a:prstGeom prst="ellipse">
+            <a:avLst/>
+          </a:prstGeom>
+          <a:noFill/>
+          <a:ln w="9525" cap="flat" cmpd="sng">
+            <a:solidFill>
+              <a:srgbClr val="199988"/>
+            </a:solidFill>
+            <a:prstDash val="solid"/>
+            <a:round/>
+            <a:headEnd type="none" w="sm" len="sm"/>
+            <a:tailEnd type="none" w="sm" len="sm"/>
+          </a:ln>
+        </p:spPr>
+        <p:txBody>
+          <a:bodyPr spcFirstLastPara="1" wrap="square" lIns="91425" tIns="91425" rIns="91425" bIns="91425" anchor="ctr" anchorCtr="0">
+            <a:noAutofit/>
+          </a:bodyPr>
+          <a:lstStyle/>
+          <a:p>
+            <a:pPr marL="0" lvl="0" indent="0" algn="l" rtl="0">
+              <a:spcBef>
+                <a:spcPts val="0"/>
+              </a:spcBef>
+              <a:spcAft>
+                <a:spcPts val="0"/>
+              </a:spcAft>
+              <a:buNone/>
+            </a:pPr>
+            <a:endParaRPr/>
+          </a:p>
+        </p:txBody>
+      </p:sp>
+      <p:sp>
+        <p:nvSpPr>
+          <p:cNvPr id="25" name="Google Shape;103;p15">
+            <a:extLst>
+              <a:ext uri="{FF2B5EF4-FFF2-40B4-BE49-F238E27FC236}">
+                <a16:creationId xmlns:a16="http://schemas.microsoft.com/office/drawing/2014/main" id="{6CA3DB9E-6387-C47B-7748-EEB6AFAC152D}"/>
+              </a:ext>
+            </a:extLst>
+          </p:cNvPr>
+          <p:cNvSpPr/>
+          <p:nvPr/>
+        </p:nvSpPr>
+        <p:spPr>
+          <a:xfrm>
+            <a:off x="6436573" y="2112624"/>
+            <a:ext cx="336446" cy="319313"/>
+          </a:xfrm>
+          <a:prstGeom prst="ellipse">
+            <a:avLst/>
+          </a:prstGeom>
+          <a:noFill/>
+          <a:ln w="9525" cap="flat" cmpd="sng">
+            <a:solidFill>
+              <a:srgbClr val="199988"/>
+            </a:solidFill>
+            <a:prstDash val="solid"/>
+            <a:round/>
+            <a:headEnd type="none" w="sm" len="sm"/>
+            <a:tailEnd type="none" w="sm" len="sm"/>
+          </a:ln>
+        </p:spPr>
+        <p:txBody>
+          <a:bodyPr spcFirstLastPara="1" wrap="square" lIns="91425" tIns="91425" rIns="91425" bIns="91425" anchor="ctr" anchorCtr="0">
+            <a:noAutofit/>
+          </a:bodyPr>
+          <a:lstStyle/>
+          <a:p>
+            <a:pPr marL="0" lvl="0" indent="0" algn="l" rtl="0">
+              <a:spcBef>
+                <a:spcPts val="0"/>
+              </a:spcBef>
+              <a:spcAft>
+                <a:spcPts val="0"/>
+              </a:spcAft>
+              <a:buNone/>
+            </a:pPr>
+            <a:endParaRPr/>
+          </a:p>
+        </p:txBody>
+      </p:sp>
+      <p:cxnSp>
+        <p:nvCxnSpPr>
+          <p:cNvPr id="26" name="Google Shape;104;p15">
+            <a:extLst>
+              <a:ext uri="{FF2B5EF4-FFF2-40B4-BE49-F238E27FC236}">
+                <a16:creationId xmlns:a16="http://schemas.microsoft.com/office/drawing/2014/main" id="{E881DC70-F08E-AEC1-59C9-D9D491311359}"/>
+              </a:ext>
+            </a:extLst>
+          </p:cNvPr>
+          <p:cNvCxnSpPr>
+            <a:cxnSpLocks/>
+            <a:endCxn id="22" idx="0"/>
+          </p:cNvCxnSpPr>
+          <p:nvPr/>
+        </p:nvCxnSpPr>
+        <p:spPr>
+          <a:xfrm flipH="1">
+            <a:off x="5457084" y="2339642"/>
+            <a:ext cx="296533" cy="897089"/>
+          </a:xfrm>
+          <a:prstGeom prst="straightConnector1">
+            <a:avLst/>
+          </a:prstGeom>
+          <a:noFill/>
+          <a:ln w="9525" cap="flat" cmpd="sng">
+            <a:solidFill>
+              <a:srgbClr val="199988"/>
+            </a:solidFill>
+            <a:prstDash val="solid"/>
+            <a:round/>
+            <a:headEnd type="none" w="med" len="med"/>
+            <a:tailEnd type="triangle" w="med" len="med"/>
+          </a:ln>
+        </p:spPr>
+      </p:cxnSp>
+      <p:cxnSp>
+        <p:nvCxnSpPr>
+          <p:cNvPr id="29" name="Google Shape;104;p15">
+            <a:extLst>
+              <a:ext uri="{FF2B5EF4-FFF2-40B4-BE49-F238E27FC236}">
+                <a16:creationId xmlns:a16="http://schemas.microsoft.com/office/drawing/2014/main" id="{29E39419-D431-A5E0-E2BD-A587AF40754A}"/>
+              </a:ext>
+            </a:extLst>
+          </p:cNvPr>
+          <p:cNvCxnSpPr>
+            <a:cxnSpLocks/>
+            <a:endCxn id="23" idx="1"/>
+          </p:cNvCxnSpPr>
+          <p:nvPr/>
+        </p:nvCxnSpPr>
+        <p:spPr>
+          <a:xfrm>
+            <a:off x="6644926" y="2431937"/>
+            <a:ext cx="911316" cy="744473"/>
+          </a:xfrm>
+          <a:prstGeom prst="straightConnector1">
+            <a:avLst/>
+          </a:prstGeom>
+          <a:noFill/>
+          <a:ln w="9525" cap="flat" cmpd="sng">
+            <a:solidFill>
+              <a:srgbClr val="199988"/>
+            </a:solidFill>
+            <a:prstDash val="solid"/>
+            <a:round/>
+            <a:headEnd type="none" w="med" len="med"/>
+            <a:tailEnd type="triangle" w="med" len="med"/>
+          </a:ln>
+        </p:spPr>
+      </p:cxnSp>
+    </p:spTree>
+    <p:extLst>
+      <p:ext uri="{BB962C8B-B14F-4D97-AF65-F5344CB8AC3E}">
+        <p14:creationId xmlns:p14="http://schemas.microsoft.com/office/powerpoint/2010/main" val="210776874"/>
+      </p:ext>
+    </p:extLst>
+  </p:cSld>
+  <p:clrMapOvr>
+    <a:masterClrMapping/>
+  </p:clrMapOvr>
+</p:sld>
+</file>
+
+<file path=ppt/slides/slide17.xml><?xml version="1.0" encoding="utf-8"?>
+<p:sld xmlns:a="http://schemas.openxmlformats.org/drawingml/2006/main" xmlns:r="http://schemas.openxmlformats.org/officeDocument/2006/relationships" xmlns:p="http://schemas.openxmlformats.org/presentationml/2006/main">
+  <p:cSld>
+    <p:spTree>
+      <p:nvGrpSpPr>
+        <p:cNvPr id="1" name="Shape 99">
+          <a:extLst>
+            <a:ext uri="{FF2B5EF4-FFF2-40B4-BE49-F238E27FC236}">
+              <a16:creationId xmlns:a16="http://schemas.microsoft.com/office/drawing/2014/main" id="{2D5408A0-C521-2C49-D493-E313736A9F5A}"/>
+            </a:ext>
+          </a:extLst>
+        </p:cNvPr>
+        <p:cNvGrpSpPr/>
+        <p:nvPr/>
+      </p:nvGrpSpPr>
+      <p:grpSpPr>
+        <a:xfrm>
+          <a:off x="0" y="0"/>
+          <a:ext cx="0" cy="0"/>
+          <a:chOff x="0" y="0"/>
+          <a:chExt cx="0" cy="0"/>
+        </a:xfrm>
+      </p:grpSpPr>
+      <p:sp>
+        <p:nvSpPr>
+          <p:cNvPr id="2" name="Google Shape;112;p16">
+            <a:extLst>
+              <a:ext uri="{FF2B5EF4-FFF2-40B4-BE49-F238E27FC236}">
+                <a16:creationId xmlns:a16="http://schemas.microsoft.com/office/drawing/2014/main" id="{7887E272-0AAD-D843-C00F-2FF3970DBE34}"/>
+              </a:ext>
+            </a:extLst>
+          </p:cNvPr>
+          <p:cNvSpPr txBox="1"/>
+          <p:nvPr/>
+        </p:nvSpPr>
+        <p:spPr>
+          <a:xfrm>
+            <a:off x="451175" y="757975"/>
+            <a:ext cx="8013556" cy="477023"/>
+          </a:xfrm>
+          <a:prstGeom prst="rect">
+            <a:avLst/>
+          </a:prstGeom>
+          <a:noFill/>
+          <a:ln>
+            <a:noFill/>
+          </a:ln>
+        </p:spPr>
+        <p:txBody>
+          <a:bodyPr spcFirstLastPara="1" wrap="square" lIns="91425" tIns="91425" rIns="91425" bIns="91425" anchor="t" anchorCtr="0">
+            <a:spAutoFit/>
+          </a:bodyPr>
+          <a:lstStyle/>
+          <a:p>
+            <a:pPr marL="0" lvl="0" indent="0" algn="l" rtl="0">
+              <a:spcBef>
+                <a:spcPts val="0"/>
+              </a:spcBef>
+              <a:spcAft>
+                <a:spcPts val="0"/>
+              </a:spcAft>
+              <a:buNone/>
+            </a:pPr>
+            <a:r>
+              <a:rPr lang="it" sz="1900" dirty="0">
+                <a:latin typeface="Times New Roman"/>
+                <a:ea typeface="Times New Roman"/>
+                <a:cs typeface="Times New Roman"/>
+                <a:sym typeface="Times New Roman"/>
+              </a:rPr>
+              <a:t>Extra constraint</a:t>
+            </a:r>
+            <a:endParaRPr sz="1900" dirty="0">
+              <a:latin typeface="Times New Roman"/>
+              <a:ea typeface="Times New Roman"/>
+              <a:cs typeface="Times New Roman"/>
+              <a:sym typeface="Times New Roman"/>
+            </a:endParaRPr>
+          </a:p>
+        </p:txBody>
+      </p:sp>
+      <mc:AlternateContent xmlns:mc="http://schemas.openxmlformats.org/markup-compatibility/2006">
+        <mc:Choice xmlns:a14="http://schemas.microsoft.com/office/drawing/2010/main" Requires="a14">
+          <p:sp>
+            <p:nvSpPr>
+              <p:cNvPr id="18" name="CasellaDiTesto 17">
+                <a:extLst>
+                  <a:ext uri="{FF2B5EF4-FFF2-40B4-BE49-F238E27FC236}">
+                    <a16:creationId xmlns:a16="http://schemas.microsoft.com/office/drawing/2014/main" id="{02DAB6E0-2BB6-58BF-3AFB-CE9539BBFCF0}"/>
+                  </a:ext>
+                </a:extLst>
+              </p:cNvPr>
+              <p:cNvSpPr txBox="1"/>
+              <p:nvPr/>
+            </p:nvSpPr>
+            <p:spPr>
+              <a:xfrm>
+                <a:off x="451175" y="1620608"/>
+                <a:ext cx="6864025" cy="1288943"/>
+              </a:xfrm>
+              <a:prstGeom prst="rect">
+                <a:avLst/>
+              </a:prstGeom>
+              <a:noFill/>
+            </p:spPr>
+            <p:txBody>
+              <a:bodyPr wrap="square">
+                <a:spAutoFit/>
+              </a:bodyPr>
+              <a:lstStyle/>
+              <a:p>
+                <a:pPr>
+                  <a:lnSpc>
+                    <a:spcPct val="150000"/>
+                  </a:lnSpc>
+                </a:pPr>
+                <a:r>
+                  <a:rPr lang="it-IT" sz="1300" dirty="0"/>
+                  <a:t>To </a:t>
+                </a:r>
+                <a:r>
+                  <a:rPr lang="it-IT" sz="1300" dirty="0" err="1"/>
+                  <a:t>avoid</a:t>
+                </a:r>
+                <a:r>
+                  <a:rPr lang="it-IT" sz="1300" dirty="0"/>
+                  <a:t> </a:t>
+                </a:r>
+                <a:r>
+                  <a:rPr lang="it-IT" sz="1300" dirty="0" err="1"/>
+                  <a:t>conflict</a:t>
+                </a:r>
+                <a:r>
+                  <a:rPr lang="it-IT" sz="1300" dirty="0"/>
+                  <a:t> with </a:t>
+                </a:r>
+                <a:r>
+                  <a:rPr lang="it-IT" sz="1300" dirty="0" err="1"/>
+                  <a:t>constraint</a:t>
+                </a:r>
+                <a:r>
+                  <a:rPr lang="it-IT" sz="1300" dirty="0"/>
+                  <a:t> 19     </a:t>
+                </a:r>
+              </a:p>
+              <a:p>
+                <a:pPr>
+                  <a:lnSpc>
+                    <a:spcPct val="150000"/>
+                  </a:lnSpc>
+                </a:pPr>
+                <a:endParaRPr lang="it-IT" sz="1300" dirty="0"/>
+              </a:p>
+              <a:p>
+                <a:pPr>
+                  <a:lnSpc>
+                    <a:spcPct val="150000"/>
+                  </a:lnSpc>
+                </a:pPr>
+                <a:r>
+                  <a:rPr lang="it-IT" sz="1300" dirty="0"/>
+                  <a:t>impose a minimum upstream </a:t>
+                </a:r>
+                <a:r>
+                  <a:rPr lang="it-IT" sz="1300" dirty="0" err="1"/>
+                  <a:t>traffic</a:t>
+                </a:r>
+                <a:r>
+                  <a:rPr lang="it-IT" sz="1300" dirty="0"/>
+                  <a:t> for </a:t>
+                </a:r>
+                <a:r>
+                  <a:rPr lang="it-IT" sz="1300" dirty="0" err="1"/>
+                  <a:t>feasible</a:t>
+                </a:r>
+                <a:r>
+                  <a:rPr lang="it-IT" sz="1300" dirty="0"/>
+                  <a:t> </a:t>
+                </a:r>
+                <a:r>
+                  <a:rPr lang="it-IT" sz="1300" dirty="0" err="1"/>
+                  <a:t>paths</a:t>
+                </a:r>
+                <a:r>
+                  <a:rPr lang="it-IT" sz="1300" dirty="0"/>
+                  <a:t>.</a:t>
+                </a:r>
+              </a:p>
+              <a:p>
+                <a:pPr>
+                  <a:lnSpc>
+                    <a:spcPct val="150000"/>
+                  </a:lnSpc>
+                </a:pPr>
+                <a:r>
+                  <a:rPr lang="it-IT" sz="1300" dirty="0" err="1"/>
+                  <a:t>Otherwise</a:t>
+                </a:r>
+                <a:r>
+                  <a:rPr lang="it-IT" sz="1300" dirty="0"/>
+                  <a:t> </a:t>
+                </a:r>
+                <a:r>
+                  <a:rPr lang="it-IT" sz="1300" dirty="0" err="1"/>
+                  <a:t>if</a:t>
+                </a:r>
+                <a:r>
+                  <a:rPr lang="it-IT" sz="1300" dirty="0"/>
+                  <a:t> </a:t>
+                </a:r>
+                <a:r>
+                  <a:rPr lang="it-IT" sz="1300" dirty="0" err="1"/>
+                  <a:t>there</a:t>
+                </a:r>
+                <a:r>
+                  <a:rPr lang="it-IT" sz="1300" dirty="0"/>
+                  <a:t> </a:t>
+                </a:r>
+                <a:r>
+                  <a:rPr lang="it-IT" sz="1300" dirty="0" err="1"/>
+                  <a:t>is</a:t>
+                </a:r>
+                <a:r>
+                  <a:rPr lang="it-IT" sz="1300" dirty="0"/>
+                  <a:t> </a:t>
+                </a:r>
+                <a:r>
+                  <a:rPr lang="it-IT" sz="1300" dirty="0" err="1"/>
+                  <a:t>too</a:t>
+                </a:r>
+                <a:r>
+                  <a:rPr lang="it-IT" sz="1300" dirty="0"/>
+                  <a:t> </a:t>
+                </a:r>
+                <a:r>
+                  <a:rPr lang="it-IT" sz="1300" dirty="0" err="1"/>
+                  <a:t>much</a:t>
+                </a:r>
+                <a:r>
+                  <a:rPr lang="it-IT" sz="1300" dirty="0"/>
+                  <a:t> congestion, </a:t>
+                </a:r>
+                <a:r>
+                  <a:rPr lang="it-IT" sz="1300" dirty="0" err="1"/>
+                  <a:t>constraint</a:t>
+                </a:r>
+                <a:r>
+                  <a:rPr lang="it-IT" sz="1300" dirty="0"/>
+                  <a:t> 19 makes </a:t>
+                </a:r>
+                <a14:m>
+                  <m:oMath xmlns:m="http://schemas.openxmlformats.org/officeDocument/2006/math">
+                    <m:sSub>
+                      <m:sSubPr>
+                        <m:ctrlPr>
+                          <a:rPr lang="it-IT" sz="1300" i="1" smtClean="0">
+                            <a:latin typeface="Cambria Math" panose="02040503050406030204" pitchFamily="18" charset="0"/>
+                          </a:rPr>
+                        </m:ctrlPr>
+                      </m:sSubPr>
+                      <m:e>
+                        <m:r>
+                          <a:rPr lang="it-IT" sz="1300" b="0" i="1" smtClean="0">
+                            <a:latin typeface="Cambria Math" panose="02040503050406030204" pitchFamily="18" charset="0"/>
+                          </a:rPr>
+                          <m:t>𝑦</m:t>
+                        </m:r>
+                      </m:e>
+                      <m:sub>
+                        <m:r>
+                          <a:rPr lang="it-IT" sz="1300" b="0" i="1" smtClean="0">
+                            <a:latin typeface="Cambria Math" panose="02040503050406030204" pitchFamily="18" charset="0"/>
+                          </a:rPr>
+                          <m:t>𝑝</m:t>
+                        </m:r>
+                      </m:sub>
+                    </m:sSub>
+                    <m:r>
+                      <a:rPr lang="it-IT" sz="1300" b="0" i="1" smtClean="0">
+                        <a:latin typeface="Cambria Math" panose="02040503050406030204" pitchFamily="18" charset="0"/>
+                      </a:rPr>
+                      <m:t>=0</m:t>
+                    </m:r>
+                  </m:oMath>
+                </a14:m>
+                <a:r>
+                  <a:rPr lang="it-IT" sz="1300" dirty="0"/>
+                  <a:t> </a:t>
+                </a:r>
+                <a:r>
+                  <a:rPr lang="it-IT" sz="1300" dirty="0" err="1"/>
+                  <a:t>even</a:t>
+                </a:r>
+                <a:r>
+                  <a:rPr lang="it-IT" sz="1300" dirty="0"/>
+                  <a:t> </a:t>
+                </a:r>
+                <a:r>
+                  <a:rPr lang="it-IT" sz="1300" dirty="0" err="1"/>
+                  <a:t>if</a:t>
+                </a:r>
+                <a:r>
+                  <a:rPr lang="it-IT" sz="1300" dirty="0"/>
+                  <a:t> </a:t>
+                </a:r>
+                <a:r>
+                  <a:rPr lang="it-IT" sz="1300" dirty="0" err="1"/>
+                  <a:t>feasible</a:t>
+                </a:r>
+                <a:r>
+                  <a:rPr lang="it-IT" sz="1300" dirty="0"/>
+                  <a:t>.</a:t>
+                </a:r>
+              </a:p>
+            </p:txBody>
+          </p:sp>
+        </mc:Choice>
+        <mc:Fallback>
+          <p:sp>
+            <p:nvSpPr>
+              <p:cNvPr id="18" name="CasellaDiTesto 17">
+                <a:extLst>
+                  <a:ext uri="{FF2B5EF4-FFF2-40B4-BE49-F238E27FC236}">
+                    <a16:creationId xmlns:a16="http://schemas.microsoft.com/office/drawing/2014/main" id="{02DAB6E0-2BB6-58BF-3AFB-CE9539BBFCF0}"/>
+                  </a:ext>
+                </a:extLst>
+              </p:cNvPr>
+              <p:cNvSpPr txBox="1">
+                <a:spLocks noRot="1" noChangeAspect="1" noMove="1" noResize="1" noEditPoints="1" noAdjustHandles="1" noChangeArrowheads="1" noChangeShapeType="1" noTextEdit="1"/>
+              </p:cNvSpPr>
+              <p:nvPr/>
+            </p:nvSpPr>
+            <p:spPr>
+              <a:xfrm>
+                <a:off x="451175" y="1620608"/>
+                <a:ext cx="6864025" cy="1288943"/>
+              </a:xfrm>
+              <a:prstGeom prst="rect">
+                <a:avLst/>
+              </a:prstGeom>
+              <a:blipFill>
+                <a:blip r:embed="rId3"/>
+                <a:stretch>
+                  <a:fillRect l="-185" b="-2941"/>
+                </a:stretch>
+              </a:blipFill>
+            </p:spPr>
+            <p:txBody>
+              <a:bodyPr/>
+              <a:lstStyle/>
+              <a:p>
+                <a:r>
+                  <a:rPr lang="it-IT">
+                    <a:noFill/>
+                  </a:rPr>
+                  <a:t> </a:t>
+                </a:r>
+              </a:p>
+            </p:txBody>
+          </p:sp>
+        </mc:Fallback>
+      </mc:AlternateContent>
+      <p:cxnSp>
+        <p:nvCxnSpPr>
+          <p:cNvPr id="20" name="Google Shape;104;p15">
+            <a:extLst>
+              <a:ext uri="{FF2B5EF4-FFF2-40B4-BE49-F238E27FC236}">
+                <a16:creationId xmlns:a16="http://schemas.microsoft.com/office/drawing/2014/main" id="{69DF2686-E9A3-F59B-E8DC-423FD68D08D3}"/>
+              </a:ext>
+            </a:extLst>
+          </p:cNvPr>
+          <p:cNvCxnSpPr>
+            <a:cxnSpLocks/>
+            <a:endCxn id="21" idx="1"/>
+          </p:cNvCxnSpPr>
+          <p:nvPr/>
+        </p:nvCxnSpPr>
+        <p:spPr>
+          <a:xfrm>
+            <a:off x="4677196" y="3730943"/>
+            <a:ext cx="1297411" cy="586541"/>
+          </a:xfrm>
+          <a:prstGeom prst="straightConnector1">
+            <a:avLst/>
+          </a:prstGeom>
+          <a:noFill/>
+          <a:ln w="9525" cap="flat" cmpd="sng">
+            <a:solidFill>
+              <a:srgbClr val="199988"/>
+            </a:solidFill>
+            <a:prstDash val="solid"/>
+            <a:round/>
+            <a:headEnd type="none" w="med" len="med"/>
+            <a:tailEnd type="triangle" w="med" len="med"/>
+          </a:ln>
+        </p:spPr>
+      </p:cxnSp>
+      <p:sp>
+        <p:nvSpPr>
+          <p:cNvPr id="21" name="Google Shape;102;p15">
+            <a:extLst>
+              <a:ext uri="{FF2B5EF4-FFF2-40B4-BE49-F238E27FC236}">
+                <a16:creationId xmlns:a16="http://schemas.microsoft.com/office/drawing/2014/main" id="{B975F989-D0AC-E213-0FF3-F638F0D88056}"/>
+              </a:ext>
+            </a:extLst>
+          </p:cNvPr>
+          <p:cNvSpPr txBox="1"/>
+          <p:nvPr/>
+        </p:nvSpPr>
+        <p:spPr>
+          <a:xfrm>
+            <a:off x="5974607" y="4125139"/>
+            <a:ext cx="1367554" cy="384690"/>
+          </a:xfrm>
+          <a:prstGeom prst="rect">
+            <a:avLst/>
+          </a:prstGeom>
+          <a:noFill/>
+          <a:ln>
+            <a:solidFill>
+              <a:srgbClr val="199988"/>
+            </a:solidFill>
+          </a:ln>
+        </p:spPr>
+        <p:txBody>
+          <a:bodyPr spcFirstLastPara="1" wrap="square" lIns="91425" tIns="91425" rIns="91425" bIns="91425" anchor="t" anchorCtr="0">
+            <a:spAutoFit/>
+          </a:bodyPr>
+          <a:lstStyle/>
+          <a:p>
+            <a:pPr marL="0" lvl="0" indent="0" algn="l" rtl="0">
+              <a:spcBef>
+                <a:spcPts val="0"/>
+              </a:spcBef>
+              <a:spcAft>
+                <a:spcPts val="0"/>
+              </a:spcAft>
+              <a:buNone/>
+            </a:pPr>
+            <a:r>
+              <a:rPr lang="it-IT" sz="1300" dirty="0" err="1">
+                <a:latin typeface="Times New Roman"/>
+                <a:ea typeface="Times New Roman"/>
+                <a:cs typeface="Times New Roman"/>
+                <a:sym typeface="Times New Roman"/>
+              </a:rPr>
+              <a:t>Arbitrary</a:t>
+            </a:r>
+            <a:r>
+              <a:rPr lang="it-IT" sz="1300" dirty="0">
+                <a:latin typeface="Times New Roman"/>
+                <a:ea typeface="Times New Roman"/>
+                <a:cs typeface="Times New Roman"/>
+                <a:sym typeface="Times New Roman"/>
+              </a:rPr>
+              <a:t> small</a:t>
+            </a:r>
+          </a:p>
+        </p:txBody>
+      </p:sp>
+      <p:sp>
+        <p:nvSpPr>
+          <p:cNvPr id="25" name="Google Shape;103;p15">
+            <a:extLst>
+              <a:ext uri="{FF2B5EF4-FFF2-40B4-BE49-F238E27FC236}">
+                <a16:creationId xmlns:a16="http://schemas.microsoft.com/office/drawing/2014/main" id="{2C8A5122-6E1A-D70F-9504-5F9876DA0EB1}"/>
+              </a:ext>
+            </a:extLst>
+          </p:cNvPr>
+          <p:cNvSpPr/>
+          <p:nvPr/>
+        </p:nvSpPr>
+        <p:spPr>
+          <a:xfrm>
+            <a:off x="4587908" y="3486319"/>
+            <a:ext cx="148745" cy="244624"/>
+          </a:xfrm>
+          <a:prstGeom prst="ellipse">
+            <a:avLst/>
+          </a:prstGeom>
+          <a:noFill/>
+          <a:ln w="9525" cap="flat" cmpd="sng">
+            <a:solidFill>
+              <a:srgbClr val="199988"/>
+            </a:solidFill>
+            <a:prstDash val="solid"/>
+            <a:round/>
+            <a:headEnd type="none" w="sm" len="sm"/>
+            <a:tailEnd type="none" w="sm" len="sm"/>
+          </a:ln>
+        </p:spPr>
+        <p:txBody>
+          <a:bodyPr spcFirstLastPara="1" wrap="square" lIns="91425" tIns="91425" rIns="91425" bIns="91425" anchor="ctr" anchorCtr="0">
+            <a:noAutofit/>
+          </a:bodyPr>
+          <a:lstStyle/>
+          <a:p>
+            <a:pPr marL="0" lvl="0" indent="0" algn="l" rtl="0">
+              <a:spcBef>
+                <a:spcPts val="0"/>
+              </a:spcBef>
+              <a:spcAft>
+                <a:spcPts val="0"/>
+              </a:spcAft>
+              <a:buNone/>
+            </a:pPr>
+            <a:endParaRPr/>
+          </a:p>
+        </p:txBody>
+      </p:sp>
+      <mc:AlternateContent xmlns:mc="http://schemas.openxmlformats.org/markup-compatibility/2006">
+        <mc:Choice xmlns:a14="http://schemas.microsoft.com/office/drawing/2010/main" Requires="a14">
+          <p:sp>
+            <p:nvSpPr>
+              <p:cNvPr id="3" name="CasellaDiTesto 2">
+                <a:extLst>
+                  <a:ext uri="{FF2B5EF4-FFF2-40B4-BE49-F238E27FC236}">
+                    <a16:creationId xmlns:a16="http://schemas.microsoft.com/office/drawing/2014/main" id="{4890BE52-0279-BE1E-E2A1-ABA3139DC321}"/>
+                  </a:ext>
+                </a:extLst>
+              </p:cNvPr>
+              <p:cNvSpPr txBox="1"/>
+              <p:nvPr/>
+            </p:nvSpPr>
+            <p:spPr>
+              <a:xfrm>
+                <a:off x="2666177" y="3295161"/>
+                <a:ext cx="2294538" cy="636713"/>
+              </a:xfrm>
+              <a:prstGeom prst="rect">
+                <a:avLst/>
+              </a:prstGeom>
+              <a:noFill/>
+            </p:spPr>
+            <p:txBody>
+              <a:bodyPr wrap="none" lIns="0" tIns="0" rIns="0" bIns="0" rtlCol="0">
+                <a:spAutoFit/>
+              </a:bodyPr>
+              <a:lstStyle/>
+              <a:p>
+                <a14:m>
+                  <m:oMathPara xmlns:m="http://schemas.openxmlformats.org/officeDocument/2006/math">
+                    <m:oMathParaPr>
+                      <m:jc m:val="centerGroup"/>
+                    </m:oMathParaPr>
+                    <m:oMath xmlns:m="http://schemas.openxmlformats.org/officeDocument/2006/math">
+                      <m:nary>
+                        <m:naryPr>
+                          <m:chr m:val="∑"/>
+                          <m:supHide m:val="on"/>
+                          <m:ctrlPr>
+                            <a:rPr lang="it-IT" i="1" smtClean="0">
+                              <a:latin typeface="Cambria Math" panose="02040503050406030204" pitchFamily="18" charset="0"/>
+                            </a:rPr>
+                          </m:ctrlPr>
+                        </m:naryPr>
+                        <m:sub>
+                          <m:r>
+                            <m:rPr>
+                              <m:brk m:alnAt="7"/>
+                            </m:rPr>
+                            <a:rPr lang="it-IT" b="0" i="1" smtClean="0">
+                              <a:latin typeface="Cambria Math" panose="02040503050406030204" pitchFamily="18" charset="0"/>
+                            </a:rPr>
+                            <m:t>𝑝</m:t>
+                          </m:r>
+                          <m:r>
+                            <a:rPr lang="it-IT" b="0" i="1" smtClean="0">
+                              <a:latin typeface="Cambria Math" panose="02040503050406030204" pitchFamily="18" charset="0"/>
+                              <a:ea typeface="Cambria Math" panose="02040503050406030204" pitchFamily="18" charset="0"/>
+                            </a:rPr>
+                            <m:t>∈</m:t>
+                          </m:r>
+                          <m:r>
+                            <a:rPr lang="it-IT" b="0" i="1" smtClean="0">
+                              <a:latin typeface="Cambria Math" panose="02040503050406030204" pitchFamily="18" charset="0"/>
+                              <a:ea typeface="Cambria Math" panose="02040503050406030204" pitchFamily="18" charset="0"/>
+                            </a:rPr>
+                            <m:t>𝑃</m:t>
+                          </m:r>
+                        </m:sub>
+                        <m:sup/>
+                        <m:e>
+                          <m:nary>
+                            <m:naryPr>
+                              <m:chr m:val="∑"/>
+                              <m:supHide m:val="on"/>
+                              <m:ctrlPr>
+                                <a:rPr lang="it-IT" i="1" smtClean="0">
+                                  <a:latin typeface="Cambria Math" panose="02040503050406030204" pitchFamily="18" charset="0"/>
+                                </a:rPr>
+                              </m:ctrlPr>
+                            </m:naryPr>
+                            <m:sub>
+                              <m:r>
+                                <m:rPr>
+                                  <m:brk m:alnAt="7"/>
+                                </m:rPr>
+                                <a:rPr lang="it-IT" b="0" i="1" smtClean="0">
+                                  <a:latin typeface="Cambria Math" panose="02040503050406030204" pitchFamily="18" charset="0"/>
+                                </a:rPr>
+                                <m:t>𝑎</m:t>
+                              </m:r>
+                              <m:r>
+                                <a:rPr lang="it-IT" b="0" i="1" smtClean="0">
+                                  <a:latin typeface="Cambria Math" panose="02040503050406030204" pitchFamily="18" charset="0"/>
+                                  <a:ea typeface="Cambria Math" panose="02040503050406030204" pitchFamily="18" charset="0"/>
+                                </a:rPr>
+                                <m:t>∈</m:t>
+                              </m:r>
+                              <m:r>
+                                <a:rPr lang="it-IT" b="0" i="1" smtClean="0">
+                                  <a:latin typeface="Cambria Math" panose="02040503050406030204" pitchFamily="18" charset="0"/>
+                                  <a:ea typeface="Cambria Math" panose="02040503050406030204" pitchFamily="18" charset="0"/>
+                                </a:rPr>
+                                <m:t>𝑝</m:t>
+                              </m:r>
+                            </m:sub>
+                            <m:sup/>
+                            <m:e>
+                              <m:nary>
+                                <m:naryPr>
+                                  <m:chr m:val="∑"/>
+                                  <m:supHide m:val="on"/>
+                                  <m:ctrlPr>
+                                    <a:rPr lang="it-IT" i="1" smtClean="0">
+                                      <a:latin typeface="Cambria Math" panose="02040503050406030204" pitchFamily="18" charset="0"/>
+                                    </a:rPr>
+                                  </m:ctrlPr>
+                                </m:naryPr>
+                                <m:sub>
+                                  <m:r>
+                                    <m:rPr>
+                                      <m:brk m:alnAt="7"/>
+                                    </m:rPr>
+                                    <a:rPr lang="it-IT" b="0" i="1" smtClean="0">
+                                      <a:latin typeface="Cambria Math" panose="02040503050406030204" pitchFamily="18" charset="0"/>
+                                    </a:rPr>
+                                    <m:t>𝑏</m:t>
+                                  </m:r>
+                                  <m:r>
+                                    <a:rPr lang="it-IT" b="0" i="1" smtClean="0">
+                                      <a:latin typeface="Cambria Math" panose="02040503050406030204" pitchFamily="18" charset="0"/>
+                                      <a:ea typeface="Cambria Math" panose="02040503050406030204" pitchFamily="18" charset="0"/>
+                                    </a:rPr>
+                                    <m:t>∈</m:t>
+                                  </m:r>
+                                  <m:sSubSup>
+                                    <m:sSubSupPr>
+                                      <m:ctrlPr>
+                                        <a:rPr lang="it-IT" b="0" i="1" smtClean="0">
+                                          <a:latin typeface="Cambria Math" panose="02040503050406030204" pitchFamily="18" charset="0"/>
+                                          <a:ea typeface="Cambria Math" panose="02040503050406030204" pitchFamily="18" charset="0"/>
+                                        </a:rPr>
+                                      </m:ctrlPr>
+                                    </m:sSubSupPr>
+                                    <m:e>
+                                      <m:r>
+                                        <a:rPr lang="it-IT" b="0" i="1" smtClean="0">
+                                          <a:latin typeface="Cambria Math" panose="02040503050406030204" pitchFamily="18" charset="0"/>
+                                          <a:ea typeface="Cambria Math" panose="02040503050406030204" pitchFamily="18" charset="0"/>
+                                        </a:rPr>
+                                        <m:t>𝑌</m:t>
+                                      </m:r>
+                                    </m:e>
+                                    <m:sub>
+                                      <m:r>
+                                        <a:rPr lang="it-IT" b="0" i="1" smtClean="0">
+                                          <a:latin typeface="Cambria Math" panose="02040503050406030204" pitchFamily="18" charset="0"/>
+                                          <a:ea typeface="Cambria Math" panose="02040503050406030204" pitchFamily="18" charset="0"/>
+                                        </a:rPr>
+                                        <m:t>𝑎</m:t>
+                                      </m:r>
+                                    </m:sub>
+                                    <m:sup>
+                                      <m:r>
+                                        <a:rPr lang="it-IT" b="0" i="1" smtClean="0">
+                                          <a:latin typeface="Cambria Math" panose="02040503050406030204" pitchFamily="18" charset="0"/>
+                                          <a:ea typeface="Cambria Math" panose="02040503050406030204" pitchFamily="18" charset="0"/>
+                                        </a:rPr>
+                                        <m:t>−</m:t>
+                                      </m:r>
+                                    </m:sup>
+                                  </m:sSubSup>
+                                </m:sub>
+                                <m:sup/>
+                                <m:e>
+                                  <m:nary>
+                                    <m:naryPr>
+                                      <m:chr m:val="∑"/>
+                                      <m:ctrlPr>
+                                        <a:rPr lang="it-IT" i="1" smtClean="0">
+                                          <a:latin typeface="Cambria Math" panose="02040503050406030204" pitchFamily="18" charset="0"/>
+                                        </a:rPr>
+                                      </m:ctrlPr>
+                                    </m:naryPr>
+                                    <m:sub>
+                                      <m:r>
+                                        <m:rPr>
+                                          <m:brk m:alnAt="23"/>
+                                        </m:rPr>
+                                        <a:rPr lang="it-IT" b="0" i="1" smtClean="0">
+                                          <a:latin typeface="Cambria Math" panose="02040503050406030204" pitchFamily="18" charset="0"/>
+                                        </a:rPr>
+                                        <m:t>𝑖</m:t>
+                                      </m:r>
+                                    </m:sub>
+                                    <m:sup>
+                                      <m:r>
+                                        <a:rPr lang="it-IT" b="0" i="1" smtClean="0">
+                                          <a:latin typeface="Cambria Math" panose="02040503050406030204" pitchFamily="18" charset="0"/>
+                                        </a:rPr>
+                                        <m:t>𝑁</m:t>
+                                      </m:r>
+                                    </m:sup>
+                                    <m:e>
+                                      <m:sSubSup>
+                                        <m:sSubSupPr>
+                                          <m:ctrlPr>
+                                            <a:rPr lang="it-IT" i="1" smtClean="0">
+                                              <a:latin typeface="Cambria Math" panose="02040503050406030204" pitchFamily="18" charset="0"/>
+                                            </a:rPr>
+                                          </m:ctrlPr>
+                                        </m:sSubSupPr>
+                                        <m:e>
+                                          <m:r>
+                                            <a:rPr lang="it-IT" b="0" i="1" smtClean="0">
+                                              <a:latin typeface="Cambria Math" panose="02040503050406030204" pitchFamily="18" charset="0"/>
+                                            </a:rPr>
+                                            <m:t>𝑓</m:t>
+                                          </m:r>
+                                        </m:e>
+                                        <m:sub>
+                                          <m:r>
+                                            <a:rPr lang="it-IT" b="0" i="1" smtClean="0">
+                                              <a:latin typeface="Cambria Math" panose="02040503050406030204" pitchFamily="18" charset="0"/>
+                                            </a:rPr>
+                                            <m:t>𝑎𝑏</m:t>
+                                          </m:r>
+                                        </m:sub>
+                                        <m:sup>
+                                          <m:r>
+                                            <a:rPr lang="it-IT" b="0" i="1" smtClean="0">
+                                              <a:latin typeface="Cambria Math" panose="02040503050406030204" pitchFamily="18" charset="0"/>
+                                            </a:rPr>
+                                            <m:t>𝐸𝑉</m:t>
+                                          </m:r>
+                                        </m:sup>
+                                      </m:sSubSup>
+                                      <m:r>
+                                        <a:rPr lang="it-IT" b="0" i="1" smtClean="0">
+                                          <a:latin typeface="Cambria Math" panose="02040503050406030204" pitchFamily="18" charset="0"/>
+                                        </a:rPr>
+                                        <m:t>(</m:t>
+                                      </m:r>
+                                      <m:r>
+                                        <a:rPr lang="it-IT" b="0" i="1" smtClean="0">
+                                          <a:latin typeface="Cambria Math" panose="02040503050406030204" pitchFamily="18" charset="0"/>
+                                        </a:rPr>
+                                        <m:t>𝑖</m:t>
+                                      </m:r>
+                                      <m:r>
+                                        <a:rPr lang="it-IT" b="0" i="1" smtClean="0">
+                                          <a:latin typeface="Cambria Math" panose="02040503050406030204" pitchFamily="18" charset="0"/>
+                                        </a:rPr>
+                                        <m:t>)</m:t>
+                                      </m:r>
+                                    </m:e>
+                                  </m:nary>
+                                </m:e>
+                              </m:nary>
+                            </m:e>
+                          </m:nary>
+                        </m:e>
+                      </m:nary>
+                      <m:r>
+                        <a:rPr lang="it-IT" b="0" i="1" smtClean="0">
+                          <a:latin typeface="Cambria Math" panose="02040503050406030204" pitchFamily="18" charset="0"/>
+                        </a:rPr>
+                        <m:t>≥</m:t>
+                      </m:r>
+                      <m:r>
+                        <a:rPr lang="it-IT" b="0" i="1" smtClean="0">
+                          <a:latin typeface="Cambria Math" panose="02040503050406030204" pitchFamily="18" charset="0"/>
+                          <a:ea typeface="Cambria Math" panose="02040503050406030204" pitchFamily="18" charset="0"/>
+                        </a:rPr>
+                        <m:t>𝜆</m:t>
+                      </m:r>
+                      <m:sSub>
+                        <m:sSubPr>
+                          <m:ctrlPr>
+                            <a:rPr lang="it-IT" b="0" i="1" smtClean="0">
+                              <a:latin typeface="Cambria Math" panose="02040503050406030204" pitchFamily="18" charset="0"/>
+                              <a:ea typeface="Cambria Math" panose="02040503050406030204" pitchFamily="18" charset="0"/>
+                            </a:rPr>
+                          </m:ctrlPr>
+                        </m:sSubPr>
+                        <m:e>
+                          <m:r>
+                            <a:rPr lang="it-IT" b="0" i="1" smtClean="0">
+                              <a:latin typeface="Cambria Math" panose="02040503050406030204" pitchFamily="18" charset="0"/>
+                              <a:ea typeface="Cambria Math" panose="02040503050406030204" pitchFamily="18" charset="0"/>
+                            </a:rPr>
+                            <m:t> </m:t>
+                          </m:r>
+                          <m:r>
+                            <a:rPr lang="it-IT" b="0" i="1" smtClean="0">
+                              <a:latin typeface="Cambria Math" panose="02040503050406030204" pitchFamily="18" charset="0"/>
+                              <a:ea typeface="Cambria Math" panose="02040503050406030204" pitchFamily="18" charset="0"/>
+                            </a:rPr>
+                            <m:t>𝑦</m:t>
+                          </m:r>
+                        </m:e>
+                        <m:sub>
+                          <m:r>
+                            <a:rPr lang="it-IT" b="0" i="1" smtClean="0">
+                              <a:latin typeface="Cambria Math" panose="02040503050406030204" pitchFamily="18" charset="0"/>
+                              <a:ea typeface="Cambria Math" panose="02040503050406030204" pitchFamily="18" charset="0"/>
+                            </a:rPr>
+                            <m:t>𝑝</m:t>
+                          </m:r>
+                        </m:sub>
+                      </m:sSub>
+                    </m:oMath>
+                  </m:oMathPara>
+                </a14:m>
+                <a:endParaRPr lang="it-IT" dirty="0"/>
+              </a:p>
+            </p:txBody>
+          </p:sp>
+        </mc:Choice>
+        <mc:Fallback>
+          <p:sp>
+            <p:nvSpPr>
+              <p:cNvPr id="3" name="CasellaDiTesto 2">
+                <a:extLst>
+                  <a:ext uri="{FF2B5EF4-FFF2-40B4-BE49-F238E27FC236}">
+                    <a16:creationId xmlns:a16="http://schemas.microsoft.com/office/drawing/2014/main" id="{4890BE52-0279-BE1E-E2A1-ABA3139DC321}"/>
+                  </a:ext>
+                </a:extLst>
+              </p:cNvPr>
+              <p:cNvSpPr txBox="1">
+                <a:spLocks noRot="1" noChangeAspect="1" noMove="1" noResize="1" noEditPoints="1" noAdjustHandles="1" noChangeArrowheads="1" noChangeShapeType="1" noTextEdit="1"/>
+              </p:cNvSpPr>
+              <p:nvPr/>
+            </p:nvSpPr>
+            <p:spPr>
+              <a:xfrm>
+                <a:off x="2666177" y="3295161"/>
+                <a:ext cx="2294538" cy="636713"/>
+              </a:xfrm>
+              <a:prstGeom prst="rect">
+                <a:avLst/>
+              </a:prstGeom>
+              <a:blipFill>
+                <a:blip r:embed="rId4"/>
+                <a:stretch>
+                  <a:fillRect l="-28022" t="-107843" b="-164706"/>
+                </a:stretch>
+              </a:blipFill>
+            </p:spPr>
+            <p:txBody>
+              <a:bodyPr/>
+              <a:lstStyle/>
+              <a:p>
+                <a:r>
+                  <a:rPr lang="it-IT">
+                    <a:noFill/>
+                  </a:rPr>
+                  <a:t> </a:t>
+                </a:r>
+              </a:p>
+            </p:txBody>
+          </p:sp>
+        </mc:Fallback>
+      </mc:AlternateContent>
+      <p:pic>
+        <p:nvPicPr>
+          <p:cNvPr id="17" name="Immagine 16" descr="Immagine che contiene testo, ricevuta, calligrafia, Carattere&#10;&#10;Il contenuto generato dall'IA potrebbe non essere corretto.">
+            <a:extLst>
+              <a:ext uri="{FF2B5EF4-FFF2-40B4-BE49-F238E27FC236}">
+                <a16:creationId xmlns:a16="http://schemas.microsoft.com/office/drawing/2014/main" id="{1CD1C860-8D2A-E10F-DE67-2474D9C20554}"/>
+              </a:ext>
+            </a:extLst>
+          </p:cNvPr>
+          <p:cNvPicPr>
+            <a:picLocks noChangeAspect="1"/>
+          </p:cNvPicPr>
+          <p:nvPr/>
+        </p:nvPicPr>
+        <p:blipFill>
+          <a:blip r:embed="rId5">
+            <a:grayscl/>
+            <a:alphaModFix amt="35000"/>
+          </a:blip>
+          <a:srcRect r="76870" b="85264"/>
+          <a:stretch/>
+        </p:blipFill>
+        <p:spPr>
+          <a:xfrm>
+            <a:off x="3559212" y="1624614"/>
+            <a:ext cx="1936547" cy="477023"/>
+          </a:xfrm>
+          <a:prstGeom prst="rect">
+            <a:avLst/>
+          </a:prstGeom>
+        </p:spPr>
+      </p:pic>
+      <p:sp>
+        <p:nvSpPr>
+          <p:cNvPr id="27" name="CasellaDiTesto 26">
+            <a:extLst>
+              <a:ext uri="{FF2B5EF4-FFF2-40B4-BE49-F238E27FC236}">
+                <a16:creationId xmlns:a16="http://schemas.microsoft.com/office/drawing/2014/main" id="{63680192-DC4C-B33E-B06A-2352A50D6668}"/>
+              </a:ext>
+            </a:extLst>
+          </p:cNvPr>
+          <p:cNvSpPr txBox="1"/>
+          <p:nvPr/>
+        </p:nvSpPr>
+        <p:spPr>
+          <a:xfrm>
+            <a:off x="3342885" y="1586126"/>
+            <a:ext cx="2608080" cy="553998"/>
+          </a:xfrm>
+          <a:prstGeom prst="rect">
+            <a:avLst/>
+          </a:prstGeom>
+          <a:noFill/>
+        </p:spPr>
+        <p:txBody>
+          <a:bodyPr wrap="square" rtlCol="0">
+            <a:spAutoFit/>
+          </a:bodyPr>
+          <a:lstStyle/>
+          <a:p>
+            <a:r>
+              <a:rPr lang="it-IT" sz="3000" dirty="0">
+                <a:solidFill>
+                  <a:srgbClr val="A3A3A3"/>
+                </a:solidFill>
+                <a:latin typeface="Times New Roman" panose="02020603050405020304" pitchFamily="18" charset="0"/>
+                <a:cs typeface="Times New Roman" panose="02020603050405020304" pitchFamily="18" charset="0"/>
+              </a:rPr>
+              <a:t>(                    )</a:t>
+            </a:r>
+          </a:p>
+        </p:txBody>
+      </p:sp>
+    </p:spTree>
+    <p:extLst>
+      <p:ext uri="{BB962C8B-B14F-4D97-AF65-F5344CB8AC3E}">
+        <p14:creationId xmlns:p14="http://schemas.microsoft.com/office/powerpoint/2010/main" val="2705815691"/>
+      </p:ext>
+    </p:extLst>
+  </p:cSld>
+  <p:clrMapOvr>
+    <a:masterClrMapping/>
+  </p:clrMapOvr>
+</p:sld>
+</file>
+
+<file path=ppt/slides/slide18.xml><?xml version="1.0" encoding="utf-8"?>
 <p:sld xmlns:a="http://schemas.openxmlformats.org/drawingml/2006/main" xmlns:r="http://schemas.openxmlformats.org/officeDocument/2006/relationships" xmlns:p="http://schemas.openxmlformats.org/presentationml/2006/main">
   <p:cSld>
     <p:spTree>
@@ -13069,7 +17022,7 @@
               <a:buNone/>
             </a:pPr>
             <a:r>
-              <a:rPr lang="it" sz="2500">
+              <a:rPr lang="it" sz="2500" dirty="0">
                 <a:latin typeface="Times New Roman"/>
                 <a:ea typeface="Times New Roman"/>
                 <a:cs typeface="Times New Roman"/>
@@ -13077,7 +17030,7 @@
               </a:rPr>
               <a:t>Gurobi optimization: increasing dimensionality</a:t>
             </a:r>
-            <a:endParaRPr sz="2500">
+            <a:endParaRPr sz="2500" dirty="0">
               <a:latin typeface="Times New Roman"/>
               <a:ea typeface="Times New Roman"/>
               <a:cs typeface="Times New Roman"/>
@@ -13334,69 +17287,22 @@
           </a:prstGeom>
         </p:spPr>
       </p:pic>
-    </p:spTree>
-  </p:cSld>
-  <p:clrMapOvr>
-    <a:masterClrMapping/>
-  </p:clrMapOvr>
-</p:sld>
-</file>
-
-<file path=ppt/slides/slide16.xml><?xml version="1.0" encoding="utf-8"?>
-<p:sld xmlns:a="http://schemas.openxmlformats.org/drawingml/2006/main" xmlns:r="http://schemas.openxmlformats.org/officeDocument/2006/relationships" xmlns:p="http://schemas.openxmlformats.org/presentationml/2006/main">
-  <p:cSld>
-    <p:spTree>
-      <p:nvGrpSpPr>
-        <p:cNvPr id="1" name="Shape 416"/>
-        <p:cNvGrpSpPr/>
-        <p:nvPr/>
-      </p:nvGrpSpPr>
-      <p:grpSpPr>
-        <a:xfrm>
-          <a:off x="0" y="0"/>
-          <a:ext cx="0" cy="0"/>
-          <a:chOff x="0" y="0"/>
-          <a:chExt cx="0" cy="0"/>
-        </a:xfrm>
-      </p:grpSpPr>
-      <p:pic>
-        <p:nvPicPr>
-          <p:cNvPr id="417" name="Google Shape;417;p34"/>
-          <p:cNvPicPr preferRelativeResize="0"/>
-          <p:nvPr/>
-        </p:nvPicPr>
-        <p:blipFill>
-          <a:blip r:embed="rId3">
-            <a:alphaModFix/>
-          </a:blip>
-          <a:stretch>
-            <a:fillRect/>
-          </a:stretch>
-        </p:blipFill>
-        <p:spPr>
-          <a:xfrm>
-            <a:off x="542925" y="1464475"/>
-            <a:ext cx="4029075" cy="3021800"/>
-          </a:xfrm>
-          <a:prstGeom prst="rect">
-            <a:avLst/>
-          </a:prstGeom>
-          <a:noFill/>
-          <a:ln>
-            <a:noFill/>
-          </a:ln>
-        </p:spPr>
-      </p:pic>
       <p:sp>
         <p:nvSpPr>
-          <p:cNvPr id="418" name="Google Shape;418;p34"/>
+          <p:cNvPr id="3" name="Google Shape;170;p17">
+            <a:extLst>
+              <a:ext uri="{FF2B5EF4-FFF2-40B4-BE49-F238E27FC236}">
+                <a16:creationId xmlns:a16="http://schemas.microsoft.com/office/drawing/2014/main" id="{375E9223-D837-0158-B755-A64DAB130173}"/>
+              </a:ext>
+            </a:extLst>
+          </p:cNvPr>
           <p:cNvSpPr txBox="1"/>
           <p:nvPr/>
         </p:nvSpPr>
         <p:spPr>
           <a:xfrm>
-            <a:off x="4991100" y="1095375"/>
-            <a:ext cx="3219600" cy="3632700"/>
+            <a:off x="4862886" y="2921375"/>
+            <a:ext cx="3474591" cy="400079"/>
           </a:xfrm>
           <a:prstGeom prst="rect">
             <a:avLst/>
@@ -13412,7 +17318,7 @@
           </a:bodyPr>
           <a:lstStyle/>
           <a:p>
-            <a:pPr marL="0" lvl="0" indent="0" algn="l" rtl="0">
+            <a:pPr marL="0" lvl="0" indent="0" algn="ctr" rtl="0">
               <a:spcBef>
                 <a:spcPts val="0"/>
               </a:spcBef>
@@ -13422,859 +17328,15 @@
               <a:buNone/>
             </a:pPr>
             <a:r>
-              <a:rPr lang="it">
-                <a:latin typeface="Times New Roman"/>
-                <a:ea typeface="Times New Roman"/>
-                <a:cs typeface="Times New Roman"/>
-                <a:sym typeface="Times New Roman"/>
-              </a:rPr>
-              <a:t>This graphic is obtained using the initial probabilistic models to sample </a:t>
-            </a:r>
-            <a:r>
-              <a:rPr lang="it" u="sng">
-                <a:latin typeface="Times New Roman"/>
-                <a:ea typeface="Times New Roman"/>
-                <a:cs typeface="Times New Roman"/>
-                <a:sym typeface="Times New Roman"/>
-              </a:rPr>
-              <a:t>10,000 solutions for each test problem instance</a:t>
-            </a:r>
-            <a:r>
-              <a:rPr lang="it">
-                <a:latin typeface="Times New Roman"/>
-                <a:ea typeface="Times New Roman"/>
-                <a:cs typeface="Times New Roman"/>
-                <a:sym typeface="Times New Roman"/>
-              </a:rPr>
-              <a:t>, and plotting the distribution of averaged normalized objective values. </a:t>
-            </a:r>
-            <a:endParaRPr>
-              <a:latin typeface="Times New Roman"/>
-              <a:ea typeface="Times New Roman"/>
-              <a:cs typeface="Times New Roman"/>
-              <a:sym typeface="Times New Roman"/>
-            </a:endParaRPr>
-          </a:p>
-          <a:p>
-            <a:pPr marL="0" lvl="0" indent="0" algn="l" rtl="0">
-              <a:spcBef>
-                <a:spcPts val="0"/>
-              </a:spcBef>
-              <a:spcAft>
-                <a:spcPts val="0"/>
-              </a:spcAft>
-              <a:buNone/>
-            </a:pPr>
-            <a:r>
-              <a:rPr lang="it" u="sng">
-                <a:latin typeface="Times New Roman"/>
-                <a:ea typeface="Times New Roman"/>
-                <a:cs typeface="Times New Roman"/>
-                <a:sym typeface="Times New Roman"/>
-              </a:rPr>
-              <a:t>The objective values of the sample solutions are normalized by the mean objective value generated by the classic ACO algorithm</a:t>
-            </a:r>
-            <a:r>
-              <a:rPr lang="it">
-                <a:latin typeface="Times New Roman"/>
-                <a:ea typeface="Times New Roman"/>
-                <a:cs typeface="Times New Roman"/>
-                <a:sym typeface="Times New Roman"/>
-              </a:rPr>
-              <a:t>. The normalized objective values are then averaged across 100 test problem instances.</a:t>
-            </a:r>
-            <a:endParaRPr>
-              <a:latin typeface="Times New Roman"/>
-              <a:ea typeface="Times New Roman"/>
-              <a:cs typeface="Times New Roman"/>
-              <a:sym typeface="Times New Roman"/>
-            </a:endParaRPr>
-          </a:p>
-          <a:p>
-            <a:pPr marL="0" lvl="0" indent="0" algn="l" rtl="0">
-              <a:spcBef>
-                <a:spcPts val="0"/>
-              </a:spcBef>
-              <a:spcAft>
-                <a:spcPts val="0"/>
-              </a:spcAft>
-              <a:buNone/>
-            </a:pPr>
-            <a:endParaRPr>
-              <a:latin typeface="Times New Roman"/>
-              <a:ea typeface="Times New Roman"/>
-              <a:cs typeface="Times New Roman"/>
-              <a:sym typeface="Times New Roman"/>
-            </a:endParaRPr>
-          </a:p>
-          <a:p>
-            <a:pPr marL="0" lvl="0" indent="0" algn="l" rtl="0">
-              <a:spcBef>
-                <a:spcPts val="0"/>
-              </a:spcBef>
-              <a:spcAft>
-                <a:spcPts val="0"/>
-              </a:spcAft>
-              <a:buNone/>
-            </a:pPr>
-            <a:r>
-              <a:rPr lang="it">
-                <a:latin typeface="Times New Roman"/>
-                <a:ea typeface="Times New Roman"/>
-                <a:cs typeface="Times New Roman"/>
-                <a:sym typeface="Times New Roman"/>
-              </a:rPr>
-              <a:t>AS and MMAS distinguish is in this case irrelevant because we refer only to the initial probability model.</a:t>
-            </a:r>
-            <a:endParaRPr>
-              <a:latin typeface="Times New Roman"/>
-              <a:ea typeface="Times New Roman"/>
-              <a:cs typeface="Times New Roman"/>
-              <a:sym typeface="Times New Roman"/>
-            </a:endParaRPr>
-          </a:p>
-          <a:p>
-            <a:pPr marL="0" lvl="0" indent="0" algn="l" rtl="0">
-              <a:spcBef>
-                <a:spcPts val="0"/>
-              </a:spcBef>
-              <a:spcAft>
-                <a:spcPts val="0"/>
-              </a:spcAft>
-              <a:buNone/>
-            </a:pPr>
-            <a:endParaRPr>
-              <a:latin typeface="Times New Roman"/>
-              <a:ea typeface="Times New Roman"/>
-              <a:cs typeface="Times New Roman"/>
-              <a:sym typeface="Times New Roman"/>
-            </a:endParaRPr>
-          </a:p>
-        </p:txBody>
-      </p:sp>
-      <p:sp>
-        <p:nvSpPr>
-          <p:cNvPr id="419" name="Google Shape;419;p34"/>
-          <p:cNvSpPr txBox="1"/>
-          <p:nvPr/>
-        </p:nvSpPr>
-        <p:spPr>
-          <a:xfrm>
-            <a:off x="752475" y="647700"/>
-            <a:ext cx="7143900" cy="523200"/>
-          </a:xfrm>
-          <a:prstGeom prst="rect">
-            <a:avLst/>
-          </a:prstGeom>
-          <a:noFill/>
-          <a:ln>
-            <a:noFill/>
-          </a:ln>
-        </p:spPr>
-        <p:txBody>
-          <a:bodyPr spcFirstLastPara="1" wrap="square" lIns="91425" tIns="91425" rIns="91425" bIns="91425" anchor="t" anchorCtr="0">
-            <a:spAutoFit/>
-          </a:bodyPr>
-          <a:lstStyle/>
-          <a:p>
-            <a:pPr marL="0" lvl="0" indent="0" algn="l" rtl="0">
-              <a:spcBef>
-                <a:spcPts val="0"/>
-              </a:spcBef>
-              <a:spcAft>
-                <a:spcPts val="0"/>
-              </a:spcAft>
-              <a:buNone/>
-            </a:pPr>
-            <a:r>
-              <a:rPr lang="it" sz="2200" b="1">
-                <a:latin typeface="Times New Roman"/>
-                <a:ea typeface="Times New Roman"/>
-                <a:cs typeface="Times New Roman"/>
-                <a:sym typeface="Times New Roman"/>
-              </a:rPr>
-              <a:t>Analysis of results: ACO-SVM</a:t>
-            </a:r>
-            <a:endParaRPr sz="2200" b="1">
-              <a:latin typeface="Times New Roman"/>
-              <a:ea typeface="Times New Roman"/>
-              <a:cs typeface="Times New Roman"/>
-              <a:sym typeface="Times New Roman"/>
-            </a:endParaRPr>
-          </a:p>
-        </p:txBody>
-      </p:sp>
-    </p:spTree>
-  </p:cSld>
-  <p:clrMapOvr>
-    <a:masterClrMapping/>
-  </p:clrMapOvr>
-</p:sld>
-</file>
-
-<file path=ppt/slides/slide17.xml><?xml version="1.0" encoding="utf-8"?>
-<p:sld xmlns:a="http://schemas.openxmlformats.org/drawingml/2006/main" xmlns:r="http://schemas.openxmlformats.org/officeDocument/2006/relationships" xmlns:p="http://schemas.openxmlformats.org/presentationml/2006/main">
-  <p:cSld>
-    <p:spTree>
-      <p:nvGrpSpPr>
-        <p:cNvPr id="1" name="Shape 423"/>
-        <p:cNvGrpSpPr/>
-        <p:nvPr/>
-      </p:nvGrpSpPr>
-      <p:grpSpPr>
-        <a:xfrm>
-          <a:off x="0" y="0"/>
-          <a:ext cx="0" cy="0"/>
-          <a:chOff x="0" y="0"/>
-          <a:chExt cx="0" cy="0"/>
-        </a:xfrm>
-      </p:grpSpPr>
-      <p:pic>
-        <p:nvPicPr>
-          <p:cNvPr id="424" name="Google Shape;424;p35"/>
-          <p:cNvPicPr preferRelativeResize="0"/>
-          <p:nvPr/>
-        </p:nvPicPr>
-        <p:blipFill>
-          <a:blip r:embed="rId3">
-            <a:alphaModFix/>
-          </a:blip>
-          <a:stretch>
-            <a:fillRect/>
-          </a:stretch>
-        </p:blipFill>
-        <p:spPr>
-          <a:xfrm>
-            <a:off x="2979062" y="2099300"/>
-            <a:ext cx="3077574" cy="2308206"/>
-          </a:xfrm>
-          <a:prstGeom prst="rect">
-            <a:avLst/>
-          </a:prstGeom>
-          <a:noFill/>
-          <a:ln>
-            <a:noFill/>
-          </a:ln>
-        </p:spPr>
-      </p:pic>
-      <p:pic>
-        <p:nvPicPr>
-          <p:cNvPr id="425" name="Google Shape;425;p35"/>
-          <p:cNvPicPr preferRelativeResize="0"/>
-          <p:nvPr/>
-        </p:nvPicPr>
-        <p:blipFill>
-          <a:blip r:embed="rId4">
-            <a:alphaModFix/>
-          </a:blip>
-          <a:stretch>
-            <a:fillRect/>
-          </a:stretch>
-        </p:blipFill>
-        <p:spPr>
-          <a:xfrm>
-            <a:off x="47125" y="2099325"/>
-            <a:ext cx="3077574" cy="2308175"/>
-          </a:xfrm>
-          <a:prstGeom prst="rect">
-            <a:avLst/>
-          </a:prstGeom>
-          <a:noFill/>
-          <a:ln>
-            <a:noFill/>
-          </a:ln>
-        </p:spPr>
-      </p:pic>
-      <p:sp>
-        <p:nvSpPr>
-          <p:cNvPr id="426" name="Google Shape;426;p35"/>
-          <p:cNvSpPr txBox="1"/>
-          <p:nvPr/>
-        </p:nvSpPr>
-        <p:spPr>
-          <a:xfrm>
-            <a:off x="752475" y="647700"/>
-            <a:ext cx="7143900" cy="523200"/>
-          </a:xfrm>
-          <a:prstGeom prst="rect">
-            <a:avLst/>
-          </a:prstGeom>
-          <a:noFill/>
-          <a:ln>
-            <a:noFill/>
-          </a:ln>
-        </p:spPr>
-        <p:txBody>
-          <a:bodyPr spcFirstLastPara="1" wrap="square" lIns="91425" tIns="91425" rIns="91425" bIns="91425" anchor="t" anchorCtr="0">
-            <a:spAutoFit/>
-          </a:bodyPr>
-          <a:lstStyle/>
-          <a:p>
-            <a:pPr marL="0" lvl="0" indent="0" algn="l" rtl="0">
-              <a:spcBef>
-                <a:spcPts val="0"/>
-              </a:spcBef>
-              <a:spcAft>
-                <a:spcPts val="0"/>
-              </a:spcAft>
-              <a:buNone/>
-            </a:pPr>
-            <a:r>
-              <a:rPr lang="it" sz="2200" b="1">
-                <a:latin typeface="Times New Roman"/>
-                <a:ea typeface="Times New Roman"/>
-                <a:cs typeface="Times New Roman"/>
-                <a:sym typeface="Times New Roman"/>
-              </a:rPr>
-              <a:t>Analysis of results: ACO-SVM</a:t>
-            </a:r>
-            <a:endParaRPr sz="2200" b="1">
-              <a:latin typeface="Times New Roman"/>
-              <a:ea typeface="Times New Roman"/>
-              <a:cs typeface="Times New Roman"/>
-              <a:sym typeface="Times New Roman"/>
-            </a:endParaRPr>
-          </a:p>
-        </p:txBody>
-      </p:sp>
-      <p:sp>
-        <p:nvSpPr>
-          <p:cNvPr id="427" name="Google Shape;427;p35"/>
-          <p:cNvSpPr txBox="1"/>
-          <p:nvPr/>
-        </p:nvSpPr>
-        <p:spPr>
-          <a:xfrm>
-            <a:off x="6464000" y="1545900"/>
-            <a:ext cx="2484300" cy="3201600"/>
-          </a:xfrm>
-          <a:prstGeom prst="rect">
-            <a:avLst/>
-          </a:prstGeom>
-          <a:noFill/>
-          <a:ln>
-            <a:noFill/>
-          </a:ln>
-        </p:spPr>
-        <p:txBody>
-          <a:bodyPr spcFirstLastPara="1" wrap="square" lIns="91425" tIns="91425" rIns="91425" bIns="91425" anchor="t" anchorCtr="0">
-            <a:spAutoFit/>
-          </a:bodyPr>
-          <a:lstStyle/>
-          <a:p>
-            <a:pPr marL="0" lvl="0" indent="0" algn="l" rtl="0">
-              <a:spcBef>
-                <a:spcPts val="0"/>
-              </a:spcBef>
-              <a:spcAft>
-                <a:spcPts val="0"/>
-              </a:spcAft>
-              <a:buNone/>
-            </a:pPr>
-            <a:r>
-              <a:rPr lang="it">
-                <a:latin typeface="Times New Roman"/>
-                <a:ea typeface="Times New Roman"/>
-                <a:cs typeface="Times New Roman"/>
-                <a:sym typeface="Times New Roman"/>
-              </a:rPr>
-              <a:t>The objective values generated by each ML-algorithm </a:t>
-            </a:r>
-            <a:r>
-              <a:rPr lang="it" u="sng">
-                <a:latin typeface="Times New Roman"/>
-                <a:ea typeface="Times New Roman"/>
-                <a:cs typeface="Times New Roman"/>
-                <a:sym typeface="Times New Roman"/>
-              </a:rPr>
-              <a:t>varying the number of solutions generated are normalized by the best objective value found by classic AS (or MMAS), and are averaged across 100 problem instances and 15 independent runs. </a:t>
-            </a:r>
-            <a:endParaRPr u="sng">
-              <a:latin typeface="Times New Roman"/>
-              <a:ea typeface="Times New Roman"/>
-              <a:cs typeface="Times New Roman"/>
-              <a:sym typeface="Times New Roman"/>
-            </a:endParaRPr>
-          </a:p>
-          <a:p>
-            <a:pPr marL="0" lvl="0" indent="0" algn="l" rtl="0">
-              <a:spcBef>
-                <a:spcPts val="0"/>
-              </a:spcBef>
-              <a:spcAft>
-                <a:spcPts val="0"/>
-              </a:spcAft>
-              <a:buNone/>
-            </a:pPr>
-            <a:r>
-              <a:rPr lang="it">
-                <a:latin typeface="Times New Roman"/>
-                <a:ea typeface="Times New Roman"/>
-                <a:cs typeface="Times New Roman"/>
-                <a:sym typeface="Times New Roman"/>
-              </a:rPr>
-              <a:t>The curves of normalized objective value v.s. number of solutions constructed is shown for both AS and MMAS methods</a:t>
-            </a:r>
-            <a:endParaRPr>
-              <a:latin typeface="Times New Roman"/>
-              <a:ea typeface="Times New Roman"/>
-              <a:cs typeface="Times New Roman"/>
-              <a:sym typeface="Times New Roman"/>
-            </a:endParaRPr>
-          </a:p>
-        </p:txBody>
-      </p:sp>
-      <p:sp>
-        <p:nvSpPr>
-          <p:cNvPr id="428" name="Google Shape;428;p35"/>
-          <p:cNvSpPr/>
-          <p:nvPr/>
-        </p:nvSpPr>
-        <p:spPr>
-          <a:xfrm>
-            <a:off x="2571750" y="2237875"/>
-            <a:ext cx="180600" cy="523200"/>
-          </a:xfrm>
-          <a:prstGeom prst="ellipse">
-            <a:avLst/>
-          </a:prstGeom>
-          <a:noFill/>
-          <a:ln w="9525" cap="flat" cmpd="sng">
-            <a:solidFill>
-              <a:schemeClr val="dk2"/>
-            </a:solidFill>
-            <a:prstDash val="solid"/>
-            <a:round/>
-            <a:headEnd type="none" w="sm" len="sm"/>
-            <a:tailEnd type="none" w="sm" len="sm"/>
-          </a:ln>
-        </p:spPr>
-        <p:txBody>
-          <a:bodyPr spcFirstLastPara="1" wrap="square" lIns="91425" tIns="91425" rIns="91425" bIns="91425" anchor="ctr" anchorCtr="0">
-            <a:noAutofit/>
-          </a:bodyPr>
-          <a:lstStyle/>
-          <a:p>
-            <a:pPr marL="0" lvl="0" indent="0" algn="l" rtl="0">
-              <a:spcBef>
-                <a:spcPts val="0"/>
-              </a:spcBef>
-              <a:spcAft>
-                <a:spcPts val="0"/>
-              </a:spcAft>
-              <a:buNone/>
-            </a:pPr>
-            <a:endParaRPr/>
-          </a:p>
-        </p:txBody>
-      </p:sp>
-      <p:sp>
-        <p:nvSpPr>
-          <p:cNvPr id="429" name="Google Shape;429;p35"/>
-          <p:cNvSpPr/>
-          <p:nvPr/>
-        </p:nvSpPr>
-        <p:spPr>
-          <a:xfrm>
-            <a:off x="5549400" y="2147650"/>
-            <a:ext cx="99300" cy="1128000"/>
-          </a:xfrm>
-          <a:prstGeom prst="ellipse">
-            <a:avLst/>
-          </a:prstGeom>
-          <a:noFill/>
-          <a:ln w="9525" cap="flat" cmpd="sng">
-            <a:solidFill>
-              <a:schemeClr val="dk2"/>
-            </a:solidFill>
-            <a:prstDash val="solid"/>
-            <a:round/>
-            <a:headEnd type="none" w="sm" len="sm"/>
-            <a:tailEnd type="none" w="sm" len="sm"/>
-          </a:ln>
-        </p:spPr>
-        <p:txBody>
-          <a:bodyPr spcFirstLastPara="1" wrap="square" lIns="91425" tIns="91425" rIns="91425" bIns="91425" anchor="ctr" anchorCtr="0">
-            <a:noAutofit/>
-          </a:bodyPr>
-          <a:lstStyle/>
-          <a:p>
-            <a:pPr marL="0" lvl="0" indent="0" algn="l" rtl="0">
-              <a:spcBef>
-                <a:spcPts val="0"/>
-              </a:spcBef>
-              <a:spcAft>
-                <a:spcPts val="0"/>
-              </a:spcAft>
-              <a:buNone/>
-            </a:pPr>
-            <a:endParaRPr/>
-          </a:p>
-        </p:txBody>
-      </p:sp>
-      <p:cxnSp>
-        <p:nvCxnSpPr>
-          <p:cNvPr id="430" name="Google Shape;430;p35"/>
-          <p:cNvCxnSpPr>
-            <a:stCxn id="428" idx="0"/>
-          </p:cNvCxnSpPr>
-          <p:nvPr/>
-        </p:nvCxnSpPr>
-        <p:spPr>
-          <a:xfrm rot="10800000">
-            <a:off x="2481450" y="2021275"/>
-            <a:ext cx="180600" cy="216600"/>
-          </a:xfrm>
-          <a:prstGeom prst="straightConnector1">
-            <a:avLst/>
-          </a:prstGeom>
-          <a:noFill/>
-          <a:ln w="9525" cap="flat" cmpd="sng">
-            <a:solidFill>
-              <a:schemeClr val="dk2"/>
-            </a:solidFill>
-            <a:prstDash val="solid"/>
-            <a:round/>
-            <a:headEnd type="none" w="med" len="med"/>
-            <a:tailEnd type="triangle" w="med" len="med"/>
-          </a:ln>
-        </p:spPr>
-      </p:cxnSp>
-      <p:cxnSp>
-        <p:nvCxnSpPr>
-          <p:cNvPr id="431" name="Google Shape;431;p35"/>
-          <p:cNvCxnSpPr>
-            <a:stCxn id="429" idx="0"/>
-          </p:cNvCxnSpPr>
-          <p:nvPr/>
-        </p:nvCxnSpPr>
-        <p:spPr>
-          <a:xfrm rot="10800000">
-            <a:off x="5405250" y="2066350"/>
-            <a:ext cx="193800" cy="81300"/>
-          </a:xfrm>
-          <a:prstGeom prst="straightConnector1">
-            <a:avLst/>
-          </a:prstGeom>
-          <a:noFill/>
-          <a:ln w="9525" cap="flat" cmpd="sng">
-            <a:solidFill>
-              <a:schemeClr val="dk2"/>
-            </a:solidFill>
-            <a:prstDash val="solid"/>
-            <a:round/>
-            <a:headEnd type="none" w="med" len="med"/>
-            <a:tailEnd type="triangle" w="med" len="med"/>
-          </a:ln>
-        </p:spPr>
-      </p:cxnSp>
-      <p:sp>
-        <p:nvSpPr>
-          <p:cNvPr id="432" name="Google Shape;432;p35"/>
-          <p:cNvSpPr txBox="1"/>
-          <p:nvPr/>
-        </p:nvSpPr>
-        <p:spPr>
-          <a:xfrm>
-            <a:off x="1552300" y="1651963"/>
-            <a:ext cx="1299300" cy="369300"/>
-          </a:xfrm>
-          <a:prstGeom prst="rect">
-            <a:avLst/>
-          </a:prstGeom>
-          <a:noFill/>
-          <a:ln>
-            <a:noFill/>
-          </a:ln>
-        </p:spPr>
-        <p:txBody>
-          <a:bodyPr spcFirstLastPara="1" wrap="square" lIns="91425" tIns="91425" rIns="91425" bIns="91425" anchor="t" anchorCtr="0">
-            <a:spAutoFit/>
-          </a:bodyPr>
-          <a:lstStyle/>
-          <a:p>
-            <a:pPr marL="0" lvl="0" indent="0" algn="l" rtl="0">
-              <a:spcBef>
-                <a:spcPts val="0"/>
-              </a:spcBef>
-              <a:spcAft>
-                <a:spcPts val="0"/>
-              </a:spcAft>
-              <a:buNone/>
-            </a:pPr>
-            <a:r>
-              <a:rPr lang="it" sz="1200">
-                <a:latin typeface="Times New Roman"/>
-                <a:ea typeface="Times New Roman"/>
-                <a:cs typeface="Times New Roman"/>
-                <a:sym typeface="Times New Roman"/>
-              </a:rPr>
-              <a:t>20% improving</a:t>
-            </a:r>
-            <a:endParaRPr sz="1200">
-              <a:latin typeface="Times New Roman"/>
-              <a:ea typeface="Times New Roman"/>
-              <a:cs typeface="Times New Roman"/>
-              <a:sym typeface="Times New Roman"/>
-            </a:endParaRPr>
-          </a:p>
-        </p:txBody>
-      </p:sp>
-      <p:sp>
-        <p:nvSpPr>
-          <p:cNvPr id="433" name="Google Shape;433;p35"/>
-          <p:cNvSpPr txBox="1"/>
-          <p:nvPr/>
-        </p:nvSpPr>
-        <p:spPr>
-          <a:xfrm>
-            <a:off x="4319350" y="1467175"/>
-            <a:ext cx="1633200" cy="738900"/>
-          </a:xfrm>
-          <a:prstGeom prst="rect">
-            <a:avLst/>
-          </a:prstGeom>
-          <a:noFill/>
-          <a:ln>
-            <a:noFill/>
-          </a:ln>
-        </p:spPr>
-        <p:txBody>
-          <a:bodyPr spcFirstLastPara="1" wrap="square" lIns="91425" tIns="91425" rIns="91425" bIns="91425" anchor="t" anchorCtr="0">
-            <a:spAutoFit/>
-          </a:bodyPr>
-          <a:lstStyle/>
-          <a:p>
-            <a:pPr marL="0" lvl="0" indent="0" algn="l" rtl="0">
-              <a:spcBef>
-                <a:spcPts val="0"/>
-              </a:spcBef>
-              <a:spcAft>
-                <a:spcPts val="0"/>
-              </a:spcAft>
-              <a:buNone/>
-            </a:pPr>
-            <a:r>
-              <a:rPr lang="it" sz="1200">
-                <a:latin typeface="Times New Roman"/>
-                <a:ea typeface="Times New Roman"/>
-                <a:cs typeface="Times New Roman"/>
-                <a:sym typeface="Times New Roman"/>
-              </a:rPr>
-              <a:t>40% improving with the second ML-MMAS algorithm</a:t>
-            </a:r>
-            <a:endParaRPr sz="1200">
-              <a:latin typeface="Times New Roman"/>
-              <a:ea typeface="Times New Roman"/>
-              <a:cs typeface="Times New Roman"/>
-              <a:sym typeface="Times New Roman"/>
-            </a:endParaRPr>
-          </a:p>
-        </p:txBody>
-      </p:sp>
-    </p:spTree>
-  </p:cSld>
-  <p:clrMapOvr>
-    <a:masterClrMapping/>
-  </p:clrMapOvr>
-</p:sld>
-</file>
-
-<file path=ppt/slides/slide18.xml><?xml version="1.0" encoding="utf-8"?>
-<p:sld xmlns:a="http://schemas.openxmlformats.org/drawingml/2006/main" xmlns:r="http://schemas.openxmlformats.org/officeDocument/2006/relationships" xmlns:p="http://schemas.openxmlformats.org/presentationml/2006/main">
-  <p:cSld>
-    <p:spTree>
-      <p:nvGrpSpPr>
-        <p:cNvPr id="1" name="Shape 437"/>
-        <p:cNvGrpSpPr/>
-        <p:nvPr/>
-      </p:nvGrpSpPr>
-      <p:grpSpPr>
-        <a:xfrm>
-          <a:off x="0" y="0"/>
-          <a:ext cx="0" cy="0"/>
-          <a:chOff x="0" y="0"/>
-          <a:chExt cx="0" cy="0"/>
-        </a:xfrm>
-      </p:grpSpPr>
-      <p:sp>
-        <p:nvSpPr>
-          <p:cNvPr id="438" name="Google Shape;438;p36"/>
-          <p:cNvSpPr txBox="1"/>
-          <p:nvPr/>
-        </p:nvSpPr>
-        <p:spPr>
-          <a:xfrm>
-            <a:off x="752475" y="647700"/>
-            <a:ext cx="7143900" cy="523200"/>
-          </a:xfrm>
-          <a:prstGeom prst="rect">
-            <a:avLst/>
-          </a:prstGeom>
-          <a:noFill/>
-          <a:ln>
-            <a:noFill/>
-          </a:ln>
-        </p:spPr>
-        <p:txBody>
-          <a:bodyPr spcFirstLastPara="1" wrap="square" lIns="91425" tIns="91425" rIns="91425" bIns="91425" anchor="t" anchorCtr="0">
-            <a:spAutoFit/>
-          </a:bodyPr>
-          <a:lstStyle/>
-          <a:p>
-            <a:pPr marL="0" lvl="0" indent="0" algn="l" rtl="0">
-              <a:spcBef>
-                <a:spcPts val="0"/>
-              </a:spcBef>
-              <a:spcAft>
-                <a:spcPts val="0"/>
-              </a:spcAft>
-              <a:buNone/>
-            </a:pPr>
-            <a:r>
-              <a:rPr lang="it" sz="2200" b="1">
-                <a:latin typeface="Times New Roman"/>
-                <a:ea typeface="Times New Roman"/>
-                <a:cs typeface="Times New Roman"/>
-                <a:sym typeface="Times New Roman"/>
-              </a:rPr>
-              <a:t>Analysis of results: ACO-SVM</a:t>
-            </a:r>
-            <a:endParaRPr sz="2200" b="1">
-              <a:latin typeface="Times New Roman"/>
-              <a:ea typeface="Times New Roman"/>
-              <a:cs typeface="Times New Roman"/>
-              <a:sym typeface="Times New Roman"/>
-            </a:endParaRPr>
-          </a:p>
-        </p:txBody>
-      </p:sp>
-      <p:pic>
-        <p:nvPicPr>
-          <p:cNvPr id="439" name="Google Shape;439;p36"/>
-          <p:cNvPicPr preferRelativeResize="0"/>
-          <p:nvPr/>
-        </p:nvPicPr>
-        <p:blipFill>
-          <a:blip r:embed="rId3">
-            <a:alphaModFix/>
-          </a:blip>
-          <a:stretch>
-            <a:fillRect/>
-          </a:stretch>
-        </p:blipFill>
-        <p:spPr>
-          <a:xfrm>
-            <a:off x="269700" y="1795775"/>
-            <a:ext cx="3932800" cy="2949600"/>
-          </a:xfrm>
-          <a:prstGeom prst="rect">
-            <a:avLst/>
-          </a:prstGeom>
-          <a:noFill/>
-          <a:ln>
-            <a:noFill/>
-          </a:ln>
-        </p:spPr>
-      </p:pic>
-      <p:pic>
-        <p:nvPicPr>
-          <p:cNvPr id="440" name="Google Shape;440;p36"/>
-          <p:cNvPicPr preferRelativeResize="0"/>
-          <p:nvPr/>
-        </p:nvPicPr>
-        <p:blipFill>
-          <a:blip r:embed="rId4">
-            <a:alphaModFix/>
-          </a:blip>
-          <a:stretch>
-            <a:fillRect/>
-          </a:stretch>
-        </p:blipFill>
-        <p:spPr>
-          <a:xfrm>
-            <a:off x="4354900" y="1795775"/>
-            <a:ext cx="3932800" cy="2949600"/>
-          </a:xfrm>
-          <a:prstGeom prst="rect">
-            <a:avLst/>
-          </a:prstGeom>
-          <a:noFill/>
-          <a:ln>
-            <a:noFill/>
-          </a:ln>
-        </p:spPr>
-      </p:pic>
-      <p:sp>
-        <p:nvSpPr>
-          <p:cNvPr id="441" name="Google Shape;441;p36"/>
-          <p:cNvSpPr txBox="1"/>
-          <p:nvPr/>
-        </p:nvSpPr>
-        <p:spPr>
-          <a:xfrm>
-            <a:off x="752475" y="1254275"/>
-            <a:ext cx="7337400" cy="831300"/>
-          </a:xfrm>
-          <a:prstGeom prst="rect">
-            <a:avLst/>
-          </a:prstGeom>
-          <a:noFill/>
-          <a:ln>
-            <a:noFill/>
-          </a:ln>
-        </p:spPr>
-        <p:txBody>
-          <a:bodyPr spcFirstLastPara="1" wrap="square" lIns="91425" tIns="91425" rIns="91425" bIns="91425" anchor="t" anchorCtr="0">
-            <a:spAutoFit/>
-          </a:bodyPr>
-          <a:lstStyle/>
-          <a:p>
-            <a:pPr marL="0" lvl="0" indent="0" algn="l" rtl="0">
-              <a:spcBef>
-                <a:spcPts val="0"/>
-              </a:spcBef>
-              <a:spcAft>
-                <a:spcPts val="0"/>
-              </a:spcAft>
-              <a:buNone/>
-            </a:pPr>
-            <a:r>
-              <a:rPr lang="it" u="sng">
-                <a:latin typeface="Times New Roman"/>
-                <a:ea typeface="Times New Roman"/>
-                <a:cs typeface="Times New Roman"/>
-                <a:sym typeface="Times New Roman"/>
-              </a:rPr>
-              <a:t>Testing the MMAS-SVM method on 71 problems of dimensionality equal to 100.</a:t>
-            </a:r>
-            <a:endParaRPr u="sng">
-              <a:latin typeface="Times New Roman"/>
-              <a:ea typeface="Times New Roman"/>
-              <a:cs typeface="Times New Roman"/>
-              <a:sym typeface="Times New Roman"/>
-            </a:endParaRPr>
-          </a:p>
-          <a:p>
-            <a:pPr marL="0" lvl="0" indent="0" algn="l" rtl="0">
-              <a:spcBef>
-                <a:spcPts val="0"/>
-              </a:spcBef>
-              <a:spcAft>
-                <a:spcPts val="0"/>
-              </a:spcAft>
-              <a:buNone/>
-            </a:pPr>
-            <a:r>
-              <a:rPr lang="it">
-                <a:latin typeface="Times New Roman"/>
-                <a:ea typeface="Times New Roman"/>
-                <a:cs typeface="Times New Roman"/>
-                <a:sym typeface="Times New Roman"/>
-              </a:rPr>
-              <a:t>The time-taken analysis could be extremely improved adding elements of parallel programming to the implementation.</a:t>
-            </a:r>
-            <a:endParaRPr>
+              <a:rPr lang="it" dirty="0">
+                <a:latin typeface="Times New Roman"/>
+                <a:ea typeface="Times New Roman"/>
+                <a:cs typeface="Times New Roman"/>
+                <a:sym typeface="Times New Roman"/>
+              </a:rPr>
+              <a:t>INSERIRE APPENA PLOTTI</a:t>
+            </a:r>
+            <a:endParaRPr dirty="0">
               <a:latin typeface="Times New Roman"/>
               <a:ea typeface="Times New Roman"/>
               <a:cs typeface="Times New Roman"/>
@@ -14296,7 +17358,7 @@
   <p:cSld>
     <p:spTree>
       <p:nvGrpSpPr>
-        <p:cNvPr id="1" name="Shape 482"/>
+        <p:cNvPr id="1" name="Shape 489"/>
         <p:cNvGrpSpPr/>
         <p:nvPr/>
       </p:nvGrpSpPr>
@@ -14308,56 +17370,28 @@
           <a:chExt cx="0" cy="0"/>
         </a:xfrm>
       </p:grpSpPr>
-      <p:pic>
-        <p:nvPicPr>
-          <p:cNvPr id="483" name="Google Shape;483;p38"/>
-          <p:cNvPicPr preferRelativeResize="0"/>
-          <p:nvPr/>
-        </p:nvPicPr>
-        <p:blipFill>
-          <a:blip r:embed="rId3">
-            <a:alphaModFix/>
-          </a:blip>
-          <a:stretch>
-            <a:fillRect/>
-          </a:stretch>
-        </p:blipFill>
+      <p:sp>
+        <p:nvSpPr>
+          <p:cNvPr id="490" name="Google Shape;490;p39"/>
+          <p:cNvSpPr txBox="1">
+            <a:spLocks noGrp="1"/>
+          </p:cNvSpPr>
+          <p:nvPr>
+            <p:ph type="title"/>
+          </p:nvPr>
+        </p:nvSpPr>
         <p:spPr>
           <a:xfrm>
-            <a:off x="514350" y="1354925"/>
-            <a:ext cx="4733925" cy="3550450"/>
+            <a:off x="2543225" y="2148825"/>
+            <a:ext cx="4296900" cy="535200"/>
           </a:xfrm>
           <a:prstGeom prst="rect">
             <a:avLst/>
           </a:prstGeom>
-          <a:noFill/>
-          <a:ln>
-            <a:noFill/>
-          </a:ln>
-        </p:spPr>
-      </p:pic>
-      <p:sp>
-        <p:nvSpPr>
-          <p:cNvPr id="484" name="Google Shape;484;p38"/>
-          <p:cNvSpPr txBox="1"/>
-          <p:nvPr/>
-        </p:nvSpPr>
-        <p:spPr>
-          <a:xfrm>
-            <a:off x="752475" y="647700"/>
-            <a:ext cx="7143900" cy="523200"/>
-          </a:xfrm>
-          <a:prstGeom prst="rect">
-            <a:avLst/>
-          </a:prstGeom>
-          <a:noFill/>
-          <a:ln>
-            <a:noFill/>
-          </a:ln>
         </p:spPr>
         <p:txBody>
           <a:bodyPr spcFirstLastPara="1" wrap="square" lIns="91425" tIns="91425" rIns="91425" bIns="91425" anchor="t" anchorCtr="0">
-            <a:spAutoFit/>
+            <a:normAutofit fontScale="90000"/>
           </a:bodyPr>
           <a:lstStyle/>
           <a:p>
@@ -14371,65 +17405,13 @@
               <a:buNone/>
             </a:pPr>
             <a:r>
-              <a:rPr lang="it" sz="2200" b="1">
-                <a:latin typeface="Times New Roman"/>
-                <a:ea typeface="Times New Roman"/>
-                <a:cs typeface="Times New Roman"/>
-                <a:sym typeface="Times New Roman"/>
-              </a:rPr>
-              <a:t>Analysis of results: ACO-SVM-LS</a:t>
-            </a:r>
-            <a:endParaRPr sz="2200" b="1">
-              <a:latin typeface="Times New Roman"/>
-              <a:ea typeface="Times New Roman"/>
-              <a:cs typeface="Times New Roman"/>
-              <a:sym typeface="Times New Roman"/>
-            </a:endParaRPr>
-          </a:p>
-        </p:txBody>
-      </p:sp>
-      <p:sp>
-        <p:nvSpPr>
-          <p:cNvPr id="485" name="Google Shape;485;p38"/>
-          <p:cNvSpPr txBox="1"/>
-          <p:nvPr/>
-        </p:nvSpPr>
-        <p:spPr>
-          <a:xfrm>
-            <a:off x="5170575" y="2454425"/>
-            <a:ext cx="3654600" cy="1046700"/>
-          </a:xfrm>
-          <a:prstGeom prst="rect">
-            <a:avLst/>
-          </a:prstGeom>
-          <a:noFill/>
-          <a:ln>
-            <a:noFill/>
-          </a:ln>
-        </p:spPr>
-        <p:txBody>
-          <a:bodyPr spcFirstLastPara="1" wrap="square" lIns="91425" tIns="91425" rIns="91425" bIns="91425" anchor="t" anchorCtr="0">
-            <a:spAutoFit/>
-          </a:bodyPr>
-          <a:lstStyle/>
-          <a:p>
-            <a:pPr marL="0" lvl="0" indent="0" algn="l" rtl="0">
-              <a:spcBef>
-                <a:spcPts val="0"/>
-              </a:spcBef>
-              <a:spcAft>
-                <a:spcPts val="0"/>
-              </a:spcAft>
-              <a:buNone/>
-            </a:pPr>
-            <a:r>
               <a:rPr lang="it">
                 <a:latin typeface="Times New Roman"/>
                 <a:ea typeface="Times New Roman"/>
                 <a:cs typeface="Times New Roman"/>
                 <a:sym typeface="Times New Roman"/>
               </a:rPr>
-              <a:t>Same histograms obtained by computing 10,000 solutions for each test problem instance, and plotting the distribution of averaged normalized objective values. </a:t>
+              <a:t>Thank you for the attention</a:t>
             </a:r>
             <a:endParaRPr>
               <a:latin typeface="Times New Roman"/>
@@ -14905,83 +17887,6 @@
   <p:cSld>
     <p:spTree>
       <p:nvGrpSpPr>
-        <p:cNvPr id="1" name="Shape 489"/>
-        <p:cNvGrpSpPr/>
-        <p:nvPr/>
-      </p:nvGrpSpPr>
-      <p:grpSpPr>
-        <a:xfrm>
-          <a:off x="0" y="0"/>
-          <a:ext cx="0" cy="0"/>
-          <a:chOff x="0" y="0"/>
-          <a:chExt cx="0" cy="0"/>
-        </a:xfrm>
-      </p:grpSpPr>
-      <p:sp>
-        <p:nvSpPr>
-          <p:cNvPr id="490" name="Google Shape;490;p39"/>
-          <p:cNvSpPr txBox="1">
-            <a:spLocks noGrp="1"/>
-          </p:cNvSpPr>
-          <p:nvPr>
-            <p:ph type="title"/>
-          </p:nvPr>
-        </p:nvSpPr>
-        <p:spPr>
-          <a:xfrm>
-            <a:off x="2543225" y="2148825"/>
-            <a:ext cx="4296900" cy="535200"/>
-          </a:xfrm>
-          <a:prstGeom prst="rect">
-            <a:avLst/>
-          </a:prstGeom>
-        </p:spPr>
-        <p:txBody>
-          <a:bodyPr spcFirstLastPara="1" wrap="square" lIns="91425" tIns="91425" rIns="91425" bIns="91425" anchor="t" anchorCtr="0">
-            <a:normAutofit fontScale="90000"/>
-          </a:bodyPr>
-          <a:lstStyle/>
-          <a:p>
-            <a:pPr marL="0" lvl="0" indent="0" algn="l" rtl="0">
-              <a:spcBef>
-                <a:spcPts val="0"/>
-              </a:spcBef>
-              <a:spcAft>
-                <a:spcPts val="0"/>
-              </a:spcAft>
-              <a:buNone/>
-            </a:pPr>
-            <a:r>
-              <a:rPr lang="it">
-                <a:latin typeface="Times New Roman"/>
-                <a:ea typeface="Times New Roman"/>
-                <a:cs typeface="Times New Roman"/>
-                <a:sym typeface="Times New Roman"/>
-              </a:rPr>
-              <a:t>Thank you for the attention</a:t>
-            </a:r>
-            <a:endParaRPr>
-              <a:latin typeface="Times New Roman"/>
-              <a:ea typeface="Times New Roman"/>
-              <a:cs typeface="Times New Roman"/>
-              <a:sym typeface="Times New Roman"/>
-            </a:endParaRPr>
-          </a:p>
-        </p:txBody>
-      </p:sp>
-    </p:spTree>
-  </p:cSld>
-  <p:clrMapOvr>
-    <a:masterClrMapping/>
-  </p:clrMapOvr>
-</p:sld>
-</file>
-
-<file path=ppt/slides/slide21.xml><?xml version="1.0" encoding="utf-8"?>
-<p:sld xmlns:a="http://schemas.openxmlformats.org/drawingml/2006/main" xmlns:r="http://schemas.openxmlformats.org/officeDocument/2006/relationships" xmlns:p="http://schemas.openxmlformats.org/presentationml/2006/main">
-  <p:cSld>
-    <p:spTree>
-      <p:nvGrpSpPr>
         <p:cNvPr id="1" name="Shape 489">
           <a:extLst>
             <a:ext uri="{FF2B5EF4-FFF2-40B4-BE49-F238E27FC236}">
@@ -15058,8 +17963,8 @@
           </a:p>
         </p:txBody>
       </p:sp>
-      <mc:AlternateContent xmlns:mc="http://schemas.openxmlformats.org/markup-compatibility/2006">
-        <mc:Choice xmlns:a14="http://schemas.microsoft.com/office/drawing/2010/main" Requires="a14">
+      <mc:AlternateContent xmlns:mc="http://schemas.openxmlformats.org/markup-compatibility/2006" xmlns:a14="http://schemas.microsoft.com/office/drawing/2010/main">
+        <mc:Choice Requires="a14">
           <p:sp>
             <p:nvSpPr>
               <p:cNvPr id="5" name="Google Shape;94;p14">
@@ -15449,7 +18354,7 @@
                   <a:t>queues</a:t>
                 </a:r>
                 <a:r>
-                  <a:rPr lang="it-IT" sz="1500">
+                  <a:rPr lang="it-IT" sz="1500" dirty="0">
                     <a:latin typeface="Times New Roman" panose="02020603050405020304" pitchFamily="18" charset="0"/>
                     <a:cs typeface="Times New Roman" panose="02020603050405020304" pitchFamily="18" charset="0"/>
                   </a:rPr>
@@ -15658,7 +18563,7 @@
             </p:txBody>
           </p:sp>
         </mc:Choice>
-        <mc:Fallback>
+        <mc:Fallback xmlns="">
           <p:sp>
             <p:nvSpPr>
               <p:cNvPr id="5" name="Google Shape;94;p14">
@@ -18782,8 +21687,8 @@
         </p:nvSpPr>
         <p:spPr>
           <a:xfrm>
-            <a:off x="504963" y="1671518"/>
-            <a:ext cx="7563271" cy="1800463"/>
+            <a:off x="676317" y="1758983"/>
+            <a:ext cx="7563271" cy="2339072"/>
           </a:xfrm>
           <a:prstGeom prst="rect">
             <a:avLst/>
@@ -18801,7 +21706,7 @@
           <a:p>
             <a:pPr marL="285750" lvl="0" indent="-285750" algn="l" rtl="0">
               <a:lnSpc>
-                <a:spcPct val="150000"/>
+                <a:spcPct val="200000"/>
               </a:lnSpc>
               <a:spcBef>
                 <a:spcPts val="0"/>
@@ -18843,7 +21748,7 @@
           <a:p>
             <a:pPr marL="285750" lvl="0" indent="-285750" algn="l" rtl="0">
               <a:lnSpc>
-                <a:spcPct val="150000"/>
+                <a:spcPct val="200000"/>
               </a:lnSpc>
               <a:spcBef>
                 <a:spcPts val="0"/>
@@ -18885,7 +21790,7 @@
           <a:p>
             <a:pPr marL="285750" lvl="0" indent="-285750" algn="l" rtl="0">
               <a:lnSpc>
-                <a:spcPct val="150000"/>
+                <a:spcPct val="200000"/>
               </a:lnSpc>
               <a:spcBef>
                 <a:spcPts val="0"/>
@@ -19005,7 +21910,7 @@
           <a:p>
             <a:pPr marL="285750" lvl="0" indent="-285750" algn="l" rtl="0">
               <a:lnSpc>
-                <a:spcPct val="150000"/>
+                <a:spcPct val="200000"/>
               </a:lnSpc>
               <a:spcBef>
                 <a:spcPts val="0"/>
@@ -19028,6 +21933,114 @@
           </a:p>
         </p:txBody>
       </p:sp>
+      <p:pic>
+        <p:nvPicPr>
+          <p:cNvPr id="5" name="Elemento grafico 4" descr="Batteria contorno">
+            <a:extLst>
+              <a:ext uri="{FF2B5EF4-FFF2-40B4-BE49-F238E27FC236}">
+                <a16:creationId xmlns:a16="http://schemas.microsoft.com/office/drawing/2014/main" id="{FC43871E-BB27-C805-D418-5CB73E2629EF}"/>
+              </a:ext>
+            </a:extLst>
+          </p:cNvPr>
+          <p:cNvPicPr>
+            <a:picLocks noChangeAspect="1"/>
+          </p:cNvPicPr>
+          <p:nvPr/>
+        </p:nvPicPr>
+        <p:blipFill>
+          <a:blip r:embed="rId3">
+            <a:extLst>
+              <a:ext uri="{96DAC541-7B7A-43D3-8B79-37D633B846F1}">
+                <asvg:svgBlip xmlns:asvg="http://schemas.microsoft.com/office/drawing/2016/SVG/main" r:embed="rId4"/>
+              </a:ext>
+            </a:extLst>
+          </a:blip>
+          <a:stretch>
+            <a:fillRect/>
+          </a:stretch>
+        </p:blipFill>
+        <p:spPr>
+          <a:xfrm>
+            <a:off x="6019799" y="1032778"/>
+            <a:ext cx="1038225" cy="1038225"/>
+          </a:xfrm>
+          <a:prstGeom prst="rect">
+            <a:avLst/>
+          </a:prstGeom>
+        </p:spPr>
+      </p:pic>
+      <p:pic>
+        <p:nvPicPr>
+          <p:cNvPr id="7" name="Elemento grafico 6" descr="Cronometro contorno">
+            <a:extLst>
+              <a:ext uri="{FF2B5EF4-FFF2-40B4-BE49-F238E27FC236}">
+                <a16:creationId xmlns:a16="http://schemas.microsoft.com/office/drawing/2014/main" id="{763F3866-E47B-42F7-818C-DE472F130C66}"/>
+              </a:ext>
+            </a:extLst>
+          </p:cNvPr>
+          <p:cNvPicPr>
+            <a:picLocks noChangeAspect="1"/>
+          </p:cNvPicPr>
+          <p:nvPr/>
+        </p:nvPicPr>
+        <p:blipFill>
+          <a:blip r:embed="rId5">
+            <a:extLst>
+              <a:ext uri="{96DAC541-7B7A-43D3-8B79-37D633B846F1}">
+                <asvg:svgBlip xmlns:asvg="http://schemas.microsoft.com/office/drawing/2016/SVG/main" r:embed="rId6"/>
+              </a:ext>
+            </a:extLst>
+          </a:blip>
+          <a:stretch>
+            <a:fillRect/>
+          </a:stretch>
+        </p:blipFill>
+        <p:spPr>
+          <a:xfrm>
+            <a:off x="4238625" y="3763134"/>
+            <a:ext cx="1092381" cy="1092381"/>
+          </a:xfrm>
+          <a:prstGeom prst="rect">
+            <a:avLst/>
+          </a:prstGeom>
+        </p:spPr>
+      </p:pic>
+      <p:pic>
+        <p:nvPicPr>
+          <p:cNvPr id="9" name="Elemento grafico 8" descr="Auto elettrica contorno">
+            <a:extLst>
+              <a:ext uri="{FF2B5EF4-FFF2-40B4-BE49-F238E27FC236}">
+                <a16:creationId xmlns:a16="http://schemas.microsoft.com/office/drawing/2014/main" id="{E8D2C194-FA4A-7A10-8309-A1CBCDFB6814}"/>
+              </a:ext>
+            </a:extLst>
+          </p:cNvPr>
+          <p:cNvPicPr>
+            <a:picLocks noChangeAspect="1"/>
+          </p:cNvPicPr>
+          <p:nvPr/>
+        </p:nvPicPr>
+        <p:blipFill>
+          <a:blip r:embed="rId7">
+            <a:extLst>
+              <a:ext uri="{96DAC541-7B7A-43D3-8B79-37D633B846F1}">
+                <asvg:svgBlip xmlns:asvg="http://schemas.microsoft.com/office/drawing/2016/SVG/main" r:embed="rId8"/>
+              </a:ext>
+            </a:extLst>
+          </a:blip>
+          <a:stretch>
+            <a:fillRect/>
+          </a:stretch>
+        </p:blipFill>
+        <p:spPr>
+          <a:xfrm>
+            <a:off x="7369356" y="3402840"/>
+            <a:ext cx="1219200" cy="1219200"/>
+          </a:xfrm>
+          <a:prstGeom prst="rect">
+            <a:avLst/>
+          </a:prstGeom>
+        </p:spPr>
+      </p:pic>
     </p:spTree>
     <p:extLst>
       <p:ext uri="{BB962C8B-B14F-4D97-AF65-F5344CB8AC3E}">
@@ -19138,8 +22151,8 @@
             </p:nvSpPr>
             <p:spPr>
               <a:xfrm>
-                <a:off x="451176" y="1542787"/>
-                <a:ext cx="4200338" cy="3480281"/>
+                <a:off x="451175" y="1552049"/>
+                <a:ext cx="4200338" cy="3244319"/>
               </a:xfrm>
               <a:prstGeom prst="rect">
                 <a:avLst/>
@@ -19157,7 +22170,7 @@
               <a:p>
                 <a:pPr marL="0" lvl="0" indent="0" algn="l" rtl="0">
                   <a:spcBef>
-                    <a:spcPts val="0"/>
+                    <a:spcPts val="400"/>
                   </a:spcBef>
                   <a:spcAft>
                     <a:spcPts val="0"/>
@@ -19186,7 +22199,7 @@
               <a:p>
                 <a:pPr marL="0" lvl="0" indent="0" algn="l" rtl="0">
                   <a:spcBef>
-                    <a:spcPts val="0"/>
+                    <a:spcPts val="400"/>
                   </a:spcBef>
                   <a:spcAft>
                     <a:spcPts val="0"/>
@@ -19304,6 +22317,11 @@
                 </a:r>
               </a:p>
               <a:p>
+                <a:pPr>
+                  <a:spcBef>
+                    <a:spcPts val="400"/>
+                  </a:spcBef>
+                </a:pPr>
                 <a14:m>
                   <m:oMath xmlns:m="http://schemas.openxmlformats.org/officeDocument/2006/math">
                     <m:sSub>
@@ -19406,6 +22424,11 @@
                 </a:r>
               </a:p>
               <a:p>
+                <a:pPr>
+                  <a:spcBef>
+                    <a:spcPts val="400"/>
+                  </a:spcBef>
+                </a:pPr>
                 <a14:m>
                   <m:oMath xmlns:m="http://schemas.openxmlformats.org/officeDocument/2006/math">
                     <m:sSub>
@@ -19517,6 +22540,11 @@
                 </a:endParaRPr>
               </a:p>
               <a:p>
+                <a:pPr>
+                  <a:spcBef>
+                    <a:spcPts val="400"/>
+                  </a:spcBef>
+                </a:pPr>
                 <a14:m>
                   <m:oMath xmlns:m="http://schemas.openxmlformats.org/officeDocument/2006/math">
                     <m:sSubSup>
@@ -19665,6 +22693,11 @@
                 </a:endParaRPr>
               </a:p>
               <a:p>
+                <a:pPr>
+                  <a:spcBef>
+                    <a:spcPts val="400"/>
+                  </a:spcBef>
+                </a:pPr>
                 <a14:m>
                   <m:oMath xmlns:m="http://schemas.openxmlformats.org/officeDocument/2006/math">
                     <m:sSubSup>
@@ -19813,6 +22846,11 @@
                 </a:endParaRPr>
               </a:p>
               <a:p>
+                <a:pPr>
+                  <a:spcBef>
+                    <a:spcPts val="400"/>
+                  </a:spcBef>
+                </a:pPr>
                 <a14:m>
                   <m:oMath xmlns:m="http://schemas.openxmlformats.org/officeDocument/2006/math">
                     <m:sSubSup>
@@ -19961,6 +22999,11 @@
                 </a:endParaRPr>
               </a:p>
               <a:p>
+                <a:pPr>
+                  <a:spcBef>
+                    <a:spcPts val="400"/>
+                  </a:spcBef>
+                </a:pPr>
                 <a14:m>
                   <m:oMath xmlns:m="http://schemas.openxmlformats.org/officeDocument/2006/math">
                     <m:sSubSup>
@@ -20130,139 +23173,6 @@
                   <a:sym typeface="Times New Roman"/>
                 </a:endParaRPr>
               </a:p>
-              <a:p>
-                <a14:m>
-                  <m:oMath xmlns:m="http://schemas.openxmlformats.org/officeDocument/2006/math">
-                    <m:sSubSup>
-                      <m:sSubSupPr>
-                        <m:ctrlPr>
-                          <a:rPr lang="it" i="1" smtClean="0">
-                            <a:latin typeface="Cambria Math" panose="02040503050406030204" pitchFamily="18" charset="0"/>
-                            <a:ea typeface="Cambria Math" panose="02040503050406030204" pitchFamily="18" charset="0"/>
-                            <a:cs typeface="Times New Roman"/>
-                            <a:sym typeface="Times New Roman"/>
-                          </a:rPr>
-                        </m:ctrlPr>
-                      </m:sSubSupPr>
-                      <m:e>
-                        <m:r>
-                          <a:rPr lang="it" i="1" smtClean="0">
-                            <a:latin typeface="Cambria Math" panose="02040503050406030204" pitchFamily="18" charset="0"/>
-                            <a:ea typeface="Cambria Math" panose="02040503050406030204" pitchFamily="18" charset="0"/>
-                            <a:cs typeface="Times New Roman"/>
-                            <a:sym typeface="Times New Roman"/>
-                          </a:rPr>
-                          <m:t>𝛼</m:t>
-                        </m:r>
-                      </m:e>
-                      <m:sub>
-                        <m:r>
-                          <a:rPr lang="it-IT" b="0" i="1" smtClean="0">
-                            <a:latin typeface="Cambria Math" panose="02040503050406030204" pitchFamily="18" charset="0"/>
-                            <a:ea typeface="Cambria Math" panose="02040503050406030204" pitchFamily="18" charset="0"/>
-                            <a:cs typeface="Times New Roman"/>
-                            <a:sym typeface="Times New Roman"/>
-                          </a:rPr>
-                          <m:t>𝑎</m:t>
-                        </m:r>
-                      </m:sub>
-                      <m:sup>
-                        <m:r>
-                          <a:rPr lang="it-IT" b="0" i="1" smtClean="0">
-                            <a:latin typeface="Cambria Math" panose="02040503050406030204" pitchFamily="18" charset="0"/>
-                            <a:ea typeface="Cambria Math" panose="02040503050406030204" pitchFamily="18" charset="0"/>
-                            <a:cs typeface="Times New Roman"/>
-                            <a:sym typeface="Times New Roman"/>
-                          </a:rPr>
-                          <m:t>𝑚</m:t>
-                        </m:r>
-                      </m:sup>
-                    </m:sSubSup>
-                    <m:d>
-                      <m:dPr>
-                        <m:ctrlPr>
-                          <a:rPr lang="it-IT" b="0" i="1" smtClean="0">
-                            <a:latin typeface="Cambria Math" panose="02040503050406030204" pitchFamily="18" charset="0"/>
-                            <a:cs typeface="Times New Roman"/>
-                            <a:sym typeface="Times New Roman"/>
-                          </a:rPr>
-                        </m:ctrlPr>
-                      </m:dPr>
-                      <m:e>
-                        <m:r>
-                          <a:rPr lang="it-IT" b="0" i="1" smtClean="0">
-                            <a:latin typeface="Cambria Math" panose="02040503050406030204" pitchFamily="18" charset="0"/>
-                            <a:cs typeface="Times New Roman"/>
-                            <a:sym typeface="Times New Roman"/>
-                          </a:rPr>
-                          <m:t>𝑖</m:t>
-                        </m:r>
-                      </m:e>
-                    </m:d>
-                    <m:r>
-                      <a:rPr lang="it-IT" b="0" i="1" smtClean="0">
-                        <a:latin typeface="Cambria Math" panose="02040503050406030204" pitchFamily="18" charset="0"/>
-                        <a:cs typeface="Times New Roman"/>
-                        <a:sym typeface="Times New Roman"/>
-                      </a:rPr>
-                      <m:t>=</m:t>
-                    </m:r>
-                  </m:oMath>
-                </a14:m>
-                <a:r>
-                  <a:rPr lang="it" dirty="0">
-                    <a:latin typeface="Times New Roman"/>
-                    <a:ea typeface="Times New Roman"/>
-                    <a:cs typeface="Times New Roman"/>
-                    <a:sym typeface="Times New Roman"/>
-                  </a:rPr>
-                  <a:t> aggregate link-based share factor of vehicles of class </a:t>
-                </a:r>
-                <a14:m>
-                  <m:oMath xmlns:m="http://schemas.openxmlformats.org/officeDocument/2006/math">
-                    <m:r>
-                      <a:rPr lang="it" i="1" dirty="0" smtClean="0">
-                        <a:latin typeface="Cambria Math" panose="02040503050406030204" pitchFamily="18" charset="0"/>
-                        <a:ea typeface="Times New Roman"/>
-                        <a:cs typeface="Times New Roman"/>
-                        <a:sym typeface="Times New Roman"/>
-                      </a:rPr>
-                      <m:t>𝑚</m:t>
-                    </m:r>
-                  </m:oMath>
-                </a14:m>
-                <a:r>
-                  <a:rPr lang="it" dirty="0">
-                    <a:latin typeface="Times New Roman"/>
-                    <a:ea typeface="Times New Roman"/>
-                    <a:cs typeface="Times New Roman"/>
-                    <a:sym typeface="Times New Roman"/>
-                  </a:rPr>
-                  <a:t> at time </a:t>
-                </a:r>
-                <a14:m>
-                  <m:oMath xmlns:m="http://schemas.openxmlformats.org/officeDocument/2006/math">
-                    <m:r>
-                      <a:rPr lang="it" i="1" dirty="0" smtClean="0">
-                        <a:latin typeface="Cambria Math" panose="02040503050406030204" pitchFamily="18" charset="0"/>
-                        <a:ea typeface="Times New Roman"/>
-                        <a:cs typeface="Times New Roman"/>
-                        <a:sym typeface="Times New Roman"/>
-                      </a:rPr>
-                      <m:t>𝑖</m:t>
-                    </m:r>
-                  </m:oMath>
-                </a14:m>
-                <a:r>
-                  <a:rPr lang="it" dirty="0">
-                    <a:latin typeface="Times New Roman"/>
-                    <a:ea typeface="Times New Roman"/>
-                    <a:cs typeface="Times New Roman"/>
-                    <a:sym typeface="Times New Roman"/>
-                  </a:rPr>
-                  <a:t> (LORO MANCO USANO IL TEMPO)</a:t>
-                </a:r>
-              </a:p>
             </p:txBody>
           </p:sp>
         </mc:Choice>
@@ -20283,8 +23193,8 @@
             </p:nvSpPr>
             <p:spPr>
               <a:xfrm>
-                <a:off x="451176" y="1542787"/>
-                <a:ext cx="4200338" cy="3480281"/>
+                <a:off x="451175" y="1552049"/>
+                <a:ext cx="4200338" cy="3244319"/>
               </a:xfrm>
               <a:prstGeom prst="rect">
                 <a:avLst/>
@@ -20331,7 +23241,7 @@
             <p:spPr>
               <a:xfrm>
                 <a:off x="5401914" y="1542787"/>
-                <a:ext cx="3062817" cy="3016180"/>
+                <a:ext cx="3062817" cy="4128408"/>
               </a:xfrm>
               <a:prstGeom prst="rect">
                 <a:avLst/>
@@ -20347,14 +23257,10 @@
               </a:bodyPr>
               <a:lstStyle/>
               <a:p>
-                <a:pPr marL="0" lvl="0" indent="0" rtl="0">
+                <a:pPr>
                   <a:spcBef>
-                    <a:spcPts val="0"/>
+                    <a:spcPts val="400"/>
                   </a:spcBef>
-                  <a:spcAft>
-                    <a:spcPts val="0"/>
-                  </a:spcAft>
-                  <a:buNone/>
                 </a:pPr>
                 <a:r>
                   <a:rPr lang="it" sz="1600" u="sng" dirty="0">
@@ -20374,8 +23280,142 @@
                   </a:rPr>
                   <a:t>:</a:t>
                 </a:r>
+                <a:endParaRPr lang="it" sz="1600" dirty="0">
+                  <a:solidFill>
+                    <a:schemeClr val="accent1">
+                      <a:lumMod val="60000"/>
+                      <a:lumOff val="40000"/>
+                    </a:schemeClr>
+                  </a:solidFill>
+                  <a:latin typeface="Times New Roman"/>
+                  <a:ea typeface="Times New Roman"/>
+                  <a:cs typeface="Times New Roman"/>
+                  <a:sym typeface="Times New Roman"/>
+                </a:endParaRPr>
               </a:p>
               <a:p>
+                <a:pPr>
+                  <a:spcBef>
+                    <a:spcPts val="400"/>
+                  </a:spcBef>
+                </a:pPr>
+                <a14:m>
+                  <m:oMath xmlns:m="http://schemas.openxmlformats.org/officeDocument/2006/math">
+                    <m:r>
+                      <a:rPr lang="it-IT" i="1">
+                        <a:latin typeface="Cambria Math" panose="02040503050406030204" pitchFamily="18" charset="0"/>
+                        <a:cs typeface="Times New Roman"/>
+                        <a:sym typeface="Times New Roman"/>
+                      </a:rPr>
+                      <m:t>𝐼</m:t>
+                    </m:r>
+                    <m:r>
+                      <a:rPr lang="it-IT" i="1">
+                        <a:latin typeface="Cambria Math" panose="02040503050406030204" pitchFamily="18" charset="0"/>
+                        <a:cs typeface="Times New Roman"/>
+                        <a:sym typeface="Times New Roman"/>
+                      </a:rPr>
+                      <m:t>=</m:t>
+                    </m:r>
+                  </m:oMath>
+                </a14:m>
+                <a:r>
+                  <a:rPr lang="it" dirty="0">
+                    <a:latin typeface="Times New Roman"/>
+                    <a:ea typeface="Times New Roman"/>
+                    <a:cs typeface="Times New Roman"/>
+                    <a:sym typeface="Times New Roman"/>
+                  </a:rPr>
+                  <a:t> budget</a:t>
+                </a:r>
+              </a:p>
+              <a:p>
+                <a:pPr>
+                  <a:spcBef>
+                    <a:spcPts val="400"/>
+                  </a:spcBef>
+                </a:pPr>
+                <a14:m>
+                  <m:oMath xmlns:m="http://schemas.openxmlformats.org/officeDocument/2006/math">
+                    <m:sSup>
+                      <m:sSupPr>
+                        <m:ctrlPr>
+                          <a:rPr lang="it" i="1" smtClean="0">
+                            <a:latin typeface="Cambria Math" panose="02040503050406030204" pitchFamily="18" charset="0"/>
+                            <a:cs typeface="Times New Roman"/>
+                            <a:sym typeface="Times New Roman"/>
+                          </a:rPr>
+                        </m:ctrlPr>
+                      </m:sSupPr>
+                      <m:e>
+                        <m:r>
+                          <a:rPr lang="it-IT" b="0" i="1" smtClean="0">
+                            <a:latin typeface="Cambria Math" panose="02040503050406030204" pitchFamily="18" charset="0"/>
+                            <a:cs typeface="Times New Roman"/>
+                            <a:sym typeface="Times New Roman"/>
+                          </a:rPr>
+                          <m:t>𝐷</m:t>
+                        </m:r>
+                      </m:e>
+                      <m:sup>
+                        <m:r>
+                          <a:rPr lang="it-IT" b="0" i="1" smtClean="0">
+                            <a:latin typeface="Cambria Math" panose="02040503050406030204" pitchFamily="18" charset="0"/>
+                            <a:cs typeface="Times New Roman"/>
+                            <a:sym typeface="Times New Roman"/>
+                          </a:rPr>
+                          <m:t>𝑚</m:t>
+                        </m:r>
+                      </m:sup>
+                    </m:sSup>
+                    <m:r>
+                      <a:rPr lang="it-IT" b="0" i="1" smtClean="0">
+                        <a:latin typeface="Cambria Math" panose="02040503050406030204" pitchFamily="18" charset="0"/>
+                        <a:cs typeface="Times New Roman"/>
+                        <a:sym typeface="Times New Roman"/>
+                      </a:rPr>
+                      <m:t>=</m:t>
+                    </m:r>
+                  </m:oMath>
+                </a14:m>
+                <a:r>
+                  <a:rPr lang="it" dirty="0">
+                    <a:latin typeface="Times New Roman"/>
+                    <a:ea typeface="Times New Roman"/>
+                    <a:cs typeface="Times New Roman"/>
+                    <a:sym typeface="Times New Roman"/>
+                  </a:rPr>
+                  <a:t> demand rate of vehicles of class </a:t>
+                </a:r>
+                <a14:m>
+                  <m:oMath xmlns:m="http://schemas.openxmlformats.org/officeDocument/2006/math">
+                    <m:r>
+                      <a:rPr lang="it" i="1" dirty="0">
+                        <a:latin typeface="Cambria Math" panose="02040503050406030204" pitchFamily="18" charset="0"/>
+                        <a:ea typeface="Times New Roman"/>
+                        <a:cs typeface="Times New Roman"/>
+                        <a:sym typeface="Times New Roman"/>
+                      </a:rPr>
+                      <m:t>𝑚</m:t>
+                    </m:r>
+                  </m:oMath>
+                </a14:m>
+                <a:r>
+                  <a:rPr lang="it" dirty="0">
+                    <a:latin typeface="Times New Roman"/>
+                    <a:ea typeface="Times New Roman"/>
+                    <a:cs typeface="Times New Roman"/>
+                    <a:sym typeface="Times New Roman"/>
+                  </a:rPr>
+                  <a:t> (vehicles/timestep)</a:t>
+                </a:r>
+              </a:p>
+              <a:p>
+                <a:pPr>
+                  <a:spcBef>
+                    <a:spcPts val="400"/>
+                  </a:spcBef>
+                </a:pPr>
                 <a14:m>
                   <m:oMath xmlns:m="http://schemas.openxmlformats.org/officeDocument/2006/math">
                     <m:sSub>
@@ -20436,6 +23476,11 @@
                 </a:endParaRPr>
               </a:p>
               <a:p>
+                <a:pPr>
+                  <a:spcBef>
+                    <a:spcPts val="400"/>
+                  </a:spcBef>
+                </a:pPr>
                 <a14:m>
                   <m:oMath xmlns:m="http://schemas.openxmlformats.org/officeDocument/2006/math">
                     <m:sSub>
@@ -20490,6 +23535,11 @@
                 </a:r>
               </a:p>
               <a:p>
+                <a:pPr>
+                  <a:spcBef>
+                    <a:spcPts val="400"/>
+                  </a:spcBef>
+                </a:pPr>
                 <a14:m>
                   <m:oMath xmlns:m="http://schemas.openxmlformats.org/officeDocument/2006/math">
                     <m:sSub>
@@ -20544,12 +23594,23 @@
                 </a:r>
               </a:p>
               <a:p>
+                <a:pPr>
+                  <a:spcBef>
+                    <a:spcPts val="400"/>
+                  </a:spcBef>
+                </a:pPr>
                 <a14:m>
                   <m:oMath xmlns:m="http://schemas.openxmlformats.org/officeDocument/2006/math">
                     <m:sSub>
                       <m:sSubPr>
                         <m:ctrlPr>
                           <a:rPr lang="it" i="1" smtClean="0">
+                            <a:solidFill>
+                              <a:schemeClr val="accent1">
+                                <a:lumMod val="60000"/>
+                                <a:lumOff val="40000"/>
+                              </a:schemeClr>
+                            </a:solidFill>
                             <a:latin typeface="Cambria Math" panose="02040503050406030204" pitchFamily="18" charset="0"/>
                             <a:cs typeface="Times New Roman"/>
                             <a:sym typeface="Times New Roman"/>
@@ -20559,6 +23620,12 @@
                       <m:e>
                         <m:r>
                           <a:rPr lang="it-IT" b="0" i="1" smtClean="0">
+                            <a:solidFill>
+                              <a:schemeClr val="accent1">
+                                <a:lumMod val="60000"/>
+                                <a:lumOff val="40000"/>
+                              </a:schemeClr>
+                            </a:solidFill>
                             <a:latin typeface="Cambria Math" panose="02040503050406030204" pitchFamily="18" charset="0"/>
                             <a:cs typeface="Times New Roman"/>
                             <a:sym typeface="Times New Roman"/>
@@ -20569,6 +23636,12 @@
                       <m:sub>
                         <m:r>
                           <a:rPr lang="it-IT" b="0" i="1" smtClean="0">
+                            <a:solidFill>
+                              <a:schemeClr val="accent1">
+                                <a:lumMod val="60000"/>
+                                <a:lumOff val="40000"/>
+                              </a:schemeClr>
+                            </a:solidFill>
                             <a:latin typeface="Cambria Math" panose="02040503050406030204" pitchFamily="18" charset="0"/>
                             <a:cs typeface="Times New Roman"/>
                             <a:sym typeface="Times New Roman"/>
@@ -20579,6 +23652,306 @@
                     </m:sSub>
                     <m:r>
                       <a:rPr lang="it-IT" b="0" i="1" smtClean="0">
+                        <a:solidFill>
+                          <a:schemeClr val="accent1">
+                            <a:lumMod val="60000"/>
+                            <a:lumOff val="40000"/>
+                          </a:schemeClr>
+                        </a:solidFill>
+                        <a:latin typeface="Cambria Math" panose="02040503050406030204" pitchFamily="18" charset="0"/>
+                        <a:cs typeface="Times New Roman"/>
+                        <a:sym typeface="Times New Roman"/>
+                      </a:rPr>
+                      <m:t>=</m:t>
+                    </m:r>
+                    <m:f>
+                      <m:fPr>
+                        <m:ctrlPr>
+                          <a:rPr lang="it-IT" b="0" i="1" smtClean="0">
+                            <a:solidFill>
+                              <a:schemeClr val="accent1">
+                                <a:lumMod val="60000"/>
+                                <a:lumOff val="40000"/>
+                              </a:schemeClr>
+                            </a:solidFill>
+                            <a:latin typeface="Cambria Math" panose="02040503050406030204" pitchFamily="18" charset="0"/>
+                            <a:cs typeface="Times New Roman"/>
+                            <a:sym typeface="Times New Roman"/>
+                          </a:rPr>
+                        </m:ctrlPr>
+                      </m:fPr>
+                      <m:num>
+                        <m:sSub>
+                          <m:sSubPr>
+                            <m:ctrlPr>
+                              <a:rPr lang="it-IT" b="0" i="1" smtClean="0">
+                                <a:solidFill>
+                                  <a:schemeClr val="accent1">
+                                    <a:lumMod val="60000"/>
+                                    <a:lumOff val="40000"/>
+                                  </a:schemeClr>
+                                </a:solidFill>
+                                <a:latin typeface="Cambria Math" panose="02040503050406030204" pitchFamily="18" charset="0"/>
+                                <a:cs typeface="Times New Roman"/>
+                                <a:sym typeface="Times New Roman"/>
+                              </a:rPr>
+                            </m:ctrlPr>
+                          </m:sSubPr>
+                          <m:e>
+                            <m:r>
+                              <a:rPr lang="it-IT" b="0" i="1" smtClean="0">
+                                <a:solidFill>
+                                  <a:schemeClr val="accent1">
+                                    <a:lumMod val="60000"/>
+                                    <a:lumOff val="40000"/>
+                                  </a:schemeClr>
+                                </a:solidFill>
+                                <a:latin typeface="Cambria Math" panose="02040503050406030204" pitchFamily="18" charset="0"/>
+                                <a:cs typeface="Times New Roman"/>
+                                <a:sym typeface="Times New Roman"/>
+                              </a:rPr>
+                              <m:t>𝐾</m:t>
+                            </m:r>
+                          </m:e>
+                          <m:sub>
+                            <m:r>
+                              <a:rPr lang="it-IT" b="0" i="1" smtClean="0">
+                                <a:solidFill>
+                                  <a:schemeClr val="accent1">
+                                    <a:lumMod val="60000"/>
+                                    <a:lumOff val="40000"/>
+                                  </a:schemeClr>
+                                </a:solidFill>
+                                <a:latin typeface="Cambria Math" panose="02040503050406030204" pitchFamily="18" charset="0"/>
+                                <a:cs typeface="Times New Roman"/>
+                                <a:sym typeface="Times New Roman"/>
+                              </a:rPr>
+                              <m:t>𝑎</m:t>
+                            </m:r>
+                          </m:sub>
+                        </m:sSub>
+                        <m:sSub>
+                          <m:sSubPr>
+                            <m:ctrlPr>
+                              <a:rPr lang="it-IT" b="0" i="1" smtClean="0">
+                                <a:solidFill>
+                                  <a:schemeClr val="accent1">
+                                    <a:lumMod val="60000"/>
+                                    <a:lumOff val="40000"/>
+                                  </a:schemeClr>
+                                </a:solidFill>
+                                <a:latin typeface="Cambria Math" panose="02040503050406030204" pitchFamily="18" charset="0"/>
+                                <a:cs typeface="Times New Roman"/>
+                                <a:sym typeface="Times New Roman"/>
+                              </a:rPr>
+                            </m:ctrlPr>
+                          </m:sSubPr>
+                          <m:e>
+                            <m:r>
+                              <a:rPr lang="it-IT" b="0" i="1" smtClean="0">
+                                <a:solidFill>
+                                  <a:schemeClr val="accent1">
+                                    <a:lumMod val="60000"/>
+                                    <a:lumOff val="40000"/>
+                                  </a:schemeClr>
+                                </a:solidFill>
+                                <a:latin typeface="Cambria Math" panose="02040503050406030204" pitchFamily="18" charset="0"/>
+                                <a:cs typeface="Times New Roman"/>
+                                <a:sym typeface="Times New Roman"/>
+                              </a:rPr>
+                              <m:t>𝑉</m:t>
+                            </m:r>
+                          </m:e>
+                          <m:sub>
+                            <m:r>
+                              <a:rPr lang="it-IT" b="0" i="1" smtClean="0">
+                                <a:solidFill>
+                                  <a:schemeClr val="accent1">
+                                    <a:lumMod val="60000"/>
+                                    <a:lumOff val="40000"/>
+                                  </a:schemeClr>
+                                </a:solidFill>
+                                <a:latin typeface="Cambria Math" panose="02040503050406030204" pitchFamily="18" charset="0"/>
+                                <a:cs typeface="Times New Roman"/>
+                                <a:sym typeface="Times New Roman"/>
+                              </a:rPr>
+                              <m:t>𝑎</m:t>
+                            </m:r>
+                          </m:sub>
+                        </m:sSub>
+                        <m:sSub>
+                          <m:sSubPr>
+                            <m:ctrlPr>
+                              <a:rPr lang="it-IT" b="0" i="1" smtClean="0">
+                                <a:solidFill>
+                                  <a:schemeClr val="accent1">
+                                    <a:lumMod val="60000"/>
+                                    <a:lumOff val="40000"/>
+                                  </a:schemeClr>
+                                </a:solidFill>
+                                <a:latin typeface="Cambria Math" panose="02040503050406030204" pitchFamily="18" charset="0"/>
+                                <a:cs typeface="Times New Roman"/>
+                                <a:sym typeface="Times New Roman"/>
+                              </a:rPr>
+                            </m:ctrlPr>
+                          </m:sSubPr>
+                          <m:e>
+                            <m:r>
+                              <a:rPr lang="it-IT" b="0" i="1" smtClean="0">
+                                <a:solidFill>
+                                  <a:schemeClr val="accent1">
+                                    <a:lumMod val="60000"/>
+                                    <a:lumOff val="40000"/>
+                                  </a:schemeClr>
+                                </a:solidFill>
+                                <a:latin typeface="Cambria Math" panose="02040503050406030204" pitchFamily="18" charset="0"/>
+                                <a:cs typeface="Times New Roman"/>
+                                <a:sym typeface="Times New Roman"/>
+                              </a:rPr>
+                              <m:t>𝑊</m:t>
+                            </m:r>
+                          </m:e>
+                          <m:sub>
+                            <m:r>
+                              <a:rPr lang="it-IT" b="0" i="1" smtClean="0">
+                                <a:solidFill>
+                                  <a:schemeClr val="accent1">
+                                    <a:lumMod val="60000"/>
+                                    <a:lumOff val="40000"/>
+                                  </a:schemeClr>
+                                </a:solidFill>
+                                <a:latin typeface="Cambria Math" panose="02040503050406030204" pitchFamily="18" charset="0"/>
+                                <a:cs typeface="Times New Roman"/>
+                                <a:sym typeface="Times New Roman"/>
+                              </a:rPr>
+                              <m:t>𝑎</m:t>
+                            </m:r>
+                          </m:sub>
+                        </m:sSub>
+                      </m:num>
+                      <m:den>
+                        <m:sSub>
+                          <m:sSubPr>
+                            <m:ctrlPr>
+                              <a:rPr lang="it-IT" b="0" i="1" smtClean="0">
+                                <a:solidFill>
+                                  <a:schemeClr val="accent1">
+                                    <a:lumMod val="60000"/>
+                                    <a:lumOff val="40000"/>
+                                  </a:schemeClr>
+                                </a:solidFill>
+                                <a:latin typeface="Cambria Math" panose="02040503050406030204" pitchFamily="18" charset="0"/>
+                                <a:cs typeface="Times New Roman"/>
+                                <a:sym typeface="Times New Roman"/>
+                              </a:rPr>
+                            </m:ctrlPr>
+                          </m:sSubPr>
+                          <m:e>
+                            <m:r>
+                              <a:rPr lang="it-IT" b="0" i="1" smtClean="0">
+                                <a:solidFill>
+                                  <a:schemeClr val="accent1">
+                                    <a:lumMod val="60000"/>
+                                    <a:lumOff val="40000"/>
+                                  </a:schemeClr>
+                                </a:solidFill>
+                                <a:latin typeface="Cambria Math" panose="02040503050406030204" pitchFamily="18" charset="0"/>
+                                <a:cs typeface="Times New Roman"/>
+                                <a:sym typeface="Times New Roman"/>
+                              </a:rPr>
+                              <m:t>𝑉</m:t>
+                            </m:r>
+                          </m:e>
+                          <m:sub>
+                            <m:r>
+                              <a:rPr lang="it-IT" b="0" i="1" smtClean="0">
+                                <a:solidFill>
+                                  <a:schemeClr val="accent1">
+                                    <a:lumMod val="60000"/>
+                                    <a:lumOff val="40000"/>
+                                  </a:schemeClr>
+                                </a:solidFill>
+                                <a:latin typeface="Cambria Math" panose="02040503050406030204" pitchFamily="18" charset="0"/>
+                                <a:cs typeface="Times New Roman"/>
+                                <a:sym typeface="Times New Roman"/>
+                              </a:rPr>
+                              <m:t>𝑎</m:t>
+                            </m:r>
+                          </m:sub>
+                        </m:sSub>
+                        <m:r>
+                          <a:rPr lang="it-IT" b="0" i="1" smtClean="0">
+                            <a:solidFill>
+                              <a:schemeClr val="accent1">
+                                <a:lumMod val="60000"/>
+                                <a:lumOff val="40000"/>
+                              </a:schemeClr>
+                            </a:solidFill>
+                            <a:latin typeface="Cambria Math" panose="02040503050406030204" pitchFamily="18" charset="0"/>
+                            <a:cs typeface="Times New Roman"/>
+                            <a:sym typeface="Times New Roman"/>
+                          </a:rPr>
+                          <m:t>+</m:t>
+                        </m:r>
+                        <m:sSub>
+                          <m:sSubPr>
+                            <m:ctrlPr>
+                              <a:rPr lang="it-IT" b="0" i="1" smtClean="0">
+                                <a:solidFill>
+                                  <a:schemeClr val="accent1">
+                                    <a:lumMod val="60000"/>
+                                    <a:lumOff val="40000"/>
+                                  </a:schemeClr>
+                                </a:solidFill>
+                                <a:latin typeface="Cambria Math" panose="02040503050406030204" pitchFamily="18" charset="0"/>
+                                <a:cs typeface="Times New Roman"/>
+                                <a:sym typeface="Times New Roman"/>
+                              </a:rPr>
+                            </m:ctrlPr>
+                          </m:sSubPr>
+                          <m:e>
+                            <m:r>
+                              <a:rPr lang="it-IT" b="0" i="1" smtClean="0">
+                                <a:solidFill>
+                                  <a:schemeClr val="accent1">
+                                    <a:lumMod val="60000"/>
+                                    <a:lumOff val="40000"/>
+                                  </a:schemeClr>
+                                </a:solidFill>
+                                <a:latin typeface="Cambria Math" panose="02040503050406030204" pitchFamily="18" charset="0"/>
+                                <a:cs typeface="Times New Roman"/>
+                                <a:sym typeface="Times New Roman"/>
+                              </a:rPr>
+                              <m:t>𝑊</m:t>
+                            </m:r>
+                          </m:e>
+                          <m:sub>
+                            <m:r>
+                              <a:rPr lang="it-IT" b="0" i="1" smtClean="0">
+                                <a:solidFill>
+                                  <a:schemeClr val="accent1">
+                                    <a:lumMod val="60000"/>
+                                    <a:lumOff val="40000"/>
+                                  </a:schemeClr>
+                                </a:solidFill>
+                                <a:latin typeface="Cambria Math" panose="02040503050406030204" pitchFamily="18" charset="0"/>
+                                <a:cs typeface="Times New Roman"/>
+                                <a:sym typeface="Times New Roman"/>
+                              </a:rPr>
+                              <m:t>𝑎</m:t>
+                            </m:r>
+                          </m:sub>
+                        </m:sSub>
+                      </m:den>
+                    </m:f>
+                    <m:r>
+                      <a:rPr lang="it-IT" b="0" i="1" smtClean="0">
+                        <a:solidFill>
+                          <a:schemeClr val="accent1">
+                            <a:lumMod val="60000"/>
+                            <a:lumOff val="40000"/>
+                          </a:schemeClr>
+                        </a:solidFill>
                         <a:latin typeface="Cambria Math" panose="02040503050406030204" pitchFamily="18" charset="0"/>
                         <a:cs typeface="Times New Roman"/>
                         <a:sym typeface="Times New Roman"/>
@@ -20589,6 +23962,12 @@
                 </a14:m>
                 <a:r>
                   <a:rPr lang="it" dirty="0">
+                    <a:solidFill>
+                      <a:schemeClr val="accent1">
+                        <a:lumMod val="60000"/>
+                        <a:lumOff val="40000"/>
+                      </a:schemeClr>
+                    </a:solidFill>
                     <a:latin typeface="Times New Roman"/>
                     <a:ea typeface="Times New Roman"/>
                     <a:cs typeface="Times New Roman"/>
@@ -20598,18 +23977,90 @@
                 </a:r>
               </a:p>
               <a:p>
+                <a:pPr>
+                  <a:spcBef>
+                    <a:spcPts val="400"/>
+                  </a:spcBef>
+                </a:pPr>
                 <a14:m>
                   <m:oMath xmlns:m="http://schemas.openxmlformats.org/officeDocument/2006/math">
+                    <m:sSubSup>
+                      <m:sSubSupPr>
+                        <m:ctrlPr>
+                          <a:rPr lang="it" i="1" smtClean="0">
+                            <a:solidFill>
+                              <a:schemeClr val="accent1">
+                                <a:lumMod val="60000"/>
+                                <a:lumOff val="40000"/>
+                              </a:schemeClr>
+                            </a:solidFill>
+                            <a:latin typeface="Cambria Math" panose="02040503050406030204" pitchFamily="18" charset="0"/>
+                            <a:ea typeface="Cambria Math" panose="02040503050406030204" pitchFamily="18" charset="0"/>
+                            <a:cs typeface="Times New Roman"/>
+                            <a:sym typeface="Times New Roman"/>
+                          </a:rPr>
+                        </m:ctrlPr>
+                      </m:sSubSupPr>
+                      <m:e>
+                        <m:r>
+                          <a:rPr lang="it" i="1" smtClean="0">
+                            <a:solidFill>
+                              <a:schemeClr val="accent1">
+                                <a:lumMod val="60000"/>
+                                <a:lumOff val="40000"/>
+                              </a:schemeClr>
+                            </a:solidFill>
+                            <a:latin typeface="Cambria Math" panose="02040503050406030204" pitchFamily="18" charset="0"/>
+                            <a:ea typeface="Cambria Math" panose="02040503050406030204" pitchFamily="18" charset="0"/>
+                            <a:cs typeface="Times New Roman"/>
+                            <a:sym typeface="Times New Roman"/>
+                          </a:rPr>
+                          <m:t>𝛼</m:t>
+                        </m:r>
+                      </m:e>
+                      <m:sub>
+                        <m:r>
+                          <a:rPr lang="it-IT" b="0" i="1" smtClean="0">
+                            <a:solidFill>
+                              <a:schemeClr val="accent1">
+                                <a:lumMod val="60000"/>
+                                <a:lumOff val="40000"/>
+                              </a:schemeClr>
+                            </a:solidFill>
+                            <a:latin typeface="Cambria Math" panose="02040503050406030204" pitchFamily="18" charset="0"/>
+                            <a:ea typeface="Cambria Math" panose="02040503050406030204" pitchFamily="18" charset="0"/>
+                            <a:cs typeface="Times New Roman"/>
+                            <a:sym typeface="Times New Roman"/>
+                          </a:rPr>
+                          <m:t>𝑎</m:t>
+                        </m:r>
+                      </m:sub>
+                      <m:sup>
+                        <m:r>
+                          <a:rPr lang="it-IT" b="0" i="1" smtClean="0">
+                            <a:solidFill>
+                              <a:schemeClr val="accent1">
+                                <a:lumMod val="60000"/>
+                                <a:lumOff val="40000"/>
+                              </a:schemeClr>
+                            </a:solidFill>
+                            <a:latin typeface="Cambria Math" panose="02040503050406030204" pitchFamily="18" charset="0"/>
+                            <a:ea typeface="Cambria Math" panose="02040503050406030204" pitchFamily="18" charset="0"/>
+                            <a:cs typeface="Times New Roman"/>
+                            <a:sym typeface="Times New Roman"/>
+                          </a:rPr>
+                          <m:t>𝑚</m:t>
+                        </m:r>
+                      </m:sup>
+                    </m:sSubSup>
                     <m:r>
                       <a:rPr lang="it-IT" b="0" i="1" smtClean="0">
-                        <a:latin typeface="Cambria Math" panose="02040503050406030204" pitchFamily="18" charset="0"/>
-                        <a:cs typeface="Times New Roman"/>
-                        <a:sym typeface="Times New Roman"/>
-                      </a:rPr>
-                      <m:t>𝐼</m:t>
-                    </m:r>
-                    <m:r>
-                      <a:rPr lang="it-IT" b="0" i="1" smtClean="0">
+                        <a:solidFill>
+                          <a:schemeClr val="accent1">
+                            <a:lumMod val="60000"/>
+                            <a:lumOff val="40000"/>
+                          </a:schemeClr>
+                        </a:solidFill>
                         <a:latin typeface="Cambria Math" panose="02040503050406030204" pitchFamily="18" charset="0"/>
                         <a:cs typeface="Times New Roman"/>
                         <a:sym typeface="Times New Roman"/>
@@ -20620,15 +24071,51 @@
                 </a14:m>
                 <a:r>
                   <a:rPr lang="it" dirty="0">
+                    <a:solidFill>
+                      <a:schemeClr val="accent1">
+                        <a:lumMod val="60000"/>
+                        <a:lumOff val="40000"/>
+                      </a:schemeClr>
+                    </a:solidFill>
                     <a:latin typeface="Times New Roman"/>
                     <a:ea typeface="Times New Roman"/>
                     <a:cs typeface="Times New Roman"/>
                     <a:sym typeface="Times New Roman"/>
                   </a:rPr>
-                  <a:t> budget</a:t>
+                  <a:t> aggregate link-based share factor of vehicles of class </a:t>
                 </a:r>
+                <a14:m>
+                  <m:oMath xmlns:m="http://schemas.openxmlformats.org/officeDocument/2006/math">
+                    <m:r>
+                      <a:rPr lang="it" i="1" dirty="0" smtClean="0">
+                        <a:solidFill>
+                          <a:schemeClr val="accent1">
+                            <a:lumMod val="60000"/>
+                            <a:lumOff val="40000"/>
+                          </a:schemeClr>
+                        </a:solidFill>
+                        <a:latin typeface="Cambria Math" panose="02040503050406030204" pitchFamily="18" charset="0"/>
+                        <a:ea typeface="Times New Roman"/>
+                        <a:cs typeface="Times New Roman"/>
+                        <a:sym typeface="Times New Roman"/>
+                      </a:rPr>
+                      <m:t>𝑚</m:t>
+                    </m:r>
+                  </m:oMath>
+                </a14:m>
+                <a:endParaRPr lang="it-IT" dirty="0">
+                  <a:latin typeface="Times New Roman"/>
+                  <a:ea typeface="Times New Roman"/>
+                  <a:cs typeface="Times New Roman"/>
+                  <a:sym typeface="Times New Roman"/>
+                </a:endParaRPr>
               </a:p>
               <a:p>
+                <a:pPr>
+                  <a:spcBef>
+                    <a:spcPts val="300"/>
+                  </a:spcBef>
+                </a:pPr>
                 <a:endParaRPr lang="it" dirty="0">
                   <a:latin typeface="Times New Roman"/>
                   <a:ea typeface="Times New Roman"/>
@@ -20637,14 +24124,11 @@
                 </a:endParaRPr>
               </a:p>
               <a:p>
-                <a:endParaRPr lang="it-IT" dirty="0">
-                  <a:latin typeface="Times New Roman"/>
-                  <a:ea typeface="Times New Roman"/>
-                  <a:cs typeface="Times New Roman"/>
-                  <a:sym typeface="Times New Roman"/>
-                </a:endParaRPr>
-              </a:p>
-              <a:p>
+                <a:pPr>
+                  <a:spcBef>
+                    <a:spcPts val="300"/>
+                  </a:spcBef>
+                </a:pPr>
                 <a:endParaRPr lang="it" dirty="0">
                   <a:latin typeface="Times New Roman"/>
                   <a:ea typeface="Times New Roman"/>
@@ -20653,14 +24137,11 @@
                 </a:endParaRPr>
               </a:p>
               <a:p>
-                <a:endParaRPr lang="it" dirty="0">
-                  <a:latin typeface="Times New Roman"/>
-                  <a:ea typeface="Times New Roman"/>
-                  <a:cs typeface="Times New Roman"/>
-                  <a:sym typeface="Times New Roman"/>
-                </a:endParaRPr>
-              </a:p>
-              <a:p>
+                <a:pPr>
+                  <a:spcBef>
+                    <a:spcPts val="300"/>
+                  </a:spcBef>
+                </a:pPr>
                 <a:endParaRPr lang="it" dirty="0">
                   <a:latin typeface="Times New Roman"/>
                   <a:ea typeface="Times New Roman"/>
@@ -20671,7 +24152,7 @@
               <a:p>
                 <a:pPr marL="0" lvl="0" indent="0" rtl="0">
                   <a:spcBef>
-                    <a:spcPts val="0"/>
+                    <a:spcPts val="300"/>
                   </a:spcBef>
                   <a:spcAft>
                     <a:spcPts val="0"/>
@@ -20706,7 +24187,7 @@
             <p:spPr>
               <a:xfrm>
                 <a:off x="5401914" y="1542787"/>
-                <a:ext cx="3062817" cy="3016180"/>
+                <a:ext cx="3062817" cy="4128408"/>
               </a:xfrm>
               <a:prstGeom prst="rect">
                 <a:avLst/>
@@ -20714,7 +24195,7 @@
               <a:blipFill>
                 <a:blip r:embed="rId4"/>
                 <a:stretch>
-                  <a:fillRect l="-1240"/>
+                  <a:fillRect l="-1240" r="-413"/>
                 </a:stretch>
               </a:blipFill>
               <a:ln>
@@ -21947,8 +25428,8 @@
           </p:sp>
         </mc:Fallback>
       </mc:AlternateContent>
-      <mc:AlternateContent xmlns:mc="http://schemas.openxmlformats.org/markup-compatibility/2006">
-        <mc:Choice xmlns:a14="http://schemas.microsoft.com/office/drawing/2010/main" Requires="a14">
+      <mc:AlternateContent xmlns:mc="http://schemas.openxmlformats.org/markup-compatibility/2006" xmlns:a14="http://schemas.microsoft.com/office/drawing/2010/main">
+        <mc:Choice Requires="a14">
           <p:sp>
             <p:nvSpPr>
               <p:cNvPr id="107" name="Google Shape;107;p15">
@@ -22296,7 +25777,7 @@
             </p:txBody>
           </p:sp>
         </mc:Choice>
-        <mc:Fallback>
+        <mc:Fallback xmlns="">
           <p:sp>
             <p:nvSpPr>
               <p:cNvPr id="107" name="Google Shape;107;p15">
@@ -22950,6 +26431,15 @@
 </file>
 
 <file path=customXml/item1.xml><?xml version="1.0" encoding="utf-8"?>
+<?mso-contentType ?>
+<FormTemplates xmlns="http://schemas.microsoft.com/sharepoint/v3/contenttype/forms">
+  <Display>DocumentLibraryForm</Display>
+  <Edit>DocumentLibraryForm</Edit>
+  <New>DocumentLibraryForm</New>
+</FormTemplates>
+</file>
+
+<file path=customXml/item2.xml><?xml version="1.0" encoding="utf-8"?>
 <ct:contentTypeSchema xmlns:ct="http://schemas.microsoft.com/office/2006/metadata/contentType" xmlns:ma="http://schemas.microsoft.com/office/2006/metadata/properties/metaAttributes" ct:_="" ma:_="" ma:contentTypeName="Document" ma:contentTypeID="0x010100FA50B91B52DD3F44B3540B9391848B12" ma:contentTypeVersion="4" ma:contentTypeDescription="Create a new document." ma:contentTypeScope="" ma:versionID="eac2d9bcd0f84db34f62ea62a5d759ed">
   <xsd:schema xmlns:xsd="http://www.w3.org/2001/XMLSchema" xmlns:xs="http://www.w3.org/2001/XMLSchema" xmlns:p="http://schemas.microsoft.com/office/2006/metadata/properties" xmlns:ns2="be087722-f12a-4091-a590-0358dc43a6e8" targetNamespace="http://schemas.microsoft.com/office/2006/metadata/properties" ma:root="true" ma:fieldsID="44606e6baa7569471acd0ad6ba2b6385" ns2:_="">
     <xsd:import namespace="be087722-f12a-4091-a590-0358dc43a6e8"/>
@@ -23093,15 +26583,6 @@
 </ct:contentTypeSchema>
 </file>
 
-<file path=customXml/item2.xml><?xml version="1.0" encoding="utf-8"?>
-<?mso-contentType ?>
-<FormTemplates xmlns="http://schemas.microsoft.com/sharepoint/v3/contenttype/forms">
-  <Display>DocumentLibraryForm</Display>
-  <Edit>DocumentLibraryForm</Edit>
-  <New>DocumentLibraryForm</New>
-</FormTemplates>
-</file>
-
 <file path=customXml/item3.xml><?xml version="1.0" encoding="utf-8"?>
 <p:properties xmlns:p="http://schemas.microsoft.com/office/2006/metadata/properties" xmlns:xsi="http://www.w3.org/2001/XMLSchema-instance" xmlns:pc="http://schemas.microsoft.com/office/infopath/2007/PartnerControls">
   <documentManagement/>
@@ -23109,6 +26590,14 @@
 </file>
 
 <file path=customXml/itemProps1.xml><?xml version="1.0" encoding="utf-8"?>
+<ds:datastoreItem xmlns:ds="http://schemas.openxmlformats.org/officeDocument/2006/customXml" ds:itemID="{4E437D6D-FCEE-4002-B8AF-1E8EF2B8D10C}">
+  <ds:schemaRefs>
+    <ds:schemaRef ds:uri="http://schemas.microsoft.com/sharepoint/v3/contenttype/forms"/>
+  </ds:schemaRefs>
+</ds:datastoreItem>
+</file>
+
+<file path=customXml/itemProps2.xml><?xml version="1.0" encoding="utf-8"?>
 <ds:datastoreItem xmlns:ds="http://schemas.openxmlformats.org/officeDocument/2006/customXml" ds:itemID="{1532690E-4DB4-4ED5-AC68-50DB249CC22C}">
   <ds:schemaRefs>
     <ds:schemaRef ds:uri="http://schemas.microsoft.com/office/2006/metadata/contentType"/>
@@ -23126,14 +26615,6 @@
 </ds:datastoreItem>
 </file>
 
-<file path=customXml/itemProps2.xml><?xml version="1.0" encoding="utf-8"?>
-<ds:datastoreItem xmlns:ds="http://schemas.openxmlformats.org/officeDocument/2006/customXml" ds:itemID="{4E437D6D-FCEE-4002-B8AF-1E8EF2B8D10C}">
-  <ds:schemaRefs>
-    <ds:schemaRef ds:uri="http://schemas.microsoft.com/sharepoint/v3/contenttype/forms"/>
-  </ds:schemaRefs>
-</ds:datastoreItem>
-</file>
-
 <file path=customXml/itemProps3.xml><?xml version="1.0" encoding="utf-8"?>
 <ds:datastoreItem xmlns:ds="http://schemas.openxmlformats.org/officeDocument/2006/customXml" ds:itemID="{C4F3D8CA-DFA6-48E3-81E0-7E5D75B8EF75}">
   <ds:schemaRefs>

--- a/presentation.pptx
+++ b/presentation.pptx
@@ -5,7 +5,7 @@
     <p:sldMasterId id="2147483659" r:id="rId4"/>
   </p:sldMasterIdLst>
   <p:notesMasterIdLst>
-    <p:notesMasterId r:id="rId25"/>
+    <p:notesMasterId r:id="rId28"/>
   </p:notesMasterIdLst>
   <p:sldIdLst>
     <p:sldId id="256" r:id="rId5"/>
@@ -26,33 +26,36 @@
     <p:sldId id="295" r:id="rId20"/>
     <p:sldId id="296" r:id="rId21"/>
     <p:sldId id="260" r:id="rId22"/>
-    <p:sldId id="282" r:id="rId23"/>
-    <p:sldId id="289" r:id="rId24"/>
+    <p:sldId id="297" r:id="rId23"/>
+    <p:sldId id="298" r:id="rId24"/>
+    <p:sldId id="299" r:id="rId25"/>
+    <p:sldId id="282" r:id="rId26"/>
+    <p:sldId id="289" r:id="rId27"/>
   </p:sldIdLst>
   <p:sldSz cx="9144000" cy="5143500" type="screen16x9"/>
   <p:notesSz cx="6858000" cy="9144000"/>
   <p:embeddedFontLst>
     <p:embeddedFont>
       <p:font typeface="Cambria Math" panose="02040503050406030204" pitchFamily="18" charset="0"/>
-      <p:regular r:id="rId26"/>
+      <p:regular r:id="rId29"/>
     </p:embeddedFont>
     <p:embeddedFont>
       <p:font typeface="Edwardian Script ITC" panose="030303020407070D0804" pitchFamily="66" charset="77"/>
-      <p:regular r:id="rId27"/>
+      <p:regular r:id="rId30"/>
     </p:embeddedFont>
     <p:embeddedFont>
       <p:font typeface="Lato" panose="020F0502020204030203" pitchFamily="34" charset="0"/>
-      <p:regular r:id="rId28"/>
-      <p:bold r:id="rId29"/>
-      <p:italic r:id="rId30"/>
-      <p:boldItalic r:id="rId31"/>
+      <p:regular r:id="rId31"/>
+      <p:bold r:id="rId32"/>
+      <p:italic r:id="rId33"/>
+      <p:boldItalic r:id="rId34"/>
     </p:embeddedFont>
     <p:embeddedFont>
       <p:font typeface="Raleway" pitchFamily="2" charset="77"/>
-      <p:regular r:id="rId32"/>
-      <p:bold r:id="rId33"/>
-      <p:italic r:id="rId34"/>
-      <p:boldItalic r:id="rId35"/>
+      <p:regular r:id="rId35"/>
+      <p:bold r:id="rId36"/>
+      <p:italic r:id="rId37"/>
+      <p:boldItalic r:id="rId38"/>
     </p:embeddedFont>
   </p:embeddedFontLst>
   <p:defaultTextStyle>
@@ -1973,7 +1976,13 @@
   <p:cSld>
     <p:spTree>
       <p:nvGrpSpPr>
-        <p:cNvPr id="1" name="Shape 486"/>
+        <p:cNvPr id="1" name="Shape 161">
+          <a:extLst>
+            <a:ext uri="{FF2B5EF4-FFF2-40B4-BE49-F238E27FC236}">
+              <a16:creationId xmlns:a16="http://schemas.microsoft.com/office/drawing/2014/main" id="{B881DD8A-8275-1690-9E2A-0436454919FF}"/>
+            </a:ext>
+          </a:extLst>
+        </p:cNvPr>
         <p:cNvGrpSpPr/>
         <p:nvPr/>
       </p:nvGrpSpPr>
@@ -1987,7 +1996,13 @@
       </p:grpSpPr>
       <p:sp>
         <p:nvSpPr>
-          <p:cNvPr id="487" name="Google Shape;487;g13645ff7543_0_161:notes"/>
+          <p:cNvPr id="162" name="Google Shape;162;g12010fc58e3_0_18:notes">
+            <a:extLst>
+              <a:ext uri="{FF2B5EF4-FFF2-40B4-BE49-F238E27FC236}">
+                <a16:creationId xmlns:a16="http://schemas.microsoft.com/office/drawing/2014/main" id="{2076D4AE-B157-076E-5751-7E96F9F7531A}"/>
+              </a:ext>
+            </a:extLst>
+          </p:cNvPr>
           <p:cNvSpPr>
             <a:spLocks noGrp="1" noRot="1" noChangeAspect="1"/>
           </p:cNvSpPr>
@@ -2028,7 +2043,13 @@
       </p:sp>
       <p:sp>
         <p:nvSpPr>
-          <p:cNvPr id="488" name="Google Shape;488;g13645ff7543_0_161:notes"/>
+          <p:cNvPr id="163" name="Google Shape;163;g12010fc58e3_0_18:notes">
+            <a:extLst>
+              <a:ext uri="{FF2B5EF4-FFF2-40B4-BE49-F238E27FC236}">
+                <a16:creationId xmlns:a16="http://schemas.microsoft.com/office/drawing/2014/main" id="{5F3D5851-7D71-6606-66C4-BEB559F86DF0}"/>
+              </a:ext>
+            </a:extLst>
+          </p:cNvPr>
           <p:cNvSpPr txBox="1">
             <a:spLocks noGrp="1"/>
           </p:cNvSpPr>
@@ -2065,6 +2086,11 @@
         </p:txBody>
       </p:sp>
     </p:spTree>
+    <p:extLst>
+      <p:ext uri="{BB962C8B-B14F-4D97-AF65-F5344CB8AC3E}">
+        <p14:creationId xmlns:p14="http://schemas.microsoft.com/office/powerpoint/2010/main" val="4105704326"/>
+      </p:ext>
+    </p:extLst>
   </p:cSld>
   <p:clrMapOvr>
     <a:masterClrMapping/>
@@ -2177,6 +2203,364 @@
 </file>
 
 <file path=ppt/notesSlides/notesSlide20.xml><?xml version="1.0" encoding="utf-8"?>
+<p:notes xmlns:a="http://schemas.openxmlformats.org/drawingml/2006/main" xmlns:r="http://schemas.openxmlformats.org/officeDocument/2006/relationships" xmlns:p="http://schemas.openxmlformats.org/presentationml/2006/main" showMasterSp="0" showMasterPhAnim="0">
+  <p:cSld>
+    <p:spTree>
+      <p:nvGrpSpPr>
+        <p:cNvPr id="1" name="Shape 161">
+          <a:extLst>
+            <a:ext uri="{FF2B5EF4-FFF2-40B4-BE49-F238E27FC236}">
+              <a16:creationId xmlns:a16="http://schemas.microsoft.com/office/drawing/2014/main" id="{AB1E3652-9BD2-4B43-0731-A220F0BC65E0}"/>
+            </a:ext>
+          </a:extLst>
+        </p:cNvPr>
+        <p:cNvGrpSpPr/>
+        <p:nvPr/>
+      </p:nvGrpSpPr>
+      <p:grpSpPr>
+        <a:xfrm>
+          <a:off x="0" y="0"/>
+          <a:ext cx="0" cy="0"/>
+          <a:chOff x="0" y="0"/>
+          <a:chExt cx="0" cy="0"/>
+        </a:xfrm>
+      </p:grpSpPr>
+      <p:sp>
+        <p:nvSpPr>
+          <p:cNvPr id="162" name="Google Shape;162;g12010fc58e3_0_18:notes">
+            <a:extLst>
+              <a:ext uri="{FF2B5EF4-FFF2-40B4-BE49-F238E27FC236}">
+                <a16:creationId xmlns:a16="http://schemas.microsoft.com/office/drawing/2014/main" id="{45E35041-E46D-8FCC-06C2-E398E3EFD0BD}"/>
+              </a:ext>
+            </a:extLst>
+          </p:cNvPr>
+          <p:cNvSpPr>
+            <a:spLocks noGrp="1" noRot="1" noChangeAspect="1"/>
+          </p:cNvSpPr>
+          <p:nvPr>
+            <p:ph type="sldImg" idx="2"/>
+          </p:nvPr>
+        </p:nvSpPr>
+        <p:spPr>
+          <a:xfrm>
+            <a:off x="381000" y="685800"/>
+            <a:ext cx="6096000" cy="3429000"/>
+          </a:xfrm>
+          <a:custGeom>
+            <a:avLst/>
+            <a:gdLst/>
+            <a:ahLst/>
+            <a:cxnLst/>
+            <a:rect l="l" t="t" r="r" b="b"/>
+            <a:pathLst>
+              <a:path w="120000" h="120000" extrusionOk="0">
+                <a:moveTo>
+                  <a:pt x="0" y="0"/>
+                </a:moveTo>
+                <a:lnTo>
+                  <a:pt x="120000" y="0"/>
+                </a:lnTo>
+                <a:lnTo>
+                  <a:pt x="120000" y="120000"/>
+                </a:lnTo>
+                <a:lnTo>
+                  <a:pt x="0" y="120000"/>
+                </a:lnTo>
+                <a:close/>
+              </a:path>
+            </a:pathLst>
+          </a:custGeom>
+        </p:spPr>
+      </p:sp>
+      <p:sp>
+        <p:nvSpPr>
+          <p:cNvPr id="163" name="Google Shape;163;g12010fc58e3_0_18:notes">
+            <a:extLst>
+              <a:ext uri="{FF2B5EF4-FFF2-40B4-BE49-F238E27FC236}">
+                <a16:creationId xmlns:a16="http://schemas.microsoft.com/office/drawing/2014/main" id="{5A8AF492-DE73-020A-8A0D-45156FD01AB3}"/>
+              </a:ext>
+            </a:extLst>
+          </p:cNvPr>
+          <p:cNvSpPr txBox="1">
+            <a:spLocks noGrp="1"/>
+          </p:cNvSpPr>
+          <p:nvPr>
+            <p:ph type="body" idx="1"/>
+          </p:nvPr>
+        </p:nvSpPr>
+        <p:spPr>
+          <a:xfrm>
+            <a:off x="685800" y="4343400"/>
+            <a:ext cx="5486400" cy="4114800"/>
+          </a:xfrm>
+          <a:prstGeom prst="rect">
+            <a:avLst/>
+          </a:prstGeom>
+        </p:spPr>
+        <p:txBody>
+          <a:bodyPr spcFirstLastPara="1" wrap="square" lIns="91425" tIns="91425" rIns="91425" bIns="91425" anchor="t" anchorCtr="0">
+            <a:noAutofit/>
+          </a:bodyPr>
+          <a:lstStyle/>
+          <a:p>
+            <a:pPr marL="0" lvl="0" indent="0" algn="l" rtl="0">
+              <a:spcBef>
+                <a:spcPts val="0"/>
+              </a:spcBef>
+              <a:spcAft>
+                <a:spcPts val="0"/>
+              </a:spcAft>
+              <a:buNone/>
+            </a:pPr>
+            <a:endParaRPr/>
+          </a:p>
+        </p:txBody>
+      </p:sp>
+    </p:spTree>
+    <p:extLst>
+      <p:ext uri="{BB962C8B-B14F-4D97-AF65-F5344CB8AC3E}">
+        <p14:creationId xmlns:p14="http://schemas.microsoft.com/office/powerpoint/2010/main" val="257246383"/>
+      </p:ext>
+    </p:extLst>
+  </p:cSld>
+  <p:clrMapOvr>
+    <a:masterClrMapping/>
+  </p:clrMapOvr>
+</p:notes>
+</file>
+
+<file path=ppt/notesSlides/notesSlide21.xml><?xml version="1.0" encoding="utf-8"?>
+<p:notes xmlns:a="http://schemas.openxmlformats.org/drawingml/2006/main" xmlns:r="http://schemas.openxmlformats.org/officeDocument/2006/relationships" xmlns:p="http://schemas.openxmlformats.org/presentationml/2006/main" showMasterSp="0" showMasterPhAnim="0">
+  <p:cSld>
+    <p:spTree>
+      <p:nvGrpSpPr>
+        <p:cNvPr id="1" name="Shape 161">
+          <a:extLst>
+            <a:ext uri="{FF2B5EF4-FFF2-40B4-BE49-F238E27FC236}">
+              <a16:creationId xmlns:a16="http://schemas.microsoft.com/office/drawing/2014/main" id="{51C5665E-8B7B-5A4C-9380-2ADC268F2DB4}"/>
+            </a:ext>
+          </a:extLst>
+        </p:cNvPr>
+        <p:cNvGrpSpPr/>
+        <p:nvPr/>
+      </p:nvGrpSpPr>
+      <p:grpSpPr>
+        <a:xfrm>
+          <a:off x="0" y="0"/>
+          <a:ext cx="0" cy="0"/>
+          <a:chOff x="0" y="0"/>
+          <a:chExt cx="0" cy="0"/>
+        </a:xfrm>
+      </p:grpSpPr>
+      <p:sp>
+        <p:nvSpPr>
+          <p:cNvPr id="162" name="Google Shape;162;g12010fc58e3_0_18:notes">
+            <a:extLst>
+              <a:ext uri="{FF2B5EF4-FFF2-40B4-BE49-F238E27FC236}">
+                <a16:creationId xmlns:a16="http://schemas.microsoft.com/office/drawing/2014/main" id="{25DA22AB-852B-FB47-8DDA-CA1E0D7E2391}"/>
+              </a:ext>
+            </a:extLst>
+          </p:cNvPr>
+          <p:cNvSpPr>
+            <a:spLocks noGrp="1" noRot="1" noChangeAspect="1"/>
+          </p:cNvSpPr>
+          <p:nvPr>
+            <p:ph type="sldImg" idx="2"/>
+          </p:nvPr>
+        </p:nvSpPr>
+        <p:spPr>
+          <a:xfrm>
+            <a:off x="381000" y="685800"/>
+            <a:ext cx="6096000" cy="3429000"/>
+          </a:xfrm>
+          <a:custGeom>
+            <a:avLst/>
+            <a:gdLst/>
+            <a:ahLst/>
+            <a:cxnLst/>
+            <a:rect l="l" t="t" r="r" b="b"/>
+            <a:pathLst>
+              <a:path w="120000" h="120000" extrusionOk="0">
+                <a:moveTo>
+                  <a:pt x="0" y="0"/>
+                </a:moveTo>
+                <a:lnTo>
+                  <a:pt x="120000" y="0"/>
+                </a:lnTo>
+                <a:lnTo>
+                  <a:pt x="120000" y="120000"/>
+                </a:lnTo>
+                <a:lnTo>
+                  <a:pt x="0" y="120000"/>
+                </a:lnTo>
+                <a:close/>
+              </a:path>
+            </a:pathLst>
+          </a:custGeom>
+        </p:spPr>
+      </p:sp>
+      <p:sp>
+        <p:nvSpPr>
+          <p:cNvPr id="163" name="Google Shape;163;g12010fc58e3_0_18:notes">
+            <a:extLst>
+              <a:ext uri="{FF2B5EF4-FFF2-40B4-BE49-F238E27FC236}">
+                <a16:creationId xmlns:a16="http://schemas.microsoft.com/office/drawing/2014/main" id="{CF56BE9F-A48A-6691-D5BA-9ECAFD996BC1}"/>
+              </a:ext>
+            </a:extLst>
+          </p:cNvPr>
+          <p:cNvSpPr txBox="1">
+            <a:spLocks noGrp="1"/>
+          </p:cNvSpPr>
+          <p:nvPr>
+            <p:ph type="body" idx="1"/>
+          </p:nvPr>
+        </p:nvSpPr>
+        <p:spPr>
+          <a:xfrm>
+            <a:off x="685800" y="4343400"/>
+            <a:ext cx="5486400" cy="4114800"/>
+          </a:xfrm>
+          <a:prstGeom prst="rect">
+            <a:avLst/>
+          </a:prstGeom>
+        </p:spPr>
+        <p:txBody>
+          <a:bodyPr spcFirstLastPara="1" wrap="square" lIns="91425" tIns="91425" rIns="91425" bIns="91425" anchor="t" anchorCtr="0">
+            <a:noAutofit/>
+          </a:bodyPr>
+          <a:lstStyle/>
+          <a:p>
+            <a:pPr marL="0" lvl="0" indent="0" algn="l" rtl="0">
+              <a:spcBef>
+                <a:spcPts val="0"/>
+              </a:spcBef>
+              <a:spcAft>
+                <a:spcPts val="0"/>
+              </a:spcAft>
+              <a:buNone/>
+            </a:pPr>
+            <a:endParaRPr/>
+          </a:p>
+        </p:txBody>
+      </p:sp>
+    </p:spTree>
+    <p:extLst>
+      <p:ext uri="{BB962C8B-B14F-4D97-AF65-F5344CB8AC3E}">
+        <p14:creationId xmlns:p14="http://schemas.microsoft.com/office/powerpoint/2010/main" val="3494852144"/>
+      </p:ext>
+    </p:extLst>
+  </p:cSld>
+  <p:clrMapOvr>
+    <a:masterClrMapping/>
+  </p:clrMapOvr>
+</p:notes>
+</file>
+
+<file path=ppt/notesSlides/notesSlide22.xml><?xml version="1.0" encoding="utf-8"?>
+<p:notes xmlns:a="http://schemas.openxmlformats.org/drawingml/2006/main" xmlns:r="http://schemas.openxmlformats.org/officeDocument/2006/relationships" xmlns:p="http://schemas.openxmlformats.org/presentationml/2006/main" showMasterSp="0" showMasterPhAnim="0">
+  <p:cSld>
+    <p:spTree>
+      <p:nvGrpSpPr>
+        <p:cNvPr id="1" name="Shape 486"/>
+        <p:cNvGrpSpPr/>
+        <p:nvPr/>
+      </p:nvGrpSpPr>
+      <p:grpSpPr>
+        <a:xfrm>
+          <a:off x="0" y="0"/>
+          <a:ext cx="0" cy="0"/>
+          <a:chOff x="0" y="0"/>
+          <a:chExt cx="0" cy="0"/>
+        </a:xfrm>
+      </p:grpSpPr>
+      <p:sp>
+        <p:nvSpPr>
+          <p:cNvPr id="487" name="Google Shape;487;g13645ff7543_0_161:notes"/>
+          <p:cNvSpPr>
+            <a:spLocks noGrp="1" noRot="1" noChangeAspect="1"/>
+          </p:cNvSpPr>
+          <p:nvPr>
+            <p:ph type="sldImg" idx="2"/>
+          </p:nvPr>
+        </p:nvSpPr>
+        <p:spPr>
+          <a:xfrm>
+            <a:off x="381000" y="685800"/>
+            <a:ext cx="6096000" cy="3429000"/>
+          </a:xfrm>
+          <a:custGeom>
+            <a:avLst/>
+            <a:gdLst/>
+            <a:ahLst/>
+            <a:cxnLst/>
+            <a:rect l="l" t="t" r="r" b="b"/>
+            <a:pathLst>
+              <a:path w="120000" h="120000" extrusionOk="0">
+                <a:moveTo>
+                  <a:pt x="0" y="0"/>
+                </a:moveTo>
+                <a:lnTo>
+                  <a:pt x="120000" y="0"/>
+                </a:lnTo>
+                <a:lnTo>
+                  <a:pt x="120000" y="120000"/>
+                </a:lnTo>
+                <a:lnTo>
+                  <a:pt x="0" y="120000"/>
+                </a:lnTo>
+                <a:close/>
+              </a:path>
+            </a:pathLst>
+          </a:custGeom>
+        </p:spPr>
+      </p:sp>
+      <p:sp>
+        <p:nvSpPr>
+          <p:cNvPr id="488" name="Google Shape;488;g13645ff7543_0_161:notes"/>
+          <p:cNvSpPr txBox="1">
+            <a:spLocks noGrp="1"/>
+          </p:cNvSpPr>
+          <p:nvPr>
+            <p:ph type="body" idx="1"/>
+          </p:nvPr>
+        </p:nvSpPr>
+        <p:spPr>
+          <a:xfrm>
+            <a:off x="685800" y="4343400"/>
+            <a:ext cx="5486400" cy="4114800"/>
+          </a:xfrm>
+          <a:prstGeom prst="rect">
+            <a:avLst/>
+          </a:prstGeom>
+        </p:spPr>
+        <p:txBody>
+          <a:bodyPr spcFirstLastPara="1" wrap="square" lIns="91425" tIns="91425" rIns="91425" bIns="91425" anchor="t" anchorCtr="0">
+            <a:noAutofit/>
+          </a:bodyPr>
+          <a:lstStyle/>
+          <a:p>
+            <a:pPr marL="0" lvl="0" indent="0" algn="l" rtl="0">
+              <a:spcBef>
+                <a:spcPts val="0"/>
+              </a:spcBef>
+              <a:spcAft>
+                <a:spcPts val="0"/>
+              </a:spcAft>
+              <a:buNone/>
+            </a:pPr>
+            <a:endParaRPr/>
+          </a:p>
+        </p:txBody>
+      </p:sp>
+    </p:spTree>
+  </p:cSld>
+  <p:clrMapOvr>
+    <a:masterClrMapping/>
+  </p:clrMapOvr>
+</p:notes>
+</file>
+
+<file path=ppt/notesSlides/notesSlide23.xml><?xml version="1.0" encoding="utf-8"?>
 <p:notes xmlns:a="http://schemas.openxmlformats.org/drawingml/2006/main" xmlns:r="http://schemas.openxmlformats.org/officeDocument/2006/relationships" xmlns:p="http://schemas.openxmlformats.org/presentationml/2006/main" showMasterSp="0" showMasterPhAnim="0">
   <p:cSld>
     <p:spTree>
@@ -11028,8 +11412,8 @@
           </a:p>
         </p:txBody>
       </p:sp>
-      <mc:AlternateContent xmlns:mc="http://schemas.openxmlformats.org/markup-compatibility/2006">
-        <mc:Choice xmlns:a14="http://schemas.microsoft.com/office/drawing/2010/main" Requires="a14">
+      <mc:AlternateContent xmlns:mc="http://schemas.openxmlformats.org/markup-compatibility/2006" xmlns:a14="http://schemas.microsoft.com/office/drawing/2010/main">
+        <mc:Choice Requires="a14">
           <p:sp>
             <p:nvSpPr>
               <p:cNvPr id="6" name="Google Shape;107;p15">
@@ -11135,7 +11519,7 @@
             </p:txBody>
           </p:sp>
         </mc:Choice>
-        <mc:Fallback>
+        <mc:Fallback xmlns="">
           <p:sp>
             <p:nvSpPr>
               <p:cNvPr id="6" name="Google Shape;107;p15">
@@ -12677,6 +13061,229 @@
           </a:p>
         </p:txBody>
       </p:sp>
+      <mc:AlternateContent xmlns:mc="http://schemas.openxmlformats.org/markup-compatibility/2006">
+        <mc:Choice xmlns:a14="http://schemas.microsoft.com/office/drawing/2010/main" Requires="a14">
+          <p:sp>
+            <p:nvSpPr>
+              <p:cNvPr id="3" name="Google Shape;102;p15">
+                <a:extLst>
+                  <a:ext uri="{FF2B5EF4-FFF2-40B4-BE49-F238E27FC236}">
+                    <a16:creationId xmlns:a16="http://schemas.microsoft.com/office/drawing/2014/main" id="{F0A4C50A-A77F-5461-6633-34A439B2B697}"/>
+                  </a:ext>
+                </a:extLst>
+              </p:cNvPr>
+              <p:cNvSpPr txBox="1"/>
+              <p:nvPr/>
+            </p:nvSpPr>
+            <p:spPr>
+              <a:xfrm>
+                <a:off x="3144170" y="4503446"/>
+                <a:ext cx="2627565" cy="400079"/>
+              </a:xfrm>
+              <a:prstGeom prst="rect">
+                <a:avLst/>
+              </a:prstGeom>
+              <a:noFill/>
+              <a:ln>
+                <a:solidFill>
+                  <a:srgbClr val="199988"/>
+                </a:solidFill>
+              </a:ln>
+            </p:spPr>
+            <p:txBody>
+              <a:bodyPr spcFirstLastPara="1" wrap="square" lIns="91425" tIns="91425" rIns="91425" bIns="91425" anchor="t" anchorCtr="0">
+                <a:spAutoFit/>
+              </a:bodyPr>
+              <a:lstStyle/>
+              <a:p>
+                <a:pPr lvl="0"/>
+                <a14:m>
+                  <m:oMath xmlns:m="http://schemas.openxmlformats.org/officeDocument/2006/math">
+                    <m:sSub>
+                      <m:sSubPr>
+                        <m:ctrlPr>
+                          <a:rPr lang="it-IT" sz="1300" i="1" smtClean="0">
+                            <a:latin typeface="Cambria Math" panose="02040503050406030204" pitchFamily="18" charset="0"/>
+                            <a:cs typeface="Times New Roman"/>
+                            <a:sym typeface="Times New Roman"/>
+                          </a:rPr>
+                        </m:ctrlPr>
+                      </m:sSubPr>
+                      <m:e>
+                        <m:r>
+                          <a:rPr lang="it-IT" sz="1300" b="0" i="1" smtClean="0">
+                            <a:latin typeface="Cambria Math" panose="02040503050406030204" pitchFamily="18" charset="0"/>
+                            <a:cs typeface="Times New Roman"/>
+                            <a:sym typeface="Times New Roman"/>
+                          </a:rPr>
+                          <m:t>𝑄</m:t>
+                        </m:r>
+                      </m:e>
+                      <m:sub>
+                        <m:r>
+                          <a:rPr lang="it-IT" sz="1300" b="0" i="1" smtClean="0">
+                            <a:latin typeface="Cambria Math" panose="02040503050406030204" pitchFamily="18" charset="0"/>
+                            <a:cs typeface="Times New Roman"/>
+                            <a:sym typeface="Times New Roman"/>
+                          </a:rPr>
+                          <m:t>𝑎</m:t>
+                        </m:r>
+                      </m:sub>
+                    </m:sSub>
+                  </m:oMath>
+                </a14:m>
+                <a:r>
+                  <a:rPr lang="it-IT" sz="1300" dirty="0">
+                    <a:latin typeface="Times New Roman"/>
+                    <a:ea typeface="Times New Roman"/>
+                    <a:cs typeface="Times New Roman"/>
+                    <a:sym typeface="Times New Roman"/>
+                  </a:rPr>
+                  <a:t> (veh/min) </a:t>
+                </a:r>
+                <a:r>
+                  <a:rPr lang="it" dirty="0">
+                    <a:latin typeface="Times New Roman"/>
+                    <a:ea typeface="Times New Roman"/>
+                    <a:cs typeface="Times New Roman"/>
+                    <a:sym typeface="Times New Roman"/>
+                  </a:rPr>
+                  <a:t>→</a:t>
+                </a:r>
+                <a:r>
+                  <a:rPr lang="it-IT" sz="1300" dirty="0">
+                    <a:latin typeface="Times New Roman"/>
+                    <a:ea typeface="Times New Roman"/>
+                    <a:cs typeface="Times New Roman"/>
+                    <a:sym typeface="Times New Roman"/>
+                  </a:rPr>
+                  <a:t> </a:t>
+                </a:r>
+                <a14:m>
+                  <m:oMath xmlns:m="http://schemas.openxmlformats.org/officeDocument/2006/math">
+                    <m:sSub>
+                      <m:sSubPr>
+                        <m:ctrlPr>
+                          <a:rPr lang="it-IT" sz="1300" i="1">
+                            <a:latin typeface="Cambria Math" panose="02040503050406030204" pitchFamily="18" charset="0"/>
+                            <a:cs typeface="Times New Roman"/>
+                            <a:sym typeface="Times New Roman"/>
+                          </a:rPr>
+                        </m:ctrlPr>
+                      </m:sSubPr>
+                      <m:e>
+                        <m:r>
+                          <a:rPr lang="it-IT" sz="1300" i="1">
+                            <a:latin typeface="Cambria Math" panose="02040503050406030204" pitchFamily="18" charset="0"/>
+                            <a:cs typeface="Times New Roman"/>
+                            <a:sym typeface="Times New Roman"/>
+                          </a:rPr>
+                          <m:t>𝑄</m:t>
+                        </m:r>
+                      </m:e>
+                      <m:sub>
+                        <m:r>
+                          <a:rPr lang="it-IT" sz="1300" i="1">
+                            <a:latin typeface="Cambria Math" panose="02040503050406030204" pitchFamily="18" charset="0"/>
+                            <a:cs typeface="Times New Roman"/>
+                            <a:sym typeface="Times New Roman"/>
+                          </a:rPr>
+                          <m:t>𝑎</m:t>
+                        </m:r>
+                      </m:sub>
+                    </m:sSub>
+                    <m:r>
+                      <a:rPr lang="it-IT" sz="1300" i="1" smtClean="0">
+                        <a:latin typeface="Cambria Math" panose="02040503050406030204" pitchFamily="18" charset="0"/>
+                        <a:ea typeface="Cambria Math" panose="02040503050406030204" pitchFamily="18" charset="0"/>
+                        <a:cs typeface="Times New Roman"/>
+                        <a:sym typeface="Times New Roman"/>
+                      </a:rPr>
+                      <m:t>𝜏</m:t>
+                    </m:r>
+                  </m:oMath>
+                </a14:m>
+                <a:r>
+                  <a:rPr lang="it-IT" sz="1300" dirty="0">
+                    <a:latin typeface="Times New Roman"/>
+                    <a:ea typeface="Times New Roman"/>
+                    <a:cs typeface="Times New Roman"/>
+                    <a:sym typeface="Times New Roman"/>
+                  </a:rPr>
+                  <a:t> (veh/</a:t>
+                </a:r>
+                <a:r>
+                  <a:rPr lang="it-IT" sz="1300" dirty="0" err="1">
+                    <a:latin typeface="Times New Roman"/>
+                    <a:ea typeface="Times New Roman"/>
+                    <a:cs typeface="Times New Roman"/>
+                    <a:sym typeface="Times New Roman"/>
+                  </a:rPr>
+                  <a:t>timestep</a:t>
+                </a:r>
+                <a:r>
+                  <a:rPr lang="it-IT" sz="1300" dirty="0">
+                    <a:latin typeface="Times New Roman"/>
+                    <a:ea typeface="Times New Roman"/>
+                    <a:cs typeface="Times New Roman"/>
+                    <a:sym typeface="Times New Roman"/>
+                  </a:rPr>
+                  <a:t>)</a:t>
+                </a:r>
+              </a:p>
+            </p:txBody>
+          </p:sp>
+        </mc:Choice>
+        <mc:Fallback>
+          <p:sp>
+            <p:nvSpPr>
+              <p:cNvPr id="3" name="Google Shape;102;p15">
+                <a:extLst>
+                  <a:ext uri="{FF2B5EF4-FFF2-40B4-BE49-F238E27FC236}">
+                    <a16:creationId xmlns:a16="http://schemas.microsoft.com/office/drawing/2014/main" id="{F0A4C50A-A77F-5461-6633-34A439B2B697}"/>
+                  </a:ext>
+                </a:extLst>
+              </p:cNvPr>
+              <p:cNvSpPr txBox="1">
+                <a:spLocks noRot="1" noChangeAspect="1" noMove="1" noResize="1" noEditPoints="1" noAdjustHandles="1" noChangeArrowheads="1" noChangeShapeType="1" noTextEdit="1"/>
+              </p:cNvSpPr>
+              <p:nvPr/>
+            </p:nvSpPr>
+            <p:spPr>
+              <a:xfrm>
+                <a:off x="3144170" y="4503446"/>
+                <a:ext cx="2627565" cy="400079"/>
+              </a:xfrm>
+              <a:prstGeom prst="rect">
+                <a:avLst/>
+              </a:prstGeom>
+              <a:blipFill>
+                <a:blip r:embed="rId4"/>
+                <a:stretch>
+                  <a:fillRect b="-3030"/>
+                </a:stretch>
+              </a:blipFill>
+              <a:ln>
+                <a:solidFill>
+                  <a:srgbClr val="199988"/>
+                </a:solidFill>
+              </a:ln>
+            </p:spPr>
+            <p:txBody>
+              <a:bodyPr/>
+              <a:lstStyle/>
+              <a:p>
+                <a:r>
+                  <a:rPr lang="it-IT">
+                    <a:noFill/>
+                  </a:rPr>
+                  <a:t> </a:t>
+                </a:r>
+              </a:p>
+            </p:txBody>
+          </p:sp>
+        </mc:Fallback>
+      </mc:AlternateContent>
     </p:spTree>
     <p:extLst>
       <p:ext uri="{BB962C8B-B14F-4D97-AF65-F5344CB8AC3E}">
@@ -14253,35 +14860,6 @@
           </p:sp>
         </mc:Fallback>
       </mc:AlternateContent>
-      <p:pic>
-        <p:nvPicPr>
-          <p:cNvPr id="5" name="Immagine 4" descr="Immagine che contiene testo, ricevuta, calligrafia, Carattere&#10;&#10;Il contenuto generato dall'IA potrebbe non essere corretto.">
-            <a:extLst>
-              <a:ext uri="{FF2B5EF4-FFF2-40B4-BE49-F238E27FC236}">
-                <a16:creationId xmlns:a16="http://schemas.microsoft.com/office/drawing/2014/main" id="{4DED7560-48E1-AA1D-49B4-2B3719E1DCB2}"/>
-              </a:ext>
-            </a:extLst>
-          </p:cNvPr>
-          <p:cNvPicPr>
-            <a:picLocks noChangeAspect="1"/>
-          </p:cNvPicPr>
-          <p:nvPr/>
-        </p:nvPicPr>
-        <p:blipFill>
-          <a:blip r:embed="rId4"/>
-          <a:srcRect t="15755" r="50000" b="8350"/>
-          <a:stretch/>
-        </p:blipFill>
-        <p:spPr>
-          <a:xfrm>
-            <a:off x="4572000" y="1535434"/>
-            <a:ext cx="4186133" cy="2456833"/>
-          </a:xfrm>
-          <a:prstGeom prst="rect">
-            <a:avLst/>
-          </a:prstGeom>
-        </p:spPr>
-      </p:pic>
       <p:sp>
         <p:nvSpPr>
           <p:cNvPr id="6" name="Freccia giù 5">
@@ -14333,6 +14911,35 @@
           </a:p>
         </p:txBody>
       </p:sp>
+      <p:pic>
+        <p:nvPicPr>
+          <p:cNvPr id="7" name="Immagine 6" descr="Immagine che contiene testo, ricevuta, calligrafia, Carattere&#10;&#10;Il contenuto generato dall'IA potrebbe non essere corretto.">
+            <a:extLst>
+              <a:ext uri="{FF2B5EF4-FFF2-40B4-BE49-F238E27FC236}">
+                <a16:creationId xmlns:a16="http://schemas.microsoft.com/office/drawing/2014/main" id="{E07294AC-F3C0-F922-3108-CADB839109CF}"/>
+              </a:ext>
+            </a:extLst>
+          </p:cNvPr>
+          <p:cNvPicPr>
+            <a:picLocks noChangeAspect="1"/>
+          </p:cNvPicPr>
+          <p:nvPr/>
+        </p:nvPicPr>
+        <p:blipFill>
+          <a:blip r:embed="rId5"/>
+          <a:srcRect t="15863" r="50000" b="10126"/>
+          <a:stretch/>
+        </p:blipFill>
+        <p:spPr>
+          <a:xfrm>
+            <a:off x="4572000" y="1550503"/>
+            <a:ext cx="4251134" cy="2433099"/>
+          </a:xfrm>
+          <a:prstGeom prst="rect">
+            <a:avLst/>
+          </a:prstGeom>
+        </p:spPr>
+      </p:pic>
     </p:spTree>
     <p:extLst>
       <p:ext uri="{BB962C8B-B14F-4D97-AF65-F5344CB8AC3E}">
@@ -14427,8 +15034,8 @@
           </a:p>
         </p:txBody>
       </p:sp>
-      <mc:AlternateContent xmlns:mc="http://schemas.openxmlformats.org/markup-compatibility/2006">
-        <mc:Choice xmlns:a14="http://schemas.microsoft.com/office/drawing/2010/main" Requires="a14">
+      <mc:AlternateContent xmlns:mc="http://schemas.openxmlformats.org/markup-compatibility/2006" xmlns:a14="http://schemas.microsoft.com/office/drawing/2010/main">
+        <mc:Choice Requires="a14">
           <p:sp>
             <p:nvSpPr>
               <p:cNvPr id="4" name="CasellaDiTesto 3">
@@ -14457,6 +15064,7 @@
               </a:bodyPr>
               <a:lstStyle/>
               <a:p>
+                <a:pPr/>
                 <a14:m>
                   <m:oMathPara xmlns:m="http://schemas.openxmlformats.org/officeDocument/2006/math">
                     <m:oMathParaPr>
@@ -14527,7 +15135,7 @@
             </p:txBody>
           </p:sp>
         </mc:Choice>
-        <mc:Fallback>
+        <mc:Fallback xmlns="">
           <p:sp>
             <p:nvSpPr>
               <p:cNvPr id="4" name="CasellaDiTesto 3">
@@ -14739,8 +15347,8 @@
           </a:prstGeom>
         </p:spPr>
       </p:pic>
-      <mc:AlternateContent xmlns:mc="http://schemas.openxmlformats.org/markup-compatibility/2006">
-        <mc:Choice xmlns:a14="http://schemas.microsoft.com/office/drawing/2010/main" Requires="a14">
+      <mc:AlternateContent xmlns:mc="http://schemas.openxmlformats.org/markup-compatibility/2006" xmlns:a14="http://schemas.microsoft.com/office/drawing/2010/main">
+        <mc:Choice Requires="a14">
           <p:sp>
             <p:nvSpPr>
               <p:cNvPr id="12" name="CasellaDiTesto 11">
@@ -14769,6 +15377,7 @@
               </a:bodyPr>
               <a:lstStyle/>
               <a:p>
+                <a:pPr/>
                 <a14:m>
                   <m:oMathPara xmlns:m="http://schemas.openxmlformats.org/officeDocument/2006/math">
                     <m:oMathParaPr>
@@ -14839,7 +15448,7 @@
             </p:txBody>
           </p:sp>
         </mc:Choice>
-        <mc:Fallback>
+        <mc:Fallback xmlns="">
           <p:sp>
             <p:nvSpPr>
               <p:cNvPr id="12" name="CasellaDiTesto 11">
@@ -14942,8 +15551,8 @@
           </a:prstGeom>
         </p:spPr>
       </p:pic>
-      <mc:AlternateContent xmlns:mc="http://schemas.openxmlformats.org/markup-compatibility/2006">
-        <mc:Choice xmlns:a14="http://schemas.microsoft.com/office/drawing/2010/main" Requires="a14">
+      <mc:AlternateContent xmlns:mc="http://schemas.openxmlformats.org/markup-compatibility/2006" xmlns:a14="http://schemas.microsoft.com/office/drawing/2010/main">
+        <mc:Choice Requires="a14">
           <p:sp>
             <p:nvSpPr>
               <p:cNvPr id="15" name="CasellaDiTesto 14">
@@ -14972,6 +15581,7 @@
               </a:bodyPr>
               <a:lstStyle/>
               <a:p>
+                <a:pPr/>
                 <a14:m>
                   <m:oMathPara xmlns:m="http://schemas.openxmlformats.org/officeDocument/2006/math">
                     <m:oMathParaPr>
@@ -14999,7 +15609,7 @@
             </p:txBody>
           </p:sp>
         </mc:Choice>
-        <mc:Fallback>
+        <mc:Fallback xmlns="">
           <p:sp>
             <p:nvSpPr>
               <p:cNvPr id="15" name="CasellaDiTesto 14">
@@ -15044,8 +15654,8 @@
           </p:sp>
         </mc:Fallback>
       </mc:AlternateContent>
-      <mc:AlternateContent xmlns:mc="http://schemas.openxmlformats.org/markup-compatibility/2006">
-        <mc:Choice xmlns:a14="http://schemas.microsoft.com/office/drawing/2010/main" Requires="a14">
+      <mc:AlternateContent xmlns:mc="http://schemas.openxmlformats.org/markup-compatibility/2006" xmlns:a14="http://schemas.microsoft.com/office/drawing/2010/main">
+        <mc:Choice Requires="a14">
           <p:sp>
             <p:nvSpPr>
               <p:cNvPr id="16" name="CasellaDiTesto 15">
@@ -15074,6 +15684,7 @@
               </a:bodyPr>
               <a:lstStyle/>
               <a:p>
+                <a:pPr/>
                 <a14:m>
                   <m:oMathPara xmlns:m="http://schemas.openxmlformats.org/officeDocument/2006/math">
                     <m:oMathParaPr>
@@ -15229,7 +15840,7 @@
             </p:txBody>
           </p:sp>
         </mc:Choice>
-        <mc:Fallback>
+        <mc:Fallback xmlns="">
           <p:sp>
             <p:nvSpPr>
               <p:cNvPr id="16" name="CasellaDiTesto 15">
@@ -15402,8 +16013,8 @@
           </a:ln>
         </p:spPr>
       </p:cxnSp>
-      <mc:AlternateContent xmlns:mc="http://schemas.openxmlformats.org/markup-compatibility/2006">
-        <mc:Choice xmlns:a14="http://schemas.microsoft.com/office/drawing/2010/main" Requires="a14">
+      <mc:AlternateContent xmlns:mc="http://schemas.openxmlformats.org/markup-compatibility/2006" xmlns:a14="http://schemas.microsoft.com/office/drawing/2010/main">
+        <mc:Choice Requires="a14">
           <p:sp>
             <p:nvSpPr>
               <p:cNvPr id="21" name="Google Shape;102;p15">
@@ -15532,7 +16143,7 @@
             </p:txBody>
           </p:sp>
         </mc:Choice>
-        <mc:Fallback>
+        <mc:Fallback xmlns="">
           <p:sp>
             <p:nvSpPr>
               <p:cNvPr id="21" name="Google Shape;102;p15">
@@ -15582,8 +16193,8 @@
           </p:sp>
         </mc:Fallback>
       </mc:AlternateContent>
-      <mc:AlternateContent xmlns:mc="http://schemas.openxmlformats.org/markup-compatibility/2006">
-        <mc:Choice xmlns:a14="http://schemas.microsoft.com/office/drawing/2010/main" Requires="a14">
+      <mc:AlternateContent xmlns:mc="http://schemas.openxmlformats.org/markup-compatibility/2006" xmlns:a14="http://schemas.microsoft.com/office/drawing/2010/main">
+        <mc:Choice Requires="a14">
           <p:sp>
             <p:nvSpPr>
               <p:cNvPr id="22" name="Google Shape;102;p15">
@@ -15721,7 +16332,7 @@
             </p:txBody>
           </p:sp>
         </mc:Choice>
-        <mc:Fallback>
+        <mc:Fallback xmlns="">
           <p:sp>
             <p:nvSpPr>
               <p:cNvPr id="22" name="Google Shape;102;p15">
@@ -16089,8 +16700,8 @@
           </a:p>
         </p:txBody>
       </p:sp>
-      <mc:AlternateContent xmlns:mc="http://schemas.openxmlformats.org/markup-compatibility/2006">
-        <mc:Choice xmlns:a14="http://schemas.microsoft.com/office/drawing/2010/main" Requires="a14">
+      <mc:AlternateContent xmlns:mc="http://schemas.openxmlformats.org/markup-compatibility/2006" xmlns:a14="http://schemas.microsoft.com/office/drawing/2010/main">
+        <mc:Choice Requires="a14">
           <p:sp>
             <p:nvSpPr>
               <p:cNvPr id="18" name="CasellaDiTesto 17">
@@ -16325,7 +16936,7 @@
             </p:txBody>
           </p:sp>
         </mc:Choice>
-        <mc:Fallback>
+        <mc:Fallback xmlns="">
           <p:sp>
             <p:nvSpPr>
               <p:cNvPr id="18" name="CasellaDiTesto 17">
@@ -16420,7 +17031,7 @@
         <p:spPr>
           <a:xfrm>
             <a:off x="5974607" y="4125139"/>
-            <a:ext cx="1367554" cy="384690"/>
+            <a:ext cx="1213372" cy="384690"/>
           </a:xfrm>
           <a:prstGeom prst="rect">
             <a:avLst/>
@@ -16518,8 +17129,8 @@
           </a:p>
         </p:txBody>
       </p:sp>
-      <mc:AlternateContent xmlns:mc="http://schemas.openxmlformats.org/markup-compatibility/2006">
-        <mc:Choice xmlns:a14="http://schemas.microsoft.com/office/drawing/2010/main" Requires="a14">
+      <mc:AlternateContent xmlns:mc="http://schemas.openxmlformats.org/markup-compatibility/2006" xmlns:a14="http://schemas.microsoft.com/office/drawing/2010/main">
+        <mc:Choice Requires="a14">
           <p:sp>
             <p:nvSpPr>
               <p:cNvPr id="3" name="CasellaDiTesto 2">
@@ -16548,6 +17159,7 @@
               </a:bodyPr>
               <a:lstStyle/>
               <a:p>
+                <a:pPr/>
                 <a14:m>
                   <m:oMathPara xmlns:m="http://schemas.openxmlformats.org/officeDocument/2006/math">
                     <m:oMathParaPr>
@@ -16839,7 +17451,7 @@
             </p:txBody>
           </p:sp>
         </mc:Choice>
-        <mc:Fallback>
+        <mc:Fallback xmlns="">
           <p:sp>
             <p:nvSpPr>
               <p:cNvPr id="3" name="CasellaDiTesto 2">
@@ -17022,7 +17634,7 @@
               <a:buNone/>
             </a:pPr>
             <a:r>
-              <a:rPr lang="it" sz="2500" dirty="0">
+              <a:rPr lang="it" sz="2400" dirty="0">
                 <a:latin typeface="Times New Roman"/>
                 <a:ea typeface="Times New Roman"/>
                 <a:cs typeface="Times New Roman"/>
@@ -17030,7 +17642,7 @@
               </a:rPr>
               <a:t>Gurobi optimization: increasing dimensionality</a:t>
             </a:r>
-            <a:endParaRPr sz="2500" dirty="0">
+            <a:endParaRPr sz="2400" dirty="0">
               <a:latin typeface="Times New Roman"/>
               <a:ea typeface="Times New Roman"/>
               <a:cs typeface="Times New Roman"/>
@@ -17047,7 +17659,7 @@
         </p:nvSpPr>
         <p:spPr>
           <a:xfrm>
-            <a:off x="4862887" y="916466"/>
+            <a:off x="4854935" y="1018386"/>
             <a:ext cx="3474591" cy="615600"/>
           </a:xfrm>
           <a:prstGeom prst="rect">
@@ -17171,34 +17783,6 @@
       </p:sp>
       <p:pic>
         <p:nvPicPr>
-          <p:cNvPr id="173" name="Google Shape;173;p17"/>
-          <p:cNvPicPr preferRelativeResize="0"/>
-          <p:nvPr/>
-        </p:nvPicPr>
-        <p:blipFill>
-          <a:blip r:embed="rId3">
-            <a:alphaModFix/>
-          </a:blip>
-          <a:stretch>
-            <a:fillRect/>
-          </a:stretch>
-        </p:blipFill>
-        <p:spPr>
-          <a:xfrm>
-            <a:off x="4572000" y="1796425"/>
-            <a:ext cx="4056366" cy="3042275"/>
-          </a:xfrm>
-          <a:prstGeom prst="rect">
-            <a:avLst/>
-          </a:prstGeom>
-          <a:noFill/>
-          <a:ln>
-            <a:noFill/>
-          </a:ln>
-        </p:spPr>
-      </p:pic>
-      <p:pic>
-        <p:nvPicPr>
           <p:cNvPr id="2" name="Immagine 1" descr="Immagine che contiene diagramma, linea, cerchio, Carattere&#10;&#10;Il contenuto generato dall'IA potrebbe non essere corretto.">
             <a:extLst>
               <a:ext uri="{FF2B5EF4-FFF2-40B4-BE49-F238E27FC236}">
@@ -17212,7 +17796,7 @@
           <p:nvPr/>
         </p:nvPicPr>
         <p:blipFill>
-          <a:blip r:embed="rId4"/>
+          <a:blip r:embed="rId3"/>
           <a:stretch>
             <a:fillRect/>
           </a:stretch>
@@ -17242,7 +17826,7 @@
           <p:nvPr/>
         </p:nvPicPr>
         <p:blipFill>
-          <a:blip r:embed="rId5"/>
+          <a:blip r:embed="rId4"/>
           <a:stretch>
             <a:fillRect/>
           </a:stretch>
@@ -17272,7 +17856,7 @@
           <p:nvPr/>
         </p:nvPicPr>
         <p:blipFill>
-          <a:blip r:embed="rId6"/>
+          <a:blip r:embed="rId5"/>
           <a:stretch>
             <a:fillRect/>
           </a:stretch>
@@ -17287,12 +17871,73 @@
           </a:prstGeom>
         </p:spPr>
       </p:pic>
+      <p:pic>
+        <p:nvPicPr>
+          <p:cNvPr id="5" name="Immagine 4" descr="Immagine che contiene testo, linea, diagramma, Diagramma&#10;&#10;Il contenuto generato dall'IA potrebbe non essere corretto.">
+            <a:extLst>
+              <a:ext uri="{FF2B5EF4-FFF2-40B4-BE49-F238E27FC236}">
+                <a16:creationId xmlns:a16="http://schemas.microsoft.com/office/drawing/2014/main" id="{84CD7DF5-77EF-E505-E4F1-3C1821A0DAF5}"/>
+              </a:ext>
+            </a:extLst>
+          </p:cNvPr>
+          <p:cNvPicPr>
+            <a:picLocks noChangeAspect="1"/>
+          </p:cNvPicPr>
+          <p:nvPr/>
+        </p:nvPicPr>
+        <p:blipFill>
+          <a:blip r:embed="rId6"/>
+          <a:stretch>
+            <a:fillRect/>
+          </a:stretch>
+        </p:blipFill>
+        <p:spPr>
+          <a:xfrm>
+            <a:off x="4244166" y="1791668"/>
+            <a:ext cx="4844175" cy="3027609"/>
+          </a:xfrm>
+          <a:prstGeom prst="rect">
+            <a:avLst/>
+          </a:prstGeom>
+        </p:spPr>
+      </p:pic>
+    </p:spTree>
+  </p:cSld>
+  <p:clrMapOvr>
+    <a:masterClrMapping/>
+  </p:clrMapOvr>
+</p:sld>
+</file>
+
+<file path=ppt/slides/slide19.xml><?xml version="1.0" encoding="utf-8"?>
+<p:sld xmlns:a="http://schemas.openxmlformats.org/drawingml/2006/main" xmlns:r="http://schemas.openxmlformats.org/officeDocument/2006/relationships" xmlns:p="http://schemas.openxmlformats.org/presentationml/2006/main">
+  <p:cSld>
+    <p:spTree>
+      <p:nvGrpSpPr>
+        <p:cNvPr id="1" name="Shape 164">
+          <a:extLst>
+            <a:ext uri="{FF2B5EF4-FFF2-40B4-BE49-F238E27FC236}">
+              <a16:creationId xmlns:a16="http://schemas.microsoft.com/office/drawing/2014/main" id="{90989E59-EE68-ED1F-2E10-477888D77844}"/>
+            </a:ext>
+          </a:extLst>
+        </p:cNvPr>
+        <p:cNvGrpSpPr/>
+        <p:nvPr/>
+      </p:nvGrpSpPr>
+      <p:grpSpPr>
+        <a:xfrm>
+          <a:off x="0" y="0"/>
+          <a:ext cx="0" cy="0"/>
+          <a:chOff x="0" y="0"/>
+          <a:chExt cx="0" cy="0"/>
+        </a:xfrm>
+      </p:grpSpPr>
       <p:sp>
         <p:nvSpPr>
-          <p:cNvPr id="3" name="Google Shape;170;p17">
+          <p:cNvPr id="170" name="Google Shape;170;p17">
             <a:extLst>
               <a:ext uri="{FF2B5EF4-FFF2-40B4-BE49-F238E27FC236}">
-                <a16:creationId xmlns:a16="http://schemas.microsoft.com/office/drawing/2014/main" id="{375E9223-D837-0158-B755-A64DAB130173}"/>
+                <a16:creationId xmlns:a16="http://schemas.microsoft.com/office/drawing/2014/main" id="{2615998B-F126-D659-E735-AD5DC493BBE4}"/>
               </a:ext>
             </a:extLst>
           </p:cNvPr>
@@ -17301,8 +17946,8 @@
         </p:nvSpPr>
         <p:spPr>
           <a:xfrm>
-            <a:off x="4862886" y="2921375"/>
-            <a:ext cx="3474591" cy="400079"/>
+            <a:off x="1388167" y="4304213"/>
+            <a:ext cx="2134261" cy="615523"/>
           </a:xfrm>
           <a:prstGeom prst="rect">
             <a:avLst/>
@@ -17334,7 +17979,7 @@
                 <a:cs typeface="Times New Roman"/>
                 <a:sym typeface="Times New Roman"/>
               </a:rPr>
-              <a:t>INSERIRE APPENA PLOTTI</a:t>
+              <a:t>Increasing time horizon increases execution time </a:t>
             </a:r>
             <a:endParaRPr dirty="0">
               <a:latin typeface="Times New Roman"/>
@@ -17345,53 +17990,150 @@
           </a:p>
         </p:txBody>
       </p:sp>
-    </p:spTree>
-  </p:cSld>
-  <p:clrMapOvr>
-    <a:masterClrMapping/>
-  </p:clrMapOvr>
-</p:sld>
-</file>
-
-<file path=ppt/slides/slide19.xml><?xml version="1.0" encoding="utf-8"?>
-<p:sld xmlns:a="http://schemas.openxmlformats.org/drawingml/2006/main" xmlns:r="http://schemas.openxmlformats.org/officeDocument/2006/relationships" xmlns:p="http://schemas.openxmlformats.org/presentationml/2006/main">
-  <p:cSld>
-    <p:spTree>
-      <p:nvGrpSpPr>
-        <p:cNvPr id="1" name="Shape 489"/>
-        <p:cNvGrpSpPr/>
-        <p:nvPr/>
-      </p:nvGrpSpPr>
-      <p:grpSpPr>
-        <a:xfrm>
-          <a:off x="0" y="0"/>
-          <a:ext cx="0" cy="0"/>
-          <a:chOff x="0" y="0"/>
-          <a:chExt cx="0" cy="0"/>
-        </a:xfrm>
-      </p:grpSpPr>
-      <p:sp>
-        <p:nvSpPr>
-          <p:cNvPr id="490" name="Google Shape;490;p39"/>
-          <p:cNvSpPr txBox="1">
-            <a:spLocks noGrp="1"/>
-          </p:cNvSpPr>
-          <p:nvPr>
-            <p:ph type="title"/>
-          </p:nvPr>
-        </p:nvSpPr>
+      <p:pic>
+        <p:nvPicPr>
+          <p:cNvPr id="9" name="Immagine 8" descr="Immagine che contiene testo, linea, schermata, diagramma&#10;&#10;Il contenuto generato dall'IA potrebbe non essere corretto.">
+            <a:extLst>
+              <a:ext uri="{FF2B5EF4-FFF2-40B4-BE49-F238E27FC236}">
+                <a16:creationId xmlns:a16="http://schemas.microsoft.com/office/drawing/2014/main" id="{4D918FEA-57F6-8A9D-1BB6-B8F23720C54C}"/>
+              </a:ext>
+            </a:extLst>
+          </p:cNvPr>
+          <p:cNvPicPr>
+            <a:picLocks noChangeAspect="1"/>
+          </p:cNvPicPr>
+          <p:nvPr/>
+        </p:nvPicPr>
+        <p:blipFill>
+          <a:blip r:embed="rId3"/>
+          <a:srcRect l="4830" t="5751" r="7130"/>
+          <a:stretch/>
+        </p:blipFill>
         <p:spPr>
           <a:xfrm>
-            <a:off x="2543225" y="2148825"/>
-            <a:ext cx="4296900" cy="535200"/>
+            <a:off x="4633648" y="1265236"/>
+            <a:ext cx="4542025" cy="3038977"/>
           </a:xfrm>
           <a:prstGeom prst="rect">
             <a:avLst/>
           </a:prstGeom>
         </p:spPr>
+      </p:pic>
+      <p:pic>
+        <p:nvPicPr>
+          <p:cNvPr id="4" name="Immagine 3" descr="Immagine che contiene testo, linea, diagramma, schermata&#10;&#10;Il contenuto generato dall'IA potrebbe non essere corretto.">
+            <a:extLst>
+              <a:ext uri="{FF2B5EF4-FFF2-40B4-BE49-F238E27FC236}">
+                <a16:creationId xmlns:a16="http://schemas.microsoft.com/office/drawing/2014/main" id="{77AD0108-46EB-34F9-D668-8C3B6DF34651}"/>
+              </a:ext>
+            </a:extLst>
+          </p:cNvPr>
+          <p:cNvPicPr>
+            <a:picLocks noChangeAspect="1"/>
+          </p:cNvPicPr>
+          <p:nvPr/>
+        </p:nvPicPr>
+        <p:blipFill>
+          <a:blip r:embed="rId4"/>
+          <a:srcRect l="4756" t="5532" r="4908" b="338"/>
+          <a:stretch/>
+        </p:blipFill>
+        <p:spPr>
+          <a:xfrm>
+            <a:off x="-15902" y="1243328"/>
+            <a:ext cx="4683318" cy="3049931"/>
+          </a:xfrm>
+          <a:prstGeom prst="rect">
+            <a:avLst/>
+          </a:prstGeom>
+        </p:spPr>
+      </p:pic>
+      <p:sp>
+        <p:nvSpPr>
+          <p:cNvPr id="10" name="Google Shape;170;p17">
+            <a:extLst>
+              <a:ext uri="{FF2B5EF4-FFF2-40B4-BE49-F238E27FC236}">
+                <a16:creationId xmlns:a16="http://schemas.microsoft.com/office/drawing/2014/main" id="{51A87810-2F05-D694-8010-AAFC2A14D9CC}"/>
+              </a:ext>
+            </a:extLst>
+          </p:cNvPr>
+          <p:cNvSpPr txBox="1"/>
+          <p:nvPr/>
+        </p:nvSpPr>
+        <p:spPr>
+          <a:xfrm>
+            <a:off x="5227319" y="4304213"/>
+            <a:ext cx="3593989" cy="615523"/>
+          </a:xfrm>
+          <a:prstGeom prst="rect">
+            <a:avLst/>
+          </a:prstGeom>
+          <a:noFill/>
+          <a:ln>
+            <a:noFill/>
+          </a:ln>
+        </p:spPr>
         <p:txBody>
           <a:bodyPr spcFirstLastPara="1" wrap="square" lIns="91425" tIns="91425" rIns="91425" bIns="91425" anchor="t" anchorCtr="0">
-            <a:normAutofit fontScale="90000"/>
+            <a:spAutoFit/>
+          </a:bodyPr>
+          <a:lstStyle/>
+          <a:p>
+            <a:pPr marL="0" lvl="0" indent="0" algn="ctr" rtl="0">
+              <a:spcBef>
+                <a:spcPts val="0"/>
+              </a:spcBef>
+              <a:spcAft>
+                <a:spcPts val="0"/>
+              </a:spcAft>
+              <a:buNone/>
+            </a:pPr>
+            <a:r>
+              <a:rPr lang="it" dirty="0">
+                <a:latin typeface="Times New Roman"/>
+                <a:ea typeface="Times New Roman"/>
+                <a:cs typeface="Times New Roman"/>
+                <a:sym typeface="Times New Roman"/>
+              </a:rPr>
+              <a:t>With increasing timestep, less vehicles enter the network, lowering the execution time</a:t>
+            </a:r>
+            <a:endParaRPr dirty="0">
+              <a:latin typeface="Times New Roman"/>
+              <a:ea typeface="Times New Roman"/>
+              <a:cs typeface="Times New Roman"/>
+              <a:sym typeface="Times New Roman"/>
+            </a:endParaRPr>
+          </a:p>
+        </p:txBody>
+      </p:sp>
+      <p:sp>
+        <p:nvSpPr>
+          <p:cNvPr id="11" name="Google Shape;112;p16">
+            <a:extLst>
+              <a:ext uri="{FF2B5EF4-FFF2-40B4-BE49-F238E27FC236}">
+                <a16:creationId xmlns:a16="http://schemas.microsoft.com/office/drawing/2014/main" id="{EB86D45A-3E66-8F26-C6F4-A1E6BCB7AC60}"/>
+              </a:ext>
+            </a:extLst>
+          </p:cNvPr>
+          <p:cNvSpPr txBox="1"/>
+          <p:nvPr/>
+        </p:nvSpPr>
+        <p:spPr>
+          <a:xfrm>
+            <a:off x="451175" y="757975"/>
+            <a:ext cx="8013556" cy="477023"/>
+          </a:xfrm>
+          <a:prstGeom prst="rect">
+            <a:avLst/>
+          </a:prstGeom>
+          <a:noFill/>
+          <a:ln>
+            <a:noFill/>
+          </a:ln>
+        </p:spPr>
+        <p:txBody>
+          <a:bodyPr spcFirstLastPara="1" wrap="square" lIns="91425" tIns="91425" rIns="91425" bIns="91425" anchor="t" anchorCtr="0">
+            <a:spAutoFit/>
           </a:bodyPr>
           <a:lstStyle/>
           <a:p>
@@ -17405,15 +18147,15 @@
               <a:buNone/>
             </a:pPr>
             <a:r>
-              <a:rPr lang="it">
-                <a:latin typeface="Times New Roman"/>
-                <a:ea typeface="Times New Roman"/>
-                <a:cs typeface="Times New Roman"/>
-                <a:sym typeface="Times New Roman"/>
-              </a:rPr>
-              <a:t>Thank you for the attention</a:t>
-            </a:r>
-            <a:endParaRPr>
+              <a:rPr lang="it" sz="1900" dirty="0">
+                <a:latin typeface="Times New Roman"/>
+                <a:ea typeface="Times New Roman"/>
+                <a:cs typeface="Times New Roman"/>
+                <a:sym typeface="Times New Roman"/>
+              </a:rPr>
+              <a:t>Parameters value’s effect on execution time</a:t>
+            </a:r>
+            <a:endParaRPr sz="1900" dirty="0">
               <a:latin typeface="Times New Roman"/>
               <a:ea typeface="Times New Roman"/>
               <a:cs typeface="Times New Roman"/>
@@ -17423,6 +18165,11 @@
         </p:txBody>
       </p:sp>
     </p:spTree>
+    <p:extLst>
+      <p:ext uri="{BB962C8B-B14F-4D97-AF65-F5344CB8AC3E}">
+        <p14:creationId xmlns:p14="http://schemas.microsoft.com/office/powerpoint/2010/main" val="1159362210"/>
+      </p:ext>
+    </p:extLst>
   </p:cSld>
   <p:clrMapOvr>
     <a:masterClrMapping/>
@@ -17883,6 +18630,1310 @@
 </file>
 
 <file path=ppt/slides/slide20.xml><?xml version="1.0" encoding="utf-8"?>
+<p:sld xmlns:a="http://schemas.openxmlformats.org/drawingml/2006/main" xmlns:r="http://schemas.openxmlformats.org/officeDocument/2006/relationships" xmlns:p="http://schemas.openxmlformats.org/presentationml/2006/main">
+  <p:cSld>
+    <p:spTree>
+      <p:nvGrpSpPr>
+        <p:cNvPr id="1" name="Shape 164">
+          <a:extLst>
+            <a:ext uri="{FF2B5EF4-FFF2-40B4-BE49-F238E27FC236}">
+              <a16:creationId xmlns:a16="http://schemas.microsoft.com/office/drawing/2014/main" id="{4F019347-1FB9-FFB8-94EA-299346BA254A}"/>
+            </a:ext>
+          </a:extLst>
+        </p:cNvPr>
+        <p:cNvGrpSpPr/>
+        <p:nvPr/>
+      </p:nvGrpSpPr>
+      <p:grpSpPr>
+        <a:xfrm>
+          <a:off x="0" y="0"/>
+          <a:ext cx="0" cy="0"/>
+          <a:chOff x="0" y="0"/>
+          <a:chExt cx="0" cy="0"/>
+        </a:xfrm>
+      </p:grpSpPr>
+      <mc:AlternateContent xmlns:mc="http://schemas.openxmlformats.org/markup-compatibility/2006">
+        <mc:Choice xmlns:a14="http://schemas.microsoft.com/office/drawing/2010/main" Requires="a14">
+          <p:sp>
+            <p:nvSpPr>
+              <p:cNvPr id="10" name="Google Shape;170;p17">
+                <a:extLst>
+                  <a:ext uri="{FF2B5EF4-FFF2-40B4-BE49-F238E27FC236}">
+                    <a16:creationId xmlns:a16="http://schemas.microsoft.com/office/drawing/2014/main" id="{45AC3DDA-212B-214F-24D9-2376C70A0FCA}"/>
+                  </a:ext>
+                </a:extLst>
+              </p:cNvPr>
+              <p:cNvSpPr txBox="1"/>
+              <p:nvPr/>
+            </p:nvSpPr>
+            <p:spPr>
+              <a:xfrm>
+                <a:off x="3914849" y="4162850"/>
+                <a:ext cx="1314297" cy="624308"/>
+              </a:xfrm>
+              <a:prstGeom prst="rect">
+                <a:avLst/>
+              </a:prstGeom>
+              <a:noFill/>
+              <a:ln>
+                <a:solidFill>
+                  <a:schemeClr val="accent1"/>
+                </a:solidFill>
+              </a:ln>
+            </p:spPr>
+            <p:txBody>
+              <a:bodyPr spcFirstLastPara="1" wrap="square" lIns="91425" tIns="91425" rIns="91425" bIns="91425" anchor="t" anchorCtr="0">
+                <a:spAutoFit/>
+              </a:bodyPr>
+              <a:lstStyle/>
+              <a:p>
+                <a:pPr marL="0" lvl="0" indent="0" algn="ctr" rtl="0">
+                  <a:spcBef>
+                    <a:spcPts val="0"/>
+                  </a:spcBef>
+                  <a:spcAft>
+                    <a:spcPts val="0"/>
+                  </a:spcAft>
+                  <a:buNone/>
+                </a:pPr>
+                <a14:m>
+                  <m:oMathPara xmlns:m="http://schemas.openxmlformats.org/officeDocument/2006/math">
+                    <m:oMathParaPr>
+                      <m:jc m:val="centerGroup"/>
+                    </m:oMathParaPr>
+                    <m:oMath xmlns:m="http://schemas.openxmlformats.org/officeDocument/2006/math">
+                      <m:sSub>
+                        <m:sSubPr>
+                          <m:ctrlPr>
+                            <a:rPr lang="ar-AE" i="1" smtClean="0">
+                              <a:solidFill>
+                                <a:schemeClr val="bg2"/>
+                              </a:solidFill>
+                              <a:latin typeface="Cambria Math" panose="02040503050406030204" pitchFamily="18" charset="0"/>
+                              <a:cs typeface="Times New Roman"/>
+                              <a:sym typeface="Times New Roman"/>
+                            </a:rPr>
+                          </m:ctrlPr>
+                        </m:sSubPr>
+                        <m:e>
+                          <m:r>
+                            <a:rPr lang="ar-AE" b="0" i="1" smtClean="0">
+                              <a:solidFill>
+                                <a:schemeClr val="bg2"/>
+                              </a:solidFill>
+                              <a:latin typeface="Cambria Math" panose="02040503050406030204" pitchFamily="18" charset="0"/>
+                              <a:cs typeface="Times New Roman"/>
+                              <a:sym typeface="Times New Roman"/>
+                            </a:rPr>
+                            <m:t>𝑄</m:t>
+                          </m:r>
+                        </m:e>
+                        <m:sub>
+                          <m:r>
+                            <a:rPr lang="ar-AE" b="0" i="1" smtClean="0">
+                              <a:solidFill>
+                                <a:schemeClr val="bg2"/>
+                              </a:solidFill>
+                              <a:latin typeface="Cambria Math" panose="02040503050406030204" pitchFamily="18" charset="0"/>
+                              <a:cs typeface="Times New Roman"/>
+                              <a:sym typeface="Times New Roman"/>
+                            </a:rPr>
+                            <m:t>𝑎</m:t>
+                          </m:r>
+                        </m:sub>
+                      </m:sSub>
+                      <m:r>
+                        <a:rPr lang="ar-AE" b="0" i="1" smtClean="0">
+                          <a:solidFill>
+                            <a:schemeClr val="bg2"/>
+                          </a:solidFill>
+                          <a:latin typeface="Cambria Math" panose="02040503050406030204" pitchFamily="18" charset="0"/>
+                          <a:cs typeface="Times New Roman"/>
+                          <a:sym typeface="Times New Roman"/>
+                        </a:rPr>
+                        <m:t>=</m:t>
+                      </m:r>
+                      <m:f>
+                        <m:fPr>
+                          <m:ctrlPr>
+                            <a:rPr lang="ar-AE" b="0" i="1" smtClean="0">
+                              <a:solidFill>
+                                <a:schemeClr val="bg2"/>
+                              </a:solidFill>
+                              <a:latin typeface="Cambria Math" panose="02040503050406030204" pitchFamily="18" charset="0"/>
+                              <a:cs typeface="Times New Roman"/>
+                              <a:sym typeface="Times New Roman"/>
+                            </a:rPr>
+                          </m:ctrlPr>
+                        </m:fPr>
+                        <m:num>
+                          <m:sSub>
+                            <m:sSubPr>
+                              <m:ctrlPr>
+                                <a:rPr lang="ar-AE" b="0" i="1" smtClean="0">
+                                  <a:solidFill>
+                                    <a:schemeClr val="bg2"/>
+                                  </a:solidFill>
+                                  <a:latin typeface="Cambria Math" panose="02040503050406030204" pitchFamily="18" charset="0"/>
+                                  <a:cs typeface="Times New Roman"/>
+                                  <a:sym typeface="Times New Roman"/>
+                                </a:rPr>
+                              </m:ctrlPr>
+                            </m:sSubPr>
+                            <m:e>
+                              <m:r>
+                                <a:rPr lang="ar-AE" b="0" i="1" smtClean="0">
+                                  <a:solidFill>
+                                    <a:schemeClr val="bg2"/>
+                                  </a:solidFill>
+                                  <a:latin typeface="Cambria Math" panose="02040503050406030204" pitchFamily="18" charset="0"/>
+                                  <a:cs typeface="Times New Roman"/>
+                                  <a:sym typeface="Times New Roman"/>
+                                </a:rPr>
+                                <m:t>𝐾</m:t>
+                              </m:r>
+                            </m:e>
+                            <m:sub>
+                              <m:r>
+                                <a:rPr lang="ar-AE" b="0" i="1" smtClean="0">
+                                  <a:solidFill>
+                                    <a:schemeClr val="bg2"/>
+                                  </a:solidFill>
+                                  <a:latin typeface="Cambria Math" panose="02040503050406030204" pitchFamily="18" charset="0"/>
+                                  <a:cs typeface="Times New Roman"/>
+                                  <a:sym typeface="Times New Roman"/>
+                                </a:rPr>
+                                <m:t>𝑎</m:t>
+                              </m:r>
+                            </m:sub>
+                          </m:sSub>
+                          <m:sSub>
+                            <m:sSubPr>
+                              <m:ctrlPr>
+                                <a:rPr lang="ar-AE" b="0" i="1" smtClean="0">
+                                  <a:solidFill>
+                                    <a:schemeClr val="bg2"/>
+                                  </a:solidFill>
+                                  <a:latin typeface="Cambria Math" panose="02040503050406030204" pitchFamily="18" charset="0"/>
+                                  <a:cs typeface="Times New Roman"/>
+                                  <a:sym typeface="Times New Roman"/>
+                                </a:rPr>
+                              </m:ctrlPr>
+                            </m:sSubPr>
+                            <m:e>
+                              <m:r>
+                                <a:rPr lang="ar-AE" b="0" i="1" smtClean="0">
+                                  <a:solidFill>
+                                    <a:schemeClr val="bg2"/>
+                                  </a:solidFill>
+                                  <a:latin typeface="Cambria Math" panose="02040503050406030204" pitchFamily="18" charset="0"/>
+                                  <a:cs typeface="Times New Roman"/>
+                                  <a:sym typeface="Times New Roman"/>
+                                </a:rPr>
+                                <m:t>𝑉</m:t>
+                              </m:r>
+                            </m:e>
+                            <m:sub>
+                              <m:r>
+                                <a:rPr lang="ar-AE" b="0" i="1" smtClean="0">
+                                  <a:solidFill>
+                                    <a:schemeClr val="bg2"/>
+                                  </a:solidFill>
+                                  <a:latin typeface="Cambria Math" panose="02040503050406030204" pitchFamily="18" charset="0"/>
+                                  <a:cs typeface="Times New Roman"/>
+                                  <a:sym typeface="Times New Roman"/>
+                                </a:rPr>
+                                <m:t>𝑎</m:t>
+                              </m:r>
+                            </m:sub>
+                          </m:sSub>
+                          <m:sSub>
+                            <m:sSubPr>
+                              <m:ctrlPr>
+                                <a:rPr lang="ar-AE" b="0" i="1" smtClean="0">
+                                  <a:solidFill>
+                                    <a:schemeClr val="bg2"/>
+                                  </a:solidFill>
+                                  <a:latin typeface="Cambria Math" panose="02040503050406030204" pitchFamily="18" charset="0"/>
+                                  <a:cs typeface="Times New Roman"/>
+                                  <a:sym typeface="Times New Roman"/>
+                                </a:rPr>
+                              </m:ctrlPr>
+                            </m:sSubPr>
+                            <m:e>
+                              <m:r>
+                                <a:rPr lang="ar-AE" b="0" i="1" smtClean="0">
+                                  <a:solidFill>
+                                    <a:schemeClr val="bg2"/>
+                                  </a:solidFill>
+                                  <a:latin typeface="Cambria Math" panose="02040503050406030204" pitchFamily="18" charset="0"/>
+                                  <a:cs typeface="Times New Roman"/>
+                                  <a:sym typeface="Times New Roman"/>
+                                </a:rPr>
+                                <m:t>𝑊</m:t>
+                              </m:r>
+                            </m:e>
+                            <m:sub>
+                              <m:r>
+                                <a:rPr lang="ar-AE" b="0" i="1" smtClean="0">
+                                  <a:solidFill>
+                                    <a:schemeClr val="bg2"/>
+                                  </a:solidFill>
+                                  <a:latin typeface="Cambria Math" panose="02040503050406030204" pitchFamily="18" charset="0"/>
+                                  <a:cs typeface="Times New Roman"/>
+                                  <a:sym typeface="Times New Roman"/>
+                                </a:rPr>
+                                <m:t>𝑎</m:t>
+                              </m:r>
+                            </m:sub>
+                          </m:sSub>
+                        </m:num>
+                        <m:den>
+                          <m:sSub>
+                            <m:sSubPr>
+                              <m:ctrlPr>
+                                <a:rPr lang="ar-AE" b="0" i="1" smtClean="0">
+                                  <a:solidFill>
+                                    <a:schemeClr val="bg2"/>
+                                  </a:solidFill>
+                                  <a:latin typeface="Cambria Math" panose="02040503050406030204" pitchFamily="18" charset="0"/>
+                                  <a:cs typeface="Times New Roman"/>
+                                  <a:sym typeface="Times New Roman"/>
+                                </a:rPr>
+                              </m:ctrlPr>
+                            </m:sSubPr>
+                            <m:e>
+                              <m:r>
+                                <a:rPr lang="ar-AE" b="0" i="1" smtClean="0">
+                                  <a:solidFill>
+                                    <a:schemeClr val="bg2"/>
+                                  </a:solidFill>
+                                  <a:latin typeface="Cambria Math" panose="02040503050406030204" pitchFamily="18" charset="0"/>
+                                  <a:cs typeface="Times New Roman"/>
+                                  <a:sym typeface="Times New Roman"/>
+                                </a:rPr>
+                                <m:t>𝑉</m:t>
+                              </m:r>
+                            </m:e>
+                            <m:sub>
+                              <m:r>
+                                <a:rPr lang="ar-AE" b="0" i="1" smtClean="0">
+                                  <a:solidFill>
+                                    <a:schemeClr val="bg2"/>
+                                  </a:solidFill>
+                                  <a:latin typeface="Cambria Math" panose="02040503050406030204" pitchFamily="18" charset="0"/>
+                                  <a:cs typeface="Times New Roman"/>
+                                  <a:sym typeface="Times New Roman"/>
+                                </a:rPr>
+                                <m:t>𝑎</m:t>
+                              </m:r>
+                            </m:sub>
+                          </m:sSub>
+                          <m:r>
+                            <a:rPr lang="ar-AE" b="0" i="1" smtClean="0">
+                              <a:solidFill>
+                                <a:schemeClr val="bg2"/>
+                              </a:solidFill>
+                              <a:latin typeface="Cambria Math" panose="02040503050406030204" pitchFamily="18" charset="0"/>
+                              <a:cs typeface="Times New Roman"/>
+                              <a:sym typeface="Times New Roman"/>
+                            </a:rPr>
+                            <m:t>+</m:t>
+                          </m:r>
+                          <m:sSub>
+                            <m:sSubPr>
+                              <m:ctrlPr>
+                                <a:rPr lang="ar-AE" b="0" i="1" smtClean="0">
+                                  <a:solidFill>
+                                    <a:schemeClr val="bg2"/>
+                                  </a:solidFill>
+                                  <a:latin typeface="Cambria Math" panose="02040503050406030204" pitchFamily="18" charset="0"/>
+                                  <a:cs typeface="Times New Roman"/>
+                                  <a:sym typeface="Times New Roman"/>
+                                </a:rPr>
+                              </m:ctrlPr>
+                            </m:sSubPr>
+                            <m:e>
+                              <m:r>
+                                <a:rPr lang="ar-AE" b="0" i="1" smtClean="0">
+                                  <a:solidFill>
+                                    <a:schemeClr val="bg2"/>
+                                  </a:solidFill>
+                                  <a:latin typeface="Cambria Math" panose="02040503050406030204" pitchFamily="18" charset="0"/>
+                                  <a:cs typeface="Times New Roman"/>
+                                  <a:sym typeface="Times New Roman"/>
+                                </a:rPr>
+                                <m:t>𝑊</m:t>
+                              </m:r>
+                            </m:e>
+                            <m:sub>
+                              <m:r>
+                                <a:rPr lang="ar-AE" b="0" i="1" smtClean="0">
+                                  <a:solidFill>
+                                    <a:schemeClr val="bg2"/>
+                                  </a:solidFill>
+                                  <a:latin typeface="Cambria Math" panose="02040503050406030204" pitchFamily="18" charset="0"/>
+                                  <a:cs typeface="Times New Roman"/>
+                                  <a:sym typeface="Times New Roman"/>
+                                </a:rPr>
+                                <m:t>𝑎</m:t>
+                              </m:r>
+                            </m:sub>
+                          </m:sSub>
+                        </m:den>
+                      </m:f>
+                    </m:oMath>
+                  </m:oMathPara>
+                </a14:m>
+                <a:endParaRPr lang="ar-AE" dirty="0">
+                  <a:solidFill>
+                    <a:schemeClr val="bg2"/>
+                  </a:solidFill>
+                  <a:latin typeface="Times New Roman"/>
+                  <a:ea typeface="Times New Roman"/>
+                  <a:cs typeface="Times New Roman"/>
+                  <a:sym typeface="Times New Roman"/>
+                </a:endParaRPr>
+              </a:p>
+            </p:txBody>
+          </p:sp>
+        </mc:Choice>
+        <mc:Fallback>
+          <p:sp>
+            <p:nvSpPr>
+              <p:cNvPr id="10" name="Google Shape;170;p17">
+                <a:extLst>
+                  <a:ext uri="{FF2B5EF4-FFF2-40B4-BE49-F238E27FC236}">
+                    <a16:creationId xmlns:a16="http://schemas.microsoft.com/office/drawing/2014/main" id="{45AC3DDA-212B-214F-24D9-2376C70A0FCA}"/>
+                  </a:ext>
+                </a:extLst>
+              </p:cNvPr>
+              <p:cNvSpPr txBox="1">
+                <a:spLocks noRot="1" noChangeAspect="1" noMove="1" noResize="1" noEditPoints="1" noAdjustHandles="1" noChangeArrowheads="1" noChangeShapeType="1" noTextEdit="1"/>
+              </p:cNvSpPr>
+              <p:nvPr/>
+            </p:nvSpPr>
+            <p:spPr>
+              <a:xfrm>
+                <a:off x="3914849" y="4162850"/>
+                <a:ext cx="1314297" cy="624308"/>
+              </a:xfrm>
+              <a:prstGeom prst="rect">
+                <a:avLst/>
+              </a:prstGeom>
+              <a:blipFill>
+                <a:blip r:embed="rId3"/>
+                <a:stretch>
+                  <a:fillRect/>
+                </a:stretch>
+              </a:blipFill>
+              <a:ln>
+                <a:solidFill>
+                  <a:schemeClr val="accent1"/>
+                </a:solidFill>
+              </a:ln>
+            </p:spPr>
+            <p:txBody>
+              <a:bodyPr/>
+              <a:lstStyle/>
+              <a:p>
+                <a:r>
+                  <a:rPr lang="it-IT">
+                    <a:noFill/>
+                  </a:rPr>
+                  <a:t> </a:t>
+                </a:r>
+              </a:p>
+            </p:txBody>
+          </p:sp>
+        </mc:Fallback>
+      </mc:AlternateContent>
+      <p:pic>
+        <p:nvPicPr>
+          <p:cNvPr id="6" name="Immagine 5" descr="Immagine che contiene testo, linea, diagramma, Diagramma&#10;&#10;Il contenuto generato dall'IA potrebbe non essere corretto.">
+            <a:extLst>
+              <a:ext uri="{FF2B5EF4-FFF2-40B4-BE49-F238E27FC236}">
+                <a16:creationId xmlns:a16="http://schemas.microsoft.com/office/drawing/2014/main" id="{0BFFC0B0-9D17-3845-CB60-E8DAD5D1A829}"/>
+              </a:ext>
+            </a:extLst>
+          </p:cNvPr>
+          <p:cNvPicPr>
+            <a:picLocks noChangeAspect="1"/>
+          </p:cNvPicPr>
+          <p:nvPr/>
+        </p:nvPicPr>
+        <p:blipFill>
+          <a:blip r:embed="rId4"/>
+          <a:srcRect l="5652" t="6446" r="4782" b="1672"/>
+          <a:stretch/>
+        </p:blipFill>
+        <p:spPr>
+          <a:xfrm>
+            <a:off x="4776831" y="673564"/>
+            <a:ext cx="4257198" cy="2729594"/>
+          </a:xfrm>
+          <a:prstGeom prst="rect">
+            <a:avLst/>
+          </a:prstGeom>
+        </p:spPr>
+      </p:pic>
+      <p:pic>
+        <p:nvPicPr>
+          <p:cNvPr id="8" name="Immagine 7" descr="Immagine che contiene testo, linea, diagramma, Diagramma&#10;&#10;Il contenuto generato dall'IA potrebbe non essere corretto.">
+            <a:extLst>
+              <a:ext uri="{FF2B5EF4-FFF2-40B4-BE49-F238E27FC236}">
+                <a16:creationId xmlns:a16="http://schemas.microsoft.com/office/drawing/2014/main" id="{10FC9D91-A3BB-BF17-1071-147C228E12EE}"/>
+              </a:ext>
+            </a:extLst>
+          </p:cNvPr>
+          <p:cNvPicPr>
+            <a:picLocks noChangeAspect="1"/>
+          </p:cNvPicPr>
+          <p:nvPr/>
+        </p:nvPicPr>
+        <p:blipFill>
+          <a:blip r:embed="rId5"/>
+          <a:srcRect l="6475" t="6445" r="6477" b="1739"/>
+          <a:stretch/>
+        </p:blipFill>
+        <p:spPr>
+          <a:xfrm>
+            <a:off x="109971" y="673564"/>
+            <a:ext cx="4043209" cy="2665435"/>
+          </a:xfrm>
+          <a:prstGeom prst="rect">
+            <a:avLst/>
+          </a:prstGeom>
+        </p:spPr>
+      </p:pic>
+      <mc:AlternateContent xmlns:mc="http://schemas.openxmlformats.org/markup-compatibility/2006">
+        <mc:Choice xmlns:a14="http://schemas.microsoft.com/office/drawing/2010/main" Requires="a14">
+          <p:sp>
+            <p:nvSpPr>
+              <p:cNvPr id="12" name="Google Shape;170;p17">
+                <a:extLst>
+                  <a:ext uri="{FF2B5EF4-FFF2-40B4-BE49-F238E27FC236}">
+                    <a16:creationId xmlns:a16="http://schemas.microsoft.com/office/drawing/2014/main" id="{9227E1A3-B99D-000B-47ED-D370732D8C88}"/>
+                  </a:ext>
+                </a:extLst>
+              </p:cNvPr>
+              <p:cNvSpPr txBox="1"/>
+              <p:nvPr/>
+            </p:nvSpPr>
+            <p:spPr>
+              <a:xfrm>
+                <a:off x="2651369" y="3443163"/>
+                <a:ext cx="3841258" cy="615523"/>
+              </a:xfrm>
+              <a:prstGeom prst="rect">
+                <a:avLst/>
+              </a:prstGeom>
+              <a:noFill/>
+              <a:ln>
+                <a:noFill/>
+              </a:ln>
+            </p:spPr>
+            <p:txBody>
+              <a:bodyPr spcFirstLastPara="1" wrap="square" lIns="91425" tIns="91425" rIns="91425" bIns="91425" anchor="t" anchorCtr="0">
+                <a:spAutoFit/>
+              </a:bodyPr>
+              <a:lstStyle/>
+              <a:p>
+                <a:pPr lvl="0" algn="ctr"/>
+                <a:r>
+                  <a:rPr lang="it" dirty="0">
+                    <a:latin typeface="Times New Roman"/>
+                    <a:ea typeface="Times New Roman"/>
+                    <a:cs typeface="Times New Roman"/>
+                    <a:sym typeface="Times New Roman"/>
+                  </a:rPr>
+                  <a:t>Direct proportionality between </a:t>
+                </a:r>
+                <a14:m>
+                  <m:oMath xmlns:m="http://schemas.openxmlformats.org/officeDocument/2006/math">
+                    <m:sSub>
+                      <m:sSubPr>
+                        <m:ctrlPr>
+                          <a:rPr lang="ar-AE" i="1" smtClean="0">
+                            <a:solidFill>
+                              <a:schemeClr val="bg2"/>
+                            </a:solidFill>
+                            <a:latin typeface="Cambria Math" panose="02040503050406030204" pitchFamily="18" charset="0"/>
+                            <a:cs typeface="Times New Roman"/>
+                            <a:sym typeface="Times New Roman"/>
+                          </a:rPr>
+                        </m:ctrlPr>
+                      </m:sSubPr>
+                      <m:e>
+                        <m:r>
+                          <a:rPr lang="ar-AE" b="0" i="1" smtClean="0">
+                            <a:solidFill>
+                              <a:schemeClr val="bg2"/>
+                            </a:solidFill>
+                            <a:latin typeface="Cambria Math" panose="02040503050406030204" pitchFamily="18" charset="0"/>
+                            <a:cs typeface="Times New Roman"/>
+                            <a:sym typeface="Times New Roman"/>
+                          </a:rPr>
+                          <m:t>𝑄</m:t>
+                        </m:r>
+                      </m:e>
+                      <m:sub>
+                        <m:r>
+                          <a:rPr lang="ar-AE" b="0" i="1" smtClean="0">
+                            <a:solidFill>
+                              <a:schemeClr val="bg2"/>
+                            </a:solidFill>
+                            <a:latin typeface="Cambria Math" panose="02040503050406030204" pitchFamily="18" charset="0"/>
+                            <a:cs typeface="Times New Roman"/>
+                            <a:sym typeface="Times New Roman"/>
+                          </a:rPr>
+                          <m:t>𝑎</m:t>
+                        </m:r>
+                      </m:sub>
+                    </m:sSub>
+                  </m:oMath>
+                </a14:m>
+                <a:r>
+                  <a:rPr lang="it" dirty="0">
+                    <a:latin typeface="Times New Roman"/>
+                    <a:ea typeface="Times New Roman"/>
+                    <a:cs typeface="Times New Roman"/>
+                    <a:sym typeface="Times New Roman"/>
+                  </a:rPr>
+                  <a:t> and </a:t>
+                </a:r>
+                <a14:m>
+                  <m:oMath xmlns:m="http://schemas.openxmlformats.org/officeDocument/2006/math">
+                    <m:sSub>
+                      <m:sSubPr>
+                        <m:ctrlPr>
+                          <a:rPr lang="ar-AE" i="1">
+                            <a:solidFill>
+                              <a:schemeClr val="bg2"/>
+                            </a:solidFill>
+                            <a:latin typeface="Cambria Math" panose="02040503050406030204" pitchFamily="18" charset="0"/>
+                            <a:cs typeface="Times New Roman"/>
+                            <a:sym typeface="Times New Roman"/>
+                          </a:rPr>
+                        </m:ctrlPr>
+                      </m:sSubPr>
+                      <m:e>
+                        <m:r>
+                          <a:rPr lang="it-IT" b="0" i="1" smtClean="0">
+                            <a:solidFill>
+                              <a:schemeClr val="bg2"/>
+                            </a:solidFill>
+                            <a:latin typeface="Cambria Math" panose="02040503050406030204" pitchFamily="18" charset="0"/>
+                            <a:cs typeface="Times New Roman"/>
+                            <a:sym typeface="Times New Roman"/>
+                          </a:rPr>
+                          <m:t>𝐾</m:t>
+                        </m:r>
+                      </m:e>
+                      <m:sub>
+                        <m:r>
+                          <a:rPr lang="ar-AE" i="1">
+                            <a:solidFill>
+                              <a:schemeClr val="bg2"/>
+                            </a:solidFill>
+                            <a:latin typeface="Cambria Math" panose="02040503050406030204" pitchFamily="18" charset="0"/>
+                            <a:cs typeface="Times New Roman"/>
+                            <a:sym typeface="Times New Roman"/>
+                          </a:rPr>
+                          <m:t>𝑎</m:t>
+                        </m:r>
+                      </m:sub>
+                    </m:sSub>
+                  </m:oMath>
+                </a14:m>
+                <a:r>
+                  <a:rPr lang="it" dirty="0">
+                    <a:latin typeface="Times New Roman"/>
+                    <a:ea typeface="Times New Roman"/>
+                    <a:cs typeface="Times New Roman"/>
+                    <a:sym typeface="Times New Roman"/>
+                  </a:rPr>
+                  <a:t>, </a:t>
+                </a:r>
+                <a14:m>
+                  <m:oMath xmlns:m="http://schemas.openxmlformats.org/officeDocument/2006/math">
+                    <m:sSub>
+                      <m:sSubPr>
+                        <m:ctrlPr>
+                          <a:rPr lang="ar-AE" i="1">
+                            <a:solidFill>
+                              <a:schemeClr val="bg2"/>
+                            </a:solidFill>
+                            <a:latin typeface="Cambria Math" panose="02040503050406030204" pitchFamily="18" charset="0"/>
+                            <a:cs typeface="Times New Roman"/>
+                            <a:sym typeface="Times New Roman"/>
+                          </a:rPr>
+                        </m:ctrlPr>
+                      </m:sSubPr>
+                      <m:e>
+                        <m:r>
+                          <a:rPr lang="it-IT" b="0" i="1" smtClean="0">
+                            <a:solidFill>
+                              <a:schemeClr val="bg2"/>
+                            </a:solidFill>
+                            <a:latin typeface="Cambria Math" panose="02040503050406030204" pitchFamily="18" charset="0"/>
+                            <a:cs typeface="Times New Roman"/>
+                            <a:sym typeface="Times New Roman"/>
+                          </a:rPr>
+                          <m:t>𝑉</m:t>
+                        </m:r>
+                      </m:e>
+                      <m:sub>
+                        <m:r>
+                          <a:rPr lang="ar-AE" i="1">
+                            <a:solidFill>
+                              <a:schemeClr val="bg2"/>
+                            </a:solidFill>
+                            <a:latin typeface="Cambria Math" panose="02040503050406030204" pitchFamily="18" charset="0"/>
+                            <a:cs typeface="Times New Roman"/>
+                            <a:sym typeface="Times New Roman"/>
+                          </a:rPr>
+                          <m:t>𝑎</m:t>
+                        </m:r>
+                      </m:sub>
+                    </m:sSub>
+                  </m:oMath>
+                </a14:m>
+                <a:r>
+                  <a:rPr lang="it" dirty="0">
+                    <a:latin typeface="Times New Roman"/>
+                    <a:ea typeface="Times New Roman"/>
+                    <a:cs typeface="Times New Roman"/>
+                    <a:sym typeface="Times New Roman"/>
+                  </a:rPr>
+                  <a:t>, </a:t>
+                </a:r>
+                <a14:m>
+                  <m:oMath xmlns:m="http://schemas.openxmlformats.org/officeDocument/2006/math">
+                    <m:sSub>
+                      <m:sSubPr>
+                        <m:ctrlPr>
+                          <a:rPr lang="ar-AE" i="1">
+                            <a:solidFill>
+                              <a:schemeClr val="bg2"/>
+                            </a:solidFill>
+                            <a:latin typeface="Cambria Math" panose="02040503050406030204" pitchFamily="18" charset="0"/>
+                            <a:cs typeface="Times New Roman"/>
+                            <a:sym typeface="Times New Roman"/>
+                          </a:rPr>
+                        </m:ctrlPr>
+                      </m:sSubPr>
+                      <m:e>
+                        <m:r>
+                          <a:rPr lang="it-IT" b="0" i="1" smtClean="0">
+                            <a:solidFill>
+                              <a:schemeClr val="bg2"/>
+                            </a:solidFill>
+                            <a:latin typeface="Cambria Math" panose="02040503050406030204" pitchFamily="18" charset="0"/>
+                            <a:cs typeface="Times New Roman"/>
+                            <a:sym typeface="Times New Roman"/>
+                          </a:rPr>
+                          <m:t>𝑊</m:t>
+                        </m:r>
+                      </m:e>
+                      <m:sub>
+                        <m:r>
+                          <a:rPr lang="ar-AE" i="1">
+                            <a:solidFill>
+                              <a:schemeClr val="bg2"/>
+                            </a:solidFill>
+                            <a:latin typeface="Cambria Math" panose="02040503050406030204" pitchFamily="18" charset="0"/>
+                            <a:cs typeface="Times New Roman"/>
+                            <a:sym typeface="Times New Roman"/>
+                          </a:rPr>
+                          <m:t>𝑎</m:t>
+                        </m:r>
+                      </m:sub>
+                    </m:sSub>
+                  </m:oMath>
+                </a14:m>
+                <a:r>
+                  <a:rPr lang="it" dirty="0">
+                    <a:latin typeface="Times New Roman"/>
+                    <a:ea typeface="Times New Roman"/>
+                    <a:cs typeface="Times New Roman"/>
+                    <a:sym typeface="Times New Roman"/>
+                  </a:rPr>
+                  <a:t>, highlighting a peak congestion at given values.</a:t>
+                </a:r>
+                <a:endParaRPr dirty="0">
+                  <a:latin typeface="Times New Roman"/>
+                  <a:ea typeface="Times New Roman"/>
+                  <a:cs typeface="Times New Roman"/>
+                  <a:sym typeface="Times New Roman"/>
+                </a:endParaRPr>
+              </a:p>
+            </p:txBody>
+          </p:sp>
+        </mc:Choice>
+        <mc:Fallback>
+          <p:sp>
+            <p:nvSpPr>
+              <p:cNvPr id="12" name="Google Shape;170;p17">
+                <a:extLst>
+                  <a:ext uri="{FF2B5EF4-FFF2-40B4-BE49-F238E27FC236}">
+                    <a16:creationId xmlns:a16="http://schemas.microsoft.com/office/drawing/2014/main" id="{9227E1A3-B99D-000B-47ED-D370732D8C88}"/>
+                  </a:ext>
+                </a:extLst>
+              </p:cNvPr>
+              <p:cNvSpPr txBox="1">
+                <a:spLocks noRot="1" noChangeAspect="1" noMove="1" noResize="1" noEditPoints="1" noAdjustHandles="1" noChangeArrowheads="1" noChangeShapeType="1" noTextEdit="1"/>
+              </p:cNvSpPr>
+              <p:nvPr/>
+            </p:nvSpPr>
+            <p:spPr>
+              <a:xfrm>
+                <a:off x="2651369" y="3443163"/>
+                <a:ext cx="3841258" cy="615523"/>
+              </a:xfrm>
+              <a:prstGeom prst="rect">
+                <a:avLst/>
+              </a:prstGeom>
+              <a:blipFill>
+                <a:blip r:embed="rId6"/>
+                <a:stretch>
+                  <a:fillRect r="-658" b="-2041"/>
+                </a:stretch>
+              </a:blipFill>
+              <a:ln>
+                <a:noFill/>
+              </a:ln>
+            </p:spPr>
+            <p:txBody>
+              <a:bodyPr/>
+              <a:lstStyle/>
+              <a:p>
+                <a:r>
+                  <a:rPr lang="it-IT">
+                    <a:noFill/>
+                  </a:rPr>
+                  <a:t> </a:t>
+                </a:r>
+              </a:p>
+            </p:txBody>
+          </p:sp>
+        </mc:Fallback>
+      </mc:AlternateContent>
+      <p:sp>
+        <p:nvSpPr>
+          <p:cNvPr id="14" name="Google Shape;165;p17">
+            <a:extLst>
+              <a:ext uri="{FF2B5EF4-FFF2-40B4-BE49-F238E27FC236}">
+                <a16:creationId xmlns:a16="http://schemas.microsoft.com/office/drawing/2014/main" id="{9BAFD43A-B562-157C-0D24-9AD214414153}"/>
+              </a:ext>
+            </a:extLst>
+          </p:cNvPr>
+          <p:cNvSpPr txBox="1"/>
+          <p:nvPr/>
+        </p:nvSpPr>
+        <p:spPr>
+          <a:xfrm>
+            <a:off x="667725" y="0"/>
+            <a:ext cx="7264200" cy="569400"/>
+          </a:xfrm>
+          <a:prstGeom prst="rect">
+            <a:avLst/>
+          </a:prstGeom>
+          <a:noFill/>
+          <a:ln>
+            <a:noFill/>
+          </a:ln>
+        </p:spPr>
+        <p:txBody>
+          <a:bodyPr spcFirstLastPara="1" wrap="square" lIns="91425" tIns="91425" rIns="91425" bIns="91425" anchor="t" anchorCtr="0">
+            <a:spAutoFit/>
+          </a:bodyPr>
+          <a:lstStyle/>
+          <a:p>
+            <a:pPr marL="0" lvl="0" indent="0" algn="l" rtl="0">
+              <a:spcBef>
+                <a:spcPts val="0"/>
+              </a:spcBef>
+              <a:spcAft>
+                <a:spcPts val="0"/>
+              </a:spcAft>
+              <a:buNone/>
+            </a:pPr>
+            <a:r>
+              <a:rPr lang="it-IT" sz="2400" dirty="0">
+                <a:latin typeface="Times New Roman"/>
+                <a:ea typeface="Times New Roman"/>
+                <a:cs typeface="Times New Roman"/>
+                <a:sym typeface="Times New Roman"/>
+              </a:rPr>
+              <a:t>Parameters </a:t>
+            </a:r>
+            <a:r>
+              <a:rPr lang="it-IT" sz="2400" dirty="0" err="1">
+                <a:latin typeface="Times New Roman"/>
+                <a:ea typeface="Times New Roman"/>
+                <a:cs typeface="Times New Roman"/>
+                <a:sym typeface="Times New Roman"/>
+              </a:rPr>
+              <a:t>value’s</a:t>
+            </a:r>
+            <a:r>
+              <a:rPr lang="it-IT" sz="2400" dirty="0">
+                <a:latin typeface="Times New Roman"/>
+                <a:ea typeface="Times New Roman"/>
+                <a:cs typeface="Times New Roman"/>
+                <a:sym typeface="Times New Roman"/>
+              </a:rPr>
+              <a:t> </a:t>
+            </a:r>
+            <a:r>
+              <a:rPr lang="it-IT" sz="2400" dirty="0" err="1">
+                <a:latin typeface="Times New Roman"/>
+                <a:ea typeface="Times New Roman"/>
+                <a:cs typeface="Times New Roman"/>
+                <a:sym typeface="Times New Roman"/>
+              </a:rPr>
+              <a:t>effect</a:t>
+            </a:r>
+            <a:r>
+              <a:rPr lang="it-IT" sz="2400" dirty="0">
+                <a:latin typeface="Times New Roman"/>
+                <a:ea typeface="Times New Roman"/>
+                <a:cs typeface="Times New Roman"/>
+                <a:sym typeface="Times New Roman"/>
+              </a:rPr>
+              <a:t> on </a:t>
+            </a:r>
+            <a:r>
+              <a:rPr lang="it-IT" sz="2400" dirty="0" err="1">
+                <a:latin typeface="Times New Roman"/>
+                <a:ea typeface="Times New Roman"/>
+                <a:cs typeface="Times New Roman"/>
+                <a:sym typeface="Times New Roman"/>
+              </a:rPr>
+              <a:t>execution</a:t>
+            </a:r>
+            <a:r>
+              <a:rPr lang="it-IT" sz="2400" dirty="0">
+                <a:latin typeface="Times New Roman"/>
+                <a:ea typeface="Times New Roman"/>
+                <a:cs typeface="Times New Roman"/>
+                <a:sym typeface="Times New Roman"/>
+              </a:rPr>
+              <a:t> time</a:t>
+            </a:r>
+          </a:p>
+        </p:txBody>
+      </p:sp>
+    </p:spTree>
+    <p:extLst>
+      <p:ext uri="{BB962C8B-B14F-4D97-AF65-F5344CB8AC3E}">
+        <p14:creationId xmlns:p14="http://schemas.microsoft.com/office/powerpoint/2010/main" val="219544502"/>
+      </p:ext>
+    </p:extLst>
+  </p:cSld>
+  <p:clrMapOvr>
+    <a:masterClrMapping/>
+  </p:clrMapOvr>
+</p:sld>
+</file>
+
+<file path=ppt/slides/slide21.xml><?xml version="1.0" encoding="utf-8"?>
+<p:sld xmlns:a="http://schemas.openxmlformats.org/drawingml/2006/main" xmlns:r="http://schemas.openxmlformats.org/officeDocument/2006/relationships" xmlns:p="http://schemas.openxmlformats.org/presentationml/2006/main">
+  <p:cSld>
+    <p:spTree>
+      <p:nvGrpSpPr>
+        <p:cNvPr id="1" name="Shape 164">
+          <a:extLst>
+            <a:ext uri="{FF2B5EF4-FFF2-40B4-BE49-F238E27FC236}">
+              <a16:creationId xmlns:a16="http://schemas.microsoft.com/office/drawing/2014/main" id="{7B1C1F14-B4B2-D82E-AAA5-544F45F64343}"/>
+            </a:ext>
+          </a:extLst>
+        </p:cNvPr>
+        <p:cNvGrpSpPr/>
+        <p:nvPr/>
+      </p:nvGrpSpPr>
+      <p:grpSpPr>
+        <a:xfrm>
+          <a:off x="0" y="0"/>
+          <a:ext cx="0" cy="0"/>
+          <a:chOff x="0" y="0"/>
+          <a:chExt cx="0" cy="0"/>
+        </a:xfrm>
+      </p:grpSpPr>
+      <p:sp>
+        <p:nvSpPr>
+          <p:cNvPr id="7" name="Rettangolo 6">
+            <a:extLst>
+              <a:ext uri="{FF2B5EF4-FFF2-40B4-BE49-F238E27FC236}">
+                <a16:creationId xmlns:a16="http://schemas.microsoft.com/office/drawing/2014/main" id="{A7F7608D-F190-742C-9760-2341CD409A14}"/>
+              </a:ext>
+            </a:extLst>
+          </p:cNvPr>
+          <p:cNvSpPr/>
+          <p:nvPr/>
+        </p:nvSpPr>
+        <p:spPr>
+          <a:xfrm>
+            <a:off x="667725" y="914400"/>
+            <a:ext cx="1264442" cy="588397"/>
+          </a:xfrm>
+          <a:prstGeom prst="rect">
+            <a:avLst/>
+          </a:prstGeom>
+          <a:solidFill>
+            <a:schemeClr val="bg1"/>
+          </a:solidFill>
+          <a:ln>
+            <a:noFill/>
+          </a:ln>
+        </p:spPr>
+        <p:style>
+          <a:lnRef idx="2">
+            <a:schemeClr val="accent1">
+              <a:shade val="15000"/>
+            </a:schemeClr>
+          </a:lnRef>
+          <a:fillRef idx="1">
+            <a:schemeClr val="accent1"/>
+          </a:fillRef>
+          <a:effectRef idx="0">
+            <a:schemeClr val="accent1"/>
+          </a:effectRef>
+          <a:fontRef idx="minor">
+            <a:schemeClr val="lt1"/>
+          </a:fontRef>
+        </p:style>
+        <p:txBody>
+          <a:bodyPr rtlCol="0" anchor="ctr"/>
+          <a:lstStyle/>
+          <a:p>
+            <a:pPr algn="ctr"/>
+            <a:endParaRPr lang="it-IT"/>
+          </a:p>
+        </p:txBody>
+      </p:sp>
+      <p:sp>
+        <p:nvSpPr>
+          <p:cNvPr id="12" name="Google Shape;170;p17">
+            <a:extLst>
+              <a:ext uri="{FF2B5EF4-FFF2-40B4-BE49-F238E27FC236}">
+                <a16:creationId xmlns:a16="http://schemas.microsoft.com/office/drawing/2014/main" id="{4DDA475C-1F9A-9F3B-0CD6-34BF14406012}"/>
+              </a:ext>
+            </a:extLst>
+          </p:cNvPr>
+          <p:cNvSpPr txBox="1"/>
+          <p:nvPr/>
+        </p:nvSpPr>
+        <p:spPr>
+          <a:xfrm>
+            <a:off x="2939606" y="4574100"/>
+            <a:ext cx="3264787" cy="400079"/>
+          </a:xfrm>
+          <a:prstGeom prst="rect">
+            <a:avLst/>
+          </a:prstGeom>
+          <a:noFill/>
+          <a:ln>
+            <a:noFill/>
+          </a:ln>
+        </p:spPr>
+        <p:txBody>
+          <a:bodyPr spcFirstLastPara="1" wrap="square" lIns="91425" tIns="91425" rIns="91425" bIns="91425" anchor="t" anchorCtr="0">
+            <a:spAutoFit/>
+          </a:bodyPr>
+          <a:lstStyle/>
+          <a:p>
+            <a:pPr lvl="0" algn="ctr"/>
+            <a:r>
+              <a:rPr lang="it-IT" dirty="0">
+                <a:latin typeface="Times New Roman"/>
+                <a:ea typeface="Times New Roman"/>
+                <a:cs typeface="Times New Roman"/>
+                <a:sym typeface="Times New Roman"/>
+              </a:rPr>
+              <a:t>Direct </a:t>
+            </a:r>
+            <a:r>
+              <a:rPr lang="it-IT" dirty="0" err="1">
+                <a:latin typeface="Times New Roman"/>
+                <a:ea typeface="Times New Roman"/>
+                <a:cs typeface="Times New Roman"/>
+                <a:sym typeface="Times New Roman"/>
+              </a:rPr>
+              <a:t>proportionality</a:t>
+            </a:r>
+            <a:r>
+              <a:rPr lang="it-IT" dirty="0">
+                <a:latin typeface="Times New Roman"/>
+                <a:ea typeface="Times New Roman"/>
+                <a:cs typeface="Times New Roman"/>
+                <a:sym typeface="Times New Roman"/>
+              </a:rPr>
+              <a:t> </a:t>
+            </a:r>
+            <a:r>
+              <a:rPr lang="it-IT" dirty="0" err="1">
+                <a:latin typeface="Times New Roman"/>
+                <a:ea typeface="Times New Roman"/>
+                <a:cs typeface="Times New Roman"/>
+                <a:sym typeface="Times New Roman"/>
+              </a:rPr>
+              <a:t>as</a:t>
+            </a:r>
+            <a:r>
+              <a:rPr lang="it-IT" dirty="0">
+                <a:latin typeface="Times New Roman"/>
+                <a:ea typeface="Times New Roman"/>
+                <a:cs typeface="Times New Roman"/>
+                <a:sym typeface="Times New Roman"/>
+              </a:rPr>
+              <a:t> </a:t>
+            </a:r>
+            <a:r>
+              <a:rPr lang="it-IT" dirty="0" err="1">
+                <a:latin typeface="Times New Roman"/>
+                <a:ea typeface="Times New Roman"/>
+                <a:cs typeface="Times New Roman"/>
+                <a:sym typeface="Times New Roman"/>
+              </a:rPr>
+              <a:t>expected</a:t>
+            </a:r>
+            <a:endParaRPr dirty="0">
+              <a:latin typeface="Times New Roman"/>
+              <a:ea typeface="Times New Roman"/>
+              <a:cs typeface="Times New Roman"/>
+              <a:sym typeface="Times New Roman"/>
+            </a:endParaRPr>
+          </a:p>
+        </p:txBody>
+      </p:sp>
+      <p:pic>
+        <p:nvPicPr>
+          <p:cNvPr id="4" name="Immagine 3" descr="Immagine che contiene testo, schermata, linea, diagramma&#10;&#10;Il contenuto generato dall'IA potrebbe non essere corretto.">
+            <a:extLst>
+              <a:ext uri="{FF2B5EF4-FFF2-40B4-BE49-F238E27FC236}">
+                <a16:creationId xmlns:a16="http://schemas.microsoft.com/office/drawing/2014/main" id="{23513158-1D91-4186-0A6B-660D52BD763A}"/>
+              </a:ext>
+            </a:extLst>
+          </p:cNvPr>
+          <p:cNvPicPr>
+            <a:picLocks noChangeAspect="1"/>
+          </p:cNvPicPr>
+          <p:nvPr/>
+        </p:nvPicPr>
+        <p:blipFill>
+          <a:blip r:embed="rId3"/>
+          <a:srcRect l="2927" t="5975" r="3715" b="1704"/>
+          <a:stretch/>
+        </p:blipFill>
+        <p:spPr>
+          <a:xfrm>
+            <a:off x="1218694" y="667412"/>
+            <a:ext cx="6162261" cy="3808675"/>
+          </a:xfrm>
+          <a:prstGeom prst="rect">
+            <a:avLst/>
+          </a:prstGeom>
+        </p:spPr>
+      </p:pic>
+      <p:sp>
+        <p:nvSpPr>
+          <p:cNvPr id="5" name="Google Shape;165;p17">
+            <a:extLst>
+              <a:ext uri="{FF2B5EF4-FFF2-40B4-BE49-F238E27FC236}">
+                <a16:creationId xmlns:a16="http://schemas.microsoft.com/office/drawing/2014/main" id="{49A69CB6-B38C-3030-73F6-29EFCD3B6B77}"/>
+              </a:ext>
+            </a:extLst>
+          </p:cNvPr>
+          <p:cNvSpPr txBox="1"/>
+          <p:nvPr/>
+        </p:nvSpPr>
+        <p:spPr>
+          <a:xfrm>
+            <a:off x="667725" y="0"/>
+            <a:ext cx="7264200" cy="569400"/>
+          </a:xfrm>
+          <a:prstGeom prst="rect">
+            <a:avLst/>
+          </a:prstGeom>
+          <a:noFill/>
+          <a:ln>
+            <a:noFill/>
+          </a:ln>
+        </p:spPr>
+        <p:txBody>
+          <a:bodyPr spcFirstLastPara="1" wrap="square" lIns="91425" tIns="91425" rIns="91425" bIns="91425" anchor="t" anchorCtr="0">
+            <a:spAutoFit/>
+          </a:bodyPr>
+          <a:lstStyle/>
+          <a:p>
+            <a:pPr marL="0" lvl="0" indent="0" algn="l" rtl="0">
+              <a:spcBef>
+                <a:spcPts val="0"/>
+              </a:spcBef>
+              <a:spcAft>
+                <a:spcPts val="0"/>
+              </a:spcAft>
+              <a:buNone/>
+            </a:pPr>
+            <a:r>
+              <a:rPr lang="it-IT" sz="2400" dirty="0">
+                <a:latin typeface="Times New Roman"/>
+                <a:ea typeface="Times New Roman"/>
+                <a:cs typeface="Times New Roman"/>
+                <a:sym typeface="Times New Roman"/>
+              </a:rPr>
+              <a:t>Parameters </a:t>
+            </a:r>
+            <a:r>
+              <a:rPr lang="it-IT" sz="2400" dirty="0" err="1">
+                <a:latin typeface="Times New Roman"/>
+                <a:ea typeface="Times New Roman"/>
+                <a:cs typeface="Times New Roman"/>
+                <a:sym typeface="Times New Roman"/>
+              </a:rPr>
+              <a:t>value’s</a:t>
+            </a:r>
+            <a:r>
+              <a:rPr lang="it-IT" sz="2400" dirty="0">
+                <a:latin typeface="Times New Roman"/>
+                <a:ea typeface="Times New Roman"/>
+                <a:cs typeface="Times New Roman"/>
+                <a:sym typeface="Times New Roman"/>
+              </a:rPr>
+              <a:t> </a:t>
+            </a:r>
+            <a:r>
+              <a:rPr lang="it-IT" sz="2400" dirty="0" err="1">
+                <a:latin typeface="Times New Roman"/>
+                <a:ea typeface="Times New Roman"/>
+                <a:cs typeface="Times New Roman"/>
+                <a:sym typeface="Times New Roman"/>
+              </a:rPr>
+              <a:t>effect</a:t>
+            </a:r>
+            <a:r>
+              <a:rPr lang="it-IT" sz="2400" dirty="0">
+                <a:latin typeface="Times New Roman"/>
+                <a:ea typeface="Times New Roman"/>
+                <a:cs typeface="Times New Roman"/>
+                <a:sym typeface="Times New Roman"/>
+              </a:rPr>
+              <a:t> on </a:t>
+            </a:r>
+            <a:r>
+              <a:rPr lang="it-IT" sz="2400" dirty="0" err="1">
+                <a:latin typeface="Times New Roman"/>
+                <a:ea typeface="Times New Roman"/>
+                <a:cs typeface="Times New Roman"/>
+                <a:sym typeface="Times New Roman"/>
+              </a:rPr>
+              <a:t>execution</a:t>
+            </a:r>
+            <a:r>
+              <a:rPr lang="it-IT" sz="2400" dirty="0">
+                <a:latin typeface="Times New Roman"/>
+                <a:ea typeface="Times New Roman"/>
+                <a:cs typeface="Times New Roman"/>
+                <a:sym typeface="Times New Roman"/>
+              </a:rPr>
+              <a:t> time</a:t>
+            </a:r>
+          </a:p>
+        </p:txBody>
+      </p:sp>
+    </p:spTree>
+    <p:extLst>
+      <p:ext uri="{BB962C8B-B14F-4D97-AF65-F5344CB8AC3E}">
+        <p14:creationId xmlns:p14="http://schemas.microsoft.com/office/powerpoint/2010/main" val="1702214922"/>
+      </p:ext>
+    </p:extLst>
+  </p:cSld>
+  <p:clrMapOvr>
+    <a:masterClrMapping/>
+  </p:clrMapOvr>
+</p:sld>
+</file>
+
+<file path=ppt/slides/slide22.xml><?xml version="1.0" encoding="utf-8"?>
+<p:sld xmlns:a="http://schemas.openxmlformats.org/drawingml/2006/main" xmlns:r="http://schemas.openxmlformats.org/officeDocument/2006/relationships" xmlns:p="http://schemas.openxmlformats.org/presentationml/2006/main">
+  <p:cSld>
+    <p:spTree>
+      <p:nvGrpSpPr>
+        <p:cNvPr id="1" name="Shape 489"/>
+        <p:cNvGrpSpPr/>
+        <p:nvPr/>
+      </p:nvGrpSpPr>
+      <p:grpSpPr>
+        <a:xfrm>
+          <a:off x="0" y="0"/>
+          <a:ext cx="0" cy="0"/>
+          <a:chOff x="0" y="0"/>
+          <a:chExt cx="0" cy="0"/>
+        </a:xfrm>
+      </p:grpSpPr>
+      <p:sp>
+        <p:nvSpPr>
+          <p:cNvPr id="490" name="Google Shape;490;p39"/>
+          <p:cNvSpPr txBox="1">
+            <a:spLocks noGrp="1"/>
+          </p:cNvSpPr>
+          <p:nvPr>
+            <p:ph type="title"/>
+          </p:nvPr>
+        </p:nvSpPr>
+        <p:spPr>
+          <a:xfrm>
+            <a:off x="2543225" y="2148825"/>
+            <a:ext cx="4296900" cy="535200"/>
+          </a:xfrm>
+          <a:prstGeom prst="rect">
+            <a:avLst/>
+          </a:prstGeom>
+        </p:spPr>
+        <p:txBody>
+          <a:bodyPr spcFirstLastPara="1" wrap="square" lIns="91425" tIns="91425" rIns="91425" bIns="91425" anchor="t" anchorCtr="0">
+            <a:normAutofit fontScale="90000"/>
+          </a:bodyPr>
+          <a:lstStyle/>
+          <a:p>
+            <a:pPr marL="0" lvl="0" indent="0" algn="l" rtl="0">
+              <a:spcBef>
+                <a:spcPts val="0"/>
+              </a:spcBef>
+              <a:spcAft>
+                <a:spcPts val="0"/>
+              </a:spcAft>
+              <a:buNone/>
+            </a:pPr>
+            <a:r>
+              <a:rPr lang="it">
+                <a:latin typeface="Times New Roman"/>
+                <a:ea typeface="Times New Roman"/>
+                <a:cs typeface="Times New Roman"/>
+                <a:sym typeface="Times New Roman"/>
+              </a:rPr>
+              <a:t>Thank you for the attention</a:t>
+            </a:r>
+            <a:endParaRPr>
+              <a:latin typeface="Times New Roman"/>
+              <a:ea typeface="Times New Roman"/>
+              <a:cs typeface="Times New Roman"/>
+              <a:sym typeface="Times New Roman"/>
+            </a:endParaRPr>
+          </a:p>
+        </p:txBody>
+      </p:sp>
+    </p:spTree>
+  </p:cSld>
+  <p:clrMapOvr>
+    <a:masterClrMapping/>
+  </p:clrMapOvr>
+</p:sld>
+</file>
+
+<file path=ppt/slides/slide23.xml><?xml version="1.0" encoding="utf-8"?>
 <p:sld xmlns:a="http://schemas.openxmlformats.org/drawingml/2006/main" xmlns:r="http://schemas.openxmlformats.org/officeDocument/2006/relationships" xmlns:p="http://schemas.openxmlformats.org/presentationml/2006/main">
   <p:cSld>
     <p:spTree>
@@ -22135,8 +24186,8 @@
           </a:p>
         </p:txBody>
       </p:sp>
-      <mc:AlternateContent xmlns:mc="http://schemas.openxmlformats.org/markup-compatibility/2006">
-        <mc:Choice xmlns:a14="http://schemas.microsoft.com/office/drawing/2010/main" Requires="a14">
+      <mc:AlternateContent xmlns:mc="http://schemas.openxmlformats.org/markup-compatibility/2006" xmlns:a14="http://schemas.microsoft.com/office/drawing/2010/main">
+        <mc:Choice Requires="a14">
           <p:sp>
             <p:nvSpPr>
               <p:cNvPr id="160" name="Google Shape;160;p16">
@@ -23176,7 +25227,7 @@
             </p:txBody>
           </p:sp>
         </mc:Choice>
-        <mc:Fallback>
+        <mc:Fallback xmlns="">
           <p:sp>
             <p:nvSpPr>
               <p:cNvPr id="160" name="Google Shape;160;p16">
@@ -23224,8 +25275,8 @@
           </p:sp>
         </mc:Fallback>
       </mc:AlternateContent>
-      <mc:AlternateContent xmlns:mc="http://schemas.openxmlformats.org/markup-compatibility/2006">
-        <mc:Choice xmlns:a14="http://schemas.microsoft.com/office/drawing/2010/main" Requires="a14">
+      <mc:AlternateContent xmlns:mc="http://schemas.openxmlformats.org/markup-compatibility/2006" xmlns:a14="http://schemas.microsoft.com/office/drawing/2010/main">
+        <mc:Choice Requires="a14">
           <p:sp>
             <p:nvSpPr>
               <p:cNvPr id="2" name="Google Shape;160;p16">
@@ -24169,7 +26220,7 @@
             </p:txBody>
           </p:sp>
         </mc:Choice>
-        <mc:Fallback>
+        <mc:Fallback xmlns="">
           <p:sp>
             <p:nvSpPr>
               <p:cNvPr id="2" name="Google Shape;160;p16">
@@ -26431,15 +28482,6 @@
 </file>
 
 <file path=customXml/item1.xml><?xml version="1.0" encoding="utf-8"?>
-<?mso-contentType ?>
-<FormTemplates xmlns="http://schemas.microsoft.com/sharepoint/v3/contenttype/forms">
-  <Display>DocumentLibraryForm</Display>
-  <Edit>DocumentLibraryForm</Edit>
-  <New>DocumentLibraryForm</New>
-</FormTemplates>
-</file>
-
-<file path=customXml/item2.xml><?xml version="1.0" encoding="utf-8"?>
 <ct:contentTypeSchema xmlns:ct="http://schemas.microsoft.com/office/2006/metadata/contentType" xmlns:ma="http://schemas.microsoft.com/office/2006/metadata/properties/metaAttributes" ct:_="" ma:_="" ma:contentTypeName="Document" ma:contentTypeID="0x010100FA50B91B52DD3F44B3540B9391848B12" ma:contentTypeVersion="4" ma:contentTypeDescription="Create a new document." ma:contentTypeScope="" ma:versionID="eac2d9bcd0f84db34f62ea62a5d759ed">
   <xsd:schema xmlns:xsd="http://www.w3.org/2001/XMLSchema" xmlns:xs="http://www.w3.org/2001/XMLSchema" xmlns:p="http://schemas.microsoft.com/office/2006/metadata/properties" xmlns:ns2="be087722-f12a-4091-a590-0358dc43a6e8" targetNamespace="http://schemas.microsoft.com/office/2006/metadata/properties" ma:root="true" ma:fieldsID="44606e6baa7569471acd0ad6ba2b6385" ns2:_="">
     <xsd:import namespace="be087722-f12a-4091-a590-0358dc43a6e8"/>
@@ -26583,6 +28625,15 @@
 </ct:contentTypeSchema>
 </file>
 
+<file path=customXml/item2.xml><?xml version="1.0" encoding="utf-8"?>
+<?mso-contentType ?>
+<FormTemplates xmlns="http://schemas.microsoft.com/sharepoint/v3/contenttype/forms">
+  <Display>DocumentLibraryForm</Display>
+  <Edit>DocumentLibraryForm</Edit>
+  <New>DocumentLibraryForm</New>
+</FormTemplates>
+</file>
+
 <file path=customXml/item3.xml><?xml version="1.0" encoding="utf-8"?>
 <p:properties xmlns:p="http://schemas.microsoft.com/office/2006/metadata/properties" xmlns:xsi="http://www.w3.org/2001/XMLSchema-instance" xmlns:pc="http://schemas.microsoft.com/office/infopath/2007/PartnerControls">
   <documentManagement/>
@@ -26590,14 +28641,6 @@
 </file>
 
 <file path=customXml/itemProps1.xml><?xml version="1.0" encoding="utf-8"?>
-<ds:datastoreItem xmlns:ds="http://schemas.openxmlformats.org/officeDocument/2006/customXml" ds:itemID="{4E437D6D-FCEE-4002-B8AF-1E8EF2B8D10C}">
-  <ds:schemaRefs>
-    <ds:schemaRef ds:uri="http://schemas.microsoft.com/sharepoint/v3/contenttype/forms"/>
-  </ds:schemaRefs>
-</ds:datastoreItem>
-</file>
-
-<file path=customXml/itemProps2.xml><?xml version="1.0" encoding="utf-8"?>
 <ds:datastoreItem xmlns:ds="http://schemas.openxmlformats.org/officeDocument/2006/customXml" ds:itemID="{1532690E-4DB4-4ED5-AC68-50DB249CC22C}">
   <ds:schemaRefs>
     <ds:schemaRef ds:uri="http://schemas.microsoft.com/office/2006/metadata/contentType"/>
@@ -26615,6 +28658,14 @@
 </ds:datastoreItem>
 </file>
 
+<file path=customXml/itemProps2.xml><?xml version="1.0" encoding="utf-8"?>
+<ds:datastoreItem xmlns:ds="http://schemas.openxmlformats.org/officeDocument/2006/customXml" ds:itemID="{4E437D6D-FCEE-4002-B8AF-1E8EF2B8D10C}">
+  <ds:schemaRefs>
+    <ds:schemaRef ds:uri="http://schemas.microsoft.com/sharepoint/v3/contenttype/forms"/>
+  </ds:schemaRefs>
+</ds:datastoreItem>
+</file>
+
 <file path=customXml/itemProps3.xml><?xml version="1.0" encoding="utf-8"?>
 <ds:datastoreItem xmlns:ds="http://schemas.openxmlformats.org/officeDocument/2006/customXml" ds:itemID="{C4F3D8CA-DFA6-48E3-81E0-7E5D75B8EF75}">
   <ds:schemaRefs>

--- a/presentation.pptx
+++ b/presentation.pptx
@@ -8856,8 +8856,8 @@
         </p:nvSpPr>
         <p:spPr>
           <a:xfrm>
-            <a:off x="-23075" y="1841450"/>
-            <a:ext cx="9051900" cy="3554789"/>
+            <a:off x="394525" y="1849402"/>
+            <a:ext cx="8216700" cy="3554789"/>
           </a:xfrm>
           <a:prstGeom prst="rect">
             <a:avLst/>
@@ -13061,8 +13061,8 @@
           </a:p>
         </p:txBody>
       </p:sp>
-      <mc:AlternateContent xmlns:mc="http://schemas.openxmlformats.org/markup-compatibility/2006">
-        <mc:Choice xmlns:a14="http://schemas.microsoft.com/office/drawing/2010/main" Requires="a14">
+      <mc:AlternateContent xmlns:mc="http://schemas.openxmlformats.org/markup-compatibility/2006" xmlns:a14="http://schemas.microsoft.com/office/drawing/2010/main">
+        <mc:Choice Requires="a14">
           <p:sp>
             <p:nvSpPr>
               <p:cNvPr id="3" name="Google Shape;102;p15">
@@ -13234,7 +13234,7 @@
             </p:txBody>
           </p:sp>
         </mc:Choice>
-        <mc:Fallback>
+        <mc:Fallback xmlns="">
           <p:sp>
             <p:nvSpPr>
               <p:cNvPr id="3" name="Google Shape;102;p15">
@@ -17608,7 +17608,7 @@
         <p:spPr>
           <a:xfrm>
             <a:off x="667725" y="0"/>
-            <a:ext cx="7264200" cy="569400"/>
+            <a:ext cx="7264200" cy="523190"/>
           </a:xfrm>
           <a:prstGeom prst="rect">
             <a:avLst/>
@@ -17634,7 +17634,7 @@
               <a:buNone/>
             </a:pPr>
             <a:r>
-              <a:rPr lang="it" sz="2400" dirty="0">
+              <a:rPr lang="it" sz="2200" dirty="0">
                 <a:latin typeface="Times New Roman"/>
                 <a:ea typeface="Times New Roman"/>
                 <a:cs typeface="Times New Roman"/>
@@ -17642,7 +17642,7 @@
               </a:rPr>
               <a:t>Gurobi optimization: increasing dimensionality</a:t>
             </a:r>
-            <a:endParaRPr sz="2400" dirty="0">
+            <a:endParaRPr sz="2200" dirty="0">
               <a:latin typeface="Times New Roman"/>
               <a:ea typeface="Times New Roman"/>
               <a:cs typeface="Times New Roman"/>
@@ -18652,8 +18652,8 @@
           <a:chExt cx="0" cy="0"/>
         </a:xfrm>
       </p:grpSpPr>
-      <mc:AlternateContent xmlns:mc="http://schemas.openxmlformats.org/markup-compatibility/2006">
-        <mc:Choice xmlns:a14="http://schemas.microsoft.com/office/drawing/2010/main" Requires="a14">
+      <mc:AlternateContent xmlns:mc="http://schemas.openxmlformats.org/markup-compatibility/2006" xmlns:a14="http://schemas.microsoft.com/office/drawing/2010/main">
+        <mc:Choice Requires="a14">
           <p:sp>
             <p:nvSpPr>
               <p:cNvPr id="10" name="Google Shape;170;p17">
@@ -18998,7 +18998,7 @@
             </p:txBody>
           </p:sp>
         </mc:Choice>
-        <mc:Fallback>
+        <mc:Fallback xmlns="">
           <p:sp>
             <p:nvSpPr>
               <p:cNvPr id="10" name="Google Shape;170;p17">
@@ -19106,8 +19106,8 @@
           </a:prstGeom>
         </p:spPr>
       </p:pic>
-      <mc:AlternateContent xmlns:mc="http://schemas.openxmlformats.org/markup-compatibility/2006">
-        <mc:Choice xmlns:a14="http://schemas.microsoft.com/office/drawing/2010/main" Requires="a14">
+      <mc:AlternateContent xmlns:mc="http://schemas.openxmlformats.org/markup-compatibility/2006" xmlns:a14="http://schemas.microsoft.com/office/drawing/2010/main">
+        <mc:Choice Requires="a14">
           <p:sp>
             <p:nvSpPr>
               <p:cNvPr id="12" name="Google Shape;170;p17">
@@ -19371,7 +19371,7 @@
             </p:txBody>
           </p:sp>
         </mc:Choice>
-        <mc:Fallback>
+        <mc:Fallback xmlns="">
           <p:sp>
             <p:nvSpPr>
               <p:cNvPr id="12" name="Google Shape;170;p17">
@@ -19434,7 +19434,7 @@
         <p:spPr>
           <a:xfrm>
             <a:off x="667725" y="0"/>
-            <a:ext cx="7264200" cy="569400"/>
+            <a:ext cx="7264200" cy="523190"/>
           </a:xfrm>
           <a:prstGeom prst="rect">
             <a:avLst/>
@@ -19460,7 +19460,7 @@
               <a:buNone/>
             </a:pPr>
             <a:r>
-              <a:rPr lang="it-IT" sz="2400" dirty="0">
+              <a:rPr lang="it-IT" sz="2200" dirty="0">
                 <a:latin typeface="Times New Roman"/>
                 <a:ea typeface="Times New Roman"/>
                 <a:cs typeface="Times New Roman"/>
@@ -19469,7 +19469,7 @@
               <a:t>Parameters </a:t>
             </a:r>
             <a:r>
-              <a:rPr lang="it-IT" sz="2400" dirty="0" err="1">
+              <a:rPr lang="it-IT" sz="2200" dirty="0" err="1">
                 <a:latin typeface="Times New Roman"/>
                 <a:ea typeface="Times New Roman"/>
                 <a:cs typeface="Times New Roman"/>
@@ -19478,7 +19478,7 @@
               <a:t>value’s</a:t>
             </a:r>
             <a:r>
-              <a:rPr lang="it-IT" sz="2400" dirty="0">
+              <a:rPr lang="it-IT" sz="2200" dirty="0">
                 <a:latin typeface="Times New Roman"/>
                 <a:ea typeface="Times New Roman"/>
                 <a:cs typeface="Times New Roman"/>
@@ -19487,7 +19487,7 @@
               <a:t> </a:t>
             </a:r>
             <a:r>
-              <a:rPr lang="it-IT" sz="2400" dirty="0" err="1">
+              <a:rPr lang="it-IT" sz="2200" dirty="0" err="1">
                 <a:latin typeface="Times New Roman"/>
                 <a:ea typeface="Times New Roman"/>
                 <a:cs typeface="Times New Roman"/>
@@ -19496,7 +19496,7 @@
               <a:t>effect</a:t>
             </a:r>
             <a:r>
-              <a:rPr lang="it-IT" sz="2400" dirty="0">
+              <a:rPr lang="it-IT" sz="2200" dirty="0">
                 <a:latin typeface="Times New Roman"/>
                 <a:ea typeface="Times New Roman"/>
                 <a:cs typeface="Times New Roman"/>
@@ -19505,7 +19505,7 @@
               <a:t> on </a:t>
             </a:r>
             <a:r>
-              <a:rPr lang="it-IT" sz="2400" dirty="0" err="1">
+              <a:rPr lang="it-IT" sz="2200" dirty="0" err="1">
                 <a:latin typeface="Times New Roman"/>
                 <a:ea typeface="Times New Roman"/>
                 <a:cs typeface="Times New Roman"/>
@@ -19514,7 +19514,7 @@
               <a:t>execution</a:t>
             </a:r>
             <a:r>
-              <a:rPr lang="it-IT" sz="2400" dirty="0">
+              <a:rPr lang="it-IT" sz="2200" dirty="0">
                 <a:latin typeface="Times New Roman"/>
                 <a:ea typeface="Times New Roman"/>
                 <a:cs typeface="Times New Roman"/>
@@ -19627,7 +19627,7 @@
         </p:nvSpPr>
         <p:spPr>
           <a:xfrm>
-            <a:off x="2939606" y="4574100"/>
+            <a:off x="2939605" y="4488736"/>
             <a:ext cx="3264787" cy="400079"/>
           </a:xfrm>
           <a:prstGeom prst="rect">
@@ -19724,13 +19724,13 @@
         </p:nvPicPr>
         <p:blipFill>
           <a:blip r:embed="rId3"/>
-          <a:srcRect l="2927" t="5975" r="3715" b="1704"/>
+          <a:srcRect l="2927" t="11203" r="3715" b="1704"/>
           <a:stretch/>
         </p:blipFill>
         <p:spPr>
           <a:xfrm>
-            <a:off x="1218694" y="667412"/>
-            <a:ext cx="6162261" cy="3808675"/>
+            <a:off x="1490869" y="741270"/>
+            <a:ext cx="6162261" cy="3592996"/>
           </a:xfrm>
           <a:prstGeom prst="rect">
             <a:avLst/>
@@ -19752,7 +19752,7 @@
         <p:spPr>
           <a:xfrm>
             <a:off x="667725" y="0"/>
-            <a:ext cx="7264200" cy="569400"/>
+            <a:ext cx="7264200" cy="523190"/>
           </a:xfrm>
           <a:prstGeom prst="rect">
             <a:avLst/>
@@ -19778,67 +19778,76 @@
               <a:buNone/>
             </a:pPr>
             <a:r>
-              <a:rPr lang="it-IT" sz="2400" dirty="0">
-                <a:latin typeface="Times New Roman"/>
-                <a:ea typeface="Times New Roman"/>
-                <a:cs typeface="Times New Roman"/>
-                <a:sym typeface="Times New Roman"/>
-              </a:rPr>
-              <a:t>Parameters </a:t>
-            </a:r>
-            <a:r>
-              <a:rPr lang="it-IT" sz="2400" dirty="0" err="1">
-                <a:latin typeface="Times New Roman"/>
-                <a:ea typeface="Times New Roman"/>
-                <a:cs typeface="Times New Roman"/>
-                <a:sym typeface="Times New Roman"/>
-              </a:rPr>
-              <a:t>value’s</a:t>
-            </a:r>
-            <a:r>
-              <a:rPr lang="it-IT" sz="2400" dirty="0">
+              <a:rPr lang="it-IT" sz="2200" dirty="0" err="1">
+                <a:latin typeface="Times New Roman"/>
+                <a:ea typeface="Times New Roman"/>
+                <a:cs typeface="Times New Roman"/>
+                <a:sym typeface="Times New Roman"/>
+              </a:rPr>
+              <a:t>Number</a:t>
+            </a:r>
+            <a:r>
+              <a:rPr lang="it-IT" sz="2200" dirty="0">
+                <a:latin typeface="Times New Roman"/>
+                <a:ea typeface="Times New Roman"/>
+                <a:cs typeface="Times New Roman"/>
+                <a:sym typeface="Times New Roman"/>
+              </a:rPr>
+              <a:t> of </a:t>
+            </a:r>
+            <a:r>
+              <a:rPr lang="it-IT" sz="2200" dirty="0" err="1">
+                <a:latin typeface="Times New Roman"/>
+                <a:ea typeface="Times New Roman"/>
+                <a:cs typeface="Times New Roman"/>
+                <a:sym typeface="Times New Roman"/>
+              </a:rPr>
+              <a:t>variables</a:t>
+            </a:r>
+            <a:r>
+              <a:rPr lang="it-IT" sz="2200" dirty="0">
+                <a:latin typeface="Times New Roman"/>
+                <a:ea typeface="Times New Roman"/>
+                <a:cs typeface="Times New Roman"/>
+                <a:sym typeface="Times New Roman"/>
+              </a:rPr>
+              <a:t> and </a:t>
+            </a:r>
+            <a:r>
+              <a:rPr lang="it-IT" sz="2200" dirty="0" err="1">
+                <a:latin typeface="Times New Roman"/>
+                <a:ea typeface="Times New Roman"/>
+                <a:cs typeface="Times New Roman"/>
+                <a:sym typeface="Times New Roman"/>
+              </a:rPr>
+              <a:t>constraints</a:t>
+            </a:r>
+            <a:r>
+              <a:rPr lang="it-IT" sz="2200" dirty="0">
+                <a:latin typeface="Times New Roman"/>
+                <a:ea typeface="Times New Roman"/>
+                <a:cs typeface="Times New Roman"/>
+                <a:sym typeface="Times New Roman"/>
+              </a:rPr>
+              <a:t> VS </a:t>
+            </a:r>
+            <a:r>
+              <a:rPr lang="it-IT" sz="2200" dirty="0" err="1">
+                <a:latin typeface="Times New Roman"/>
+                <a:ea typeface="Times New Roman"/>
+                <a:cs typeface="Times New Roman"/>
+                <a:sym typeface="Times New Roman"/>
+              </a:rPr>
+              <a:t>dimensionality</a:t>
+            </a:r>
+            <a:r>
+              <a:rPr lang="it-IT" sz="2200" dirty="0">
                 <a:latin typeface="Times New Roman"/>
                 <a:ea typeface="Times New Roman"/>
                 <a:cs typeface="Times New Roman"/>
                 <a:sym typeface="Times New Roman"/>
               </a:rPr>
               <a:t> </a:t>
-            </a:r>
-            <a:r>
-              <a:rPr lang="it-IT" sz="2400" dirty="0" err="1">
-                <a:latin typeface="Times New Roman"/>
-                <a:ea typeface="Times New Roman"/>
-                <a:cs typeface="Times New Roman"/>
-                <a:sym typeface="Times New Roman"/>
-              </a:rPr>
-              <a:t>effect</a:t>
-            </a:r>
-            <a:r>
-              <a:rPr lang="it-IT" sz="2400" dirty="0">
-                <a:latin typeface="Times New Roman"/>
-                <a:ea typeface="Times New Roman"/>
-                <a:cs typeface="Times New Roman"/>
-                <a:sym typeface="Times New Roman"/>
-              </a:rPr>
-              <a:t> on </a:t>
-            </a:r>
-            <a:r>
-              <a:rPr lang="it-IT" sz="2400" dirty="0" err="1">
-                <a:latin typeface="Times New Roman"/>
-                <a:ea typeface="Times New Roman"/>
-                <a:cs typeface="Times New Roman"/>
-                <a:sym typeface="Times New Roman"/>
-              </a:rPr>
-              <a:t>execution</a:t>
-            </a:r>
-            <a:r>
-              <a:rPr lang="it-IT" sz="2400" dirty="0">
-                <a:latin typeface="Times New Roman"/>
-                <a:ea typeface="Times New Roman"/>
-                <a:cs typeface="Times New Roman"/>
-                <a:sym typeface="Times New Roman"/>
-              </a:rPr>
-              <a:t> time</a:t>
             </a:r>
           </a:p>
         </p:txBody>
@@ -28482,6 +28491,15 @@
 </file>
 
 <file path=customXml/item1.xml><?xml version="1.0" encoding="utf-8"?>
+<?mso-contentType ?>
+<FormTemplates xmlns="http://schemas.microsoft.com/sharepoint/v3/contenttype/forms">
+  <Display>DocumentLibraryForm</Display>
+  <Edit>DocumentLibraryForm</Edit>
+  <New>DocumentLibraryForm</New>
+</FormTemplates>
+</file>
+
+<file path=customXml/item2.xml><?xml version="1.0" encoding="utf-8"?>
 <ct:contentTypeSchema xmlns:ct="http://schemas.microsoft.com/office/2006/metadata/contentType" xmlns:ma="http://schemas.microsoft.com/office/2006/metadata/properties/metaAttributes" ct:_="" ma:_="" ma:contentTypeName="Document" ma:contentTypeID="0x010100FA50B91B52DD3F44B3540B9391848B12" ma:contentTypeVersion="4" ma:contentTypeDescription="Create a new document." ma:contentTypeScope="" ma:versionID="eac2d9bcd0f84db34f62ea62a5d759ed">
   <xsd:schema xmlns:xsd="http://www.w3.org/2001/XMLSchema" xmlns:xs="http://www.w3.org/2001/XMLSchema" xmlns:p="http://schemas.microsoft.com/office/2006/metadata/properties" xmlns:ns2="be087722-f12a-4091-a590-0358dc43a6e8" targetNamespace="http://schemas.microsoft.com/office/2006/metadata/properties" ma:root="true" ma:fieldsID="44606e6baa7569471acd0ad6ba2b6385" ns2:_="">
     <xsd:import namespace="be087722-f12a-4091-a590-0358dc43a6e8"/>
@@ -28625,15 +28643,6 @@
 </ct:contentTypeSchema>
 </file>
 
-<file path=customXml/item2.xml><?xml version="1.0" encoding="utf-8"?>
-<?mso-contentType ?>
-<FormTemplates xmlns="http://schemas.microsoft.com/sharepoint/v3/contenttype/forms">
-  <Display>DocumentLibraryForm</Display>
-  <Edit>DocumentLibraryForm</Edit>
-  <New>DocumentLibraryForm</New>
-</FormTemplates>
-</file>
-
 <file path=customXml/item3.xml><?xml version="1.0" encoding="utf-8"?>
 <p:properties xmlns:p="http://schemas.microsoft.com/office/2006/metadata/properties" xmlns:xsi="http://www.w3.org/2001/XMLSchema-instance" xmlns:pc="http://schemas.microsoft.com/office/infopath/2007/PartnerControls">
   <documentManagement/>
@@ -28641,6 +28650,14 @@
 </file>
 
 <file path=customXml/itemProps1.xml><?xml version="1.0" encoding="utf-8"?>
+<ds:datastoreItem xmlns:ds="http://schemas.openxmlformats.org/officeDocument/2006/customXml" ds:itemID="{4E437D6D-FCEE-4002-B8AF-1E8EF2B8D10C}">
+  <ds:schemaRefs>
+    <ds:schemaRef ds:uri="http://schemas.microsoft.com/sharepoint/v3/contenttype/forms"/>
+  </ds:schemaRefs>
+</ds:datastoreItem>
+</file>
+
+<file path=customXml/itemProps2.xml><?xml version="1.0" encoding="utf-8"?>
 <ds:datastoreItem xmlns:ds="http://schemas.openxmlformats.org/officeDocument/2006/customXml" ds:itemID="{1532690E-4DB4-4ED5-AC68-50DB249CC22C}">
   <ds:schemaRefs>
     <ds:schemaRef ds:uri="http://schemas.microsoft.com/office/2006/metadata/contentType"/>
@@ -28658,14 +28675,6 @@
 </ds:datastoreItem>
 </file>
 
-<file path=customXml/itemProps2.xml><?xml version="1.0" encoding="utf-8"?>
-<ds:datastoreItem xmlns:ds="http://schemas.openxmlformats.org/officeDocument/2006/customXml" ds:itemID="{4E437D6D-FCEE-4002-B8AF-1E8EF2B8D10C}">
-  <ds:schemaRefs>
-    <ds:schemaRef ds:uri="http://schemas.microsoft.com/sharepoint/v3/contenttype/forms"/>
-  </ds:schemaRefs>
-</ds:datastoreItem>
-</file>
-
 <file path=customXml/itemProps3.xml><?xml version="1.0" encoding="utf-8"?>
 <ds:datastoreItem xmlns:ds="http://schemas.openxmlformats.org/officeDocument/2006/customXml" ds:itemID="{C4F3D8CA-DFA6-48E3-81E0-7E5D75B8EF75}">
   <ds:schemaRefs>
